--- a/Domain-DrivenDesign.A.Trosin.pptx
+++ b/Domain-DrivenDesign.A.Trosin.pptx
@@ -4030,7 +4030,7 @@
         <p:spPr>
           <a:xfrm>
             <a:off x="422030" y="1371600"/>
-            <a:ext cx="8229600" cy="1295400"/>
+            <a:ext cx="8229600" cy="1447800"/>
           </a:xfrm>
         </p:spPr>
         <p:txBody>

--- a/Domain-DrivenDesign.A.Trosin.pptx
+++ b/Domain-DrivenDesign.A.Trosin.pptx
@@ -5,16 +5,18 @@
     <p:sldMasterId id="2147483734" r:id="rId1"/>
   </p:sldMasterIdLst>
   <p:notesMasterIdLst>
-    <p:notesMasterId r:id="rId9"/>
+    <p:notesMasterId r:id="rId11"/>
   </p:notesMasterIdLst>
   <p:sldIdLst>
     <p:sldId id="256" r:id="rId2"/>
     <p:sldId id="258" r:id="rId3"/>
     <p:sldId id="257" r:id="rId4"/>
     <p:sldId id="261" r:id="rId5"/>
-    <p:sldId id="259" r:id="rId6"/>
-    <p:sldId id="260" r:id="rId7"/>
-    <p:sldId id="262" r:id="rId8"/>
+    <p:sldId id="263" r:id="rId6"/>
+    <p:sldId id="259" r:id="rId7"/>
+    <p:sldId id="260" r:id="rId8"/>
+    <p:sldId id="264" r:id="rId9"/>
+    <p:sldId id="262" r:id="rId10"/>
   </p:sldIdLst>
   <p:sldSz cx="9144000" cy="6858000" type="screen4x3"/>
   <p:notesSz cx="6858000" cy="9144000"/>
@@ -947,6 +949,14 @@
           </a:bodyPr>
           <a:lstStyle/>
           <a:p>
+            <a:r>
+              <a:rPr lang="en-US" dirty="0" smtClean="0"/>
+              <a:t>Frameworks,</a:t>
+            </a:r>
+            <a:r>
+              <a:rPr lang="en-US" baseline="0" dirty="0" smtClean="0"/>
+              <a:t> router, etc.. Are not in that category.</a:t>
+            </a:r>
             <a:endParaRPr lang="en-US" dirty="0"/>
           </a:p>
         </p:txBody>
@@ -1052,6 +1062,174 @@
               <a:rPr lang="en-US" smtClean="0"/>
               <a:pPr/>
               <a:t>6</a:t>
+            </a:fld>
+            <a:endParaRPr lang="en-US" dirty="0"/>
+          </a:p>
+        </p:txBody>
+      </p:sp>
+    </p:spTree>
+  </p:cSld>
+  <p:clrMapOvr>
+    <a:masterClrMapping/>
+  </p:clrMapOvr>
+</p:notes>
+</file>
+
+<file path=ppt/notesSlides/notesSlide7.xml><?xml version="1.0" encoding="utf-8"?>
+<p:notes xmlns:a="http://schemas.openxmlformats.org/drawingml/2006/main" xmlns:r="http://schemas.openxmlformats.org/officeDocument/2006/relationships" xmlns:p="http://schemas.openxmlformats.org/presentationml/2006/main">
+  <p:cSld>
+    <p:spTree>
+      <p:nvGrpSpPr>
+        <p:cNvPr id="1" name=""/>
+        <p:cNvGrpSpPr/>
+        <p:nvPr/>
+      </p:nvGrpSpPr>
+      <p:grpSpPr>
+        <a:xfrm>
+          <a:off x="0" y="0"/>
+          <a:ext cx="0" cy="0"/>
+          <a:chOff x="0" y="0"/>
+          <a:chExt cx="0" cy="0"/>
+        </a:xfrm>
+      </p:grpSpPr>
+      <p:sp>
+        <p:nvSpPr>
+          <p:cNvPr id="2" name="Slide Image Placeholder 1"/>
+          <p:cNvSpPr>
+            <a:spLocks noGrp="1" noRot="1" noChangeAspect="1"/>
+          </p:cNvSpPr>
+          <p:nvPr>
+            <p:ph type="sldImg"/>
+          </p:nvPr>
+        </p:nvSpPr>
+        <p:spPr/>
+      </p:sp>
+      <p:sp>
+        <p:nvSpPr>
+          <p:cNvPr id="3" name="Notes Placeholder 2"/>
+          <p:cNvSpPr>
+            <a:spLocks noGrp="1"/>
+          </p:cNvSpPr>
+          <p:nvPr>
+            <p:ph type="body" idx="1"/>
+          </p:nvPr>
+        </p:nvSpPr>
+        <p:spPr/>
+        <p:txBody>
+          <a:bodyPr>
+            <a:normAutofit/>
+          </a:bodyPr>
+          <a:lstStyle/>
+          <a:p>
+            <a:endParaRPr lang="en-US" dirty="0"/>
+          </a:p>
+        </p:txBody>
+      </p:sp>
+      <p:sp>
+        <p:nvSpPr>
+          <p:cNvPr id="4" name="Slide Number Placeholder 3"/>
+          <p:cNvSpPr>
+            <a:spLocks noGrp="1"/>
+          </p:cNvSpPr>
+          <p:nvPr>
+            <p:ph type="sldNum" sz="quarter" idx="10"/>
+          </p:nvPr>
+        </p:nvSpPr>
+        <p:spPr/>
+        <p:txBody>
+          <a:bodyPr/>
+          <a:lstStyle/>
+          <a:p>
+            <a:fld id="{5D5B2715-B0E0-4A76-9B24-AC64393DF8BD}" type="slidenum">
+              <a:rPr lang="en-US" smtClean="0"/>
+              <a:pPr/>
+              <a:t>7</a:t>
+            </a:fld>
+            <a:endParaRPr lang="en-US" dirty="0"/>
+          </a:p>
+        </p:txBody>
+      </p:sp>
+    </p:spTree>
+  </p:cSld>
+  <p:clrMapOvr>
+    <a:masterClrMapping/>
+  </p:clrMapOvr>
+</p:notes>
+</file>
+
+<file path=ppt/notesSlides/notesSlide8.xml><?xml version="1.0" encoding="utf-8"?>
+<p:notes xmlns:a="http://schemas.openxmlformats.org/drawingml/2006/main" xmlns:r="http://schemas.openxmlformats.org/officeDocument/2006/relationships" xmlns:p="http://schemas.openxmlformats.org/presentationml/2006/main">
+  <p:cSld>
+    <p:spTree>
+      <p:nvGrpSpPr>
+        <p:cNvPr id="1" name=""/>
+        <p:cNvGrpSpPr/>
+        <p:nvPr/>
+      </p:nvGrpSpPr>
+      <p:grpSpPr>
+        <a:xfrm>
+          <a:off x="0" y="0"/>
+          <a:ext cx="0" cy="0"/>
+          <a:chOff x="0" y="0"/>
+          <a:chExt cx="0" cy="0"/>
+        </a:xfrm>
+      </p:grpSpPr>
+      <p:sp>
+        <p:nvSpPr>
+          <p:cNvPr id="2" name="Slide Image Placeholder 1"/>
+          <p:cNvSpPr>
+            <a:spLocks noGrp="1" noRot="1" noChangeAspect="1"/>
+          </p:cNvSpPr>
+          <p:nvPr>
+            <p:ph type="sldImg"/>
+          </p:nvPr>
+        </p:nvSpPr>
+        <p:spPr/>
+      </p:sp>
+      <p:sp>
+        <p:nvSpPr>
+          <p:cNvPr id="3" name="Notes Placeholder 2"/>
+          <p:cNvSpPr>
+            <a:spLocks noGrp="1"/>
+          </p:cNvSpPr>
+          <p:nvPr>
+            <p:ph type="body" idx="1"/>
+          </p:nvPr>
+        </p:nvSpPr>
+        <p:spPr/>
+        <p:txBody>
+          <a:bodyPr>
+            <a:normAutofit/>
+          </a:bodyPr>
+          <a:lstStyle/>
+          <a:p>
+            <a:r>
+              <a:rPr lang="en-US" dirty="0" smtClean="0"/>
+              <a:t>Domain examples: Banking, Accounting, Public Relationship..</a:t>
+            </a:r>
+            <a:endParaRPr lang="en-US" dirty="0"/>
+          </a:p>
+        </p:txBody>
+      </p:sp>
+      <p:sp>
+        <p:nvSpPr>
+          <p:cNvPr id="4" name="Slide Number Placeholder 3"/>
+          <p:cNvSpPr>
+            <a:spLocks noGrp="1"/>
+          </p:cNvSpPr>
+          <p:nvPr>
+            <p:ph type="sldNum" sz="quarter" idx="10"/>
+          </p:nvPr>
+        </p:nvSpPr>
+        <p:spPr/>
+        <p:txBody>
+          <a:bodyPr/>
+          <a:lstStyle/>
+          <a:p>
+            <a:fld id="{5D5B2715-B0E0-4A76-9B24-AC64393DF8BD}" type="slidenum">
+              <a:rPr lang="en-US" smtClean="0"/>
+              <a:pPr/>
+              <a:t>8</a:t>
             </a:fld>
             <a:endParaRPr lang="en-US" dirty="0"/>
           </a:p>
@@ -4503,6 +4681,69 @@
         </p:nvSpPr>
         <p:spPr>
           <a:xfrm>
+            <a:off x="381000" y="1676400"/>
+            <a:ext cx="8229600" cy="1600200"/>
+          </a:xfrm>
+        </p:spPr>
+        <p:txBody>
+          <a:bodyPr>
+            <a:normAutofit fontScale="90000"/>
+          </a:bodyPr>
+          <a:lstStyle/>
+          <a:p>
+            <a:r>
+              <a:rPr lang="en-US" dirty="0" smtClean="0"/>
+              <a:t>	Complexity of most software projects is understanding the </a:t>
+            </a:r>
+            <a:r>
+              <a:rPr lang="en-US" u="sng" dirty="0" smtClean="0"/>
+              <a:t>business domain</a:t>
+            </a:r>
+            <a:r>
+              <a:rPr lang="en-US" dirty="0" smtClean="0"/>
+              <a:t> and not a technical one.</a:t>
+            </a:r>
+            <a:endParaRPr lang="en-US" dirty="0"/>
+          </a:p>
+        </p:txBody>
+      </p:sp>
+    </p:spTree>
+  </p:cSld>
+  <p:clrMapOvr>
+    <a:masterClrMapping/>
+  </p:clrMapOvr>
+</p:sld>
+</file>
+
+<file path=ppt/slides/slide6.xml><?xml version="1.0" encoding="utf-8"?>
+<p:sld xmlns:a="http://schemas.openxmlformats.org/drawingml/2006/main" xmlns:r="http://schemas.openxmlformats.org/officeDocument/2006/relationships" xmlns:p="http://schemas.openxmlformats.org/presentationml/2006/main">
+  <p:cSld>
+    <p:spTree>
+      <p:nvGrpSpPr>
+        <p:cNvPr id="1" name=""/>
+        <p:cNvGrpSpPr/>
+        <p:nvPr/>
+      </p:nvGrpSpPr>
+      <p:grpSpPr>
+        <a:xfrm>
+          <a:off x="0" y="0"/>
+          <a:ext cx="0" cy="0"/>
+          <a:chOff x="0" y="0"/>
+          <a:chExt cx="0" cy="0"/>
+        </a:xfrm>
+      </p:grpSpPr>
+      <p:sp>
+        <p:nvSpPr>
+          <p:cNvPr id="2" name="Title 1"/>
+          <p:cNvSpPr>
+            <a:spLocks noGrp="1"/>
+          </p:cNvSpPr>
+          <p:nvPr>
+            <p:ph type="title"/>
+          </p:nvPr>
+        </p:nvSpPr>
+        <p:spPr>
+          <a:xfrm>
             <a:off x="762000" y="228600"/>
             <a:ext cx="7010399" cy="808038"/>
           </a:xfrm>
@@ -4881,7 +5122,7 @@
 </p:sld>
 </file>
 
-<file path=ppt/slides/slide6.xml><?xml version="1.0" encoding="utf-8"?>
+<file path=ppt/slides/slide7.xml><?xml version="1.0" encoding="utf-8"?>
 <p:sld xmlns:a="http://schemas.openxmlformats.org/drawingml/2006/main" xmlns:r="http://schemas.openxmlformats.org/officeDocument/2006/relationships" xmlns:p="http://schemas.openxmlformats.org/presentationml/2006/main">
   <p:cSld>
     <p:spTree>
@@ -5112,7 +5353,70 @@
 </p:sld>
 </file>
 
-<file path=ppt/slides/slide7.xml><?xml version="1.0" encoding="utf-8"?>
+<file path=ppt/slides/slide8.xml><?xml version="1.0" encoding="utf-8"?>
+<p:sld xmlns:a="http://schemas.openxmlformats.org/drawingml/2006/main" xmlns:r="http://schemas.openxmlformats.org/officeDocument/2006/relationships" xmlns:p="http://schemas.openxmlformats.org/presentationml/2006/main">
+  <p:cSld>
+    <p:spTree>
+      <p:nvGrpSpPr>
+        <p:cNvPr id="1" name=""/>
+        <p:cNvGrpSpPr/>
+        <p:nvPr/>
+      </p:nvGrpSpPr>
+      <p:grpSpPr>
+        <a:xfrm>
+          <a:off x="0" y="0"/>
+          <a:ext cx="0" cy="0"/>
+          <a:chOff x="0" y="0"/>
+          <a:chExt cx="0" cy="0"/>
+        </a:xfrm>
+      </p:grpSpPr>
+      <p:sp>
+        <p:nvSpPr>
+          <p:cNvPr id="2" name="Title 1"/>
+          <p:cNvSpPr>
+            <a:spLocks noGrp="1"/>
+          </p:cNvSpPr>
+          <p:nvPr>
+            <p:ph type="title"/>
+          </p:nvPr>
+        </p:nvSpPr>
+        <p:spPr>
+          <a:xfrm>
+            <a:off x="457200" y="2362200"/>
+            <a:ext cx="8229600" cy="1143000"/>
+          </a:xfrm>
+        </p:spPr>
+        <p:txBody>
+          <a:bodyPr>
+            <a:normAutofit fontScale="90000"/>
+          </a:bodyPr>
+          <a:lstStyle/>
+          <a:p>
+            <a:r>
+              <a:rPr lang="en-US" dirty="0" smtClean="0"/>
+              <a:t>Domain - </a:t>
+            </a:r>
+            <a:r>
+              <a:rPr lang="en-US" dirty="0" smtClean="0"/>
+              <a:t>particular </a:t>
+            </a:r>
+            <a:r>
+              <a:rPr lang="en-US" dirty="0" smtClean="0"/>
+              <a:t>field of knowledge</a:t>
+            </a:r>
+            <a:endParaRPr lang="en-US" dirty="0"/>
+          </a:p>
+        </p:txBody>
+      </p:sp>
+    </p:spTree>
+  </p:cSld>
+  <p:clrMapOvr>
+    <a:masterClrMapping/>
+  </p:clrMapOvr>
+</p:sld>
+</file>
+
+<file path=ppt/slides/slide9.xml><?xml version="1.0" encoding="utf-8"?>
 <p:sld xmlns:a="http://schemas.openxmlformats.org/drawingml/2006/main" xmlns:r="http://schemas.openxmlformats.org/officeDocument/2006/relationships" xmlns:p="http://schemas.openxmlformats.org/presentationml/2006/main">
   <p:cSld>
     <p:spTree>

--- a/Domain-DrivenDesign.A.Trosin.pptx
+++ b/Domain-DrivenDesign.A.Trosin.pptx
@@ -5,7 +5,7 @@
     <p:sldMasterId id="2147483734" r:id="rId1"/>
   </p:sldMasterIdLst>
   <p:notesMasterIdLst>
-    <p:notesMasterId r:id="rId11"/>
+    <p:notesMasterId r:id="rId12"/>
   </p:notesMasterIdLst>
   <p:sldIdLst>
     <p:sldId id="256" r:id="rId2"/>
@@ -14,9 +14,10 @@
     <p:sldId id="261" r:id="rId5"/>
     <p:sldId id="263" r:id="rId6"/>
     <p:sldId id="259" r:id="rId7"/>
-    <p:sldId id="260" r:id="rId8"/>
-    <p:sldId id="264" r:id="rId9"/>
-    <p:sldId id="262" r:id="rId10"/>
+    <p:sldId id="265" r:id="rId8"/>
+    <p:sldId id="260" r:id="rId9"/>
+    <p:sldId id="264" r:id="rId10"/>
+    <p:sldId id="262" r:id="rId11"/>
   </p:sldIdLst>
   <p:sldSz cx="9144000" cy="6858000" type="screen4x3"/>
   <p:notesSz cx="6858000" cy="9144000"/>
@@ -201,7 +202,7 @@
             <a:fld id="{A4B025BB-2E79-40D8-8C4B-B985B2186BF8}" type="datetimeFigureOut">
               <a:rPr lang="en-US" smtClean="0"/>
               <a:pPr/>
-              <a:t>4/10/2009</a:t>
+              <a:t>4/11/2009</a:t>
             </a:fld>
             <a:endParaRPr lang="en-US" dirty="0"/>
           </a:p>
@@ -951,6 +952,14 @@
           <a:p>
             <a:r>
               <a:rPr lang="en-US" dirty="0" smtClean="0"/>
+              <a:t>For most of the</a:t>
+            </a:r>
+            <a:r>
+              <a:rPr lang="en-US" baseline="0" dirty="0" smtClean="0"/>
+              <a:t> project it’s true!... For other it’s not </a:t>
+            </a:r>
+            <a:r>
+              <a:rPr lang="en-US" dirty="0" smtClean="0"/>
               <a:t>Frameworks,</a:t>
             </a:r>
             <a:r>
@@ -1143,7 +1152,7 @@
             <a:fld id="{5D5B2715-B0E0-4A76-9B24-AC64393DF8BD}" type="slidenum">
               <a:rPr lang="en-US" smtClean="0"/>
               <a:pPr/>
-              <a:t>7</a:t>
+              <a:t>8</a:t>
             </a:fld>
             <a:endParaRPr lang="en-US" dirty="0"/>
           </a:p>
@@ -1229,7 +1238,7 @@
             <a:fld id="{5D5B2715-B0E0-4A76-9B24-AC64393DF8BD}" type="slidenum">
               <a:rPr lang="en-US" smtClean="0"/>
               <a:pPr/>
-              <a:t>8</a:t>
+              <a:t>9</a:t>
             </a:fld>
             <a:endParaRPr lang="en-US" dirty="0"/>
           </a:p>
@@ -1425,7 +1434,7 @@
             <a:fld id="{692DA68B-07B5-4D40-903F-69FBB0125CEF}" type="datetimeFigureOut">
               <a:rPr lang="en-US" smtClean="0"/>
               <a:pPr/>
-              <a:t>4/10/2009</a:t>
+              <a:t>4/11/2009</a:t>
             </a:fld>
             <a:endParaRPr lang="en-US" dirty="0"/>
           </a:p>
@@ -1592,7 +1601,7 @@
             <a:fld id="{692DA68B-07B5-4D40-903F-69FBB0125CEF}" type="datetimeFigureOut">
               <a:rPr lang="en-US" smtClean="0"/>
               <a:pPr/>
-              <a:t>4/10/2009</a:t>
+              <a:t>4/11/2009</a:t>
             </a:fld>
             <a:endParaRPr lang="en-US" dirty="0"/>
           </a:p>
@@ -1769,7 +1778,7 @@
             <a:fld id="{692DA68B-07B5-4D40-903F-69FBB0125CEF}" type="datetimeFigureOut">
               <a:rPr lang="en-US" smtClean="0"/>
               <a:pPr/>
-              <a:t>4/10/2009</a:t>
+              <a:t>4/11/2009</a:t>
             </a:fld>
             <a:endParaRPr lang="en-US" dirty="0"/>
           </a:p>
@@ -1936,7 +1945,7 @@
             <a:fld id="{692DA68B-07B5-4D40-903F-69FBB0125CEF}" type="datetimeFigureOut">
               <a:rPr lang="en-US" smtClean="0"/>
               <a:pPr/>
-              <a:t>4/10/2009</a:t>
+              <a:t>4/11/2009</a:t>
             </a:fld>
             <a:endParaRPr lang="en-US" dirty="0"/>
           </a:p>
@@ -2179,7 +2188,7 @@
             <a:fld id="{692DA68B-07B5-4D40-903F-69FBB0125CEF}" type="datetimeFigureOut">
               <a:rPr lang="en-US" smtClean="0"/>
               <a:pPr/>
-              <a:t>4/10/2009</a:t>
+              <a:t>4/11/2009</a:t>
             </a:fld>
             <a:endParaRPr lang="en-US" dirty="0"/>
           </a:p>
@@ -2464,7 +2473,7 @@
             <a:fld id="{692DA68B-07B5-4D40-903F-69FBB0125CEF}" type="datetimeFigureOut">
               <a:rPr lang="en-US" smtClean="0"/>
               <a:pPr/>
-              <a:t>4/10/2009</a:t>
+              <a:t>4/11/2009</a:t>
             </a:fld>
             <a:endParaRPr lang="en-US" dirty="0"/>
           </a:p>
@@ -2883,7 +2892,7 @@
             <a:fld id="{692DA68B-07B5-4D40-903F-69FBB0125CEF}" type="datetimeFigureOut">
               <a:rPr lang="en-US" smtClean="0"/>
               <a:pPr/>
-              <a:t>4/10/2009</a:t>
+              <a:t>4/11/2009</a:t>
             </a:fld>
             <a:endParaRPr lang="en-US" dirty="0"/>
           </a:p>
@@ -2998,7 +3007,7 @@
             <a:fld id="{692DA68B-07B5-4D40-903F-69FBB0125CEF}" type="datetimeFigureOut">
               <a:rPr lang="en-US" smtClean="0"/>
               <a:pPr/>
-              <a:t>4/10/2009</a:t>
+              <a:t>4/11/2009</a:t>
             </a:fld>
             <a:endParaRPr lang="en-US" dirty="0"/>
           </a:p>
@@ -3090,7 +3099,7 @@
             <a:fld id="{692DA68B-07B5-4D40-903F-69FBB0125CEF}" type="datetimeFigureOut">
               <a:rPr lang="en-US" smtClean="0"/>
               <a:pPr/>
-              <a:t>4/10/2009</a:t>
+              <a:t>4/11/2009</a:t>
             </a:fld>
             <a:endParaRPr lang="en-US" dirty="0"/>
           </a:p>
@@ -3364,7 +3373,7 @@
             <a:fld id="{692DA68B-07B5-4D40-903F-69FBB0125CEF}" type="datetimeFigureOut">
               <a:rPr lang="en-US" smtClean="0"/>
               <a:pPr/>
-              <a:t>4/10/2009</a:t>
+              <a:t>4/11/2009</a:t>
             </a:fld>
             <a:endParaRPr lang="en-US" dirty="0"/>
           </a:p>
@@ -3614,7 +3623,7 @@
             <a:fld id="{692DA68B-07B5-4D40-903F-69FBB0125CEF}" type="datetimeFigureOut">
               <a:rPr lang="en-US" smtClean="0"/>
               <a:pPr/>
-              <a:t>4/10/2009</a:t>
+              <a:t>4/11/2009</a:t>
             </a:fld>
             <a:endParaRPr lang="en-US" dirty="0"/>
           </a:p>
@@ -3824,7 +3833,7 @@
             <a:fld id="{692DA68B-07B5-4D40-903F-69FBB0125CEF}" type="datetimeFigureOut">
               <a:rPr lang="en-US" smtClean="0"/>
               <a:pPr/>
-              <a:t>4/10/2009</a:t>
+              <a:t>4/11/2009</a:t>
             </a:fld>
             <a:endParaRPr lang="en-US" dirty="0"/>
           </a:p>
@@ -4275,6 +4284,76 @@
 </p:sld>
 </file>
 
+<file path=ppt/slides/slide10.xml><?xml version="1.0" encoding="utf-8"?>
+<p:sld xmlns:a="http://schemas.openxmlformats.org/drawingml/2006/main" xmlns:r="http://schemas.openxmlformats.org/officeDocument/2006/relationships" xmlns:p="http://schemas.openxmlformats.org/presentationml/2006/main">
+  <p:cSld>
+    <p:spTree>
+      <p:nvGrpSpPr>
+        <p:cNvPr id="1" name=""/>
+        <p:cNvGrpSpPr/>
+        <p:nvPr/>
+      </p:nvGrpSpPr>
+      <p:grpSpPr>
+        <a:xfrm>
+          <a:off x="0" y="0"/>
+          <a:ext cx="0" cy="0"/>
+          <a:chOff x="0" y="0"/>
+          <a:chExt cx="0" cy="0"/>
+        </a:xfrm>
+      </p:grpSpPr>
+      <p:sp>
+        <p:nvSpPr>
+          <p:cNvPr id="2" name="Title 1"/>
+          <p:cNvSpPr>
+            <a:spLocks noGrp="1"/>
+          </p:cNvSpPr>
+          <p:nvPr>
+            <p:ph type="title"/>
+          </p:nvPr>
+        </p:nvSpPr>
+        <p:spPr/>
+        <p:txBody>
+          <a:bodyPr/>
+          <a:lstStyle/>
+          <a:p>
+            <a:endParaRPr lang="en-US"/>
+          </a:p>
+        </p:txBody>
+      </p:sp>
+      <p:sp>
+        <p:nvSpPr>
+          <p:cNvPr id="3" name="Content Placeholder 2"/>
+          <p:cNvSpPr>
+            <a:spLocks noGrp="1"/>
+          </p:cNvSpPr>
+          <p:nvPr>
+            <p:ph idx="1"/>
+          </p:nvPr>
+        </p:nvSpPr>
+        <p:spPr/>
+        <p:txBody>
+          <a:bodyPr/>
+          <a:lstStyle/>
+          <a:p>
+            <a:endParaRPr lang="en-US"/>
+          </a:p>
+        </p:txBody>
+      </p:sp>
+    </p:spTree>
+  </p:cSld>
+  <p:clrMapOvr>
+    <a:masterClrMapping/>
+  </p:clrMapOvr>
+  <p:timing>
+    <p:tnLst>
+      <p:par>
+        <p:cTn id="1" dur="indefinite" restart="never" nodeType="tmRoot"/>
+      </p:par>
+    </p:tnLst>
+  </p:timing>
+</p:sld>
+</file>
+
 <file path=ppt/slides/slide2.xml><?xml version="1.0" encoding="utf-8"?>
 <p:sld xmlns:a="http://schemas.openxmlformats.org/drawingml/2006/main" xmlns:r="http://schemas.openxmlformats.org/officeDocument/2006/relationships" xmlns:p="http://schemas.openxmlformats.org/presentationml/2006/main">
   <p:cSld>
@@ -4696,12 +4775,28 @@
               <a:t>	Complexity of most software projects is understanding the </a:t>
             </a:r>
             <a:r>
-              <a:rPr lang="en-US" u="sng" dirty="0" smtClean="0"/>
+              <a:rPr lang="en-US" u="sng" dirty="0" smtClean="0">
+                <a:solidFill>
+                  <a:srgbClr val="009900"/>
+                </a:solidFill>
+              </a:rPr>
               <a:t>business domain</a:t>
             </a:r>
             <a:r>
               <a:rPr lang="en-US" dirty="0" smtClean="0"/>
-              <a:t> and not a technical one.</a:t>
+              <a:t> and </a:t>
+            </a:r>
+            <a:r>
+              <a:rPr lang="en-US" dirty="0" smtClean="0">
+                <a:solidFill>
+                  <a:srgbClr val="FF0000"/>
+                </a:solidFill>
+              </a:rPr>
+              <a:t>not a technical </a:t>
+            </a:r>
+            <a:r>
+              <a:rPr lang="en-US" dirty="0" smtClean="0"/>
+              <a:t>one.</a:t>
             </a:r>
             <a:endParaRPr lang="en-US" dirty="0"/>
           </a:p>
@@ -4712,6 +4807,13 @@
   <p:clrMapOvr>
     <a:masterClrMapping/>
   </p:clrMapOvr>
+  <p:timing>
+    <p:tnLst>
+      <p:par>
+        <p:cTn id="1" dur="indefinite" restart="never" nodeType="tmRoot"/>
+      </p:par>
+    </p:tnLst>
+  </p:timing>
 </p:sld>
 </file>
 
@@ -4776,6 +4878,30 @@
           <a:prstGeom prst="roundRect">
             <a:avLst/>
           </a:prstGeom>
+          <a:gradFill flip="none" rotWithShape="1">
+            <a:gsLst>
+              <a:gs pos="0">
+                <a:schemeClr val="accent1">
+                  <a:tint val="66000"/>
+                  <a:satMod val="160000"/>
+                </a:schemeClr>
+              </a:gs>
+              <a:gs pos="50000">
+                <a:schemeClr val="accent1">
+                  <a:tint val="44500"/>
+                  <a:satMod val="160000"/>
+                </a:schemeClr>
+              </a:gs>
+              <a:gs pos="100000">
+                <a:schemeClr val="accent1">
+                  <a:tint val="23500"/>
+                  <a:satMod val="160000"/>
+                </a:schemeClr>
+              </a:gs>
+            </a:gsLst>
+            <a:lin ang="5400000" scaled="1"/>
+            <a:tileRect/>
+          </a:gradFill>
         </p:spPr>
         <p:style>
           <a:lnRef idx="2">
@@ -4799,7 +4925,14 @@
           <a:p>
             <a:pPr algn="ctr"/>
             <a:r>
-              <a:rPr lang="en-US" dirty="0" smtClean="0"/>
+              <a:rPr lang="en-US" dirty="0" smtClean="0">
+                <a:solidFill>
+                  <a:schemeClr val="tx1">
+                    <a:lumMod val="95000"/>
+                    <a:lumOff val="5000"/>
+                  </a:schemeClr>
+                </a:solidFill>
+              </a:rPr>
               <a:t>Business Domain</a:t>
             </a:r>
           </a:p>
@@ -4835,6 +4968,30 @@
           <a:prstGeom prst="roundRect">
             <a:avLst/>
           </a:prstGeom>
+          <a:gradFill flip="none" rotWithShape="1">
+            <a:gsLst>
+              <a:gs pos="0">
+                <a:schemeClr val="accent1">
+                  <a:tint val="66000"/>
+                  <a:satMod val="160000"/>
+                </a:schemeClr>
+              </a:gs>
+              <a:gs pos="50000">
+                <a:schemeClr val="accent1">
+                  <a:tint val="44500"/>
+                  <a:satMod val="160000"/>
+                </a:schemeClr>
+              </a:gs>
+              <a:gs pos="100000">
+                <a:schemeClr val="accent1">
+                  <a:tint val="23500"/>
+                  <a:satMod val="160000"/>
+                </a:schemeClr>
+              </a:gs>
+            </a:gsLst>
+            <a:lin ang="5400000" scaled="1"/>
+            <a:tileRect/>
+          </a:gradFill>
         </p:spPr>
         <p:style>
           <a:lnRef idx="2">
@@ -4898,6 +5055,12 @@
           <a:prstGeom prst="leftRightArrow">
             <a:avLst/>
           </a:prstGeom>
+          <a:solidFill>
+            <a:schemeClr val="accent3">
+              <a:lumMod val="20000"/>
+              <a:lumOff val="80000"/>
+            </a:schemeClr>
+          </a:solidFill>
         </p:spPr>
         <p:style>
           <a:lnRef idx="2">
@@ -4923,14 +5086,14 @@
             <a:r>
               <a:rPr lang="en-US" dirty="0" smtClean="0">
                 <a:solidFill>
-                  <a:srgbClr val="92D050"/>
+                  <a:srgbClr val="009900"/>
                 </a:solidFill>
               </a:rPr>
               <a:t>We need to bring them together</a:t>
             </a:r>
             <a:endParaRPr lang="en-US" dirty="0">
               <a:solidFill>
-                <a:srgbClr val="92D050"/>
+                <a:srgbClr val="009900"/>
               </a:solidFill>
             </a:endParaRPr>
           </a:p>
@@ -5151,189 +5314,32 @@
         </p:nvSpPr>
         <p:spPr/>
         <p:txBody>
-          <a:bodyPr>
-            <a:normAutofit fontScale="90000"/>
-          </a:bodyPr>
+          <a:bodyPr/>
           <a:lstStyle/>
           <a:p>
             <a:r>
               <a:rPr lang="en-US" dirty="0" smtClean="0"/>
-              <a:t>We need common view and language!</a:t>
-            </a:r>
-            <a:endParaRPr lang="en-US" dirty="0"/>
-          </a:p>
-        </p:txBody>
-      </p:sp>
-      <p:sp>
-        <p:nvSpPr>
-          <p:cNvPr id="7" name="Rounded Rectangle 6"/>
-          <p:cNvSpPr/>
-          <p:nvPr/>
-        </p:nvSpPr>
-        <p:spPr>
-          <a:xfrm>
-            <a:off x="838200" y="2819400"/>
-            <a:ext cx="2057400" cy="1676400"/>
-          </a:xfrm>
-          <a:prstGeom prst="roundRect">
-            <a:avLst/>
-          </a:prstGeom>
-        </p:spPr>
-        <p:style>
-          <a:lnRef idx="2">
-            <a:schemeClr val="accent1">
-              <a:shade val="50000"/>
-            </a:schemeClr>
-          </a:lnRef>
-          <a:fillRef idx="1">
-            <a:schemeClr val="accent1"/>
-          </a:fillRef>
-          <a:effectRef idx="0">
-            <a:schemeClr val="accent1"/>
-          </a:effectRef>
-          <a:fontRef idx="minor">
-            <a:schemeClr val="lt1"/>
-          </a:fontRef>
-        </p:style>
-        <p:txBody>
-          <a:bodyPr rtlCol="0" anchor="ctr"/>
-          <a:lstStyle/>
-          <a:p>
-            <a:pPr algn="ctr"/>
-            <a:r>
-              <a:rPr lang="en-US" dirty="0" smtClean="0"/>
-              <a:t>Business </a:t>
-            </a:r>
-            <a:r>
-              <a:rPr lang="en-US" b="1" dirty="0" smtClean="0">
-                <a:solidFill>
-                  <a:schemeClr val="tx1">
-                    <a:lumMod val="95000"/>
-                    <a:lumOff val="5000"/>
-                  </a:schemeClr>
-                </a:solidFill>
-              </a:rPr>
-              <a:t>Domain</a:t>
-            </a:r>
-            <a:endParaRPr lang="en-US" b="1" dirty="0">
-              <a:solidFill>
-                <a:schemeClr val="tx1">
-                  <a:lumMod val="95000"/>
-                  <a:lumOff val="5000"/>
-                </a:schemeClr>
-              </a:solidFill>
-            </a:endParaRPr>
-          </a:p>
-        </p:txBody>
-      </p:sp>
-      <p:sp>
-        <p:nvSpPr>
-          <p:cNvPr id="9" name="Rounded Rectangle 8"/>
-          <p:cNvSpPr/>
-          <p:nvPr/>
-        </p:nvSpPr>
-        <p:spPr>
-          <a:xfrm>
-            <a:off x="3352800" y="2819400"/>
-            <a:ext cx="2057400" cy="1676400"/>
-          </a:xfrm>
-          <a:prstGeom prst="roundRect">
-            <a:avLst/>
-          </a:prstGeom>
-        </p:spPr>
-        <p:style>
-          <a:lnRef idx="2">
-            <a:schemeClr val="accent1">
-              <a:shade val="50000"/>
-            </a:schemeClr>
-          </a:lnRef>
-          <a:fillRef idx="1">
-            <a:schemeClr val="accent1"/>
-          </a:fillRef>
-          <a:effectRef idx="0">
-            <a:schemeClr val="accent1"/>
-          </a:effectRef>
-          <a:fontRef idx="minor">
-            <a:schemeClr val="lt1"/>
-          </a:fontRef>
-        </p:style>
-        <p:txBody>
-          <a:bodyPr rtlCol="0" anchor="ctr"/>
-          <a:lstStyle/>
-          <a:p>
-            <a:pPr algn="ctr"/>
-            <a:r>
-              <a:rPr lang="en-US" b="1" dirty="0" smtClean="0">
-                <a:solidFill>
-                  <a:schemeClr val="tx1"/>
-                </a:solidFill>
-              </a:rPr>
-              <a:t>Domain</a:t>
-            </a:r>
-            <a:r>
-              <a:rPr lang="en-US" dirty="0" smtClean="0">
-                <a:solidFill>
-                  <a:srgbClr val="7030A0"/>
-                </a:solidFill>
-              </a:rPr>
-              <a:t> </a:t>
-            </a:r>
-            <a:r>
-              <a:rPr lang="en-US" b="1" dirty="0" smtClean="0">
-                <a:solidFill>
-                  <a:srgbClr val="7030A0"/>
-                </a:solidFill>
-              </a:rPr>
-              <a:t>Model</a:t>
-            </a:r>
-            <a:endParaRPr lang="en-US" b="1" dirty="0">
-              <a:solidFill>
-                <a:srgbClr val="7030A0"/>
-              </a:solidFill>
-            </a:endParaRPr>
-          </a:p>
-        </p:txBody>
-      </p:sp>
-      <p:sp>
-        <p:nvSpPr>
-          <p:cNvPr id="10" name="Rounded Rectangle 9"/>
-          <p:cNvSpPr/>
-          <p:nvPr/>
-        </p:nvSpPr>
-        <p:spPr>
-          <a:xfrm>
-            <a:off x="5867400" y="2819400"/>
-            <a:ext cx="2057400" cy="1676400"/>
-          </a:xfrm>
-          <a:prstGeom prst="roundRect">
-            <a:avLst/>
-          </a:prstGeom>
-        </p:spPr>
-        <p:style>
-          <a:lnRef idx="2">
-            <a:schemeClr val="accent1">
-              <a:shade val="50000"/>
-            </a:schemeClr>
-          </a:lnRef>
-          <a:fillRef idx="1">
-            <a:schemeClr val="accent1"/>
-          </a:fillRef>
-          <a:effectRef idx="0">
-            <a:schemeClr val="accent1"/>
-          </a:effectRef>
-          <a:fontRef idx="minor">
-            <a:schemeClr val="lt1"/>
-          </a:fontRef>
-        </p:style>
-        <p:txBody>
-          <a:bodyPr rtlCol="0" anchor="ctr"/>
-          <a:lstStyle/>
-          <a:p>
-            <a:pPr algn="ctr"/>
-            <a:r>
-              <a:rPr lang="en-US" dirty="0" smtClean="0"/>
-              <a:t>Software Development</a:t>
-            </a:r>
+              <a:t>A: How we bring them together?</a:t>
+            </a:r>
+            <a:endParaRPr lang="en-US" dirty="0"/>
+          </a:p>
+        </p:txBody>
+      </p:sp>
+      <p:sp>
+        <p:nvSpPr>
+          <p:cNvPr id="3" name="Content Placeholder 2"/>
+          <p:cNvSpPr>
+            <a:spLocks noGrp="1"/>
+          </p:cNvSpPr>
+          <p:nvPr>
+            <p:ph idx="1"/>
+          </p:nvPr>
+        </p:nvSpPr>
+        <p:spPr/>
+        <p:txBody>
+          <a:bodyPr/>
+          <a:lstStyle/>
+          <a:p>
             <a:endParaRPr lang="en-US" dirty="0"/>
           </a:p>
         </p:txBody>
@@ -5343,13 +5349,6 @@
   <p:clrMapOvr>
     <a:masterClrMapping/>
   </p:clrMapOvr>
-  <p:timing>
-    <p:tnLst>
-      <p:par>
-        <p:cTn id="1" dur="indefinite" restart="never" nodeType="tmRoot"/>
-      </p:par>
-    </p:tnLst>
-  </p:timing>
 </p:sld>
 </file>
 
@@ -5380,12 +5379,7 @@
             <p:ph type="title"/>
           </p:nvPr>
         </p:nvSpPr>
-        <p:spPr>
-          <a:xfrm>
-            <a:off x="457200" y="2362200"/>
-            <a:ext cx="8229600" cy="1143000"/>
-          </a:xfrm>
-        </p:spPr>
+        <p:spPr/>
         <p:txBody>
           <a:bodyPr>
             <a:normAutofit fontScale="90000"/>
@@ -5394,17 +5388,291 @@
           <a:p>
             <a:r>
               <a:rPr lang="en-US" dirty="0" smtClean="0"/>
-              <a:t>Domain - </a:t>
+              <a:t>We need common view and language!</a:t>
+            </a:r>
+            <a:endParaRPr lang="en-US" dirty="0"/>
+          </a:p>
+        </p:txBody>
+      </p:sp>
+      <p:sp>
+        <p:nvSpPr>
+          <p:cNvPr id="7" name="Rounded Rectangle 6"/>
+          <p:cNvSpPr/>
+          <p:nvPr/>
+        </p:nvSpPr>
+        <p:spPr>
+          <a:xfrm>
+            <a:off x="838200" y="2819400"/>
+            <a:ext cx="2057400" cy="1676400"/>
+          </a:xfrm>
+          <a:prstGeom prst="roundRect">
+            <a:avLst/>
+          </a:prstGeom>
+          <a:gradFill flip="none" rotWithShape="1">
+            <a:gsLst>
+              <a:gs pos="0">
+                <a:schemeClr val="accent1">
+                  <a:tint val="66000"/>
+                  <a:satMod val="160000"/>
+                </a:schemeClr>
+              </a:gs>
+              <a:gs pos="50000">
+                <a:schemeClr val="accent1">
+                  <a:tint val="44500"/>
+                  <a:satMod val="160000"/>
+                </a:schemeClr>
+              </a:gs>
+              <a:gs pos="100000">
+                <a:schemeClr val="accent1">
+                  <a:tint val="23500"/>
+                  <a:satMod val="160000"/>
+                </a:schemeClr>
+              </a:gs>
+            </a:gsLst>
+            <a:lin ang="5400000" scaled="1"/>
+            <a:tileRect/>
+          </a:gradFill>
+        </p:spPr>
+        <p:style>
+          <a:lnRef idx="2">
+            <a:schemeClr val="accent1">
+              <a:shade val="50000"/>
+            </a:schemeClr>
+          </a:lnRef>
+          <a:fillRef idx="1">
+            <a:schemeClr val="accent1"/>
+          </a:fillRef>
+          <a:effectRef idx="0">
+            <a:schemeClr val="accent1"/>
+          </a:effectRef>
+          <a:fontRef idx="minor">
+            <a:schemeClr val="lt1"/>
+          </a:fontRef>
+        </p:style>
+        <p:txBody>
+          <a:bodyPr rtlCol="0" anchor="ctr"/>
+          <a:lstStyle/>
+          <a:p>
+            <a:pPr algn="ctr"/>
+            <a:r>
+              <a:rPr lang="en-US" dirty="0" smtClean="0">
+                <a:solidFill>
+                  <a:schemeClr val="tx1"/>
+                </a:solidFill>
+              </a:rPr>
+              <a:t>Business</a:t>
             </a:r>
             <a:r>
               <a:rPr lang="en-US" dirty="0" smtClean="0"/>
-              <a:t>particular </a:t>
-            </a:r>
-            <a:r>
-              <a:rPr lang="en-US" dirty="0" smtClean="0"/>
-              <a:t>field of knowledge</a:t>
-            </a:r>
-            <a:endParaRPr lang="en-US" dirty="0"/>
+              <a:t> </a:t>
+            </a:r>
+            <a:r>
+              <a:rPr lang="en-US" b="1" dirty="0" smtClean="0">
+                <a:solidFill>
+                  <a:srgbClr val="009900"/>
+                </a:solidFill>
+              </a:rPr>
+              <a:t>Domain</a:t>
+            </a:r>
+            <a:endParaRPr lang="en-US" b="1" dirty="0">
+              <a:solidFill>
+                <a:srgbClr val="009900"/>
+              </a:solidFill>
+            </a:endParaRPr>
+          </a:p>
+        </p:txBody>
+      </p:sp>
+      <p:sp>
+        <p:nvSpPr>
+          <p:cNvPr id="9" name="Rounded Rectangle 8"/>
+          <p:cNvSpPr/>
+          <p:nvPr/>
+        </p:nvSpPr>
+        <p:spPr>
+          <a:xfrm>
+            <a:off x="3352800" y="2819400"/>
+            <a:ext cx="2057400" cy="1676400"/>
+          </a:xfrm>
+          <a:prstGeom prst="roundRect">
+            <a:avLst/>
+          </a:prstGeom>
+          <a:gradFill flip="none" rotWithShape="1">
+            <a:gsLst>
+              <a:gs pos="0">
+                <a:schemeClr val="accent1">
+                  <a:tint val="66000"/>
+                  <a:satMod val="160000"/>
+                </a:schemeClr>
+              </a:gs>
+              <a:gs pos="50000">
+                <a:schemeClr val="accent1">
+                  <a:tint val="44500"/>
+                  <a:satMod val="160000"/>
+                </a:schemeClr>
+              </a:gs>
+              <a:gs pos="100000">
+                <a:schemeClr val="accent1">
+                  <a:tint val="23500"/>
+                  <a:satMod val="160000"/>
+                </a:schemeClr>
+              </a:gs>
+            </a:gsLst>
+            <a:lin ang="5400000" scaled="1"/>
+            <a:tileRect/>
+          </a:gradFill>
+        </p:spPr>
+        <p:style>
+          <a:lnRef idx="2">
+            <a:schemeClr val="accent1">
+              <a:shade val="50000"/>
+            </a:schemeClr>
+          </a:lnRef>
+          <a:fillRef idx="1">
+            <a:schemeClr val="accent1"/>
+          </a:fillRef>
+          <a:effectRef idx="0">
+            <a:schemeClr val="accent1"/>
+          </a:effectRef>
+          <a:fontRef idx="minor">
+            <a:schemeClr val="lt1"/>
+          </a:fontRef>
+        </p:style>
+        <p:txBody>
+          <a:bodyPr rtlCol="0" anchor="ctr"/>
+          <a:lstStyle/>
+          <a:p>
+            <a:pPr algn="ctr"/>
+            <a:r>
+              <a:rPr lang="en-US" b="1" dirty="0" smtClean="0">
+                <a:solidFill>
+                  <a:srgbClr val="009900"/>
+                </a:solidFill>
+              </a:rPr>
+              <a:t>Domain</a:t>
+            </a:r>
+            <a:r>
+              <a:rPr lang="en-US" dirty="0" smtClean="0">
+                <a:solidFill>
+                  <a:srgbClr val="7030A0"/>
+                </a:solidFill>
+              </a:rPr>
+              <a:t> </a:t>
+            </a:r>
+            <a:r>
+              <a:rPr lang="en-US" b="1" dirty="0" smtClean="0">
+                <a:solidFill>
+                  <a:srgbClr val="7030A0"/>
+                </a:solidFill>
+              </a:rPr>
+              <a:t>Model</a:t>
+            </a:r>
+          </a:p>
+          <a:p>
+            <a:pPr algn="ctr"/>
+            <a:r>
+              <a:rPr lang="en-US" b="1" dirty="0" smtClean="0">
+                <a:solidFill>
+                  <a:schemeClr val="tx1"/>
+                </a:solidFill>
+              </a:rPr>
+              <a:t>&amp;</a:t>
+            </a:r>
+          </a:p>
+          <a:p>
+            <a:pPr algn="ctr"/>
+            <a:r>
+              <a:rPr lang="en-US" b="1" dirty="0" smtClean="0">
+                <a:solidFill>
+                  <a:schemeClr val="accent1">
+                    <a:lumMod val="50000"/>
+                  </a:schemeClr>
+                </a:solidFill>
+              </a:rPr>
+              <a:t>Ubiquities Language</a:t>
+            </a:r>
+            <a:endParaRPr lang="en-US" b="1" dirty="0">
+              <a:solidFill>
+                <a:schemeClr val="accent1">
+                  <a:lumMod val="50000"/>
+                </a:schemeClr>
+              </a:solidFill>
+            </a:endParaRPr>
+          </a:p>
+        </p:txBody>
+      </p:sp>
+      <p:sp>
+        <p:nvSpPr>
+          <p:cNvPr id="10" name="Rounded Rectangle 9"/>
+          <p:cNvSpPr/>
+          <p:nvPr/>
+        </p:nvSpPr>
+        <p:spPr>
+          <a:xfrm>
+            <a:off x="5867400" y="2819400"/>
+            <a:ext cx="2057400" cy="1676400"/>
+          </a:xfrm>
+          <a:prstGeom prst="roundRect">
+            <a:avLst/>
+          </a:prstGeom>
+          <a:gradFill flip="none" rotWithShape="1">
+            <a:gsLst>
+              <a:gs pos="0">
+                <a:schemeClr val="accent1">
+                  <a:tint val="66000"/>
+                  <a:satMod val="160000"/>
+                </a:schemeClr>
+              </a:gs>
+              <a:gs pos="50000">
+                <a:schemeClr val="accent1">
+                  <a:tint val="44500"/>
+                  <a:satMod val="160000"/>
+                </a:schemeClr>
+              </a:gs>
+              <a:gs pos="100000">
+                <a:schemeClr val="accent1">
+                  <a:tint val="23500"/>
+                  <a:satMod val="160000"/>
+                </a:schemeClr>
+              </a:gs>
+            </a:gsLst>
+            <a:lin ang="5400000" scaled="1"/>
+            <a:tileRect/>
+          </a:gradFill>
+        </p:spPr>
+        <p:style>
+          <a:lnRef idx="2">
+            <a:schemeClr val="accent1">
+              <a:shade val="50000"/>
+            </a:schemeClr>
+          </a:lnRef>
+          <a:fillRef idx="1">
+            <a:schemeClr val="accent1"/>
+          </a:fillRef>
+          <a:effectRef idx="0">
+            <a:schemeClr val="accent1"/>
+          </a:effectRef>
+          <a:fontRef idx="minor">
+            <a:schemeClr val="lt1"/>
+          </a:fontRef>
+        </p:style>
+        <p:txBody>
+          <a:bodyPr rtlCol="0" anchor="ctr"/>
+          <a:lstStyle/>
+          <a:p>
+            <a:pPr algn="ctr"/>
+            <a:r>
+              <a:rPr lang="en-US" dirty="0" smtClean="0">
+                <a:solidFill>
+                  <a:schemeClr val="tx1"/>
+                </a:solidFill>
+              </a:rPr>
+              <a:t>Software Development</a:t>
+            </a:r>
+            <a:endParaRPr lang="en-US" dirty="0">
+              <a:solidFill>
+                <a:schemeClr val="tx1"/>
+              </a:solidFill>
+            </a:endParaRPr>
           </a:p>
         </p:txBody>
       </p:sp>
@@ -5413,6 +5681,13 @@
   <p:clrMapOvr>
     <a:masterClrMapping/>
   </p:clrMapOvr>
+  <p:timing>
+    <p:tnLst>
+      <p:par>
+        <p:cTn id="1" dur="indefinite" restart="never" nodeType="tmRoot"/>
+      </p:par>
+    </p:tnLst>
+  </p:timing>
 </p:sld>
 </file>
 
@@ -5443,31 +5718,23 @@
             <p:ph type="title"/>
           </p:nvPr>
         </p:nvSpPr>
-        <p:spPr/>
-        <p:txBody>
-          <a:bodyPr/>
-          <a:lstStyle/>
-          <a:p>
-            <a:endParaRPr lang="en-US"/>
-          </a:p>
-        </p:txBody>
-      </p:sp>
-      <p:sp>
-        <p:nvSpPr>
-          <p:cNvPr id="3" name="Content Placeholder 2"/>
-          <p:cNvSpPr>
-            <a:spLocks noGrp="1"/>
-          </p:cNvSpPr>
-          <p:nvPr>
-            <p:ph idx="1"/>
-          </p:nvPr>
-        </p:nvSpPr>
-        <p:spPr/>
-        <p:txBody>
-          <a:bodyPr/>
-          <a:lstStyle/>
-          <a:p>
-            <a:endParaRPr lang="en-US"/>
+        <p:spPr>
+          <a:xfrm>
+            <a:off x="457200" y="2362200"/>
+            <a:ext cx="8229600" cy="1143000"/>
+          </a:xfrm>
+        </p:spPr>
+        <p:txBody>
+          <a:bodyPr>
+            <a:normAutofit fontScale="90000"/>
+          </a:bodyPr>
+          <a:lstStyle/>
+          <a:p>
+            <a:r>
+              <a:rPr lang="en-US" dirty="0" smtClean="0"/>
+              <a:t>Domain - particular field of knowledge</a:t>
+            </a:r>
+            <a:endParaRPr lang="en-US" dirty="0"/>
           </a:p>
         </p:txBody>
       </p:sp>

--- a/Domain-DrivenDesign.A.Trosin.pptx
+++ b/Domain-DrivenDesign.A.Trosin.pptx
@@ -580,8 +580,27 @@
                 <a:ea typeface="+mn-ea"/>
                 <a:cs typeface="+mn-cs"/>
               </a:rPr>
-              <a:t> written by Eric Evans.</a:t>
-            </a:r>
+              <a:t> written by Eric Evans</a:t>
+            </a:r>
+            <a:r>
+              <a:rPr lang="en-US" sz="1200" kern="1200" dirty="0" smtClean="0">
+                <a:solidFill>
+                  <a:schemeClr val="tx1"/>
+                </a:solidFill>
+                <a:latin typeface="+mn-lt"/>
+                <a:ea typeface="+mn-ea"/>
+                <a:cs typeface="+mn-cs"/>
+              </a:rPr>
+              <a:t>. </a:t>
+            </a:r>
+            <a:endParaRPr lang="en-US" sz="1200" kern="1200" dirty="0" smtClean="0">
+              <a:solidFill>
+                <a:schemeClr val="tx1"/>
+              </a:solidFill>
+              <a:latin typeface="+mn-lt"/>
+              <a:ea typeface="+mn-ea"/>
+              <a:cs typeface="+mn-cs"/>
+            </a:endParaRPr>
           </a:p>
           <a:p>
             <a:endParaRPr lang="en-US" sz="1200" kern="1200" dirty="0" smtClean="0">
@@ -781,8 +800,16 @@
           <a:lstStyle/>
           <a:p>
             <a:r>
+              <a:rPr lang="en-US" smtClean="0"/>
+              <a:t>Most </a:t>
+            </a:r>
+            <a:r>
+              <a:rPr lang="en-US" smtClean="0"/>
+              <a:t>  of  the </a:t>
+            </a:r>
+            <a:r>
               <a:rPr lang="en-US" dirty="0" smtClean="0"/>
-              <a:t>Most of the software solutions in nowadays are designed to automate different domains, and a large number of systems are specific to particular needs of a business, so common software solutions in high competitive business less and less find their place in market. Why I’m discussing that? Because DDD is not only about the pure design but also teach how to abstract a complex Domain in a software solution where you will discover new ways of dealing with complexity, changes, communication,… Instead of making the system ugly, very hard to understand, un-maintainable and where any change in the system leads to a deeper legacy. </a:t>
+              <a:t>software solutions in nowadays are designed to automate different domains, and a large number of systems are specific to particular needs of a business, so common software solutions in high competitive business less and less find their place in market. Why I’m discussing that? Because DDD is not only about the pure design but also teach how to abstract a complex Domain in a software solution where you will discover new ways of dealing with complexity, changes, communication,… Instead of making the system ugly, very hard to understand, un-maintainable and where any change in the system leads to a deeper legacy. </a:t>
             </a:r>
           </a:p>
           <a:p>

--- a/Domain-DrivenDesign.A.Trosin.pptx
+++ b/Domain-DrivenDesign.A.Trosin.pptx
@@ -800,16 +800,28 @@
           <a:lstStyle/>
           <a:p>
             <a:r>
-              <a:rPr lang="en-US" smtClean="0"/>
+              <a:rPr lang="en-US" dirty="0" smtClean="0"/>
               <a:t>Most </a:t>
             </a:r>
             <a:r>
-              <a:rPr lang="en-US" smtClean="0"/>
+              <a:rPr lang="en-US" dirty="0" smtClean="0"/>
               <a:t>  of  the </a:t>
             </a:r>
             <a:r>
               <a:rPr lang="en-US" dirty="0" smtClean="0"/>
-              <a:t>software solutions in nowadays are designed to automate different domains, and a large number of systems are specific to particular needs of a business, so common software solutions in high competitive business less and less find their place in market. Why I’m discussing that? Because DDD is not only about the pure design but also teach how to abstract a complex Domain in a software solution where you will discover new ways of dealing with complexity, changes, communication,… Instead of making the system ugly, very hard to understand, un-maintainable and where any change in the system leads to a deeper legacy. </a:t>
+              <a:t>software solutions in nowadays are designed to automate different domains, and a large number of systems are specific to particular needs of a business, so common software solutions in high competitive business less and less find their place in market. Why I’m discussing that? Because DDD is not only about the pure design but also teach how to abstract a complex Domain in a software solution where you will discover new ways of dealing with complexity, changes</a:t>
+            </a:r>
+            <a:r>
+              <a:rPr lang="en-US" smtClean="0"/>
+              <a:t>, </a:t>
+            </a:r>
+            <a:r>
+              <a:rPr lang="en-US" smtClean="0"/>
+              <a:t>communication  ,…  Instead </a:t>
+            </a:r>
+            <a:r>
+              <a:rPr lang="en-US" dirty="0" smtClean="0"/>
+              <a:t>of making the system ugly, very hard to understand, un-maintainable and where any change in the system leads to a deeper legacy. </a:t>
             </a:r>
           </a:p>
           <a:p>

--- a/Domain-DrivenDesign.A.Trosin.pptx
+++ b/Domain-DrivenDesign.A.Trosin.pptx
@@ -809,14 +809,10 @@
             </a:r>
             <a:r>
               <a:rPr lang="en-US" dirty="0" smtClean="0"/>
-              <a:t>software solutions in nowadays are designed to automate different domains, and a large number of systems are specific to particular needs of a business, so common software solutions in high competitive business less and less find their place in market. Why I’m discussing that? Because DDD is not only about the pure design but also teach how to abstract a complex Domain in a software solution where you will discover new ways of dealing with complexity, changes</a:t>
-            </a:r>
-            <a:r>
-              <a:rPr lang="en-US" smtClean="0"/>
-              <a:t>, </a:t>
-            </a:r>
-            <a:r>
-              <a:rPr lang="en-US" smtClean="0"/>
+              <a:t>software solutions in nowadays are designed to automate different domains, and a large number of systems are specific to particular needs of a business, so common software solutions in high competitive business less and less find their place in market. Why I’m discussing that? Because DDD is not only about the pure design but also teach how to abstract a complex Domain in a software solution where you will discover new ways of dealing with complexity, changes, </a:t>
+            </a:r>
+            <a:r>
+              <a:rPr lang="en-US" dirty="0" smtClean="0"/>
               <a:t>communication  ,…  Instead </a:t>
             </a:r>
             <a:r>
@@ -1278,6 +1274,88 @@
               <a:rPr lang="en-US" smtClean="0"/>
               <a:pPr/>
               <a:t>9</a:t>
+            </a:fld>
+            <a:endParaRPr lang="en-US" dirty="0"/>
+          </a:p>
+        </p:txBody>
+      </p:sp>
+    </p:spTree>
+  </p:cSld>
+  <p:clrMapOvr>
+    <a:masterClrMapping/>
+  </p:clrMapOvr>
+</p:notes>
+</file>
+
+<file path=ppt/notesSlides/notesSlide9.xml><?xml version="1.0" encoding="utf-8"?>
+<p:notes xmlns:a="http://schemas.openxmlformats.org/drawingml/2006/main" xmlns:r="http://schemas.openxmlformats.org/officeDocument/2006/relationships" xmlns:p="http://schemas.openxmlformats.org/presentationml/2006/main">
+  <p:cSld>
+    <p:spTree>
+      <p:nvGrpSpPr>
+        <p:cNvPr id="1" name=""/>
+        <p:cNvGrpSpPr/>
+        <p:nvPr/>
+      </p:nvGrpSpPr>
+      <p:grpSpPr>
+        <a:xfrm>
+          <a:off x="0" y="0"/>
+          <a:ext cx="0" cy="0"/>
+          <a:chOff x="0" y="0"/>
+          <a:chExt cx="0" cy="0"/>
+        </a:xfrm>
+      </p:grpSpPr>
+      <p:sp>
+        <p:nvSpPr>
+          <p:cNvPr id="2" name="Образ слайда 1"/>
+          <p:cNvSpPr>
+            <a:spLocks noGrp="1" noRot="1" noChangeAspect="1"/>
+          </p:cNvSpPr>
+          <p:nvPr>
+            <p:ph type="sldImg"/>
+          </p:nvPr>
+        </p:nvSpPr>
+        <p:spPr/>
+      </p:sp>
+      <p:sp>
+        <p:nvSpPr>
+          <p:cNvPr id="3" name="Заметки 2"/>
+          <p:cNvSpPr>
+            <a:spLocks noGrp="1"/>
+          </p:cNvSpPr>
+          <p:nvPr>
+            <p:ph type="body" idx="1"/>
+          </p:nvPr>
+        </p:nvSpPr>
+        <p:spPr/>
+        <p:txBody>
+          <a:bodyPr>
+            <a:normAutofit/>
+          </a:bodyPr>
+          <a:lstStyle/>
+          <a:p>
+            <a:endParaRPr lang="en-US" dirty="0"/>
+          </a:p>
+        </p:txBody>
+      </p:sp>
+      <p:sp>
+        <p:nvSpPr>
+          <p:cNvPr id="4" name="Номер слайда 3"/>
+          <p:cNvSpPr>
+            <a:spLocks noGrp="1"/>
+          </p:cNvSpPr>
+          <p:nvPr>
+            <p:ph type="sldNum" sz="quarter" idx="10"/>
+          </p:nvPr>
+        </p:nvSpPr>
+        <p:spPr/>
+        <p:txBody>
+          <a:bodyPr/>
+          <a:lstStyle/>
+          <a:p>
+            <a:fld id="{5D5B2715-B0E0-4A76-9B24-AC64393DF8BD}" type="slidenum">
+              <a:rPr lang="en-US" smtClean="0"/>
+              <a:pPr/>
+              <a:t>10</a:t>
             </a:fld>
             <a:endParaRPr lang="en-US" dirty="0"/>
           </a:p>
@@ -4355,7 +4433,11 @@
           <a:bodyPr/>
           <a:lstStyle/>
           <a:p>
-            <a:endParaRPr lang="en-US"/>
+            <a:r>
+              <a:rPr lang="en-US" dirty="0" smtClean="0"/>
+              <a:t>1</a:t>
+            </a:r>
+            <a:endParaRPr lang="en-US" dirty="0"/>
           </a:p>
         </p:txBody>
       </p:sp>
@@ -4374,7 +4456,11 @@
           <a:bodyPr/>
           <a:lstStyle/>
           <a:p>
-            <a:endParaRPr lang="en-US"/>
+            <a:r>
+              <a:rPr lang="en-US" dirty="0" smtClean="0"/>
+              <a:t>2</a:t>
+            </a:r>
+            <a:endParaRPr lang="en-US" dirty="0"/>
           </a:p>
         </p:txBody>
       </p:sp>

--- a/Domain-DrivenDesign.A.Trosin.pptx
+++ b/Domain-DrivenDesign.A.Trosin.pptx
@@ -5,19 +5,21 @@
     <p:sldMasterId id="2147483734" r:id="rId1"/>
   </p:sldMasterIdLst>
   <p:notesMasterIdLst>
-    <p:notesMasterId r:id="rId12"/>
+    <p:notesMasterId r:id="rId14"/>
   </p:notesMasterIdLst>
   <p:sldIdLst>
     <p:sldId id="256" r:id="rId2"/>
     <p:sldId id="258" r:id="rId3"/>
     <p:sldId id="257" r:id="rId4"/>
     <p:sldId id="261" r:id="rId5"/>
-    <p:sldId id="263" r:id="rId6"/>
-    <p:sldId id="259" r:id="rId7"/>
-    <p:sldId id="265" r:id="rId8"/>
-    <p:sldId id="260" r:id="rId9"/>
-    <p:sldId id="264" r:id="rId10"/>
+    <p:sldId id="264" r:id="rId6"/>
+    <p:sldId id="263" r:id="rId7"/>
+    <p:sldId id="259" r:id="rId8"/>
+    <p:sldId id="265" r:id="rId9"/>
+    <p:sldId id="260" r:id="rId10"/>
     <p:sldId id="262" r:id="rId11"/>
+    <p:sldId id="266" r:id="rId12"/>
+    <p:sldId id="267" r:id="rId13"/>
   </p:sldIdLst>
   <p:sldSz cx="9144000" cy="6858000" type="screen4x3"/>
   <p:notesSz cx="6858000" cy="9144000"/>
@@ -580,27 +582,8 @@
                 <a:ea typeface="+mn-ea"/>
                 <a:cs typeface="+mn-cs"/>
               </a:rPr>
-              <a:t> written by Eric Evans</a:t>
-            </a:r>
-            <a:r>
-              <a:rPr lang="en-US" sz="1200" kern="1200" dirty="0" smtClean="0">
-                <a:solidFill>
-                  <a:schemeClr val="tx1"/>
-                </a:solidFill>
-                <a:latin typeface="+mn-lt"/>
-                <a:ea typeface="+mn-ea"/>
-                <a:cs typeface="+mn-cs"/>
-              </a:rPr>
-              <a:t>. </a:t>
-            </a:r>
-            <a:endParaRPr lang="en-US" sz="1200" kern="1200" dirty="0" smtClean="0">
-              <a:solidFill>
-                <a:schemeClr val="tx1"/>
-              </a:solidFill>
-              <a:latin typeface="+mn-lt"/>
-              <a:ea typeface="+mn-ea"/>
-              <a:cs typeface="+mn-cs"/>
-            </a:endParaRPr>
+              <a:t> written by Eric Evans. </a:t>
+            </a:r>
           </a:p>
           <a:p>
             <a:endParaRPr lang="en-US" sz="1200" kern="1200" dirty="0" smtClean="0">
@@ -658,6 +641,244 @@
               <a:rPr lang="en-US" smtClean="0"/>
               <a:pPr/>
               <a:t>1</a:t>
+            </a:fld>
+            <a:endParaRPr lang="en-US" dirty="0"/>
+          </a:p>
+        </p:txBody>
+      </p:sp>
+    </p:spTree>
+  </p:cSld>
+  <p:clrMapOvr>
+    <a:masterClrMapping/>
+  </p:clrMapOvr>
+</p:notes>
+</file>
+
+<file path=ppt/notesSlides/notesSlide10.xml><?xml version="1.0" encoding="utf-8"?>
+<p:notes xmlns:a="http://schemas.openxmlformats.org/drawingml/2006/main" xmlns:r="http://schemas.openxmlformats.org/officeDocument/2006/relationships" xmlns:p="http://schemas.openxmlformats.org/presentationml/2006/main">
+  <p:cSld>
+    <p:spTree>
+      <p:nvGrpSpPr>
+        <p:cNvPr id="1" name=""/>
+        <p:cNvGrpSpPr/>
+        <p:nvPr/>
+      </p:nvGrpSpPr>
+      <p:grpSpPr>
+        <a:xfrm>
+          <a:off x="0" y="0"/>
+          <a:ext cx="0" cy="0"/>
+          <a:chOff x="0" y="0"/>
+          <a:chExt cx="0" cy="0"/>
+        </a:xfrm>
+      </p:grpSpPr>
+      <p:sp>
+        <p:nvSpPr>
+          <p:cNvPr id="2" name="Образ слайда 1"/>
+          <p:cNvSpPr>
+            <a:spLocks noGrp="1" noRot="1" noChangeAspect="1"/>
+          </p:cNvSpPr>
+          <p:nvPr>
+            <p:ph type="sldImg"/>
+          </p:nvPr>
+        </p:nvSpPr>
+        <p:spPr/>
+      </p:sp>
+      <p:sp>
+        <p:nvSpPr>
+          <p:cNvPr id="3" name="Заметки 2"/>
+          <p:cNvSpPr>
+            <a:spLocks noGrp="1"/>
+          </p:cNvSpPr>
+          <p:nvPr>
+            <p:ph type="body" idx="1"/>
+          </p:nvPr>
+        </p:nvSpPr>
+        <p:spPr/>
+        <p:txBody>
+          <a:bodyPr>
+            <a:normAutofit/>
+          </a:bodyPr>
+          <a:lstStyle/>
+          <a:p>
+            <a:r>
+              <a:rPr lang="en-US" sz="1200" kern="1200" baseline="0" dirty="0" smtClean="0">
+                <a:solidFill>
+                  <a:schemeClr val="tx1"/>
+                </a:solidFill>
+                <a:latin typeface="+mn-lt"/>
+                <a:ea typeface="+mn-ea"/>
+                <a:cs typeface="+mn-cs"/>
+              </a:rPr>
+              <a:t>The key to controlling complexity is a good domain model, a model that goes beyond a surface</a:t>
+            </a:r>
+          </a:p>
+          <a:p>
+            <a:r>
+              <a:rPr lang="en-US" sz="1200" kern="1200" baseline="0" dirty="0" smtClean="0">
+                <a:solidFill>
+                  <a:schemeClr val="tx1"/>
+                </a:solidFill>
+                <a:latin typeface="+mn-lt"/>
+                <a:ea typeface="+mn-ea"/>
+                <a:cs typeface="+mn-cs"/>
+              </a:rPr>
+              <a:t>vision of a domain by introducing an underlying structure, which gives the software developers the</a:t>
+            </a:r>
+          </a:p>
+          <a:p>
+            <a:r>
+              <a:rPr lang="en-US" sz="1200" kern="1200" baseline="0" dirty="0" smtClean="0">
+                <a:solidFill>
+                  <a:schemeClr val="tx1"/>
+                </a:solidFill>
+                <a:latin typeface="+mn-lt"/>
+                <a:ea typeface="+mn-ea"/>
+                <a:cs typeface="+mn-cs"/>
+              </a:rPr>
+              <a:t>leverage they need. A good domain model can be incredibly valuable, but it's not something that's</a:t>
+            </a:r>
+          </a:p>
+          <a:p>
+            <a:r>
+              <a:rPr lang="en-US" sz="1200" kern="1200" baseline="0" dirty="0" smtClean="0">
+                <a:solidFill>
+                  <a:schemeClr val="tx1"/>
+                </a:solidFill>
+                <a:latin typeface="+mn-lt"/>
+                <a:ea typeface="+mn-ea"/>
+                <a:cs typeface="+mn-cs"/>
+              </a:rPr>
+              <a:t>easy to make. Few people can do it well, and it's very hard to teach.</a:t>
+            </a:r>
+            <a:endParaRPr lang="en-US" smtClean="0"/>
+          </a:p>
+          <a:p>
+            <a:endParaRPr lang="en-US" dirty="0"/>
+          </a:p>
+        </p:txBody>
+      </p:sp>
+      <p:sp>
+        <p:nvSpPr>
+          <p:cNvPr id="4" name="Номер слайда 3"/>
+          <p:cNvSpPr>
+            <a:spLocks noGrp="1"/>
+          </p:cNvSpPr>
+          <p:nvPr>
+            <p:ph type="sldNum" sz="quarter" idx="10"/>
+          </p:nvPr>
+        </p:nvSpPr>
+        <p:spPr/>
+        <p:txBody>
+          <a:bodyPr/>
+          <a:lstStyle/>
+          <a:p>
+            <a:fld id="{5D5B2715-B0E0-4A76-9B24-AC64393DF8BD}" type="slidenum">
+              <a:rPr lang="en-US" smtClean="0"/>
+              <a:pPr/>
+              <a:t>11</a:t>
+            </a:fld>
+            <a:endParaRPr lang="en-US" dirty="0"/>
+          </a:p>
+        </p:txBody>
+      </p:sp>
+    </p:spTree>
+  </p:cSld>
+  <p:clrMapOvr>
+    <a:masterClrMapping/>
+  </p:clrMapOvr>
+</p:notes>
+</file>
+
+<file path=ppt/notesSlides/notesSlide11.xml><?xml version="1.0" encoding="utf-8"?>
+<p:notes xmlns:a="http://schemas.openxmlformats.org/drawingml/2006/main" xmlns:r="http://schemas.openxmlformats.org/officeDocument/2006/relationships" xmlns:p="http://schemas.openxmlformats.org/presentationml/2006/main">
+  <p:cSld>
+    <p:spTree>
+      <p:nvGrpSpPr>
+        <p:cNvPr id="1" name=""/>
+        <p:cNvGrpSpPr/>
+        <p:nvPr/>
+      </p:nvGrpSpPr>
+      <p:grpSpPr>
+        <a:xfrm>
+          <a:off x="0" y="0"/>
+          <a:ext cx="0" cy="0"/>
+          <a:chOff x="0" y="0"/>
+          <a:chExt cx="0" cy="0"/>
+        </a:xfrm>
+      </p:grpSpPr>
+      <p:sp>
+        <p:nvSpPr>
+          <p:cNvPr id="2" name="Образ слайда 1"/>
+          <p:cNvSpPr>
+            <a:spLocks noGrp="1" noRot="1" noChangeAspect="1"/>
+          </p:cNvSpPr>
+          <p:nvPr>
+            <p:ph type="sldImg"/>
+          </p:nvPr>
+        </p:nvSpPr>
+        <p:spPr/>
+      </p:sp>
+      <p:sp>
+        <p:nvSpPr>
+          <p:cNvPr id="3" name="Заметки 2"/>
+          <p:cNvSpPr>
+            <a:spLocks noGrp="1"/>
+          </p:cNvSpPr>
+          <p:nvPr>
+            <p:ph type="body" idx="1"/>
+          </p:nvPr>
+        </p:nvSpPr>
+        <p:spPr/>
+        <p:txBody>
+          <a:bodyPr>
+            <a:normAutofit/>
+          </a:bodyPr>
+          <a:lstStyle/>
+          <a:p>
+            <a:r>
+              <a:rPr lang="en-US" dirty="0" smtClean="0"/>
+              <a:t>Sheet music can be used as a record of, a guide to, or a means to perform, a piece of music. Although it does not take the place of the sound of a performed work, sheet music can be studied to create a performance and to elucidate aspects of the music that may not be obvious from mere listening. Authoritative musical information about a piece can be gained by studying the written sketches and early versions of compositions that the composer might have retained, as well as the final autograph score and personal markings on proofs and printed scores</a:t>
+            </a:r>
+          </a:p>
+          <a:p>
+            <a:endParaRPr lang="en-US" dirty="0" smtClean="0"/>
+          </a:p>
+          <a:p>
+            <a:r>
+              <a:rPr lang="en-US" dirty="0" err="1" smtClean="0"/>
+              <a:t>Enstein</a:t>
+            </a:r>
+            <a:r>
+              <a:rPr lang="en-US" dirty="0" smtClean="0"/>
+              <a:t>: Theory of all… theory on</a:t>
+            </a:r>
+            <a:r>
+              <a:rPr lang="en-US" baseline="0" dirty="0" smtClean="0"/>
+              <a:t> atom level and on stars level</a:t>
+            </a:r>
+            <a:endParaRPr lang="en-US" dirty="0"/>
+          </a:p>
+        </p:txBody>
+      </p:sp>
+      <p:sp>
+        <p:nvSpPr>
+          <p:cNvPr id="4" name="Номер слайда 3"/>
+          <p:cNvSpPr>
+            <a:spLocks noGrp="1"/>
+          </p:cNvSpPr>
+          <p:nvPr>
+            <p:ph type="sldNum" sz="quarter" idx="10"/>
+          </p:nvPr>
+        </p:nvSpPr>
+        <p:spPr/>
+        <p:txBody>
+          <a:bodyPr/>
+          <a:lstStyle/>
+          <a:p>
+            <a:fld id="{5D5B2715-B0E0-4A76-9B24-AC64393DF8BD}" type="slidenum">
+              <a:rPr lang="en-US" smtClean="0"/>
+              <a:pPr/>
+              <a:t>12</a:t>
             </a:fld>
             <a:endParaRPr lang="en-US" dirty="0"/>
           </a:p>
@@ -801,23 +1022,7 @@
           <a:p>
             <a:r>
               <a:rPr lang="en-US" dirty="0" smtClean="0"/>
-              <a:t>Most </a:t>
-            </a:r>
-            <a:r>
-              <a:rPr lang="en-US" dirty="0" smtClean="0"/>
-              <a:t>  of  the </a:t>
-            </a:r>
-            <a:r>
-              <a:rPr lang="en-US" dirty="0" smtClean="0"/>
-              <a:t>software solutions in nowadays are designed to automate different domains, and a large number of systems are specific to particular needs of a business, so common software solutions in high competitive business less and less find their place in market. Why I’m discussing that? Because DDD is not only about the pure design but also teach how to abstract a complex Domain in a software solution where you will discover new ways of dealing with complexity, changes, </a:t>
-            </a:r>
-            <a:r>
-              <a:rPr lang="en-US" dirty="0" smtClean="0"/>
-              <a:t>communication  ,…  Instead </a:t>
-            </a:r>
-            <a:r>
-              <a:rPr lang="en-US" dirty="0" smtClean="0"/>
-              <a:t>of making the system ugly, very hard to understand, un-maintainable and where any change in the system leads to a deeper legacy. </a:t>
+              <a:t>Most   of  the software solutions in nowadays are designed to automate different domains, and a large number of systems are specific to particular needs of a business, so common software solutions in high competitive business less and less find their place in market. Why I’m discussing that? Because DDD is not only about the pure design but also teach how to abstract a complex Domain in a software solution where you will discover new ways of dealing with complexity, changes, communication  ,…  Instead of making the system ugly, very hard to understand, un-maintainable and where any change in the system leads to a deeper legacy. </a:t>
             </a:r>
           </a:p>
           <a:p>
@@ -987,19 +1192,7 @@
           <a:p>
             <a:r>
               <a:rPr lang="en-US" dirty="0" smtClean="0"/>
-              <a:t>For most of the</a:t>
-            </a:r>
-            <a:r>
-              <a:rPr lang="en-US" baseline="0" dirty="0" smtClean="0"/>
-              <a:t> project it’s true!... For other it’s not </a:t>
-            </a:r>
-            <a:r>
-              <a:rPr lang="en-US" dirty="0" smtClean="0"/>
-              <a:t>Frameworks,</a:t>
-            </a:r>
-            <a:r>
-              <a:rPr lang="en-US" baseline="0" dirty="0" smtClean="0"/>
-              <a:t> router, etc.. Are not in that category.</a:t>
+              <a:t>Domain examples: Banking, Accounting, Public Relationship..</a:t>
             </a:r>
             <a:endParaRPr lang="en-US" dirty="0"/>
           </a:p>
@@ -1083,6 +1276,22 @@
           </a:bodyPr>
           <a:lstStyle/>
           <a:p>
+            <a:r>
+              <a:rPr lang="en-US" dirty="0" smtClean="0"/>
+              <a:t>For most of the</a:t>
+            </a:r>
+            <a:r>
+              <a:rPr lang="en-US" baseline="0" dirty="0" smtClean="0"/>
+              <a:t> project it’s true!... For other it’s not </a:t>
+            </a:r>
+            <a:r>
+              <a:rPr lang="en-US" dirty="0" smtClean="0"/>
+              <a:t>Frameworks,</a:t>
+            </a:r>
+            <a:r>
+              <a:rPr lang="en-US" baseline="0" dirty="0" smtClean="0"/>
+              <a:t> router, etc.. Are not in that category.</a:t>
+            </a:r>
             <a:endParaRPr lang="en-US" dirty="0"/>
           </a:p>
         </p:txBody>
@@ -1165,6 +1374,292 @@
           </a:bodyPr>
           <a:lstStyle/>
           <a:p>
+            <a:r>
+              <a:rPr lang="en-US" dirty="0" smtClean="0"/>
+              <a:t>Cu cit </a:t>
+            </a:r>
+            <a:r>
+              <a:rPr lang="en-US" dirty="0" err="1" smtClean="0"/>
+              <a:t>mai</a:t>
+            </a:r>
+            <a:r>
+              <a:rPr lang="en-US" dirty="0" smtClean="0"/>
+              <a:t> </a:t>
+            </a:r>
+            <a:r>
+              <a:rPr lang="en-US" dirty="0" err="1" smtClean="0"/>
+              <a:t>bine</a:t>
+            </a:r>
+            <a:r>
+              <a:rPr lang="en-US" baseline="0" dirty="0" smtClean="0"/>
+              <a:t> </a:t>
+            </a:r>
+            <a:r>
+              <a:rPr lang="en-US" baseline="0" dirty="0" err="1" smtClean="0"/>
+              <a:t>ar</a:t>
+            </a:r>
+            <a:r>
+              <a:rPr lang="en-US" baseline="0" dirty="0" smtClean="0"/>
+              <a:t> </a:t>
+            </a:r>
+            <a:r>
+              <a:rPr lang="en-US" baseline="0" dirty="0" err="1" smtClean="0"/>
+              <a:t>sa</a:t>
+            </a:r>
+            <a:r>
+              <a:rPr lang="en-US" baseline="0" dirty="0" smtClean="0"/>
+              <a:t> fie </a:t>
+            </a:r>
+            <a:r>
+              <a:rPr lang="en-US" baseline="0" dirty="0" err="1" smtClean="0"/>
+              <a:t>inteles</a:t>
+            </a:r>
+            <a:r>
+              <a:rPr lang="en-US" baseline="0" dirty="0" smtClean="0"/>
+              <a:t> business </a:t>
+            </a:r>
+            <a:r>
+              <a:rPr lang="en-US" baseline="0" dirty="0" err="1" smtClean="0"/>
+              <a:t>domainul</a:t>
+            </a:r>
+            <a:r>
+              <a:rPr lang="en-US" baseline="0" dirty="0" smtClean="0"/>
+              <a:t> </a:t>
+            </a:r>
+            <a:r>
+              <a:rPr lang="en-US" baseline="0" dirty="0" err="1" smtClean="0"/>
+              <a:t>si</a:t>
+            </a:r>
+            <a:r>
+              <a:rPr lang="en-US" baseline="0" dirty="0" smtClean="0"/>
+              <a:t> cu </a:t>
+            </a:r>
+            <a:r>
+              <a:rPr lang="en-US" baseline="0" dirty="0" err="1" smtClean="0"/>
+              <a:t>atit</a:t>
+            </a:r>
+            <a:r>
+              <a:rPr lang="en-US" baseline="0" dirty="0" smtClean="0"/>
+              <a:t> </a:t>
+            </a:r>
+            <a:r>
+              <a:rPr lang="en-US" baseline="0" dirty="0" err="1" smtClean="0"/>
+              <a:t>mai</a:t>
+            </a:r>
+            <a:r>
+              <a:rPr lang="en-US" baseline="0" dirty="0" smtClean="0"/>
+              <a:t> </a:t>
+            </a:r>
+            <a:r>
+              <a:rPr lang="en-US" baseline="0" dirty="0" err="1" smtClean="0"/>
+              <a:t>mari</a:t>
+            </a:r>
+            <a:r>
+              <a:rPr lang="en-US" baseline="0" dirty="0" smtClean="0"/>
+              <a:t> </a:t>
+            </a:r>
+            <a:r>
+              <a:rPr lang="en-US" baseline="0" dirty="0" err="1" smtClean="0"/>
+              <a:t>sansele</a:t>
+            </a:r>
+            <a:r>
+              <a:rPr lang="en-US" baseline="0" dirty="0" smtClean="0"/>
+              <a:t> ca </a:t>
+            </a:r>
+            <a:r>
+              <a:rPr lang="en-US" baseline="0" dirty="0" err="1" smtClean="0"/>
+              <a:t>softul</a:t>
+            </a:r>
+            <a:r>
+              <a:rPr lang="en-US" baseline="0" dirty="0" smtClean="0"/>
+              <a:t> </a:t>
+            </a:r>
+            <a:r>
+              <a:rPr lang="en-US" baseline="0" dirty="0" err="1" smtClean="0"/>
+              <a:t>produs</a:t>
+            </a:r>
+            <a:r>
+              <a:rPr lang="en-US" baseline="0" dirty="0" smtClean="0"/>
+              <a:t> de </a:t>
+            </a:r>
+            <a:r>
+              <a:rPr lang="en-US" baseline="0" dirty="0" err="1" smtClean="0"/>
+              <a:t>developeri</a:t>
+            </a:r>
+            <a:r>
+              <a:rPr lang="en-US" baseline="0" dirty="0" smtClean="0"/>
+              <a:t> </a:t>
+            </a:r>
+            <a:r>
+              <a:rPr lang="en-US" baseline="0" dirty="0" err="1" smtClean="0"/>
+              <a:t>va</a:t>
+            </a:r>
+            <a:r>
+              <a:rPr lang="en-US" baseline="0" dirty="0" smtClean="0"/>
+              <a:t> </a:t>
+            </a:r>
+            <a:r>
+              <a:rPr lang="en-US" baseline="0" dirty="0" err="1" smtClean="0"/>
+              <a:t>fi</a:t>
+            </a:r>
+            <a:r>
+              <a:rPr lang="en-US" baseline="0" dirty="0" smtClean="0"/>
+              <a:t> </a:t>
+            </a:r>
+          </a:p>
+          <a:p>
+            <a:r>
+              <a:rPr lang="en-US" baseline="0" dirty="0" err="1" smtClean="0"/>
+              <a:t>Anume</a:t>
+            </a:r>
+            <a:r>
+              <a:rPr lang="en-US" baseline="0" dirty="0" smtClean="0"/>
+              <a:t> </a:t>
+            </a:r>
+            <a:r>
+              <a:rPr lang="en-US" baseline="0" dirty="0" err="1" smtClean="0"/>
+              <a:t>aceea</a:t>
+            </a:r>
+            <a:r>
+              <a:rPr lang="en-US" baseline="0" dirty="0" smtClean="0"/>
+              <a:t> </a:t>
+            </a:r>
+            <a:r>
+              <a:rPr lang="en-US" baseline="0" dirty="0" err="1" smtClean="0"/>
+              <a:t>ce</a:t>
+            </a:r>
+            <a:r>
+              <a:rPr lang="en-US" baseline="0" dirty="0" smtClean="0"/>
+              <a:t> se </a:t>
+            </a:r>
+            <a:r>
+              <a:rPr lang="en-US" baseline="0" dirty="0" err="1" smtClean="0"/>
+              <a:t>cere</a:t>
+            </a:r>
+            <a:r>
+              <a:rPr lang="en-US" baseline="0" dirty="0" smtClean="0"/>
+              <a:t> de business </a:t>
+            </a:r>
+            <a:r>
+              <a:rPr lang="en-US" baseline="0" dirty="0" err="1" smtClean="0"/>
+              <a:t>experti</a:t>
+            </a:r>
+            <a:r>
+              <a:rPr lang="en-US" baseline="0" dirty="0" smtClean="0"/>
+              <a:t>.</a:t>
+            </a:r>
+          </a:p>
+          <a:p>
+            <a:r>
+              <a:rPr lang="en-US" baseline="0" dirty="0" err="1" smtClean="0"/>
+              <a:t>Problema</a:t>
+            </a:r>
+            <a:r>
+              <a:rPr lang="en-US" baseline="0" dirty="0" smtClean="0"/>
+              <a:t> </a:t>
+            </a:r>
+            <a:r>
+              <a:rPr lang="en-US" baseline="0" dirty="0" err="1" smtClean="0"/>
+              <a:t>este</a:t>
+            </a:r>
+            <a:r>
+              <a:rPr lang="en-US" baseline="0" dirty="0" smtClean="0"/>
+              <a:t> ca Business </a:t>
+            </a:r>
+            <a:r>
+              <a:rPr lang="en-US" baseline="0" dirty="0" err="1" smtClean="0"/>
+              <a:t>expertii</a:t>
+            </a:r>
+            <a:r>
+              <a:rPr lang="en-US" baseline="0" dirty="0" smtClean="0"/>
+              <a:t> nu </a:t>
+            </a:r>
+            <a:r>
+              <a:rPr lang="en-US" baseline="0" dirty="0" err="1" smtClean="0"/>
+              <a:t>inteleg</a:t>
+            </a:r>
+            <a:r>
+              <a:rPr lang="en-US" baseline="0" dirty="0" smtClean="0"/>
+              <a:t> </a:t>
+            </a:r>
+            <a:r>
+              <a:rPr lang="en-US" baseline="0" dirty="0" err="1" smtClean="0"/>
+              <a:t>partea</a:t>
+            </a:r>
+            <a:r>
+              <a:rPr lang="en-US" baseline="0" dirty="0" smtClean="0"/>
+              <a:t> </a:t>
+            </a:r>
+            <a:r>
+              <a:rPr lang="en-US" baseline="0" dirty="0" err="1" smtClean="0"/>
+              <a:t>tehnica</a:t>
+            </a:r>
+            <a:r>
+              <a:rPr lang="en-US" baseline="0" dirty="0" smtClean="0"/>
+              <a:t> a </a:t>
+            </a:r>
+            <a:r>
+              <a:rPr lang="en-US" baseline="0" dirty="0" err="1" smtClean="0"/>
+              <a:t>lucrurilor</a:t>
+            </a:r>
+            <a:r>
+              <a:rPr lang="en-US" baseline="0" dirty="0" smtClean="0"/>
+              <a:t> </a:t>
+            </a:r>
+            <a:r>
+              <a:rPr lang="en-US" baseline="0" dirty="0" err="1" smtClean="0"/>
+              <a:t>dar</a:t>
+            </a:r>
+            <a:r>
+              <a:rPr lang="en-US" baseline="0" dirty="0" smtClean="0"/>
+              <a:t> </a:t>
+            </a:r>
+            <a:r>
+              <a:rPr lang="en-US" baseline="0" dirty="0" err="1" smtClean="0"/>
+              <a:t>developerii</a:t>
+            </a:r>
+            <a:r>
+              <a:rPr lang="en-US" baseline="0" dirty="0" smtClean="0"/>
+              <a:t> nu </a:t>
+            </a:r>
+            <a:r>
+              <a:rPr lang="en-US" baseline="0" dirty="0" err="1" smtClean="0"/>
+              <a:t>cunosc</a:t>
+            </a:r>
+            <a:r>
+              <a:rPr lang="en-US" baseline="0" dirty="0" smtClean="0"/>
+              <a:t> </a:t>
+            </a:r>
+            <a:r>
+              <a:rPr lang="en-US" baseline="0" dirty="0" err="1" smtClean="0"/>
+              <a:t>domainul</a:t>
+            </a:r>
+            <a:r>
+              <a:rPr lang="en-US" baseline="0" dirty="0" smtClean="0"/>
+              <a:t>, </a:t>
+            </a:r>
+          </a:p>
+          <a:p>
+            <a:r>
+              <a:rPr lang="en-US" baseline="0" dirty="0" smtClean="0"/>
+              <a:t>Cum </a:t>
+            </a:r>
+            <a:r>
+              <a:rPr lang="en-US" baseline="0" dirty="0" err="1" smtClean="0"/>
+              <a:t>rezolvam</a:t>
+            </a:r>
+            <a:r>
+              <a:rPr lang="en-US" baseline="0" dirty="0" smtClean="0"/>
+              <a:t> </a:t>
+            </a:r>
+            <a:r>
+              <a:rPr lang="en-US" baseline="0" dirty="0" err="1" smtClean="0"/>
+              <a:t>problema</a:t>
+            </a:r>
+            <a:r>
+              <a:rPr lang="en-US" baseline="0" dirty="0" smtClean="0"/>
+              <a:t>?</a:t>
+            </a:r>
             <a:endParaRPr lang="en-US" dirty="0"/>
           </a:p>
         </p:txBody>
@@ -1187,7 +1682,7 @@
             <a:fld id="{5D5B2715-B0E0-4A76-9B24-AC64393DF8BD}" type="slidenum">
               <a:rPr lang="en-US" smtClean="0"/>
               <a:pPr/>
-              <a:t>8</a:t>
+              <a:t>7</a:t>
             </a:fld>
             <a:endParaRPr lang="en-US" dirty="0"/>
           </a:p>
@@ -1247,10 +1742,6 @@
           </a:bodyPr>
           <a:lstStyle/>
           <a:p>
-            <a:r>
-              <a:rPr lang="en-US" dirty="0" smtClean="0"/>
-              <a:t>Domain examples: Banking, Accounting, Public Relationship..</a:t>
-            </a:r>
             <a:endParaRPr lang="en-US" dirty="0"/>
           </a:p>
         </p:txBody>
@@ -4428,37 +4919,19 @@
             <p:ph type="title"/>
           </p:nvPr>
         </p:nvSpPr>
-        <p:spPr/>
+        <p:spPr>
+          <a:xfrm>
+            <a:off x="381000" y="2514600"/>
+            <a:ext cx="8229600" cy="1143000"/>
+          </a:xfrm>
+        </p:spPr>
         <p:txBody>
           <a:bodyPr/>
           <a:lstStyle/>
           <a:p>
             <a:r>
               <a:rPr lang="en-US" dirty="0" smtClean="0"/>
-              <a:t>1</a:t>
-            </a:r>
-            <a:endParaRPr lang="en-US" dirty="0"/>
-          </a:p>
-        </p:txBody>
-      </p:sp>
-      <p:sp>
-        <p:nvSpPr>
-          <p:cNvPr id="3" name="Content Placeholder 2"/>
-          <p:cNvSpPr>
-            <a:spLocks noGrp="1"/>
-          </p:cNvSpPr>
-          <p:nvPr>
-            <p:ph idx="1"/>
-          </p:nvPr>
-        </p:nvSpPr>
-        <p:spPr/>
-        <p:txBody>
-          <a:bodyPr/>
-          <a:lstStyle/>
-          <a:p>
-            <a:r>
-              <a:rPr lang="en-US" dirty="0" smtClean="0"/>
-              <a:t>2</a:t>
+              <a:t>Why domain models?</a:t>
             </a:r>
             <a:endParaRPr lang="en-US" dirty="0"/>
           </a:p>
@@ -4476,6 +4949,176 @@
       </p:par>
     </p:tnLst>
   </p:timing>
+</p:sld>
+</file>
+
+<file path=ppt/slides/slide11.xml><?xml version="1.0" encoding="utf-8"?>
+<p:sld xmlns:a="http://schemas.openxmlformats.org/drawingml/2006/main" xmlns:r="http://schemas.openxmlformats.org/officeDocument/2006/relationships" xmlns:p="http://schemas.openxmlformats.org/presentationml/2006/main">
+  <p:cSld>
+    <p:spTree>
+      <p:nvGrpSpPr>
+        <p:cNvPr id="1" name=""/>
+        <p:cNvGrpSpPr/>
+        <p:nvPr/>
+      </p:nvGrpSpPr>
+      <p:grpSpPr>
+        <a:xfrm>
+          <a:off x="0" y="0"/>
+          <a:ext cx="0" cy="0"/>
+          <a:chOff x="0" y="0"/>
+          <a:chExt cx="0" cy="0"/>
+        </a:xfrm>
+      </p:grpSpPr>
+      <p:pic>
+        <p:nvPicPr>
+          <p:cNvPr id="1026" name="Picture 2"/>
+          <p:cNvPicPr>
+            <a:picLocks noChangeAspect="1" noChangeArrowheads="1"/>
+          </p:cNvPicPr>
+          <p:nvPr/>
+        </p:nvPicPr>
+        <p:blipFill>
+          <a:blip r:embed="rId3"/>
+          <a:srcRect/>
+          <a:stretch>
+            <a:fillRect/>
+          </a:stretch>
+        </p:blipFill>
+        <p:spPr bwMode="auto">
+          <a:xfrm>
+            <a:off x="685800" y="0"/>
+            <a:ext cx="7620000" cy="3048000"/>
+          </a:xfrm>
+          <a:prstGeom prst="rect">
+            <a:avLst/>
+          </a:prstGeom>
+          <a:noFill/>
+          <a:ln w="9525">
+            <a:noFill/>
+            <a:miter lim="800000"/>
+            <a:headEnd/>
+            <a:tailEnd/>
+          </a:ln>
+          <a:effectLst/>
+        </p:spPr>
+      </p:pic>
+      <p:pic>
+        <p:nvPicPr>
+          <p:cNvPr id="1027" name="Picture 3"/>
+          <p:cNvPicPr>
+            <a:picLocks noChangeAspect="1" noChangeArrowheads="1"/>
+          </p:cNvPicPr>
+          <p:nvPr/>
+        </p:nvPicPr>
+        <p:blipFill>
+          <a:blip r:embed="rId4"/>
+          <a:srcRect/>
+          <a:stretch>
+            <a:fillRect/>
+          </a:stretch>
+        </p:blipFill>
+        <p:spPr bwMode="auto">
+          <a:xfrm>
+            <a:off x="838200" y="3200400"/>
+            <a:ext cx="7315200" cy="3657600"/>
+          </a:xfrm>
+          <a:prstGeom prst="rect">
+            <a:avLst/>
+          </a:prstGeom>
+          <a:noFill/>
+          <a:ln w="9525">
+            <a:noFill/>
+            <a:miter lim="800000"/>
+            <a:headEnd/>
+            <a:tailEnd/>
+          </a:ln>
+          <a:effectLst/>
+        </p:spPr>
+      </p:pic>
+    </p:spTree>
+  </p:cSld>
+  <p:clrMapOvr>
+    <a:masterClrMapping/>
+  </p:clrMapOvr>
+</p:sld>
+</file>
+
+<file path=ppt/slides/slide12.xml><?xml version="1.0" encoding="utf-8"?>
+<p:sld xmlns:a="http://schemas.openxmlformats.org/drawingml/2006/main" xmlns:r="http://schemas.openxmlformats.org/officeDocument/2006/relationships" xmlns:p="http://schemas.openxmlformats.org/presentationml/2006/main">
+  <p:cSld>
+    <p:spTree>
+      <p:nvGrpSpPr>
+        <p:cNvPr id="1" name=""/>
+        <p:cNvGrpSpPr/>
+        <p:nvPr/>
+      </p:nvGrpSpPr>
+      <p:grpSpPr>
+        <a:xfrm>
+          <a:off x="0" y="0"/>
+          <a:ext cx="0" cy="0"/>
+          <a:chOff x="0" y="0"/>
+          <a:chExt cx="0" cy="0"/>
+        </a:xfrm>
+      </p:grpSpPr>
+      <p:sp>
+        <p:nvSpPr>
+          <p:cNvPr id="2" name="Заголовок 1"/>
+          <p:cNvSpPr>
+            <a:spLocks noGrp="1"/>
+          </p:cNvSpPr>
+          <p:nvPr>
+            <p:ph type="title"/>
+          </p:nvPr>
+        </p:nvSpPr>
+        <p:spPr/>
+        <p:txBody>
+          <a:bodyPr/>
+          <a:lstStyle/>
+          <a:p>
+            <a:endParaRPr lang="en-US"/>
+          </a:p>
+        </p:txBody>
+      </p:sp>
+      <p:pic>
+        <p:nvPicPr>
+          <p:cNvPr id="2050" name="Picture 2"/>
+          <p:cNvPicPr>
+            <a:picLocks noGrp="1" noChangeAspect="1" noChangeArrowheads="1"/>
+          </p:cNvPicPr>
+          <p:nvPr>
+            <p:ph idx="1"/>
+          </p:nvPr>
+        </p:nvPicPr>
+        <p:blipFill>
+          <a:blip r:embed="rId3"/>
+          <a:srcRect/>
+          <a:stretch>
+            <a:fillRect/>
+          </a:stretch>
+        </p:blipFill>
+        <p:spPr bwMode="auto">
+          <a:xfrm>
+            <a:off x="1219200" y="2786856"/>
+            <a:ext cx="5943600" cy="2547144"/>
+          </a:xfrm>
+          <a:prstGeom prst="rect">
+            <a:avLst/>
+          </a:prstGeom>
+          <a:noFill/>
+          <a:ln w="9525">
+            <a:noFill/>
+            <a:miter lim="800000"/>
+            <a:headEnd/>
+            <a:tailEnd/>
+          </a:ln>
+          <a:effectLst/>
+        </p:spPr>
+      </p:pic>
+    </p:spTree>
+  </p:cSld>
+  <p:clrMapOvr>
+    <a:masterClrMapping/>
+  </p:clrMapOvr>
 </p:sld>
 </file>
 
@@ -4885,8 +5528,8 @@
         </p:nvSpPr>
         <p:spPr>
           <a:xfrm>
-            <a:off x="381000" y="1676400"/>
-            <a:ext cx="8229600" cy="1600200"/>
+            <a:off x="457200" y="2362200"/>
+            <a:ext cx="8229600" cy="1143000"/>
           </a:xfrm>
         </p:spPr>
         <p:txBody>
@@ -4897,31 +5540,7 @@
           <a:p>
             <a:r>
               <a:rPr lang="en-US" dirty="0" smtClean="0"/>
-              <a:t>	Complexity of most software projects is understanding the </a:t>
-            </a:r>
-            <a:r>
-              <a:rPr lang="en-US" u="sng" dirty="0" smtClean="0">
-                <a:solidFill>
-                  <a:srgbClr val="009900"/>
-                </a:solidFill>
-              </a:rPr>
-              <a:t>business domain</a:t>
-            </a:r>
-            <a:r>
-              <a:rPr lang="en-US" dirty="0" smtClean="0"/>
-              <a:t> and </a:t>
-            </a:r>
-            <a:r>
-              <a:rPr lang="en-US" dirty="0" smtClean="0">
-                <a:solidFill>
-                  <a:srgbClr val="FF0000"/>
-                </a:solidFill>
-              </a:rPr>
-              <a:t>not a technical </a:t>
-            </a:r>
-            <a:r>
-              <a:rPr lang="en-US" dirty="0" smtClean="0"/>
-              <a:t>one.</a:t>
+              <a:t>Domain - particular field of knowledge</a:t>
             </a:r>
             <a:endParaRPr lang="en-US" dirty="0"/>
           </a:p>
@@ -4971,6 +5590,92 @@
         </p:nvSpPr>
         <p:spPr>
           <a:xfrm>
+            <a:off x="381000" y="1676400"/>
+            <a:ext cx="8229600" cy="1600200"/>
+          </a:xfrm>
+        </p:spPr>
+        <p:txBody>
+          <a:bodyPr>
+            <a:normAutofit fontScale="90000"/>
+          </a:bodyPr>
+          <a:lstStyle/>
+          <a:p>
+            <a:r>
+              <a:rPr lang="en-US" dirty="0" smtClean="0"/>
+              <a:t>	Complexity of most software projects is understanding the </a:t>
+            </a:r>
+            <a:r>
+              <a:rPr lang="en-US" u="sng" dirty="0" smtClean="0">
+                <a:solidFill>
+                  <a:srgbClr val="009900"/>
+                </a:solidFill>
+              </a:rPr>
+              <a:t>business domain</a:t>
+            </a:r>
+            <a:r>
+              <a:rPr lang="en-US" dirty="0" smtClean="0"/>
+              <a:t> and </a:t>
+            </a:r>
+            <a:r>
+              <a:rPr lang="en-US" dirty="0" smtClean="0">
+                <a:solidFill>
+                  <a:srgbClr val="FF0000"/>
+                </a:solidFill>
+              </a:rPr>
+              <a:t>not a technical </a:t>
+            </a:r>
+            <a:r>
+              <a:rPr lang="en-US" dirty="0" smtClean="0"/>
+              <a:t>one.</a:t>
+            </a:r>
+            <a:endParaRPr lang="en-US" dirty="0"/>
+          </a:p>
+        </p:txBody>
+      </p:sp>
+    </p:spTree>
+  </p:cSld>
+  <p:clrMapOvr>
+    <a:masterClrMapping/>
+  </p:clrMapOvr>
+  <p:timing>
+    <p:tnLst>
+      <p:par>
+        <p:cTn id="1" dur="indefinite" restart="never" nodeType="tmRoot"/>
+      </p:par>
+    </p:tnLst>
+  </p:timing>
+</p:sld>
+</file>
+
+<file path=ppt/slides/slide7.xml><?xml version="1.0" encoding="utf-8"?>
+<p:sld xmlns:a="http://schemas.openxmlformats.org/drawingml/2006/main" xmlns:r="http://schemas.openxmlformats.org/officeDocument/2006/relationships" xmlns:p="http://schemas.openxmlformats.org/presentationml/2006/main">
+  <p:cSld>
+    <p:spTree>
+      <p:nvGrpSpPr>
+        <p:cNvPr id="1" name=""/>
+        <p:cNvGrpSpPr/>
+        <p:nvPr/>
+      </p:nvGrpSpPr>
+      <p:grpSpPr>
+        <a:xfrm>
+          <a:off x="0" y="0"/>
+          <a:ext cx="0" cy="0"/>
+          <a:chOff x="0" y="0"/>
+          <a:chExt cx="0" cy="0"/>
+        </a:xfrm>
+      </p:grpSpPr>
+      <p:sp>
+        <p:nvSpPr>
+          <p:cNvPr id="2" name="Title 1"/>
+          <p:cNvSpPr>
+            <a:spLocks noGrp="1"/>
+          </p:cNvSpPr>
+          <p:nvPr>
+            <p:ph type="title"/>
+          </p:nvPr>
+        </p:nvSpPr>
+        <p:spPr>
+          <a:xfrm>
             <a:off x="762000" y="228600"/>
             <a:ext cx="7010399" cy="808038"/>
           </a:xfrm>
@@ -4997,7 +5702,7 @@
         </p:nvSpPr>
         <p:spPr>
           <a:xfrm>
-            <a:off x="381000" y="2052935"/>
+            <a:off x="152400" y="1981200"/>
             <a:ext cx="2514600" cy="1676400"/>
           </a:xfrm>
           <a:prstGeom prst="roundRect">
@@ -5087,8 +5792,8 @@
         </p:nvSpPr>
         <p:spPr>
           <a:xfrm>
-            <a:off x="5867400" y="2052935"/>
-            <a:ext cx="2438400" cy="1676400"/>
+            <a:off x="6265464" y="2057400"/>
+            <a:ext cx="2573736" cy="1676400"/>
           </a:xfrm>
           <a:prstGeom prst="roundRect">
             <a:avLst/>
@@ -5174,8 +5879,8 @@
         </p:nvSpPr>
         <p:spPr>
           <a:xfrm>
-            <a:off x="2895600" y="2281535"/>
-            <a:ext cx="2971800" cy="1066800"/>
+            <a:off x="2514600" y="2281535"/>
+            <a:ext cx="3810000" cy="1066800"/>
           </a:xfrm>
           <a:prstGeom prst="leftRightArrow">
             <a:avLst/>
@@ -5214,7 +5919,26 @@
                   <a:srgbClr val="009900"/>
                 </a:solidFill>
               </a:rPr>
-              <a:t>We need to bring them together</a:t>
+              <a:t>We need to bring them </a:t>
+            </a:r>
+            <a:r>
+              <a:rPr lang="en-US" dirty="0" smtClean="0">
+                <a:solidFill>
+                  <a:srgbClr val="009900"/>
+                </a:solidFill>
+              </a:rPr>
+              <a:t>together</a:t>
+            </a:r>
+          </a:p>
+          <a:p>
+            <a:pPr algn="ctr"/>
+            <a:r>
+              <a:rPr lang="en-US" dirty="0" smtClean="0">
+                <a:solidFill>
+                  <a:srgbClr val="009900"/>
+                </a:solidFill>
+              </a:rPr>
+              <a:t>(business domain &amp; technical)</a:t>
             </a:r>
             <a:endParaRPr lang="en-US" dirty="0">
               <a:solidFill>
@@ -5410,7 +6134,7 @@
 </p:sld>
 </file>
 
-<file path=ppt/slides/slide7.xml><?xml version="1.0" encoding="utf-8"?>
+<file path=ppt/slides/slide8.xml><?xml version="1.0" encoding="utf-8"?>
 <p:sld xmlns:a="http://schemas.openxmlformats.org/drawingml/2006/main" xmlns:r="http://schemas.openxmlformats.org/officeDocument/2006/relationships" xmlns:p="http://schemas.openxmlformats.org/presentationml/2006/main">
   <p:cSld>
     <p:spTree>
@@ -5474,10 +6198,17 @@
   <p:clrMapOvr>
     <a:masterClrMapping/>
   </p:clrMapOvr>
+  <p:timing>
+    <p:tnLst>
+      <p:par>
+        <p:cTn id="1" dur="indefinite" restart="never" nodeType="tmRoot"/>
+      </p:par>
+    </p:tnLst>
+  </p:timing>
 </p:sld>
 </file>
 
-<file path=ppt/slides/slide8.xml><?xml version="1.0" encoding="utf-8"?>
+<file path=ppt/slides/slide9.xml><?xml version="1.0" encoding="utf-8"?>
 <p:sld xmlns:a="http://schemas.openxmlformats.org/drawingml/2006/main" xmlns:r="http://schemas.openxmlformats.org/officeDocument/2006/relationships" xmlns:p="http://schemas.openxmlformats.org/presentationml/2006/main">
   <p:cSld>
     <p:spTree>
@@ -5616,6 +6347,124 @@
         <p:spPr>
           <a:xfrm>
             <a:off x="3352800" y="2819400"/>
+            <a:ext cx="2895600" cy="1676400"/>
+          </a:xfrm>
+          <a:prstGeom prst="roundRect">
+            <a:avLst/>
+          </a:prstGeom>
+          <a:gradFill flip="none" rotWithShape="1">
+            <a:gsLst>
+              <a:gs pos="0">
+                <a:schemeClr val="accent1">
+                  <a:tint val="66000"/>
+                  <a:satMod val="160000"/>
+                </a:schemeClr>
+              </a:gs>
+              <a:gs pos="50000">
+                <a:schemeClr val="accent1">
+                  <a:tint val="44500"/>
+                  <a:satMod val="160000"/>
+                </a:schemeClr>
+              </a:gs>
+              <a:gs pos="100000">
+                <a:schemeClr val="accent1">
+                  <a:tint val="23500"/>
+                  <a:satMod val="160000"/>
+                </a:schemeClr>
+              </a:gs>
+            </a:gsLst>
+            <a:lin ang="5400000" scaled="1"/>
+            <a:tileRect/>
+          </a:gradFill>
+        </p:spPr>
+        <p:style>
+          <a:lnRef idx="2">
+            <a:schemeClr val="accent1">
+              <a:shade val="50000"/>
+            </a:schemeClr>
+          </a:lnRef>
+          <a:fillRef idx="1">
+            <a:schemeClr val="accent1"/>
+          </a:fillRef>
+          <a:effectRef idx="0">
+            <a:schemeClr val="accent1"/>
+          </a:effectRef>
+          <a:fontRef idx="minor">
+            <a:schemeClr val="lt1"/>
+          </a:fontRef>
+        </p:style>
+        <p:txBody>
+          <a:bodyPr rtlCol="0" anchor="ctr"/>
+          <a:lstStyle/>
+          <a:p>
+            <a:pPr algn="ctr"/>
+            <a:r>
+              <a:rPr lang="en-US" b="1" dirty="0" smtClean="0">
+                <a:solidFill>
+                  <a:srgbClr val="009900"/>
+                </a:solidFill>
+              </a:rPr>
+              <a:t>Domain</a:t>
+            </a:r>
+            <a:r>
+              <a:rPr lang="en-US" dirty="0" smtClean="0">
+                <a:solidFill>
+                  <a:srgbClr val="7030A0"/>
+                </a:solidFill>
+              </a:rPr>
+              <a:t> </a:t>
+            </a:r>
+            <a:r>
+              <a:rPr lang="en-US" b="1" dirty="0" smtClean="0">
+                <a:solidFill>
+                  <a:srgbClr val="7030A0"/>
+                </a:solidFill>
+              </a:rPr>
+              <a:t>Model</a:t>
+            </a:r>
+          </a:p>
+          <a:p>
+            <a:pPr algn="ctr"/>
+            <a:r>
+              <a:rPr lang="en-US" b="1" dirty="0" smtClean="0">
+                <a:solidFill>
+                  <a:schemeClr val="tx1"/>
+                </a:solidFill>
+              </a:rPr>
+              <a:t>&amp;</a:t>
+            </a:r>
+          </a:p>
+          <a:p>
+            <a:pPr algn="ctr"/>
+            <a:r>
+              <a:rPr lang="en-US" b="1" dirty="0" smtClean="0">
+                <a:solidFill>
+                  <a:schemeClr val="accent1">
+                    <a:lumMod val="50000"/>
+                  </a:schemeClr>
+                </a:solidFill>
+              </a:rPr>
+              <a:t>Ubiquities Language</a:t>
+            </a:r>
+            <a:endParaRPr lang="en-US" b="1" dirty="0">
+              <a:solidFill>
+                <a:schemeClr val="accent1">
+                  <a:lumMod val="50000"/>
+                </a:schemeClr>
+              </a:solidFill>
+            </a:endParaRPr>
+          </a:p>
+        </p:txBody>
+      </p:sp>
+      <p:sp>
+        <p:nvSpPr>
+          <p:cNvPr id="10" name="Rounded Rectangle 9"/>
+          <p:cNvSpPr/>
+          <p:nvPr/>
+        </p:nvSpPr>
+        <p:spPr>
+          <a:xfrm>
+            <a:off x="6553200" y="2743200"/>
             <a:ext cx="2057400" cy="1676400"/>
           </a:xfrm>
           <a:prstGeom prst="roundRect">
@@ -5668,58 +6517,16 @@
           <a:p>
             <a:pPr algn="ctr"/>
             <a:r>
-              <a:rPr lang="en-US" b="1" dirty="0" smtClean="0">
-                <a:solidFill>
-                  <a:srgbClr val="009900"/>
-                </a:solidFill>
-              </a:rPr>
-              <a:t>Domain</a:t>
-            </a:r>
-            <a:r>
               <a:rPr lang="en-US" dirty="0" smtClean="0">
-                <a:solidFill>
-                  <a:srgbClr val="7030A0"/>
-                </a:solidFill>
-              </a:rPr>
-              <a:t> </a:t>
-            </a:r>
-            <a:r>
-              <a:rPr lang="en-US" b="1" dirty="0" smtClean="0">
-                <a:solidFill>
-                  <a:srgbClr val="7030A0"/>
-                </a:solidFill>
-              </a:rPr>
-              <a:t>Model</a:t>
-            </a:r>
-          </a:p>
-          <a:p>
-            <a:pPr algn="ctr"/>
-            <a:r>
-              <a:rPr lang="en-US" b="1" dirty="0" smtClean="0">
                 <a:solidFill>
                   <a:schemeClr val="tx1"/>
                 </a:solidFill>
               </a:rPr>
-              <a:t>&amp;</a:t>
-            </a:r>
-          </a:p>
-          <a:p>
-            <a:pPr algn="ctr"/>
-            <a:r>
-              <a:rPr lang="en-US" b="1" dirty="0" smtClean="0">
-                <a:solidFill>
-                  <a:schemeClr val="accent1">
-                    <a:lumMod val="50000"/>
-                  </a:schemeClr>
-                </a:solidFill>
-              </a:rPr>
-              <a:t>Ubiquities Language</a:t>
-            </a:r>
-            <a:endParaRPr lang="en-US" b="1" dirty="0">
+              <a:t>Software Development</a:t>
+            </a:r>
+            <a:endParaRPr lang="en-US" dirty="0">
               <a:solidFill>
-                <a:schemeClr val="accent1">
-                  <a:lumMod val="50000"/>
-                </a:schemeClr>
+                <a:schemeClr val="tx1"/>
               </a:solidFill>
             </a:endParaRPr>
           </a:p>
@@ -5727,42 +6534,18 @@
       </p:sp>
       <p:sp>
         <p:nvSpPr>
-          <p:cNvPr id="10" name="Rounded Rectangle 9"/>
+          <p:cNvPr id="6" name="Стрелка вправо 5"/>
           <p:cNvSpPr/>
           <p:nvPr/>
         </p:nvSpPr>
         <p:spPr>
-          <a:xfrm>
-            <a:off x="5867400" y="2819400"/>
-            <a:ext cx="2057400" cy="1676400"/>
+          <a:xfrm rot="-10800000">
+            <a:off x="2895600" y="4038600"/>
+            <a:ext cx="3657600" cy="228600"/>
           </a:xfrm>
-          <a:prstGeom prst="roundRect">
+          <a:prstGeom prst="rightArrow">
             <a:avLst/>
           </a:prstGeom>
-          <a:gradFill flip="none" rotWithShape="1">
-            <a:gsLst>
-              <a:gs pos="0">
-                <a:schemeClr val="accent1">
-                  <a:tint val="66000"/>
-                  <a:satMod val="160000"/>
-                </a:schemeClr>
-              </a:gs>
-              <a:gs pos="50000">
-                <a:schemeClr val="accent1">
-                  <a:tint val="44500"/>
-                  <a:satMod val="160000"/>
-                </a:schemeClr>
-              </a:gs>
-              <a:gs pos="100000">
-                <a:schemeClr val="accent1">
-                  <a:tint val="23500"/>
-                  <a:satMod val="160000"/>
-                </a:schemeClr>
-              </a:gs>
-            </a:gsLst>
-            <a:lin ang="5400000" scaled="1"/>
-            <a:tileRect/>
-          </a:gradFill>
         </p:spPr>
         <p:style>
           <a:lnRef idx="2">
@@ -5785,81 +6568,47 @@
           <a:lstStyle/>
           <a:p>
             <a:pPr algn="ctr"/>
-            <a:r>
-              <a:rPr lang="en-US" dirty="0" smtClean="0">
-                <a:solidFill>
-                  <a:schemeClr val="tx1"/>
-                </a:solidFill>
-              </a:rPr>
-              <a:t>Software Development</a:t>
-            </a:r>
-            <a:endParaRPr lang="en-US" dirty="0">
-              <a:solidFill>
-                <a:schemeClr val="tx1"/>
-              </a:solidFill>
-            </a:endParaRPr>
-          </a:p>
-        </p:txBody>
-      </p:sp>
-    </p:spTree>
-  </p:cSld>
-  <p:clrMapOvr>
-    <a:masterClrMapping/>
-  </p:clrMapOvr>
-  <p:timing>
-    <p:tnLst>
-      <p:par>
-        <p:cTn id="1" dur="indefinite" restart="never" nodeType="tmRoot"/>
-      </p:par>
-    </p:tnLst>
-  </p:timing>
-</p:sld>
-</file>
-
-<file path=ppt/slides/slide9.xml><?xml version="1.0" encoding="utf-8"?>
-<p:sld xmlns:a="http://schemas.openxmlformats.org/drawingml/2006/main" xmlns:r="http://schemas.openxmlformats.org/officeDocument/2006/relationships" xmlns:p="http://schemas.openxmlformats.org/presentationml/2006/main">
-  <p:cSld>
-    <p:spTree>
-      <p:nvGrpSpPr>
-        <p:cNvPr id="1" name=""/>
-        <p:cNvGrpSpPr/>
-        <p:nvPr/>
-      </p:nvGrpSpPr>
-      <p:grpSpPr>
-        <a:xfrm>
-          <a:off x="0" y="0"/>
-          <a:ext cx="0" cy="0"/>
-          <a:chOff x="0" y="0"/>
-          <a:chExt cx="0" cy="0"/>
-        </a:xfrm>
-      </p:grpSpPr>
-      <p:sp>
-        <p:nvSpPr>
-          <p:cNvPr id="2" name="Title 1"/>
-          <p:cNvSpPr>
-            <a:spLocks noGrp="1"/>
-          </p:cNvSpPr>
-          <p:nvPr>
-            <p:ph type="title"/>
-          </p:nvPr>
+            <a:endParaRPr lang="en-US"/>
+          </a:p>
+        </p:txBody>
+      </p:sp>
+      <p:sp>
+        <p:nvSpPr>
+          <p:cNvPr id="8" name="Стрелка вправо 7"/>
+          <p:cNvSpPr/>
+          <p:nvPr/>
         </p:nvSpPr>
         <p:spPr>
           <a:xfrm>
-            <a:off x="457200" y="2362200"/>
-            <a:ext cx="8229600" cy="1143000"/>
+            <a:off x="2897872" y="3044568"/>
+            <a:ext cx="3657600" cy="228600"/>
           </a:xfrm>
+          <a:prstGeom prst="rightArrow">
+            <a:avLst/>
+          </a:prstGeom>
         </p:spPr>
-        <p:txBody>
-          <a:bodyPr>
-            <a:normAutofit fontScale="90000"/>
-          </a:bodyPr>
-          <a:lstStyle/>
-          <a:p>
-            <a:r>
-              <a:rPr lang="en-US" dirty="0" smtClean="0"/>
-              <a:t>Domain - particular field of knowledge</a:t>
-            </a:r>
-            <a:endParaRPr lang="en-US" dirty="0"/>
+        <p:style>
+          <a:lnRef idx="2">
+            <a:schemeClr val="accent1">
+              <a:shade val="50000"/>
+            </a:schemeClr>
+          </a:lnRef>
+          <a:fillRef idx="1">
+            <a:schemeClr val="accent1"/>
+          </a:fillRef>
+          <a:effectRef idx="0">
+            <a:schemeClr val="accent1"/>
+          </a:effectRef>
+          <a:fontRef idx="minor">
+            <a:schemeClr val="lt1"/>
+          </a:fontRef>
+        </p:style>
+        <p:txBody>
+          <a:bodyPr rtlCol="0" anchor="ctr"/>
+          <a:lstStyle/>
+          <a:p>
+            <a:pPr algn="ctr"/>
+            <a:endParaRPr lang="en-US"/>
           </a:p>
         </p:txBody>
       </p:sp>

--- a/Domain-DrivenDesign.A.Trosin.pptx
+++ b/Domain-DrivenDesign.A.Trosin.pptx
@@ -5,21 +5,27 @@
     <p:sldMasterId id="2147483734" r:id="rId1"/>
   </p:sldMasterIdLst>
   <p:notesMasterIdLst>
-    <p:notesMasterId r:id="rId14"/>
+    <p:notesMasterId r:id="rId20"/>
   </p:notesMasterIdLst>
   <p:sldIdLst>
     <p:sldId id="256" r:id="rId2"/>
     <p:sldId id="258" r:id="rId3"/>
     <p:sldId id="257" r:id="rId4"/>
-    <p:sldId id="261" r:id="rId5"/>
-    <p:sldId id="264" r:id="rId6"/>
-    <p:sldId id="263" r:id="rId7"/>
-    <p:sldId id="259" r:id="rId8"/>
-    <p:sldId id="265" r:id="rId9"/>
-    <p:sldId id="260" r:id="rId10"/>
-    <p:sldId id="262" r:id="rId11"/>
-    <p:sldId id="266" r:id="rId12"/>
-    <p:sldId id="267" r:id="rId13"/>
+    <p:sldId id="264" r:id="rId5"/>
+    <p:sldId id="263" r:id="rId6"/>
+    <p:sldId id="270" r:id="rId7"/>
+    <p:sldId id="269" r:id="rId8"/>
+    <p:sldId id="267" r:id="rId9"/>
+    <p:sldId id="268" r:id="rId10"/>
+    <p:sldId id="266" r:id="rId11"/>
+    <p:sldId id="259" r:id="rId12"/>
+    <p:sldId id="260" r:id="rId13"/>
+    <p:sldId id="272" r:id="rId14"/>
+    <p:sldId id="273" r:id="rId15"/>
+    <p:sldId id="276" r:id="rId16"/>
+    <p:sldId id="274" r:id="rId17"/>
+    <p:sldId id="275" r:id="rId18"/>
+    <p:sldId id="271" r:id="rId19"/>
   </p:sldIdLst>
   <p:sldSz cx="9144000" cy="6858000" type="screen4x3"/>
   <p:notesSz cx="6858000" cy="9144000"/>
@@ -204,7 +210,7 @@
             <a:fld id="{A4B025BB-2E79-40D8-8C4B-B985B2186BF8}" type="datetimeFigureOut">
               <a:rPr lang="en-US" smtClean="0"/>
               <a:pPr/>
-              <a:t>4/11/2009</a:t>
+              <a:t>4/12/2009</a:t>
             </a:fld>
             <a:endParaRPr lang="en-US" dirty="0"/>
           </a:p>
@@ -673,7 +679,7 @@
       </p:grpSpPr>
       <p:sp>
         <p:nvSpPr>
-          <p:cNvPr id="2" name="Образ слайда 1"/>
+          <p:cNvPr id="2" name="Slide Image Placeholder 1"/>
           <p:cNvSpPr>
             <a:spLocks noGrp="1" noRot="1" noChangeAspect="1"/>
           </p:cNvSpPr>
@@ -685,7 +691,7 @@
       </p:sp>
       <p:sp>
         <p:nvSpPr>
-          <p:cNvPr id="3" name="Заметки 2"/>
+          <p:cNvPr id="3" name="Notes Placeholder 2"/>
           <p:cNvSpPr>
             <a:spLocks noGrp="1"/>
           </p:cNvSpPr>
@@ -699,6 +705,294 @@
             <a:normAutofit/>
           </a:bodyPr>
           <a:lstStyle/>
+          <a:p>
+            <a:r>
+              <a:rPr lang="en-US" dirty="0" smtClean="0"/>
+              <a:t>Cu cit </a:t>
+            </a:r>
+            <a:r>
+              <a:rPr lang="en-US" dirty="0" err="1" smtClean="0"/>
+              <a:t>mai</a:t>
+            </a:r>
+            <a:r>
+              <a:rPr lang="en-US" dirty="0" smtClean="0"/>
+              <a:t> </a:t>
+            </a:r>
+            <a:r>
+              <a:rPr lang="en-US" dirty="0" err="1" smtClean="0"/>
+              <a:t>bine</a:t>
+            </a:r>
+            <a:r>
+              <a:rPr lang="en-US" baseline="0" dirty="0" smtClean="0"/>
+              <a:t> </a:t>
+            </a:r>
+            <a:r>
+              <a:rPr lang="en-US" baseline="0" dirty="0" err="1" smtClean="0"/>
+              <a:t>ar</a:t>
+            </a:r>
+            <a:r>
+              <a:rPr lang="en-US" baseline="0" dirty="0" smtClean="0"/>
+              <a:t> </a:t>
+            </a:r>
+            <a:r>
+              <a:rPr lang="en-US" baseline="0" dirty="0" err="1" smtClean="0"/>
+              <a:t>sa</a:t>
+            </a:r>
+            <a:r>
+              <a:rPr lang="en-US" baseline="0" dirty="0" smtClean="0"/>
+              <a:t> fie </a:t>
+            </a:r>
+            <a:r>
+              <a:rPr lang="en-US" baseline="0" dirty="0" err="1" smtClean="0"/>
+              <a:t>inteles</a:t>
+            </a:r>
+            <a:r>
+              <a:rPr lang="en-US" baseline="0" dirty="0" smtClean="0"/>
+              <a:t> business </a:t>
+            </a:r>
+            <a:r>
+              <a:rPr lang="en-US" baseline="0" dirty="0" err="1" smtClean="0"/>
+              <a:t>domainul</a:t>
+            </a:r>
+            <a:r>
+              <a:rPr lang="en-US" baseline="0" dirty="0" smtClean="0"/>
+              <a:t> </a:t>
+            </a:r>
+            <a:r>
+              <a:rPr lang="en-US" baseline="0" dirty="0" err="1" smtClean="0"/>
+              <a:t>si</a:t>
+            </a:r>
+            <a:r>
+              <a:rPr lang="en-US" baseline="0" dirty="0" smtClean="0"/>
+              <a:t> cu </a:t>
+            </a:r>
+            <a:r>
+              <a:rPr lang="en-US" baseline="0" dirty="0" err="1" smtClean="0"/>
+              <a:t>atit</a:t>
+            </a:r>
+            <a:r>
+              <a:rPr lang="en-US" baseline="0" dirty="0" smtClean="0"/>
+              <a:t> </a:t>
+            </a:r>
+            <a:r>
+              <a:rPr lang="en-US" baseline="0" dirty="0" err="1" smtClean="0"/>
+              <a:t>mai</a:t>
+            </a:r>
+            <a:r>
+              <a:rPr lang="en-US" baseline="0" dirty="0" smtClean="0"/>
+              <a:t> </a:t>
+            </a:r>
+            <a:r>
+              <a:rPr lang="en-US" baseline="0" dirty="0" err="1" smtClean="0"/>
+              <a:t>mari</a:t>
+            </a:r>
+            <a:r>
+              <a:rPr lang="en-US" baseline="0" dirty="0" smtClean="0"/>
+              <a:t> </a:t>
+            </a:r>
+            <a:r>
+              <a:rPr lang="en-US" baseline="0" dirty="0" err="1" smtClean="0"/>
+              <a:t>sansele</a:t>
+            </a:r>
+            <a:r>
+              <a:rPr lang="en-US" baseline="0" dirty="0" smtClean="0"/>
+              <a:t> ca </a:t>
+            </a:r>
+            <a:r>
+              <a:rPr lang="en-US" baseline="0" dirty="0" err="1" smtClean="0"/>
+              <a:t>softul</a:t>
+            </a:r>
+            <a:r>
+              <a:rPr lang="en-US" baseline="0" dirty="0" smtClean="0"/>
+              <a:t> </a:t>
+            </a:r>
+            <a:r>
+              <a:rPr lang="en-US" baseline="0" dirty="0" err="1" smtClean="0"/>
+              <a:t>produs</a:t>
+            </a:r>
+            <a:r>
+              <a:rPr lang="en-US" baseline="0" dirty="0" smtClean="0"/>
+              <a:t> de </a:t>
+            </a:r>
+            <a:r>
+              <a:rPr lang="en-US" baseline="0" dirty="0" err="1" smtClean="0"/>
+              <a:t>developeri</a:t>
+            </a:r>
+            <a:r>
+              <a:rPr lang="en-US" baseline="0" dirty="0" smtClean="0"/>
+              <a:t> </a:t>
+            </a:r>
+            <a:r>
+              <a:rPr lang="en-US" baseline="0" dirty="0" err="1" smtClean="0"/>
+              <a:t>va</a:t>
+            </a:r>
+            <a:r>
+              <a:rPr lang="en-US" baseline="0" dirty="0" smtClean="0"/>
+              <a:t> </a:t>
+            </a:r>
+            <a:r>
+              <a:rPr lang="en-US" baseline="0" dirty="0" err="1" smtClean="0"/>
+              <a:t>fi</a:t>
+            </a:r>
+            <a:r>
+              <a:rPr lang="en-US" baseline="0" dirty="0" smtClean="0"/>
+              <a:t> </a:t>
+            </a:r>
+          </a:p>
+          <a:p>
+            <a:r>
+              <a:rPr lang="en-US" baseline="0" dirty="0" err="1" smtClean="0"/>
+              <a:t>Anume</a:t>
+            </a:r>
+            <a:r>
+              <a:rPr lang="en-US" baseline="0" dirty="0" smtClean="0"/>
+              <a:t> </a:t>
+            </a:r>
+            <a:r>
+              <a:rPr lang="en-US" baseline="0" dirty="0" err="1" smtClean="0"/>
+              <a:t>aceea</a:t>
+            </a:r>
+            <a:r>
+              <a:rPr lang="en-US" baseline="0" dirty="0" smtClean="0"/>
+              <a:t> </a:t>
+            </a:r>
+            <a:r>
+              <a:rPr lang="en-US" baseline="0" dirty="0" err="1" smtClean="0"/>
+              <a:t>ce</a:t>
+            </a:r>
+            <a:r>
+              <a:rPr lang="en-US" baseline="0" dirty="0" smtClean="0"/>
+              <a:t> se </a:t>
+            </a:r>
+            <a:r>
+              <a:rPr lang="en-US" baseline="0" dirty="0" err="1" smtClean="0"/>
+              <a:t>cere</a:t>
+            </a:r>
+            <a:r>
+              <a:rPr lang="en-US" baseline="0" dirty="0" smtClean="0"/>
+              <a:t> de business </a:t>
+            </a:r>
+            <a:r>
+              <a:rPr lang="en-US" baseline="0" dirty="0" err="1" smtClean="0"/>
+              <a:t>experti</a:t>
+            </a:r>
+            <a:r>
+              <a:rPr lang="en-US" baseline="0" dirty="0" smtClean="0"/>
+              <a:t>.</a:t>
+            </a:r>
+          </a:p>
+          <a:p>
+            <a:r>
+              <a:rPr lang="en-US" baseline="0" dirty="0" err="1" smtClean="0"/>
+              <a:t>Problema</a:t>
+            </a:r>
+            <a:r>
+              <a:rPr lang="en-US" baseline="0" dirty="0" smtClean="0"/>
+              <a:t> </a:t>
+            </a:r>
+            <a:r>
+              <a:rPr lang="en-US" baseline="0" dirty="0" err="1" smtClean="0"/>
+              <a:t>este</a:t>
+            </a:r>
+            <a:r>
+              <a:rPr lang="en-US" baseline="0" dirty="0" smtClean="0"/>
+              <a:t> ca Business </a:t>
+            </a:r>
+            <a:r>
+              <a:rPr lang="en-US" baseline="0" dirty="0" err="1" smtClean="0"/>
+              <a:t>expertii</a:t>
+            </a:r>
+            <a:r>
+              <a:rPr lang="en-US" baseline="0" dirty="0" smtClean="0"/>
+              <a:t> nu </a:t>
+            </a:r>
+            <a:r>
+              <a:rPr lang="en-US" baseline="0" dirty="0" err="1" smtClean="0"/>
+              <a:t>inteleg</a:t>
+            </a:r>
+            <a:r>
+              <a:rPr lang="en-US" baseline="0" dirty="0" smtClean="0"/>
+              <a:t> </a:t>
+            </a:r>
+            <a:r>
+              <a:rPr lang="en-US" baseline="0" dirty="0" err="1" smtClean="0"/>
+              <a:t>partea</a:t>
+            </a:r>
+            <a:r>
+              <a:rPr lang="en-US" baseline="0" dirty="0" smtClean="0"/>
+              <a:t> </a:t>
+            </a:r>
+            <a:r>
+              <a:rPr lang="en-US" baseline="0" dirty="0" err="1" smtClean="0"/>
+              <a:t>tehnica</a:t>
+            </a:r>
+            <a:r>
+              <a:rPr lang="en-US" baseline="0" dirty="0" smtClean="0"/>
+              <a:t> a </a:t>
+            </a:r>
+            <a:r>
+              <a:rPr lang="en-US" baseline="0" dirty="0" err="1" smtClean="0"/>
+              <a:t>lucrurilor</a:t>
+            </a:r>
+            <a:r>
+              <a:rPr lang="en-US" baseline="0" dirty="0" smtClean="0"/>
+              <a:t> </a:t>
+            </a:r>
+            <a:r>
+              <a:rPr lang="en-US" baseline="0" dirty="0" err="1" smtClean="0"/>
+              <a:t>dar</a:t>
+            </a:r>
+            <a:r>
+              <a:rPr lang="en-US" baseline="0" dirty="0" smtClean="0"/>
+              <a:t> </a:t>
+            </a:r>
+            <a:r>
+              <a:rPr lang="en-US" baseline="0" dirty="0" err="1" smtClean="0"/>
+              <a:t>developerii</a:t>
+            </a:r>
+            <a:r>
+              <a:rPr lang="en-US" baseline="0" dirty="0" smtClean="0"/>
+              <a:t> nu </a:t>
+            </a:r>
+            <a:r>
+              <a:rPr lang="en-US" baseline="0" dirty="0" err="1" smtClean="0"/>
+              <a:t>cunosc</a:t>
+            </a:r>
+            <a:r>
+              <a:rPr lang="en-US" baseline="0" dirty="0" smtClean="0"/>
+              <a:t> </a:t>
+            </a:r>
+            <a:r>
+              <a:rPr lang="en-US" baseline="0" dirty="0" err="1" smtClean="0"/>
+              <a:t>domainul</a:t>
+            </a:r>
+            <a:r>
+              <a:rPr lang="en-US" baseline="0" dirty="0" smtClean="0"/>
+              <a:t>, </a:t>
+            </a:r>
+          </a:p>
+          <a:p>
+            <a:r>
+              <a:rPr lang="en-US" baseline="0" dirty="0" smtClean="0"/>
+              <a:t>Cum </a:t>
+            </a:r>
+            <a:r>
+              <a:rPr lang="en-US" baseline="0" dirty="0" err="1" smtClean="0"/>
+              <a:t>rezolvam</a:t>
+            </a:r>
+            <a:r>
+              <a:rPr lang="en-US" baseline="0" dirty="0" smtClean="0"/>
+              <a:t> </a:t>
+            </a:r>
+            <a:r>
+              <a:rPr lang="en-US" baseline="0" dirty="0" err="1" smtClean="0"/>
+              <a:t>problema</a:t>
+            </a:r>
+            <a:r>
+              <a:rPr lang="en-US" baseline="0" dirty="0" smtClean="0"/>
+              <a:t>?</a:t>
+            </a:r>
+          </a:p>
           <a:p>
             <a:r>
               <a:rPr lang="en-US" sz="1200" kern="1200" baseline="0" dirty="0" smtClean="0">
@@ -709,7 +1003,7 @@
                 <a:ea typeface="+mn-ea"/>
                 <a:cs typeface="+mn-cs"/>
               </a:rPr>
-              <a:t>The key to controlling complexity is a good domain model, a model that goes beyond a surface</a:t>
+              <a:t>Technical people often feel the need to "shield" the business experts from the domain model. They</a:t>
             </a:r>
           </a:p>
           <a:p>
@@ -722,7 +1016,7 @@
                 <a:ea typeface="+mn-ea"/>
                 <a:cs typeface="+mn-cs"/>
               </a:rPr>
-              <a:t>vision of a domain by introducing an underlying structure, which gives the software developers the</a:t>
+              <a:t>say:</a:t>
             </a:r>
           </a:p>
           <a:p>
@@ -735,7 +1029,7 @@
                 <a:ea typeface="+mn-ea"/>
                 <a:cs typeface="+mn-cs"/>
               </a:rPr>
-              <a:t>leverage they need. A good domain model can be incredibly valuable, but it's not something that's</a:t>
+              <a:t>"Too abstract for them."</a:t>
             </a:r>
           </a:p>
           <a:p>
@@ -748,18 +1042,54 @@
                 <a:ea typeface="+mn-ea"/>
                 <a:cs typeface="+mn-cs"/>
               </a:rPr>
-              <a:t>easy to make. Few people can do it well, and it's very hard to teach.</a:t>
-            </a:r>
-            <a:endParaRPr lang="en-US" smtClean="0"/>
-          </a:p>
-          <a:p>
+              <a:t>"They don't understand objects."</a:t>
+            </a:r>
+          </a:p>
+          <a:p>
+            <a:r>
+              <a:rPr lang="en-US" sz="1200" kern="1200" baseline="0" dirty="0" smtClean="0">
+                <a:solidFill>
+                  <a:schemeClr val="tx1"/>
+                </a:solidFill>
+                <a:latin typeface="+mn-lt"/>
+                <a:ea typeface="+mn-ea"/>
+                <a:cs typeface="+mn-cs"/>
+              </a:rPr>
+              <a:t>"We have to collect requirements in their terminology."</a:t>
+            </a:r>
+          </a:p>
+          <a:p>
+            <a:r>
+              <a:rPr lang="en-US" sz="1200" kern="1200" baseline="0" dirty="0" smtClean="0">
+                <a:solidFill>
+                  <a:schemeClr val="tx1"/>
+                </a:solidFill>
+                <a:latin typeface="+mn-lt"/>
+                <a:ea typeface="+mn-ea"/>
+                <a:cs typeface="+mn-cs"/>
+              </a:rPr>
+              <a:t>These are just a few of the reasons I've heard for having two languages on the team. Forget</a:t>
+            </a:r>
+          </a:p>
+          <a:p>
+            <a:r>
+              <a:rPr lang="en-US" sz="1200" kern="1200" baseline="0" dirty="0" smtClean="0">
+                <a:solidFill>
+                  <a:schemeClr val="tx1"/>
+                </a:solidFill>
+                <a:latin typeface="+mn-lt"/>
+                <a:ea typeface="+mn-ea"/>
+                <a:cs typeface="+mn-cs"/>
+              </a:rPr>
+              <a:t>them.</a:t>
+            </a:r>
             <a:endParaRPr lang="en-US" dirty="0"/>
           </a:p>
         </p:txBody>
       </p:sp>
       <p:sp>
         <p:nvSpPr>
-          <p:cNvPr id="4" name="Номер слайда 3"/>
+          <p:cNvPr id="4" name="Slide Number Placeholder 3"/>
           <p:cNvSpPr>
             <a:spLocks noGrp="1"/>
           </p:cNvSpPr>
@@ -808,7 +1138,7 @@
       </p:grpSpPr>
       <p:sp>
         <p:nvSpPr>
-          <p:cNvPr id="2" name="Образ слайда 1"/>
+          <p:cNvPr id="2" name="Slide Image Placeholder 1"/>
           <p:cNvSpPr>
             <a:spLocks noGrp="1" noRot="1" noChangeAspect="1"/>
           </p:cNvSpPr>
@@ -820,7 +1150,7 @@
       </p:sp>
       <p:sp>
         <p:nvSpPr>
-          <p:cNvPr id="3" name="Заметки 2"/>
+          <p:cNvPr id="3" name="Notes Placeholder 2"/>
           <p:cNvSpPr>
             <a:spLocks noGrp="1"/>
           </p:cNvSpPr>
@@ -835,34 +1165,13 @@
           </a:bodyPr>
           <a:lstStyle/>
           <a:p>
-            <a:r>
-              <a:rPr lang="en-US" dirty="0" smtClean="0"/>
-              <a:t>Sheet music can be used as a record of, a guide to, or a means to perform, a piece of music. Although it does not take the place of the sound of a performed work, sheet music can be studied to create a performance and to elucidate aspects of the music that may not be obvious from mere listening. Authoritative musical information about a piece can be gained by studying the written sketches and early versions of compositions that the composer might have retained, as well as the final autograph score and personal markings on proofs and printed scores</a:t>
-            </a:r>
-          </a:p>
-          <a:p>
-            <a:endParaRPr lang="en-US" dirty="0" smtClean="0"/>
-          </a:p>
-          <a:p>
-            <a:r>
-              <a:rPr lang="en-US" dirty="0" err="1" smtClean="0"/>
-              <a:t>Enstein</a:t>
-            </a:r>
-            <a:r>
-              <a:rPr lang="en-US" dirty="0" smtClean="0"/>
-              <a:t>: Theory of all… theory on</a:t>
-            </a:r>
-            <a:r>
-              <a:rPr lang="en-US" baseline="0" dirty="0" smtClean="0"/>
-              <a:t> atom level and on stars level</a:t>
-            </a:r>
             <a:endParaRPr lang="en-US" dirty="0"/>
           </a:p>
         </p:txBody>
       </p:sp>
       <p:sp>
         <p:nvSpPr>
-          <p:cNvPr id="4" name="Номер слайда 3"/>
+          <p:cNvPr id="4" name="Slide Number Placeholder 3"/>
           <p:cNvSpPr>
             <a:spLocks noGrp="1"/>
           </p:cNvSpPr>
@@ -879,6 +1188,831 @@
               <a:rPr lang="en-US" smtClean="0"/>
               <a:pPr/>
               <a:t>12</a:t>
+            </a:fld>
+            <a:endParaRPr lang="en-US" dirty="0"/>
+          </a:p>
+        </p:txBody>
+      </p:sp>
+    </p:spTree>
+  </p:cSld>
+  <p:clrMapOvr>
+    <a:masterClrMapping/>
+  </p:clrMapOvr>
+</p:notes>
+</file>
+
+<file path=ppt/notesSlides/notesSlide12.xml><?xml version="1.0" encoding="utf-8"?>
+<p:notes xmlns:a="http://schemas.openxmlformats.org/drawingml/2006/main" xmlns:r="http://schemas.openxmlformats.org/officeDocument/2006/relationships" xmlns:p="http://schemas.openxmlformats.org/presentationml/2006/main">
+  <p:cSld>
+    <p:spTree>
+      <p:nvGrpSpPr>
+        <p:cNvPr id="1" name=""/>
+        <p:cNvGrpSpPr/>
+        <p:nvPr/>
+      </p:nvGrpSpPr>
+      <p:grpSpPr>
+        <a:xfrm>
+          <a:off x="0" y="0"/>
+          <a:ext cx="0" cy="0"/>
+          <a:chOff x="0" y="0"/>
+          <a:chExt cx="0" cy="0"/>
+        </a:xfrm>
+      </p:grpSpPr>
+      <p:sp>
+        <p:nvSpPr>
+          <p:cNvPr id="2" name="Образ слайда 1"/>
+          <p:cNvSpPr>
+            <a:spLocks noGrp="1" noRot="1" noChangeAspect="1"/>
+          </p:cNvSpPr>
+          <p:nvPr>
+            <p:ph type="sldImg"/>
+          </p:nvPr>
+        </p:nvSpPr>
+        <p:spPr/>
+      </p:sp>
+      <p:sp>
+        <p:nvSpPr>
+          <p:cNvPr id="3" name="Заметки 2"/>
+          <p:cNvSpPr>
+            <a:spLocks noGrp="1"/>
+          </p:cNvSpPr>
+          <p:nvPr>
+            <p:ph type="body" idx="1"/>
+          </p:nvPr>
+        </p:nvSpPr>
+        <p:spPr/>
+        <p:txBody>
+          <a:bodyPr>
+            <a:normAutofit/>
+          </a:bodyPr>
+          <a:lstStyle/>
+          <a:p>
+            <a:r>
+              <a:rPr lang="en-US" sz="1200" b="1" kern="1200" baseline="0" dirty="0" smtClean="0">
+                <a:solidFill>
+                  <a:schemeClr val="tx1"/>
+                </a:solidFill>
+                <a:latin typeface="+mn-lt"/>
+                <a:ea typeface="+mn-ea"/>
+                <a:cs typeface="+mn-cs"/>
+              </a:rPr>
+              <a:t>-if a implementation is disconnected from the model then the model has a little or not value</a:t>
+            </a:r>
+          </a:p>
+          <a:p>
+            <a:r>
+              <a:rPr lang="en-US" sz="1200" kern="1200" baseline="0" dirty="0" smtClean="0">
+                <a:solidFill>
+                  <a:schemeClr val="tx1"/>
+                </a:solidFill>
+                <a:latin typeface="+mn-lt"/>
+                <a:ea typeface="+mn-ea"/>
+                <a:cs typeface="+mn-cs"/>
+              </a:rPr>
+              <a:t>A domain model is not a particular diagram; it is the idea that the</a:t>
+            </a:r>
+          </a:p>
+          <a:p>
+            <a:r>
+              <a:rPr lang="en-US" sz="1200" kern="1200" baseline="0" dirty="0" smtClean="0">
+                <a:solidFill>
+                  <a:schemeClr val="tx1"/>
+                </a:solidFill>
+                <a:latin typeface="+mn-lt"/>
+                <a:ea typeface="+mn-ea"/>
+                <a:cs typeface="+mn-cs"/>
+              </a:rPr>
+              <a:t>diagram is intended to convey. It is not just the knowledge in a domain</a:t>
+            </a:r>
+          </a:p>
+          <a:p>
+            <a:r>
+              <a:rPr lang="en-US" sz="1200" kern="1200" baseline="0" dirty="0" smtClean="0">
+                <a:solidFill>
+                  <a:schemeClr val="tx1"/>
+                </a:solidFill>
+                <a:latin typeface="+mn-lt"/>
+                <a:ea typeface="+mn-ea"/>
+                <a:cs typeface="+mn-cs"/>
+              </a:rPr>
+              <a:t>expert’s head; </a:t>
+            </a:r>
+            <a:r>
+              <a:rPr lang="en-US" sz="1200" i="1" kern="1200" baseline="0" dirty="0" smtClean="0">
+                <a:solidFill>
+                  <a:schemeClr val="tx1"/>
+                </a:solidFill>
+                <a:latin typeface="+mn-lt"/>
+                <a:ea typeface="+mn-ea"/>
+                <a:cs typeface="+mn-cs"/>
+              </a:rPr>
+              <a:t>it is a rigorously organized and selective abstraction</a:t>
+            </a:r>
+          </a:p>
+          <a:p>
+            <a:r>
+              <a:rPr lang="en-US" sz="1200" i="1" kern="1200" baseline="0" dirty="0" smtClean="0">
+                <a:solidFill>
+                  <a:schemeClr val="tx1"/>
+                </a:solidFill>
+                <a:latin typeface="+mn-lt"/>
+                <a:ea typeface="+mn-ea"/>
+                <a:cs typeface="+mn-cs"/>
+              </a:rPr>
+              <a:t>of that knowledge. A diagram can represent and communicate a</a:t>
+            </a:r>
+          </a:p>
+          <a:p>
+            <a:r>
+              <a:rPr lang="en-US" sz="1200" kern="1200" baseline="0" dirty="0" smtClean="0">
+                <a:solidFill>
+                  <a:schemeClr val="tx1"/>
+                </a:solidFill>
+                <a:latin typeface="+mn-lt"/>
+                <a:ea typeface="+mn-ea"/>
+                <a:cs typeface="+mn-cs"/>
+              </a:rPr>
+              <a:t>model, as can carefully written code, as can an English sentence.</a:t>
+            </a:r>
+          </a:p>
+          <a:p>
+            <a:r>
+              <a:rPr lang="en-US" sz="1200" kern="1200" baseline="0" dirty="0" smtClean="0">
+                <a:solidFill>
+                  <a:schemeClr val="tx1"/>
+                </a:solidFill>
+                <a:latin typeface="+mn-lt"/>
+                <a:ea typeface="+mn-ea"/>
+                <a:cs typeface="+mn-cs"/>
+              </a:rPr>
+              <a:t>Domain modeling is not a matter of making as “realistic” a</a:t>
+            </a:r>
+          </a:p>
+          <a:p>
+            <a:r>
+              <a:rPr lang="en-US" sz="1200" kern="1200" baseline="0" dirty="0" smtClean="0">
+                <a:solidFill>
+                  <a:schemeClr val="tx1"/>
+                </a:solidFill>
+                <a:latin typeface="+mn-lt"/>
+                <a:ea typeface="+mn-ea"/>
+                <a:cs typeface="+mn-cs"/>
+              </a:rPr>
+              <a:t>model as possible. Even in a domain of tangible real-world things,</a:t>
+            </a:r>
+          </a:p>
+          <a:p>
+            <a:r>
+              <a:rPr lang="en-US" sz="1200" kern="1200" baseline="0" dirty="0" smtClean="0">
+                <a:solidFill>
+                  <a:schemeClr val="tx1"/>
+                </a:solidFill>
+                <a:latin typeface="+mn-lt"/>
+                <a:ea typeface="+mn-ea"/>
+                <a:cs typeface="+mn-cs"/>
+              </a:rPr>
+              <a:t>our model is an artificial creation. Nor is it just the construction of a</a:t>
+            </a:r>
+          </a:p>
+          <a:p>
+            <a:r>
+              <a:rPr lang="en-US" sz="1200" kern="1200" baseline="0" dirty="0" smtClean="0">
+                <a:solidFill>
+                  <a:schemeClr val="tx1"/>
+                </a:solidFill>
+                <a:latin typeface="+mn-lt"/>
+                <a:ea typeface="+mn-ea"/>
+                <a:cs typeface="+mn-cs"/>
+              </a:rPr>
+              <a:t>software mechanism that gives the necessary results. It is more like</a:t>
+            </a:r>
+          </a:p>
+          <a:p>
+            <a:r>
+              <a:rPr lang="en-US" sz="1200" kern="1200" baseline="0" dirty="0" smtClean="0">
+                <a:solidFill>
+                  <a:schemeClr val="tx1"/>
+                </a:solidFill>
+                <a:latin typeface="+mn-lt"/>
+                <a:ea typeface="+mn-ea"/>
+                <a:cs typeface="+mn-cs"/>
+              </a:rPr>
+              <a:t>moviemaking, loosely representing reality to a particular purpose.</a:t>
+            </a:r>
+            <a:endParaRPr lang="en-US" dirty="0"/>
+          </a:p>
+        </p:txBody>
+      </p:sp>
+      <p:sp>
+        <p:nvSpPr>
+          <p:cNvPr id="4" name="Номер слайда 3"/>
+          <p:cNvSpPr>
+            <a:spLocks noGrp="1"/>
+          </p:cNvSpPr>
+          <p:nvPr>
+            <p:ph type="sldNum" sz="quarter" idx="10"/>
+          </p:nvPr>
+        </p:nvSpPr>
+        <p:spPr/>
+        <p:txBody>
+          <a:bodyPr/>
+          <a:lstStyle/>
+          <a:p>
+            <a:fld id="{5D5B2715-B0E0-4A76-9B24-AC64393DF8BD}" type="slidenum">
+              <a:rPr lang="en-US" smtClean="0"/>
+              <a:pPr/>
+              <a:t>13</a:t>
+            </a:fld>
+            <a:endParaRPr lang="en-US" dirty="0"/>
+          </a:p>
+        </p:txBody>
+      </p:sp>
+    </p:spTree>
+  </p:cSld>
+  <p:clrMapOvr>
+    <a:masterClrMapping/>
+  </p:clrMapOvr>
+</p:notes>
+</file>
+
+<file path=ppt/notesSlides/notesSlide13.xml><?xml version="1.0" encoding="utf-8"?>
+<p:notes xmlns:a="http://schemas.openxmlformats.org/drawingml/2006/main" xmlns:r="http://schemas.openxmlformats.org/officeDocument/2006/relationships" xmlns:p="http://schemas.openxmlformats.org/presentationml/2006/main">
+  <p:cSld>
+    <p:spTree>
+      <p:nvGrpSpPr>
+        <p:cNvPr id="1" name=""/>
+        <p:cNvGrpSpPr/>
+        <p:nvPr/>
+      </p:nvGrpSpPr>
+      <p:grpSpPr>
+        <a:xfrm>
+          <a:off x="0" y="0"/>
+          <a:ext cx="0" cy="0"/>
+          <a:chOff x="0" y="0"/>
+          <a:chExt cx="0" cy="0"/>
+        </a:xfrm>
+      </p:grpSpPr>
+      <p:sp>
+        <p:nvSpPr>
+          <p:cNvPr id="2" name="Образ слайда 1"/>
+          <p:cNvSpPr>
+            <a:spLocks noGrp="1" noRot="1" noChangeAspect="1"/>
+          </p:cNvSpPr>
+          <p:nvPr>
+            <p:ph type="sldImg"/>
+          </p:nvPr>
+        </p:nvSpPr>
+        <p:spPr/>
+      </p:sp>
+      <p:sp>
+        <p:nvSpPr>
+          <p:cNvPr id="3" name="Заметки 2"/>
+          <p:cNvSpPr>
+            <a:spLocks noGrp="1"/>
+          </p:cNvSpPr>
+          <p:nvPr>
+            <p:ph type="body" idx="1"/>
+          </p:nvPr>
+        </p:nvSpPr>
+        <p:spPr/>
+        <p:txBody>
+          <a:bodyPr>
+            <a:normAutofit/>
+          </a:bodyPr>
+          <a:lstStyle/>
+          <a:p>
+            <a:r>
+              <a:rPr lang="en-US" dirty="0" smtClean="0"/>
+              <a:t>Problem: </a:t>
+            </a:r>
+          </a:p>
+          <a:p>
+            <a:r>
+              <a:rPr lang="en-US" dirty="0" smtClean="0"/>
+              <a:t>A project faces serious problems when its language is fractured. Domain experts use their jargon while technical team members have their own language tuned for discussing the domain in terms of design.</a:t>
+            </a:r>
+          </a:p>
+          <a:p>
+            <a:endParaRPr lang="en-US" dirty="0" smtClean="0"/>
+          </a:p>
+          <a:p>
+            <a:r>
+              <a:rPr lang="en-US" dirty="0" smtClean="0"/>
+              <a:t>The terminology of day-to-day discussions is disconnected from the terminology embedded in the code (ultimately the most important product of the software project). And even the same person uses different language in speech and in writing, so that the most incisive impression of the domain often emerges in a transient form that is never captured in the code or even in writing.</a:t>
+            </a:r>
+          </a:p>
+          <a:p>
+            <a:endParaRPr lang="en-US" dirty="0" smtClean="0"/>
+          </a:p>
+          <a:p>
+            <a:r>
+              <a:rPr lang="en-US" dirty="0" smtClean="0"/>
+              <a:t>Translation blunts communication and makes knowledge crunching anemic.</a:t>
+            </a:r>
+          </a:p>
+          <a:p>
+            <a:endParaRPr lang="en-US" dirty="0" smtClean="0"/>
+          </a:p>
+          <a:p>
+            <a:r>
+              <a:rPr lang="en-US" dirty="0" smtClean="0"/>
+              <a:t>Yet none of these dialects can be a common language because none serves all needs.</a:t>
+            </a:r>
+          </a:p>
+          <a:p>
+            <a:endParaRPr lang="en-US" dirty="0" smtClean="0"/>
+          </a:p>
+          <a:p>
+            <a:r>
+              <a:rPr lang="en-US" dirty="0" smtClean="0"/>
+              <a:t>Solution: </a:t>
+            </a:r>
+          </a:p>
+          <a:p>
+            <a:r>
+              <a:rPr lang="en-US" dirty="0" smtClean="0"/>
+              <a:t>Use the model as a backbone of a language. Commit the team to exercising that language relentlessly in all communication within the team and in the code. Use the same language in diagrams, writing and especially speech.</a:t>
+            </a:r>
+          </a:p>
+          <a:p>
+            <a:r>
+              <a:rPr lang="en-US" sz="1200" b="1" kern="1200" baseline="0" dirty="0" smtClean="0">
+                <a:solidFill>
+                  <a:schemeClr val="tx1"/>
+                </a:solidFill>
+                <a:latin typeface="+mn-lt"/>
+                <a:ea typeface="+mn-ea"/>
+                <a:cs typeface="+mn-cs"/>
+              </a:rPr>
+              <a:t>Recognize that a change in the UBIQUITOUS LANGUAGE is a change to the model.</a:t>
+            </a:r>
+            <a:endParaRPr lang="en-US" b="1" dirty="0"/>
+          </a:p>
+        </p:txBody>
+      </p:sp>
+      <p:sp>
+        <p:nvSpPr>
+          <p:cNvPr id="4" name="Номер слайда 3"/>
+          <p:cNvSpPr>
+            <a:spLocks noGrp="1"/>
+          </p:cNvSpPr>
+          <p:nvPr>
+            <p:ph type="sldNum" sz="quarter" idx="10"/>
+          </p:nvPr>
+        </p:nvSpPr>
+        <p:spPr/>
+        <p:txBody>
+          <a:bodyPr/>
+          <a:lstStyle/>
+          <a:p>
+            <a:fld id="{5D5B2715-B0E0-4A76-9B24-AC64393DF8BD}" type="slidenum">
+              <a:rPr lang="en-US" smtClean="0"/>
+              <a:pPr/>
+              <a:t>14</a:t>
+            </a:fld>
+            <a:endParaRPr lang="en-US" dirty="0"/>
+          </a:p>
+        </p:txBody>
+      </p:sp>
+    </p:spTree>
+  </p:cSld>
+  <p:clrMapOvr>
+    <a:masterClrMapping/>
+  </p:clrMapOvr>
+</p:notes>
+</file>
+
+<file path=ppt/notesSlides/notesSlide14.xml><?xml version="1.0" encoding="utf-8"?>
+<p:notes xmlns:a="http://schemas.openxmlformats.org/drawingml/2006/main" xmlns:r="http://schemas.openxmlformats.org/officeDocument/2006/relationships" xmlns:p="http://schemas.openxmlformats.org/presentationml/2006/main">
+  <p:cSld>
+    <p:spTree>
+      <p:nvGrpSpPr>
+        <p:cNvPr id="1" name=""/>
+        <p:cNvGrpSpPr/>
+        <p:nvPr/>
+      </p:nvGrpSpPr>
+      <p:grpSpPr>
+        <a:xfrm>
+          <a:off x="0" y="0"/>
+          <a:ext cx="0" cy="0"/>
+          <a:chOff x="0" y="0"/>
+          <a:chExt cx="0" cy="0"/>
+        </a:xfrm>
+      </p:grpSpPr>
+      <p:sp>
+        <p:nvSpPr>
+          <p:cNvPr id="2" name="Образ слайда 1"/>
+          <p:cNvSpPr>
+            <a:spLocks noGrp="1" noRot="1" noChangeAspect="1"/>
+          </p:cNvSpPr>
+          <p:nvPr>
+            <p:ph type="sldImg"/>
+          </p:nvPr>
+        </p:nvSpPr>
+        <p:spPr/>
+      </p:sp>
+      <p:sp>
+        <p:nvSpPr>
+          <p:cNvPr id="3" name="Заметки 2"/>
+          <p:cNvSpPr>
+            <a:spLocks noGrp="1"/>
+          </p:cNvSpPr>
+          <p:nvPr>
+            <p:ph type="body" idx="1"/>
+          </p:nvPr>
+        </p:nvSpPr>
+        <p:spPr/>
+        <p:txBody>
+          <a:bodyPr>
+            <a:normAutofit/>
+          </a:bodyPr>
+          <a:lstStyle/>
+          <a:p>
+            <a:endParaRPr lang="en-US"/>
+          </a:p>
+        </p:txBody>
+      </p:sp>
+      <p:sp>
+        <p:nvSpPr>
+          <p:cNvPr id="4" name="Номер слайда 3"/>
+          <p:cNvSpPr>
+            <a:spLocks noGrp="1"/>
+          </p:cNvSpPr>
+          <p:nvPr>
+            <p:ph type="sldNum" sz="quarter" idx="10"/>
+          </p:nvPr>
+        </p:nvSpPr>
+        <p:spPr/>
+        <p:txBody>
+          <a:bodyPr/>
+          <a:lstStyle/>
+          <a:p>
+            <a:fld id="{5D5B2715-B0E0-4A76-9B24-AC64393DF8BD}" type="slidenum">
+              <a:rPr lang="en-US" smtClean="0"/>
+              <a:pPr/>
+              <a:t>15</a:t>
+            </a:fld>
+            <a:endParaRPr lang="en-US" dirty="0"/>
+          </a:p>
+        </p:txBody>
+      </p:sp>
+    </p:spTree>
+  </p:cSld>
+  <p:clrMapOvr>
+    <a:masterClrMapping/>
+  </p:clrMapOvr>
+</p:notes>
+</file>
+
+<file path=ppt/notesSlides/notesSlide15.xml><?xml version="1.0" encoding="utf-8"?>
+<p:notes xmlns:a="http://schemas.openxmlformats.org/drawingml/2006/main" xmlns:r="http://schemas.openxmlformats.org/officeDocument/2006/relationships" xmlns:p="http://schemas.openxmlformats.org/presentationml/2006/main">
+  <p:cSld>
+    <p:spTree>
+      <p:nvGrpSpPr>
+        <p:cNvPr id="1" name=""/>
+        <p:cNvGrpSpPr/>
+        <p:nvPr/>
+      </p:nvGrpSpPr>
+      <p:grpSpPr>
+        <a:xfrm>
+          <a:off x="0" y="0"/>
+          <a:ext cx="0" cy="0"/>
+          <a:chOff x="0" y="0"/>
+          <a:chExt cx="0" cy="0"/>
+        </a:xfrm>
+      </p:grpSpPr>
+      <p:sp>
+        <p:nvSpPr>
+          <p:cNvPr id="2" name="Образ слайда 1"/>
+          <p:cNvSpPr>
+            <a:spLocks noGrp="1" noRot="1" noChangeAspect="1"/>
+          </p:cNvSpPr>
+          <p:nvPr>
+            <p:ph type="sldImg"/>
+          </p:nvPr>
+        </p:nvSpPr>
+        <p:spPr/>
+      </p:sp>
+      <p:sp>
+        <p:nvSpPr>
+          <p:cNvPr id="3" name="Заметки 2"/>
+          <p:cNvSpPr>
+            <a:spLocks noGrp="1"/>
+          </p:cNvSpPr>
+          <p:nvPr>
+            <p:ph type="body" idx="1"/>
+          </p:nvPr>
+        </p:nvSpPr>
+        <p:spPr/>
+        <p:txBody>
+          <a:bodyPr>
+            <a:normAutofit lnSpcReduction="10000"/>
+          </a:bodyPr>
+          <a:lstStyle/>
+          <a:p>
+            <a:r>
+              <a:rPr lang="en-US" dirty="0" smtClean="0"/>
+              <a:t>Iteratively </a:t>
+            </a:r>
+          </a:p>
+          <a:p>
+            <a:r>
+              <a:rPr lang="en-US" dirty="0" smtClean="0"/>
+              <a:t>Intention</a:t>
+            </a:r>
+            <a:r>
+              <a:rPr lang="en-US" baseline="0" dirty="0" smtClean="0"/>
+              <a:t> revealing  interface</a:t>
+            </a:r>
+          </a:p>
+          <a:p>
+            <a:r>
+              <a:rPr lang="en-US" sz="1200" b="1" i="1" kern="1200" baseline="0" dirty="0" smtClean="0">
+                <a:solidFill>
+                  <a:schemeClr val="tx1"/>
+                </a:solidFill>
+                <a:latin typeface="+mn-lt"/>
+                <a:ea typeface="+mn-ea"/>
+                <a:cs typeface="+mn-cs"/>
+              </a:rPr>
+              <a:t>Binding the model and the implementation.</a:t>
+            </a:r>
+          </a:p>
+          <a:p>
+            <a:r>
+              <a:rPr lang="en-US" sz="1200" b="1" i="1" kern="1200" baseline="0" dirty="0" smtClean="0">
+                <a:solidFill>
+                  <a:schemeClr val="tx1"/>
+                </a:solidFill>
+                <a:latin typeface="+mn-lt"/>
+                <a:ea typeface="+mn-ea"/>
+                <a:cs typeface="+mn-cs"/>
+              </a:rPr>
+              <a:t>Cultivating a language based on the model.</a:t>
+            </a:r>
+          </a:p>
+          <a:p>
+            <a:r>
+              <a:rPr lang="en-US" sz="1200" b="1" i="1" kern="1200" baseline="0" dirty="0" smtClean="0">
+                <a:solidFill>
+                  <a:schemeClr val="tx1"/>
+                </a:solidFill>
+                <a:latin typeface="+mn-lt"/>
+                <a:ea typeface="+mn-ea"/>
+                <a:cs typeface="+mn-cs"/>
+              </a:rPr>
+              <a:t>Developing a knowledge-rich model</a:t>
+            </a:r>
+            <a:r>
+              <a:rPr lang="en-US" sz="1200" i="1" kern="1200" baseline="0" dirty="0" smtClean="0">
+                <a:solidFill>
+                  <a:schemeClr val="tx1"/>
+                </a:solidFill>
+                <a:latin typeface="+mn-lt"/>
+                <a:ea typeface="+mn-ea"/>
+                <a:cs typeface="+mn-cs"/>
+              </a:rPr>
+              <a:t>. The objects had behavior and enforced rules. The model</a:t>
+            </a:r>
+          </a:p>
+          <a:p>
+            <a:r>
+              <a:rPr lang="en-US" sz="1200" kern="1200" baseline="0" dirty="0" smtClean="0">
+                <a:solidFill>
+                  <a:schemeClr val="tx1"/>
+                </a:solidFill>
+                <a:latin typeface="+mn-lt"/>
+                <a:ea typeface="+mn-ea"/>
+                <a:cs typeface="+mn-cs"/>
+              </a:rPr>
+              <a:t>wasn't just a data schema; it was integral to solving a complex problem. It captured</a:t>
+            </a:r>
+          </a:p>
+          <a:p>
+            <a:r>
+              <a:rPr lang="en-US" sz="1200" kern="1200" baseline="0" dirty="0" smtClean="0">
+                <a:solidFill>
+                  <a:schemeClr val="tx1"/>
+                </a:solidFill>
+                <a:latin typeface="+mn-lt"/>
+                <a:ea typeface="+mn-ea"/>
+                <a:cs typeface="+mn-cs"/>
+              </a:rPr>
+              <a:t>knowledge of various kinds.</a:t>
+            </a:r>
+          </a:p>
+          <a:p>
+            <a:r>
+              <a:rPr lang="en-US" sz="1200" b="1" i="1" kern="1200" baseline="0" dirty="0" smtClean="0">
+                <a:solidFill>
+                  <a:schemeClr val="tx1"/>
+                </a:solidFill>
+                <a:latin typeface="+mn-lt"/>
+                <a:ea typeface="+mn-ea"/>
+                <a:cs typeface="+mn-cs"/>
+              </a:rPr>
+              <a:t>Distilling the model. </a:t>
+            </a:r>
+            <a:r>
+              <a:rPr lang="en-US" sz="1200" i="1" kern="1200" baseline="0" dirty="0" smtClean="0">
+                <a:solidFill>
+                  <a:schemeClr val="tx1"/>
+                </a:solidFill>
+                <a:latin typeface="+mn-lt"/>
+                <a:ea typeface="+mn-ea"/>
+                <a:cs typeface="+mn-cs"/>
+              </a:rPr>
+              <a:t>Important concepts were added to the model as it became more</a:t>
+            </a:r>
+          </a:p>
+          <a:p>
+            <a:r>
+              <a:rPr lang="en-US" sz="1200" kern="1200" baseline="0" dirty="0" smtClean="0">
+                <a:solidFill>
+                  <a:schemeClr val="tx1"/>
+                </a:solidFill>
+                <a:latin typeface="+mn-lt"/>
+                <a:ea typeface="+mn-ea"/>
+                <a:cs typeface="+mn-cs"/>
+              </a:rPr>
+              <a:t>complete, but equally important, concepts were dropped when they didn't prove useful or</a:t>
+            </a:r>
+          </a:p>
+          <a:p>
+            <a:r>
+              <a:rPr lang="en-US" sz="1200" kern="1200" baseline="0" dirty="0" smtClean="0">
+                <a:solidFill>
+                  <a:schemeClr val="tx1"/>
+                </a:solidFill>
+                <a:latin typeface="+mn-lt"/>
+                <a:ea typeface="+mn-ea"/>
+                <a:cs typeface="+mn-cs"/>
+              </a:rPr>
+              <a:t>central. When an unneeded concept was tied to one that was needed, a new model was</a:t>
+            </a:r>
+          </a:p>
+          <a:p>
+            <a:r>
+              <a:rPr lang="en-US" sz="1200" kern="1200" baseline="0" dirty="0" smtClean="0">
+                <a:solidFill>
+                  <a:schemeClr val="tx1"/>
+                </a:solidFill>
+                <a:latin typeface="+mn-lt"/>
+                <a:ea typeface="+mn-ea"/>
+                <a:cs typeface="+mn-cs"/>
+              </a:rPr>
+              <a:t>found that distinguished the essential concept so that the other could be dropped.</a:t>
+            </a:r>
+          </a:p>
+          <a:p>
+            <a:r>
+              <a:rPr lang="en-US" sz="1200" b="1" i="1" kern="1200" baseline="0" dirty="0" smtClean="0">
+                <a:solidFill>
+                  <a:schemeClr val="tx1"/>
+                </a:solidFill>
+                <a:latin typeface="+mn-lt"/>
+                <a:ea typeface="+mn-ea"/>
+                <a:cs typeface="+mn-cs"/>
+              </a:rPr>
+              <a:t>Brainstorming and experimenting. The language, combined with sketche</a:t>
+            </a:r>
+            <a:r>
+              <a:rPr lang="en-US" sz="1200" i="1" kern="1200" baseline="0" dirty="0" smtClean="0">
+                <a:solidFill>
+                  <a:schemeClr val="tx1"/>
+                </a:solidFill>
+                <a:latin typeface="+mn-lt"/>
+                <a:ea typeface="+mn-ea"/>
+                <a:cs typeface="+mn-cs"/>
+              </a:rPr>
+              <a:t>s and a</a:t>
+            </a:r>
+          </a:p>
+          <a:p>
+            <a:r>
+              <a:rPr lang="en-US" sz="1200" kern="1200" baseline="0" dirty="0" smtClean="0">
+                <a:solidFill>
+                  <a:schemeClr val="tx1"/>
+                </a:solidFill>
+                <a:latin typeface="+mn-lt"/>
+                <a:ea typeface="+mn-ea"/>
+                <a:cs typeface="+mn-cs"/>
+              </a:rPr>
+              <a:t>brainstorming attitude, turned our discussions into laboratories of the model, in which</a:t>
+            </a:r>
+          </a:p>
+          <a:p>
+            <a:r>
+              <a:rPr lang="en-US" sz="1200" kern="1200" baseline="0" dirty="0" smtClean="0">
+                <a:solidFill>
+                  <a:schemeClr val="tx1"/>
+                </a:solidFill>
+                <a:latin typeface="+mn-lt"/>
+                <a:ea typeface="+mn-ea"/>
+                <a:cs typeface="+mn-cs"/>
+              </a:rPr>
+              <a:t>hundreds of experimental variations could be exercised, tried, and judged. As the team went</a:t>
+            </a:r>
+          </a:p>
+          <a:p>
+            <a:r>
+              <a:rPr lang="en-US" sz="1200" kern="1200" baseline="0" dirty="0" smtClean="0">
+                <a:solidFill>
+                  <a:schemeClr val="tx1"/>
+                </a:solidFill>
+                <a:latin typeface="+mn-lt"/>
+                <a:ea typeface="+mn-ea"/>
+                <a:cs typeface="+mn-cs"/>
+              </a:rPr>
+              <a:t>through scenarios, the spoken expressions themselves provided a quick viability test of a</a:t>
+            </a:r>
+          </a:p>
+          <a:p>
+            <a:r>
+              <a:rPr lang="en-US" sz="1200" kern="1200" baseline="0" dirty="0" smtClean="0">
+                <a:solidFill>
+                  <a:schemeClr val="tx1"/>
+                </a:solidFill>
+                <a:latin typeface="+mn-lt"/>
+                <a:ea typeface="+mn-ea"/>
+                <a:cs typeface="+mn-cs"/>
+              </a:rPr>
+              <a:t>proposed model, as the ear could quickly detect either the clarity and ease or the</a:t>
+            </a:r>
+          </a:p>
+          <a:p>
+            <a:r>
+              <a:rPr lang="en-US" sz="1200" kern="1200" baseline="0" dirty="0" smtClean="0">
+                <a:solidFill>
+                  <a:schemeClr val="tx1"/>
+                </a:solidFill>
+                <a:latin typeface="+mn-lt"/>
+                <a:ea typeface="+mn-ea"/>
+                <a:cs typeface="+mn-cs"/>
+              </a:rPr>
+              <a:t>awkwardness of expression.</a:t>
+            </a:r>
+            <a:endParaRPr lang="en-US" baseline="0" dirty="0" smtClean="0"/>
+          </a:p>
+          <a:p>
+            <a:r>
+              <a:rPr lang="en-US" sz="1200" b="1" kern="1200" baseline="0" dirty="0" smtClean="0">
+                <a:solidFill>
+                  <a:schemeClr val="tx1"/>
+                </a:solidFill>
+                <a:latin typeface="+mn-lt"/>
+                <a:ea typeface="+mn-ea"/>
+                <a:cs typeface="+mn-cs"/>
+              </a:rPr>
+              <a:t>This kind of </a:t>
+            </a:r>
+            <a:r>
+              <a:rPr lang="en-US" sz="1200" b="1" i="1" kern="1200" baseline="0" dirty="0" smtClean="0">
+                <a:solidFill>
+                  <a:schemeClr val="tx1"/>
+                </a:solidFill>
+                <a:latin typeface="+mn-lt"/>
+                <a:ea typeface="+mn-ea"/>
+                <a:cs typeface="+mn-cs"/>
+              </a:rPr>
+              <a:t>knowledge crunching turns the</a:t>
+            </a:r>
+          </a:p>
+          <a:p>
+            <a:r>
+              <a:rPr lang="en-US" sz="1200" b="1" kern="1200" baseline="0" dirty="0" smtClean="0">
+                <a:solidFill>
+                  <a:schemeClr val="tx1"/>
+                </a:solidFill>
+                <a:latin typeface="+mn-lt"/>
+                <a:ea typeface="+mn-ea"/>
+                <a:cs typeface="+mn-cs"/>
+              </a:rPr>
+              <a:t>knowledge of the team into valuable models.</a:t>
+            </a:r>
+            <a:endParaRPr lang="en-US" b="1" dirty="0"/>
+          </a:p>
+        </p:txBody>
+      </p:sp>
+      <p:sp>
+        <p:nvSpPr>
+          <p:cNvPr id="4" name="Номер слайда 3"/>
+          <p:cNvSpPr>
+            <a:spLocks noGrp="1"/>
+          </p:cNvSpPr>
+          <p:nvPr>
+            <p:ph type="sldNum" sz="quarter" idx="10"/>
+          </p:nvPr>
+        </p:nvSpPr>
+        <p:spPr/>
+        <p:txBody>
+          <a:bodyPr/>
+          <a:lstStyle/>
+          <a:p>
+            <a:fld id="{5D5B2715-B0E0-4A76-9B24-AC64393DF8BD}" type="slidenum">
+              <a:rPr lang="en-US" smtClean="0"/>
+              <a:pPr/>
+              <a:t>16</a:t>
             </a:fld>
             <a:endParaRPr lang="en-US" dirty="0"/>
           </a:p>
@@ -1108,6 +2242,10 @@
           </a:bodyPr>
           <a:lstStyle/>
           <a:p>
+            <a:r>
+              <a:rPr lang="en-US" dirty="0" smtClean="0"/>
+              <a:t>Domain examples: Banking, Accounting, Public Relationship..</a:t>
+            </a:r>
             <a:endParaRPr lang="en-US" dirty="0"/>
           </a:p>
         </p:txBody>
@@ -1192,7 +2330,19 @@
           <a:p>
             <a:r>
               <a:rPr lang="en-US" dirty="0" smtClean="0"/>
-              <a:t>Domain examples: Banking, Accounting, Public Relationship..</a:t>
+              <a:t>For most of the</a:t>
+            </a:r>
+            <a:r>
+              <a:rPr lang="en-US" baseline="0" dirty="0" smtClean="0"/>
+              <a:t> project it’s true!... For other it’s not </a:t>
+            </a:r>
+            <a:r>
+              <a:rPr lang="en-US" dirty="0" smtClean="0"/>
+              <a:t>Frameworks,</a:t>
+            </a:r>
+            <a:r>
+              <a:rPr lang="en-US" baseline="0" dirty="0" smtClean="0"/>
+              <a:t> router, etc.. Are not in that category.</a:t>
             </a:r>
             <a:endParaRPr lang="en-US" dirty="0"/>
           </a:p>
@@ -1249,7 +2399,7 @@
       </p:grpSpPr>
       <p:sp>
         <p:nvSpPr>
-          <p:cNvPr id="2" name="Slide Image Placeholder 1"/>
+          <p:cNvPr id="2" name="Образ слайда 1"/>
           <p:cNvSpPr>
             <a:spLocks noGrp="1" noRot="1" noChangeAspect="1"/>
           </p:cNvSpPr>
@@ -1261,7 +2411,7 @@
       </p:sp>
       <p:sp>
         <p:nvSpPr>
-          <p:cNvPr id="3" name="Notes Placeholder 2"/>
+          <p:cNvPr id="3" name="Заметки 2"/>
           <p:cNvSpPr>
             <a:spLocks noGrp="1"/>
           </p:cNvSpPr>
@@ -1278,27 +2428,120 @@
           <a:p>
             <a:r>
               <a:rPr lang="en-US" dirty="0" smtClean="0"/>
-              <a:t>For most of the</a:t>
+              <a:t>Model evolution</a:t>
+            </a:r>
+          </a:p>
+          <a:p>
+            <a:r>
+              <a:rPr lang="en-US" dirty="0" smtClean="0"/>
+              <a:t>Model should not be realistic</a:t>
+            </a:r>
+          </a:p>
+          <a:p>
+            <a:r>
+              <a:rPr lang="en-US" dirty="0" smtClean="0"/>
+              <a:t>Model helps</a:t>
             </a:r>
             <a:r>
               <a:rPr lang="en-US" baseline="0" dirty="0" smtClean="0"/>
-              <a:t> project it’s true!... For other it’s not </a:t>
+              <a:t> us to enter to domain</a:t>
+            </a:r>
+          </a:p>
+          <a:p>
+            <a:pPr marL="0" marR="0" indent="0" algn="l" defTabSz="914400" rtl="0" eaLnBrk="1" fontAlgn="auto" latinLnBrk="0" hangingPunct="1">
+              <a:lnSpc>
+                <a:spcPct val="100000"/>
+              </a:lnSpc>
+              <a:spcBef>
+                <a:spcPts val="0"/>
+              </a:spcBef>
+              <a:spcAft>
+                <a:spcPts val="0"/>
+              </a:spcAft>
+              <a:buClrTx/>
+              <a:buSzTx/>
+              <a:buFontTx/>
+              <a:buNone/>
+              <a:tabLst/>
+              <a:defRPr/>
+            </a:pPr>
+            <a:r>
+              <a:rPr lang="en-US" dirty="0" err="1" smtClean="0"/>
+              <a:t>Enstein</a:t>
             </a:r>
             <a:r>
               <a:rPr lang="en-US" dirty="0" smtClean="0"/>
-              <a:t>Frameworks,</a:t>
+              <a:t>: Theory of all… theory on</a:t>
             </a:r>
             <a:r>
               <a:rPr lang="en-US" baseline="0" dirty="0" smtClean="0"/>
-              <a:t> router, etc.. Are not in that category.</a:t>
-            </a:r>
+              <a:t> atom level and on stars level</a:t>
+            </a:r>
+          </a:p>
+          <a:p>
+            <a:endParaRPr lang="en-US" baseline="0" dirty="0" smtClean="0"/>
+          </a:p>
+          <a:p>
+            <a:r>
+              <a:rPr lang="en-US" sz="1200" kern="1200" baseline="0" dirty="0" smtClean="0">
+                <a:solidFill>
+                  <a:schemeClr val="tx1"/>
+                </a:solidFill>
+                <a:latin typeface="+mn-lt"/>
+                <a:ea typeface="+mn-ea"/>
+                <a:cs typeface="+mn-cs"/>
+              </a:rPr>
+              <a:t>The key to controlling complexity is a good domain model, a model that goes beyond a surface</a:t>
+            </a:r>
+          </a:p>
+          <a:p>
+            <a:r>
+              <a:rPr lang="en-US" sz="1200" kern="1200" baseline="0" dirty="0" smtClean="0">
+                <a:solidFill>
+                  <a:schemeClr val="tx1"/>
+                </a:solidFill>
+                <a:latin typeface="+mn-lt"/>
+                <a:ea typeface="+mn-ea"/>
+                <a:cs typeface="+mn-cs"/>
+              </a:rPr>
+              <a:t>vision of a domain by introducing an underlying structure, which gives the software developers the</a:t>
+            </a:r>
+          </a:p>
+          <a:p>
+            <a:r>
+              <a:rPr lang="en-US" sz="1200" kern="1200" baseline="0" dirty="0" smtClean="0">
+                <a:solidFill>
+                  <a:schemeClr val="tx1"/>
+                </a:solidFill>
+                <a:latin typeface="+mn-lt"/>
+                <a:ea typeface="+mn-ea"/>
+                <a:cs typeface="+mn-cs"/>
+              </a:rPr>
+              <a:t>leverage they need. A good domain model can be incredibly valuable, but it's not something that's</a:t>
+            </a:r>
+          </a:p>
+          <a:p>
+            <a:r>
+              <a:rPr lang="en-US" sz="1200" kern="1200" baseline="0" dirty="0" smtClean="0">
+                <a:solidFill>
+                  <a:schemeClr val="tx1"/>
+                </a:solidFill>
+                <a:latin typeface="+mn-lt"/>
+                <a:ea typeface="+mn-ea"/>
+                <a:cs typeface="+mn-cs"/>
+              </a:rPr>
+              <a:t>easy to make. Few people can do it well, and it's very hard to teach.</a:t>
+            </a:r>
+            <a:endParaRPr lang="en-US" dirty="0" smtClean="0"/>
+          </a:p>
+          <a:p>
             <a:endParaRPr lang="en-US" dirty="0"/>
           </a:p>
         </p:txBody>
       </p:sp>
       <p:sp>
         <p:nvSpPr>
-          <p:cNvPr id="4" name="Slide Number Placeholder 3"/>
+          <p:cNvPr id="4" name="Номер слайда 3"/>
           <p:cNvSpPr>
             <a:spLocks noGrp="1"/>
           </p:cNvSpPr>
@@ -1314,7 +2557,7 @@
             <a:fld id="{5D5B2715-B0E0-4A76-9B24-AC64393DF8BD}" type="slidenum">
               <a:rPr lang="en-US" smtClean="0"/>
               <a:pPr/>
-              <a:t>6</a:t>
+              <a:t>7</a:t>
             </a:fld>
             <a:endParaRPr lang="en-US" dirty="0"/>
           </a:p>
@@ -1347,7 +2590,7 @@
       </p:grpSpPr>
       <p:sp>
         <p:nvSpPr>
-          <p:cNvPr id="2" name="Slide Image Placeholder 1"/>
+          <p:cNvPr id="2" name="Образ слайда 1"/>
           <p:cNvSpPr>
             <a:spLocks noGrp="1" noRot="1" noChangeAspect="1"/>
           </p:cNvSpPr>
@@ -1359,7 +2602,7 @@
       </p:sp>
       <p:sp>
         <p:nvSpPr>
-          <p:cNvPr id="3" name="Notes Placeholder 2"/>
+          <p:cNvPr id="3" name="Заметки 2"/>
           <p:cNvSpPr>
             <a:spLocks noGrp="1"/>
           </p:cNvSpPr>
@@ -1376,297 +2619,17 @@
           <a:p>
             <a:r>
               <a:rPr lang="en-US" dirty="0" smtClean="0"/>
-              <a:t>Cu cit </a:t>
-            </a:r>
-            <a:r>
-              <a:rPr lang="en-US" dirty="0" err="1" smtClean="0"/>
-              <a:t>mai</a:t>
-            </a:r>
-            <a:r>
-              <a:rPr lang="en-US" dirty="0" smtClean="0"/>
-              <a:t> </a:t>
-            </a:r>
-            <a:r>
-              <a:rPr lang="en-US" dirty="0" err="1" smtClean="0"/>
-              <a:t>bine</a:t>
-            </a:r>
-            <a:r>
-              <a:rPr lang="en-US" baseline="0" dirty="0" smtClean="0"/>
-              <a:t> </a:t>
-            </a:r>
-            <a:r>
-              <a:rPr lang="en-US" baseline="0" dirty="0" err="1" smtClean="0"/>
-              <a:t>ar</a:t>
-            </a:r>
-            <a:r>
-              <a:rPr lang="en-US" baseline="0" dirty="0" smtClean="0"/>
-              <a:t> </a:t>
-            </a:r>
-            <a:r>
-              <a:rPr lang="en-US" baseline="0" dirty="0" err="1" smtClean="0"/>
-              <a:t>sa</a:t>
-            </a:r>
-            <a:r>
-              <a:rPr lang="en-US" baseline="0" dirty="0" smtClean="0"/>
-              <a:t> fie </a:t>
-            </a:r>
-            <a:r>
-              <a:rPr lang="en-US" baseline="0" dirty="0" err="1" smtClean="0"/>
-              <a:t>inteles</a:t>
-            </a:r>
-            <a:r>
-              <a:rPr lang="en-US" baseline="0" dirty="0" smtClean="0"/>
-              <a:t> business </a:t>
-            </a:r>
-            <a:r>
-              <a:rPr lang="en-US" baseline="0" dirty="0" err="1" smtClean="0"/>
-              <a:t>domainul</a:t>
-            </a:r>
-            <a:r>
-              <a:rPr lang="en-US" baseline="0" dirty="0" smtClean="0"/>
-              <a:t> </a:t>
-            </a:r>
-            <a:r>
-              <a:rPr lang="en-US" baseline="0" dirty="0" err="1" smtClean="0"/>
-              <a:t>si</a:t>
-            </a:r>
-            <a:r>
-              <a:rPr lang="en-US" baseline="0" dirty="0" smtClean="0"/>
-              <a:t> cu </a:t>
-            </a:r>
-            <a:r>
-              <a:rPr lang="en-US" baseline="0" dirty="0" err="1" smtClean="0"/>
-              <a:t>atit</a:t>
-            </a:r>
-            <a:r>
-              <a:rPr lang="en-US" baseline="0" dirty="0" smtClean="0"/>
-              <a:t> </a:t>
-            </a:r>
-            <a:r>
-              <a:rPr lang="en-US" baseline="0" dirty="0" err="1" smtClean="0"/>
-              <a:t>mai</a:t>
-            </a:r>
-            <a:r>
-              <a:rPr lang="en-US" baseline="0" dirty="0" smtClean="0"/>
-              <a:t> </a:t>
-            </a:r>
-            <a:r>
-              <a:rPr lang="en-US" baseline="0" dirty="0" err="1" smtClean="0"/>
-              <a:t>mari</a:t>
-            </a:r>
-            <a:r>
-              <a:rPr lang="en-US" baseline="0" dirty="0" smtClean="0"/>
-              <a:t> </a:t>
-            </a:r>
-            <a:r>
-              <a:rPr lang="en-US" baseline="0" dirty="0" err="1" smtClean="0"/>
-              <a:t>sansele</a:t>
-            </a:r>
-            <a:r>
-              <a:rPr lang="en-US" baseline="0" dirty="0" smtClean="0"/>
-              <a:t> ca </a:t>
-            </a:r>
-            <a:r>
-              <a:rPr lang="en-US" baseline="0" dirty="0" err="1" smtClean="0"/>
-              <a:t>softul</a:t>
-            </a:r>
-            <a:r>
-              <a:rPr lang="en-US" baseline="0" dirty="0" smtClean="0"/>
-              <a:t> </a:t>
-            </a:r>
-            <a:r>
-              <a:rPr lang="en-US" baseline="0" dirty="0" err="1" smtClean="0"/>
-              <a:t>produs</a:t>
-            </a:r>
-            <a:r>
-              <a:rPr lang="en-US" baseline="0" dirty="0" smtClean="0"/>
-              <a:t> de </a:t>
-            </a:r>
-            <a:r>
-              <a:rPr lang="en-US" baseline="0" dirty="0" err="1" smtClean="0"/>
-              <a:t>developeri</a:t>
-            </a:r>
-            <a:r>
-              <a:rPr lang="en-US" baseline="0" dirty="0" smtClean="0"/>
-              <a:t> </a:t>
-            </a:r>
-            <a:r>
-              <a:rPr lang="en-US" baseline="0" dirty="0" err="1" smtClean="0"/>
-              <a:t>va</a:t>
-            </a:r>
-            <a:r>
-              <a:rPr lang="en-US" baseline="0" dirty="0" smtClean="0"/>
-              <a:t> </a:t>
-            </a:r>
-            <a:r>
-              <a:rPr lang="en-US" baseline="0" dirty="0" err="1" smtClean="0"/>
-              <a:t>fi</a:t>
-            </a:r>
-            <a:r>
-              <a:rPr lang="en-US" baseline="0" dirty="0" smtClean="0"/>
-              <a:t> </a:t>
-            </a:r>
-          </a:p>
-          <a:p>
-            <a:r>
-              <a:rPr lang="en-US" baseline="0" dirty="0" err="1" smtClean="0"/>
-              <a:t>Anume</a:t>
-            </a:r>
-            <a:r>
-              <a:rPr lang="en-US" baseline="0" dirty="0" smtClean="0"/>
-              <a:t> </a:t>
-            </a:r>
-            <a:r>
-              <a:rPr lang="en-US" baseline="0" dirty="0" err="1" smtClean="0"/>
-              <a:t>aceea</a:t>
-            </a:r>
-            <a:r>
-              <a:rPr lang="en-US" baseline="0" dirty="0" smtClean="0"/>
-              <a:t> </a:t>
-            </a:r>
-            <a:r>
-              <a:rPr lang="en-US" baseline="0" dirty="0" err="1" smtClean="0"/>
-              <a:t>ce</a:t>
-            </a:r>
-            <a:r>
-              <a:rPr lang="en-US" baseline="0" dirty="0" smtClean="0"/>
-              <a:t> se </a:t>
-            </a:r>
-            <a:r>
-              <a:rPr lang="en-US" baseline="0" dirty="0" err="1" smtClean="0"/>
-              <a:t>cere</a:t>
-            </a:r>
-            <a:r>
-              <a:rPr lang="en-US" baseline="0" dirty="0" smtClean="0"/>
-              <a:t> de business </a:t>
-            </a:r>
-            <a:r>
-              <a:rPr lang="en-US" baseline="0" dirty="0" err="1" smtClean="0"/>
-              <a:t>experti</a:t>
-            </a:r>
-            <a:r>
-              <a:rPr lang="en-US" baseline="0" dirty="0" smtClean="0"/>
-              <a:t>.</a:t>
-            </a:r>
-          </a:p>
-          <a:p>
-            <a:r>
-              <a:rPr lang="en-US" baseline="0" dirty="0" err="1" smtClean="0"/>
-              <a:t>Problema</a:t>
-            </a:r>
-            <a:r>
-              <a:rPr lang="en-US" baseline="0" dirty="0" smtClean="0"/>
-              <a:t> </a:t>
-            </a:r>
-            <a:r>
-              <a:rPr lang="en-US" baseline="0" dirty="0" err="1" smtClean="0"/>
-              <a:t>este</a:t>
-            </a:r>
-            <a:r>
-              <a:rPr lang="en-US" baseline="0" dirty="0" smtClean="0"/>
-              <a:t> ca Business </a:t>
-            </a:r>
-            <a:r>
-              <a:rPr lang="en-US" baseline="0" dirty="0" err="1" smtClean="0"/>
-              <a:t>expertii</a:t>
-            </a:r>
-            <a:r>
-              <a:rPr lang="en-US" baseline="0" dirty="0" smtClean="0"/>
-              <a:t> nu </a:t>
-            </a:r>
-            <a:r>
-              <a:rPr lang="en-US" baseline="0" dirty="0" err="1" smtClean="0"/>
-              <a:t>inteleg</a:t>
-            </a:r>
-            <a:r>
-              <a:rPr lang="en-US" baseline="0" dirty="0" smtClean="0"/>
-              <a:t> </a:t>
-            </a:r>
-            <a:r>
-              <a:rPr lang="en-US" baseline="0" dirty="0" err="1" smtClean="0"/>
-              <a:t>partea</a:t>
-            </a:r>
-            <a:r>
-              <a:rPr lang="en-US" baseline="0" dirty="0" smtClean="0"/>
-              <a:t> </a:t>
-            </a:r>
-            <a:r>
-              <a:rPr lang="en-US" baseline="0" dirty="0" err="1" smtClean="0"/>
-              <a:t>tehnica</a:t>
-            </a:r>
-            <a:r>
-              <a:rPr lang="en-US" baseline="0" dirty="0" smtClean="0"/>
-              <a:t> a </a:t>
-            </a:r>
-            <a:r>
-              <a:rPr lang="en-US" baseline="0" dirty="0" err="1" smtClean="0"/>
-              <a:t>lucrurilor</a:t>
-            </a:r>
-            <a:r>
-              <a:rPr lang="en-US" baseline="0" dirty="0" smtClean="0"/>
-              <a:t> </a:t>
-            </a:r>
-            <a:r>
-              <a:rPr lang="en-US" baseline="0" dirty="0" err="1" smtClean="0"/>
-              <a:t>dar</a:t>
-            </a:r>
-            <a:r>
-              <a:rPr lang="en-US" baseline="0" dirty="0" smtClean="0"/>
-              <a:t> </a:t>
-            </a:r>
-            <a:r>
-              <a:rPr lang="en-US" baseline="0" dirty="0" err="1" smtClean="0"/>
-              <a:t>developerii</a:t>
-            </a:r>
-            <a:r>
-              <a:rPr lang="en-US" baseline="0" dirty="0" smtClean="0"/>
-              <a:t> nu </a:t>
-            </a:r>
-            <a:r>
-              <a:rPr lang="en-US" baseline="0" dirty="0" err="1" smtClean="0"/>
-              <a:t>cunosc</a:t>
-            </a:r>
-            <a:r>
-              <a:rPr lang="en-US" baseline="0" dirty="0" smtClean="0"/>
-              <a:t> </a:t>
-            </a:r>
-            <a:r>
-              <a:rPr lang="en-US" baseline="0" dirty="0" err="1" smtClean="0"/>
-              <a:t>domainul</a:t>
-            </a:r>
-            <a:r>
-              <a:rPr lang="en-US" baseline="0" dirty="0" smtClean="0"/>
-              <a:t>, </a:t>
-            </a:r>
-          </a:p>
-          <a:p>
-            <a:r>
-              <a:rPr lang="en-US" baseline="0" dirty="0" smtClean="0"/>
-              <a:t>Cum </a:t>
-            </a:r>
-            <a:r>
-              <a:rPr lang="en-US" baseline="0" dirty="0" err="1" smtClean="0"/>
-              <a:t>rezolvam</a:t>
-            </a:r>
-            <a:r>
-              <a:rPr lang="en-US" baseline="0" dirty="0" smtClean="0"/>
-              <a:t> </a:t>
-            </a:r>
-            <a:r>
-              <a:rPr lang="en-US" baseline="0" dirty="0" err="1" smtClean="0"/>
-              <a:t>problema</a:t>
-            </a:r>
-            <a:r>
-              <a:rPr lang="en-US" baseline="0" dirty="0" smtClean="0"/>
-              <a:t>?</a:t>
-            </a:r>
-            <a:endParaRPr lang="en-US" dirty="0"/>
-          </a:p>
-        </p:txBody>
-      </p:sp>
-      <p:sp>
-        <p:nvSpPr>
-          <p:cNvPr id="4" name="Slide Number Placeholder 3"/>
+              <a:t>Sheet music can be used as a record of, a guide to, or a means to perform, a piece of music. Although it does not take the place of the sound of a performed work, sheet music can be studied to create a performance and to elucidate aspects of the music that may not be obvious from mere listening. Authoritative musical information about a piece can be gained by studying the written sketches and early versions of compositions that the composer might have retained, as well as the final autograph score and personal markings on proofs and printed scores</a:t>
+            </a:r>
+          </a:p>
+          <a:p>
+            <a:endParaRPr lang="en-US" dirty="0" smtClean="0"/>
+          </a:p>
+        </p:txBody>
+      </p:sp>
+      <p:sp>
+        <p:nvSpPr>
+          <p:cNvPr id="4" name="Номер слайда 3"/>
           <p:cNvSpPr>
             <a:spLocks noGrp="1"/>
           </p:cNvSpPr>
@@ -1682,7 +2645,7 @@
             <a:fld id="{5D5B2715-B0E0-4A76-9B24-AC64393DF8BD}" type="slidenum">
               <a:rPr lang="en-US" smtClean="0"/>
               <a:pPr/>
-              <a:t>7</a:t>
+              <a:t>8</a:t>
             </a:fld>
             <a:endParaRPr lang="en-US" dirty="0"/>
           </a:p>
@@ -1715,7 +2678,7 @@
       </p:grpSpPr>
       <p:sp>
         <p:nvSpPr>
-          <p:cNvPr id="2" name="Slide Image Placeholder 1"/>
+          <p:cNvPr id="2" name="Образ слайда 1"/>
           <p:cNvSpPr>
             <a:spLocks noGrp="1" noRot="1" noChangeAspect="1"/>
           </p:cNvSpPr>
@@ -1727,7 +2690,7 @@
       </p:sp>
       <p:sp>
         <p:nvSpPr>
-          <p:cNvPr id="3" name="Notes Placeholder 2"/>
+          <p:cNvPr id="3" name="Заметки 2"/>
           <p:cNvSpPr>
             <a:spLocks noGrp="1"/>
           </p:cNvSpPr>
@@ -1748,7 +2711,7 @@
       </p:sp>
       <p:sp>
         <p:nvSpPr>
-          <p:cNvPr id="4" name="Slide Number Placeholder 3"/>
+          <p:cNvPr id="4" name="Номер слайда 3"/>
           <p:cNvSpPr>
             <a:spLocks noGrp="1"/>
           </p:cNvSpPr>
@@ -1824,6 +2787,28 @@
           </a:bodyPr>
           <a:lstStyle/>
           <a:p>
+            <a:r>
+              <a:rPr lang="en-US" dirty="0" smtClean="0"/>
+              <a:t>Is</a:t>
+            </a:r>
+            <a:r>
+              <a:rPr lang="en-US" baseline="0" dirty="0" smtClean="0"/>
+              <a:t> it realistic?</a:t>
+            </a:r>
+          </a:p>
+          <a:p>
+            <a:r>
+              <a:rPr lang="en-US" baseline="0" dirty="0" smtClean="0"/>
+              <a:t>Which earth representation is better?</a:t>
+            </a:r>
+          </a:p>
+          <a:p>
+            <a:r>
+              <a:rPr lang="en-US" baseline="0" dirty="0" smtClean="0"/>
+              <a:t>We should not represent the entire WORLD model but just purpose of the model…</a:t>
+            </a:r>
+          </a:p>
+          <a:p>
             <a:endParaRPr lang="en-US" dirty="0"/>
           </a:p>
         </p:txBody>
@@ -2042,7 +3027,7 @@
             <a:fld id="{692DA68B-07B5-4D40-903F-69FBB0125CEF}" type="datetimeFigureOut">
               <a:rPr lang="en-US" smtClean="0"/>
               <a:pPr/>
-              <a:t>4/11/2009</a:t>
+              <a:t>4/12/2009</a:t>
             </a:fld>
             <a:endParaRPr lang="en-US" dirty="0"/>
           </a:p>
@@ -2209,7 +3194,7 @@
             <a:fld id="{692DA68B-07B5-4D40-903F-69FBB0125CEF}" type="datetimeFigureOut">
               <a:rPr lang="en-US" smtClean="0"/>
               <a:pPr/>
-              <a:t>4/11/2009</a:t>
+              <a:t>4/12/2009</a:t>
             </a:fld>
             <a:endParaRPr lang="en-US" dirty="0"/>
           </a:p>
@@ -2386,7 +3371,7 @@
             <a:fld id="{692DA68B-07B5-4D40-903F-69FBB0125CEF}" type="datetimeFigureOut">
               <a:rPr lang="en-US" smtClean="0"/>
               <a:pPr/>
-              <a:t>4/11/2009</a:t>
+              <a:t>4/12/2009</a:t>
             </a:fld>
             <a:endParaRPr lang="en-US" dirty="0"/>
           </a:p>
@@ -2553,7 +3538,7 @@
             <a:fld id="{692DA68B-07B5-4D40-903F-69FBB0125CEF}" type="datetimeFigureOut">
               <a:rPr lang="en-US" smtClean="0"/>
               <a:pPr/>
-              <a:t>4/11/2009</a:t>
+              <a:t>4/12/2009</a:t>
             </a:fld>
             <a:endParaRPr lang="en-US" dirty="0"/>
           </a:p>
@@ -2796,7 +3781,7 @@
             <a:fld id="{692DA68B-07B5-4D40-903F-69FBB0125CEF}" type="datetimeFigureOut">
               <a:rPr lang="en-US" smtClean="0"/>
               <a:pPr/>
-              <a:t>4/11/2009</a:t>
+              <a:t>4/12/2009</a:t>
             </a:fld>
             <a:endParaRPr lang="en-US" dirty="0"/>
           </a:p>
@@ -3081,7 +4066,7 @@
             <a:fld id="{692DA68B-07B5-4D40-903F-69FBB0125CEF}" type="datetimeFigureOut">
               <a:rPr lang="en-US" smtClean="0"/>
               <a:pPr/>
-              <a:t>4/11/2009</a:t>
+              <a:t>4/12/2009</a:t>
             </a:fld>
             <a:endParaRPr lang="en-US" dirty="0"/>
           </a:p>
@@ -3500,7 +4485,7 @@
             <a:fld id="{692DA68B-07B5-4D40-903F-69FBB0125CEF}" type="datetimeFigureOut">
               <a:rPr lang="en-US" smtClean="0"/>
               <a:pPr/>
-              <a:t>4/11/2009</a:t>
+              <a:t>4/12/2009</a:t>
             </a:fld>
             <a:endParaRPr lang="en-US" dirty="0"/>
           </a:p>
@@ -3615,7 +4600,7 @@
             <a:fld id="{692DA68B-07B5-4D40-903F-69FBB0125CEF}" type="datetimeFigureOut">
               <a:rPr lang="en-US" smtClean="0"/>
               <a:pPr/>
-              <a:t>4/11/2009</a:t>
+              <a:t>4/12/2009</a:t>
             </a:fld>
             <a:endParaRPr lang="en-US" dirty="0"/>
           </a:p>
@@ -3707,7 +4692,7 @@
             <a:fld id="{692DA68B-07B5-4D40-903F-69FBB0125CEF}" type="datetimeFigureOut">
               <a:rPr lang="en-US" smtClean="0"/>
               <a:pPr/>
-              <a:t>4/11/2009</a:t>
+              <a:t>4/12/2009</a:t>
             </a:fld>
             <a:endParaRPr lang="en-US" dirty="0"/>
           </a:p>
@@ -3981,7 +4966,7 @@
             <a:fld id="{692DA68B-07B5-4D40-903F-69FBB0125CEF}" type="datetimeFigureOut">
               <a:rPr lang="en-US" smtClean="0"/>
               <a:pPr/>
-              <a:t>4/11/2009</a:t>
+              <a:t>4/12/2009</a:t>
             </a:fld>
             <a:endParaRPr lang="en-US" dirty="0"/>
           </a:p>
@@ -4231,7 +5216,7 @@
             <a:fld id="{692DA68B-07B5-4D40-903F-69FBB0125CEF}" type="datetimeFigureOut">
               <a:rPr lang="en-US" smtClean="0"/>
               <a:pPr/>
-              <a:t>4/11/2009</a:t>
+              <a:t>4/12/2009</a:t>
             </a:fld>
             <a:endParaRPr lang="en-US" dirty="0"/>
           </a:p>
@@ -4441,7 +5426,7 @@
             <a:fld id="{692DA68B-07B5-4D40-903F-69FBB0125CEF}" type="datetimeFigureOut">
               <a:rPr lang="en-US" smtClean="0"/>
               <a:pPr/>
-              <a:t>4/11/2009</a:t>
+              <a:t>4/12/2009</a:t>
             </a:fld>
             <a:endParaRPr lang="en-US" dirty="0"/>
           </a:p>
@@ -4909,66 +5894,6 @@
           <a:chExt cx="0" cy="0"/>
         </a:xfrm>
       </p:grpSpPr>
-      <p:sp>
-        <p:nvSpPr>
-          <p:cNvPr id="2" name="Title 1"/>
-          <p:cNvSpPr>
-            <a:spLocks noGrp="1"/>
-          </p:cNvSpPr>
-          <p:nvPr>
-            <p:ph type="title"/>
-          </p:nvPr>
-        </p:nvSpPr>
-        <p:spPr>
-          <a:xfrm>
-            <a:off x="381000" y="2514600"/>
-            <a:ext cx="8229600" cy="1143000"/>
-          </a:xfrm>
-        </p:spPr>
-        <p:txBody>
-          <a:bodyPr/>
-          <a:lstStyle/>
-          <a:p>
-            <a:r>
-              <a:rPr lang="en-US" dirty="0" smtClean="0"/>
-              <a:t>Why domain models?</a:t>
-            </a:r>
-            <a:endParaRPr lang="en-US" dirty="0"/>
-          </a:p>
-        </p:txBody>
-      </p:sp>
-    </p:spTree>
-  </p:cSld>
-  <p:clrMapOvr>
-    <a:masterClrMapping/>
-  </p:clrMapOvr>
-  <p:timing>
-    <p:tnLst>
-      <p:par>
-        <p:cTn id="1" dur="indefinite" restart="never" nodeType="tmRoot"/>
-      </p:par>
-    </p:tnLst>
-  </p:timing>
-</p:sld>
-</file>
-
-<file path=ppt/slides/slide11.xml><?xml version="1.0" encoding="utf-8"?>
-<p:sld xmlns:a="http://schemas.openxmlformats.org/drawingml/2006/main" xmlns:r="http://schemas.openxmlformats.org/officeDocument/2006/relationships" xmlns:p="http://schemas.openxmlformats.org/presentationml/2006/main">
-  <p:cSld>
-    <p:spTree>
-      <p:nvGrpSpPr>
-        <p:cNvPr id="1" name=""/>
-        <p:cNvGrpSpPr/>
-        <p:nvPr/>
-      </p:nvGrpSpPr>
-      <p:grpSpPr>
-        <a:xfrm>
-          <a:off x="0" y="0"/>
-          <a:ext cx="0" cy="0"/>
-          <a:chOff x="0" y="0"/>
-          <a:chExt cx="0" cy="0"/>
-        </a:xfrm>
-      </p:grpSpPr>
       <p:pic>
         <p:nvPicPr>
           <p:cNvPr id="1026" name="Picture 2"/>
@@ -5004,7 +5929,7 @@
       </p:pic>
       <p:pic>
         <p:nvPicPr>
-          <p:cNvPr id="1027" name="Picture 3"/>
+          <p:cNvPr id="3" name="Picture 3"/>
           <p:cNvPicPr>
             <a:picLocks noChangeAspect="1" noChangeArrowheads="1"/>
           </p:cNvPicPr>
@@ -5019,8 +5944,8 @@
         </p:blipFill>
         <p:spPr bwMode="auto">
           <a:xfrm>
-            <a:off x="838200" y="3200400"/>
-            <a:ext cx="7315200" cy="3657600"/>
+            <a:off x="1219200" y="3657600"/>
+            <a:ext cx="6324600" cy="2924175"/>
           </a:xfrm>
           <a:prstGeom prst="rect">
             <a:avLst/>
@@ -5043,6 +5968,485 @@
 </p:sld>
 </file>
 
+<file path=ppt/slides/slide11.xml><?xml version="1.0" encoding="utf-8"?>
+<p:sld xmlns:a="http://schemas.openxmlformats.org/drawingml/2006/main" xmlns:r="http://schemas.openxmlformats.org/officeDocument/2006/relationships" xmlns:p="http://schemas.openxmlformats.org/presentationml/2006/main">
+  <p:cSld>
+    <p:spTree>
+      <p:nvGrpSpPr>
+        <p:cNvPr id="1" name=""/>
+        <p:cNvGrpSpPr/>
+        <p:nvPr/>
+      </p:nvGrpSpPr>
+      <p:grpSpPr>
+        <a:xfrm>
+          <a:off x="0" y="0"/>
+          <a:ext cx="0" cy="0"/>
+          <a:chOff x="0" y="0"/>
+          <a:chExt cx="0" cy="0"/>
+        </a:xfrm>
+      </p:grpSpPr>
+      <p:sp>
+        <p:nvSpPr>
+          <p:cNvPr id="2" name="Title 1"/>
+          <p:cNvSpPr>
+            <a:spLocks noGrp="1"/>
+          </p:cNvSpPr>
+          <p:nvPr>
+            <p:ph type="title"/>
+          </p:nvPr>
+        </p:nvSpPr>
+        <p:spPr>
+          <a:xfrm>
+            <a:off x="762000" y="228600"/>
+            <a:ext cx="7010399" cy="808038"/>
+          </a:xfrm>
+        </p:spPr>
+        <p:txBody>
+          <a:bodyPr>
+            <a:normAutofit fontScale="90000"/>
+          </a:bodyPr>
+          <a:lstStyle/>
+          <a:p>
+            <a:r>
+              <a:rPr lang="en-US" dirty="0" smtClean="0"/>
+              <a:t>They are two different worlds!</a:t>
+            </a:r>
+            <a:endParaRPr lang="en-US" dirty="0"/>
+          </a:p>
+        </p:txBody>
+      </p:sp>
+      <p:sp>
+        <p:nvSpPr>
+          <p:cNvPr id="7" name="Rounded Rectangle 6"/>
+          <p:cNvSpPr/>
+          <p:nvPr/>
+        </p:nvSpPr>
+        <p:spPr>
+          <a:xfrm>
+            <a:off x="152400" y="1981200"/>
+            <a:ext cx="2514600" cy="1676400"/>
+          </a:xfrm>
+          <a:prstGeom prst="roundRect">
+            <a:avLst/>
+          </a:prstGeom>
+          <a:gradFill flip="none" rotWithShape="1">
+            <a:gsLst>
+              <a:gs pos="0">
+                <a:schemeClr val="accent1">
+                  <a:tint val="66000"/>
+                  <a:satMod val="160000"/>
+                </a:schemeClr>
+              </a:gs>
+              <a:gs pos="50000">
+                <a:schemeClr val="accent1">
+                  <a:tint val="44500"/>
+                  <a:satMod val="160000"/>
+                </a:schemeClr>
+              </a:gs>
+              <a:gs pos="100000">
+                <a:schemeClr val="accent1">
+                  <a:tint val="23500"/>
+                  <a:satMod val="160000"/>
+                </a:schemeClr>
+              </a:gs>
+            </a:gsLst>
+            <a:lin ang="5400000" scaled="1"/>
+            <a:tileRect/>
+          </a:gradFill>
+        </p:spPr>
+        <p:style>
+          <a:lnRef idx="2">
+            <a:schemeClr val="accent1">
+              <a:shade val="50000"/>
+            </a:schemeClr>
+          </a:lnRef>
+          <a:fillRef idx="1">
+            <a:schemeClr val="accent1"/>
+          </a:fillRef>
+          <a:effectRef idx="0">
+            <a:schemeClr val="accent1"/>
+          </a:effectRef>
+          <a:fontRef idx="minor">
+            <a:schemeClr val="lt1"/>
+          </a:fontRef>
+        </p:style>
+        <p:txBody>
+          <a:bodyPr rtlCol="0" anchor="ctr"/>
+          <a:lstStyle/>
+          <a:p>
+            <a:pPr algn="ctr"/>
+            <a:r>
+              <a:rPr lang="en-US" dirty="0" smtClean="0">
+                <a:solidFill>
+                  <a:schemeClr val="tx1">
+                    <a:lumMod val="95000"/>
+                    <a:lumOff val="5000"/>
+                  </a:schemeClr>
+                </a:solidFill>
+              </a:rPr>
+              <a:t>Business Domain</a:t>
+            </a:r>
+          </a:p>
+          <a:p>
+            <a:pPr algn="ctr"/>
+            <a:r>
+              <a:rPr lang="en-US" dirty="0" smtClean="0">
+                <a:solidFill>
+                  <a:srgbClr val="FF0000"/>
+                </a:solidFill>
+              </a:rPr>
+              <a:t>(business experts)</a:t>
+            </a:r>
+            <a:endParaRPr lang="en-US" dirty="0">
+              <a:solidFill>
+                <a:srgbClr val="FF0000"/>
+              </a:solidFill>
+            </a:endParaRPr>
+          </a:p>
+        </p:txBody>
+      </p:sp>
+      <p:sp>
+        <p:nvSpPr>
+          <p:cNvPr id="10" name="Rounded Rectangle 9"/>
+          <p:cNvSpPr/>
+          <p:nvPr/>
+        </p:nvSpPr>
+        <p:spPr>
+          <a:xfrm>
+            <a:off x="6265464" y="2057400"/>
+            <a:ext cx="2573736" cy="1676400"/>
+          </a:xfrm>
+          <a:prstGeom prst="roundRect">
+            <a:avLst/>
+          </a:prstGeom>
+          <a:gradFill flip="none" rotWithShape="1">
+            <a:gsLst>
+              <a:gs pos="0">
+                <a:schemeClr val="accent1">
+                  <a:tint val="66000"/>
+                  <a:satMod val="160000"/>
+                </a:schemeClr>
+              </a:gs>
+              <a:gs pos="50000">
+                <a:schemeClr val="accent1">
+                  <a:tint val="44500"/>
+                  <a:satMod val="160000"/>
+                </a:schemeClr>
+              </a:gs>
+              <a:gs pos="100000">
+                <a:schemeClr val="accent1">
+                  <a:tint val="23500"/>
+                  <a:satMod val="160000"/>
+                </a:schemeClr>
+              </a:gs>
+            </a:gsLst>
+            <a:lin ang="5400000" scaled="1"/>
+            <a:tileRect/>
+          </a:gradFill>
+        </p:spPr>
+        <p:style>
+          <a:lnRef idx="2">
+            <a:schemeClr val="accent1">
+              <a:shade val="50000"/>
+            </a:schemeClr>
+          </a:lnRef>
+          <a:fillRef idx="1">
+            <a:schemeClr val="accent1"/>
+          </a:fillRef>
+          <a:effectRef idx="0">
+            <a:schemeClr val="accent1"/>
+          </a:effectRef>
+          <a:fontRef idx="minor">
+            <a:schemeClr val="lt1"/>
+          </a:fontRef>
+        </p:style>
+        <p:txBody>
+          <a:bodyPr rtlCol="0" anchor="ctr"/>
+          <a:lstStyle/>
+          <a:p>
+            <a:pPr algn="ctr"/>
+            <a:r>
+              <a:rPr lang="en-US" dirty="0" smtClean="0">
+                <a:solidFill>
+                  <a:schemeClr val="tx1"/>
+                </a:solidFill>
+              </a:rPr>
+              <a:t>Software Development</a:t>
+            </a:r>
+          </a:p>
+          <a:p>
+            <a:pPr algn="ctr"/>
+            <a:r>
+              <a:rPr lang="en-US" dirty="0" smtClean="0">
+                <a:solidFill>
+                  <a:srgbClr val="FF0000"/>
+                </a:solidFill>
+              </a:rPr>
+              <a:t>(development team)</a:t>
+            </a:r>
+            <a:endParaRPr lang="en-US" dirty="0">
+              <a:solidFill>
+                <a:srgbClr val="FF0000"/>
+              </a:solidFill>
+            </a:endParaRPr>
+          </a:p>
+        </p:txBody>
+      </p:sp>
+      <p:sp>
+        <p:nvSpPr>
+          <p:cNvPr id="12" name="Left-Right Arrow 11"/>
+          <p:cNvSpPr/>
+          <p:nvPr/>
+        </p:nvSpPr>
+        <p:spPr>
+          <a:xfrm>
+            <a:off x="2514600" y="2281535"/>
+            <a:ext cx="3886200" cy="1066800"/>
+          </a:xfrm>
+          <a:prstGeom prst="leftRightArrow">
+            <a:avLst/>
+          </a:prstGeom>
+          <a:solidFill>
+            <a:schemeClr val="accent3">
+              <a:lumMod val="20000"/>
+              <a:lumOff val="80000"/>
+            </a:schemeClr>
+          </a:solidFill>
+        </p:spPr>
+        <p:style>
+          <a:lnRef idx="2">
+            <a:schemeClr val="accent1">
+              <a:shade val="50000"/>
+            </a:schemeClr>
+          </a:lnRef>
+          <a:fillRef idx="1">
+            <a:schemeClr val="accent1"/>
+          </a:fillRef>
+          <a:effectRef idx="0">
+            <a:schemeClr val="accent1"/>
+          </a:effectRef>
+          <a:fontRef idx="minor">
+            <a:schemeClr val="lt1"/>
+          </a:fontRef>
+        </p:style>
+        <p:txBody>
+          <a:bodyPr rtlCol="0" anchor="ctr"/>
+          <a:lstStyle/>
+          <a:p>
+            <a:pPr algn="ctr"/>
+            <a:r>
+              <a:rPr lang="en-US" dirty="0" smtClean="0">
+                <a:solidFill>
+                  <a:srgbClr val="009900"/>
+                </a:solidFill>
+              </a:rPr>
+              <a:t>We need to bring them together</a:t>
+            </a:r>
+          </a:p>
+          <a:p>
+            <a:pPr algn="ctr"/>
+            <a:r>
+              <a:rPr lang="en-US" dirty="0" smtClean="0">
+                <a:solidFill>
+                  <a:srgbClr val="009900"/>
+                </a:solidFill>
+              </a:rPr>
+              <a:t>(business domain &amp; technical)</a:t>
+            </a:r>
+            <a:endParaRPr lang="en-US" dirty="0">
+              <a:solidFill>
+                <a:srgbClr val="009900"/>
+              </a:solidFill>
+            </a:endParaRPr>
+          </a:p>
+        </p:txBody>
+      </p:sp>
+      <p:sp>
+        <p:nvSpPr>
+          <p:cNvPr id="13" name="TextBox 12"/>
+          <p:cNvSpPr txBox="1"/>
+          <p:nvPr/>
+        </p:nvSpPr>
+        <p:spPr>
+          <a:xfrm>
+            <a:off x="533400" y="4034135"/>
+            <a:ext cx="8229600" cy="461665"/>
+          </a:xfrm>
+          <a:prstGeom prst="rect">
+            <a:avLst/>
+          </a:prstGeom>
+          <a:noFill/>
+        </p:spPr>
+        <p:txBody>
+          <a:bodyPr wrap="square" rtlCol="0">
+            <a:spAutoFit/>
+          </a:bodyPr>
+          <a:lstStyle/>
+          <a:p>
+            <a:r>
+              <a:rPr lang="en-US" sz="2400" dirty="0" smtClean="0">
+                <a:solidFill>
+                  <a:srgbClr val="009900"/>
+                </a:solidFill>
+              </a:rPr>
+              <a:t>Successes depends on “how well you bring them together”</a:t>
+            </a:r>
+            <a:endParaRPr lang="en-US" sz="2400" dirty="0">
+              <a:solidFill>
+                <a:srgbClr val="009900"/>
+              </a:solidFill>
+            </a:endParaRPr>
+          </a:p>
+        </p:txBody>
+      </p:sp>
+    </p:spTree>
+  </p:cSld>
+  <p:clrMapOvr>
+    <a:masterClrMapping/>
+  </p:clrMapOvr>
+  <p:timing>
+    <p:tnLst>
+      <p:par>
+        <p:cTn id="1" dur="indefinite" restart="never" nodeType="tmRoot">
+          <p:childTnLst>
+            <p:seq concurrent="1" nextAc="seek">
+              <p:cTn id="2" dur="indefinite" nodeType="mainSeq">
+                <p:childTnLst>
+                  <p:par>
+                    <p:cTn id="3" fill="hold">
+                      <p:stCondLst>
+                        <p:cond delay="indefinite"/>
+                      </p:stCondLst>
+                      <p:childTnLst>
+                        <p:par>
+                          <p:cTn id="4" fill="hold">
+                            <p:stCondLst>
+                              <p:cond delay="0"/>
+                            </p:stCondLst>
+                            <p:childTnLst>
+                              <p:par>
+                                <p:cTn id="5" presetID="4" presetClass="entr" presetSubtype="16" fill="hold" grpId="0" nodeType="clickEffect">
+                                  <p:stCondLst>
+                                    <p:cond delay="0"/>
+                                  </p:stCondLst>
+                                  <p:childTnLst>
+                                    <p:set>
+                                      <p:cBhvr>
+                                        <p:cTn id="6" dur="1" fill="hold">
+                                          <p:stCondLst>
+                                            <p:cond delay="0"/>
+                                          </p:stCondLst>
+                                        </p:cTn>
+                                        <p:tgtEl>
+                                          <p:spTgt spid="12"/>
+                                        </p:tgtEl>
+                                        <p:attrNameLst>
+                                          <p:attrName>style.visibility</p:attrName>
+                                        </p:attrNameLst>
+                                      </p:cBhvr>
+                                      <p:to>
+                                        <p:strVal val="visible"/>
+                                      </p:to>
+                                    </p:set>
+                                    <p:animEffect transition="in" filter="box(in)">
+                                      <p:cBhvr>
+                                        <p:cTn id="7" dur="500"/>
+                                        <p:tgtEl>
+                                          <p:spTgt spid="12"/>
+                                        </p:tgtEl>
+                                      </p:cBhvr>
+                                    </p:animEffect>
+                                  </p:childTnLst>
+                                </p:cTn>
+                              </p:par>
+                            </p:childTnLst>
+                          </p:cTn>
+                        </p:par>
+                      </p:childTnLst>
+                    </p:cTn>
+                  </p:par>
+                  <p:par>
+                    <p:cTn id="8" fill="hold">
+                      <p:stCondLst>
+                        <p:cond delay="indefinite"/>
+                      </p:stCondLst>
+                      <p:childTnLst>
+                        <p:par>
+                          <p:cTn id="9" fill="hold">
+                            <p:stCondLst>
+                              <p:cond delay="0"/>
+                            </p:stCondLst>
+                            <p:childTnLst>
+                              <p:par>
+                                <p:cTn id="10" presetID="4" presetClass="entr" presetSubtype="16" fill="hold" grpId="0" nodeType="clickEffect">
+                                  <p:stCondLst>
+                                    <p:cond delay="0"/>
+                                  </p:stCondLst>
+                                  <p:childTnLst>
+                                    <p:set>
+                                      <p:cBhvr>
+                                        <p:cTn id="11" dur="1" fill="hold">
+                                          <p:stCondLst>
+                                            <p:cond delay="0"/>
+                                          </p:stCondLst>
+                                        </p:cTn>
+                                        <p:tgtEl>
+                                          <p:spTgt spid="13"/>
+                                        </p:tgtEl>
+                                        <p:attrNameLst>
+                                          <p:attrName>style.visibility</p:attrName>
+                                        </p:attrNameLst>
+                                      </p:cBhvr>
+                                      <p:to>
+                                        <p:strVal val="visible"/>
+                                      </p:to>
+                                    </p:set>
+                                    <p:animEffect transition="in" filter="box(in)">
+                                      <p:cBhvr>
+                                        <p:cTn id="12" dur="500"/>
+                                        <p:tgtEl>
+                                          <p:spTgt spid="13"/>
+                                        </p:tgtEl>
+                                      </p:cBhvr>
+                                    </p:animEffect>
+                                  </p:childTnLst>
+                                </p:cTn>
+                              </p:par>
+                            </p:childTnLst>
+                          </p:cTn>
+                        </p:par>
+                      </p:childTnLst>
+                    </p:cTn>
+                  </p:par>
+                </p:childTnLst>
+              </p:cTn>
+              <p:prevCondLst>
+                <p:cond evt="onPrev" delay="0">
+                  <p:tgtEl>
+                    <p:sldTgt/>
+                  </p:tgtEl>
+                </p:cond>
+              </p:prevCondLst>
+              <p:nextCondLst>
+                <p:cond evt="onNext" delay="0">
+                  <p:tgtEl>
+                    <p:sldTgt/>
+                  </p:tgtEl>
+                </p:cond>
+              </p:nextCondLst>
+            </p:seq>
+          </p:childTnLst>
+        </p:cTn>
+      </p:par>
+    </p:tnLst>
+    <p:bldLst>
+      <p:bldP spid="12" grpId="0" animBg="1"/>
+      <p:bldP spid="13" grpId="0"/>
+    </p:bldLst>
+  </p:timing>
+</p:sld>
+</file>
+
 <file path=ppt/slides/slide12.xml><?xml version="1.0" encoding="utf-8"?>
 <p:sld xmlns:a="http://schemas.openxmlformats.org/drawingml/2006/main" xmlns:r="http://schemas.openxmlformats.org/officeDocument/2006/relationships" xmlns:p="http://schemas.openxmlformats.org/presentationml/2006/main">
   <p:cSld>
@@ -5062,6 +6466,425 @@
       </p:grpSpPr>
       <p:sp>
         <p:nvSpPr>
+          <p:cNvPr id="2" name="Title 1"/>
+          <p:cNvSpPr>
+            <a:spLocks noGrp="1"/>
+          </p:cNvSpPr>
+          <p:nvPr>
+            <p:ph type="title"/>
+          </p:nvPr>
+        </p:nvSpPr>
+        <p:spPr/>
+        <p:txBody>
+          <a:bodyPr>
+            <a:normAutofit fontScale="90000"/>
+          </a:bodyPr>
+          <a:lstStyle/>
+          <a:p>
+            <a:r>
+              <a:rPr lang="en-US" dirty="0" smtClean="0"/>
+              <a:t>We need common view and language!</a:t>
+            </a:r>
+            <a:endParaRPr lang="en-US" dirty="0"/>
+          </a:p>
+        </p:txBody>
+      </p:sp>
+      <p:sp>
+        <p:nvSpPr>
+          <p:cNvPr id="7" name="Rounded Rectangle 6"/>
+          <p:cNvSpPr/>
+          <p:nvPr/>
+        </p:nvSpPr>
+        <p:spPr>
+          <a:xfrm>
+            <a:off x="838200" y="2819400"/>
+            <a:ext cx="2057400" cy="1676400"/>
+          </a:xfrm>
+          <a:prstGeom prst="roundRect">
+            <a:avLst/>
+          </a:prstGeom>
+          <a:gradFill flip="none" rotWithShape="1">
+            <a:gsLst>
+              <a:gs pos="0">
+                <a:schemeClr val="accent1">
+                  <a:tint val="66000"/>
+                  <a:satMod val="160000"/>
+                </a:schemeClr>
+              </a:gs>
+              <a:gs pos="50000">
+                <a:schemeClr val="accent1">
+                  <a:tint val="44500"/>
+                  <a:satMod val="160000"/>
+                </a:schemeClr>
+              </a:gs>
+              <a:gs pos="100000">
+                <a:schemeClr val="accent1">
+                  <a:tint val="23500"/>
+                  <a:satMod val="160000"/>
+                </a:schemeClr>
+              </a:gs>
+            </a:gsLst>
+            <a:lin ang="5400000" scaled="1"/>
+            <a:tileRect/>
+          </a:gradFill>
+        </p:spPr>
+        <p:style>
+          <a:lnRef idx="2">
+            <a:schemeClr val="accent1">
+              <a:shade val="50000"/>
+            </a:schemeClr>
+          </a:lnRef>
+          <a:fillRef idx="1">
+            <a:schemeClr val="accent1"/>
+          </a:fillRef>
+          <a:effectRef idx="0">
+            <a:schemeClr val="accent1"/>
+          </a:effectRef>
+          <a:fontRef idx="minor">
+            <a:schemeClr val="lt1"/>
+          </a:fontRef>
+        </p:style>
+        <p:txBody>
+          <a:bodyPr rtlCol="0" anchor="ctr"/>
+          <a:lstStyle/>
+          <a:p>
+            <a:pPr algn="ctr"/>
+            <a:r>
+              <a:rPr lang="en-US" dirty="0" smtClean="0">
+                <a:solidFill>
+                  <a:schemeClr val="tx1"/>
+                </a:solidFill>
+              </a:rPr>
+              <a:t>Business</a:t>
+            </a:r>
+            <a:r>
+              <a:rPr lang="en-US" dirty="0" smtClean="0"/>
+              <a:t> </a:t>
+            </a:r>
+            <a:r>
+              <a:rPr lang="en-US" b="1" dirty="0" smtClean="0">
+                <a:solidFill>
+                  <a:srgbClr val="009900"/>
+                </a:solidFill>
+              </a:rPr>
+              <a:t>Domain</a:t>
+            </a:r>
+            <a:endParaRPr lang="en-US" b="1" dirty="0">
+              <a:solidFill>
+                <a:srgbClr val="009900"/>
+              </a:solidFill>
+            </a:endParaRPr>
+          </a:p>
+        </p:txBody>
+      </p:sp>
+      <p:sp>
+        <p:nvSpPr>
+          <p:cNvPr id="9" name="Rounded Rectangle 8"/>
+          <p:cNvSpPr/>
+          <p:nvPr/>
+        </p:nvSpPr>
+        <p:spPr>
+          <a:xfrm>
+            <a:off x="3352800" y="2819400"/>
+            <a:ext cx="2895600" cy="1676400"/>
+          </a:xfrm>
+          <a:prstGeom prst="roundRect">
+            <a:avLst/>
+          </a:prstGeom>
+          <a:gradFill flip="none" rotWithShape="1">
+            <a:gsLst>
+              <a:gs pos="0">
+                <a:schemeClr val="accent1">
+                  <a:tint val="66000"/>
+                  <a:satMod val="160000"/>
+                </a:schemeClr>
+              </a:gs>
+              <a:gs pos="50000">
+                <a:schemeClr val="accent1">
+                  <a:tint val="44500"/>
+                  <a:satMod val="160000"/>
+                </a:schemeClr>
+              </a:gs>
+              <a:gs pos="100000">
+                <a:schemeClr val="accent1">
+                  <a:tint val="23500"/>
+                  <a:satMod val="160000"/>
+                </a:schemeClr>
+              </a:gs>
+            </a:gsLst>
+            <a:lin ang="5400000" scaled="1"/>
+            <a:tileRect/>
+          </a:gradFill>
+        </p:spPr>
+        <p:style>
+          <a:lnRef idx="2">
+            <a:schemeClr val="accent1">
+              <a:shade val="50000"/>
+            </a:schemeClr>
+          </a:lnRef>
+          <a:fillRef idx="1">
+            <a:schemeClr val="accent1"/>
+          </a:fillRef>
+          <a:effectRef idx="0">
+            <a:schemeClr val="accent1"/>
+          </a:effectRef>
+          <a:fontRef idx="minor">
+            <a:schemeClr val="lt1"/>
+          </a:fontRef>
+        </p:style>
+        <p:txBody>
+          <a:bodyPr rtlCol="0" anchor="ctr"/>
+          <a:lstStyle/>
+          <a:p>
+            <a:pPr algn="ctr"/>
+            <a:r>
+              <a:rPr lang="en-US" b="1" dirty="0" smtClean="0">
+                <a:solidFill>
+                  <a:srgbClr val="009900"/>
+                </a:solidFill>
+              </a:rPr>
+              <a:t>Domain</a:t>
+            </a:r>
+            <a:r>
+              <a:rPr lang="en-US" dirty="0" smtClean="0">
+                <a:solidFill>
+                  <a:srgbClr val="7030A0"/>
+                </a:solidFill>
+              </a:rPr>
+              <a:t> </a:t>
+            </a:r>
+            <a:r>
+              <a:rPr lang="en-US" b="1" dirty="0" smtClean="0">
+                <a:solidFill>
+                  <a:srgbClr val="7030A0"/>
+                </a:solidFill>
+              </a:rPr>
+              <a:t>Model</a:t>
+            </a:r>
+          </a:p>
+          <a:p>
+            <a:pPr algn="ctr"/>
+            <a:r>
+              <a:rPr lang="en-US" b="1" dirty="0" smtClean="0">
+                <a:solidFill>
+                  <a:schemeClr val="tx1"/>
+                </a:solidFill>
+              </a:rPr>
+              <a:t>&amp;</a:t>
+            </a:r>
+          </a:p>
+          <a:p>
+            <a:pPr algn="ctr"/>
+            <a:r>
+              <a:rPr lang="en-US" b="1" dirty="0" smtClean="0">
+                <a:solidFill>
+                  <a:schemeClr val="accent1">
+                    <a:lumMod val="50000"/>
+                  </a:schemeClr>
+                </a:solidFill>
+              </a:rPr>
+              <a:t>Ubiquities Language</a:t>
+            </a:r>
+            <a:endParaRPr lang="en-US" b="1" dirty="0">
+              <a:solidFill>
+                <a:schemeClr val="accent1">
+                  <a:lumMod val="50000"/>
+                </a:schemeClr>
+              </a:solidFill>
+            </a:endParaRPr>
+          </a:p>
+        </p:txBody>
+      </p:sp>
+      <p:sp>
+        <p:nvSpPr>
+          <p:cNvPr id="10" name="Rounded Rectangle 9"/>
+          <p:cNvSpPr/>
+          <p:nvPr/>
+        </p:nvSpPr>
+        <p:spPr>
+          <a:xfrm>
+            <a:off x="6553200" y="2743200"/>
+            <a:ext cx="2057400" cy="1676400"/>
+          </a:xfrm>
+          <a:prstGeom prst="roundRect">
+            <a:avLst/>
+          </a:prstGeom>
+          <a:gradFill flip="none" rotWithShape="1">
+            <a:gsLst>
+              <a:gs pos="0">
+                <a:schemeClr val="accent1">
+                  <a:tint val="66000"/>
+                  <a:satMod val="160000"/>
+                </a:schemeClr>
+              </a:gs>
+              <a:gs pos="50000">
+                <a:schemeClr val="accent1">
+                  <a:tint val="44500"/>
+                  <a:satMod val="160000"/>
+                </a:schemeClr>
+              </a:gs>
+              <a:gs pos="100000">
+                <a:schemeClr val="accent1">
+                  <a:tint val="23500"/>
+                  <a:satMod val="160000"/>
+                </a:schemeClr>
+              </a:gs>
+            </a:gsLst>
+            <a:lin ang="5400000" scaled="1"/>
+            <a:tileRect/>
+          </a:gradFill>
+        </p:spPr>
+        <p:style>
+          <a:lnRef idx="2">
+            <a:schemeClr val="accent1">
+              <a:shade val="50000"/>
+            </a:schemeClr>
+          </a:lnRef>
+          <a:fillRef idx="1">
+            <a:schemeClr val="accent1"/>
+          </a:fillRef>
+          <a:effectRef idx="0">
+            <a:schemeClr val="accent1"/>
+          </a:effectRef>
+          <a:fontRef idx="minor">
+            <a:schemeClr val="lt1"/>
+          </a:fontRef>
+        </p:style>
+        <p:txBody>
+          <a:bodyPr rtlCol="0" anchor="ctr"/>
+          <a:lstStyle/>
+          <a:p>
+            <a:pPr algn="ctr"/>
+            <a:r>
+              <a:rPr lang="en-US" dirty="0" smtClean="0">
+                <a:solidFill>
+                  <a:schemeClr val="tx1"/>
+                </a:solidFill>
+              </a:rPr>
+              <a:t>Software Development</a:t>
+            </a:r>
+            <a:endParaRPr lang="en-US" dirty="0">
+              <a:solidFill>
+                <a:schemeClr val="tx1"/>
+              </a:solidFill>
+            </a:endParaRPr>
+          </a:p>
+        </p:txBody>
+      </p:sp>
+      <p:sp>
+        <p:nvSpPr>
+          <p:cNvPr id="6" name="Стрелка вправо 5"/>
+          <p:cNvSpPr/>
+          <p:nvPr/>
+        </p:nvSpPr>
+        <p:spPr>
+          <a:xfrm rot="-10800000">
+            <a:off x="2895600" y="4038600"/>
+            <a:ext cx="3657600" cy="228600"/>
+          </a:xfrm>
+          <a:prstGeom prst="rightArrow">
+            <a:avLst/>
+          </a:prstGeom>
+        </p:spPr>
+        <p:style>
+          <a:lnRef idx="2">
+            <a:schemeClr val="accent1">
+              <a:shade val="50000"/>
+            </a:schemeClr>
+          </a:lnRef>
+          <a:fillRef idx="1">
+            <a:schemeClr val="accent1"/>
+          </a:fillRef>
+          <a:effectRef idx="0">
+            <a:schemeClr val="accent1"/>
+          </a:effectRef>
+          <a:fontRef idx="minor">
+            <a:schemeClr val="lt1"/>
+          </a:fontRef>
+        </p:style>
+        <p:txBody>
+          <a:bodyPr rtlCol="0" anchor="ctr"/>
+          <a:lstStyle/>
+          <a:p>
+            <a:pPr algn="ctr"/>
+            <a:endParaRPr lang="en-US"/>
+          </a:p>
+        </p:txBody>
+      </p:sp>
+      <p:sp>
+        <p:nvSpPr>
+          <p:cNvPr id="8" name="Стрелка вправо 7"/>
+          <p:cNvSpPr/>
+          <p:nvPr/>
+        </p:nvSpPr>
+        <p:spPr>
+          <a:xfrm>
+            <a:off x="2897872" y="3044568"/>
+            <a:ext cx="3657600" cy="228600"/>
+          </a:xfrm>
+          <a:prstGeom prst="rightArrow">
+            <a:avLst/>
+          </a:prstGeom>
+        </p:spPr>
+        <p:style>
+          <a:lnRef idx="2">
+            <a:schemeClr val="accent1">
+              <a:shade val="50000"/>
+            </a:schemeClr>
+          </a:lnRef>
+          <a:fillRef idx="1">
+            <a:schemeClr val="accent1"/>
+          </a:fillRef>
+          <a:effectRef idx="0">
+            <a:schemeClr val="accent1"/>
+          </a:effectRef>
+          <a:fontRef idx="minor">
+            <a:schemeClr val="lt1"/>
+          </a:fontRef>
+        </p:style>
+        <p:txBody>
+          <a:bodyPr rtlCol="0" anchor="ctr"/>
+          <a:lstStyle/>
+          <a:p>
+            <a:pPr algn="ctr"/>
+            <a:endParaRPr lang="en-US"/>
+          </a:p>
+        </p:txBody>
+      </p:sp>
+    </p:spTree>
+  </p:cSld>
+  <p:clrMapOvr>
+    <a:masterClrMapping/>
+  </p:clrMapOvr>
+  <p:timing>
+    <p:tnLst>
+      <p:par>
+        <p:cTn id="1" dur="indefinite" restart="never" nodeType="tmRoot"/>
+      </p:par>
+    </p:tnLst>
+  </p:timing>
+</p:sld>
+</file>
+
+<file path=ppt/slides/slide13.xml><?xml version="1.0" encoding="utf-8"?>
+<p:sld xmlns:a="http://schemas.openxmlformats.org/drawingml/2006/main" xmlns:r="http://schemas.openxmlformats.org/officeDocument/2006/relationships" xmlns:p="http://schemas.openxmlformats.org/presentationml/2006/main">
+  <p:cSld>
+    <p:spTree>
+      <p:nvGrpSpPr>
+        <p:cNvPr id="1" name=""/>
+        <p:cNvGrpSpPr/>
+        <p:nvPr/>
+      </p:nvGrpSpPr>
+      <p:grpSpPr>
+        <a:xfrm>
+          <a:off x="0" y="0"/>
+          <a:ext cx="0" cy="0"/>
+          <a:chOff x="0" y="0"/>
+          <a:chExt cx="0" cy="0"/>
+        </a:xfrm>
+      </p:grpSpPr>
+      <p:sp>
+        <p:nvSpPr>
           <p:cNvPr id="2" name="Заголовок 1"/>
           <p:cNvSpPr>
             <a:spLocks noGrp="1"/>
@@ -5070,18 +6893,136 @@
             <p:ph type="title"/>
           </p:nvPr>
         </p:nvSpPr>
+        <p:spPr>
+          <a:xfrm>
+            <a:off x="533400" y="2209800"/>
+            <a:ext cx="8229600" cy="1143000"/>
+          </a:xfrm>
+        </p:spPr>
+        <p:txBody>
+          <a:bodyPr>
+            <a:normAutofit fontScale="90000"/>
+          </a:bodyPr>
+          <a:lstStyle/>
+          <a:p>
+            <a:r>
+              <a:rPr lang="en-US" dirty="0" smtClean="0"/>
+              <a:t>Domain Model -</a:t>
+            </a:r>
+            <a:r>
+              <a:rPr lang="en-US" i="1" dirty="0" smtClean="0"/>
+              <a:t> is a rigorously organized and selective abstraction of the Business Domain knowledge. </a:t>
+            </a:r>
+            <a:endParaRPr lang="en-US" dirty="0"/>
+          </a:p>
+        </p:txBody>
+      </p:sp>
+    </p:spTree>
+  </p:cSld>
+  <p:clrMapOvr>
+    <a:masterClrMapping/>
+  </p:clrMapOvr>
+</p:sld>
+</file>
+
+<file path=ppt/slides/slide14.xml><?xml version="1.0" encoding="utf-8"?>
+<p:sld xmlns:a="http://schemas.openxmlformats.org/drawingml/2006/main" xmlns:r="http://schemas.openxmlformats.org/officeDocument/2006/relationships" xmlns:p="http://schemas.openxmlformats.org/presentationml/2006/main">
+  <p:cSld>
+    <p:spTree>
+      <p:nvGrpSpPr>
+        <p:cNvPr id="1" name=""/>
+        <p:cNvGrpSpPr/>
+        <p:nvPr/>
+      </p:nvGrpSpPr>
+      <p:grpSpPr>
+        <a:xfrm>
+          <a:off x="0" y="0"/>
+          <a:ext cx="0" cy="0"/>
+          <a:chOff x="0" y="0"/>
+          <a:chExt cx="0" cy="0"/>
+        </a:xfrm>
+      </p:grpSpPr>
+      <p:sp>
+        <p:nvSpPr>
+          <p:cNvPr id="2" name="Заголовок 1"/>
+          <p:cNvSpPr>
+            <a:spLocks noGrp="1"/>
+          </p:cNvSpPr>
+          <p:nvPr>
+            <p:ph type="title"/>
+          </p:nvPr>
+        </p:nvSpPr>
+        <p:spPr>
+          <a:xfrm>
+            <a:off x="381000" y="1447800"/>
+            <a:ext cx="8229600" cy="2819400"/>
+          </a:xfrm>
+        </p:spPr>
+        <p:txBody>
+          <a:bodyPr>
+            <a:normAutofit fontScale="90000"/>
+          </a:bodyPr>
+          <a:lstStyle/>
+          <a:p>
+            <a:r>
+              <a:rPr lang="en-US" dirty="0" smtClean="0"/>
+              <a:t>Ubiquitous Language - A language structured around the domain model and used by all team members to connect all the activities of the team with the software.</a:t>
+            </a:r>
+            <a:endParaRPr lang="en-US" dirty="0"/>
+          </a:p>
+        </p:txBody>
+      </p:sp>
+    </p:spTree>
+  </p:cSld>
+  <p:clrMapOvr>
+    <a:masterClrMapping/>
+  </p:clrMapOvr>
+</p:sld>
+</file>
+
+<file path=ppt/slides/slide15.xml><?xml version="1.0" encoding="utf-8"?>
+<p:sld xmlns:a="http://schemas.openxmlformats.org/drawingml/2006/main" xmlns:r="http://schemas.openxmlformats.org/officeDocument/2006/relationships" xmlns:p="http://schemas.openxmlformats.org/presentationml/2006/main">
+  <p:cSld>
+    <p:spTree>
+      <p:nvGrpSpPr>
+        <p:cNvPr id="1" name=""/>
+        <p:cNvGrpSpPr/>
+        <p:nvPr/>
+      </p:nvGrpSpPr>
+      <p:grpSpPr>
+        <a:xfrm>
+          <a:off x="0" y="0"/>
+          <a:ext cx="0" cy="0"/>
+          <a:chOff x="0" y="0"/>
+          <a:chExt cx="0" cy="0"/>
+        </a:xfrm>
+      </p:grpSpPr>
+      <p:sp>
+        <p:nvSpPr>
+          <p:cNvPr id="2" name="Заголовок 1"/>
+          <p:cNvSpPr>
+            <a:spLocks noGrp="1"/>
+          </p:cNvSpPr>
+          <p:nvPr>
+            <p:ph type="title"/>
+          </p:nvPr>
+        </p:nvSpPr>
         <p:spPr/>
         <p:txBody>
           <a:bodyPr/>
           <a:lstStyle/>
           <a:p>
-            <a:endParaRPr lang="en-US"/>
+            <a:r>
+              <a:rPr lang="en-US" dirty="0" smtClean="0"/>
+              <a:t>Ubiquitous Language</a:t>
+            </a:r>
+            <a:endParaRPr lang="en-US" dirty="0"/>
           </a:p>
         </p:txBody>
       </p:sp>
       <p:pic>
         <p:nvPicPr>
-          <p:cNvPr id="2050" name="Picture 2"/>
+          <p:cNvPr id="1026" name="Picture 2"/>
           <p:cNvPicPr>
             <a:picLocks noGrp="1" noChangeAspect="1" noChangeArrowheads="1"/>
           </p:cNvPicPr>
@@ -5098,8 +7039,8 @@
         </p:blipFill>
         <p:spPr bwMode="auto">
           <a:xfrm>
-            <a:off x="1219200" y="2786856"/>
-            <a:ext cx="5943600" cy="2547144"/>
+            <a:off x="990600" y="1676400"/>
+            <a:ext cx="6267450" cy="3961606"/>
           </a:xfrm>
           <a:prstGeom prst="rect">
             <a:avLst/>
@@ -5114,6 +7055,761 @@
           <a:effectLst/>
         </p:spPr>
       </p:pic>
+    </p:spTree>
+  </p:cSld>
+  <p:clrMapOvr>
+    <a:masterClrMapping/>
+  </p:clrMapOvr>
+</p:sld>
+</file>
+
+<file path=ppt/slides/slide16.xml><?xml version="1.0" encoding="utf-8"?>
+<p:sld xmlns:a="http://schemas.openxmlformats.org/drawingml/2006/main" xmlns:r="http://schemas.openxmlformats.org/officeDocument/2006/relationships" xmlns:p="http://schemas.openxmlformats.org/presentationml/2006/main">
+  <p:cSld>
+    <p:spTree>
+      <p:nvGrpSpPr>
+        <p:cNvPr id="1" name=""/>
+        <p:cNvGrpSpPr/>
+        <p:nvPr/>
+      </p:nvGrpSpPr>
+      <p:grpSpPr>
+        <a:xfrm>
+          <a:off x="0" y="0"/>
+          <a:ext cx="0" cy="0"/>
+          <a:chOff x="0" y="0"/>
+          <a:chExt cx="0" cy="0"/>
+        </a:xfrm>
+      </p:grpSpPr>
+      <p:sp>
+        <p:nvSpPr>
+          <p:cNvPr id="2" name="Заголовок 1"/>
+          <p:cNvSpPr>
+            <a:spLocks noGrp="1"/>
+          </p:cNvSpPr>
+          <p:nvPr>
+            <p:ph type="title"/>
+          </p:nvPr>
+        </p:nvSpPr>
+        <p:spPr/>
+        <p:txBody>
+          <a:bodyPr/>
+          <a:lstStyle/>
+          <a:p>
+            <a:r>
+              <a:rPr lang="en-US" dirty="0" smtClean="0"/>
+              <a:t>Collaboration</a:t>
+            </a:r>
+            <a:endParaRPr lang="en-US" dirty="0"/>
+          </a:p>
+        </p:txBody>
+      </p:sp>
+      <p:sp>
+        <p:nvSpPr>
+          <p:cNvPr id="4" name="Rounded Rectangle 6"/>
+          <p:cNvSpPr/>
+          <p:nvPr/>
+        </p:nvSpPr>
+        <p:spPr>
+          <a:xfrm>
+            <a:off x="304800" y="1905000"/>
+            <a:ext cx="2057400" cy="1676400"/>
+          </a:xfrm>
+          <a:prstGeom prst="roundRect">
+            <a:avLst/>
+          </a:prstGeom>
+          <a:gradFill flip="none" rotWithShape="1">
+            <a:gsLst>
+              <a:gs pos="0">
+                <a:schemeClr val="accent1">
+                  <a:tint val="66000"/>
+                  <a:satMod val="160000"/>
+                </a:schemeClr>
+              </a:gs>
+              <a:gs pos="50000">
+                <a:schemeClr val="accent1">
+                  <a:tint val="44500"/>
+                  <a:satMod val="160000"/>
+                </a:schemeClr>
+              </a:gs>
+              <a:gs pos="100000">
+                <a:schemeClr val="accent1">
+                  <a:tint val="23500"/>
+                  <a:satMod val="160000"/>
+                </a:schemeClr>
+              </a:gs>
+            </a:gsLst>
+            <a:lin ang="5400000" scaled="1"/>
+            <a:tileRect/>
+          </a:gradFill>
+        </p:spPr>
+        <p:style>
+          <a:lnRef idx="2">
+            <a:schemeClr val="accent1">
+              <a:shade val="50000"/>
+            </a:schemeClr>
+          </a:lnRef>
+          <a:fillRef idx="1">
+            <a:schemeClr val="accent1"/>
+          </a:fillRef>
+          <a:effectRef idx="0">
+            <a:schemeClr val="accent1"/>
+          </a:effectRef>
+          <a:fontRef idx="minor">
+            <a:schemeClr val="lt1"/>
+          </a:fontRef>
+        </p:style>
+        <p:txBody>
+          <a:bodyPr rtlCol="0" anchor="ctr"/>
+          <a:lstStyle/>
+          <a:p>
+            <a:pPr algn="ctr"/>
+            <a:r>
+              <a:rPr lang="en-US" dirty="0" smtClean="0">
+                <a:solidFill>
+                  <a:schemeClr val="tx1"/>
+                </a:solidFill>
+              </a:rPr>
+              <a:t>Business</a:t>
+            </a:r>
+            <a:r>
+              <a:rPr lang="en-US" dirty="0" smtClean="0"/>
+              <a:t> </a:t>
+            </a:r>
+            <a:r>
+              <a:rPr lang="en-US" b="1" dirty="0" smtClean="0">
+                <a:solidFill>
+                  <a:srgbClr val="009900"/>
+                </a:solidFill>
+              </a:rPr>
+              <a:t>Domain</a:t>
+            </a:r>
+            <a:endParaRPr lang="en-US" b="1" dirty="0">
+              <a:solidFill>
+                <a:srgbClr val="009900"/>
+              </a:solidFill>
+            </a:endParaRPr>
+          </a:p>
+        </p:txBody>
+      </p:sp>
+      <p:sp>
+        <p:nvSpPr>
+          <p:cNvPr id="5" name="Rounded Rectangle 8"/>
+          <p:cNvSpPr/>
+          <p:nvPr/>
+        </p:nvSpPr>
+        <p:spPr>
+          <a:xfrm>
+            <a:off x="2743200" y="4267200"/>
+            <a:ext cx="2895600" cy="1676400"/>
+          </a:xfrm>
+          <a:prstGeom prst="roundRect">
+            <a:avLst/>
+          </a:prstGeom>
+          <a:gradFill flip="none" rotWithShape="1">
+            <a:gsLst>
+              <a:gs pos="0">
+                <a:schemeClr val="accent1">
+                  <a:tint val="66000"/>
+                  <a:satMod val="160000"/>
+                </a:schemeClr>
+              </a:gs>
+              <a:gs pos="50000">
+                <a:schemeClr val="accent1">
+                  <a:tint val="44500"/>
+                  <a:satMod val="160000"/>
+                </a:schemeClr>
+              </a:gs>
+              <a:gs pos="100000">
+                <a:schemeClr val="accent1">
+                  <a:tint val="23500"/>
+                  <a:satMod val="160000"/>
+                </a:schemeClr>
+              </a:gs>
+            </a:gsLst>
+            <a:lin ang="5400000" scaled="1"/>
+            <a:tileRect/>
+          </a:gradFill>
+        </p:spPr>
+        <p:style>
+          <a:lnRef idx="2">
+            <a:schemeClr val="accent1">
+              <a:shade val="50000"/>
+            </a:schemeClr>
+          </a:lnRef>
+          <a:fillRef idx="1">
+            <a:schemeClr val="accent1"/>
+          </a:fillRef>
+          <a:effectRef idx="0">
+            <a:schemeClr val="accent1"/>
+          </a:effectRef>
+          <a:fontRef idx="minor">
+            <a:schemeClr val="lt1"/>
+          </a:fontRef>
+        </p:style>
+        <p:txBody>
+          <a:bodyPr rtlCol="0" anchor="ctr"/>
+          <a:lstStyle/>
+          <a:p>
+            <a:pPr algn="ctr"/>
+            <a:r>
+              <a:rPr lang="en-US" b="1" dirty="0" smtClean="0">
+                <a:solidFill>
+                  <a:srgbClr val="009900"/>
+                </a:solidFill>
+              </a:rPr>
+              <a:t>Domain</a:t>
+            </a:r>
+            <a:r>
+              <a:rPr lang="en-US" dirty="0" smtClean="0">
+                <a:solidFill>
+                  <a:srgbClr val="7030A0"/>
+                </a:solidFill>
+              </a:rPr>
+              <a:t> </a:t>
+            </a:r>
+            <a:r>
+              <a:rPr lang="en-US" b="1" dirty="0" smtClean="0">
+                <a:solidFill>
+                  <a:srgbClr val="7030A0"/>
+                </a:solidFill>
+              </a:rPr>
+              <a:t>Model</a:t>
+            </a:r>
+          </a:p>
+          <a:p>
+            <a:pPr algn="ctr"/>
+            <a:r>
+              <a:rPr lang="en-US" b="1" dirty="0" smtClean="0">
+                <a:solidFill>
+                  <a:schemeClr val="tx1"/>
+                </a:solidFill>
+              </a:rPr>
+              <a:t>&amp;</a:t>
+            </a:r>
+          </a:p>
+          <a:p>
+            <a:pPr algn="ctr"/>
+            <a:r>
+              <a:rPr lang="en-US" b="1" dirty="0" smtClean="0">
+                <a:solidFill>
+                  <a:schemeClr val="accent1">
+                    <a:lumMod val="50000"/>
+                  </a:schemeClr>
+                </a:solidFill>
+              </a:rPr>
+              <a:t>Ubiquities Language</a:t>
+            </a:r>
+            <a:endParaRPr lang="en-US" b="1" dirty="0">
+              <a:solidFill>
+                <a:schemeClr val="accent1">
+                  <a:lumMod val="50000"/>
+                </a:schemeClr>
+              </a:solidFill>
+            </a:endParaRPr>
+          </a:p>
+        </p:txBody>
+      </p:sp>
+      <p:sp>
+        <p:nvSpPr>
+          <p:cNvPr id="6" name="Rounded Rectangle 9"/>
+          <p:cNvSpPr/>
+          <p:nvPr/>
+        </p:nvSpPr>
+        <p:spPr>
+          <a:xfrm>
+            <a:off x="6324600" y="1828800"/>
+            <a:ext cx="2057400" cy="1676400"/>
+          </a:xfrm>
+          <a:prstGeom prst="roundRect">
+            <a:avLst/>
+          </a:prstGeom>
+          <a:gradFill flip="none" rotWithShape="1">
+            <a:gsLst>
+              <a:gs pos="0">
+                <a:schemeClr val="accent1">
+                  <a:tint val="66000"/>
+                  <a:satMod val="160000"/>
+                </a:schemeClr>
+              </a:gs>
+              <a:gs pos="50000">
+                <a:schemeClr val="accent1">
+                  <a:tint val="44500"/>
+                  <a:satMod val="160000"/>
+                </a:schemeClr>
+              </a:gs>
+              <a:gs pos="100000">
+                <a:schemeClr val="accent1">
+                  <a:tint val="23500"/>
+                  <a:satMod val="160000"/>
+                </a:schemeClr>
+              </a:gs>
+            </a:gsLst>
+            <a:lin ang="5400000" scaled="1"/>
+            <a:tileRect/>
+          </a:gradFill>
+        </p:spPr>
+        <p:style>
+          <a:lnRef idx="2">
+            <a:schemeClr val="accent1">
+              <a:shade val="50000"/>
+            </a:schemeClr>
+          </a:lnRef>
+          <a:fillRef idx="1">
+            <a:schemeClr val="accent1"/>
+          </a:fillRef>
+          <a:effectRef idx="0">
+            <a:schemeClr val="accent1"/>
+          </a:effectRef>
+          <a:fontRef idx="minor">
+            <a:schemeClr val="lt1"/>
+          </a:fontRef>
+        </p:style>
+        <p:txBody>
+          <a:bodyPr rtlCol="0" anchor="ctr"/>
+          <a:lstStyle/>
+          <a:p>
+            <a:pPr algn="ctr"/>
+            <a:r>
+              <a:rPr lang="en-US" dirty="0" smtClean="0">
+                <a:solidFill>
+                  <a:schemeClr val="tx1"/>
+                </a:solidFill>
+              </a:rPr>
+              <a:t>Software Development</a:t>
+            </a:r>
+            <a:endParaRPr lang="en-US" dirty="0">
+              <a:solidFill>
+                <a:schemeClr val="tx1"/>
+              </a:solidFill>
+            </a:endParaRPr>
+          </a:p>
+        </p:txBody>
+      </p:sp>
+      <p:sp>
+        <p:nvSpPr>
+          <p:cNvPr id="9" name="Rounded Rectangle 9"/>
+          <p:cNvSpPr/>
+          <p:nvPr/>
+        </p:nvSpPr>
+        <p:spPr>
+          <a:xfrm>
+            <a:off x="6477000" y="4419600"/>
+            <a:ext cx="2057400" cy="1676400"/>
+          </a:xfrm>
+          <a:prstGeom prst="roundRect">
+            <a:avLst/>
+          </a:prstGeom>
+          <a:gradFill flip="none" rotWithShape="1">
+            <a:gsLst>
+              <a:gs pos="0">
+                <a:schemeClr val="accent1">
+                  <a:tint val="66000"/>
+                  <a:satMod val="160000"/>
+                </a:schemeClr>
+              </a:gs>
+              <a:gs pos="50000">
+                <a:schemeClr val="accent1">
+                  <a:tint val="44500"/>
+                  <a:satMod val="160000"/>
+                </a:schemeClr>
+              </a:gs>
+              <a:gs pos="100000">
+                <a:schemeClr val="accent1">
+                  <a:tint val="23500"/>
+                  <a:satMod val="160000"/>
+                </a:schemeClr>
+              </a:gs>
+            </a:gsLst>
+            <a:lin ang="5400000" scaled="1"/>
+            <a:tileRect/>
+          </a:gradFill>
+        </p:spPr>
+        <p:style>
+          <a:lnRef idx="2">
+            <a:schemeClr val="accent1">
+              <a:shade val="50000"/>
+            </a:schemeClr>
+          </a:lnRef>
+          <a:fillRef idx="1">
+            <a:schemeClr val="accent1"/>
+          </a:fillRef>
+          <a:effectRef idx="0">
+            <a:schemeClr val="accent1"/>
+          </a:effectRef>
+          <a:fontRef idx="minor">
+            <a:schemeClr val="lt1"/>
+          </a:fontRef>
+        </p:style>
+        <p:txBody>
+          <a:bodyPr rtlCol="0" anchor="ctr"/>
+          <a:lstStyle/>
+          <a:p>
+            <a:pPr algn="ctr"/>
+            <a:r>
+              <a:rPr lang="en-US" dirty="0" smtClean="0">
+                <a:solidFill>
+                  <a:schemeClr val="tx1"/>
+                </a:solidFill>
+              </a:rPr>
+              <a:t>Software </a:t>
+            </a:r>
+            <a:endParaRPr lang="en-US" dirty="0">
+              <a:solidFill>
+                <a:schemeClr val="tx1"/>
+              </a:solidFill>
+            </a:endParaRPr>
+          </a:p>
+        </p:txBody>
+      </p:sp>
+      <p:sp>
+        <p:nvSpPr>
+          <p:cNvPr id="10" name="Стрелка вправо 9"/>
+          <p:cNvSpPr/>
+          <p:nvPr/>
+        </p:nvSpPr>
+        <p:spPr>
+          <a:xfrm rot="27000000">
+            <a:off x="6926580" y="3741420"/>
+            <a:ext cx="1143000" cy="365760"/>
+          </a:xfrm>
+          <a:prstGeom prst="rightArrow">
+            <a:avLst/>
+          </a:prstGeom>
+        </p:spPr>
+        <p:style>
+          <a:lnRef idx="2">
+            <a:schemeClr val="accent1">
+              <a:shade val="50000"/>
+            </a:schemeClr>
+          </a:lnRef>
+          <a:fillRef idx="1">
+            <a:schemeClr val="accent1"/>
+          </a:fillRef>
+          <a:effectRef idx="0">
+            <a:schemeClr val="accent1"/>
+          </a:effectRef>
+          <a:fontRef idx="minor">
+            <a:schemeClr val="lt1"/>
+          </a:fontRef>
+        </p:style>
+        <p:txBody>
+          <a:bodyPr rtlCol="0" anchor="ctr"/>
+          <a:lstStyle/>
+          <a:p>
+            <a:pPr algn="ctr"/>
+            <a:r>
+              <a:rPr lang="en-US" dirty="0" smtClean="0"/>
+              <a:t>Produce</a:t>
+            </a:r>
+            <a:endParaRPr lang="en-US" dirty="0"/>
+          </a:p>
+        </p:txBody>
+      </p:sp>
+      <p:sp>
+        <p:nvSpPr>
+          <p:cNvPr id="14" name="Стрелка влево 13"/>
+          <p:cNvSpPr/>
+          <p:nvPr/>
+        </p:nvSpPr>
+        <p:spPr>
+          <a:xfrm>
+            <a:off x="5410200" y="5334000"/>
+            <a:ext cx="1143000" cy="387280"/>
+          </a:xfrm>
+          <a:prstGeom prst="leftArrow">
+            <a:avLst/>
+          </a:prstGeom>
+        </p:spPr>
+        <p:style>
+          <a:lnRef idx="2">
+            <a:schemeClr val="accent1">
+              <a:shade val="50000"/>
+            </a:schemeClr>
+          </a:lnRef>
+          <a:fillRef idx="1">
+            <a:schemeClr val="accent1"/>
+          </a:fillRef>
+          <a:effectRef idx="0">
+            <a:schemeClr val="accent1"/>
+          </a:effectRef>
+          <a:fontRef idx="minor">
+            <a:schemeClr val="lt1"/>
+          </a:fontRef>
+        </p:style>
+        <p:txBody>
+          <a:bodyPr rtlCol="0" anchor="ctr"/>
+          <a:lstStyle/>
+          <a:p>
+            <a:pPr algn="ctr"/>
+            <a:r>
+              <a:rPr lang="en-US" dirty="0" smtClean="0"/>
+              <a:t>Based on</a:t>
+            </a:r>
+            <a:endParaRPr lang="en-US" dirty="0"/>
+          </a:p>
+        </p:txBody>
+      </p:sp>
+      <p:sp>
+        <p:nvSpPr>
+          <p:cNvPr id="16" name="Выноска со стрелкой вниз 15"/>
+          <p:cNvSpPr/>
+          <p:nvPr/>
+        </p:nvSpPr>
+        <p:spPr>
+          <a:xfrm>
+            <a:off x="2362200" y="2514600"/>
+            <a:ext cx="3962400" cy="1752600"/>
+          </a:xfrm>
+          <a:prstGeom prst="downArrowCallout">
+            <a:avLst>
+              <a:gd name="adj1" fmla="val 25000"/>
+              <a:gd name="adj2" fmla="val 25000"/>
+              <a:gd name="adj3" fmla="val 90299"/>
+              <a:gd name="adj4" fmla="val 64977"/>
+            </a:avLst>
+          </a:prstGeom>
+        </p:spPr>
+        <p:style>
+          <a:lnRef idx="2">
+            <a:schemeClr val="accent1">
+              <a:shade val="50000"/>
+            </a:schemeClr>
+          </a:lnRef>
+          <a:fillRef idx="1">
+            <a:schemeClr val="accent1"/>
+          </a:fillRef>
+          <a:effectRef idx="0">
+            <a:schemeClr val="accent1"/>
+          </a:effectRef>
+          <a:fontRef idx="minor">
+            <a:schemeClr val="lt1"/>
+          </a:fontRef>
+        </p:style>
+        <p:txBody>
+          <a:bodyPr rtlCol="0" anchor="ctr"/>
+          <a:lstStyle/>
+          <a:p>
+            <a:pPr algn="ctr"/>
+            <a:endParaRPr lang="en-US"/>
+          </a:p>
+        </p:txBody>
+      </p:sp>
+      <p:sp>
+        <p:nvSpPr>
+          <p:cNvPr id="17" name="TextBox 16"/>
+          <p:cNvSpPr txBox="1"/>
+          <p:nvPr/>
+        </p:nvSpPr>
+        <p:spPr>
+          <a:xfrm>
+            <a:off x="1676400" y="1371600"/>
+            <a:ext cx="5272277" cy="400110"/>
+          </a:xfrm>
+          <a:prstGeom prst="rect">
+            <a:avLst/>
+          </a:prstGeom>
+          <a:noFill/>
+        </p:spPr>
+        <p:txBody>
+          <a:bodyPr wrap="none" rtlCol="0">
+            <a:spAutoFit/>
+          </a:bodyPr>
+          <a:lstStyle/>
+          <a:p>
+            <a:r>
+              <a:rPr lang="en-US" sz="2000" b="1" dirty="0" smtClean="0">
+                <a:solidFill>
+                  <a:srgbClr val="009900"/>
+                </a:solidFill>
+              </a:rPr>
+              <a:t>Domain Experts and Developers produce Model</a:t>
+            </a:r>
+            <a:endParaRPr lang="en-US" sz="2000" b="1" dirty="0">
+              <a:solidFill>
+                <a:srgbClr val="009900"/>
+              </a:solidFill>
+            </a:endParaRPr>
+          </a:p>
+        </p:txBody>
+      </p:sp>
+      <p:sp>
+        <p:nvSpPr>
+          <p:cNvPr id="18" name="Стрелка вправо 17"/>
+          <p:cNvSpPr/>
+          <p:nvPr/>
+        </p:nvSpPr>
+        <p:spPr>
+          <a:xfrm>
+            <a:off x="5486400" y="4724400"/>
+            <a:ext cx="1447800" cy="381000"/>
+          </a:xfrm>
+          <a:prstGeom prst="rightArrow">
+            <a:avLst/>
+          </a:prstGeom>
+        </p:spPr>
+        <p:style>
+          <a:lnRef idx="2">
+            <a:schemeClr val="accent1">
+              <a:shade val="50000"/>
+            </a:schemeClr>
+          </a:lnRef>
+          <a:fillRef idx="1">
+            <a:schemeClr val="accent1"/>
+          </a:fillRef>
+          <a:effectRef idx="0">
+            <a:schemeClr val="accent1"/>
+          </a:effectRef>
+          <a:fontRef idx="minor">
+            <a:schemeClr val="lt1"/>
+          </a:fontRef>
+        </p:style>
+        <p:txBody>
+          <a:bodyPr rtlCol="0" anchor="ctr"/>
+          <a:lstStyle/>
+          <a:p>
+            <a:pPr algn="ctr"/>
+            <a:r>
+              <a:rPr lang="en-US" dirty="0" smtClean="0"/>
+              <a:t>Reflected in</a:t>
+            </a:r>
+            <a:endParaRPr lang="en-US" dirty="0"/>
+          </a:p>
+        </p:txBody>
+      </p:sp>
+    </p:spTree>
+  </p:cSld>
+  <p:clrMapOvr>
+    <a:masterClrMapping/>
+  </p:clrMapOvr>
+</p:sld>
+</file>
+
+<file path=ppt/slides/slide17.xml><?xml version="1.0" encoding="utf-8"?>
+<p:sld xmlns:a="http://schemas.openxmlformats.org/drawingml/2006/main" xmlns:r="http://schemas.openxmlformats.org/officeDocument/2006/relationships" xmlns:p="http://schemas.openxmlformats.org/presentationml/2006/main">
+  <p:cSld>
+    <p:spTree>
+      <p:nvGrpSpPr>
+        <p:cNvPr id="1" name=""/>
+        <p:cNvGrpSpPr/>
+        <p:nvPr/>
+      </p:nvGrpSpPr>
+      <p:grpSpPr>
+        <a:xfrm>
+          <a:off x="0" y="0"/>
+          <a:ext cx="0" cy="0"/>
+          <a:chOff x="0" y="0"/>
+          <a:chExt cx="0" cy="0"/>
+        </a:xfrm>
+      </p:grpSpPr>
+      <p:sp>
+        <p:nvSpPr>
+          <p:cNvPr id="2" name="Заголовок 1"/>
+          <p:cNvSpPr>
+            <a:spLocks noGrp="1"/>
+          </p:cNvSpPr>
+          <p:nvPr>
+            <p:ph type="title"/>
+          </p:nvPr>
+        </p:nvSpPr>
+        <p:spPr/>
+        <p:txBody>
+          <a:bodyPr/>
+          <a:lstStyle/>
+          <a:p>
+            <a:endParaRPr lang="en-US"/>
+          </a:p>
+        </p:txBody>
+      </p:sp>
+      <p:sp>
+        <p:nvSpPr>
+          <p:cNvPr id="3" name="Содержимое 2"/>
+          <p:cNvSpPr>
+            <a:spLocks noGrp="1"/>
+          </p:cNvSpPr>
+          <p:nvPr>
+            <p:ph idx="1"/>
+          </p:nvPr>
+        </p:nvSpPr>
+        <p:spPr/>
+        <p:txBody>
+          <a:bodyPr/>
+          <a:lstStyle/>
+          <a:p>
+            <a:endParaRPr lang="en-US"/>
+          </a:p>
+        </p:txBody>
+      </p:sp>
+    </p:spTree>
+  </p:cSld>
+  <p:clrMapOvr>
+    <a:masterClrMapping/>
+  </p:clrMapOvr>
+</p:sld>
+</file>
+
+<file path=ppt/slides/slide18.xml><?xml version="1.0" encoding="utf-8"?>
+<p:sld xmlns:a="http://schemas.openxmlformats.org/drawingml/2006/main" xmlns:r="http://schemas.openxmlformats.org/officeDocument/2006/relationships" xmlns:p="http://schemas.openxmlformats.org/presentationml/2006/main">
+  <p:cSld>
+    <p:spTree>
+      <p:nvGrpSpPr>
+        <p:cNvPr id="1" name=""/>
+        <p:cNvGrpSpPr/>
+        <p:nvPr/>
+      </p:nvGrpSpPr>
+      <p:grpSpPr>
+        <a:xfrm>
+          <a:off x="0" y="0"/>
+          <a:ext cx="0" cy="0"/>
+          <a:chOff x="0" y="0"/>
+          <a:chExt cx="0" cy="0"/>
+        </a:xfrm>
+      </p:grpSpPr>
+      <p:sp>
+        <p:nvSpPr>
+          <p:cNvPr id="2" name="Заголовок 1"/>
+          <p:cNvSpPr>
+            <a:spLocks noGrp="1"/>
+          </p:cNvSpPr>
+          <p:nvPr>
+            <p:ph type="title"/>
+          </p:nvPr>
+        </p:nvSpPr>
+        <p:spPr/>
+        <p:txBody>
+          <a:bodyPr/>
+          <a:lstStyle/>
+          <a:p>
+            <a:r>
+              <a:rPr lang="en-US" dirty="0" smtClean="0"/>
+              <a:t>So what is DDD?</a:t>
+            </a:r>
+            <a:endParaRPr lang="en-US" dirty="0"/>
+          </a:p>
+        </p:txBody>
+      </p:sp>
+      <p:sp>
+        <p:nvSpPr>
+          <p:cNvPr id="3" name="Содержимое 2"/>
+          <p:cNvSpPr>
+            <a:spLocks noGrp="1"/>
+          </p:cNvSpPr>
+          <p:nvPr>
+            <p:ph idx="1"/>
+          </p:nvPr>
+        </p:nvSpPr>
+        <p:spPr/>
+        <p:txBody>
+          <a:bodyPr/>
+          <a:lstStyle/>
+          <a:p>
+            <a:r>
+              <a:rPr lang="en-US" dirty="0" smtClean="0"/>
+              <a:t>Is as set of pattern and practices </a:t>
+            </a:r>
+            <a:endParaRPr lang="en-US" dirty="0"/>
+          </a:p>
+        </p:txBody>
+      </p:sp>
     </p:spTree>
   </p:cSld>
   <p:clrMapOvr>
@@ -5468,17 +8164,19 @@
         </p:nvSpPr>
         <p:spPr>
           <a:xfrm>
-            <a:off x="609600" y="2362200"/>
+            <a:off x="457200" y="2362200"/>
             <a:ext cx="8229600" cy="1143000"/>
           </a:xfrm>
         </p:spPr>
         <p:txBody>
-          <a:bodyPr/>
+          <a:bodyPr>
+            <a:normAutofit fontScale="90000"/>
+          </a:bodyPr>
           <a:lstStyle/>
           <a:p>
             <a:r>
               <a:rPr lang="en-US" dirty="0" smtClean="0"/>
-              <a:t>What is DDD?</a:t>
+              <a:t>Domain - particular field of knowledge</a:t>
             </a:r>
             <a:endParaRPr lang="en-US" dirty="0"/>
           </a:p>
@@ -5528,8 +8226,8 @@
         </p:nvSpPr>
         <p:spPr>
           <a:xfrm>
-            <a:off x="457200" y="2362200"/>
-            <a:ext cx="8229600" cy="1143000"/>
+            <a:off x="381000" y="1676400"/>
+            <a:ext cx="8229600" cy="1600200"/>
           </a:xfrm>
         </p:spPr>
         <p:txBody>
@@ -5540,7 +8238,31 @@
           <a:p>
             <a:r>
               <a:rPr lang="en-US" dirty="0" smtClean="0"/>
-              <a:t>Domain - particular field of knowledge</a:t>
+              <a:t>	Complexity of most software projects is understanding the </a:t>
+            </a:r>
+            <a:r>
+              <a:rPr lang="en-US" u="sng" dirty="0" smtClean="0">
+                <a:solidFill>
+                  <a:srgbClr val="009900"/>
+                </a:solidFill>
+              </a:rPr>
+              <a:t>business domain</a:t>
+            </a:r>
+            <a:r>
+              <a:rPr lang="en-US" dirty="0" smtClean="0"/>
+              <a:t> and </a:t>
+            </a:r>
+            <a:r>
+              <a:rPr lang="en-US" dirty="0" smtClean="0">
+                <a:solidFill>
+                  <a:srgbClr val="FF0000"/>
+                </a:solidFill>
+              </a:rPr>
+              <a:t>not a technical </a:t>
+            </a:r>
+            <a:r>
+              <a:rPr lang="en-US" dirty="0" smtClean="0"/>
+              <a:t>one.</a:t>
             </a:r>
             <a:endParaRPr lang="en-US" dirty="0"/>
           </a:p>
@@ -5580,7 +8302,7 @@
       </p:grpSpPr>
       <p:sp>
         <p:nvSpPr>
-          <p:cNvPr id="2" name="Title 1"/>
+          <p:cNvPr id="2" name="Заголовок 1"/>
           <p:cNvSpPr>
             <a:spLocks noGrp="1"/>
           </p:cNvSpPr>
@@ -5590,8 +8312,8 @@
         </p:nvSpPr>
         <p:spPr>
           <a:xfrm>
-            <a:off x="381000" y="1676400"/>
-            <a:ext cx="8229600" cy="1600200"/>
+            <a:off x="228600" y="2514600"/>
+            <a:ext cx="8229600" cy="1143000"/>
           </a:xfrm>
         </p:spPr>
         <p:txBody>
@@ -5602,31 +8324,7 @@
           <a:p>
             <a:r>
               <a:rPr lang="en-US" dirty="0" smtClean="0"/>
-              <a:t>	Complexity of most software projects is understanding the </a:t>
-            </a:r>
-            <a:r>
-              <a:rPr lang="en-US" u="sng" dirty="0" smtClean="0">
-                <a:solidFill>
-                  <a:srgbClr val="009900"/>
-                </a:solidFill>
-              </a:rPr>
-              <a:t>business domain</a:t>
-            </a:r>
-            <a:r>
-              <a:rPr lang="en-US" dirty="0" smtClean="0"/>
-              <a:t> and </a:t>
-            </a:r>
-            <a:r>
-              <a:rPr lang="en-US" dirty="0" smtClean="0">
-                <a:solidFill>
-                  <a:srgbClr val="FF0000"/>
-                </a:solidFill>
-              </a:rPr>
-              <a:t>not a technical </a:t>
-            </a:r>
-            <a:r>
-              <a:rPr lang="en-US" dirty="0" smtClean="0"/>
-              <a:t>one.</a:t>
+              <a:t>Domain Driven Design is based on models.</a:t>
             </a:r>
             <a:endParaRPr lang="en-US" dirty="0"/>
           </a:p>
@@ -5637,13 +8335,6 @@
   <p:clrMapOvr>
     <a:masterClrMapping/>
   </p:clrMapOvr>
-  <p:timing>
-    <p:tnLst>
-      <p:par>
-        <p:cTn id="1" dur="indefinite" restart="never" nodeType="tmRoot"/>
-      </p:par>
-    </p:tnLst>
-  </p:timing>
 </p:sld>
 </file>
 
@@ -5666,7 +8357,7 @@
       </p:grpSpPr>
       <p:sp>
         <p:nvSpPr>
-          <p:cNvPr id="2" name="Title 1"/>
+          <p:cNvPr id="2" name="Заголовок 1"/>
           <p:cNvSpPr>
             <a:spLocks noGrp="1"/>
           </p:cNvSpPr>
@@ -5674,463 +8365,59 @@
             <p:ph type="title"/>
           </p:nvPr>
         </p:nvSpPr>
-        <p:spPr>
+        <p:spPr/>
+        <p:txBody>
+          <a:bodyPr/>
+          <a:lstStyle/>
+          <a:p>
+            <a:r>
+              <a:rPr lang="en-US" dirty="0" smtClean="0"/>
+              <a:t>Atom Model</a:t>
+            </a:r>
+            <a:endParaRPr lang="en-US" dirty="0"/>
+          </a:p>
+        </p:txBody>
+      </p:sp>
+      <p:pic>
+        <p:nvPicPr>
+          <p:cNvPr id="2050" name="Picture 2"/>
+          <p:cNvPicPr>
+            <a:picLocks noGrp="1" noChangeAspect="1" noChangeArrowheads="1"/>
+          </p:cNvPicPr>
+          <p:nvPr>
+            <p:ph idx="1"/>
+          </p:nvPr>
+        </p:nvPicPr>
+        <p:blipFill>
+          <a:blip r:embed="rId3"/>
+          <a:srcRect/>
+          <a:stretch>
+            <a:fillRect/>
+          </a:stretch>
+        </p:blipFill>
+        <p:spPr bwMode="auto">
           <a:xfrm>
-            <a:off x="762000" y="228600"/>
-            <a:ext cx="7010399" cy="808038"/>
-          </a:xfrm>
-        </p:spPr>
-        <p:txBody>
-          <a:bodyPr>
-            <a:normAutofit fontScale="90000"/>
-          </a:bodyPr>
-          <a:lstStyle/>
-          <a:p>
-            <a:r>
-              <a:rPr lang="en-US" dirty="0" smtClean="0"/>
-              <a:t>They are two different worlds!</a:t>
-            </a:r>
-            <a:endParaRPr lang="en-US" dirty="0"/>
-          </a:p>
-        </p:txBody>
-      </p:sp>
-      <p:sp>
-        <p:nvSpPr>
-          <p:cNvPr id="7" name="Rounded Rectangle 6"/>
-          <p:cNvSpPr/>
-          <p:nvPr/>
-        </p:nvSpPr>
-        <p:spPr>
-          <a:xfrm>
-            <a:off x="152400" y="1981200"/>
-            <a:ext cx="2514600" cy="1676400"/>
-          </a:xfrm>
-          <a:prstGeom prst="roundRect">
-            <a:avLst/>
-          </a:prstGeom>
-          <a:gradFill flip="none" rotWithShape="1">
-            <a:gsLst>
-              <a:gs pos="0">
-                <a:schemeClr val="accent1">
-                  <a:tint val="66000"/>
-                  <a:satMod val="160000"/>
-                </a:schemeClr>
-              </a:gs>
-              <a:gs pos="50000">
-                <a:schemeClr val="accent1">
-                  <a:tint val="44500"/>
-                  <a:satMod val="160000"/>
-                </a:schemeClr>
-              </a:gs>
-              <a:gs pos="100000">
-                <a:schemeClr val="accent1">
-                  <a:tint val="23500"/>
-                  <a:satMod val="160000"/>
-                </a:schemeClr>
-              </a:gs>
-            </a:gsLst>
-            <a:lin ang="5400000" scaled="1"/>
-            <a:tileRect/>
-          </a:gradFill>
-        </p:spPr>
-        <p:style>
-          <a:lnRef idx="2">
-            <a:schemeClr val="accent1">
-              <a:shade val="50000"/>
-            </a:schemeClr>
-          </a:lnRef>
-          <a:fillRef idx="1">
-            <a:schemeClr val="accent1"/>
-          </a:fillRef>
-          <a:effectRef idx="0">
-            <a:schemeClr val="accent1"/>
-          </a:effectRef>
-          <a:fontRef idx="minor">
-            <a:schemeClr val="lt1"/>
-          </a:fontRef>
-        </p:style>
-        <p:txBody>
-          <a:bodyPr rtlCol="0" anchor="ctr"/>
-          <a:lstStyle/>
-          <a:p>
-            <a:pPr algn="ctr"/>
-            <a:r>
-              <a:rPr lang="en-US" dirty="0" smtClean="0">
-                <a:solidFill>
-                  <a:schemeClr val="tx1">
-                    <a:lumMod val="95000"/>
-                    <a:lumOff val="5000"/>
-                  </a:schemeClr>
-                </a:solidFill>
-              </a:rPr>
-              <a:t>Business Domain</a:t>
-            </a:r>
-          </a:p>
-          <a:p>
-            <a:pPr algn="ctr"/>
-            <a:r>
-              <a:rPr lang="en-US" dirty="0" smtClean="0">
-                <a:solidFill>
-                  <a:srgbClr val="FF0000"/>
-                </a:solidFill>
-              </a:rPr>
-              <a:t>(business experts)</a:t>
-            </a:r>
-            <a:endParaRPr lang="en-US" dirty="0">
-              <a:solidFill>
-                <a:srgbClr val="FF0000"/>
-              </a:solidFill>
-            </a:endParaRPr>
-          </a:p>
-        </p:txBody>
-      </p:sp>
-      <p:sp>
-        <p:nvSpPr>
-          <p:cNvPr id="10" name="Rounded Rectangle 9"/>
-          <p:cNvSpPr/>
-          <p:nvPr/>
-        </p:nvSpPr>
-        <p:spPr>
-          <a:xfrm>
-            <a:off x="6265464" y="2057400"/>
-            <a:ext cx="2573736" cy="1676400"/>
-          </a:xfrm>
-          <a:prstGeom prst="roundRect">
-            <a:avLst/>
-          </a:prstGeom>
-          <a:gradFill flip="none" rotWithShape="1">
-            <a:gsLst>
-              <a:gs pos="0">
-                <a:schemeClr val="accent1">
-                  <a:tint val="66000"/>
-                  <a:satMod val="160000"/>
-                </a:schemeClr>
-              </a:gs>
-              <a:gs pos="50000">
-                <a:schemeClr val="accent1">
-                  <a:tint val="44500"/>
-                  <a:satMod val="160000"/>
-                </a:schemeClr>
-              </a:gs>
-              <a:gs pos="100000">
-                <a:schemeClr val="accent1">
-                  <a:tint val="23500"/>
-                  <a:satMod val="160000"/>
-                </a:schemeClr>
-              </a:gs>
-            </a:gsLst>
-            <a:lin ang="5400000" scaled="1"/>
-            <a:tileRect/>
-          </a:gradFill>
-        </p:spPr>
-        <p:style>
-          <a:lnRef idx="2">
-            <a:schemeClr val="accent1">
-              <a:shade val="50000"/>
-            </a:schemeClr>
-          </a:lnRef>
-          <a:fillRef idx="1">
-            <a:schemeClr val="accent1"/>
-          </a:fillRef>
-          <a:effectRef idx="0">
-            <a:schemeClr val="accent1"/>
-          </a:effectRef>
-          <a:fontRef idx="minor">
-            <a:schemeClr val="lt1"/>
-          </a:fontRef>
-        </p:style>
-        <p:txBody>
-          <a:bodyPr rtlCol="0" anchor="ctr"/>
-          <a:lstStyle/>
-          <a:p>
-            <a:pPr algn="ctr"/>
-            <a:r>
-              <a:rPr lang="en-US" dirty="0" smtClean="0">
-                <a:solidFill>
-                  <a:schemeClr val="tx1"/>
-                </a:solidFill>
-              </a:rPr>
-              <a:t>Software Development</a:t>
-            </a:r>
-          </a:p>
-          <a:p>
-            <a:pPr algn="ctr"/>
-            <a:r>
-              <a:rPr lang="en-US" dirty="0" smtClean="0">
-                <a:solidFill>
-                  <a:srgbClr val="FF0000"/>
-                </a:solidFill>
-              </a:rPr>
-              <a:t>(development team)</a:t>
-            </a:r>
-            <a:endParaRPr lang="en-US" dirty="0">
-              <a:solidFill>
-                <a:srgbClr val="FF0000"/>
-              </a:solidFill>
-            </a:endParaRPr>
-          </a:p>
-        </p:txBody>
-      </p:sp>
-      <p:sp>
-        <p:nvSpPr>
-          <p:cNvPr id="12" name="Left-Right Arrow 11"/>
-          <p:cNvSpPr/>
-          <p:nvPr/>
-        </p:nvSpPr>
-        <p:spPr>
-          <a:xfrm>
-            <a:off x="2514600" y="2281535"/>
-            <a:ext cx="3810000" cy="1066800"/>
-          </a:xfrm>
-          <a:prstGeom prst="leftRightArrow">
-            <a:avLst/>
-          </a:prstGeom>
-          <a:solidFill>
-            <a:schemeClr val="accent3">
-              <a:lumMod val="20000"/>
-              <a:lumOff val="80000"/>
-            </a:schemeClr>
-          </a:solidFill>
-        </p:spPr>
-        <p:style>
-          <a:lnRef idx="2">
-            <a:schemeClr val="accent1">
-              <a:shade val="50000"/>
-            </a:schemeClr>
-          </a:lnRef>
-          <a:fillRef idx="1">
-            <a:schemeClr val="accent1"/>
-          </a:fillRef>
-          <a:effectRef idx="0">
-            <a:schemeClr val="accent1"/>
-          </a:effectRef>
-          <a:fontRef idx="minor">
-            <a:schemeClr val="lt1"/>
-          </a:fontRef>
-        </p:style>
-        <p:txBody>
-          <a:bodyPr rtlCol="0" anchor="ctr"/>
-          <a:lstStyle/>
-          <a:p>
-            <a:pPr algn="ctr"/>
-            <a:r>
-              <a:rPr lang="en-US" dirty="0" smtClean="0">
-                <a:solidFill>
-                  <a:srgbClr val="009900"/>
-                </a:solidFill>
-              </a:rPr>
-              <a:t>We need to bring them </a:t>
-            </a:r>
-            <a:r>
-              <a:rPr lang="en-US" dirty="0" smtClean="0">
-                <a:solidFill>
-                  <a:srgbClr val="009900"/>
-                </a:solidFill>
-              </a:rPr>
-              <a:t>together</a:t>
-            </a:r>
-          </a:p>
-          <a:p>
-            <a:pPr algn="ctr"/>
-            <a:r>
-              <a:rPr lang="en-US" dirty="0" smtClean="0">
-                <a:solidFill>
-                  <a:srgbClr val="009900"/>
-                </a:solidFill>
-              </a:rPr>
-              <a:t>(business domain &amp; technical)</a:t>
-            </a:r>
-            <a:endParaRPr lang="en-US" dirty="0">
-              <a:solidFill>
-                <a:srgbClr val="009900"/>
-              </a:solidFill>
-            </a:endParaRPr>
-          </a:p>
-        </p:txBody>
-      </p:sp>
-      <p:sp>
-        <p:nvSpPr>
-          <p:cNvPr id="13" name="TextBox 12"/>
-          <p:cNvSpPr txBox="1"/>
-          <p:nvPr/>
-        </p:nvSpPr>
-        <p:spPr>
-          <a:xfrm>
-            <a:off x="533400" y="4034135"/>
-            <a:ext cx="8229600" cy="461665"/>
+            <a:off x="2667000" y="2677319"/>
+            <a:ext cx="3810000" cy="2371725"/>
           </a:xfrm>
           <a:prstGeom prst="rect">
             <a:avLst/>
           </a:prstGeom>
           <a:noFill/>
+          <a:ln w="9525">
+            <a:noFill/>
+            <a:miter lim="800000"/>
+            <a:headEnd/>
+            <a:tailEnd/>
+          </a:ln>
+          <a:effectLst/>
         </p:spPr>
-        <p:txBody>
-          <a:bodyPr wrap="square" rtlCol="0">
-            <a:spAutoFit/>
-          </a:bodyPr>
-          <a:lstStyle/>
-          <a:p>
-            <a:r>
-              <a:rPr lang="en-US" sz="2400" dirty="0" smtClean="0">
-                <a:solidFill>
-                  <a:srgbClr val="009900"/>
-                </a:solidFill>
-              </a:rPr>
-              <a:t>Successes depends on “how well you bring them together”</a:t>
-            </a:r>
-            <a:endParaRPr lang="en-US" sz="2400" dirty="0">
-              <a:solidFill>
-                <a:srgbClr val="009900"/>
-              </a:solidFill>
-            </a:endParaRPr>
-          </a:p>
-        </p:txBody>
-      </p:sp>
+      </p:pic>
     </p:spTree>
   </p:cSld>
   <p:clrMapOvr>
     <a:masterClrMapping/>
   </p:clrMapOvr>
-  <p:timing>
-    <p:tnLst>
-      <p:par>
-        <p:cTn id="1" dur="indefinite" restart="never" nodeType="tmRoot">
-          <p:childTnLst>
-            <p:seq concurrent="1" nextAc="seek">
-              <p:cTn id="2" dur="indefinite" nodeType="mainSeq">
-                <p:childTnLst>
-                  <p:par>
-                    <p:cTn id="3" fill="hold">
-                      <p:stCondLst>
-                        <p:cond delay="indefinite"/>
-                      </p:stCondLst>
-                      <p:childTnLst>
-                        <p:par>
-                          <p:cTn id="4" fill="hold">
-                            <p:stCondLst>
-                              <p:cond delay="0"/>
-                            </p:stCondLst>
-                            <p:childTnLst>
-                              <p:par>
-                                <p:cTn id="5" presetID="4" presetClass="entr" presetSubtype="16" fill="hold" grpId="0" nodeType="clickEffect">
-                                  <p:stCondLst>
-                                    <p:cond delay="0"/>
-                                  </p:stCondLst>
-                                  <p:childTnLst>
-                                    <p:set>
-                                      <p:cBhvr>
-                                        <p:cTn id="6" dur="1" fill="hold">
-                                          <p:stCondLst>
-                                            <p:cond delay="0"/>
-                                          </p:stCondLst>
-                                        </p:cTn>
-                                        <p:tgtEl>
-                                          <p:spTgt spid="12"/>
-                                        </p:tgtEl>
-                                        <p:attrNameLst>
-                                          <p:attrName>style.visibility</p:attrName>
-                                        </p:attrNameLst>
-                                      </p:cBhvr>
-                                      <p:to>
-                                        <p:strVal val="visible"/>
-                                      </p:to>
-                                    </p:set>
-                                    <p:animEffect transition="in" filter="box(in)">
-                                      <p:cBhvr>
-                                        <p:cTn id="7" dur="500"/>
-                                        <p:tgtEl>
-                                          <p:spTgt spid="12"/>
-                                        </p:tgtEl>
-                                      </p:cBhvr>
-                                    </p:animEffect>
-                                  </p:childTnLst>
-                                </p:cTn>
-                              </p:par>
-                            </p:childTnLst>
-                          </p:cTn>
-                        </p:par>
-                      </p:childTnLst>
-                    </p:cTn>
-                  </p:par>
-                  <p:par>
-                    <p:cTn id="8" fill="hold">
-                      <p:stCondLst>
-                        <p:cond delay="indefinite"/>
-                      </p:stCondLst>
-                      <p:childTnLst>
-                        <p:par>
-                          <p:cTn id="9" fill="hold">
-                            <p:stCondLst>
-                              <p:cond delay="0"/>
-                            </p:stCondLst>
-                            <p:childTnLst>
-                              <p:par>
-                                <p:cTn id="10" presetID="4" presetClass="entr" presetSubtype="16" fill="hold" grpId="0" nodeType="clickEffect">
-                                  <p:stCondLst>
-                                    <p:cond delay="0"/>
-                                  </p:stCondLst>
-                                  <p:childTnLst>
-                                    <p:set>
-                                      <p:cBhvr>
-                                        <p:cTn id="11" dur="1" fill="hold">
-                                          <p:stCondLst>
-                                            <p:cond delay="0"/>
-                                          </p:stCondLst>
-                                        </p:cTn>
-                                        <p:tgtEl>
-                                          <p:spTgt spid="13"/>
-                                        </p:tgtEl>
-                                        <p:attrNameLst>
-                                          <p:attrName>style.visibility</p:attrName>
-                                        </p:attrNameLst>
-                                      </p:cBhvr>
-                                      <p:to>
-                                        <p:strVal val="visible"/>
-                                      </p:to>
-                                    </p:set>
-                                    <p:animEffect transition="in" filter="box(in)">
-                                      <p:cBhvr>
-                                        <p:cTn id="12" dur="500"/>
-                                        <p:tgtEl>
-                                          <p:spTgt spid="13"/>
-                                        </p:tgtEl>
-                                      </p:cBhvr>
-                                    </p:animEffect>
-                                  </p:childTnLst>
-                                </p:cTn>
-                              </p:par>
-                            </p:childTnLst>
-                          </p:cTn>
-                        </p:par>
-                      </p:childTnLst>
-                    </p:cTn>
-                  </p:par>
-                </p:childTnLst>
-              </p:cTn>
-              <p:prevCondLst>
-                <p:cond evt="onPrev" delay="0">
-                  <p:tgtEl>
-                    <p:sldTgt/>
-                  </p:tgtEl>
-                </p:cond>
-              </p:prevCondLst>
-              <p:nextCondLst>
-                <p:cond evt="onNext" delay="0">
-                  <p:tgtEl>
-                    <p:sldTgt/>
-                  </p:tgtEl>
-                </p:cond>
-              </p:nextCondLst>
-            </p:seq>
-          </p:childTnLst>
-        </p:cTn>
-      </p:par>
-    </p:tnLst>
-    <p:bldLst>
-      <p:bldP spid="12" grpId="0" animBg="1"/>
-      <p:bldP spid="13" grpId="0"/>
-    </p:bldLst>
-  </p:timing>
 </p:sld>
 </file>
 
@@ -6153,7 +8440,7 @@
       </p:grpSpPr>
       <p:sp>
         <p:nvSpPr>
-          <p:cNvPr id="2" name="Title 1"/>
+          <p:cNvPr id="2" name="Заголовок 1"/>
           <p:cNvSpPr>
             <a:spLocks noGrp="1"/>
           </p:cNvSpPr>
@@ -6168,43 +8455,52 @@
           <a:p>
             <a:r>
               <a:rPr lang="en-US" dirty="0" smtClean="0"/>
-              <a:t>A: How we bring them together?</a:t>
+              <a:t>Even Music has a Model</a:t>
             </a:r>
             <a:endParaRPr lang="en-US" dirty="0"/>
           </a:p>
         </p:txBody>
       </p:sp>
-      <p:sp>
-        <p:nvSpPr>
-          <p:cNvPr id="3" name="Content Placeholder 2"/>
-          <p:cNvSpPr>
-            <a:spLocks noGrp="1"/>
-          </p:cNvSpPr>
+      <p:pic>
+        <p:nvPicPr>
+          <p:cNvPr id="2050" name="Picture 2"/>
+          <p:cNvPicPr>
+            <a:picLocks noGrp="1" noChangeAspect="1" noChangeArrowheads="1"/>
+          </p:cNvPicPr>
           <p:nvPr>
             <p:ph idx="1"/>
           </p:nvPr>
-        </p:nvSpPr>
-        <p:spPr/>
-        <p:txBody>
-          <a:bodyPr/>
-          <a:lstStyle/>
-          <a:p>
-            <a:endParaRPr lang="en-US" dirty="0"/>
-          </a:p>
-        </p:txBody>
-      </p:sp>
+        </p:nvPicPr>
+        <p:blipFill>
+          <a:blip r:embed="rId3"/>
+          <a:srcRect/>
+          <a:stretch>
+            <a:fillRect/>
+          </a:stretch>
+        </p:blipFill>
+        <p:spPr bwMode="auto">
+          <a:xfrm>
+            <a:off x="1219200" y="1905000"/>
+            <a:ext cx="5943600" cy="3429000"/>
+          </a:xfrm>
+          <a:prstGeom prst="rect">
+            <a:avLst/>
+          </a:prstGeom>
+          <a:noFill/>
+          <a:ln w="9525">
+            <a:noFill/>
+            <a:miter lim="800000"/>
+            <a:headEnd/>
+            <a:tailEnd/>
+          </a:ln>
+          <a:effectLst/>
+        </p:spPr>
+      </p:pic>
     </p:spTree>
   </p:cSld>
   <p:clrMapOvr>
     <a:masterClrMapping/>
   </p:clrMapOvr>
-  <p:timing>
-    <p:tnLst>
-      <p:par>
-        <p:cTn id="1" dur="indefinite" restart="never" nodeType="tmRoot"/>
-      </p:par>
-    </p:tnLst>
-  </p:timing>
 </p:sld>
 </file>
 
@@ -6227,7 +8523,7 @@
       </p:grpSpPr>
       <p:sp>
         <p:nvSpPr>
-          <p:cNvPr id="2" name="Title 1"/>
+          <p:cNvPr id="2" name="Заголовок 1"/>
           <p:cNvSpPr>
             <a:spLocks noGrp="1"/>
           </p:cNvSpPr>
@@ -6235,7 +8531,12 @@
             <p:ph type="title"/>
           </p:nvPr>
         </p:nvSpPr>
-        <p:spPr/>
+        <p:spPr>
+          <a:xfrm>
+            <a:off x="457200" y="2438400"/>
+            <a:ext cx="8229600" cy="1143000"/>
+          </a:xfrm>
+        </p:spPr>
         <p:txBody>
           <a:bodyPr>
             <a:normAutofit fontScale="90000"/>
@@ -6244,371 +8545,21 @@
           <a:p>
             <a:r>
               <a:rPr lang="en-US" dirty="0" smtClean="0"/>
-              <a:t>We need common view and language!</a:t>
+              <a:t>The key to controlling complexity is a good </a:t>
+            </a:r>
+            <a:r>
+              <a:rPr lang="en-US" dirty="0" smtClean="0">
+                <a:solidFill>
+                  <a:srgbClr val="009900"/>
+                </a:solidFill>
+              </a:rPr>
+              <a:t>domain model</a:t>
+            </a:r>
+            <a:r>
+              <a:rPr lang="en-US" dirty="0" smtClean="0"/>
+              <a:t>.</a:t>
             </a:r>
             <a:endParaRPr lang="en-US" dirty="0"/>
-          </a:p>
-        </p:txBody>
-      </p:sp>
-      <p:sp>
-        <p:nvSpPr>
-          <p:cNvPr id="7" name="Rounded Rectangle 6"/>
-          <p:cNvSpPr/>
-          <p:nvPr/>
-        </p:nvSpPr>
-        <p:spPr>
-          <a:xfrm>
-            <a:off x="838200" y="2819400"/>
-            <a:ext cx="2057400" cy="1676400"/>
-          </a:xfrm>
-          <a:prstGeom prst="roundRect">
-            <a:avLst/>
-          </a:prstGeom>
-          <a:gradFill flip="none" rotWithShape="1">
-            <a:gsLst>
-              <a:gs pos="0">
-                <a:schemeClr val="accent1">
-                  <a:tint val="66000"/>
-                  <a:satMod val="160000"/>
-                </a:schemeClr>
-              </a:gs>
-              <a:gs pos="50000">
-                <a:schemeClr val="accent1">
-                  <a:tint val="44500"/>
-                  <a:satMod val="160000"/>
-                </a:schemeClr>
-              </a:gs>
-              <a:gs pos="100000">
-                <a:schemeClr val="accent1">
-                  <a:tint val="23500"/>
-                  <a:satMod val="160000"/>
-                </a:schemeClr>
-              </a:gs>
-            </a:gsLst>
-            <a:lin ang="5400000" scaled="1"/>
-            <a:tileRect/>
-          </a:gradFill>
-        </p:spPr>
-        <p:style>
-          <a:lnRef idx="2">
-            <a:schemeClr val="accent1">
-              <a:shade val="50000"/>
-            </a:schemeClr>
-          </a:lnRef>
-          <a:fillRef idx="1">
-            <a:schemeClr val="accent1"/>
-          </a:fillRef>
-          <a:effectRef idx="0">
-            <a:schemeClr val="accent1"/>
-          </a:effectRef>
-          <a:fontRef idx="minor">
-            <a:schemeClr val="lt1"/>
-          </a:fontRef>
-        </p:style>
-        <p:txBody>
-          <a:bodyPr rtlCol="0" anchor="ctr"/>
-          <a:lstStyle/>
-          <a:p>
-            <a:pPr algn="ctr"/>
-            <a:r>
-              <a:rPr lang="en-US" dirty="0" smtClean="0">
-                <a:solidFill>
-                  <a:schemeClr val="tx1"/>
-                </a:solidFill>
-              </a:rPr>
-              <a:t>Business</a:t>
-            </a:r>
-            <a:r>
-              <a:rPr lang="en-US" dirty="0" smtClean="0"/>
-              <a:t> </a:t>
-            </a:r>
-            <a:r>
-              <a:rPr lang="en-US" b="1" dirty="0" smtClean="0">
-                <a:solidFill>
-                  <a:srgbClr val="009900"/>
-                </a:solidFill>
-              </a:rPr>
-              <a:t>Domain</a:t>
-            </a:r>
-            <a:endParaRPr lang="en-US" b="1" dirty="0">
-              <a:solidFill>
-                <a:srgbClr val="009900"/>
-              </a:solidFill>
-            </a:endParaRPr>
-          </a:p>
-        </p:txBody>
-      </p:sp>
-      <p:sp>
-        <p:nvSpPr>
-          <p:cNvPr id="9" name="Rounded Rectangle 8"/>
-          <p:cNvSpPr/>
-          <p:nvPr/>
-        </p:nvSpPr>
-        <p:spPr>
-          <a:xfrm>
-            <a:off x="3352800" y="2819400"/>
-            <a:ext cx="2895600" cy="1676400"/>
-          </a:xfrm>
-          <a:prstGeom prst="roundRect">
-            <a:avLst/>
-          </a:prstGeom>
-          <a:gradFill flip="none" rotWithShape="1">
-            <a:gsLst>
-              <a:gs pos="0">
-                <a:schemeClr val="accent1">
-                  <a:tint val="66000"/>
-                  <a:satMod val="160000"/>
-                </a:schemeClr>
-              </a:gs>
-              <a:gs pos="50000">
-                <a:schemeClr val="accent1">
-                  <a:tint val="44500"/>
-                  <a:satMod val="160000"/>
-                </a:schemeClr>
-              </a:gs>
-              <a:gs pos="100000">
-                <a:schemeClr val="accent1">
-                  <a:tint val="23500"/>
-                  <a:satMod val="160000"/>
-                </a:schemeClr>
-              </a:gs>
-            </a:gsLst>
-            <a:lin ang="5400000" scaled="1"/>
-            <a:tileRect/>
-          </a:gradFill>
-        </p:spPr>
-        <p:style>
-          <a:lnRef idx="2">
-            <a:schemeClr val="accent1">
-              <a:shade val="50000"/>
-            </a:schemeClr>
-          </a:lnRef>
-          <a:fillRef idx="1">
-            <a:schemeClr val="accent1"/>
-          </a:fillRef>
-          <a:effectRef idx="0">
-            <a:schemeClr val="accent1"/>
-          </a:effectRef>
-          <a:fontRef idx="minor">
-            <a:schemeClr val="lt1"/>
-          </a:fontRef>
-        </p:style>
-        <p:txBody>
-          <a:bodyPr rtlCol="0" anchor="ctr"/>
-          <a:lstStyle/>
-          <a:p>
-            <a:pPr algn="ctr"/>
-            <a:r>
-              <a:rPr lang="en-US" b="1" dirty="0" smtClean="0">
-                <a:solidFill>
-                  <a:srgbClr val="009900"/>
-                </a:solidFill>
-              </a:rPr>
-              <a:t>Domain</a:t>
-            </a:r>
-            <a:r>
-              <a:rPr lang="en-US" dirty="0" smtClean="0">
-                <a:solidFill>
-                  <a:srgbClr val="7030A0"/>
-                </a:solidFill>
-              </a:rPr>
-              <a:t> </a:t>
-            </a:r>
-            <a:r>
-              <a:rPr lang="en-US" b="1" dirty="0" smtClean="0">
-                <a:solidFill>
-                  <a:srgbClr val="7030A0"/>
-                </a:solidFill>
-              </a:rPr>
-              <a:t>Model</a:t>
-            </a:r>
-          </a:p>
-          <a:p>
-            <a:pPr algn="ctr"/>
-            <a:r>
-              <a:rPr lang="en-US" b="1" dirty="0" smtClean="0">
-                <a:solidFill>
-                  <a:schemeClr val="tx1"/>
-                </a:solidFill>
-              </a:rPr>
-              <a:t>&amp;</a:t>
-            </a:r>
-          </a:p>
-          <a:p>
-            <a:pPr algn="ctr"/>
-            <a:r>
-              <a:rPr lang="en-US" b="1" dirty="0" smtClean="0">
-                <a:solidFill>
-                  <a:schemeClr val="accent1">
-                    <a:lumMod val="50000"/>
-                  </a:schemeClr>
-                </a:solidFill>
-              </a:rPr>
-              <a:t>Ubiquities Language</a:t>
-            </a:r>
-            <a:endParaRPr lang="en-US" b="1" dirty="0">
-              <a:solidFill>
-                <a:schemeClr val="accent1">
-                  <a:lumMod val="50000"/>
-                </a:schemeClr>
-              </a:solidFill>
-            </a:endParaRPr>
-          </a:p>
-        </p:txBody>
-      </p:sp>
-      <p:sp>
-        <p:nvSpPr>
-          <p:cNvPr id="10" name="Rounded Rectangle 9"/>
-          <p:cNvSpPr/>
-          <p:nvPr/>
-        </p:nvSpPr>
-        <p:spPr>
-          <a:xfrm>
-            <a:off x="6553200" y="2743200"/>
-            <a:ext cx="2057400" cy="1676400"/>
-          </a:xfrm>
-          <a:prstGeom prst="roundRect">
-            <a:avLst/>
-          </a:prstGeom>
-          <a:gradFill flip="none" rotWithShape="1">
-            <a:gsLst>
-              <a:gs pos="0">
-                <a:schemeClr val="accent1">
-                  <a:tint val="66000"/>
-                  <a:satMod val="160000"/>
-                </a:schemeClr>
-              </a:gs>
-              <a:gs pos="50000">
-                <a:schemeClr val="accent1">
-                  <a:tint val="44500"/>
-                  <a:satMod val="160000"/>
-                </a:schemeClr>
-              </a:gs>
-              <a:gs pos="100000">
-                <a:schemeClr val="accent1">
-                  <a:tint val="23500"/>
-                  <a:satMod val="160000"/>
-                </a:schemeClr>
-              </a:gs>
-            </a:gsLst>
-            <a:lin ang="5400000" scaled="1"/>
-            <a:tileRect/>
-          </a:gradFill>
-        </p:spPr>
-        <p:style>
-          <a:lnRef idx="2">
-            <a:schemeClr val="accent1">
-              <a:shade val="50000"/>
-            </a:schemeClr>
-          </a:lnRef>
-          <a:fillRef idx="1">
-            <a:schemeClr val="accent1"/>
-          </a:fillRef>
-          <a:effectRef idx="0">
-            <a:schemeClr val="accent1"/>
-          </a:effectRef>
-          <a:fontRef idx="minor">
-            <a:schemeClr val="lt1"/>
-          </a:fontRef>
-        </p:style>
-        <p:txBody>
-          <a:bodyPr rtlCol="0" anchor="ctr"/>
-          <a:lstStyle/>
-          <a:p>
-            <a:pPr algn="ctr"/>
-            <a:r>
-              <a:rPr lang="en-US" dirty="0" smtClean="0">
-                <a:solidFill>
-                  <a:schemeClr val="tx1"/>
-                </a:solidFill>
-              </a:rPr>
-              <a:t>Software Development</a:t>
-            </a:r>
-            <a:endParaRPr lang="en-US" dirty="0">
-              <a:solidFill>
-                <a:schemeClr val="tx1"/>
-              </a:solidFill>
-            </a:endParaRPr>
-          </a:p>
-        </p:txBody>
-      </p:sp>
-      <p:sp>
-        <p:nvSpPr>
-          <p:cNvPr id="6" name="Стрелка вправо 5"/>
-          <p:cNvSpPr/>
-          <p:nvPr/>
-        </p:nvSpPr>
-        <p:spPr>
-          <a:xfrm rot="-10800000">
-            <a:off x="2895600" y="4038600"/>
-            <a:ext cx="3657600" cy="228600"/>
-          </a:xfrm>
-          <a:prstGeom prst="rightArrow">
-            <a:avLst/>
-          </a:prstGeom>
-        </p:spPr>
-        <p:style>
-          <a:lnRef idx="2">
-            <a:schemeClr val="accent1">
-              <a:shade val="50000"/>
-            </a:schemeClr>
-          </a:lnRef>
-          <a:fillRef idx="1">
-            <a:schemeClr val="accent1"/>
-          </a:fillRef>
-          <a:effectRef idx="0">
-            <a:schemeClr val="accent1"/>
-          </a:effectRef>
-          <a:fontRef idx="minor">
-            <a:schemeClr val="lt1"/>
-          </a:fontRef>
-        </p:style>
-        <p:txBody>
-          <a:bodyPr rtlCol="0" anchor="ctr"/>
-          <a:lstStyle/>
-          <a:p>
-            <a:pPr algn="ctr"/>
-            <a:endParaRPr lang="en-US"/>
-          </a:p>
-        </p:txBody>
-      </p:sp>
-      <p:sp>
-        <p:nvSpPr>
-          <p:cNvPr id="8" name="Стрелка вправо 7"/>
-          <p:cNvSpPr/>
-          <p:nvPr/>
-        </p:nvSpPr>
-        <p:spPr>
-          <a:xfrm>
-            <a:off x="2897872" y="3044568"/>
-            <a:ext cx="3657600" cy="228600"/>
-          </a:xfrm>
-          <a:prstGeom prst="rightArrow">
-            <a:avLst/>
-          </a:prstGeom>
-        </p:spPr>
-        <p:style>
-          <a:lnRef idx="2">
-            <a:schemeClr val="accent1">
-              <a:shade val="50000"/>
-            </a:schemeClr>
-          </a:lnRef>
-          <a:fillRef idx="1">
-            <a:schemeClr val="accent1"/>
-          </a:fillRef>
-          <a:effectRef idx="0">
-            <a:schemeClr val="accent1"/>
-          </a:effectRef>
-          <a:fontRef idx="minor">
-            <a:schemeClr val="lt1"/>
-          </a:fontRef>
-        </p:style>
-        <p:txBody>
-          <a:bodyPr rtlCol="0" anchor="ctr"/>
-          <a:lstStyle/>
-          <a:p>
-            <a:pPr algn="ctr"/>
-            <a:endParaRPr lang="en-US"/>
           </a:p>
         </p:txBody>
       </p:sp>
@@ -6617,13 +8568,6 @@
   <p:clrMapOvr>
     <a:masterClrMapping/>
   </p:clrMapOvr>
-  <p:timing>
-    <p:tnLst>
-      <p:par>
-        <p:cTn id="1" dur="indefinite" restart="never" nodeType="tmRoot"/>
-      </p:par>
-    </p:tnLst>
-  </p:timing>
 </p:sld>
 </file>
 

--- a/Domain-DrivenDesign.A.Trosin.pptx
+++ b/Domain-DrivenDesign.A.Trosin.pptx
@@ -2491,6 +2491,49 @@
                 <a:ea typeface="+mn-ea"/>
                 <a:cs typeface="+mn-cs"/>
               </a:rPr>
+              <a:t>Projects that have no domain model at all, but just write code to fulfill one function after another,</a:t>
+            </a:r>
+          </a:p>
+          <a:p>
+            <a:r>
+              <a:rPr lang="en-US" sz="1200" kern="1200" baseline="0" dirty="0" smtClean="0">
+                <a:solidFill>
+                  <a:schemeClr val="tx1"/>
+                </a:solidFill>
+                <a:latin typeface="+mn-lt"/>
+                <a:ea typeface="+mn-ea"/>
+                <a:cs typeface="+mn-cs"/>
+              </a:rPr>
+              <a:t>gain few of the advantages of knowledge crunching and communication discussed in the previous</a:t>
+            </a:r>
+          </a:p>
+          <a:p>
+            <a:r>
+              <a:rPr lang="en-US" sz="1200" kern="1200" baseline="0" dirty="0" smtClean="0">
+                <a:solidFill>
+                  <a:schemeClr val="tx1"/>
+                </a:solidFill>
+                <a:latin typeface="+mn-lt"/>
+                <a:ea typeface="+mn-ea"/>
+                <a:cs typeface="+mn-cs"/>
+              </a:rPr>
+              <a:t>two chapters. A complex domain will swamp them.</a:t>
+            </a:r>
+            <a:endParaRPr lang="en-US" dirty="0" smtClean="0"/>
+          </a:p>
+          <a:p>
+            <a:endParaRPr lang="en-US" baseline="0" dirty="0" smtClean="0"/>
+          </a:p>
+          <a:p>
+            <a:r>
+              <a:rPr lang="en-US" sz="1200" kern="1200" baseline="0" dirty="0" smtClean="0">
+                <a:solidFill>
+                  <a:schemeClr val="tx1"/>
+                </a:solidFill>
+                <a:latin typeface="+mn-lt"/>
+                <a:ea typeface="+mn-ea"/>
+                <a:cs typeface="+mn-cs"/>
+              </a:rPr>
               <a:t>The key to controlling complexity is a good domain model, a model that goes beyond a surface</a:t>
             </a:r>
           </a:p>
@@ -2530,9 +2573,29 @@
                 <a:ea typeface="+mn-ea"/>
                 <a:cs typeface="+mn-cs"/>
               </a:rPr>
-              <a:t>easy to make. Few people can do it well, and it's very hard to teach.</a:t>
-            </a:r>
-            <a:endParaRPr lang="en-US" dirty="0" smtClean="0"/>
+              <a:t>easy to make. Few people can do it well, and it's very hard to teach</a:t>
+            </a:r>
+            <a:r>
+              <a:rPr lang="en-US" sz="1200" kern="1200" baseline="0" dirty="0" smtClean="0">
+                <a:solidFill>
+                  <a:schemeClr val="tx1"/>
+                </a:solidFill>
+                <a:latin typeface="+mn-lt"/>
+                <a:ea typeface="+mn-ea"/>
+                <a:cs typeface="+mn-cs"/>
+              </a:rPr>
+              <a:t>.</a:t>
+            </a:r>
+          </a:p>
+          <a:p>
+            <a:endParaRPr lang="en-US" sz="1200" kern="1200" baseline="0" dirty="0" smtClean="0">
+              <a:solidFill>
+                <a:schemeClr val="tx1"/>
+              </a:solidFill>
+              <a:latin typeface="+mn-lt"/>
+              <a:ea typeface="+mn-ea"/>
+              <a:cs typeface="+mn-cs"/>
+            </a:endParaRPr>
           </a:p>
           <a:p>
             <a:endParaRPr lang="en-US" dirty="0"/>

--- a/Domain-DrivenDesign.A.Trosin.pptx
+++ b/Domain-DrivenDesign.A.Trosin.pptx
@@ -210,7 +210,7 @@
             <a:fld id="{A4B025BB-2E79-40D8-8C4B-B985B2186BF8}" type="datetimeFigureOut">
               <a:rPr lang="en-US" smtClean="0"/>
               <a:pPr/>
-              <a:t>4/12/2009</a:t>
+              <a:t>4/13/2009</a:t>
             </a:fld>
             <a:endParaRPr lang="en-US" dirty="0"/>
           </a:p>
@@ -2573,18 +2573,7 @@
                 <a:ea typeface="+mn-ea"/>
                 <a:cs typeface="+mn-cs"/>
               </a:rPr>
-              <a:t>easy to make. Few people can do it well, and it's very hard to teach</a:t>
-            </a:r>
-            <a:r>
-              <a:rPr lang="en-US" sz="1200" kern="1200" baseline="0" dirty="0" smtClean="0">
-                <a:solidFill>
-                  <a:schemeClr val="tx1"/>
-                </a:solidFill>
-                <a:latin typeface="+mn-lt"/>
-                <a:ea typeface="+mn-ea"/>
-                <a:cs typeface="+mn-cs"/>
-              </a:rPr>
-              <a:t>.</a:t>
+              <a:t>easy to make. Few people can do it well, and it's very hard to teach.</a:t>
             </a:r>
           </a:p>
           <a:p>
@@ -3090,7 +3079,7 @@
             <a:fld id="{692DA68B-07B5-4D40-903F-69FBB0125CEF}" type="datetimeFigureOut">
               <a:rPr lang="en-US" smtClean="0"/>
               <a:pPr/>
-              <a:t>4/12/2009</a:t>
+              <a:t>4/13/2009</a:t>
             </a:fld>
             <a:endParaRPr lang="en-US" dirty="0"/>
           </a:p>
@@ -3257,7 +3246,7 @@
             <a:fld id="{692DA68B-07B5-4D40-903F-69FBB0125CEF}" type="datetimeFigureOut">
               <a:rPr lang="en-US" smtClean="0"/>
               <a:pPr/>
-              <a:t>4/12/2009</a:t>
+              <a:t>4/13/2009</a:t>
             </a:fld>
             <a:endParaRPr lang="en-US" dirty="0"/>
           </a:p>
@@ -3434,7 +3423,7 @@
             <a:fld id="{692DA68B-07B5-4D40-903F-69FBB0125CEF}" type="datetimeFigureOut">
               <a:rPr lang="en-US" smtClean="0"/>
               <a:pPr/>
-              <a:t>4/12/2009</a:t>
+              <a:t>4/13/2009</a:t>
             </a:fld>
             <a:endParaRPr lang="en-US" dirty="0"/>
           </a:p>
@@ -3601,7 +3590,7 @@
             <a:fld id="{692DA68B-07B5-4D40-903F-69FBB0125CEF}" type="datetimeFigureOut">
               <a:rPr lang="en-US" smtClean="0"/>
               <a:pPr/>
-              <a:t>4/12/2009</a:t>
+              <a:t>4/13/2009</a:t>
             </a:fld>
             <a:endParaRPr lang="en-US" dirty="0"/>
           </a:p>
@@ -3844,7 +3833,7 @@
             <a:fld id="{692DA68B-07B5-4D40-903F-69FBB0125CEF}" type="datetimeFigureOut">
               <a:rPr lang="en-US" smtClean="0"/>
               <a:pPr/>
-              <a:t>4/12/2009</a:t>
+              <a:t>4/13/2009</a:t>
             </a:fld>
             <a:endParaRPr lang="en-US" dirty="0"/>
           </a:p>
@@ -4129,7 +4118,7 @@
             <a:fld id="{692DA68B-07B5-4D40-903F-69FBB0125CEF}" type="datetimeFigureOut">
               <a:rPr lang="en-US" smtClean="0"/>
               <a:pPr/>
-              <a:t>4/12/2009</a:t>
+              <a:t>4/13/2009</a:t>
             </a:fld>
             <a:endParaRPr lang="en-US" dirty="0"/>
           </a:p>
@@ -4548,7 +4537,7 @@
             <a:fld id="{692DA68B-07B5-4D40-903F-69FBB0125CEF}" type="datetimeFigureOut">
               <a:rPr lang="en-US" smtClean="0"/>
               <a:pPr/>
-              <a:t>4/12/2009</a:t>
+              <a:t>4/13/2009</a:t>
             </a:fld>
             <a:endParaRPr lang="en-US" dirty="0"/>
           </a:p>
@@ -4663,7 +4652,7 @@
             <a:fld id="{692DA68B-07B5-4D40-903F-69FBB0125CEF}" type="datetimeFigureOut">
               <a:rPr lang="en-US" smtClean="0"/>
               <a:pPr/>
-              <a:t>4/12/2009</a:t>
+              <a:t>4/13/2009</a:t>
             </a:fld>
             <a:endParaRPr lang="en-US" dirty="0"/>
           </a:p>
@@ -4755,7 +4744,7 @@
             <a:fld id="{692DA68B-07B5-4D40-903F-69FBB0125CEF}" type="datetimeFigureOut">
               <a:rPr lang="en-US" smtClean="0"/>
               <a:pPr/>
-              <a:t>4/12/2009</a:t>
+              <a:t>4/13/2009</a:t>
             </a:fld>
             <a:endParaRPr lang="en-US" dirty="0"/>
           </a:p>
@@ -5029,7 +5018,7 @@
             <a:fld id="{692DA68B-07B5-4D40-903F-69FBB0125CEF}" type="datetimeFigureOut">
               <a:rPr lang="en-US" smtClean="0"/>
               <a:pPr/>
-              <a:t>4/12/2009</a:t>
+              <a:t>4/13/2009</a:t>
             </a:fld>
             <a:endParaRPr lang="en-US" dirty="0"/>
           </a:p>
@@ -5279,7 +5268,7 @@
             <a:fld id="{692DA68B-07B5-4D40-903F-69FBB0125CEF}" type="datetimeFigureOut">
               <a:rPr lang="en-US" smtClean="0"/>
               <a:pPr/>
-              <a:t>4/12/2009</a:t>
+              <a:t>4/13/2009</a:t>
             </a:fld>
             <a:endParaRPr lang="en-US" dirty="0"/>
           </a:p>
@@ -5489,7 +5478,7 @@
             <a:fld id="{692DA68B-07B5-4D40-903F-69FBB0125CEF}" type="datetimeFigureOut">
               <a:rPr lang="en-US" smtClean="0"/>
               <a:pPr/>
-              <a:t>4/12/2009</a:t>
+              <a:t>4/13/2009</a:t>
             </a:fld>
             <a:endParaRPr lang="en-US" dirty="0"/>
           </a:p>
@@ -7070,7 +7059,12 @@
             <p:ph type="title"/>
           </p:nvPr>
         </p:nvSpPr>
-        <p:spPr/>
+        <p:spPr>
+          <a:xfrm>
+            <a:off x="457200" y="228600"/>
+            <a:ext cx="8229600" cy="762000"/>
+          </a:xfrm>
+        </p:spPr>
         <p:txBody>
           <a:bodyPr/>
           <a:lstStyle/>
@@ -7083,41 +7077,535 @@
           </a:p>
         </p:txBody>
       </p:sp>
-      <p:pic>
-        <p:nvPicPr>
-          <p:cNvPr id="1026" name="Picture 2"/>
-          <p:cNvPicPr>
-            <a:picLocks noGrp="1" noChangeAspect="1" noChangeArrowheads="1"/>
-          </p:cNvPicPr>
-          <p:nvPr>
-            <p:ph idx="1"/>
-          </p:nvPr>
-        </p:nvPicPr>
-        <p:blipFill>
-          <a:blip r:embed="rId3"/>
-          <a:srcRect/>
-          <a:stretch>
-            <a:fillRect/>
-          </a:stretch>
-        </p:blipFill>
-        <p:spPr bwMode="auto">
+      <p:sp>
+        <p:nvSpPr>
+          <p:cNvPr id="4" name="Oval 3"/>
+          <p:cNvSpPr/>
+          <p:nvPr/>
+        </p:nvSpPr>
+        <p:spPr>
           <a:xfrm>
-            <a:off x="990600" y="1676400"/>
-            <a:ext cx="6267450" cy="3961606"/>
+            <a:off x="304800" y="1295400"/>
+            <a:ext cx="5943600" cy="4191000"/>
+          </a:xfrm>
+          <a:prstGeom prst="ellipse">
+            <a:avLst/>
+          </a:prstGeom>
+          <a:solidFill>
+            <a:schemeClr val="accent1">
+              <a:alpha val="20000"/>
+            </a:schemeClr>
+          </a:solidFill>
+        </p:spPr>
+        <p:style>
+          <a:lnRef idx="2">
+            <a:schemeClr val="accent1">
+              <a:shade val="50000"/>
+            </a:schemeClr>
+          </a:lnRef>
+          <a:fillRef idx="1">
+            <a:schemeClr val="accent1"/>
+          </a:fillRef>
+          <a:effectRef idx="0">
+            <a:schemeClr val="accent1"/>
+          </a:effectRef>
+          <a:fontRef idx="minor">
+            <a:schemeClr val="lt1"/>
+          </a:fontRef>
+        </p:style>
+        <p:txBody>
+          <a:bodyPr rtlCol="0" anchor="ctr"/>
+          <a:lstStyle/>
+          <a:p>
+            <a:pPr algn="ctr"/>
+            <a:endParaRPr lang="en-US"/>
+          </a:p>
+        </p:txBody>
+      </p:sp>
+      <p:sp>
+        <p:nvSpPr>
+          <p:cNvPr id="5" name="Oval 4"/>
+          <p:cNvSpPr/>
+          <p:nvPr/>
+        </p:nvSpPr>
+        <p:spPr>
+          <a:xfrm>
+            <a:off x="2895600" y="1295400"/>
+            <a:ext cx="5943600" cy="4191000"/>
+          </a:xfrm>
+          <a:prstGeom prst="ellipse">
+            <a:avLst/>
+          </a:prstGeom>
+          <a:solidFill>
+            <a:schemeClr val="accent1">
+              <a:alpha val="20000"/>
+            </a:schemeClr>
+          </a:solidFill>
+        </p:spPr>
+        <p:style>
+          <a:lnRef idx="2">
+            <a:schemeClr val="accent1">
+              <a:shade val="50000"/>
+            </a:schemeClr>
+          </a:lnRef>
+          <a:fillRef idx="1">
+            <a:schemeClr val="accent1"/>
+          </a:fillRef>
+          <a:effectRef idx="0">
+            <a:schemeClr val="accent1"/>
+          </a:effectRef>
+          <a:fontRef idx="minor">
+            <a:schemeClr val="lt1"/>
+          </a:fontRef>
+        </p:style>
+        <p:txBody>
+          <a:bodyPr rtlCol="0" anchor="ctr"/>
+          <a:lstStyle/>
+          <a:p>
+            <a:pPr algn="ctr"/>
+            <a:endParaRPr lang="en-US" dirty="0"/>
+          </a:p>
+        </p:txBody>
+      </p:sp>
+      <p:sp>
+        <p:nvSpPr>
+          <p:cNvPr id="6" name="TextBox 5"/>
+          <p:cNvSpPr txBox="1"/>
+          <p:nvPr/>
+        </p:nvSpPr>
+        <p:spPr>
+          <a:xfrm>
+            <a:off x="6400800" y="2514600"/>
+            <a:ext cx="1800493" cy="646331"/>
           </a:xfrm>
           <a:prstGeom prst="rect">
             <a:avLst/>
           </a:prstGeom>
           <a:noFill/>
-          <a:ln w="9525">
-            <a:noFill/>
-            <a:miter lim="800000"/>
-            <a:headEnd/>
-            <a:tailEnd/>
-          </a:ln>
-          <a:effectLst/>
         </p:spPr>
-      </p:pic>
+        <p:txBody>
+          <a:bodyPr wrap="none" rtlCol="0">
+            <a:spAutoFit/>
+          </a:bodyPr>
+          <a:lstStyle/>
+          <a:p>
+            <a:pPr algn="ctr"/>
+            <a:r>
+              <a:rPr lang="en-US" dirty="0" smtClean="0"/>
+              <a:t>Technical aspects</a:t>
+            </a:r>
+          </a:p>
+          <a:p>
+            <a:pPr algn="ctr"/>
+            <a:r>
+              <a:rPr lang="en-US" dirty="0" smtClean="0"/>
+              <a:t>o</a:t>
+            </a:r>
+            <a:r>
+              <a:rPr lang="en-US" dirty="0" smtClean="0"/>
+              <a:t>f design</a:t>
+            </a:r>
+            <a:endParaRPr lang="en-US" dirty="0"/>
+          </a:p>
+        </p:txBody>
+      </p:sp>
+      <p:sp>
+        <p:nvSpPr>
+          <p:cNvPr id="7" name="TextBox 6"/>
+          <p:cNvSpPr txBox="1"/>
+          <p:nvPr/>
+        </p:nvSpPr>
+        <p:spPr>
+          <a:xfrm>
+            <a:off x="6019800" y="1828800"/>
+            <a:ext cx="1642501" cy="369332"/>
+          </a:xfrm>
+          <a:prstGeom prst="rect">
+            <a:avLst/>
+          </a:prstGeom>
+          <a:noFill/>
+        </p:spPr>
+        <p:txBody>
+          <a:bodyPr wrap="none" rtlCol="0">
+            <a:spAutoFit/>
+          </a:bodyPr>
+          <a:lstStyle/>
+          <a:p>
+            <a:r>
+              <a:rPr lang="en-US" dirty="0" smtClean="0"/>
+              <a:t>Technical terms</a:t>
+            </a:r>
+            <a:endParaRPr lang="en-US" dirty="0"/>
+          </a:p>
+        </p:txBody>
+      </p:sp>
+      <p:sp>
+        <p:nvSpPr>
+          <p:cNvPr id="8" name="TextBox 7"/>
+          <p:cNvSpPr txBox="1"/>
+          <p:nvPr/>
+        </p:nvSpPr>
+        <p:spPr>
+          <a:xfrm>
+            <a:off x="6400800" y="3352800"/>
+            <a:ext cx="1762021" cy="646331"/>
+          </a:xfrm>
+          <a:prstGeom prst="rect">
+            <a:avLst/>
+          </a:prstGeom>
+          <a:noFill/>
+        </p:spPr>
+        <p:txBody>
+          <a:bodyPr wrap="none" rtlCol="0">
+            <a:spAutoFit/>
+          </a:bodyPr>
+          <a:lstStyle/>
+          <a:p>
+            <a:pPr algn="ctr"/>
+            <a:r>
+              <a:rPr lang="en-US" dirty="0" smtClean="0"/>
+              <a:t>Technical design </a:t>
+            </a:r>
+          </a:p>
+          <a:p>
+            <a:pPr algn="ctr"/>
+            <a:r>
+              <a:rPr lang="en-US" dirty="0" smtClean="0"/>
+              <a:t>patterns</a:t>
+            </a:r>
+            <a:endParaRPr lang="en-US" dirty="0"/>
+          </a:p>
+        </p:txBody>
+      </p:sp>
+      <p:sp>
+        <p:nvSpPr>
+          <p:cNvPr id="9" name="TextBox 8"/>
+          <p:cNvSpPr txBox="1"/>
+          <p:nvPr/>
+        </p:nvSpPr>
+        <p:spPr>
+          <a:xfrm>
+            <a:off x="6096000" y="4267200"/>
+            <a:ext cx="1682384" cy="646331"/>
+          </a:xfrm>
+          <a:prstGeom prst="rect">
+            <a:avLst/>
+          </a:prstGeom>
+          <a:noFill/>
+        </p:spPr>
+        <p:txBody>
+          <a:bodyPr wrap="none" rtlCol="0">
+            <a:spAutoFit/>
+          </a:bodyPr>
+          <a:lstStyle/>
+          <a:p>
+            <a:pPr algn="ctr"/>
+            <a:r>
+              <a:rPr lang="en-US" dirty="0" smtClean="0"/>
+              <a:t>S.O.L.I.D design </a:t>
+            </a:r>
+          </a:p>
+          <a:p>
+            <a:pPr algn="ctr"/>
+            <a:r>
+              <a:rPr lang="en-US" dirty="0" smtClean="0"/>
+              <a:t>principles</a:t>
+            </a:r>
+            <a:endParaRPr lang="en-US" dirty="0"/>
+          </a:p>
+        </p:txBody>
+      </p:sp>
+      <p:sp>
+        <p:nvSpPr>
+          <p:cNvPr id="10" name="TextBox 9"/>
+          <p:cNvSpPr txBox="1"/>
+          <p:nvPr/>
+        </p:nvSpPr>
+        <p:spPr>
+          <a:xfrm>
+            <a:off x="3505200" y="1981200"/>
+            <a:ext cx="2195153" cy="646331"/>
+          </a:xfrm>
+          <a:prstGeom prst="rect">
+            <a:avLst/>
+          </a:prstGeom>
+          <a:noFill/>
+        </p:spPr>
+        <p:txBody>
+          <a:bodyPr wrap="square" rtlCol="0">
+            <a:spAutoFit/>
+          </a:bodyPr>
+          <a:lstStyle/>
+          <a:p>
+            <a:endParaRPr lang="en-US" dirty="0" smtClean="0"/>
+          </a:p>
+          <a:p>
+            <a:r>
+              <a:rPr lang="en-US" dirty="0" smtClean="0"/>
+              <a:t>Domain Model Terms</a:t>
+            </a:r>
+            <a:endParaRPr lang="en-US" dirty="0"/>
+          </a:p>
+        </p:txBody>
+      </p:sp>
+      <p:sp>
+        <p:nvSpPr>
+          <p:cNvPr id="11" name="TextBox 10"/>
+          <p:cNvSpPr txBox="1"/>
+          <p:nvPr/>
+        </p:nvSpPr>
+        <p:spPr>
+          <a:xfrm>
+            <a:off x="4038600" y="2971800"/>
+            <a:ext cx="1443024" cy="369332"/>
+          </a:xfrm>
+          <a:prstGeom prst="rect">
+            <a:avLst/>
+          </a:prstGeom>
+          <a:noFill/>
+        </p:spPr>
+        <p:txBody>
+          <a:bodyPr wrap="none" rtlCol="0">
+            <a:spAutoFit/>
+          </a:bodyPr>
+          <a:lstStyle/>
+          <a:p>
+            <a:r>
+              <a:rPr lang="en-US" dirty="0" smtClean="0"/>
+              <a:t>DDD Patterns</a:t>
+            </a:r>
+            <a:endParaRPr lang="en-US" dirty="0"/>
+          </a:p>
+        </p:txBody>
+      </p:sp>
+      <p:sp>
+        <p:nvSpPr>
+          <p:cNvPr id="12" name="TextBox 11"/>
+          <p:cNvSpPr txBox="1"/>
+          <p:nvPr/>
+        </p:nvSpPr>
+        <p:spPr>
+          <a:xfrm>
+            <a:off x="3733800" y="3810000"/>
+            <a:ext cx="1905330" cy="369332"/>
+          </a:xfrm>
+          <a:prstGeom prst="rect">
+            <a:avLst/>
+          </a:prstGeom>
+          <a:noFill/>
+        </p:spPr>
+        <p:txBody>
+          <a:bodyPr wrap="none" rtlCol="0">
+            <a:spAutoFit/>
+          </a:bodyPr>
+          <a:lstStyle/>
+          <a:p>
+            <a:r>
+              <a:rPr lang="en-US" dirty="0" smtClean="0"/>
+              <a:t>Bounded Contexts</a:t>
+            </a:r>
+            <a:endParaRPr lang="en-US" dirty="0"/>
+          </a:p>
+        </p:txBody>
+      </p:sp>
+      <p:sp>
+        <p:nvSpPr>
+          <p:cNvPr id="13" name="TextBox 12"/>
+          <p:cNvSpPr txBox="1"/>
+          <p:nvPr/>
+        </p:nvSpPr>
+        <p:spPr>
+          <a:xfrm>
+            <a:off x="1143000" y="1828800"/>
+            <a:ext cx="1821974" cy="923330"/>
+          </a:xfrm>
+          <a:prstGeom prst="rect">
+            <a:avLst/>
+          </a:prstGeom>
+          <a:noFill/>
+        </p:spPr>
+        <p:txBody>
+          <a:bodyPr wrap="none" rtlCol="0">
+            <a:spAutoFit/>
+          </a:bodyPr>
+          <a:lstStyle/>
+          <a:p>
+            <a:pPr algn="ctr"/>
+            <a:r>
+              <a:rPr lang="en-US" dirty="0" smtClean="0"/>
+              <a:t>Business terms</a:t>
+            </a:r>
+          </a:p>
+          <a:p>
+            <a:pPr algn="ctr"/>
+            <a:r>
+              <a:rPr lang="en-US" dirty="0" smtClean="0"/>
+              <a:t>d</a:t>
+            </a:r>
+            <a:r>
+              <a:rPr lang="en-US" dirty="0" smtClean="0"/>
+              <a:t>evelopers don’t </a:t>
+            </a:r>
+          </a:p>
+          <a:p>
+            <a:pPr algn="ctr"/>
+            <a:r>
+              <a:rPr lang="en-US" dirty="0" smtClean="0"/>
+              <a:t>understand</a:t>
+            </a:r>
+            <a:endParaRPr lang="en-US" dirty="0"/>
+          </a:p>
+        </p:txBody>
+      </p:sp>
+      <p:sp>
+        <p:nvSpPr>
+          <p:cNvPr id="14" name="TextBox 13"/>
+          <p:cNvSpPr txBox="1"/>
+          <p:nvPr/>
+        </p:nvSpPr>
+        <p:spPr>
+          <a:xfrm>
+            <a:off x="609600" y="3505200"/>
+            <a:ext cx="2289409" cy="923330"/>
+          </a:xfrm>
+          <a:prstGeom prst="rect">
+            <a:avLst/>
+          </a:prstGeom>
+          <a:noFill/>
+        </p:spPr>
+        <p:txBody>
+          <a:bodyPr wrap="none" rtlCol="0">
+            <a:spAutoFit/>
+          </a:bodyPr>
+          <a:lstStyle/>
+          <a:p>
+            <a:pPr algn="ctr"/>
+            <a:r>
+              <a:rPr lang="en-US" dirty="0" smtClean="0"/>
+              <a:t>Business terms</a:t>
+            </a:r>
+          </a:p>
+          <a:p>
+            <a:pPr algn="ctr"/>
+            <a:r>
+              <a:rPr lang="en-US" dirty="0" smtClean="0"/>
+              <a:t>e</a:t>
+            </a:r>
+            <a:r>
+              <a:rPr lang="en-US" dirty="0" smtClean="0"/>
+              <a:t>veryone uses that </a:t>
+            </a:r>
+          </a:p>
+          <a:p>
+            <a:pPr algn="ctr"/>
+            <a:r>
+              <a:rPr lang="en-US" dirty="0" smtClean="0"/>
+              <a:t>d</a:t>
+            </a:r>
+            <a:r>
+              <a:rPr lang="en-US" dirty="0" smtClean="0"/>
+              <a:t>on’t appear in design</a:t>
+            </a:r>
+            <a:endParaRPr lang="en-US" dirty="0"/>
+          </a:p>
+        </p:txBody>
+      </p:sp>
+      <p:sp>
+        <p:nvSpPr>
+          <p:cNvPr id="15" name="TextBox 14"/>
+          <p:cNvSpPr txBox="1"/>
+          <p:nvPr/>
+        </p:nvSpPr>
+        <p:spPr>
+          <a:xfrm>
+            <a:off x="0" y="5638800"/>
+            <a:ext cx="2961003" cy="369332"/>
+          </a:xfrm>
+          <a:prstGeom prst="rect">
+            <a:avLst/>
+          </a:prstGeom>
+          <a:noFill/>
+        </p:spPr>
+        <p:txBody>
+          <a:bodyPr wrap="none" rtlCol="0">
+            <a:spAutoFit/>
+          </a:bodyPr>
+          <a:lstStyle/>
+          <a:p>
+            <a:r>
+              <a:rPr lang="en-US" dirty="0" smtClean="0"/>
+              <a:t>Candidates to fold into model</a:t>
+            </a:r>
+            <a:endParaRPr lang="en-US" dirty="0"/>
+          </a:p>
+        </p:txBody>
+      </p:sp>
+      <p:cxnSp>
+        <p:nvCxnSpPr>
+          <p:cNvPr id="18" name="Straight Connector 17"/>
+          <p:cNvCxnSpPr>
+            <a:stCxn id="15" idx="0"/>
+            <a:endCxn id="14" idx="2"/>
+          </p:cNvCxnSpPr>
+          <p:nvPr/>
+        </p:nvCxnSpPr>
+        <p:spPr>
+          <a:xfrm rot="5400000" flipH="1" flipV="1">
+            <a:off x="1012268" y="4896764"/>
+            <a:ext cx="1210270" cy="273803"/>
+          </a:xfrm>
+          <a:prstGeom prst="line">
+            <a:avLst/>
+          </a:prstGeom>
+        </p:spPr>
+        <p:style>
+          <a:lnRef idx="1">
+            <a:schemeClr val="accent1"/>
+          </a:lnRef>
+          <a:fillRef idx="0">
+            <a:schemeClr val="accent1"/>
+          </a:fillRef>
+          <a:effectRef idx="0">
+            <a:schemeClr val="accent1"/>
+          </a:effectRef>
+          <a:fontRef idx="minor">
+            <a:schemeClr val="tx1"/>
+          </a:fontRef>
+        </p:style>
+      </p:cxnSp>
+      <p:cxnSp>
+        <p:nvCxnSpPr>
+          <p:cNvPr id="20" name="Straight Connector 19"/>
+          <p:cNvCxnSpPr>
+            <a:stCxn id="2" idx="2"/>
+            <a:endCxn id="10" idx="0"/>
+          </p:cNvCxnSpPr>
+          <p:nvPr/>
+        </p:nvCxnSpPr>
+        <p:spPr>
+          <a:xfrm rot="16200000" flipH="1">
+            <a:off x="4092088" y="1470511"/>
+            <a:ext cx="990600" cy="30777"/>
+          </a:xfrm>
+          <a:prstGeom prst="line">
+            <a:avLst/>
+          </a:prstGeom>
+        </p:spPr>
+        <p:style>
+          <a:lnRef idx="1">
+            <a:schemeClr val="accent1"/>
+          </a:lnRef>
+          <a:fillRef idx="0">
+            <a:schemeClr val="accent1"/>
+          </a:fillRef>
+          <a:effectRef idx="0">
+            <a:schemeClr val="accent1"/>
+          </a:effectRef>
+          <a:fontRef idx="minor">
+            <a:schemeClr val="tx1"/>
+          </a:fontRef>
+        </p:style>
+      </p:cxnSp>
     </p:spTree>
   </p:cSld>
   <p:clrMapOvr>

--- a/Domain-DrivenDesign.A.Trosin.pptx
+++ b/Domain-DrivenDesign.A.Trosin.pptx
@@ -5,27 +5,29 @@
     <p:sldMasterId id="2147483734" r:id="rId1"/>
   </p:sldMasterIdLst>
   <p:notesMasterIdLst>
-    <p:notesMasterId r:id="rId20"/>
+    <p:notesMasterId r:id="rId22"/>
   </p:notesMasterIdLst>
   <p:sldIdLst>
     <p:sldId id="256" r:id="rId2"/>
     <p:sldId id="258" r:id="rId3"/>
     <p:sldId id="257" r:id="rId4"/>
-    <p:sldId id="264" r:id="rId5"/>
-    <p:sldId id="263" r:id="rId6"/>
-    <p:sldId id="270" r:id="rId7"/>
-    <p:sldId id="269" r:id="rId8"/>
-    <p:sldId id="267" r:id="rId9"/>
-    <p:sldId id="268" r:id="rId10"/>
-    <p:sldId id="266" r:id="rId11"/>
-    <p:sldId id="259" r:id="rId12"/>
-    <p:sldId id="260" r:id="rId13"/>
-    <p:sldId id="272" r:id="rId14"/>
-    <p:sldId id="273" r:id="rId15"/>
-    <p:sldId id="276" r:id="rId16"/>
-    <p:sldId id="274" r:id="rId17"/>
-    <p:sldId id="275" r:id="rId18"/>
-    <p:sldId id="271" r:id="rId19"/>
+    <p:sldId id="277" r:id="rId5"/>
+    <p:sldId id="278" r:id="rId6"/>
+    <p:sldId id="264" r:id="rId7"/>
+    <p:sldId id="263" r:id="rId8"/>
+    <p:sldId id="270" r:id="rId9"/>
+    <p:sldId id="269" r:id="rId10"/>
+    <p:sldId id="267" r:id="rId11"/>
+    <p:sldId id="268" r:id="rId12"/>
+    <p:sldId id="266" r:id="rId13"/>
+    <p:sldId id="259" r:id="rId14"/>
+    <p:sldId id="260" r:id="rId15"/>
+    <p:sldId id="272" r:id="rId16"/>
+    <p:sldId id="273" r:id="rId17"/>
+    <p:sldId id="276" r:id="rId18"/>
+    <p:sldId id="274" r:id="rId19"/>
+    <p:sldId id="275" r:id="rId20"/>
+    <p:sldId id="271" r:id="rId21"/>
   </p:sldIdLst>
   <p:sldSz cx="9144000" cy="6858000" type="screen4x3"/>
   <p:notesSz cx="6858000" cy="9144000"/>
@@ -679,7 +681,7 @@
       </p:grpSpPr>
       <p:sp>
         <p:nvSpPr>
-          <p:cNvPr id="2" name="Slide Image Placeholder 1"/>
+          <p:cNvPr id="2" name="Образ слайда 1"/>
           <p:cNvSpPr>
             <a:spLocks noGrp="1" noRot="1" noChangeAspect="1"/>
           </p:cNvSpPr>
@@ -691,7 +693,7 @@
       </p:sp>
       <p:sp>
         <p:nvSpPr>
-          <p:cNvPr id="3" name="Notes Placeholder 2"/>
+          <p:cNvPr id="3" name="Заметки 2"/>
           <p:cNvSpPr>
             <a:spLocks noGrp="1"/>
           </p:cNvSpPr>
@@ -708,388 +710,33 @@
           <a:p>
             <a:r>
               <a:rPr lang="en-US" dirty="0" smtClean="0"/>
-              <a:t>Cu cit </a:t>
-            </a:r>
-            <a:r>
-              <a:rPr lang="en-US" dirty="0" err="1" smtClean="0"/>
-              <a:t>mai</a:t>
-            </a:r>
-            <a:r>
-              <a:rPr lang="en-US" dirty="0" smtClean="0"/>
-              <a:t> </a:t>
-            </a:r>
-            <a:r>
-              <a:rPr lang="en-US" dirty="0" err="1" smtClean="0"/>
-              <a:t>bine</a:t>
+              <a:t>Is</a:t>
             </a:r>
             <a:r>
               <a:rPr lang="en-US" baseline="0" dirty="0" smtClean="0"/>
-              <a:t> </a:t>
-            </a:r>
-            <a:r>
-              <a:rPr lang="en-US" baseline="0" dirty="0" err="1" smtClean="0"/>
-              <a:t>ar</a:t>
-            </a:r>
+              <a:t> it realistic?</a:t>
+            </a:r>
+          </a:p>
+          <a:p>
             <a:r>
               <a:rPr lang="en-US" baseline="0" dirty="0" smtClean="0"/>
-              <a:t> </a:t>
-            </a:r>
-            <a:r>
-              <a:rPr lang="en-US" baseline="0" dirty="0" err="1" smtClean="0"/>
-              <a:t>sa</a:t>
-            </a:r>
+              <a:t>Which earth representation is better?</a:t>
+            </a:r>
+          </a:p>
+          <a:p>
             <a:r>
               <a:rPr lang="en-US" baseline="0" dirty="0" smtClean="0"/>
-              <a:t> fie </a:t>
-            </a:r>
-            <a:r>
-              <a:rPr lang="en-US" baseline="0" dirty="0" err="1" smtClean="0"/>
-              <a:t>inteles</a:t>
-            </a:r>
-            <a:r>
-              <a:rPr lang="en-US" baseline="0" dirty="0" smtClean="0"/>
-              <a:t> business </a:t>
-            </a:r>
-            <a:r>
-              <a:rPr lang="en-US" baseline="0" dirty="0" err="1" smtClean="0"/>
-              <a:t>domainul</a:t>
-            </a:r>
-            <a:r>
-              <a:rPr lang="en-US" baseline="0" dirty="0" smtClean="0"/>
-              <a:t> </a:t>
-            </a:r>
-            <a:r>
-              <a:rPr lang="en-US" baseline="0" dirty="0" err="1" smtClean="0"/>
-              <a:t>si</a:t>
-            </a:r>
-            <a:r>
-              <a:rPr lang="en-US" baseline="0" dirty="0" smtClean="0"/>
-              <a:t> cu </a:t>
-            </a:r>
-            <a:r>
-              <a:rPr lang="en-US" baseline="0" dirty="0" err="1" smtClean="0"/>
-              <a:t>atit</a:t>
-            </a:r>
-            <a:r>
-              <a:rPr lang="en-US" baseline="0" dirty="0" smtClean="0"/>
-              <a:t> </a:t>
-            </a:r>
-            <a:r>
-              <a:rPr lang="en-US" baseline="0" dirty="0" err="1" smtClean="0"/>
-              <a:t>mai</a:t>
-            </a:r>
-            <a:r>
-              <a:rPr lang="en-US" baseline="0" dirty="0" smtClean="0"/>
-              <a:t> </a:t>
-            </a:r>
-            <a:r>
-              <a:rPr lang="en-US" baseline="0" dirty="0" err="1" smtClean="0"/>
-              <a:t>mari</a:t>
-            </a:r>
-            <a:r>
-              <a:rPr lang="en-US" baseline="0" dirty="0" smtClean="0"/>
-              <a:t> </a:t>
-            </a:r>
-            <a:r>
-              <a:rPr lang="en-US" baseline="0" dirty="0" err="1" smtClean="0"/>
-              <a:t>sansele</a:t>
-            </a:r>
-            <a:r>
-              <a:rPr lang="en-US" baseline="0" dirty="0" smtClean="0"/>
-              <a:t> ca </a:t>
-            </a:r>
-            <a:r>
-              <a:rPr lang="en-US" baseline="0" dirty="0" err="1" smtClean="0"/>
-              <a:t>softul</a:t>
-            </a:r>
-            <a:r>
-              <a:rPr lang="en-US" baseline="0" dirty="0" smtClean="0"/>
-              <a:t> </a:t>
-            </a:r>
-            <a:r>
-              <a:rPr lang="en-US" baseline="0" dirty="0" err="1" smtClean="0"/>
-              <a:t>produs</a:t>
-            </a:r>
-            <a:r>
-              <a:rPr lang="en-US" baseline="0" dirty="0" smtClean="0"/>
-              <a:t> de </a:t>
-            </a:r>
-            <a:r>
-              <a:rPr lang="en-US" baseline="0" dirty="0" err="1" smtClean="0"/>
-              <a:t>developeri</a:t>
-            </a:r>
-            <a:r>
-              <a:rPr lang="en-US" baseline="0" dirty="0" smtClean="0"/>
-              <a:t> </a:t>
-            </a:r>
-            <a:r>
-              <a:rPr lang="en-US" baseline="0" dirty="0" err="1" smtClean="0"/>
-              <a:t>va</a:t>
-            </a:r>
-            <a:r>
-              <a:rPr lang="en-US" baseline="0" dirty="0" smtClean="0"/>
-              <a:t> </a:t>
-            </a:r>
-            <a:r>
-              <a:rPr lang="en-US" baseline="0" dirty="0" err="1" smtClean="0"/>
-              <a:t>fi</a:t>
-            </a:r>
-            <a:r>
-              <a:rPr lang="en-US" baseline="0" dirty="0" smtClean="0"/>
-              <a:t> </a:t>
-            </a:r>
-          </a:p>
-          <a:p>
-            <a:r>
-              <a:rPr lang="en-US" baseline="0" dirty="0" err="1" smtClean="0"/>
-              <a:t>Anume</a:t>
-            </a:r>
-            <a:r>
-              <a:rPr lang="en-US" baseline="0" dirty="0" smtClean="0"/>
-              <a:t> </a:t>
-            </a:r>
-            <a:r>
-              <a:rPr lang="en-US" baseline="0" dirty="0" err="1" smtClean="0"/>
-              <a:t>aceea</a:t>
-            </a:r>
-            <a:r>
-              <a:rPr lang="en-US" baseline="0" dirty="0" smtClean="0"/>
-              <a:t> </a:t>
-            </a:r>
-            <a:r>
-              <a:rPr lang="en-US" baseline="0" dirty="0" err="1" smtClean="0"/>
-              <a:t>ce</a:t>
-            </a:r>
-            <a:r>
-              <a:rPr lang="en-US" baseline="0" dirty="0" smtClean="0"/>
-              <a:t> se </a:t>
-            </a:r>
-            <a:r>
-              <a:rPr lang="en-US" baseline="0" dirty="0" err="1" smtClean="0"/>
-              <a:t>cere</a:t>
-            </a:r>
-            <a:r>
-              <a:rPr lang="en-US" baseline="0" dirty="0" smtClean="0"/>
-              <a:t> de business </a:t>
-            </a:r>
-            <a:r>
-              <a:rPr lang="en-US" baseline="0" dirty="0" err="1" smtClean="0"/>
-              <a:t>experti</a:t>
-            </a:r>
-            <a:r>
-              <a:rPr lang="en-US" baseline="0" dirty="0" smtClean="0"/>
-              <a:t>.</a:t>
-            </a:r>
-          </a:p>
-          <a:p>
-            <a:r>
-              <a:rPr lang="en-US" baseline="0" dirty="0" err="1" smtClean="0"/>
-              <a:t>Problema</a:t>
-            </a:r>
-            <a:r>
-              <a:rPr lang="en-US" baseline="0" dirty="0" smtClean="0"/>
-              <a:t> </a:t>
-            </a:r>
-            <a:r>
-              <a:rPr lang="en-US" baseline="0" dirty="0" err="1" smtClean="0"/>
-              <a:t>este</a:t>
-            </a:r>
-            <a:r>
-              <a:rPr lang="en-US" baseline="0" dirty="0" smtClean="0"/>
-              <a:t> ca Business </a:t>
-            </a:r>
-            <a:r>
-              <a:rPr lang="en-US" baseline="0" dirty="0" err="1" smtClean="0"/>
-              <a:t>expertii</a:t>
-            </a:r>
-            <a:r>
-              <a:rPr lang="en-US" baseline="0" dirty="0" smtClean="0"/>
-              <a:t> nu </a:t>
-            </a:r>
-            <a:r>
-              <a:rPr lang="en-US" baseline="0" dirty="0" err="1" smtClean="0"/>
-              <a:t>inteleg</a:t>
-            </a:r>
-            <a:r>
-              <a:rPr lang="en-US" baseline="0" dirty="0" smtClean="0"/>
-              <a:t> </a:t>
-            </a:r>
-            <a:r>
-              <a:rPr lang="en-US" baseline="0" dirty="0" err="1" smtClean="0"/>
-              <a:t>partea</a:t>
-            </a:r>
-            <a:r>
-              <a:rPr lang="en-US" baseline="0" dirty="0" smtClean="0"/>
-              <a:t> </a:t>
-            </a:r>
-            <a:r>
-              <a:rPr lang="en-US" baseline="0" dirty="0" err="1" smtClean="0"/>
-              <a:t>tehnica</a:t>
-            </a:r>
-            <a:r>
-              <a:rPr lang="en-US" baseline="0" dirty="0" smtClean="0"/>
-              <a:t> a </a:t>
-            </a:r>
-            <a:r>
-              <a:rPr lang="en-US" baseline="0" dirty="0" err="1" smtClean="0"/>
-              <a:t>lucrurilor</a:t>
-            </a:r>
-            <a:r>
-              <a:rPr lang="en-US" baseline="0" dirty="0" smtClean="0"/>
-              <a:t> </a:t>
-            </a:r>
-            <a:r>
-              <a:rPr lang="en-US" baseline="0" dirty="0" err="1" smtClean="0"/>
-              <a:t>dar</a:t>
-            </a:r>
-            <a:r>
-              <a:rPr lang="en-US" baseline="0" dirty="0" smtClean="0"/>
-              <a:t> </a:t>
-            </a:r>
-            <a:r>
-              <a:rPr lang="en-US" baseline="0" dirty="0" err="1" smtClean="0"/>
-              <a:t>developerii</a:t>
-            </a:r>
-            <a:r>
-              <a:rPr lang="en-US" baseline="0" dirty="0" smtClean="0"/>
-              <a:t> nu </a:t>
-            </a:r>
-            <a:r>
-              <a:rPr lang="en-US" baseline="0" dirty="0" err="1" smtClean="0"/>
-              <a:t>cunosc</a:t>
-            </a:r>
-            <a:r>
-              <a:rPr lang="en-US" baseline="0" dirty="0" smtClean="0"/>
-              <a:t> </a:t>
-            </a:r>
-            <a:r>
-              <a:rPr lang="en-US" baseline="0" dirty="0" err="1" smtClean="0"/>
-              <a:t>domainul</a:t>
-            </a:r>
-            <a:r>
-              <a:rPr lang="en-US" baseline="0" dirty="0" smtClean="0"/>
-              <a:t>, </a:t>
-            </a:r>
-          </a:p>
-          <a:p>
-            <a:r>
-              <a:rPr lang="en-US" baseline="0" dirty="0" smtClean="0"/>
-              <a:t>Cum </a:t>
-            </a:r>
-            <a:r>
-              <a:rPr lang="en-US" baseline="0" dirty="0" err="1" smtClean="0"/>
-              <a:t>rezolvam</a:t>
-            </a:r>
-            <a:r>
-              <a:rPr lang="en-US" baseline="0" dirty="0" smtClean="0"/>
-              <a:t> </a:t>
-            </a:r>
-            <a:r>
-              <a:rPr lang="en-US" baseline="0" dirty="0" err="1" smtClean="0"/>
-              <a:t>problema</a:t>
-            </a:r>
-            <a:r>
-              <a:rPr lang="en-US" baseline="0" dirty="0" smtClean="0"/>
-              <a:t>?</a:t>
-            </a:r>
-          </a:p>
-          <a:p>
-            <a:r>
-              <a:rPr lang="en-US" sz="1200" kern="1200" baseline="0" dirty="0" smtClean="0">
-                <a:solidFill>
-                  <a:schemeClr val="tx1"/>
-                </a:solidFill>
-                <a:latin typeface="+mn-lt"/>
-                <a:ea typeface="+mn-ea"/>
-                <a:cs typeface="+mn-cs"/>
-              </a:rPr>
-              <a:t>Technical people often feel the need to "shield" the business experts from the domain model. They</a:t>
-            </a:r>
-          </a:p>
-          <a:p>
-            <a:r>
-              <a:rPr lang="en-US" sz="1200" kern="1200" baseline="0" dirty="0" smtClean="0">
-                <a:solidFill>
-                  <a:schemeClr val="tx1"/>
-                </a:solidFill>
-                <a:latin typeface="+mn-lt"/>
-                <a:ea typeface="+mn-ea"/>
-                <a:cs typeface="+mn-cs"/>
-              </a:rPr>
-              <a:t>say:</a:t>
-            </a:r>
-          </a:p>
-          <a:p>
-            <a:r>
-              <a:rPr lang="en-US" sz="1200" kern="1200" baseline="0" dirty="0" smtClean="0">
-                <a:solidFill>
-                  <a:schemeClr val="tx1"/>
-                </a:solidFill>
-                <a:latin typeface="+mn-lt"/>
-                <a:ea typeface="+mn-ea"/>
-                <a:cs typeface="+mn-cs"/>
-              </a:rPr>
-              <a:t>"Too abstract for them."</a:t>
-            </a:r>
-          </a:p>
-          <a:p>
-            <a:r>
-              <a:rPr lang="en-US" sz="1200" kern="1200" baseline="0" dirty="0" smtClean="0">
-                <a:solidFill>
-                  <a:schemeClr val="tx1"/>
-                </a:solidFill>
-                <a:latin typeface="+mn-lt"/>
-                <a:ea typeface="+mn-ea"/>
-                <a:cs typeface="+mn-cs"/>
-              </a:rPr>
-              <a:t>"They don't understand objects."</a:t>
-            </a:r>
-          </a:p>
-          <a:p>
-            <a:r>
-              <a:rPr lang="en-US" sz="1200" kern="1200" baseline="0" dirty="0" smtClean="0">
-                <a:solidFill>
-                  <a:schemeClr val="tx1"/>
-                </a:solidFill>
-                <a:latin typeface="+mn-lt"/>
-                <a:ea typeface="+mn-ea"/>
-                <a:cs typeface="+mn-cs"/>
-              </a:rPr>
-              <a:t>"We have to collect requirements in their terminology."</a:t>
-            </a:r>
-          </a:p>
-          <a:p>
-            <a:r>
-              <a:rPr lang="en-US" sz="1200" kern="1200" baseline="0" dirty="0" smtClean="0">
-                <a:solidFill>
-                  <a:schemeClr val="tx1"/>
-                </a:solidFill>
-                <a:latin typeface="+mn-lt"/>
-                <a:ea typeface="+mn-ea"/>
-                <a:cs typeface="+mn-cs"/>
-              </a:rPr>
-              <a:t>These are just a few of the reasons I've heard for having two languages on the team. Forget</a:t>
-            </a:r>
-          </a:p>
-          <a:p>
-            <a:r>
-              <a:rPr lang="en-US" sz="1200" kern="1200" baseline="0" dirty="0" smtClean="0">
-                <a:solidFill>
-                  <a:schemeClr val="tx1"/>
-                </a:solidFill>
-                <a:latin typeface="+mn-lt"/>
-                <a:ea typeface="+mn-ea"/>
-                <a:cs typeface="+mn-cs"/>
-              </a:rPr>
-              <a:t>them.</a:t>
-            </a:r>
-            <a:endParaRPr lang="en-US" dirty="0"/>
-          </a:p>
-        </p:txBody>
-      </p:sp>
-      <p:sp>
-        <p:nvSpPr>
-          <p:cNvPr id="4" name="Slide Number Placeholder 3"/>
+              <a:t>We should not represent the entire WORLD model but just purpose of the model…</a:t>
+            </a:r>
+          </a:p>
+          <a:p>
+            <a:endParaRPr lang="en-US" dirty="0"/>
+          </a:p>
+        </p:txBody>
+      </p:sp>
+      <p:sp>
+        <p:nvSpPr>
+          <p:cNvPr id="4" name="Номер слайда 3"/>
           <p:cNvSpPr>
             <a:spLocks noGrp="1"/>
           </p:cNvSpPr>
@@ -1105,7 +752,7 @@
             <a:fld id="{5D5B2715-B0E0-4A76-9B24-AC64393DF8BD}" type="slidenum">
               <a:rPr lang="en-US" smtClean="0"/>
               <a:pPr/>
-              <a:t>11</a:t>
+              <a:t>12</a:t>
             </a:fld>
             <a:endParaRPr lang="en-US" dirty="0"/>
           </a:p>
@@ -1165,6 +812,383 @@
           </a:bodyPr>
           <a:lstStyle/>
           <a:p>
+            <a:r>
+              <a:rPr lang="en-US" dirty="0" smtClean="0"/>
+              <a:t>Cu cit </a:t>
+            </a:r>
+            <a:r>
+              <a:rPr lang="en-US" dirty="0" err="1" smtClean="0"/>
+              <a:t>mai</a:t>
+            </a:r>
+            <a:r>
+              <a:rPr lang="en-US" dirty="0" smtClean="0"/>
+              <a:t> </a:t>
+            </a:r>
+            <a:r>
+              <a:rPr lang="en-US" dirty="0" err="1" smtClean="0"/>
+              <a:t>bine</a:t>
+            </a:r>
+            <a:r>
+              <a:rPr lang="en-US" baseline="0" dirty="0" smtClean="0"/>
+              <a:t> </a:t>
+            </a:r>
+            <a:r>
+              <a:rPr lang="en-US" baseline="0" dirty="0" err="1" smtClean="0"/>
+              <a:t>ar</a:t>
+            </a:r>
+            <a:r>
+              <a:rPr lang="en-US" baseline="0" dirty="0" smtClean="0"/>
+              <a:t> </a:t>
+            </a:r>
+            <a:r>
+              <a:rPr lang="en-US" baseline="0" dirty="0" err="1" smtClean="0"/>
+              <a:t>sa</a:t>
+            </a:r>
+            <a:r>
+              <a:rPr lang="en-US" baseline="0" dirty="0" smtClean="0"/>
+              <a:t> fie </a:t>
+            </a:r>
+            <a:r>
+              <a:rPr lang="en-US" baseline="0" dirty="0" err="1" smtClean="0"/>
+              <a:t>inteles</a:t>
+            </a:r>
+            <a:r>
+              <a:rPr lang="en-US" baseline="0" dirty="0" smtClean="0"/>
+              <a:t> business </a:t>
+            </a:r>
+            <a:r>
+              <a:rPr lang="en-US" baseline="0" dirty="0" err="1" smtClean="0"/>
+              <a:t>domainul</a:t>
+            </a:r>
+            <a:r>
+              <a:rPr lang="en-US" baseline="0" dirty="0" smtClean="0"/>
+              <a:t> </a:t>
+            </a:r>
+            <a:r>
+              <a:rPr lang="en-US" baseline="0" dirty="0" err="1" smtClean="0"/>
+              <a:t>si</a:t>
+            </a:r>
+            <a:r>
+              <a:rPr lang="en-US" baseline="0" dirty="0" smtClean="0"/>
+              <a:t> cu </a:t>
+            </a:r>
+            <a:r>
+              <a:rPr lang="en-US" baseline="0" dirty="0" err="1" smtClean="0"/>
+              <a:t>atit</a:t>
+            </a:r>
+            <a:r>
+              <a:rPr lang="en-US" baseline="0" dirty="0" smtClean="0"/>
+              <a:t> </a:t>
+            </a:r>
+            <a:r>
+              <a:rPr lang="en-US" baseline="0" dirty="0" err="1" smtClean="0"/>
+              <a:t>mai</a:t>
+            </a:r>
+            <a:r>
+              <a:rPr lang="en-US" baseline="0" dirty="0" smtClean="0"/>
+              <a:t> </a:t>
+            </a:r>
+            <a:r>
+              <a:rPr lang="en-US" baseline="0" dirty="0" err="1" smtClean="0"/>
+              <a:t>mari</a:t>
+            </a:r>
+            <a:r>
+              <a:rPr lang="en-US" baseline="0" dirty="0" smtClean="0"/>
+              <a:t> </a:t>
+            </a:r>
+            <a:r>
+              <a:rPr lang="en-US" baseline="0" dirty="0" err="1" smtClean="0"/>
+              <a:t>sansele</a:t>
+            </a:r>
+            <a:r>
+              <a:rPr lang="en-US" baseline="0" dirty="0" smtClean="0"/>
+              <a:t> ca </a:t>
+            </a:r>
+            <a:r>
+              <a:rPr lang="en-US" baseline="0" dirty="0" err="1" smtClean="0"/>
+              <a:t>softul</a:t>
+            </a:r>
+            <a:r>
+              <a:rPr lang="en-US" baseline="0" dirty="0" smtClean="0"/>
+              <a:t> </a:t>
+            </a:r>
+            <a:r>
+              <a:rPr lang="en-US" baseline="0" dirty="0" err="1" smtClean="0"/>
+              <a:t>produs</a:t>
+            </a:r>
+            <a:r>
+              <a:rPr lang="en-US" baseline="0" dirty="0" smtClean="0"/>
+              <a:t> de </a:t>
+            </a:r>
+            <a:r>
+              <a:rPr lang="en-US" baseline="0" dirty="0" err="1" smtClean="0"/>
+              <a:t>developeri</a:t>
+            </a:r>
+            <a:r>
+              <a:rPr lang="en-US" baseline="0" dirty="0" smtClean="0"/>
+              <a:t> </a:t>
+            </a:r>
+            <a:r>
+              <a:rPr lang="en-US" baseline="0" dirty="0" err="1" smtClean="0"/>
+              <a:t>va</a:t>
+            </a:r>
+            <a:r>
+              <a:rPr lang="en-US" baseline="0" dirty="0" smtClean="0"/>
+              <a:t> </a:t>
+            </a:r>
+            <a:r>
+              <a:rPr lang="en-US" baseline="0" dirty="0" err="1" smtClean="0"/>
+              <a:t>fi</a:t>
+            </a:r>
+            <a:r>
+              <a:rPr lang="en-US" baseline="0" dirty="0" smtClean="0"/>
+              <a:t> </a:t>
+            </a:r>
+          </a:p>
+          <a:p>
+            <a:r>
+              <a:rPr lang="en-US" baseline="0" dirty="0" err="1" smtClean="0"/>
+              <a:t>Anume</a:t>
+            </a:r>
+            <a:r>
+              <a:rPr lang="en-US" baseline="0" dirty="0" smtClean="0"/>
+              <a:t> </a:t>
+            </a:r>
+            <a:r>
+              <a:rPr lang="en-US" baseline="0" dirty="0" err="1" smtClean="0"/>
+              <a:t>aceea</a:t>
+            </a:r>
+            <a:r>
+              <a:rPr lang="en-US" baseline="0" dirty="0" smtClean="0"/>
+              <a:t> </a:t>
+            </a:r>
+            <a:r>
+              <a:rPr lang="en-US" baseline="0" dirty="0" err="1" smtClean="0"/>
+              <a:t>ce</a:t>
+            </a:r>
+            <a:r>
+              <a:rPr lang="en-US" baseline="0" dirty="0" smtClean="0"/>
+              <a:t> se </a:t>
+            </a:r>
+            <a:r>
+              <a:rPr lang="en-US" baseline="0" dirty="0" err="1" smtClean="0"/>
+              <a:t>cere</a:t>
+            </a:r>
+            <a:r>
+              <a:rPr lang="en-US" baseline="0" dirty="0" smtClean="0"/>
+              <a:t> de business </a:t>
+            </a:r>
+            <a:r>
+              <a:rPr lang="en-US" baseline="0" dirty="0" err="1" smtClean="0"/>
+              <a:t>experti</a:t>
+            </a:r>
+            <a:r>
+              <a:rPr lang="en-US" baseline="0" dirty="0" smtClean="0"/>
+              <a:t>.</a:t>
+            </a:r>
+          </a:p>
+          <a:p>
+            <a:r>
+              <a:rPr lang="en-US" baseline="0" dirty="0" err="1" smtClean="0"/>
+              <a:t>Problema</a:t>
+            </a:r>
+            <a:r>
+              <a:rPr lang="en-US" baseline="0" dirty="0" smtClean="0"/>
+              <a:t> </a:t>
+            </a:r>
+            <a:r>
+              <a:rPr lang="en-US" baseline="0" dirty="0" err="1" smtClean="0"/>
+              <a:t>este</a:t>
+            </a:r>
+            <a:r>
+              <a:rPr lang="en-US" baseline="0" dirty="0" smtClean="0"/>
+              <a:t> ca Business </a:t>
+            </a:r>
+            <a:r>
+              <a:rPr lang="en-US" baseline="0" dirty="0" err="1" smtClean="0"/>
+              <a:t>expertii</a:t>
+            </a:r>
+            <a:r>
+              <a:rPr lang="en-US" baseline="0" dirty="0" smtClean="0"/>
+              <a:t> nu </a:t>
+            </a:r>
+            <a:r>
+              <a:rPr lang="en-US" baseline="0" dirty="0" err="1" smtClean="0"/>
+              <a:t>inteleg</a:t>
+            </a:r>
+            <a:r>
+              <a:rPr lang="en-US" baseline="0" dirty="0" smtClean="0"/>
+              <a:t> </a:t>
+            </a:r>
+            <a:r>
+              <a:rPr lang="en-US" baseline="0" dirty="0" err="1" smtClean="0"/>
+              <a:t>partea</a:t>
+            </a:r>
+            <a:r>
+              <a:rPr lang="en-US" baseline="0" dirty="0" smtClean="0"/>
+              <a:t> </a:t>
+            </a:r>
+            <a:r>
+              <a:rPr lang="en-US" baseline="0" dirty="0" err="1" smtClean="0"/>
+              <a:t>tehnica</a:t>
+            </a:r>
+            <a:r>
+              <a:rPr lang="en-US" baseline="0" dirty="0" smtClean="0"/>
+              <a:t> a </a:t>
+            </a:r>
+            <a:r>
+              <a:rPr lang="en-US" baseline="0" dirty="0" err="1" smtClean="0"/>
+              <a:t>lucrurilor</a:t>
+            </a:r>
+            <a:r>
+              <a:rPr lang="en-US" baseline="0" dirty="0" smtClean="0"/>
+              <a:t> </a:t>
+            </a:r>
+            <a:r>
+              <a:rPr lang="en-US" baseline="0" dirty="0" err="1" smtClean="0"/>
+              <a:t>dar</a:t>
+            </a:r>
+            <a:r>
+              <a:rPr lang="en-US" baseline="0" dirty="0" smtClean="0"/>
+              <a:t> </a:t>
+            </a:r>
+            <a:r>
+              <a:rPr lang="en-US" baseline="0" dirty="0" err="1" smtClean="0"/>
+              <a:t>developerii</a:t>
+            </a:r>
+            <a:r>
+              <a:rPr lang="en-US" baseline="0" dirty="0" smtClean="0"/>
+              <a:t> nu </a:t>
+            </a:r>
+            <a:r>
+              <a:rPr lang="en-US" baseline="0" dirty="0" err="1" smtClean="0"/>
+              <a:t>cunosc</a:t>
+            </a:r>
+            <a:r>
+              <a:rPr lang="en-US" baseline="0" dirty="0" smtClean="0"/>
+              <a:t> </a:t>
+            </a:r>
+            <a:r>
+              <a:rPr lang="en-US" baseline="0" dirty="0" err="1" smtClean="0"/>
+              <a:t>domainul</a:t>
+            </a:r>
+            <a:r>
+              <a:rPr lang="en-US" baseline="0" dirty="0" smtClean="0"/>
+              <a:t>, </a:t>
+            </a:r>
+          </a:p>
+          <a:p>
+            <a:r>
+              <a:rPr lang="en-US" baseline="0" dirty="0" smtClean="0"/>
+              <a:t>Cum </a:t>
+            </a:r>
+            <a:r>
+              <a:rPr lang="en-US" baseline="0" dirty="0" err="1" smtClean="0"/>
+              <a:t>rezolvam</a:t>
+            </a:r>
+            <a:r>
+              <a:rPr lang="en-US" baseline="0" dirty="0" smtClean="0"/>
+              <a:t> </a:t>
+            </a:r>
+            <a:r>
+              <a:rPr lang="en-US" baseline="0" dirty="0" err="1" smtClean="0"/>
+              <a:t>problema</a:t>
+            </a:r>
+            <a:r>
+              <a:rPr lang="en-US" baseline="0" dirty="0" smtClean="0"/>
+              <a:t>?</a:t>
+            </a:r>
+          </a:p>
+          <a:p>
+            <a:r>
+              <a:rPr lang="en-US" sz="1200" kern="1200" baseline="0" dirty="0" smtClean="0">
+                <a:solidFill>
+                  <a:schemeClr val="tx1"/>
+                </a:solidFill>
+                <a:latin typeface="+mn-lt"/>
+                <a:ea typeface="+mn-ea"/>
+                <a:cs typeface="+mn-cs"/>
+              </a:rPr>
+              <a:t>Technical people often feel the need to "shield" the business experts from the domain model. They</a:t>
+            </a:r>
+          </a:p>
+          <a:p>
+            <a:r>
+              <a:rPr lang="en-US" sz="1200" kern="1200" baseline="0" dirty="0" smtClean="0">
+                <a:solidFill>
+                  <a:schemeClr val="tx1"/>
+                </a:solidFill>
+                <a:latin typeface="+mn-lt"/>
+                <a:ea typeface="+mn-ea"/>
+                <a:cs typeface="+mn-cs"/>
+              </a:rPr>
+              <a:t>say:</a:t>
+            </a:r>
+          </a:p>
+          <a:p>
+            <a:r>
+              <a:rPr lang="en-US" sz="1200" kern="1200" baseline="0" dirty="0" smtClean="0">
+                <a:solidFill>
+                  <a:schemeClr val="tx1"/>
+                </a:solidFill>
+                <a:latin typeface="+mn-lt"/>
+                <a:ea typeface="+mn-ea"/>
+                <a:cs typeface="+mn-cs"/>
+              </a:rPr>
+              <a:t>"Too abstract for them."</a:t>
+            </a:r>
+          </a:p>
+          <a:p>
+            <a:r>
+              <a:rPr lang="en-US" sz="1200" kern="1200" baseline="0" dirty="0" smtClean="0">
+                <a:solidFill>
+                  <a:schemeClr val="tx1"/>
+                </a:solidFill>
+                <a:latin typeface="+mn-lt"/>
+                <a:ea typeface="+mn-ea"/>
+                <a:cs typeface="+mn-cs"/>
+              </a:rPr>
+              <a:t>"They don't understand objects."</a:t>
+            </a:r>
+          </a:p>
+          <a:p>
+            <a:r>
+              <a:rPr lang="en-US" sz="1200" kern="1200" baseline="0" dirty="0" smtClean="0">
+                <a:solidFill>
+                  <a:schemeClr val="tx1"/>
+                </a:solidFill>
+                <a:latin typeface="+mn-lt"/>
+                <a:ea typeface="+mn-ea"/>
+                <a:cs typeface="+mn-cs"/>
+              </a:rPr>
+              <a:t>"We have to collect requirements in their terminology."</a:t>
+            </a:r>
+          </a:p>
+          <a:p>
+            <a:r>
+              <a:rPr lang="en-US" sz="1200" kern="1200" baseline="0" dirty="0" smtClean="0">
+                <a:solidFill>
+                  <a:schemeClr val="tx1"/>
+                </a:solidFill>
+                <a:latin typeface="+mn-lt"/>
+                <a:ea typeface="+mn-ea"/>
+                <a:cs typeface="+mn-cs"/>
+              </a:rPr>
+              <a:t>These are just a few of the reasons I've heard for having two languages on the team. Forget</a:t>
+            </a:r>
+          </a:p>
+          <a:p>
+            <a:r>
+              <a:rPr lang="en-US" sz="1200" kern="1200" baseline="0" dirty="0" smtClean="0">
+                <a:solidFill>
+                  <a:schemeClr val="tx1"/>
+                </a:solidFill>
+                <a:latin typeface="+mn-lt"/>
+                <a:ea typeface="+mn-ea"/>
+                <a:cs typeface="+mn-cs"/>
+              </a:rPr>
+              <a:t>them.</a:t>
+            </a:r>
             <a:endParaRPr lang="en-US" dirty="0"/>
           </a:p>
         </p:txBody>
@@ -1187,7 +1211,7 @@
             <a:fld id="{5D5B2715-B0E0-4A76-9B24-AC64393DF8BD}" type="slidenum">
               <a:rPr lang="en-US" smtClean="0"/>
               <a:pPr/>
-              <a:t>12</a:t>
+              <a:t>13</a:t>
             </a:fld>
             <a:endParaRPr lang="en-US" dirty="0"/>
           </a:p>
@@ -1220,7 +1244,7 @@
       </p:grpSpPr>
       <p:sp>
         <p:nvSpPr>
-          <p:cNvPr id="2" name="Образ слайда 1"/>
+          <p:cNvPr id="2" name="Slide Image Placeholder 1"/>
           <p:cNvSpPr>
             <a:spLocks noGrp="1" noRot="1" noChangeAspect="1"/>
           </p:cNvSpPr>
@@ -1232,7 +1256,7 @@
       </p:sp>
       <p:sp>
         <p:nvSpPr>
-          <p:cNvPr id="3" name="Заметки 2"/>
+          <p:cNvPr id="3" name="Notes Placeholder 2"/>
           <p:cNvSpPr>
             <a:spLocks noGrp="1"/>
           </p:cNvSpPr>
@@ -1247,165 +1271,13 @@
           </a:bodyPr>
           <a:lstStyle/>
           <a:p>
-            <a:r>
-              <a:rPr lang="en-US" sz="1200" b="1" kern="1200" baseline="0" dirty="0" smtClean="0">
-                <a:solidFill>
-                  <a:schemeClr val="tx1"/>
-                </a:solidFill>
-                <a:latin typeface="+mn-lt"/>
-                <a:ea typeface="+mn-ea"/>
-                <a:cs typeface="+mn-cs"/>
-              </a:rPr>
-              <a:t>-if a implementation is disconnected from the model then the model has a little or not value</a:t>
-            </a:r>
-          </a:p>
-          <a:p>
-            <a:r>
-              <a:rPr lang="en-US" sz="1200" kern="1200" baseline="0" dirty="0" smtClean="0">
-                <a:solidFill>
-                  <a:schemeClr val="tx1"/>
-                </a:solidFill>
-                <a:latin typeface="+mn-lt"/>
-                <a:ea typeface="+mn-ea"/>
-                <a:cs typeface="+mn-cs"/>
-              </a:rPr>
-              <a:t>A domain model is not a particular diagram; it is the idea that the</a:t>
-            </a:r>
-          </a:p>
-          <a:p>
-            <a:r>
-              <a:rPr lang="en-US" sz="1200" kern="1200" baseline="0" dirty="0" smtClean="0">
-                <a:solidFill>
-                  <a:schemeClr val="tx1"/>
-                </a:solidFill>
-                <a:latin typeface="+mn-lt"/>
-                <a:ea typeface="+mn-ea"/>
-                <a:cs typeface="+mn-cs"/>
-              </a:rPr>
-              <a:t>diagram is intended to convey. It is not just the knowledge in a domain</a:t>
-            </a:r>
-          </a:p>
-          <a:p>
-            <a:r>
-              <a:rPr lang="en-US" sz="1200" kern="1200" baseline="0" dirty="0" smtClean="0">
-                <a:solidFill>
-                  <a:schemeClr val="tx1"/>
-                </a:solidFill>
-                <a:latin typeface="+mn-lt"/>
-                <a:ea typeface="+mn-ea"/>
-                <a:cs typeface="+mn-cs"/>
-              </a:rPr>
-              <a:t>expert’s head; </a:t>
-            </a:r>
-            <a:r>
-              <a:rPr lang="en-US" sz="1200" i="1" kern="1200" baseline="0" dirty="0" smtClean="0">
-                <a:solidFill>
-                  <a:schemeClr val="tx1"/>
-                </a:solidFill>
-                <a:latin typeface="+mn-lt"/>
-                <a:ea typeface="+mn-ea"/>
-                <a:cs typeface="+mn-cs"/>
-              </a:rPr>
-              <a:t>it is a rigorously organized and selective abstraction</a:t>
-            </a:r>
-          </a:p>
-          <a:p>
-            <a:r>
-              <a:rPr lang="en-US" sz="1200" i="1" kern="1200" baseline="0" dirty="0" smtClean="0">
-                <a:solidFill>
-                  <a:schemeClr val="tx1"/>
-                </a:solidFill>
-                <a:latin typeface="+mn-lt"/>
-                <a:ea typeface="+mn-ea"/>
-                <a:cs typeface="+mn-cs"/>
-              </a:rPr>
-              <a:t>of that knowledge. A diagram can represent and communicate a</a:t>
-            </a:r>
-          </a:p>
-          <a:p>
-            <a:r>
-              <a:rPr lang="en-US" sz="1200" kern="1200" baseline="0" dirty="0" smtClean="0">
-                <a:solidFill>
-                  <a:schemeClr val="tx1"/>
-                </a:solidFill>
-                <a:latin typeface="+mn-lt"/>
-                <a:ea typeface="+mn-ea"/>
-                <a:cs typeface="+mn-cs"/>
-              </a:rPr>
-              <a:t>model, as can carefully written code, as can an English sentence.</a:t>
-            </a:r>
-          </a:p>
-          <a:p>
-            <a:r>
-              <a:rPr lang="en-US" sz="1200" kern="1200" baseline="0" dirty="0" smtClean="0">
-                <a:solidFill>
-                  <a:schemeClr val="tx1"/>
-                </a:solidFill>
-                <a:latin typeface="+mn-lt"/>
-                <a:ea typeface="+mn-ea"/>
-                <a:cs typeface="+mn-cs"/>
-              </a:rPr>
-              <a:t>Domain modeling is not a matter of making as “realistic” a</a:t>
-            </a:r>
-          </a:p>
-          <a:p>
-            <a:r>
-              <a:rPr lang="en-US" sz="1200" kern="1200" baseline="0" dirty="0" smtClean="0">
-                <a:solidFill>
-                  <a:schemeClr val="tx1"/>
-                </a:solidFill>
-                <a:latin typeface="+mn-lt"/>
-                <a:ea typeface="+mn-ea"/>
-                <a:cs typeface="+mn-cs"/>
-              </a:rPr>
-              <a:t>model as possible. Even in a domain of tangible real-world things,</a:t>
-            </a:r>
-          </a:p>
-          <a:p>
-            <a:r>
-              <a:rPr lang="en-US" sz="1200" kern="1200" baseline="0" dirty="0" smtClean="0">
-                <a:solidFill>
-                  <a:schemeClr val="tx1"/>
-                </a:solidFill>
-                <a:latin typeface="+mn-lt"/>
-                <a:ea typeface="+mn-ea"/>
-                <a:cs typeface="+mn-cs"/>
-              </a:rPr>
-              <a:t>our model is an artificial creation. Nor is it just the construction of a</a:t>
-            </a:r>
-          </a:p>
-          <a:p>
-            <a:r>
-              <a:rPr lang="en-US" sz="1200" kern="1200" baseline="0" dirty="0" smtClean="0">
-                <a:solidFill>
-                  <a:schemeClr val="tx1"/>
-                </a:solidFill>
-                <a:latin typeface="+mn-lt"/>
-                <a:ea typeface="+mn-ea"/>
-                <a:cs typeface="+mn-cs"/>
-              </a:rPr>
-              <a:t>software mechanism that gives the necessary results. It is more like</a:t>
-            </a:r>
-          </a:p>
-          <a:p>
-            <a:r>
-              <a:rPr lang="en-US" sz="1200" kern="1200" baseline="0" dirty="0" smtClean="0">
-                <a:solidFill>
-                  <a:schemeClr val="tx1"/>
-                </a:solidFill>
-                <a:latin typeface="+mn-lt"/>
-                <a:ea typeface="+mn-ea"/>
-                <a:cs typeface="+mn-cs"/>
-              </a:rPr>
-              <a:t>moviemaking, loosely representing reality to a particular purpose.</a:t>
-            </a:r>
-            <a:endParaRPr lang="en-US" dirty="0"/>
-          </a:p>
-        </p:txBody>
-      </p:sp>
-      <p:sp>
-        <p:nvSpPr>
-          <p:cNvPr id="4" name="Номер слайда 3"/>
+            <a:endParaRPr lang="en-US" dirty="0"/>
+          </a:p>
+        </p:txBody>
+      </p:sp>
+      <p:sp>
+        <p:nvSpPr>
+          <p:cNvPr id="4" name="Slide Number Placeholder 3"/>
           <p:cNvSpPr>
             <a:spLocks noGrp="1"/>
           </p:cNvSpPr>
@@ -1421,7 +1293,7 @@
             <a:fld id="{5D5B2715-B0E0-4A76-9B24-AC64393DF8BD}" type="slidenum">
               <a:rPr lang="en-US" smtClean="0"/>
               <a:pPr/>
-              <a:t>13</a:t>
+              <a:t>14</a:t>
             </a:fld>
             <a:endParaRPr lang="en-US" dirty="0"/>
           </a:p>
@@ -1482,60 +1354,6 @@
           <a:lstStyle/>
           <a:p>
             <a:r>
-              <a:rPr lang="en-US" dirty="0" smtClean="0"/>
-              <a:t>Problem: </a:t>
-            </a:r>
-          </a:p>
-          <a:p>
-            <a:r>
-              <a:rPr lang="en-US" dirty="0" smtClean="0"/>
-              <a:t>A project faces serious problems when its language is fractured. Domain experts use their jargon while technical team members have their own language tuned for discussing the domain in terms of design.</a:t>
-            </a:r>
-          </a:p>
-          <a:p>
-            <a:endParaRPr lang="en-US" dirty="0" smtClean="0"/>
-          </a:p>
-          <a:p>
-            <a:r>
-              <a:rPr lang="en-US" dirty="0" smtClean="0"/>
-              <a:t>The terminology of day-to-day discussions is disconnected from the terminology embedded in the code (ultimately the most important product of the software project). And even the same person uses different language in speech and in writing, so that the most incisive impression of the domain often emerges in a transient form that is never captured in the code or even in writing.</a:t>
-            </a:r>
-          </a:p>
-          <a:p>
-            <a:endParaRPr lang="en-US" dirty="0" smtClean="0"/>
-          </a:p>
-          <a:p>
-            <a:r>
-              <a:rPr lang="en-US" dirty="0" smtClean="0"/>
-              <a:t>Translation blunts communication and makes knowledge crunching anemic.</a:t>
-            </a:r>
-          </a:p>
-          <a:p>
-            <a:endParaRPr lang="en-US" dirty="0" smtClean="0"/>
-          </a:p>
-          <a:p>
-            <a:r>
-              <a:rPr lang="en-US" dirty="0" smtClean="0"/>
-              <a:t>Yet none of these dialects can be a common language because none serves all needs.</a:t>
-            </a:r>
-          </a:p>
-          <a:p>
-            <a:endParaRPr lang="en-US" dirty="0" smtClean="0"/>
-          </a:p>
-          <a:p>
-            <a:r>
-              <a:rPr lang="en-US" dirty="0" smtClean="0"/>
-              <a:t>Solution: </a:t>
-            </a:r>
-          </a:p>
-          <a:p>
-            <a:r>
-              <a:rPr lang="en-US" dirty="0" smtClean="0"/>
-              <a:t>Use the model as a backbone of a language. Commit the team to exercising that language relentlessly in all communication within the team and in the code. Use the same language in diagrams, writing and especially speech.</a:t>
-            </a:r>
-          </a:p>
-          <a:p>
-            <a:r>
               <a:rPr lang="en-US" sz="1200" b="1" kern="1200" baseline="0" dirty="0" smtClean="0">
                 <a:solidFill>
                   <a:schemeClr val="tx1"/>
@@ -1544,9 +1362,150 @@
                 <a:ea typeface="+mn-ea"/>
                 <a:cs typeface="+mn-cs"/>
               </a:rPr>
-              <a:t>Recognize that a change in the UBIQUITOUS LANGUAGE is a change to the model.</a:t>
-            </a:r>
-            <a:endParaRPr lang="en-US" b="1" dirty="0"/>
+              <a:t>-if a implementation is disconnected from the model then the model has a little or not value</a:t>
+            </a:r>
+          </a:p>
+          <a:p>
+            <a:r>
+              <a:rPr lang="en-US" sz="1200" kern="1200" baseline="0" dirty="0" smtClean="0">
+                <a:solidFill>
+                  <a:schemeClr val="tx1"/>
+                </a:solidFill>
+                <a:latin typeface="+mn-lt"/>
+                <a:ea typeface="+mn-ea"/>
+                <a:cs typeface="+mn-cs"/>
+              </a:rPr>
+              <a:t>A domain model is not a particular diagram; it is the idea that the</a:t>
+            </a:r>
+          </a:p>
+          <a:p>
+            <a:r>
+              <a:rPr lang="en-US" sz="1200" kern="1200" baseline="0" dirty="0" smtClean="0">
+                <a:solidFill>
+                  <a:schemeClr val="tx1"/>
+                </a:solidFill>
+                <a:latin typeface="+mn-lt"/>
+                <a:ea typeface="+mn-ea"/>
+                <a:cs typeface="+mn-cs"/>
+              </a:rPr>
+              <a:t>diagram is intended to convey. It is not just the knowledge in a domain</a:t>
+            </a:r>
+          </a:p>
+          <a:p>
+            <a:r>
+              <a:rPr lang="en-US" sz="1200" kern="1200" baseline="0" dirty="0" smtClean="0">
+                <a:solidFill>
+                  <a:schemeClr val="tx1"/>
+                </a:solidFill>
+                <a:latin typeface="+mn-lt"/>
+                <a:ea typeface="+mn-ea"/>
+                <a:cs typeface="+mn-cs"/>
+              </a:rPr>
+              <a:t>expert’s head; </a:t>
+            </a:r>
+            <a:r>
+              <a:rPr lang="en-US" sz="1200" i="1" kern="1200" baseline="0" dirty="0" smtClean="0">
+                <a:solidFill>
+                  <a:schemeClr val="tx1"/>
+                </a:solidFill>
+                <a:latin typeface="+mn-lt"/>
+                <a:ea typeface="+mn-ea"/>
+                <a:cs typeface="+mn-cs"/>
+              </a:rPr>
+              <a:t>it is a rigorously organized and selective abstraction</a:t>
+            </a:r>
+          </a:p>
+          <a:p>
+            <a:r>
+              <a:rPr lang="en-US" sz="1200" i="1" kern="1200" baseline="0" dirty="0" smtClean="0">
+                <a:solidFill>
+                  <a:schemeClr val="tx1"/>
+                </a:solidFill>
+                <a:latin typeface="+mn-lt"/>
+                <a:ea typeface="+mn-ea"/>
+                <a:cs typeface="+mn-cs"/>
+              </a:rPr>
+              <a:t>of that knowledge. A diagram can represent and communicate a</a:t>
+            </a:r>
+          </a:p>
+          <a:p>
+            <a:r>
+              <a:rPr lang="en-US" sz="1200" kern="1200" baseline="0" dirty="0" smtClean="0">
+                <a:solidFill>
+                  <a:schemeClr val="tx1"/>
+                </a:solidFill>
+                <a:latin typeface="+mn-lt"/>
+                <a:ea typeface="+mn-ea"/>
+                <a:cs typeface="+mn-cs"/>
+              </a:rPr>
+              <a:t>model, as can carefully written code, as can an English sentence.</a:t>
+            </a:r>
+          </a:p>
+          <a:p>
+            <a:r>
+              <a:rPr lang="en-US" sz="1200" kern="1200" baseline="0" dirty="0" smtClean="0">
+                <a:solidFill>
+                  <a:schemeClr val="tx1"/>
+                </a:solidFill>
+                <a:latin typeface="+mn-lt"/>
+                <a:ea typeface="+mn-ea"/>
+                <a:cs typeface="+mn-cs"/>
+              </a:rPr>
+              <a:t>Domain modeling is not a matter of making as “realistic” a</a:t>
+            </a:r>
+          </a:p>
+          <a:p>
+            <a:r>
+              <a:rPr lang="en-US" sz="1200" kern="1200" baseline="0" dirty="0" smtClean="0">
+                <a:solidFill>
+                  <a:schemeClr val="tx1"/>
+                </a:solidFill>
+                <a:latin typeface="+mn-lt"/>
+                <a:ea typeface="+mn-ea"/>
+                <a:cs typeface="+mn-cs"/>
+              </a:rPr>
+              <a:t>model as possible. Even in a domain of tangible real-world things,</a:t>
+            </a:r>
+          </a:p>
+          <a:p>
+            <a:r>
+              <a:rPr lang="en-US" sz="1200" kern="1200" baseline="0" dirty="0" smtClean="0">
+                <a:solidFill>
+                  <a:schemeClr val="tx1"/>
+                </a:solidFill>
+                <a:latin typeface="+mn-lt"/>
+                <a:ea typeface="+mn-ea"/>
+                <a:cs typeface="+mn-cs"/>
+              </a:rPr>
+              <a:t>our model is an artificial creation. Nor is it just the construction of a</a:t>
+            </a:r>
+          </a:p>
+          <a:p>
+            <a:r>
+              <a:rPr lang="en-US" sz="1200" kern="1200" baseline="0" dirty="0" smtClean="0">
+                <a:solidFill>
+                  <a:schemeClr val="tx1"/>
+                </a:solidFill>
+                <a:latin typeface="+mn-lt"/>
+                <a:ea typeface="+mn-ea"/>
+                <a:cs typeface="+mn-cs"/>
+              </a:rPr>
+              <a:t>software mechanism that gives the necessary results. It is more like</a:t>
+            </a:r>
+          </a:p>
+          <a:p>
+            <a:r>
+              <a:rPr lang="en-US" sz="1200" kern="1200" baseline="0" dirty="0" smtClean="0">
+                <a:solidFill>
+                  <a:schemeClr val="tx1"/>
+                </a:solidFill>
+                <a:latin typeface="+mn-lt"/>
+                <a:ea typeface="+mn-ea"/>
+                <a:cs typeface="+mn-cs"/>
+              </a:rPr>
+              <a:t>moviemaking, loosely representing reality to a particular purpose.</a:t>
+            </a:r>
+            <a:endParaRPr lang="en-US" dirty="0"/>
           </a:p>
         </p:txBody>
       </p:sp>
@@ -1568,7 +1527,7 @@
             <a:fld id="{5D5B2715-B0E0-4A76-9B24-AC64393DF8BD}" type="slidenum">
               <a:rPr lang="en-US" smtClean="0"/>
               <a:pPr/>
-              <a:t>14</a:t>
+              <a:t>15</a:t>
             </a:fld>
             <a:endParaRPr lang="en-US" dirty="0"/>
           </a:p>
@@ -1628,7 +1587,72 @@
           </a:bodyPr>
           <a:lstStyle/>
           <a:p>
-            <a:endParaRPr lang="en-US"/>
+            <a:r>
+              <a:rPr lang="en-US" dirty="0" smtClean="0"/>
+              <a:t>Problem: </a:t>
+            </a:r>
+          </a:p>
+          <a:p>
+            <a:r>
+              <a:rPr lang="en-US" dirty="0" smtClean="0"/>
+              <a:t>A project faces serious problems when its language is fractured. Domain experts use their jargon while technical team members have their own language tuned for discussing the domain in terms of design.</a:t>
+            </a:r>
+          </a:p>
+          <a:p>
+            <a:endParaRPr lang="en-US" dirty="0" smtClean="0"/>
+          </a:p>
+          <a:p>
+            <a:r>
+              <a:rPr lang="en-US" dirty="0" smtClean="0"/>
+              <a:t>The terminology of day-to-day discussions is disconnected from the terminology embedded in the code (ultimately the most important product of the software project). And even the same person uses different language in speech and in writing, so that the most incisive impression of the domain often emerges in a transient form that is never captured in the code or even in writing.</a:t>
+            </a:r>
+          </a:p>
+          <a:p>
+            <a:endParaRPr lang="en-US" dirty="0" smtClean="0"/>
+          </a:p>
+          <a:p>
+            <a:r>
+              <a:rPr lang="en-US" dirty="0" smtClean="0"/>
+              <a:t>Translation blunts communication and makes knowledge crunching anemic.</a:t>
+            </a:r>
+          </a:p>
+          <a:p>
+            <a:endParaRPr lang="en-US" dirty="0" smtClean="0"/>
+          </a:p>
+          <a:p>
+            <a:r>
+              <a:rPr lang="en-US" dirty="0" smtClean="0"/>
+              <a:t>Yet none of these dialects can be a common language because none serves all needs.</a:t>
+            </a:r>
+          </a:p>
+          <a:p>
+            <a:endParaRPr lang="en-US" dirty="0" smtClean="0"/>
+          </a:p>
+          <a:p>
+            <a:r>
+              <a:rPr lang="en-US" dirty="0" smtClean="0"/>
+              <a:t>Solution: </a:t>
+            </a:r>
+          </a:p>
+          <a:p>
+            <a:r>
+              <a:rPr lang="en-US" dirty="0" smtClean="0"/>
+              <a:t>Use the model as a backbone of a language. Commit the team to exercising that language relentlessly in all communication within the team and in the code. Use the same language in diagrams, writing and especially speech.</a:t>
+            </a:r>
+          </a:p>
+          <a:p>
+            <a:r>
+              <a:rPr lang="en-US" sz="1200" b="1" kern="1200" baseline="0" dirty="0" smtClean="0">
+                <a:solidFill>
+                  <a:schemeClr val="tx1"/>
+                </a:solidFill>
+                <a:latin typeface="+mn-lt"/>
+                <a:ea typeface="+mn-ea"/>
+                <a:cs typeface="+mn-cs"/>
+              </a:rPr>
+              <a:t>Recognize that a change in the UBIQUITOUS LANGUAGE is a change to the model.</a:t>
+            </a:r>
+            <a:endParaRPr lang="en-US" b="1" dirty="0"/>
           </a:p>
         </p:txBody>
       </p:sp>
@@ -1650,7 +1674,7 @@
             <a:fld id="{5D5B2715-B0E0-4A76-9B24-AC64393DF8BD}" type="slidenum">
               <a:rPr lang="en-US" smtClean="0"/>
               <a:pPr/>
-              <a:t>15</a:t>
+              <a:t>16</a:t>
             </a:fld>
             <a:endParaRPr lang="en-US" dirty="0"/>
           </a:p>
@@ -1706,6 +1730,88 @@
         <p:spPr/>
         <p:txBody>
           <a:bodyPr>
+            <a:normAutofit/>
+          </a:bodyPr>
+          <a:lstStyle/>
+          <a:p>
+            <a:endParaRPr lang="en-US"/>
+          </a:p>
+        </p:txBody>
+      </p:sp>
+      <p:sp>
+        <p:nvSpPr>
+          <p:cNvPr id="4" name="Номер слайда 3"/>
+          <p:cNvSpPr>
+            <a:spLocks noGrp="1"/>
+          </p:cNvSpPr>
+          <p:nvPr>
+            <p:ph type="sldNum" sz="quarter" idx="10"/>
+          </p:nvPr>
+        </p:nvSpPr>
+        <p:spPr/>
+        <p:txBody>
+          <a:bodyPr/>
+          <a:lstStyle/>
+          <a:p>
+            <a:fld id="{5D5B2715-B0E0-4A76-9B24-AC64393DF8BD}" type="slidenum">
+              <a:rPr lang="en-US" smtClean="0"/>
+              <a:pPr/>
+              <a:t>17</a:t>
+            </a:fld>
+            <a:endParaRPr lang="en-US" dirty="0"/>
+          </a:p>
+        </p:txBody>
+      </p:sp>
+    </p:spTree>
+  </p:cSld>
+  <p:clrMapOvr>
+    <a:masterClrMapping/>
+  </p:clrMapOvr>
+</p:notes>
+</file>
+
+<file path=ppt/notesSlides/notesSlide16.xml><?xml version="1.0" encoding="utf-8"?>
+<p:notes xmlns:a="http://schemas.openxmlformats.org/drawingml/2006/main" xmlns:r="http://schemas.openxmlformats.org/officeDocument/2006/relationships" xmlns:p="http://schemas.openxmlformats.org/presentationml/2006/main">
+  <p:cSld>
+    <p:spTree>
+      <p:nvGrpSpPr>
+        <p:cNvPr id="1" name=""/>
+        <p:cNvGrpSpPr/>
+        <p:nvPr/>
+      </p:nvGrpSpPr>
+      <p:grpSpPr>
+        <a:xfrm>
+          <a:off x="0" y="0"/>
+          <a:ext cx="0" cy="0"/>
+          <a:chOff x="0" y="0"/>
+          <a:chExt cx="0" cy="0"/>
+        </a:xfrm>
+      </p:grpSpPr>
+      <p:sp>
+        <p:nvSpPr>
+          <p:cNvPr id="2" name="Образ слайда 1"/>
+          <p:cNvSpPr>
+            <a:spLocks noGrp="1" noRot="1" noChangeAspect="1"/>
+          </p:cNvSpPr>
+          <p:nvPr>
+            <p:ph type="sldImg"/>
+          </p:nvPr>
+        </p:nvSpPr>
+        <p:spPr/>
+      </p:sp>
+      <p:sp>
+        <p:nvSpPr>
+          <p:cNvPr id="3" name="Заметки 2"/>
+          <p:cNvSpPr>
+            <a:spLocks noGrp="1"/>
+          </p:cNvSpPr>
+          <p:nvPr>
+            <p:ph type="body" idx="1"/>
+          </p:nvPr>
+        </p:nvSpPr>
+        <p:spPr/>
+        <p:txBody>
+          <a:bodyPr>
             <a:normAutofit lnSpcReduction="10000"/>
           </a:bodyPr>
           <a:lstStyle/>
@@ -2012,7 +2118,7 @@
             <a:fld id="{5D5B2715-B0E0-4A76-9B24-AC64393DF8BD}" type="slidenum">
               <a:rPr lang="en-US" smtClean="0"/>
               <a:pPr/>
-              <a:t>16</a:t>
+              <a:t>18</a:t>
             </a:fld>
             <a:endParaRPr lang="en-US" dirty="0"/>
           </a:p>
@@ -2242,11 +2348,7 @@
           </a:bodyPr>
           <a:lstStyle/>
           <a:p>
-            <a:r>
-              <a:rPr lang="en-US" dirty="0" smtClean="0"/>
-              <a:t>Domain examples: Banking, Accounting, Public Relationship..</a:t>
-            </a:r>
-            <a:endParaRPr lang="en-US" dirty="0"/>
+            <a:endParaRPr lang="en-US"/>
           </a:p>
         </p:txBody>
       </p:sp>
@@ -2268,7 +2370,7 @@
             <a:fld id="{5D5B2715-B0E0-4A76-9B24-AC64393DF8BD}" type="slidenum">
               <a:rPr lang="en-US" smtClean="0"/>
               <a:pPr/>
-              <a:t>4</a:t>
+              <a:t>5</a:t>
             </a:fld>
             <a:endParaRPr lang="en-US" dirty="0"/>
           </a:p>
@@ -2330,19 +2432,7 @@
           <a:p>
             <a:r>
               <a:rPr lang="en-US" dirty="0" smtClean="0"/>
-              <a:t>For most of the</a:t>
-            </a:r>
-            <a:r>
-              <a:rPr lang="en-US" baseline="0" dirty="0" smtClean="0"/>
-              <a:t> project it’s true!... For other it’s not </a:t>
-            </a:r>
-            <a:r>
-              <a:rPr lang="en-US" dirty="0" smtClean="0"/>
-              <a:t>Frameworks,</a:t>
-            </a:r>
-            <a:r>
-              <a:rPr lang="en-US" baseline="0" dirty="0" smtClean="0"/>
-              <a:t> router, etc.. Are not in that category.</a:t>
+              <a:t>Domain examples: Banking, Accounting, Public Relationship..</a:t>
             </a:r>
             <a:endParaRPr lang="en-US" dirty="0"/>
           </a:p>
@@ -2366,7 +2456,7 @@
             <a:fld id="{5D5B2715-B0E0-4A76-9B24-AC64393DF8BD}" type="slidenum">
               <a:rPr lang="en-US" smtClean="0"/>
               <a:pPr/>
-              <a:t>5</a:t>
+              <a:t>6</a:t>
             </a:fld>
             <a:endParaRPr lang="en-US" dirty="0"/>
           </a:p>
@@ -2399,7 +2489,7 @@
       </p:grpSpPr>
       <p:sp>
         <p:nvSpPr>
-          <p:cNvPr id="2" name="Образ слайда 1"/>
+          <p:cNvPr id="2" name="Slide Image Placeholder 1"/>
           <p:cNvSpPr>
             <a:spLocks noGrp="1" noRot="1" noChangeAspect="1"/>
           </p:cNvSpPr>
@@ -2411,7 +2501,7 @@
       </p:sp>
       <p:sp>
         <p:nvSpPr>
-          <p:cNvPr id="3" name="Заметки 2"/>
+          <p:cNvPr id="3" name="Notes Placeholder 2"/>
           <p:cNvSpPr>
             <a:spLocks noGrp="1"/>
           </p:cNvSpPr>
@@ -2428,172 +2518,27 @@
           <a:p>
             <a:r>
               <a:rPr lang="en-US" dirty="0" smtClean="0"/>
-              <a:t>Model evolution</a:t>
-            </a:r>
-          </a:p>
-          <a:p>
+              <a:t>For most of the</a:t>
+            </a:r>
+            <a:r>
+              <a:rPr lang="en-US" baseline="0" dirty="0" smtClean="0"/>
+              <a:t> project it’s true!... For other it’s not </a:t>
+            </a:r>
             <a:r>
               <a:rPr lang="en-US" dirty="0" smtClean="0"/>
-              <a:t>Model should not be realistic</a:t>
-            </a:r>
-          </a:p>
-          <a:p>
-            <a:r>
-              <a:rPr lang="en-US" dirty="0" smtClean="0"/>
-              <a:t>Model helps</a:t>
+              <a:t>Frameworks,</a:t>
             </a:r>
             <a:r>
               <a:rPr lang="en-US" baseline="0" dirty="0" smtClean="0"/>
-              <a:t> us to enter to domain</a:t>
-            </a:r>
-          </a:p>
-          <a:p>
-            <a:pPr marL="0" marR="0" indent="0" algn="l" defTabSz="914400" rtl="0" eaLnBrk="1" fontAlgn="auto" latinLnBrk="0" hangingPunct="1">
-              <a:lnSpc>
-                <a:spcPct val="100000"/>
-              </a:lnSpc>
-              <a:spcBef>
-                <a:spcPts val="0"/>
-              </a:spcBef>
-              <a:spcAft>
-                <a:spcPts val="0"/>
-              </a:spcAft>
-              <a:buClrTx/>
-              <a:buSzTx/>
-              <a:buFontTx/>
-              <a:buNone/>
-              <a:tabLst/>
-              <a:defRPr/>
-            </a:pPr>
-            <a:r>
-              <a:rPr lang="en-US" dirty="0" err="1" smtClean="0"/>
-              <a:t>Enstein</a:t>
-            </a:r>
-            <a:r>
-              <a:rPr lang="en-US" dirty="0" smtClean="0"/>
-              <a:t>: Theory of all… theory on</a:t>
-            </a:r>
-            <a:r>
-              <a:rPr lang="en-US" baseline="0" dirty="0" smtClean="0"/>
-              <a:t> atom level and on stars level</a:t>
-            </a:r>
-          </a:p>
-          <a:p>
-            <a:endParaRPr lang="en-US" baseline="0" dirty="0" smtClean="0"/>
-          </a:p>
-          <a:p>
-            <a:r>
-              <a:rPr lang="en-US" sz="1200" kern="1200" baseline="0" dirty="0" smtClean="0">
-                <a:solidFill>
-                  <a:schemeClr val="tx1"/>
-                </a:solidFill>
-                <a:latin typeface="+mn-lt"/>
-                <a:ea typeface="+mn-ea"/>
-                <a:cs typeface="+mn-cs"/>
-              </a:rPr>
-              <a:t>Projects that have no domain model at all, but just write code to fulfill one function after another,</a:t>
-            </a:r>
-          </a:p>
-          <a:p>
-            <a:r>
-              <a:rPr lang="en-US" sz="1200" kern="1200" baseline="0" dirty="0" smtClean="0">
-                <a:solidFill>
-                  <a:schemeClr val="tx1"/>
-                </a:solidFill>
-                <a:latin typeface="+mn-lt"/>
-                <a:ea typeface="+mn-ea"/>
-                <a:cs typeface="+mn-cs"/>
-              </a:rPr>
-              <a:t>gain few of the advantages of knowledge crunching and communication discussed in the previous</a:t>
-            </a:r>
-          </a:p>
-          <a:p>
-            <a:r>
-              <a:rPr lang="en-US" sz="1200" kern="1200" baseline="0" dirty="0" smtClean="0">
-                <a:solidFill>
-                  <a:schemeClr val="tx1"/>
-                </a:solidFill>
-                <a:latin typeface="+mn-lt"/>
-                <a:ea typeface="+mn-ea"/>
-                <a:cs typeface="+mn-cs"/>
-              </a:rPr>
-              <a:t>two chapters. A complex domain will swamp them.</a:t>
-            </a:r>
-            <a:endParaRPr lang="en-US" dirty="0" smtClean="0"/>
-          </a:p>
-          <a:p>
-            <a:endParaRPr lang="en-US" baseline="0" dirty="0" smtClean="0"/>
-          </a:p>
-          <a:p>
-            <a:r>
-              <a:rPr lang="en-US" sz="1200" kern="1200" baseline="0" dirty="0" smtClean="0">
-                <a:solidFill>
-                  <a:schemeClr val="tx1"/>
-                </a:solidFill>
-                <a:latin typeface="+mn-lt"/>
-                <a:ea typeface="+mn-ea"/>
-                <a:cs typeface="+mn-cs"/>
-              </a:rPr>
-              <a:t>The key to controlling complexity is a good domain model, a model that goes beyond a surface</a:t>
-            </a:r>
-          </a:p>
-          <a:p>
-            <a:r>
-              <a:rPr lang="en-US" sz="1200" kern="1200" baseline="0" dirty="0" smtClean="0">
-                <a:solidFill>
-                  <a:schemeClr val="tx1"/>
-                </a:solidFill>
-                <a:latin typeface="+mn-lt"/>
-                <a:ea typeface="+mn-ea"/>
-                <a:cs typeface="+mn-cs"/>
-              </a:rPr>
-              <a:t>vision of a domain by introducing an underlying structure, which gives the software developers the</a:t>
-            </a:r>
-          </a:p>
-          <a:p>
-            <a:r>
-              <a:rPr lang="en-US" sz="1200" kern="1200" baseline="0" dirty="0" smtClean="0">
-                <a:solidFill>
-                  <a:schemeClr val="tx1"/>
-                </a:solidFill>
-                <a:latin typeface="+mn-lt"/>
-                <a:ea typeface="+mn-ea"/>
-                <a:cs typeface="+mn-cs"/>
-              </a:rPr>
-              <a:t>leverage they need. A good domain model can be incredibly valuable, but it's not something that's</a:t>
-            </a:r>
-          </a:p>
-          <a:p>
-            <a:r>
-              <a:rPr lang="en-US" sz="1200" kern="1200" baseline="0" dirty="0" smtClean="0">
-                <a:solidFill>
-                  <a:schemeClr val="tx1"/>
-                </a:solidFill>
-                <a:latin typeface="+mn-lt"/>
-                <a:ea typeface="+mn-ea"/>
-                <a:cs typeface="+mn-cs"/>
-              </a:rPr>
-              <a:t>easy to make. Few people can do it well, and it's very hard to teach.</a:t>
-            </a:r>
-          </a:p>
-          <a:p>
-            <a:endParaRPr lang="en-US" sz="1200" kern="1200" baseline="0" dirty="0" smtClean="0">
-              <a:solidFill>
-                <a:schemeClr val="tx1"/>
-              </a:solidFill>
-              <a:latin typeface="+mn-lt"/>
-              <a:ea typeface="+mn-ea"/>
-              <a:cs typeface="+mn-cs"/>
-            </a:endParaRPr>
-          </a:p>
-          <a:p>
-            <a:endParaRPr lang="en-US" dirty="0"/>
-          </a:p>
-        </p:txBody>
-      </p:sp>
-      <p:sp>
-        <p:nvSpPr>
-          <p:cNvPr id="4" name="Номер слайда 3"/>
+              <a:t> router, etc.. Are not in that category.</a:t>
+            </a:r>
+            <a:endParaRPr lang="en-US" dirty="0"/>
+          </a:p>
+        </p:txBody>
+      </p:sp>
+      <p:sp>
+        <p:nvSpPr>
+          <p:cNvPr id="4" name="Slide Number Placeholder 3"/>
           <p:cNvSpPr>
             <a:spLocks noGrp="1"/>
           </p:cNvSpPr>
@@ -2671,12 +2616,167 @@
           <a:p>
             <a:r>
               <a:rPr lang="en-US" dirty="0" smtClean="0"/>
-              <a:t>Sheet music can be used as a record of, a guide to, or a means to perform, a piece of music. Although it does not take the place of the sound of a performed work, sheet music can be studied to create a performance and to elucidate aspects of the music that may not be obvious from mere listening. Authoritative musical information about a piece can be gained by studying the written sketches and early versions of compositions that the composer might have retained, as well as the final autograph score and personal markings on proofs and printed scores</a:t>
-            </a:r>
-          </a:p>
-          <a:p>
+              <a:t>Model evolution</a:t>
+            </a:r>
+          </a:p>
+          <a:p>
+            <a:r>
+              <a:rPr lang="en-US" dirty="0" smtClean="0"/>
+              <a:t>Model should not be realistic</a:t>
+            </a:r>
+          </a:p>
+          <a:p>
+            <a:r>
+              <a:rPr lang="en-US" dirty="0" smtClean="0"/>
+              <a:t>Model helps</a:t>
+            </a:r>
+            <a:r>
+              <a:rPr lang="en-US" baseline="0" dirty="0" smtClean="0"/>
+              <a:t> us to enter to domain</a:t>
+            </a:r>
+          </a:p>
+          <a:p>
+            <a:pPr marL="0" marR="0" indent="0" algn="l" defTabSz="914400" rtl="0" eaLnBrk="1" fontAlgn="auto" latinLnBrk="0" hangingPunct="1">
+              <a:lnSpc>
+                <a:spcPct val="100000"/>
+              </a:lnSpc>
+              <a:spcBef>
+                <a:spcPts val="0"/>
+              </a:spcBef>
+              <a:spcAft>
+                <a:spcPts val="0"/>
+              </a:spcAft>
+              <a:buClrTx/>
+              <a:buSzTx/>
+              <a:buFontTx/>
+              <a:buNone/>
+              <a:tabLst/>
+              <a:defRPr/>
+            </a:pPr>
+            <a:r>
+              <a:rPr lang="en-US" dirty="0" err="1" smtClean="0"/>
+              <a:t>Enstein</a:t>
+            </a:r>
+            <a:r>
+              <a:rPr lang="en-US" dirty="0" smtClean="0"/>
+              <a:t>: Theory of all… theory on</a:t>
+            </a:r>
+            <a:r>
+              <a:rPr lang="en-US" baseline="0" dirty="0" smtClean="0"/>
+              <a:t> atom level and on stars level</a:t>
+            </a:r>
+          </a:p>
+          <a:p>
+            <a:endParaRPr lang="en-US" baseline="0" dirty="0" smtClean="0"/>
+          </a:p>
+          <a:p>
+            <a:r>
+              <a:rPr lang="en-US" sz="1200" kern="1200" baseline="0" dirty="0" smtClean="0">
+                <a:solidFill>
+                  <a:schemeClr val="tx1"/>
+                </a:solidFill>
+                <a:latin typeface="+mn-lt"/>
+                <a:ea typeface="+mn-ea"/>
+                <a:cs typeface="+mn-cs"/>
+              </a:rPr>
+              <a:t>Projects that have no domain model at all, but just write code to fulfill one function after another,</a:t>
+            </a:r>
+          </a:p>
+          <a:p>
+            <a:r>
+              <a:rPr lang="en-US" sz="1200" kern="1200" baseline="0" dirty="0" smtClean="0">
+                <a:solidFill>
+                  <a:schemeClr val="tx1"/>
+                </a:solidFill>
+                <a:latin typeface="+mn-lt"/>
+                <a:ea typeface="+mn-ea"/>
+                <a:cs typeface="+mn-cs"/>
+              </a:rPr>
+              <a:t>gain few of the advantages of knowledge crunching and communication discussed in the previous</a:t>
+            </a:r>
+          </a:p>
+          <a:p>
+            <a:r>
+              <a:rPr lang="en-US" sz="1200" kern="1200" baseline="0" dirty="0" smtClean="0">
+                <a:solidFill>
+                  <a:schemeClr val="tx1"/>
+                </a:solidFill>
+                <a:latin typeface="+mn-lt"/>
+                <a:ea typeface="+mn-ea"/>
+                <a:cs typeface="+mn-cs"/>
+              </a:rPr>
+              <a:t>two chapters. A complex domain will swamp them.</a:t>
+            </a:r>
             <a:endParaRPr lang="en-US" dirty="0" smtClean="0"/>
           </a:p>
+          <a:p>
+            <a:endParaRPr lang="en-US" baseline="0" dirty="0" smtClean="0"/>
+          </a:p>
+          <a:p>
+            <a:r>
+              <a:rPr lang="en-US" sz="1200" kern="1200" baseline="0" dirty="0" smtClean="0">
+                <a:solidFill>
+                  <a:schemeClr val="tx1"/>
+                </a:solidFill>
+                <a:latin typeface="+mn-lt"/>
+                <a:ea typeface="+mn-ea"/>
+                <a:cs typeface="+mn-cs"/>
+              </a:rPr>
+              <a:t>The key to controlling complexity is a good domain model, a model that goes beyond a surface</a:t>
+            </a:r>
+          </a:p>
+          <a:p>
+            <a:r>
+              <a:rPr lang="en-US" sz="1200" kern="1200" baseline="0" dirty="0" smtClean="0">
+                <a:solidFill>
+                  <a:schemeClr val="tx1"/>
+                </a:solidFill>
+                <a:latin typeface="+mn-lt"/>
+                <a:ea typeface="+mn-ea"/>
+                <a:cs typeface="+mn-cs"/>
+              </a:rPr>
+              <a:t>vision of a domain by introducing an underlying structure, which gives the software developers the</a:t>
+            </a:r>
+          </a:p>
+          <a:p>
+            <a:r>
+              <a:rPr lang="en-US" sz="1200" kern="1200" baseline="0" dirty="0" smtClean="0">
+                <a:solidFill>
+                  <a:schemeClr val="tx1"/>
+                </a:solidFill>
+                <a:latin typeface="+mn-lt"/>
+                <a:ea typeface="+mn-ea"/>
+                <a:cs typeface="+mn-cs"/>
+              </a:rPr>
+              <a:t>leverage they need. A good domain model can be incredibly valuable, but it's not something that's</a:t>
+            </a:r>
+          </a:p>
+          <a:p>
+            <a:r>
+              <a:rPr lang="en-US" sz="1200" kern="1200" baseline="0" dirty="0" smtClean="0">
+                <a:solidFill>
+                  <a:schemeClr val="tx1"/>
+                </a:solidFill>
+                <a:latin typeface="+mn-lt"/>
+                <a:ea typeface="+mn-ea"/>
+                <a:cs typeface="+mn-cs"/>
+              </a:rPr>
+              <a:t>easy to make. Few people can do it well, and it's very hard to teach.</a:t>
+            </a:r>
+          </a:p>
+          <a:p>
+            <a:endParaRPr lang="en-US" sz="1200" kern="1200" baseline="0" dirty="0" smtClean="0">
+              <a:solidFill>
+                <a:schemeClr val="tx1"/>
+              </a:solidFill>
+              <a:latin typeface="+mn-lt"/>
+              <a:ea typeface="+mn-ea"/>
+              <a:cs typeface="+mn-cs"/>
+            </a:endParaRPr>
+          </a:p>
+          <a:p>
+            <a:endParaRPr lang="en-US" dirty="0"/>
+          </a:p>
         </p:txBody>
       </p:sp>
       <p:sp>
@@ -2697,7 +2797,7 @@
             <a:fld id="{5D5B2715-B0E0-4A76-9B24-AC64393DF8BD}" type="slidenum">
               <a:rPr lang="en-US" smtClean="0"/>
               <a:pPr/>
-              <a:t>8</a:t>
+              <a:t>9</a:t>
             </a:fld>
             <a:endParaRPr lang="en-US" dirty="0"/>
           </a:p>
@@ -2757,7 +2857,13 @@
           </a:bodyPr>
           <a:lstStyle/>
           <a:p>
-            <a:endParaRPr lang="en-US" dirty="0"/>
+            <a:r>
+              <a:rPr lang="en-US" dirty="0" smtClean="0"/>
+              <a:t>Sheet music can be used as a record of, a guide to, or a means to perform, a piece of music. Although it does not take the place of the sound of a performed work, sheet music can be studied to create a performance and to elucidate aspects of the music that may not be obvious from mere listening. Authoritative musical information about a piece can be gained by studying the written sketches and early versions of compositions that the composer might have retained, as well as the final autograph score and personal markings on proofs and printed scores</a:t>
+            </a:r>
+          </a:p>
+          <a:p>
+            <a:endParaRPr lang="en-US" dirty="0" smtClean="0"/>
           </a:p>
         </p:txBody>
       </p:sp>
@@ -2779,7 +2885,7 @@
             <a:fld id="{5D5B2715-B0E0-4A76-9B24-AC64393DF8BD}" type="slidenum">
               <a:rPr lang="en-US" smtClean="0"/>
               <a:pPr/>
-              <a:t>9</a:t>
+              <a:t>10</a:t>
             </a:fld>
             <a:endParaRPr lang="en-US" dirty="0"/>
           </a:p>
@@ -2839,28 +2945,6 @@
           </a:bodyPr>
           <a:lstStyle/>
           <a:p>
-            <a:r>
-              <a:rPr lang="en-US" dirty="0" smtClean="0"/>
-              <a:t>Is</a:t>
-            </a:r>
-            <a:r>
-              <a:rPr lang="en-US" baseline="0" dirty="0" smtClean="0"/>
-              <a:t> it realistic?</a:t>
-            </a:r>
-          </a:p>
-          <a:p>
-            <a:r>
-              <a:rPr lang="en-US" baseline="0" dirty="0" smtClean="0"/>
-              <a:t>Which earth representation is better?</a:t>
-            </a:r>
-          </a:p>
-          <a:p>
-            <a:r>
-              <a:rPr lang="en-US" baseline="0" dirty="0" smtClean="0"/>
-              <a:t>We should not represent the entire WORLD model but just purpose of the model…</a:t>
-            </a:r>
-          </a:p>
-          <a:p>
             <a:endParaRPr lang="en-US" dirty="0"/>
           </a:p>
         </p:txBody>
@@ -2883,7 +2967,7 @@
             <a:fld id="{5D5B2715-B0E0-4A76-9B24-AC64393DF8BD}" type="slidenum">
               <a:rPr lang="en-US" smtClean="0"/>
               <a:pPr/>
-              <a:t>10</a:t>
+              <a:t>11</a:t>
             </a:fld>
             <a:endParaRPr lang="en-US" dirty="0"/>
           </a:p>
@@ -5946,6 +6030,156 @@
           <a:chExt cx="0" cy="0"/>
         </a:xfrm>
       </p:grpSpPr>
+      <p:sp>
+        <p:nvSpPr>
+          <p:cNvPr id="2" name="Заголовок 1"/>
+          <p:cNvSpPr>
+            <a:spLocks noGrp="1"/>
+          </p:cNvSpPr>
+          <p:nvPr>
+            <p:ph type="title"/>
+          </p:nvPr>
+        </p:nvSpPr>
+        <p:spPr/>
+        <p:txBody>
+          <a:bodyPr/>
+          <a:lstStyle/>
+          <a:p>
+            <a:r>
+              <a:rPr lang="en-US" dirty="0" smtClean="0"/>
+              <a:t>Even Music has a Model</a:t>
+            </a:r>
+            <a:endParaRPr lang="en-US" dirty="0"/>
+          </a:p>
+        </p:txBody>
+      </p:sp>
+      <p:pic>
+        <p:nvPicPr>
+          <p:cNvPr id="2050" name="Picture 2"/>
+          <p:cNvPicPr>
+            <a:picLocks noGrp="1" noChangeAspect="1" noChangeArrowheads="1"/>
+          </p:cNvPicPr>
+          <p:nvPr>
+            <p:ph idx="1"/>
+          </p:nvPr>
+        </p:nvPicPr>
+        <p:blipFill>
+          <a:blip r:embed="rId3"/>
+          <a:srcRect/>
+          <a:stretch>
+            <a:fillRect/>
+          </a:stretch>
+        </p:blipFill>
+        <p:spPr bwMode="auto">
+          <a:xfrm>
+            <a:off x="1219200" y="1905000"/>
+            <a:ext cx="5943600" cy="3429000"/>
+          </a:xfrm>
+          <a:prstGeom prst="rect">
+            <a:avLst/>
+          </a:prstGeom>
+          <a:noFill/>
+          <a:ln w="9525">
+            <a:noFill/>
+            <a:miter lim="800000"/>
+            <a:headEnd/>
+            <a:tailEnd/>
+          </a:ln>
+          <a:effectLst/>
+        </p:spPr>
+      </p:pic>
+    </p:spTree>
+  </p:cSld>
+  <p:clrMapOvr>
+    <a:masterClrMapping/>
+  </p:clrMapOvr>
+</p:sld>
+</file>
+
+<file path=ppt/slides/slide11.xml><?xml version="1.0" encoding="utf-8"?>
+<p:sld xmlns:a="http://schemas.openxmlformats.org/drawingml/2006/main" xmlns:r="http://schemas.openxmlformats.org/officeDocument/2006/relationships" xmlns:p="http://schemas.openxmlformats.org/presentationml/2006/main">
+  <p:cSld>
+    <p:spTree>
+      <p:nvGrpSpPr>
+        <p:cNvPr id="1" name=""/>
+        <p:cNvGrpSpPr/>
+        <p:nvPr/>
+      </p:nvGrpSpPr>
+      <p:grpSpPr>
+        <a:xfrm>
+          <a:off x="0" y="0"/>
+          <a:ext cx="0" cy="0"/>
+          <a:chOff x="0" y="0"/>
+          <a:chExt cx="0" cy="0"/>
+        </a:xfrm>
+      </p:grpSpPr>
+      <p:sp>
+        <p:nvSpPr>
+          <p:cNvPr id="2" name="Заголовок 1"/>
+          <p:cNvSpPr>
+            <a:spLocks noGrp="1"/>
+          </p:cNvSpPr>
+          <p:nvPr>
+            <p:ph type="title"/>
+          </p:nvPr>
+        </p:nvSpPr>
+        <p:spPr>
+          <a:xfrm>
+            <a:off x="457200" y="2438400"/>
+            <a:ext cx="8229600" cy="1143000"/>
+          </a:xfrm>
+        </p:spPr>
+        <p:txBody>
+          <a:bodyPr>
+            <a:normAutofit fontScale="90000"/>
+          </a:bodyPr>
+          <a:lstStyle/>
+          <a:p>
+            <a:r>
+              <a:rPr lang="en-US" dirty="0" smtClean="0"/>
+              <a:t>The key to controlling complexity is a good </a:t>
+            </a:r>
+            <a:r>
+              <a:rPr lang="en-US" dirty="0" smtClean="0">
+                <a:solidFill>
+                  <a:srgbClr val="009900"/>
+                </a:solidFill>
+              </a:rPr>
+              <a:t>domain model</a:t>
+            </a:r>
+            <a:r>
+              <a:rPr lang="en-US" dirty="0" smtClean="0"/>
+              <a:t>.</a:t>
+            </a:r>
+            <a:endParaRPr lang="en-US" dirty="0"/>
+          </a:p>
+        </p:txBody>
+      </p:sp>
+    </p:spTree>
+  </p:cSld>
+  <p:clrMapOvr>
+    <a:masterClrMapping/>
+  </p:clrMapOvr>
+</p:sld>
+</file>
+
+<file path=ppt/slides/slide12.xml><?xml version="1.0" encoding="utf-8"?>
+<p:sld xmlns:a="http://schemas.openxmlformats.org/drawingml/2006/main" xmlns:r="http://schemas.openxmlformats.org/officeDocument/2006/relationships" xmlns:p="http://schemas.openxmlformats.org/presentationml/2006/main">
+  <p:cSld>
+    <p:spTree>
+      <p:nvGrpSpPr>
+        <p:cNvPr id="1" name=""/>
+        <p:cNvGrpSpPr/>
+        <p:nvPr/>
+      </p:nvGrpSpPr>
+      <p:grpSpPr>
+        <a:xfrm>
+          <a:off x="0" y="0"/>
+          <a:ext cx="0" cy="0"/>
+          <a:chOff x="0" y="0"/>
+          <a:chExt cx="0" cy="0"/>
+        </a:xfrm>
+      </p:grpSpPr>
       <p:pic>
         <p:nvPicPr>
           <p:cNvPr id="1026" name="Picture 2"/>
@@ -6020,7 +6254,7 @@
 </p:sld>
 </file>
 
-<file path=ppt/slides/slide11.xml><?xml version="1.0" encoding="utf-8"?>
+<file path=ppt/slides/slide13.xml><?xml version="1.0" encoding="utf-8"?>
 <p:sld xmlns:a="http://schemas.openxmlformats.org/drawingml/2006/main" xmlns:r="http://schemas.openxmlformats.org/officeDocument/2006/relationships" xmlns:p="http://schemas.openxmlformats.org/presentationml/2006/main">
   <p:cSld>
     <p:spTree>
@@ -6499,7 +6733,7 @@
 </p:sld>
 </file>
 
-<file path=ppt/slides/slide12.xml><?xml version="1.0" encoding="utf-8"?>
+<file path=ppt/slides/slide14.xml><?xml version="1.0" encoding="utf-8"?>
 <p:sld xmlns:a="http://schemas.openxmlformats.org/drawingml/2006/main" xmlns:r="http://schemas.openxmlformats.org/officeDocument/2006/relationships" xmlns:p="http://schemas.openxmlformats.org/presentationml/2006/main">
   <p:cSld>
     <p:spTree>
@@ -6918,7 +7152,7 @@
 </p:sld>
 </file>
 
-<file path=ppt/slides/slide13.xml><?xml version="1.0" encoding="utf-8"?>
+<file path=ppt/slides/slide15.xml><?xml version="1.0" encoding="utf-8"?>
 <p:sld xmlns:a="http://schemas.openxmlformats.org/drawingml/2006/main" xmlns:r="http://schemas.openxmlformats.org/officeDocument/2006/relationships" xmlns:p="http://schemas.openxmlformats.org/presentationml/2006/main">
   <p:cSld>
     <p:spTree>
@@ -6977,7 +7211,7 @@
 </p:sld>
 </file>
 
-<file path=ppt/slides/slide14.xml><?xml version="1.0" encoding="utf-8"?>
+<file path=ppt/slides/slide16.xml><?xml version="1.0" encoding="utf-8"?>
 <p:sld xmlns:a="http://schemas.openxmlformats.org/drawingml/2006/main" xmlns:r="http://schemas.openxmlformats.org/officeDocument/2006/relationships" xmlns:p="http://schemas.openxmlformats.org/presentationml/2006/main">
   <p:cSld>
     <p:spTree>
@@ -7032,7 +7266,7 @@
 </p:sld>
 </file>
 
-<file path=ppt/slides/slide15.xml><?xml version="1.0" encoding="utf-8"?>
+<file path=ppt/slides/slide17.xml><?xml version="1.0" encoding="utf-8"?>
 <p:sld xmlns:a="http://schemas.openxmlformats.org/drawingml/2006/main" xmlns:r="http://schemas.openxmlformats.org/officeDocument/2006/relationships" xmlns:p="http://schemas.openxmlformats.org/presentationml/2006/main">
   <p:cSld>
     <p:spTree>
@@ -7199,11 +7433,7 @@
             <a:pPr algn="ctr"/>
             <a:r>
               <a:rPr lang="en-US" dirty="0" smtClean="0"/>
-              <a:t>o</a:t>
-            </a:r>
-            <a:r>
-              <a:rPr lang="en-US" dirty="0" smtClean="0"/>
-              <a:t>f design</a:t>
+              <a:t>of design</a:t>
             </a:r>
             <a:endParaRPr lang="en-US" dirty="0"/>
           </a:p>
@@ -7440,11 +7670,7 @@
             <a:pPr algn="ctr"/>
             <a:r>
               <a:rPr lang="en-US" dirty="0" smtClean="0"/>
-              <a:t>d</a:t>
-            </a:r>
-            <a:r>
-              <a:rPr lang="en-US" dirty="0" smtClean="0"/>
-              <a:t>evelopers don’t </a:t>
+              <a:t>developers don’t </a:t>
             </a:r>
           </a:p>
           <a:p>
@@ -7489,22 +7715,14 @@
             <a:pPr algn="ctr"/>
             <a:r>
               <a:rPr lang="en-US" dirty="0" smtClean="0"/>
-              <a:t>e</a:t>
-            </a:r>
+              <a:t>everyone uses that </a:t>
+            </a:r>
+          </a:p>
+          <a:p>
+            <a:pPr algn="ctr"/>
             <a:r>
               <a:rPr lang="en-US" dirty="0" smtClean="0"/>
-              <a:t>veryone uses that </a:t>
-            </a:r>
-          </a:p>
-          <a:p>
-            <a:pPr algn="ctr"/>
-            <a:r>
-              <a:rPr lang="en-US" dirty="0" smtClean="0"/>
-              <a:t>d</a:t>
-            </a:r>
-            <a:r>
-              <a:rPr lang="en-US" dirty="0" smtClean="0"/>
-              <a:t>on’t appear in design</a:t>
+              <a:t>don’t appear in design</a:t>
             </a:r>
             <a:endParaRPr lang="en-US" dirty="0"/>
           </a:p>
@@ -7614,7 +7832,7 @@
 </p:sld>
 </file>
 
-<file path=ppt/slides/slide16.xml><?xml version="1.0" encoding="utf-8"?>
+<file path=ppt/slides/slide18.xml><?xml version="1.0" encoding="utf-8"?>
 <p:sld xmlns:a="http://schemas.openxmlformats.org/drawingml/2006/main" xmlns:r="http://schemas.openxmlformats.org/officeDocument/2006/relationships" xmlns:p="http://schemas.openxmlformats.org/presentationml/2006/main">
   <p:cSld>
     <p:spTree>
@@ -8235,7 +8453,7 @@
 </p:sld>
 </file>
 
-<file path=ppt/slides/slide17.xml><?xml version="1.0" encoding="utf-8"?>
+<file path=ppt/slides/slide19.xml><?xml version="1.0" encoding="utf-8"?>
 <p:sld xmlns:a="http://schemas.openxmlformats.org/drawingml/2006/main" xmlns:r="http://schemas.openxmlformats.org/officeDocument/2006/relationships" xmlns:p="http://schemas.openxmlformats.org/presentationml/2006/main">
   <p:cSld>
     <p:spTree>
@@ -8287,77 +8505,6 @@
           <a:lstStyle/>
           <a:p>
             <a:endParaRPr lang="en-US"/>
-          </a:p>
-        </p:txBody>
-      </p:sp>
-    </p:spTree>
-  </p:cSld>
-  <p:clrMapOvr>
-    <a:masterClrMapping/>
-  </p:clrMapOvr>
-</p:sld>
-</file>
-
-<file path=ppt/slides/slide18.xml><?xml version="1.0" encoding="utf-8"?>
-<p:sld xmlns:a="http://schemas.openxmlformats.org/drawingml/2006/main" xmlns:r="http://schemas.openxmlformats.org/officeDocument/2006/relationships" xmlns:p="http://schemas.openxmlformats.org/presentationml/2006/main">
-  <p:cSld>
-    <p:spTree>
-      <p:nvGrpSpPr>
-        <p:cNvPr id="1" name=""/>
-        <p:cNvGrpSpPr/>
-        <p:nvPr/>
-      </p:nvGrpSpPr>
-      <p:grpSpPr>
-        <a:xfrm>
-          <a:off x="0" y="0"/>
-          <a:ext cx="0" cy="0"/>
-          <a:chOff x="0" y="0"/>
-          <a:chExt cx="0" cy="0"/>
-        </a:xfrm>
-      </p:grpSpPr>
-      <p:sp>
-        <p:nvSpPr>
-          <p:cNvPr id="2" name="Заголовок 1"/>
-          <p:cNvSpPr>
-            <a:spLocks noGrp="1"/>
-          </p:cNvSpPr>
-          <p:nvPr>
-            <p:ph type="title"/>
-          </p:nvPr>
-        </p:nvSpPr>
-        <p:spPr/>
-        <p:txBody>
-          <a:bodyPr/>
-          <a:lstStyle/>
-          <a:p>
-            <a:r>
-              <a:rPr lang="en-US" dirty="0" smtClean="0"/>
-              <a:t>So what is DDD?</a:t>
-            </a:r>
-            <a:endParaRPr lang="en-US" dirty="0"/>
-          </a:p>
-        </p:txBody>
-      </p:sp>
-      <p:sp>
-        <p:nvSpPr>
-          <p:cNvPr id="3" name="Содержимое 2"/>
-          <p:cNvSpPr>
-            <a:spLocks noGrp="1"/>
-          </p:cNvSpPr>
-          <p:nvPr>
-            <p:ph idx="1"/>
-          </p:nvPr>
-        </p:nvSpPr>
-        <p:spPr/>
-        <p:txBody>
-          <a:bodyPr/>
-          <a:lstStyle/>
-          <a:p>
-            <a:r>
-              <a:rPr lang="en-US" dirty="0" smtClean="0"/>
-              <a:t>Is as set of pattern and practices </a:t>
-            </a:r>
-            <a:endParaRPr lang="en-US" dirty="0"/>
           </a:p>
         </p:txBody>
       </p:sp>
@@ -8589,6 +8736,77 @@
 </p:sld>
 </file>
 
+<file path=ppt/slides/slide20.xml><?xml version="1.0" encoding="utf-8"?>
+<p:sld xmlns:a="http://schemas.openxmlformats.org/drawingml/2006/main" xmlns:r="http://schemas.openxmlformats.org/officeDocument/2006/relationships" xmlns:p="http://schemas.openxmlformats.org/presentationml/2006/main">
+  <p:cSld>
+    <p:spTree>
+      <p:nvGrpSpPr>
+        <p:cNvPr id="1" name=""/>
+        <p:cNvGrpSpPr/>
+        <p:nvPr/>
+      </p:nvGrpSpPr>
+      <p:grpSpPr>
+        <a:xfrm>
+          <a:off x="0" y="0"/>
+          <a:ext cx="0" cy="0"/>
+          <a:chOff x="0" y="0"/>
+          <a:chExt cx="0" cy="0"/>
+        </a:xfrm>
+      </p:grpSpPr>
+      <p:sp>
+        <p:nvSpPr>
+          <p:cNvPr id="2" name="Заголовок 1"/>
+          <p:cNvSpPr>
+            <a:spLocks noGrp="1"/>
+          </p:cNvSpPr>
+          <p:nvPr>
+            <p:ph type="title"/>
+          </p:nvPr>
+        </p:nvSpPr>
+        <p:spPr/>
+        <p:txBody>
+          <a:bodyPr/>
+          <a:lstStyle/>
+          <a:p>
+            <a:r>
+              <a:rPr lang="en-US" dirty="0" smtClean="0"/>
+              <a:t>So what is DDD?</a:t>
+            </a:r>
+            <a:endParaRPr lang="en-US" dirty="0"/>
+          </a:p>
+        </p:txBody>
+      </p:sp>
+      <p:sp>
+        <p:nvSpPr>
+          <p:cNvPr id="3" name="Содержимое 2"/>
+          <p:cNvSpPr>
+            <a:spLocks noGrp="1"/>
+          </p:cNvSpPr>
+          <p:nvPr>
+            <p:ph idx="1"/>
+          </p:nvPr>
+        </p:nvSpPr>
+        <p:spPr/>
+        <p:txBody>
+          <a:bodyPr/>
+          <a:lstStyle/>
+          <a:p>
+            <a:r>
+              <a:rPr lang="en-US" dirty="0" smtClean="0"/>
+              <a:t>Is as set of pattern and practices </a:t>
+            </a:r>
+            <a:endParaRPr lang="en-US" dirty="0"/>
+          </a:p>
+        </p:txBody>
+      </p:sp>
+    </p:spTree>
+  </p:cSld>
+  <p:clrMapOvr>
+    <a:masterClrMapping/>
+  </p:clrMapOvr>
+</p:sld>
+</file>
+
 <file path=ppt/slides/slide3.xml><?xml version="1.0" encoding="utf-8"?>
 <p:sld xmlns:a="http://schemas.openxmlformats.org/drawingml/2006/main" xmlns:r="http://schemas.openxmlformats.org/officeDocument/2006/relationships" xmlns:p="http://schemas.openxmlformats.org/presentationml/2006/main">
   <p:cSld>
@@ -8713,21 +8931,77 @@
             <p:ph type="title"/>
           </p:nvPr>
         </p:nvSpPr>
-        <p:spPr>
-          <a:xfrm>
-            <a:off x="457200" y="2362200"/>
-            <a:ext cx="8229600" cy="1143000"/>
-          </a:xfrm>
-        </p:spPr>
-        <p:txBody>
-          <a:bodyPr>
-            <a:normAutofit fontScale="90000"/>
-          </a:bodyPr>
+        <p:spPr/>
+        <p:txBody>
+          <a:bodyPr/>
           <a:lstStyle/>
           <a:p>
             <a:r>
               <a:rPr lang="en-US" dirty="0" smtClean="0"/>
-              <a:t>Domain - particular field of knowledge</a:t>
+              <a:t>Why DDD?</a:t>
+            </a:r>
+            <a:endParaRPr lang="en-US" dirty="0"/>
+          </a:p>
+        </p:txBody>
+      </p:sp>
+      <p:sp>
+        <p:nvSpPr>
+          <p:cNvPr id="3" name="Content Placeholder 2"/>
+          <p:cNvSpPr>
+            <a:spLocks noGrp="1"/>
+          </p:cNvSpPr>
+          <p:nvPr>
+            <p:ph idx="1"/>
+          </p:nvPr>
+        </p:nvSpPr>
+        <p:spPr/>
+        <p:txBody>
+          <a:bodyPr/>
+          <a:lstStyle/>
+          <a:p>
+            <a:r>
+              <a:rPr lang="en-US" dirty="0" smtClean="0"/>
+              <a:t>Accidental complexity is bad</a:t>
+            </a:r>
+          </a:p>
+          <a:p>
+            <a:r>
+              <a:rPr lang="en-US" dirty="0" smtClean="0"/>
+              <a:t>”Programming is understanding</a:t>
+            </a:r>
+            <a:r>
+              <a:rPr lang="en-US" dirty="0" smtClean="0"/>
+              <a:t>”(</a:t>
+            </a:r>
+            <a:r>
+              <a:rPr lang="en-US" dirty="0" smtClean="0"/>
+              <a:t>Kristen </a:t>
+            </a:r>
+            <a:r>
+              <a:rPr lang="en-US" dirty="0" err="1" smtClean="0"/>
+              <a:t>Nygaard</a:t>
+            </a:r>
+            <a:r>
+              <a:rPr lang="en-US" dirty="0" smtClean="0"/>
+              <a:t>)</a:t>
+            </a:r>
+          </a:p>
+          <a:p>
+            <a:r>
+              <a:rPr lang="en-US" dirty="0" smtClean="0"/>
+              <a:t>”DDD == OO done right”</a:t>
+            </a:r>
+          </a:p>
+          <a:p>
+            <a:r>
+              <a:rPr lang="en-US" dirty="0" smtClean="0"/>
+              <a:t>Context is king</a:t>
+            </a:r>
+          </a:p>
+          <a:p>
+            <a:r>
+              <a:rPr lang="en-US" dirty="0" smtClean="0"/>
+              <a:t>Semantics over technology</a:t>
             </a:r>
             <a:endParaRPr lang="en-US" dirty="0"/>
           </a:p>
@@ -8738,13 +9012,6 @@
   <p:clrMapOvr>
     <a:masterClrMapping/>
   </p:clrMapOvr>
-  <p:timing>
-    <p:tnLst>
-      <p:par>
-        <p:cTn id="1" dur="indefinite" restart="never" nodeType="tmRoot"/>
-      </p:par>
-    </p:tnLst>
-  </p:timing>
 </p:sld>
 </file>
 
@@ -8775,46 +9042,34 @@
             <p:ph type="title"/>
           </p:nvPr>
         </p:nvSpPr>
-        <p:spPr>
-          <a:xfrm>
-            <a:off x="381000" y="1676400"/>
-            <a:ext cx="8229600" cy="1600200"/>
-          </a:xfrm>
-        </p:spPr>
-        <p:txBody>
-          <a:bodyPr>
-            <a:normAutofit fontScale="90000"/>
-          </a:bodyPr>
+        <p:spPr/>
+        <p:txBody>
+          <a:bodyPr/>
           <a:lstStyle/>
           <a:p>
             <a:r>
               <a:rPr lang="en-US" dirty="0" smtClean="0"/>
-              <a:t>	Complexity of most software projects is understanding the </a:t>
-            </a:r>
-            <a:r>
-              <a:rPr lang="en-US" u="sng" dirty="0" smtClean="0">
-                <a:solidFill>
-                  <a:srgbClr val="009900"/>
-                </a:solidFill>
-              </a:rPr>
-              <a:t>business domain</a:t>
-            </a:r>
-            <a:r>
-              <a:rPr lang="en-US" dirty="0" smtClean="0"/>
-              <a:t> and </a:t>
-            </a:r>
-            <a:r>
-              <a:rPr lang="en-US" dirty="0" smtClean="0">
-                <a:solidFill>
-                  <a:srgbClr val="FF0000"/>
-                </a:solidFill>
-              </a:rPr>
-              <a:t>not a technical </a:t>
-            </a:r>
-            <a:r>
-              <a:rPr lang="en-US" dirty="0" smtClean="0"/>
-              <a:t>one.</a:t>
-            </a:r>
+              <a:t>Common effects of DDD?</a:t>
+            </a:r>
+            <a:endParaRPr lang="en-US" dirty="0"/>
+          </a:p>
+        </p:txBody>
+      </p:sp>
+      <p:sp>
+        <p:nvSpPr>
+          <p:cNvPr id="3" name="Content Placeholder 2"/>
+          <p:cNvSpPr>
+            <a:spLocks noGrp="1"/>
+          </p:cNvSpPr>
+          <p:nvPr>
+            <p:ph idx="1"/>
+          </p:nvPr>
+        </p:nvSpPr>
+        <p:spPr/>
+        <p:txBody>
+          <a:bodyPr/>
+          <a:lstStyle/>
+          <a:p>
             <a:endParaRPr lang="en-US" dirty="0"/>
           </a:p>
         </p:txBody>
@@ -8824,13 +9079,6 @@
   <p:clrMapOvr>
     <a:masterClrMapping/>
   </p:clrMapOvr>
-  <p:timing>
-    <p:tnLst>
-      <p:par>
-        <p:cTn id="1" dur="indefinite" restart="never" nodeType="tmRoot"/>
-      </p:par>
-    </p:tnLst>
-  </p:timing>
 </p:sld>
 </file>
 
@@ -8853,6 +9101,154 @@
       </p:grpSpPr>
       <p:sp>
         <p:nvSpPr>
+          <p:cNvPr id="2" name="Title 1"/>
+          <p:cNvSpPr>
+            <a:spLocks noGrp="1"/>
+          </p:cNvSpPr>
+          <p:nvPr>
+            <p:ph type="title"/>
+          </p:nvPr>
+        </p:nvSpPr>
+        <p:spPr>
+          <a:xfrm>
+            <a:off x="457200" y="2362200"/>
+            <a:ext cx="8229600" cy="1143000"/>
+          </a:xfrm>
+        </p:spPr>
+        <p:txBody>
+          <a:bodyPr>
+            <a:normAutofit fontScale="90000"/>
+          </a:bodyPr>
+          <a:lstStyle/>
+          <a:p>
+            <a:r>
+              <a:rPr lang="en-US" dirty="0" smtClean="0"/>
+              <a:t>Domain - particular field of knowledge</a:t>
+            </a:r>
+            <a:endParaRPr lang="en-US" dirty="0"/>
+          </a:p>
+        </p:txBody>
+      </p:sp>
+    </p:spTree>
+  </p:cSld>
+  <p:clrMapOvr>
+    <a:masterClrMapping/>
+  </p:clrMapOvr>
+  <p:timing>
+    <p:tnLst>
+      <p:par>
+        <p:cTn id="1" dur="indefinite" restart="never" nodeType="tmRoot"/>
+      </p:par>
+    </p:tnLst>
+  </p:timing>
+</p:sld>
+</file>
+
+<file path=ppt/slides/slide7.xml><?xml version="1.0" encoding="utf-8"?>
+<p:sld xmlns:a="http://schemas.openxmlformats.org/drawingml/2006/main" xmlns:r="http://schemas.openxmlformats.org/officeDocument/2006/relationships" xmlns:p="http://schemas.openxmlformats.org/presentationml/2006/main">
+  <p:cSld>
+    <p:spTree>
+      <p:nvGrpSpPr>
+        <p:cNvPr id="1" name=""/>
+        <p:cNvGrpSpPr/>
+        <p:nvPr/>
+      </p:nvGrpSpPr>
+      <p:grpSpPr>
+        <a:xfrm>
+          <a:off x="0" y="0"/>
+          <a:ext cx="0" cy="0"/>
+          <a:chOff x="0" y="0"/>
+          <a:chExt cx="0" cy="0"/>
+        </a:xfrm>
+      </p:grpSpPr>
+      <p:sp>
+        <p:nvSpPr>
+          <p:cNvPr id="2" name="Title 1"/>
+          <p:cNvSpPr>
+            <a:spLocks noGrp="1"/>
+          </p:cNvSpPr>
+          <p:nvPr>
+            <p:ph type="title"/>
+          </p:nvPr>
+        </p:nvSpPr>
+        <p:spPr>
+          <a:xfrm>
+            <a:off x="381000" y="1676400"/>
+            <a:ext cx="8229600" cy="1600200"/>
+          </a:xfrm>
+        </p:spPr>
+        <p:txBody>
+          <a:bodyPr>
+            <a:normAutofit fontScale="90000"/>
+          </a:bodyPr>
+          <a:lstStyle/>
+          <a:p>
+            <a:r>
+              <a:rPr lang="en-US" dirty="0" smtClean="0"/>
+              <a:t>	Complexity of most software projects is understanding the </a:t>
+            </a:r>
+            <a:r>
+              <a:rPr lang="en-US" u="sng" dirty="0" smtClean="0">
+                <a:solidFill>
+                  <a:srgbClr val="009900"/>
+                </a:solidFill>
+              </a:rPr>
+              <a:t>business domain</a:t>
+            </a:r>
+            <a:r>
+              <a:rPr lang="en-US" dirty="0" smtClean="0"/>
+              <a:t> and </a:t>
+            </a:r>
+            <a:r>
+              <a:rPr lang="en-US" dirty="0" smtClean="0">
+                <a:solidFill>
+                  <a:srgbClr val="FF0000"/>
+                </a:solidFill>
+              </a:rPr>
+              <a:t>not a technical </a:t>
+            </a:r>
+            <a:r>
+              <a:rPr lang="en-US" dirty="0" smtClean="0"/>
+              <a:t>one.</a:t>
+            </a:r>
+            <a:endParaRPr lang="en-US" dirty="0"/>
+          </a:p>
+        </p:txBody>
+      </p:sp>
+    </p:spTree>
+  </p:cSld>
+  <p:clrMapOvr>
+    <a:masterClrMapping/>
+  </p:clrMapOvr>
+  <p:timing>
+    <p:tnLst>
+      <p:par>
+        <p:cTn id="1" dur="indefinite" restart="never" nodeType="tmRoot"/>
+      </p:par>
+    </p:tnLst>
+  </p:timing>
+</p:sld>
+</file>
+
+<file path=ppt/slides/slide8.xml><?xml version="1.0" encoding="utf-8"?>
+<p:sld xmlns:a="http://schemas.openxmlformats.org/drawingml/2006/main" xmlns:r="http://schemas.openxmlformats.org/officeDocument/2006/relationships" xmlns:p="http://schemas.openxmlformats.org/presentationml/2006/main">
+  <p:cSld>
+    <p:spTree>
+      <p:nvGrpSpPr>
+        <p:cNvPr id="1" name=""/>
+        <p:cNvGrpSpPr/>
+        <p:nvPr/>
+      </p:nvGrpSpPr>
+      <p:grpSpPr>
+        <a:xfrm>
+          <a:off x="0" y="0"/>
+          <a:ext cx="0" cy="0"/>
+          <a:chOff x="0" y="0"/>
+          <a:chExt cx="0" cy="0"/>
+        </a:xfrm>
+      </p:grpSpPr>
+      <p:sp>
+        <p:nvSpPr>
           <p:cNvPr id="2" name="Заголовок 1"/>
           <p:cNvSpPr>
             <a:spLocks noGrp="1"/>
@@ -8889,7 +9285,7 @@
 </p:sld>
 </file>
 
-<file path=ppt/slides/slide7.xml><?xml version="1.0" encoding="utf-8"?>
+<file path=ppt/slides/slide9.xml><?xml version="1.0" encoding="utf-8"?>
 <p:sld xmlns:a="http://schemas.openxmlformats.org/drawingml/2006/main" xmlns:r="http://schemas.openxmlformats.org/officeDocument/2006/relationships" xmlns:p="http://schemas.openxmlformats.org/presentationml/2006/main">
   <p:cSld>
     <p:spTree>
@@ -8964,156 +9360,6 @@
           <a:effectLst/>
         </p:spPr>
       </p:pic>
-    </p:spTree>
-  </p:cSld>
-  <p:clrMapOvr>
-    <a:masterClrMapping/>
-  </p:clrMapOvr>
-</p:sld>
-</file>
-
-<file path=ppt/slides/slide8.xml><?xml version="1.0" encoding="utf-8"?>
-<p:sld xmlns:a="http://schemas.openxmlformats.org/drawingml/2006/main" xmlns:r="http://schemas.openxmlformats.org/officeDocument/2006/relationships" xmlns:p="http://schemas.openxmlformats.org/presentationml/2006/main">
-  <p:cSld>
-    <p:spTree>
-      <p:nvGrpSpPr>
-        <p:cNvPr id="1" name=""/>
-        <p:cNvGrpSpPr/>
-        <p:nvPr/>
-      </p:nvGrpSpPr>
-      <p:grpSpPr>
-        <a:xfrm>
-          <a:off x="0" y="0"/>
-          <a:ext cx="0" cy="0"/>
-          <a:chOff x="0" y="0"/>
-          <a:chExt cx="0" cy="0"/>
-        </a:xfrm>
-      </p:grpSpPr>
-      <p:sp>
-        <p:nvSpPr>
-          <p:cNvPr id="2" name="Заголовок 1"/>
-          <p:cNvSpPr>
-            <a:spLocks noGrp="1"/>
-          </p:cNvSpPr>
-          <p:nvPr>
-            <p:ph type="title"/>
-          </p:nvPr>
-        </p:nvSpPr>
-        <p:spPr/>
-        <p:txBody>
-          <a:bodyPr/>
-          <a:lstStyle/>
-          <a:p>
-            <a:r>
-              <a:rPr lang="en-US" dirty="0" smtClean="0"/>
-              <a:t>Even Music has a Model</a:t>
-            </a:r>
-            <a:endParaRPr lang="en-US" dirty="0"/>
-          </a:p>
-        </p:txBody>
-      </p:sp>
-      <p:pic>
-        <p:nvPicPr>
-          <p:cNvPr id="2050" name="Picture 2"/>
-          <p:cNvPicPr>
-            <a:picLocks noGrp="1" noChangeAspect="1" noChangeArrowheads="1"/>
-          </p:cNvPicPr>
-          <p:nvPr>
-            <p:ph idx="1"/>
-          </p:nvPr>
-        </p:nvPicPr>
-        <p:blipFill>
-          <a:blip r:embed="rId3"/>
-          <a:srcRect/>
-          <a:stretch>
-            <a:fillRect/>
-          </a:stretch>
-        </p:blipFill>
-        <p:spPr bwMode="auto">
-          <a:xfrm>
-            <a:off x="1219200" y="1905000"/>
-            <a:ext cx="5943600" cy="3429000"/>
-          </a:xfrm>
-          <a:prstGeom prst="rect">
-            <a:avLst/>
-          </a:prstGeom>
-          <a:noFill/>
-          <a:ln w="9525">
-            <a:noFill/>
-            <a:miter lim="800000"/>
-            <a:headEnd/>
-            <a:tailEnd/>
-          </a:ln>
-          <a:effectLst/>
-        </p:spPr>
-      </p:pic>
-    </p:spTree>
-  </p:cSld>
-  <p:clrMapOvr>
-    <a:masterClrMapping/>
-  </p:clrMapOvr>
-</p:sld>
-</file>
-
-<file path=ppt/slides/slide9.xml><?xml version="1.0" encoding="utf-8"?>
-<p:sld xmlns:a="http://schemas.openxmlformats.org/drawingml/2006/main" xmlns:r="http://schemas.openxmlformats.org/officeDocument/2006/relationships" xmlns:p="http://schemas.openxmlformats.org/presentationml/2006/main">
-  <p:cSld>
-    <p:spTree>
-      <p:nvGrpSpPr>
-        <p:cNvPr id="1" name=""/>
-        <p:cNvGrpSpPr/>
-        <p:nvPr/>
-      </p:nvGrpSpPr>
-      <p:grpSpPr>
-        <a:xfrm>
-          <a:off x="0" y="0"/>
-          <a:ext cx="0" cy="0"/>
-          <a:chOff x="0" y="0"/>
-          <a:chExt cx="0" cy="0"/>
-        </a:xfrm>
-      </p:grpSpPr>
-      <p:sp>
-        <p:nvSpPr>
-          <p:cNvPr id="2" name="Заголовок 1"/>
-          <p:cNvSpPr>
-            <a:spLocks noGrp="1"/>
-          </p:cNvSpPr>
-          <p:nvPr>
-            <p:ph type="title"/>
-          </p:nvPr>
-        </p:nvSpPr>
-        <p:spPr>
-          <a:xfrm>
-            <a:off x="457200" y="2438400"/>
-            <a:ext cx="8229600" cy="1143000"/>
-          </a:xfrm>
-        </p:spPr>
-        <p:txBody>
-          <a:bodyPr>
-            <a:normAutofit fontScale="90000"/>
-          </a:bodyPr>
-          <a:lstStyle/>
-          <a:p>
-            <a:r>
-              <a:rPr lang="en-US" dirty="0" smtClean="0"/>
-              <a:t>The key to controlling complexity is a good </a:t>
-            </a:r>
-            <a:r>
-              <a:rPr lang="en-US" dirty="0" smtClean="0">
-                <a:solidFill>
-                  <a:srgbClr val="009900"/>
-                </a:solidFill>
-              </a:rPr>
-              <a:t>domain model</a:t>
-            </a:r>
-            <a:r>
-              <a:rPr lang="en-US" dirty="0" smtClean="0"/>
-              <a:t>.</a:t>
-            </a:r>
-            <a:endParaRPr lang="en-US" dirty="0"/>
-          </a:p>
-        </p:txBody>
-      </p:sp>
     </p:spTree>
   </p:cSld>
   <p:clrMapOvr>

--- a/Domain-DrivenDesign.A.Trosin.pptx
+++ b/Domain-DrivenDesign.A.Trosin.pptx
@@ -212,7 +212,7 @@
             <a:fld id="{A4B025BB-2E79-40D8-8C4B-B985B2186BF8}" type="datetimeFigureOut">
               <a:rPr lang="en-US" smtClean="0"/>
               <a:pPr/>
-              <a:t>4/13/2009</a:t>
+              <a:t>4/15/2009</a:t>
             </a:fld>
             <a:endParaRPr lang="en-US" dirty="0"/>
           </a:p>
@@ -604,6 +604,23 @@
             </a:endParaRPr>
           </a:p>
           <a:p>
+            <a:pPr marL="0" marR="0" indent="0" algn="l" defTabSz="914400" rtl="0" eaLnBrk="1" fontAlgn="auto" latinLnBrk="0" hangingPunct="1">
+              <a:lnSpc>
+                <a:spcPct val="100000"/>
+              </a:lnSpc>
+              <a:spcBef>
+                <a:spcPts val="0"/>
+              </a:spcBef>
+              <a:spcAft>
+                <a:spcPts val="0"/>
+              </a:spcAft>
+              <a:buClrTx/>
+              <a:buSzTx/>
+              <a:buFontTx/>
+              <a:buNone/>
+              <a:tabLst/>
+              <a:defRPr/>
+            </a:pPr>
             <a:r>
               <a:rPr lang="en-US" sz="1200" b="1" kern="1200" dirty="0" smtClean="0">
                 <a:solidFill>
@@ -624,7 +641,106 @@
                 <a:ea typeface="+mn-ea"/>
                 <a:cs typeface="+mn-cs"/>
               </a:rPr>
-              <a:t>is software architect; he has practical experience applying Domain Driven Design using .Net technologies and is very interested in various methods and techniques of improving software quality through simple and maintainable solutions. His focus is to turn modern tools and technologies into software building blocks that align with well known discovered principles. </a:t>
+              <a:t>is software </a:t>
+            </a:r>
+            <a:r>
+              <a:rPr lang="en-US" sz="1200" kern="1200" dirty="0" smtClean="0">
+                <a:solidFill>
+                  <a:schemeClr val="tx1"/>
+                </a:solidFill>
+                <a:latin typeface="+mn-lt"/>
+                <a:ea typeface="+mn-ea"/>
+                <a:cs typeface="+mn-cs"/>
+              </a:rPr>
+              <a:t>architect at </a:t>
+            </a:r>
+            <a:r>
+              <a:rPr lang="en-US" sz="1200" kern="1200" dirty="0" err="1" smtClean="0">
+                <a:solidFill>
+                  <a:schemeClr val="tx1"/>
+                </a:solidFill>
+                <a:latin typeface="+mn-lt"/>
+                <a:ea typeface="+mn-ea"/>
+                <a:cs typeface="+mn-cs"/>
+              </a:rPr>
+              <a:t>Endava</a:t>
+            </a:r>
+            <a:r>
+              <a:rPr lang="en-US" sz="1200" kern="1200" dirty="0" smtClean="0">
+                <a:solidFill>
+                  <a:schemeClr val="tx1"/>
+                </a:solidFill>
+                <a:latin typeface="+mn-lt"/>
+                <a:ea typeface="+mn-ea"/>
+                <a:cs typeface="+mn-cs"/>
+              </a:rPr>
+              <a:t>; </a:t>
+            </a:r>
+            <a:r>
+              <a:rPr lang="en-US" sz="1200" kern="1200" dirty="0" smtClean="0">
+                <a:solidFill>
+                  <a:schemeClr val="tx1"/>
+                </a:solidFill>
+                <a:latin typeface="+mn-lt"/>
+                <a:ea typeface="+mn-ea"/>
+                <a:cs typeface="+mn-cs"/>
+              </a:rPr>
+              <a:t>he has practical experience applying Domain Driven Design using .Net technologies and is very interested in various methods and techniques of improving software quality through simple and maintainable solutions. </a:t>
+            </a:r>
+            <a:r>
+              <a:rPr lang="en-US" sz="1200" kern="1200" dirty="0" smtClean="0">
+                <a:solidFill>
+                  <a:schemeClr val="tx1"/>
+                </a:solidFill>
+                <a:latin typeface="+mn-lt"/>
+                <a:ea typeface="+mn-ea"/>
+                <a:cs typeface="+mn-cs"/>
+              </a:rPr>
+              <a:t>He is also </a:t>
+            </a:r>
+            <a:r>
+              <a:rPr lang="en-US" sz="1200" kern="1200" baseline="0" dirty="0" smtClean="0">
+                <a:solidFill>
+                  <a:schemeClr val="tx1"/>
+                </a:solidFill>
+                <a:latin typeface="+mn-lt"/>
+                <a:ea typeface="+mn-ea"/>
+                <a:cs typeface="+mn-cs"/>
+              </a:rPr>
+              <a:t>open source </a:t>
+            </a:r>
+            <a:r>
+              <a:rPr lang="en-US" sz="1200" kern="1200" dirty="0" smtClean="0">
+                <a:solidFill>
+                  <a:schemeClr val="tx1"/>
+                </a:solidFill>
+                <a:latin typeface="+mn-lt"/>
+                <a:ea typeface="+mn-ea"/>
+                <a:cs typeface="+mn-cs"/>
+              </a:rPr>
+              <a:t>project coordinator for DDD Sample application C# version. His </a:t>
+            </a:r>
+            <a:r>
+              <a:rPr lang="en-US" sz="1200" kern="1200" dirty="0" smtClean="0">
+                <a:solidFill>
+                  <a:schemeClr val="tx1"/>
+                </a:solidFill>
+                <a:latin typeface="+mn-lt"/>
+                <a:ea typeface="+mn-ea"/>
+                <a:cs typeface="+mn-cs"/>
+              </a:rPr>
+              <a:t>focus is to turn modern tools and technologies into software building blocks that align with well known discovered </a:t>
+            </a:r>
+            <a:r>
+              <a:rPr lang="en-US" sz="1200" kern="1200" dirty="0" smtClean="0">
+                <a:solidFill>
+                  <a:schemeClr val="tx1"/>
+                </a:solidFill>
+                <a:latin typeface="+mn-lt"/>
+                <a:ea typeface="+mn-ea"/>
+                <a:cs typeface="+mn-cs"/>
+              </a:rPr>
+              <a:t>principles and Agile practices. </a:t>
             </a:r>
             <a:endParaRPr lang="en-US" dirty="0"/>
           </a:p>
@@ -2178,6 +2294,27 @@
           </a:bodyPr>
           <a:lstStyle/>
           <a:p>
+            <a:r>
+              <a:rPr lang="en-US" dirty="0" smtClean="0"/>
+              <a:t>Who have heard about DDD</a:t>
+            </a:r>
+            <a:r>
+              <a:rPr lang="en-US" baseline="0" dirty="0" smtClean="0"/>
+              <a:t> before?</a:t>
+            </a:r>
+            <a:endParaRPr lang="en-US" dirty="0" smtClean="0"/>
+          </a:p>
+          <a:p>
+            <a:r>
+              <a:rPr lang="en-US" dirty="0" smtClean="0"/>
+              <a:t>How've used DDD or some</a:t>
+            </a:r>
+            <a:r>
+              <a:rPr lang="en-US" baseline="0" dirty="0" smtClean="0"/>
+              <a:t> of its practices?</a:t>
+            </a:r>
+          </a:p>
+          <a:p>
             <a:endParaRPr lang="en-US" dirty="0"/>
           </a:p>
         </p:txBody>
@@ -3163,7 +3300,7 @@
             <a:fld id="{692DA68B-07B5-4D40-903F-69FBB0125CEF}" type="datetimeFigureOut">
               <a:rPr lang="en-US" smtClean="0"/>
               <a:pPr/>
-              <a:t>4/13/2009</a:t>
+              <a:t>4/15/2009</a:t>
             </a:fld>
             <a:endParaRPr lang="en-US" dirty="0"/>
           </a:p>
@@ -3330,7 +3467,7 @@
             <a:fld id="{692DA68B-07B5-4D40-903F-69FBB0125CEF}" type="datetimeFigureOut">
               <a:rPr lang="en-US" smtClean="0"/>
               <a:pPr/>
-              <a:t>4/13/2009</a:t>
+              <a:t>4/15/2009</a:t>
             </a:fld>
             <a:endParaRPr lang="en-US" dirty="0"/>
           </a:p>
@@ -3507,7 +3644,7 @@
             <a:fld id="{692DA68B-07B5-4D40-903F-69FBB0125CEF}" type="datetimeFigureOut">
               <a:rPr lang="en-US" smtClean="0"/>
               <a:pPr/>
-              <a:t>4/13/2009</a:t>
+              <a:t>4/15/2009</a:t>
             </a:fld>
             <a:endParaRPr lang="en-US" dirty="0"/>
           </a:p>
@@ -3674,7 +3811,7 @@
             <a:fld id="{692DA68B-07B5-4D40-903F-69FBB0125CEF}" type="datetimeFigureOut">
               <a:rPr lang="en-US" smtClean="0"/>
               <a:pPr/>
-              <a:t>4/13/2009</a:t>
+              <a:t>4/15/2009</a:t>
             </a:fld>
             <a:endParaRPr lang="en-US" dirty="0"/>
           </a:p>
@@ -3917,7 +4054,7 @@
             <a:fld id="{692DA68B-07B5-4D40-903F-69FBB0125CEF}" type="datetimeFigureOut">
               <a:rPr lang="en-US" smtClean="0"/>
               <a:pPr/>
-              <a:t>4/13/2009</a:t>
+              <a:t>4/15/2009</a:t>
             </a:fld>
             <a:endParaRPr lang="en-US" dirty="0"/>
           </a:p>
@@ -4202,7 +4339,7 @@
             <a:fld id="{692DA68B-07B5-4D40-903F-69FBB0125CEF}" type="datetimeFigureOut">
               <a:rPr lang="en-US" smtClean="0"/>
               <a:pPr/>
-              <a:t>4/13/2009</a:t>
+              <a:t>4/15/2009</a:t>
             </a:fld>
             <a:endParaRPr lang="en-US" dirty="0"/>
           </a:p>
@@ -4621,7 +4758,7 @@
             <a:fld id="{692DA68B-07B5-4D40-903F-69FBB0125CEF}" type="datetimeFigureOut">
               <a:rPr lang="en-US" smtClean="0"/>
               <a:pPr/>
-              <a:t>4/13/2009</a:t>
+              <a:t>4/15/2009</a:t>
             </a:fld>
             <a:endParaRPr lang="en-US" dirty="0"/>
           </a:p>
@@ -4736,7 +4873,7 @@
             <a:fld id="{692DA68B-07B5-4D40-903F-69FBB0125CEF}" type="datetimeFigureOut">
               <a:rPr lang="en-US" smtClean="0"/>
               <a:pPr/>
-              <a:t>4/13/2009</a:t>
+              <a:t>4/15/2009</a:t>
             </a:fld>
             <a:endParaRPr lang="en-US" dirty="0"/>
           </a:p>
@@ -4828,7 +4965,7 @@
             <a:fld id="{692DA68B-07B5-4D40-903F-69FBB0125CEF}" type="datetimeFigureOut">
               <a:rPr lang="en-US" smtClean="0"/>
               <a:pPr/>
-              <a:t>4/13/2009</a:t>
+              <a:t>4/15/2009</a:t>
             </a:fld>
             <a:endParaRPr lang="en-US" dirty="0"/>
           </a:p>
@@ -5102,7 +5239,7 @@
             <a:fld id="{692DA68B-07B5-4D40-903F-69FBB0125CEF}" type="datetimeFigureOut">
               <a:rPr lang="en-US" smtClean="0"/>
               <a:pPr/>
-              <a:t>4/13/2009</a:t>
+              <a:t>4/15/2009</a:t>
             </a:fld>
             <a:endParaRPr lang="en-US" dirty="0"/>
           </a:p>
@@ -5352,7 +5489,7 @@
             <a:fld id="{692DA68B-07B5-4D40-903F-69FBB0125CEF}" type="datetimeFigureOut">
               <a:rPr lang="en-US" smtClean="0"/>
               <a:pPr/>
-              <a:t>4/13/2009</a:t>
+              <a:t>4/15/2009</a:t>
             </a:fld>
             <a:endParaRPr lang="en-US" dirty="0"/>
           </a:p>
@@ -5562,7 +5699,7 @@
             <a:fld id="{692DA68B-07B5-4D40-903F-69FBB0125CEF}" type="datetimeFigureOut">
               <a:rPr lang="en-US" smtClean="0"/>
               <a:pPr/>
-              <a:t>4/13/2009</a:t>
+              <a:t>4/15/2009</a:t>
             </a:fld>
             <a:endParaRPr lang="en-US" dirty="0"/>
           </a:p>
@@ -8550,7 +8687,7 @@
           <a:p>
             <a:r>
               <a:rPr lang="en-US" dirty="0" smtClean="0"/>
-              <a:t>Who’ve read…?</a:t>
+              <a:t>Before start</a:t>
             </a:r>
             <a:endParaRPr lang="en-US" dirty="0"/>
           </a:p>
@@ -8967,15 +9104,7 @@
           <a:p>
             <a:r>
               <a:rPr lang="en-US" dirty="0" smtClean="0"/>
-              <a:t>”Programming is understanding</a:t>
-            </a:r>
-            <a:r>
-              <a:rPr lang="en-US" dirty="0" smtClean="0"/>
-              <a:t>”(</a:t>
-            </a:r>
-            <a:r>
-              <a:rPr lang="en-US" dirty="0" smtClean="0"/>
-              <a:t>Kristen </a:t>
+              <a:t>”Programming is understanding”(Kristen </a:t>
             </a:r>
             <a:r>
               <a:rPr lang="en-US" dirty="0" err="1" smtClean="0"/>

--- a/Domain-DrivenDesign.A.Trosin.pptx
+++ b/Domain-DrivenDesign.A.Trosin.pptx
@@ -212,7 +212,7 @@
             <a:fld id="{A4B025BB-2E79-40D8-8C4B-B985B2186BF8}" type="datetimeFigureOut">
               <a:rPr lang="en-US" smtClean="0"/>
               <a:pPr/>
-              <a:t>4/15/2009</a:t>
+              <a:t>4/16/2009</a:t>
             </a:fld>
             <a:endParaRPr lang="en-US" dirty="0"/>
           </a:p>
@@ -641,18 +641,7 @@
                 <a:ea typeface="+mn-ea"/>
                 <a:cs typeface="+mn-cs"/>
               </a:rPr>
-              <a:t>is software </a:t>
-            </a:r>
-            <a:r>
-              <a:rPr lang="en-US" sz="1200" kern="1200" dirty="0" smtClean="0">
-                <a:solidFill>
-                  <a:schemeClr val="tx1"/>
-                </a:solidFill>
-                <a:latin typeface="+mn-lt"/>
-                <a:ea typeface="+mn-ea"/>
-                <a:cs typeface="+mn-cs"/>
-              </a:rPr>
-              <a:t>architect at </a:t>
+              <a:t>is software architect at </a:t>
             </a:r>
             <a:r>
               <a:rPr lang="en-US" sz="1200" kern="1200" dirty="0" err="1" smtClean="0">
@@ -674,29 +663,7 @@
                 <a:ea typeface="+mn-ea"/>
                 <a:cs typeface="+mn-cs"/>
               </a:rPr>
-              <a:t>; </a:t>
-            </a:r>
-            <a:r>
-              <a:rPr lang="en-US" sz="1200" kern="1200" dirty="0" smtClean="0">
-                <a:solidFill>
-                  <a:schemeClr val="tx1"/>
-                </a:solidFill>
-                <a:latin typeface="+mn-lt"/>
-                <a:ea typeface="+mn-ea"/>
-                <a:cs typeface="+mn-cs"/>
-              </a:rPr>
-              <a:t>he has practical experience applying Domain Driven Design using .Net technologies and is very interested in various methods and techniques of improving software quality through simple and maintainable solutions. </a:t>
-            </a:r>
-            <a:r>
-              <a:rPr lang="en-US" sz="1200" kern="1200" dirty="0" smtClean="0">
-                <a:solidFill>
-                  <a:schemeClr val="tx1"/>
-                </a:solidFill>
-                <a:latin typeface="+mn-lt"/>
-                <a:ea typeface="+mn-ea"/>
-                <a:cs typeface="+mn-cs"/>
-              </a:rPr>
-              <a:t>He is also </a:t>
+              <a:t>; he has practical experience applying Domain Driven Design using .Net technologies and is very interested in various methods and techniques of improving software quality through simple and maintainable solutions. He is also </a:t>
             </a:r>
             <a:r>
               <a:rPr lang="en-US" sz="1200" kern="1200" baseline="0" dirty="0" smtClean="0">
@@ -718,29 +685,7 @@
                 <a:ea typeface="+mn-ea"/>
                 <a:cs typeface="+mn-cs"/>
               </a:rPr>
-              <a:t>project coordinator for DDD Sample application C# version. His </a:t>
-            </a:r>
-            <a:r>
-              <a:rPr lang="en-US" sz="1200" kern="1200" dirty="0" smtClean="0">
-                <a:solidFill>
-                  <a:schemeClr val="tx1"/>
-                </a:solidFill>
-                <a:latin typeface="+mn-lt"/>
-                <a:ea typeface="+mn-ea"/>
-                <a:cs typeface="+mn-cs"/>
-              </a:rPr>
-              <a:t>focus is to turn modern tools and technologies into software building blocks that align with well known discovered </a:t>
-            </a:r>
-            <a:r>
-              <a:rPr lang="en-US" sz="1200" kern="1200" dirty="0" smtClean="0">
-                <a:solidFill>
-                  <a:schemeClr val="tx1"/>
-                </a:solidFill>
-                <a:latin typeface="+mn-lt"/>
-                <a:ea typeface="+mn-ea"/>
-                <a:cs typeface="+mn-cs"/>
-              </a:rPr>
-              <a:t>principles and Agile practices. </a:t>
+              <a:t>project coordinator for DDD Sample application C# version. His focus is to turn modern tools and technologies into software building blocks that align with well known discovered principles and Agile practices. </a:t>
             </a:r>
             <a:endParaRPr lang="en-US" dirty="0"/>
           </a:p>
@@ -3300,7 +3245,7 @@
             <a:fld id="{692DA68B-07B5-4D40-903F-69FBB0125CEF}" type="datetimeFigureOut">
               <a:rPr lang="en-US" smtClean="0"/>
               <a:pPr/>
-              <a:t>4/15/2009</a:t>
+              <a:t>4/16/2009</a:t>
             </a:fld>
             <a:endParaRPr lang="en-US" dirty="0"/>
           </a:p>
@@ -3467,7 +3412,7 @@
             <a:fld id="{692DA68B-07B5-4D40-903F-69FBB0125CEF}" type="datetimeFigureOut">
               <a:rPr lang="en-US" smtClean="0"/>
               <a:pPr/>
-              <a:t>4/15/2009</a:t>
+              <a:t>4/16/2009</a:t>
             </a:fld>
             <a:endParaRPr lang="en-US" dirty="0"/>
           </a:p>
@@ -3644,7 +3589,7 @@
             <a:fld id="{692DA68B-07B5-4D40-903F-69FBB0125CEF}" type="datetimeFigureOut">
               <a:rPr lang="en-US" smtClean="0"/>
               <a:pPr/>
-              <a:t>4/15/2009</a:t>
+              <a:t>4/16/2009</a:t>
             </a:fld>
             <a:endParaRPr lang="en-US" dirty="0"/>
           </a:p>
@@ -3811,7 +3756,7 @@
             <a:fld id="{692DA68B-07B5-4D40-903F-69FBB0125CEF}" type="datetimeFigureOut">
               <a:rPr lang="en-US" smtClean="0"/>
               <a:pPr/>
-              <a:t>4/15/2009</a:t>
+              <a:t>4/16/2009</a:t>
             </a:fld>
             <a:endParaRPr lang="en-US" dirty="0"/>
           </a:p>
@@ -4054,7 +3999,7 @@
             <a:fld id="{692DA68B-07B5-4D40-903F-69FBB0125CEF}" type="datetimeFigureOut">
               <a:rPr lang="en-US" smtClean="0"/>
               <a:pPr/>
-              <a:t>4/15/2009</a:t>
+              <a:t>4/16/2009</a:t>
             </a:fld>
             <a:endParaRPr lang="en-US" dirty="0"/>
           </a:p>
@@ -4339,7 +4284,7 @@
             <a:fld id="{692DA68B-07B5-4D40-903F-69FBB0125CEF}" type="datetimeFigureOut">
               <a:rPr lang="en-US" smtClean="0"/>
               <a:pPr/>
-              <a:t>4/15/2009</a:t>
+              <a:t>4/16/2009</a:t>
             </a:fld>
             <a:endParaRPr lang="en-US" dirty="0"/>
           </a:p>
@@ -4758,7 +4703,7 @@
             <a:fld id="{692DA68B-07B5-4D40-903F-69FBB0125CEF}" type="datetimeFigureOut">
               <a:rPr lang="en-US" smtClean="0"/>
               <a:pPr/>
-              <a:t>4/15/2009</a:t>
+              <a:t>4/16/2009</a:t>
             </a:fld>
             <a:endParaRPr lang="en-US" dirty="0"/>
           </a:p>
@@ -4873,7 +4818,7 @@
             <a:fld id="{692DA68B-07B5-4D40-903F-69FBB0125CEF}" type="datetimeFigureOut">
               <a:rPr lang="en-US" smtClean="0"/>
               <a:pPr/>
-              <a:t>4/15/2009</a:t>
+              <a:t>4/16/2009</a:t>
             </a:fld>
             <a:endParaRPr lang="en-US" dirty="0"/>
           </a:p>
@@ -4965,7 +4910,7 @@
             <a:fld id="{692DA68B-07B5-4D40-903F-69FBB0125CEF}" type="datetimeFigureOut">
               <a:rPr lang="en-US" smtClean="0"/>
               <a:pPr/>
-              <a:t>4/15/2009</a:t>
+              <a:t>4/16/2009</a:t>
             </a:fld>
             <a:endParaRPr lang="en-US" dirty="0"/>
           </a:p>
@@ -5239,7 +5184,7 @@
             <a:fld id="{692DA68B-07B5-4D40-903F-69FBB0125CEF}" type="datetimeFigureOut">
               <a:rPr lang="en-US" smtClean="0"/>
               <a:pPr/>
-              <a:t>4/15/2009</a:t>
+              <a:t>4/16/2009</a:t>
             </a:fld>
             <a:endParaRPr lang="en-US" dirty="0"/>
           </a:p>
@@ -5489,7 +5434,7 @@
             <a:fld id="{692DA68B-07B5-4D40-903F-69FBB0125CEF}" type="datetimeFigureOut">
               <a:rPr lang="en-US" smtClean="0"/>
               <a:pPr/>
-              <a:t>4/15/2009</a:t>
+              <a:t>4/16/2009</a:t>
             </a:fld>
             <a:endParaRPr lang="en-US" dirty="0"/>
           </a:p>
@@ -5699,7 +5644,7 @@
             <a:fld id="{692DA68B-07B5-4D40-903F-69FBB0125CEF}" type="datetimeFigureOut">
               <a:rPr lang="en-US" smtClean="0"/>
               <a:pPr/>
-              <a:t>4/15/2009</a:t>
+              <a:t>4/16/2009</a:t>
             </a:fld>
             <a:endParaRPr lang="en-US" dirty="0"/>
           </a:p>
@@ -9104,22 +9049,17 @@
           <a:p>
             <a:r>
               <a:rPr lang="en-US" dirty="0" smtClean="0"/>
-              <a:t>”Programming is understanding”(Kristen </a:t>
-            </a:r>
-            <a:r>
-              <a:rPr lang="en-US" dirty="0" err="1" smtClean="0"/>
-              <a:t>Nygaard</a:t>
+              <a:t>DDD is OO </a:t>
             </a:r>
             <a:r>
               <a:rPr lang="en-US" dirty="0" smtClean="0"/>
-              <a:t>)</a:t>
-            </a:r>
-          </a:p>
-          <a:p>
+              <a:t>done </a:t>
+            </a:r>
             <a:r>
               <a:rPr lang="en-US" dirty="0" smtClean="0"/>
-              <a:t>”DDD == OO done right”</a:t>
-            </a:r>
+              <a:t>right</a:t>
+            </a:r>
+            <a:endParaRPr lang="en-US" dirty="0" smtClean="0"/>
           </a:p>
           <a:p>
             <a:r>
@@ -9130,7 +9070,25 @@
           <a:p>
             <a:r>
               <a:rPr lang="en-US" dirty="0" smtClean="0"/>
-              <a:t>Semantics over technology</a:t>
+              <a:t>Semantics </a:t>
+            </a:r>
+            <a:r>
+              <a:rPr lang="en-US" dirty="0" smtClean="0"/>
+              <a:t>over </a:t>
+            </a:r>
+            <a:r>
+              <a:rPr lang="en-US" dirty="0" smtClean="0"/>
+              <a:t>technology</a:t>
+            </a:r>
+          </a:p>
+          <a:p>
+            <a:r>
+              <a:rPr lang="en-US" smtClean="0"/>
+              <a:t>Is discovered </a:t>
+            </a:r>
+            <a:r>
+              <a:rPr lang="en-US" dirty="0" smtClean="0"/>
+              <a:t>and invented</a:t>
             </a:r>
             <a:endParaRPr lang="en-US" dirty="0"/>
           </a:p>

--- a/Domain-DrivenDesign.A.Trosin.pptx
+++ b/Domain-DrivenDesign.A.Trosin.pptx
@@ -5,7 +5,7 @@
     <p:sldMasterId id="2147483734" r:id="rId1"/>
   </p:sldMasterIdLst>
   <p:notesMasterIdLst>
-    <p:notesMasterId r:id="rId22"/>
+    <p:notesMasterId r:id="rId25"/>
   </p:notesMasterIdLst>
   <p:sldIdLst>
     <p:sldId id="256" r:id="rId2"/>
@@ -27,7 +27,10 @@
     <p:sldId id="276" r:id="rId18"/>
     <p:sldId id="274" r:id="rId19"/>
     <p:sldId id="275" r:id="rId20"/>
-    <p:sldId id="271" r:id="rId21"/>
+    <p:sldId id="279" r:id="rId21"/>
+    <p:sldId id="280" r:id="rId22"/>
+    <p:sldId id="281" r:id="rId23"/>
+    <p:sldId id="282" r:id="rId24"/>
   </p:sldIdLst>
   <p:sldSz cx="9144000" cy="6858000" type="screen4x3"/>
   <p:notesSz cx="6858000" cy="9144000"/>
@@ -212,7 +215,7 @@
             <a:fld id="{A4B025BB-2E79-40D8-8C4B-B985B2186BF8}" type="datetimeFigureOut">
               <a:rPr lang="en-US" smtClean="0"/>
               <a:pPr/>
-              <a:t>4/16/2009</a:t>
+              <a:t>4/17/2009</a:t>
             </a:fld>
             <a:endParaRPr lang="en-US" dirty="0"/>
           </a:p>
@@ -769,28 +772,6 @@
           </a:bodyPr>
           <a:lstStyle/>
           <a:p>
-            <a:r>
-              <a:rPr lang="en-US" dirty="0" smtClean="0"/>
-              <a:t>Is</a:t>
-            </a:r>
-            <a:r>
-              <a:rPr lang="en-US" baseline="0" dirty="0" smtClean="0"/>
-              <a:t> it realistic?</a:t>
-            </a:r>
-          </a:p>
-          <a:p>
-            <a:r>
-              <a:rPr lang="en-US" baseline="0" dirty="0" smtClean="0"/>
-              <a:t>Which earth representation is better?</a:t>
-            </a:r>
-          </a:p>
-          <a:p>
-            <a:r>
-              <a:rPr lang="en-US" baseline="0" dirty="0" smtClean="0"/>
-              <a:t>We should not represent the entire WORLD model but just purpose of the model…</a:t>
-            </a:r>
-          </a:p>
-          <a:p>
             <a:endParaRPr lang="en-US" dirty="0"/>
           </a:p>
         </p:txBody>
@@ -813,7 +794,7 @@
             <a:fld id="{5D5B2715-B0E0-4A76-9B24-AC64393DF8BD}" type="slidenum">
               <a:rPr lang="en-US" smtClean="0"/>
               <a:pPr/>
-              <a:t>12</a:t>
+              <a:t>11</a:t>
             </a:fld>
             <a:endParaRPr lang="en-US" dirty="0"/>
           </a:p>
@@ -846,7 +827,7 @@
       </p:grpSpPr>
       <p:sp>
         <p:nvSpPr>
-          <p:cNvPr id="2" name="Slide Image Placeholder 1"/>
+          <p:cNvPr id="2" name="Образ слайда 1"/>
           <p:cNvSpPr>
             <a:spLocks noGrp="1" noRot="1" noChangeAspect="1"/>
           </p:cNvSpPr>
@@ -858,7 +839,7 @@
       </p:sp>
       <p:sp>
         <p:nvSpPr>
-          <p:cNvPr id="3" name="Notes Placeholder 2"/>
+          <p:cNvPr id="3" name="Заметки 2"/>
           <p:cNvSpPr>
             <a:spLocks noGrp="1"/>
           </p:cNvSpPr>
@@ -875,388 +856,39 @@
           <a:p>
             <a:r>
               <a:rPr lang="en-US" dirty="0" smtClean="0"/>
-              <a:t>Cu cit </a:t>
-            </a:r>
-            <a:r>
-              <a:rPr lang="en-US" dirty="0" err="1" smtClean="0"/>
-              <a:t>mai</a:t>
-            </a:r>
-            <a:r>
-              <a:rPr lang="en-US" dirty="0" smtClean="0"/>
-              <a:t> </a:t>
-            </a:r>
-            <a:r>
-              <a:rPr lang="en-US" dirty="0" err="1" smtClean="0"/>
-              <a:t>bine</a:t>
+              <a:t>Is</a:t>
             </a:r>
             <a:r>
               <a:rPr lang="en-US" baseline="0" dirty="0" smtClean="0"/>
-              <a:t> </a:t>
-            </a:r>
-            <a:r>
-              <a:rPr lang="en-US" baseline="0" dirty="0" err="1" smtClean="0"/>
-              <a:t>ar</a:t>
-            </a:r>
+              <a:t> it realistic?</a:t>
+            </a:r>
+          </a:p>
+          <a:p>
             <a:r>
               <a:rPr lang="en-US" baseline="0" dirty="0" smtClean="0"/>
-              <a:t> </a:t>
-            </a:r>
-            <a:r>
-              <a:rPr lang="en-US" baseline="0" dirty="0" err="1" smtClean="0"/>
-              <a:t>sa</a:t>
-            </a:r>
+              <a:t>Which earth representation is better?</a:t>
+            </a:r>
+          </a:p>
+          <a:p>
             <a:r>
               <a:rPr lang="en-US" baseline="0" dirty="0" smtClean="0"/>
-              <a:t> fie </a:t>
-            </a:r>
-            <a:r>
-              <a:rPr lang="en-US" baseline="0" dirty="0" err="1" smtClean="0"/>
-              <a:t>inteles</a:t>
-            </a:r>
+              <a:t>Context!</a:t>
+            </a:r>
+          </a:p>
+          <a:p>
             <a:r>
               <a:rPr lang="en-US" baseline="0" dirty="0" smtClean="0"/>
-              <a:t> business </a:t>
-            </a:r>
-            <a:r>
-              <a:rPr lang="en-US" baseline="0" dirty="0" err="1" smtClean="0"/>
-              <a:t>domainul</a:t>
-            </a:r>
-            <a:r>
-              <a:rPr lang="en-US" baseline="0" dirty="0" smtClean="0"/>
-              <a:t> </a:t>
-            </a:r>
-            <a:r>
-              <a:rPr lang="en-US" baseline="0" dirty="0" err="1" smtClean="0"/>
-              <a:t>si</a:t>
-            </a:r>
-            <a:r>
-              <a:rPr lang="en-US" baseline="0" dirty="0" smtClean="0"/>
-              <a:t> cu </a:t>
-            </a:r>
-            <a:r>
-              <a:rPr lang="en-US" baseline="0" dirty="0" err="1" smtClean="0"/>
-              <a:t>atit</a:t>
-            </a:r>
-            <a:r>
-              <a:rPr lang="en-US" baseline="0" dirty="0" smtClean="0"/>
-              <a:t> </a:t>
-            </a:r>
-            <a:r>
-              <a:rPr lang="en-US" baseline="0" dirty="0" err="1" smtClean="0"/>
-              <a:t>mai</a:t>
-            </a:r>
-            <a:r>
-              <a:rPr lang="en-US" baseline="0" dirty="0" smtClean="0"/>
-              <a:t> </a:t>
-            </a:r>
-            <a:r>
-              <a:rPr lang="en-US" baseline="0" dirty="0" err="1" smtClean="0"/>
-              <a:t>mari</a:t>
-            </a:r>
-            <a:r>
-              <a:rPr lang="en-US" baseline="0" dirty="0" smtClean="0"/>
-              <a:t> </a:t>
-            </a:r>
-            <a:r>
-              <a:rPr lang="en-US" baseline="0" dirty="0" err="1" smtClean="0"/>
-              <a:t>sansele</a:t>
-            </a:r>
-            <a:r>
-              <a:rPr lang="en-US" baseline="0" dirty="0" smtClean="0"/>
-              <a:t> ca </a:t>
-            </a:r>
-            <a:r>
-              <a:rPr lang="en-US" baseline="0" dirty="0" err="1" smtClean="0"/>
-              <a:t>softul</a:t>
-            </a:r>
-            <a:r>
-              <a:rPr lang="en-US" baseline="0" dirty="0" smtClean="0"/>
-              <a:t> </a:t>
-            </a:r>
-            <a:r>
-              <a:rPr lang="en-US" baseline="0" dirty="0" err="1" smtClean="0"/>
-              <a:t>produs</a:t>
-            </a:r>
-            <a:r>
-              <a:rPr lang="en-US" baseline="0" dirty="0" smtClean="0"/>
-              <a:t> de </a:t>
-            </a:r>
-            <a:r>
-              <a:rPr lang="en-US" baseline="0" dirty="0" err="1" smtClean="0"/>
-              <a:t>developeri</a:t>
-            </a:r>
-            <a:r>
-              <a:rPr lang="en-US" baseline="0" dirty="0" smtClean="0"/>
-              <a:t> </a:t>
-            </a:r>
-            <a:r>
-              <a:rPr lang="en-US" baseline="0" dirty="0" err="1" smtClean="0"/>
-              <a:t>va</a:t>
-            </a:r>
-            <a:r>
-              <a:rPr lang="en-US" baseline="0" dirty="0" smtClean="0"/>
-              <a:t> </a:t>
-            </a:r>
-            <a:r>
-              <a:rPr lang="en-US" baseline="0" dirty="0" err="1" smtClean="0"/>
-              <a:t>fi</a:t>
-            </a:r>
-            <a:r>
-              <a:rPr lang="en-US" baseline="0" dirty="0" smtClean="0"/>
-              <a:t> </a:t>
-            </a:r>
-          </a:p>
-          <a:p>
-            <a:r>
-              <a:rPr lang="en-US" baseline="0" dirty="0" err="1" smtClean="0"/>
-              <a:t>Anume</a:t>
-            </a:r>
-            <a:r>
-              <a:rPr lang="en-US" baseline="0" dirty="0" smtClean="0"/>
-              <a:t> </a:t>
-            </a:r>
-            <a:r>
-              <a:rPr lang="en-US" baseline="0" dirty="0" err="1" smtClean="0"/>
-              <a:t>aceea</a:t>
-            </a:r>
-            <a:r>
-              <a:rPr lang="en-US" baseline="0" dirty="0" smtClean="0"/>
-              <a:t> </a:t>
-            </a:r>
-            <a:r>
-              <a:rPr lang="en-US" baseline="0" dirty="0" err="1" smtClean="0"/>
-              <a:t>ce</a:t>
-            </a:r>
-            <a:r>
-              <a:rPr lang="en-US" baseline="0" dirty="0" smtClean="0"/>
-              <a:t> se </a:t>
-            </a:r>
-            <a:r>
-              <a:rPr lang="en-US" baseline="0" dirty="0" err="1" smtClean="0"/>
-              <a:t>cere</a:t>
-            </a:r>
-            <a:r>
-              <a:rPr lang="en-US" baseline="0" dirty="0" smtClean="0"/>
-              <a:t> de business </a:t>
-            </a:r>
-            <a:r>
-              <a:rPr lang="en-US" baseline="0" dirty="0" err="1" smtClean="0"/>
-              <a:t>experti</a:t>
-            </a:r>
-            <a:r>
-              <a:rPr lang="en-US" baseline="0" dirty="0" smtClean="0"/>
-              <a:t>.</a:t>
-            </a:r>
-          </a:p>
-          <a:p>
-            <a:r>
-              <a:rPr lang="en-US" baseline="0" dirty="0" err="1" smtClean="0"/>
-              <a:t>Problema</a:t>
-            </a:r>
-            <a:r>
-              <a:rPr lang="en-US" baseline="0" dirty="0" smtClean="0"/>
-              <a:t> </a:t>
-            </a:r>
-            <a:r>
-              <a:rPr lang="en-US" baseline="0" dirty="0" err="1" smtClean="0"/>
-              <a:t>este</a:t>
-            </a:r>
-            <a:r>
-              <a:rPr lang="en-US" baseline="0" dirty="0" smtClean="0"/>
-              <a:t> ca Business </a:t>
-            </a:r>
-            <a:r>
-              <a:rPr lang="en-US" baseline="0" dirty="0" err="1" smtClean="0"/>
-              <a:t>expertii</a:t>
-            </a:r>
-            <a:r>
-              <a:rPr lang="en-US" baseline="0" dirty="0" smtClean="0"/>
-              <a:t> nu </a:t>
-            </a:r>
-            <a:r>
-              <a:rPr lang="en-US" baseline="0" dirty="0" err="1" smtClean="0"/>
-              <a:t>inteleg</a:t>
-            </a:r>
-            <a:r>
-              <a:rPr lang="en-US" baseline="0" dirty="0" smtClean="0"/>
-              <a:t> </a:t>
-            </a:r>
-            <a:r>
-              <a:rPr lang="en-US" baseline="0" dirty="0" err="1" smtClean="0"/>
-              <a:t>partea</a:t>
-            </a:r>
-            <a:r>
-              <a:rPr lang="en-US" baseline="0" dirty="0" smtClean="0"/>
-              <a:t> </a:t>
-            </a:r>
-            <a:r>
-              <a:rPr lang="en-US" baseline="0" dirty="0" err="1" smtClean="0"/>
-              <a:t>tehnica</a:t>
-            </a:r>
-            <a:r>
-              <a:rPr lang="en-US" baseline="0" dirty="0" smtClean="0"/>
-              <a:t> a </a:t>
-            </a:r>
-            <a:r>
-              <a:rPr lang="en-US" baseline="0" dirty="0" err="1" smtClean="0"/>
-              <a:t>lucrurilor</a:t>
-            </a:r>
-            <a:r>
-              <a:rPr lang="en-US" baseline="0" dirty="0" smtClean="0"/>
-              <a:t> </a:t>
-            </a:r>
-            <a:r>
-              <a:rPr lang="en-US" baseline="0" dirty="0" err="1" smtClean="0"/>
-              <a:t>dar</a:t>
-            </a:r>
-            <a:r>
-              <a:rPr lang="en-US" baseline="0" dirty="0" smtClean="0"/>
-              <a:t> </a:t>
-            </a:r>
-            <a:r>
-              <a:rPr lang="en-US" baseline="0" dirty="0" err="1" smtClean="0"/>
-              <a:t>developerii</a:t>
-            </a:r>
-            <a:r>
-              <a:rPr lang="en-US" baseline="0" dirty="0" smtClean="0"/>
-              <a:t> nu </a:t>
-            </a:r>
-            <a:r>
-              <a:rPr lang="en-US" baseline="0" dirty="0" err="1" smtClean="0"/>
-              <a:t>cunosc</a:t>
-            </a:r>
-            <a:r>
-              <a:rPr lang="en-US" baseline="0" dirty="0" smtClean="0"/>
-              <a:t> </a:t>
-            </a:r>
-            <a:r>
-              <a:rPr lang="en-US" baseline="0" dirty="0" err="1" smtClean="0"/>
-              <a:t>domainul</a:t>
-            </a:r>
-            <a:r>
-              <a:rPr lang="en-US" baseline="0" dirty="0" smtClean="0"/>
-              <a:t>, </a:t>
-            </a:r>
-          </a:p>
-          <a:p>
-            <a:r>
-              <a:rPr lang="en-US" baseline="0" dirty="0" smtClean="0"/>
-              <a:t>Cum </a:t>
-            </a:r>
-            <a:r>
-              <a:rPr lang="en-US" baseline="0" dirty="0" err="1" smtClean="0"/>
-              <a:t>rezolvam</a:t>
-            </a:r>
-            <a:r>
-              <a:rPr lang="en-US" baseline="0" dirty="0" smtClean="0"/>
-              <a:t> </a:t>
-            </a:r>
-            <a:r>
-              <a:rPr lang="en-US" baseline="0" dirty="0" err="1" smtClean="0"/>
-              <a:t>problema</a:t>
-            </a:r>
-            <a:r>
-              <a:rPr lang="en-US" baseline="0" dirty="0" smtClean="0"/>
-              <a:t>?</a:t>
-            </a:r>
-          </a:p>
-          <a:p>
-            <a:r>
-              <a:rPr lang="en-US" sz="1200" kern="1200" baseline="0" dirty="0" smtClean="0">
-                <a:solidFill>
-                  <a:schemeClr val="tx1"/>
-                </a:solidFill>
-                <a:latin typeface="+mn-lt"/>
-                <a:ea typeface="+mn-ea"/>
-                <a:cs typeface="+mn-cs"/>
-              </a:rPr>
-              <a:t>Technical people often feel the need to "shield" the business experts from the domain model. They</a:t>
-            </a:r>
-          </a:p>
-          <a:p>
-            <a:r>
-              <a:rPr lang="en-US" sz="1200" kern="1200" baseline="0" dirty="0" smtClean="0">
-                <a:solidFill>
-                  <a:schemeClr val="tx1"/>
-                </a:solidFill>
-                <a:latin typeface="+mn-lt"/>
-                <a:ea typeface="+mn-ea"/>
-                <a:cs typeface="+mn-cs"/>
-              </a:rPr>
-              <a:t>say:</a:t>
-            </a:r>
-          </a:p>
-          <a:p>
-            <a:r>
-              <a:rPr lang="en-US" sz="1200" kern="1200" baseline="0" dirty="0" smtClean="0">
-                <a:solidFill>
-                  <a:schemeClr val="tx1"/>
-                </a:solidFill>
-                <a:latin typeface="+mn-lt"/>
-                <a:ea typeface="+mn-ea"/>
-                <a:cs typeface="+mn-cs"/>
-              </a:rPr>
-              <a:t>"Too abstract for them."</a:t>
-            </a:r>
-          </a:p>
-          <a:p>
-            <a:r>
-              <a:rPr lang="en-US" sz="1200" kern="1200" baseline="0" dirty="0" smtClean="0">
-                <a:solidFill>
-                  <a:schemeClr val="tx1"/>
-                </a:solidFill>
-                <a:latin typeface="+mn-lt"/>
-                <a:ea typeface="+mn-ea"/>
-                <a:cs typeface="+mn-cs"/>
-              </a:rPr>
-              <a:t>"They don't understand objects."</a:t>
-            </a:r>
-          </a:p>
-          <a:p>
-            <a:r>
-              <a:rPr lang="en-US" sz="1200" kern="1200" baseline="0" dirty="0" smtClean="0">
-                <a:solidFill>
-                  <a:schemeClr val="tx1"/>
-                </a:solidFill>
-                <a:latin typeface="+mn-lt"/>
-                <a:ea typeface="+mn-ea"/>
-                <a:cs typeface="+mn-cs"/>
-              </a:rPr>
-              <a:t>"We have to collect requirements in their terminology."</a:t>
-            </a:r>
-          </a:p>
-          <a:p>
-            <a:r>
-              <a:rPr lang="en-US" sz="1200" kern="1200" baseline="0" dirty="0" smtClean="0">
-                <a:solidFill>
-                  <a:schemeClr val="tx1"/>
-                </a:solidFill>
-                <a:latin typeface="+mn-lt"/>
-                <a:ea typeface="+mn-ea"/>
-                <a:cs typeface="+mn-cs"/>
-              </a:rPr>
-              <a:t>These are just a few of the reasons I've heard for having two languages on the team. Forget</a:t>
-            </a:r>
-          </a:p>
-          <a:p>
-            <a:r>
-              <a:rPr lang="en-US" sz="1200" kern="1200" baseline="0" dirty="0" smtClean="0">
-                <a:solidFill>
-                  <a:schemeClr val="tx1"/>
-                </a:solidFill>
-                <a:latin typeface="+mn-lt"/>
-                <a:ea typeface="+mn-ea"/>
-                <a:cs typeface="+mn-cs"/>
-              </a:rPr>
-              <a:t>them.</a:t>
-            </a:r>
+              <a:t>We should not represent the entire WORLD model but just purpose of the model…</a:t>
+            </a:r>
+          </a:p>
+          <a:p>
             <a:endParaRPr lang="en-US" dirty="0"/>
           </a:p>
         </p:txBody>
       </p:sp>
       <p:sp>
         <p:nvSpPr>
-          <p:cNvPr id="4" name="Slide Number Placeholder 3"/>
+          <p:cNvPr id="4" name="Номер слайда 3"/>
           <p:cNvSpPr>
             <a:spLocks noGrp="1"/>
           </p:cNvSpPr>
@@ -1272,7 +904,7 @@
             <a:fld id="{5D5B2715-B0E0-4A76-9B24-AC64393DF8BD}" type="slidenum">
               <a:rPr lang="en-US" smtClean="0"/>
               <a:pPr/>
-              <a:t>13</a:t>
+              <a:t>12</a:t>
             </a:fld>
             <a:endParaRPr lang="en-US" dirty="0"/>
           </a:p>
@@ -1332,6 +964,846 @@
           </a:bodyPr>
           <a:lstStyle/>
           <a:p>
+            <a:r>
+              <a:rPr lang="en-US" dirty="0" smtClean="0"/>
+              <a:t>Cu cit </a:t>
+            </a:r>
+            <a:r>
+              <a:rPr lang="en-US" dirty="0" err="1" smtClean="0"/>
+              <a:t>mai</a:t>
+            </a:r>
+            <a:r>
+              <a:rPr lang="en-US" dirty="0" smtClean="0"/>
+              <a:t> </a:t>
+            </a:r>
+            <a:r>
+              <a:rPr lang="en-US" dirty="0" err="1" smtClean="0"/>
+              <a:t>bine</a:t>
+            </a:r>
+            <a:r>
+              <a:rPr lang="en-US" baseline="0" dirty="0" smtClean="0"/>
+              <a:t> </a:t>
+            </a:r>
+            <a:r>
+              <a:rPr lang="en-US" baseline="0" dirty="0" err="1" smtClean="0"/>
+              <a:t>ar</a:t>
+            </a:r>
+            <a:r>
+              <a:rPr lang="en-US" baseline="0" dirty="0" smtClean="0"/>
+              <a:t> </a:t>
+            </a:r>
+            <a:r>
+              <a:rPr lang="en-US" baseline="0" dirty="0" err="1" smtClean="0"/>
+              <a:t>sa</a:t>
+            </a:r>
+            <a:r>
+              <a:rPr lang="en-US" baseline="0" dirty="0" smtClean="0"/>
+              <a:t> fie </a:t>
+            </a:r>
+            <a:r>
+              <a:rPr lang="en-US" baseline="0" dirty="0" err="1" smtClean="0"/>
+              <a:t>inteles</a:t>
+            </a:r>
+            <a:r>
+              <a:rPr lang="en-US" baseline="0" dirty="0" smtClean="0"/>
+              <a:t> business </a:t>
+            </a:r>
+            <a:r>
+              <a:rPr lang="en-US" baseline="0" dirty="0" err="1" smtClean="0"/>
+              <a:t>domainul</a:t>
+            </a:r>
+            <a:r>
+              <a:rPr lang="en-US" baseline="0" dirty="0" smtClean="0"/>
+              <a:t> </a:t>
+            </a:r>
+            <a:r>
+              <a:rPr lang="en-US" baseline="0" dirty="0" err="1" smtClean="0"/>
+              <a:t>si</a:t>
+            </a:r>
+            <a:r>
+              <a:rPr lang="en-US" baseline="0" dirty="0" smtClean="0"/>
+              <a:t> cu </a:t>
+            </a:r>
+            <a:r>
+              <a:rPr lang="en-US" baseline="0" dirty="0" err="1" smtClean="0"/>
+              <a:t>atit</a:t>
+            </a:r>
+            <a:r>
+              <a:rPr lang="en-US" baseline="0" dirty="0" smtClean="0"/>
+              <a:t> </a:t>
+            </a:r>
+            <a:r>
+              <a:rPr lang="en-US" baseline="0" dirty="0" err="1" smtClean="0"/>
+              <a:t>mai</a:t>
+            </a:r>
+            <a:r>
+              <a:rPr lang="en-US" baseline="0" dirty="0" smtClean="0"/>
+              <a:t> </a:t>
+            </a:r>
+            <a:r>
+              <a:rPr lang="en-US" baseline="0" dirty="0" err="1" smtClean="0"/>
+              <a:t>mari</a:t>
+            </a:r>
+            <a:r>
+              <a:rPr lang="en-US" baseline="0" dirty="0" smtClean="0"/>
+              <a:t> </a:t>
+            </a:r>
+            <a:r>
+              <a:rPr lang="en-US" baseline="0" dirty="0" err="1" smtClean="0"/>
+              <a:t>sansele</a:t>
+            </a:r>
+            <a:r>
+              <a:rPr lang="en-US" baseline="0" dirty="0" smtClean="0"/>
+              <a:t> ca </a:t>
+            </a:r>
+            <a:r>
+              <a:rPr lang="en-US" baseline="0" dirty="0" err="1" smtClean="0"/>
+              <a:t>softul</a:t>
+            </a:r>
+            <a:r>
+              <a:rPr lang="en-US" baseline="0" dirty="0" smtClean="0"/>
+              <a:t> </a:t>
+            </a:r>
+            <a:r>
+              <a:rPr lang="en-US" baseline="0" dirty="0" err="1" smtClean="0"/>
+              <a:t>produs</a:t>
+            </a:r>
+            <a:r>
+              <a:rPr lang="en-US" baseline="0" dirty="0" smtClean="0"/>
+              <a:t> de </a:t>
+            </a:r>
+            <a:r>
+              <a:rPr lang="en-US" baseline="0" dirty="0" err="1" smtClean="0"/>
+              <a:t>developeri</a:t>
+            </a:r>
+            <a:r>
+              <a:rPr lang="en-US" baseline="0" dirty="0" smtClean="0"/>
+              <a:t> </a:t>
+            </a:r>
+            <a:r>
+              <a:rPr lang="en-US" baseline="0" dirty="0" err="1" smtClean="0"/>
+              <a:t>va</a:t>
+            </a:r>
+            <a:r>
+              <a:rPr lang="en-US" baseline="0" dirty="0" smtClean="0"/>
+              <a:t> </a:t>
+            </a:r>
+            <a:r>
+              <a:rPr lang="en-US" baseline="0" dirty="0" err="1" smtClean="0"/>
+              <a:t>fi</a:t>
+            </a:r>
+            <a:r>
+              <a:rPr lang="en-US" baseline="0" dirty="0" smtClean="0"/>
+              <a:t> </a:t>
+            </a:r>
+          </a:p>
+          <a:p>
+            <a:r>
+              <a:rPr lang="en-US" baseline="0" dirty="0" err="1" smtClean="0"/>
+              <a:t>Anume</a:t>
+            </a:r>
+            <a:r>
+              <a:rPr lang="en-US" baseline="0" dirty="0" smtClean="0"/>
+              <a:t> </a:t>
+            </a:r>
+            <a:r>
+              <a:rPr lang="en-US" baseline="0" dirty="0" err="1" smtClean="0"/>
+              <a:t>aceea</a:t>
+            </a:r>
+            <a:r>
+              <a:rPr lang="en-US" baseline="0" dirty="0" smtClean="0"/>
+              <a:t> </a:t>
+            </a:r>
+            <a:r>
+              <a:rPr lang="en-US" baseline="0" dirty="0" err="1" smtClean="0"/>
+              <a:t>ce</a:t>
+            </a:r>
+            <a:r>
+              <a:rPr lang="en-US" baseline="0" dirty="0" smtClean="0"/>
+              <a:t> se </a:t>
+            </a:r>
+            <a:r>
+              <a:rPr lang="en-US" baseline="0" dirty="0" err="1" smtClean="0"/>
+              <a:t>cere</a:t>
+            </a:r>
+            <a:r>
+              <a:rPr lang="en-US" baseline="0" dirty="0" smtClean="0"/>
+              <a:t> de business </a:t>
+            </a:r>
+            <a:r>
+              <a:rPr lang="en-US" baseline="0" dirty="0" err="1" smtClean="0"/>
+              <a:t>experti</a:t>
+            </a:r>
+            <a:r>
+              <a:rPr lang="en-US" baseline="0" dirty="0" smtClean="0"/>
+              <a:t>.</a:t>
+            </a:r>
+          </a:p>
+          <a:p>
+            <a:r>
+              <a:rPr lang="en-US" baseline="0" dirty="0" err="1" smtClean="0"/>
+              <a:t>Problema</a:t>
+            </a:r>
+            <a:r>
+              <a:rPr lang="en-US" baseline="0" dirty="0" smtClean="0"/>
+              <a:t> </a:t>
+            </a:r>
+            <a:r>
+              <a:rPr lang="en-US" baseline="0" dirty="0" err="1" smtClean="0"/>
+              <a:t>este</a:t>
+            </a:r>
+            <a:r>
+              <a:rPr lang="en-US" baseline="0" dirty="0" smtClean="0"/>
+              <a:t> ca Business </a:t>
+            </a:r>
+            <a:r>
+              <a:rPr lang="en-US" baseline="0" dirty="0" err="1" smtClean="0"/>
+              <a:t>expertii</a:t>
+            </a:r>
+            <a:r>
+              <a:rPr lang="en-US" baseline="0" dirty="0" smtClean="0"/>
+              <a:t> nu </a:t>
+            </a:r>
+            <a:r>
+              <a:rPr lang="en-US" baseline="0" dirty="0" err="1" smtClean="0"/>
+              <a:t>inteleg</a:t>
+            </a:r>
+            <a:r>
+              <a:rPr lang="en-US" baseline="0" dirty="0" smtClean="0"/>
+              <a:t> </a:t>
+            </a:r>
+            <a:r>
+              <a:rPr lang="en-US" baseline="0" dirty="0" err="1" smtClean="0"/>
+              <a:t>partea</a:t>
+            </a:r>
+            <a:r>
+              <a:rPr lang="en-US" baseline="0" dirty="0" smtClean="0"/>
+              <a:t> </a:t>
+            </a:r>
+            <a:r>
+              <a:rPr lang="en-US" baseline="0" dirty="0" err="1" smtClean="0"/>
+              <a:t>tehnica</a:t>
+            </a:r>
+            <a:r>
+              <a:rPr lang="en-US" baseline="0" dirty="0" smtClean="0"/>
+              <a:t> a </a:t>
+            </a:r>
+            <a:r>
+              <a:rPr lang="en-US" baseline="0" dirty="0" err="1" smtClean="0"/>
+              <a:t>lucrurilor</a:t>
+            </a:r>
+            <a:r>
+              <a:rPr lang="en-US" baseline="0" dirty="0" smtClean="0"/>
+              <a:t> </a:t>
+            </a:r>
+            <a:r>
+              <a:rPr lang="en-US" baseline="0" dirty="0" err="1" smtClean="0"/>
+              <a:t>dar</a:t>
+            </a:r>
+            <a:r>
+              <a:rPr lang="en-US" baseline="0" dirty="0" smtClean="0"/>
+              <a:t> </a:t>
+            </a:r>
+            <a:r>
+              <a:rPr lang="en-US" baseline="0" dirty="0" err="1" smtClean="0"/>
+              <a:t>developerii</a:t>
+            </a:r>
+            <a:r>
+              <a:rPr lang="en-US" baseline="0" dirty="0" smtClean="0"/>
+              <a:t> nu </a:t>
+            </a:r>
+            <a:r>
+              <a:rPr lang="en-US" baseline="0" dirty="0" err="1" smtClean="0"/>
+              <a:t>cunosc</a:t>
+            </a:r>
+            <a:r>
+              <a:rPr lang="en-US" baseline="0" dirty="0" smtClean="0"/>
+              <a:t> </a:t>
+            </a:r>
+            <a:r>
+              <a:rPr lang="en-US" baseline="0" dirty="0" err="1" smtClean="0"/>
+              <a:t>domainul</a:t>
+            </a:r>
+            <a:r>
+              <a:rPr lang="en-US" baseline="0" dirty="0" smtClean="0"/>
+              <a:t>, </a:t>
+            </a:r>
+          </a:p>
+          <a:p>
+            <a:r>
+              <a:rPr lang="en-US" baseline="0" dirty="0" smtClean="0"/>
+              <a:t>Cum </a:t>
+            </a:r>
+            <a:r>
+              <a:rPr lang="en-US" baseline="0" dirty="0" err="1" smtClean="0"/>
+              <a:t>rezolvam</a:t>
+            </a:r>
+            <a:r>
+              <a:rPr lang="en-US" baseline="0" dirty="0" smtClean="0"/>
+              <a:t> </a:t>
+            </a:r>
+            <a:r>
+              <a:rPr lang="en-US" baseline="0" dirty="0" err="1" smtClean="0"/>
+              <a:t>problema</a:t>
+            </a:r>
+            <a:r>
+              <a:rPr lang="en-US" baseline="0" dirty="0" smtClean="0"/>
+              <a:t>?</a:t>
+            </a:r>
+          </a:p>
+          <a:p>
+            <a:r>
+              <a:rPr lang="en-US" b="1" baseline="0" dirty="0" err="1" smtClean="0"/>
+              <a:t>Noi</a:t>
+            </a:r>
+            <a:r>
+              <a:rPr lang="en-US" b="1" baseline="0" dirty="0" smtClean="0"/>
+              <a:t> </a:t>
+            </a:r>
+            <a:r>
+              <a:rPr lang="en-US" b="1" baseline="0" dirty="0" err="1" smtClean="0"/>
+              <a:t>nici</a:t>
+            </a:r>
+            <a:r>
+              <a:rPr lang="en-US" b="1" baseline="0" dirty="0" smtClean="0"/>
+              <a:t> o data </a:t>
+            </a:r>
+            <a:r>
+              <a:rPr lang="en-US" b="1" baseline="0" dirty="0" err="1" smtClean="0"/>
+              <a:t>pina</a:t>
+            </a:r>
+            <a:r>
+              <a:rPr lang="en-US" b="1" baseline="0" dirty="0" smtClean="0"/>
+              <a:t> la </a:t>
+            </a:r>
+            <a:r>
+              <a:rPr lang="en-US" b="1" baseline="0" dirty="0" err="1" smtClean="0"/>
+              <a:t>urma</a:t>
+            </a:r>
+            <a:r>
+              <a:rPr lang="en-US" b="1" baseline="0" dirty="0" smtClean="0"/>
+              <a:t> nu </a:t>
+            </a:r>
+            <a:r>
+              <a:rPr lang="en-US" b="1" baseline="0" dirty="0" err="1" smtClean="0"/>
+              <a:t>ar</a:t>
+            </a:r>
+            <a:r>
+              <a:rPr lang="en-US" b="1" baseline="0" dirty="0" smtClean="0"/>
+              <a:t> </a:t>
+            </a:r>
+            <a:r>
+              <a:rPr lang="en-US" b="1" baseline="0" dirty="0" err="1" smtClean="0"/>
+              <a:t>sa</a:t>
+            </a:r>
+            <a:r>
+              <a:rPr lang="en-US" b="1" baseline="0" dirty="0" smtClean="0"/>
+              <a:t> </a:t>
+            </a:r>
+            <a:r>
+              <a:rPr lang="en-US" b="1" baseline="0" dirty="0" err="1" smtClean="0"/>
+              <a:t>invatam</a:t>
+            </a:r>
+            <a:r>
+              <a:rPr lang="en-US" b="1" baseline="0" dirty="0" smtClean="0"/>
+              <a:t> business </a:t>
+            </a:r>
+            <a:r>
+              <a:rPr lang="en-US" b="1" baseline="0" dirty="0" err="1" smtClean="0"/>
+              <a:t>expertii</a:t>
+            </a:r>
+            <a:r>
+              <a:rPr lang="en-US" b="1" baseline="0" dirty="0" smtClean="0"/>
+              <a:t> termini </a:t>
+            </a:r>
+            <a:r>
+              <a:rPr lang="en-US" b="1" baseline="0" dirty="0" err="1" smtClean="0"/>
+              <a:t>tehnici</a:t>
+            </a:r>
+            <a:r>
+              <a:rPr lang="en-US" b="1" baseline="0" dirty="0" smtClean="0"/>
+              <a:t> de </a:t>
+            </a:r>
+            <a:r>
+              <a:rPr lang="en-US" b="1" baseline="0" dirty="0" err="1" smtClean="0"/>
+              <a:t>programare</a:t>
+            </a:r>
+            <a:r>
+              <a:rPr lang="en-US" b="1" baseline="0" dirty="0" smtClean="0"/>
+              <a:t> </a:t>
+            </a:r>
+            <a:r>
+              <a:rPr lang="en-US" b="1" baseline="0" dirty="0" err="1" smtClean="0"/>
+              <a:t>si</a:t>
+            </a:r>
+            <a:r>
+              <a:rPr lang="en-US" b="1" baseline="0" dirty="0" smtClean="0"/>
+              <a:t> </a:t>
+            </a:r>
+            <a:r>
+              <a:rPr lang="en-US" b="1" baseline="0" dirty="0" err="1" smtClean="0"/>
+              <a:t>noi</a:t>
+            </a:r>
+            <a:r>
+              <a:rPr lang="en-US" b="1" baseline="0" dirty="0" smtClean="0"/>
+              <a:t> nu </a:t>
+            </a:r>
+            <a:r>
+              <a:rPr lang="en-US" b="1" baseline="0" dirty="0" err="1" smtClean="0"/>
+              <a:t>suntem</a:t>
+            </a:r>
+            <a:r>
+              <a:rPr lang="en-US" b="1" baseline="0" dirty="0" smtClean="0"/>
+              <a:t> </a:t>
+            </a:r>
+            <a:r>
+              <a:rPr lang="en-US" b="1" baseline="0" dirty="0" err="1" smtClean="0"/>
+              <a:t>interesati</a:t>
+            </a:r>
+            <a:r>
+              <a:rPr lang="en-US" b="1" baseline="0" dirty="0" smtClean="0"/>
+              <a:t> </a:t>
+            </a:r>
+          </a:p>
+          <a:p>
+            <a:r>
+              <a:rPr lang="en-US" b="1" baseline="0" dirty="0" err="1" smtClean="0"/>
+              <a:t>sa</a:t>
+            </a:r>
+            <a:r>
+              <a:rPr lang="en-US" b="1" baseline="0" dirty="0" smtClean="0"/>
+              <a:t> </a:t>
+            </a:r>
+            <a:r>
+              <a:rPr lang="en-US" b="1" baseline="0" dirty="0" err="1" smtClean="0"/>
+              <a:t>invatam</a:t>
+            </a:r>
+            <a:r>
+              <a:rPr lang="en-US" b="1" baseline="0" dirty="0" smtClean="0"/>
+              <a:t> </a:t>
+            </a:r>
+            <a:r>
+              <a:rPr lang="en-US" b="1" baseline="0" dirty="0" err="1" smtClean="0"/>
+              <a:t>totul</a:t>
+            </a:r>
+            <a:r>
+              <a:rPr lang="en-US" b="1" baseline="0" dirty="0" smtClean="0"/>
+              <a:t> </a:t>
+            </a:r>
+            <a:r>
+              <a:rPr lang="en-US" b="1" baseline="0" dirty="0" err="1" smtClean="0"/>
+              <a:t>ce</a:t>
+            </a:r>
+            <a:r>
+              <a:rPr lang="en-US" b="1" baseline="0" dirty="0" smtClean="0"/>
+              <a:t> tine de </a:t>
+            </a:r>
+            <a:r>
+              <a:rPr lang="en-US" b="1" baseline="0" dirty="0" err="1" smtClean="0"/>
+              <a:t>inplementare</a:t>
+            </a:r>
+            <a:r>
+              <a:rPr lang="en-US" b="1" baseline="0" dirty="0" smtClean="0"/>
+              <a:t>, DAR </a:t>
+            </a:r>
+            <a:r>
+              <a:rPr lang="en-US" b="1" baseline="0" dirty="0" err="1" smtClean="0"/>
+              <a:t>noi</a:t>
+            </a:r>
+            <a:r>
+              <a:rPr lang="en-US" b="1" baseline="0" dirty="0" smtClean="0"/>
+              <a:t> </a:t>
+            </a:r>
+            <a:r>
+              <a:rPr lang="en-US" b="1" baseline="0" dirty="0" err="1" smtClean="0"/>
+              <a:t>putem</a:t>
+            </a:r>
+            <a:r>
+              <a:rPr lang="en-US" b="1" baseline="0" dirty="0" smtClean="0"/>
+              <a:t> </a:t>
+            </a:r>
+            <a:r>
+              <a:rPr lang="en-US" b="1" baseline="0" dirty="0" err="1" smtClean="0"/>
+              <a:t>sa</a:t>
+            </a:r>
+            <a:r>
+              <a:rPr lang="en-US" b="1" baseline="0" dirty="0" smtClean="0"/>
+              <a:t> </a:t>
+            </a:r>
+            <a:r>
+              <a:rPr lang="en-US" b="1" baseline="0" dirty="0" err="1" smtClean="0"/>
+              <a:t>gasim</a:t>
+            </a:r>
+            <a:r>
+              <a:rPr lang="en-US" b="1" baseline="0" dirty="0" smtClean="0"/>
+              <a:t> un </a:t>
+            </a:r>
+            <a:r>
+              <a:rPr lang="en-US" b="1" baseline="0" dirty="0" err="1" smtClean="0"/>
+              <a:t>puct</a:t>
+            </a:r>
+            <a:r>
+              <a:rPr lang="en-US" b="1" baseline="0" dirty="0" smtClean="0"/>
+              <a:t> </a:t>
+            </a:r>
+            <a:r>
+              <a:rPr lang="en-US" b="1" baseline="0" dirty="0" err="1" smtClean="0"/>
+              <a:t>comun</a:t>
+            </a:r>
+            <a:r>
+              <a:rPr lang="en-US" b="1" baseline="0" dirty="0" smtClean="0"/>
+              <a:t> care ne </a:t>
+            </a:r>
+            <a:r>
+              <a:rPr lang="en-US" b="1" baseline="0" dirty="0" err="1" smtClean="0"/>
+              <a:t>intereseaza</a:t>
+            </a:r>
+            <a:r>
+              <a:rPr lang="en-US" b="1" baseline="0" dirty="0" smtClean="0"/>
+              <a:t> </a:t>
+            </a:r>
+            <a:r>
+              <a:rPr lang="en-US" b="1" baseline="0" dirty="0" err="1" smtClean="0"/>
+              <a:t>pe</a:t>
+            </a:r>
+            <a:r>
+              <a:rPr lang="en-US" b="1" baseline="0" dirty="0" smtClean="0"/>
+              <a:t> </a:t>
+            </a:r>
+            <a:r>
+              <a:rPr lang="en-US" b="1" baseline="0" dirty="0" err="1" smtClean="0"/>
+              <a:t>ambii</a:t>
+            </a:r>
+            <a:r>
+              <a:rPr lang="en-US" b="1" baseline="0" dirty="0" smtClean="0"/>
+              <a:t> ca</a:t>
+            </a:r>
+          </a:p>
+          <a:p>
+            <a:r>
+              <a:rPr lang="en-US" b="1" baseline="0" dirty="0" smtClean="0"/>
+              <a:t>Sa </a:t>
+            </a:r>
+            <a:r>
+              <a:rPr lang="en-US" b="1" baseline="0" dirty="0" err="1" smtClean="0"/>
+              <a:t>construim</a:t>
+            </a:r>
+            <a:r>
+              <a:rPr lang="en-US" b="1" baseline="0" dirty="0" smtClean="0"/>
+              <a:t> </a:t>
+            </a:r>
+            <a:r>
+              <a:rPr lang="en-US" b="1" baseline="0" dirty="0" err="1" smtClean="0"/>
+              <a:t>softul</a:t>
+            </a:r>
+            <a:r>
+              <a:rPr lang="en-US" b="1" baseline="0" dirty="0" smtClean="0"/>
+              <a:t>, </a:t>
+            </a:r>
+            <a:r>
+              <a:rPr lang="en-US" b="1" baseline="0" dirty="0" err="1" smtClean="0"/>
+              <a:t>si</a:t>
+            </a:r>
+            <a:r>
+              <a:rPr lang="en-US" b="1" baseline="0" dirty="0" smtClean="0"/>
+              <a:t> </a:t>
+            </a:r>
+            <a:r>
+              <a:rPr lang="en-US" b="1" baseline="0" dirty="0" err="1" smtClean="0"/>
+              <a:t>daca</a:t>
+            </a:r>
+            <a:r>
+              <a:rPr lang="en-US" b="1" baseline="0" dirty="0" smtClean="0"/>
+              <a:t> </a:t>
+            </a:r>
+            <a:r>
+              <a:rPr lang="en-US" b="1" baseline="0" dirty="0" err="1" smtClean="0"/>
+              <a:t>acest</a:t>
+            </a:r>
+            <a:r>
+              <a:rPr lang="en-US" b="1" baseline="0" dirty="0" smtClean="0"/>
+              <a:t> </a:t>
+            </a:r>
+            <a:r>
+              <a:rPr lang="en-US" b="1" baseline="0" dirty="0" err="1" smtClean="0"/>
+              <a:t>punct</a:t>
+            </a:r>
+            <a:r>
+              <a:rPr lang="en-US" b="1" baseline="0" dirty="0" smtClean="0"/>
+              <a:t> </a:t>
+            </a:r>
+            <a:r>
+              <a:rPr lang="en-US" b="1" baseline="0" dirty="0" err="1" smtClean="0"/>
+              <a:t>comun</a:t>
+            </a:r>
+            <a:r>
+              <a:rPr lang="en-US" b="1" baseline="0" dirty="0" smtClean="0"/>
+              <a:t> nu </a:t>
+            </a:r>
+            <a:r>
+              <a:rPr lang="en-US" b="1" baseline="0" dirty="0" err="1" smtClean="0"/>
+              <a:t>este</a:t>
+            </a:r>
+            <a:r>
+              <a:rPr lang="en-US" b="1" baseline="0" dirty="0" smtClean="0"/>
+              <a:t> </a:t>
+            </a:r>
+            <a:r>
+              <a:rPr lang="en-US" b="1" baseline="0" dirty="0" err="1" smtClean="0"/>
+              <a:t>inteles</a:t>
+            </a:r>
+            <a:r>
+              <a:rPr lang="en-US" b="1" baseline="0" dirty="0" smtClean="0"/>
+              <a:t> de </a:t>
+            </a:r>
+            <a:r>
+              <a:rPr lang="en-US" b="1" baseline="0" dirty="0" err="1" smtClean="0"/>
+              <a:t>experti</a:t>
+            </a:r>
+            <a:r>
+              <a:rPr lang="en-US" b="1" baseline="0" dirty="0" smtClean="0"/>
+              <a:t> </a:t>
+            </a:r>
+            <a:r>
+              <a:rPr lang="en-US" b="1" baseline="0" dirty="0" err="1" smtClean="0"/>
+              <a:t>atunci</a:t>
+            </a:r>
+            <a:r>
+              <a:rPr lang="en-US" b="1" baseline="0" dirty="0" smtClean="0"/>
+              <a:t> </a:t>
+            </a:r>
+            <a:r>
+              <a:rPr lang="en-US" b="1" baseline="0" dirty="0" err="1" smtClean="0"/>
+              <a:t>sau</a:t>
+            </a:r>
+            <a:r>
+              <a:rPr lang="en-US" b="1" baseline="0" dirty="0" smtClean="0"/>
+              <a:t> de </a:t>
+            </a:r>
+            <a:r>
+              <a:rPr lang="en-US" b="1" baseline="0" dirty="0" err="1" smtClean="0"/>
+              <a:t>noi</a:t>
+            </a:r>
+            <a:r>
+              <a:rPr lang="en-US" b="1" baseline="0" dirty="0" smtClean="0"/>
+              <a:t> </a:t>
+            </a:r>
+            <a:r>
+              <a:rPr lang="en-US" b="1" baseline="0" dirty="0" err="1" smtClean="0"/>
+              <a:t>atunci</a:t>
+            </a:r>
+            <a:r>
+              <a:rPr lang="en-US" b="1" baseline="0" dirty="0" smtClean="0"/>
+              <a:t> </a:t>
+            </a:r>
+            <a:r>
+              <a:rPr lang="en-US" b="1" baseline="0" dirty="0" err="1" smtClean="0"/>
+              <a:t>avem</a:t>
+            </a:r>
+            <a:r>
+              <a:rPr lang="en-US" b="1" baseline="0" dirty="0" smtClean="0"/>
+              <a:t> </a:t>
+            </a:r>
+            <a:r>
+              <a:rPr lang="en-US" b="1" baseline="0" dirty="0" err="1" smtClean="0"/>
+              <a:t>probleme</a:t>
+            </a:r>
+            <a:r>
+              <a:rPr lang="en-US" b="1" baseline="0" dirty="0" smtClean="0"/>
+              <a:t>.</a:t>
+            </a:r>
+          </a:p>
+          <a:p>
+            <a:r>
+              <a:rPr lang="en-US" b="1" baseline="0" dirty="0" err="1" smtClean="0"/>
+              <a:t>Modelul</a:t>
+            </a:r>
+            <a:r>
+              <a:rPr lang="en-US" b="1" baseline="0" dirty="0" smtClean="0"/>
+              <a:t> </a:t>
+            </a:r>
+            <a:r>
+              <a:rPr lang="en-US" b="1" baseline="0" dirty="0" err="1" smtClean="0"/>
+              <a:t>trebuie</a:t>
+            </a:r>
+            <a:r>
+              <a:rPr lang="en-US" b="1" baseline="0" dirty="0" smtClean="0"/>
+              <a:t> </a:t>
+            </a:r>
+            <a:r>
+              <a:rPr lang="en-US" b="1" baseline="0" dirty="0" err="1" smtClean="0"/>
+              <a:t>sa</a:t>
+            </a:r>
+            <a:r>
+              <a:rPr lang="en-US" b="1" baseline="0" dirty="0" smtClean="0"/>
+              <a:t> fie </a:t>
+            </a:r>
+            <a:r>
+              <a:rPr lang="en-US" b="1" baseline="0" dirty="0" err="1" smtClean="0"/>
+              <a:t>inteles</a:t>
+            </a:r>
+            <a:r>
+              <a:rPr lang="en-US" b="1" baseline="0" dirty="0" smtClean="0"/>
+              <a:t> de </a:t>
+            </a:r>
+            <a:r>
+              <a:rPr lang="en-US" b="1" baseline="0" dirty="0" err="1" smtClean="0"/>
+              <a:t>experti</a:t>
+            </a:r>
+            <a:r>
+              <a:rPr lang="en-US" b="1" baseline="0" dirty="0" smtClean="0"/>
+              <a:t>, </a:t>
+            </a:r>
+            <a:r>
+              <a:rPr lang="en-US" b="1" baseline="0" dirty="0" err="1" smtClean="0"/>
+              <a:t>daca</a:t>
+            </a:r>
+            <a:r>
+              <a:rPr lang="en-US" b="1" baseline="0" dirty="0" smtClean="0"/>
+              <a:t> </a:t>
+            </a:r>
+            <a:r>
+              <a:rPr lang="en-US" b="1" baseline="0" dirty="0" err="1" smtClean="0"/>
+              <a:t>ei</a:t>
+            </a:r>
+            <a:r>
+              <a:rPr lang="en-US" b="1" baseline="0" dirty="0" smtClean="0"/>
+              <a:t> nu-l </a:t>
+            </a:r>
+            <a:r>
+              <a:rPr lang="en-US" b="1" baseline="0" dirty="0" err="1" smtClean="0"/>
+              <a:t>inteleg</a:t>
+            </a:r>
+            <a:r>
+              <a:rPr lang="en-US" b="1" baseline="0" dirty="0" smtClean="0"/>
+              <a:t> </a:t>
+            </a:r>
+            <a:r>
+              <a:rPr lang="en-US" b="1" baseline="0" dirty="0" err="1" smtClean="0"/>
+              <a:t>atunci</a:t>
+            </a:r>
+            <a:r>
+              <a:rPr lang="en-US" b="1" baseline="0" dirty="0" smtClean="0"/>
+              <a:t> e </a:t>
+            </a:r>
+            <a:r>
+              <a:rPr lang="en-US" b="1" baseline="0" dirty="0" err="1" smtClean="0"/>
+              <a:t>ceva</a:t>
+            </a:r>
+            <a:r>
+              <a:rPr lang="en-US" b="1" baseline="0" dirty="0" smtClean="0"/>
+              <a:t> </a:t>
+            </a:r>
+            <a:r>
+              <a:rPr lang="en-US" b="1" baseline="0" dirty="0" err="1" smtClean="0"/>
+              <a:t>gresit</a:t>
+            </a:r>
+            <a:r>
+              <a:rPr lang="en-US" b="1" baseline="0" dirty="0" smtClean="0"/>
+              <a:t> cu </a:t>
+            </a:r>
+            <a:r>
+              <a:rPr lang="en-US" b="1" baseline="0" dirty="0" err="1" smtClean="0"/>
+              <a:t>modelul</a:t>
+            </a:r>
+            <a:r>
+              <a:rPr lang="en-US" b="1" baseline="0" dirty="0" smtClean="0"/>
+              <a:t> dat.</a:t>
+            </a:r>
+          </a:p>
+          <a:p>
+            <a:endParaRPr lang="en-US" baseline="0" dirty="0" smtClean="0"/>
+          </a:p>
+          <a:p>
+            <a:r>
+              <a:rPr lang="en-US" sz="1200" kern="1200" baseline="0" dirty="0" smtClean="0">
+                <a:solidFill>
+                  <a:schemeClr val="tx1"/>
+                </a:solidFill>
+                <a:latin typeface="+mn-lt"/>
+                <a:ea typeface="+mn-ea"/>
+                <a:cs typeface="+mn-cs"/>
+              </a:rPr>
+              <a:t>Technical people often feel the need to "shield" the business experts from the domain model. They</a:t>
+            </a:r>
+          </a:p>
+          <a:p>
+            <a:r>
+              <a:rPr lang="en-US" sz="1200" kern="1200" baseline="0" dirty="0" smtClean="0">
+                <a:solidFill>
+                  <a:schemeClr val="tx1"/>
+                </a:solidFill>
+                <a:latin typeface="+mn-lt"/>
+                <a:ea typeface="+mn-ea"/>
+                <a:cs typeface="+mn-cs"/>
+              </a:rPr>
+              <a:t>say:</a:t>
+            </a:r>
+          </a:p>
+          <a:p>
+            <a:r>
+              <a:rPr lang="en-US" sz="1200" kern="1200" baseline="0" dirty="0" smtClean="0">
+                <a:solidFill>
+                  <a:schemeClr val="tx1"/>
+                </a:solidFill>
+                <a:latin typeface="+mn-lt"/>
+                <a:ea typeface="+mn-ea"/>
+                <a:cs typeface="+mn-cs"/>
+              </a:rPr>
+              <a:t>"Too abstract for them."</a:t>
+            </a:r>
+          </a:p>
+          <a:p>
+            <a:r>
+              <a:rPr lang="en-US" sz="1200" kern="1200" baseline="0" dirty="0" smtClean="0">
+                <a:solidFill>
+                  <a:schemeClr val="tx1"/>
+                </a:solidFill>
+                <a:latin typeface="+mn-lt"/>
+                <a:ea typeface="+mn-ea"/>
+                <a:cs typeface="+mn-cs"/>
+              </a:rPr>
+              <a:t>"They don't understand objects."</a:t>
+            </a:r>
+          </a:p>
+          <a:p>
+            <a:r>
+              <a:rPr lang="en-US" sz="1200" kern="1200" baseline="0" dirty="0" smtClean="0">
+                <a:solidFill>
+                  <a:schemeClr val="tx1"/>
+                </a:solidFill>
+                <a:latin typeface="+mn-lt"/>
+                <a:ea typeface="+mn-ea"/>
+                <a:cs typeface="+mn-cs"/>
+              </a:rPr>
+              <a:t>"We have to collect requirements in their terminology."</a:t>
+            </a:r>
+          </a:p>
+          <a:p>
+            <a:r>
+              <a:rPr lang="en-US" sz="1200" kern="1200" baseline="0" dirty="0" smtClean="0">
+                <a:solidFill>
+                  <a:schemeClr val="tx1"/>
+                </a:solidFill>
+                <a:latin typeface="+mn-lt"/>
+                <a:ea typeface="+mn-ea"/>
+                <a:cs typeface="+mn-cs"/>
+              </a:rPr>
+              <a:t>These are just a few of the reasons I've heard for having two languages on the team. Forget</a:t>
+            </a:r>
+          </a:p>
+          <a:p>
+            <a:r>
+              <a:rPr lang="en-US" sz="1200" kern="1200" baseline="0" dirty="0" smtClean="0">
+                <a:solidFill>
+                  <a:schemeClr val="tx1"/>
+                </a:solidFill>
+                <a:latin typeface="+mn-lt"/>
+                <a:ea typeface="+mn-ea"/>
+                <a:cs typeface="+mn-cs"/>
+              </a:rPr>
+              <a:t>them.</a:t>
+            </a:r>
             <a:endParaRPr lang="en-US" dirty="0"/>
           </a:p>
         </p:txBody>
@@ -1354,7 +1826,7 @@
             <a:fld id="{5D5B2715-B0E0-4A76-9B24-AC64393DF8BD}" type="slidenum">
               <a:rPr lang="en-US" smtClean="0"/>
               <a:pPr/>
-              <a:t>14</a:t>
+              <a:t>13</a:t>
             </a:fld>
             <a:endParaRPr lang="en-US" dirty="0"/>
           </a:p>
@@ -1387,7 +1859,7 @@
       </p:grpSpPr>
       <p:sp>
         <p:nvSpPr>
-          <p:cNvPr id="2" name="Образ слайда 1"/>
+          <p:cNvPr id="2" name="Slide Image Placeholder 1"/>
           <p:cNvSpPr>
             <a:spLocks noGrp="1" noRot="1" noChangeAspect="1"/>
           </p:cNvSpPr>
@@ -1399,7 +1871,7 @@
       </p:sp>
       <p:sp>
         <p:nvSpPr>
-          <p:cNvPr id="3" name="Заметки 2"/>
+          <p:cNvPr id="3" name="Notes Placeholder 2"/>
           <p:cNvSpPr>
             <a:spLocks noGrp="1"/>
           </p:cNvSpPr>
@@ -1414,165 +1886,13 @@
           </a:bodyPr>
           <a:lstStyle/>
           <a:p>
-            <a:r>
-              <a:rPr lang="en-US" sz="1200" b="1" kern="1200" baseline="0" dirty="0" smtClean="0">
-                <a:solidFill>
-                  <a:schemeClr val="tx1"/>
-                </a:solidFill>
-                <a:latin typeface="+mn-lt"/>
-                <a:ea typeface="+mn-ea"/>
-                <a:cs typeface="+mn-cs"/>
-              </a:rPr>
-              <a:t>-if a implementation is disconnected from the model then the model has a little or not value</a:t>
-            </a:r>
-          </a:p>
-          <a:p>
-            <a:r>
-              <a:rPr lang="en-US" sz="1200" kern="1200" baseline="0" dirty="0" smtClean="0">
-                <a:solidFill>
-                  <a:schemeClr val="tx1"/>
-                </a:solidFill>
-                <a:latin typeface="+mn-lt"/>
-                <a:ea typeface="+mn-ea"/>
-                <a:cs typeface="+mn-cs"/>
-              </a:rPr>
-              <a:t>A domain model is not a particular diagram; it is the idea that the</a:t>
-            </a:r>
-          </a:p>
-          <a:p>
-            <a:r>
-              <a:rPr lang="en-US" sz="1200" kern="1200" baseline="0" dirty="0" smtClean="0">
-                <a:solidFill>
-                  <a:schemeClr val="tx1"/>
-                </a:solidFill>
-                <a:latin typeface="+mn-lt"/>
-                <a:ea typeface="+mn-ea"/>
-                <a:cs typeface="+mn-cs"/>
-              </a:rPr>
-              <a:t>diagram is intended to convey. It is not just the knowledge in a domain</a:t>
-            </a:r>
-          </a:p>
-          <a:p>
-            <a:r>
-              <a:rPr lang="en-US" sz="1200" kern="1200" baseline="0" dirty="0" smtClean="0">
-                <a:solidFill>
-                  <a:schemeClr val="tx1"/>
-                </a:solidFill>
-                <a:latin typeface="+mn-lt"/>
-                <a:ea typeface="+mn-ea"/>
-                <a:cs typeface="+mn-cs"/>
-              </a:rPr>
-              <a:t>expert’s head; </a:t>
-            </a:r>
-            <a:r>
-              <a:rPr lang="en-US" sz="1200" i="1" kern="1200" baseline="0" dirty="0" smtClean="0">
-                <a:solidFill>
-                  <a:schemeClr val="tx1"/>
-                </a:solidFill>
-                <a:latin typeface="+mn-lt"/>
-                <a:ea typeface="+mn-ea"/>
-                <a:cs typeface="+mn-cs"/>
-              </a:rPr>
-              <a:t>it is a rigorously organized and selective abstraction</a:t>
-            </a:r>
-          </a:p>
-          <a:p>
-            <a:r>
-              <a:rPr lang="en-US" sz="1200" i="1" kern="1200" baseline="0" dirty="0" smtClean="0">
-                <a:solidFill>
-                  <a:schemeClr val="tx1"/>
-                </a:solidFill>
-                <a:latin typeface="+mn-lt"/>
-                <a:ea typeface="+mn-ea"/>
-                <a:cs typeface="+mn-cs"/>
-              </a:rPr>
-              <a:t>of that knowledge. A diagram can represent and communicate a</a:t>
-            </a:r>
-          </a:p>
-          <a:p>
-            <a:r>
-              <a:rPr lang="en-US" sz="1200" kern="1200" baseline="0" dirty="0" smtClean="0">
-                <a:solidFill>
-                  <a:schemeClr val="tx1"/>
-                </a:solidFill>
-                <a:latin typeface="+mn-lt"/>
-                <a:ea typeface="+mn-ea"/>
-                <a:cs typeface="+mn-cs"/>
-              </a:rPr>
-              <a:t>model, as can carefully written code, as can an English sentence.</a:t>
-            </a:r>
-          </a:p>
-          <a:p>
-            <a:r>
-              <a:rPr lang="en-US" sz="1200" kern="1200" baseline="0" dirty="0" smtClean="0">
-                <a:solidFill>
-                  <a:schemeClr val="tx1"/>
-                </a:solidFill>
-                <a:latin typeface="+mn-lt"/>
-                <a:ea typeface="+mn-ea"/>
-                <a:cs typeface="+mn-cs"/>
-              </a:rPr>
-              <a:t>Domain modeling is not a matter of making as “realistic” a</a:t>
-            </a:r>
-          </a:p>
-          <a:p>
-            <a:r>
-              <a:rPr lang="en-US" sz="1200" kern="1200" baseline="0" dirty="0" smtClean="0">
-                <a:solidFill>
-                  <a:schemeClr val="tx1"/>
-                </a:solidFill>
-                <a:latin typeface="+mn-lt"/>
-                <a:ea typeface="+mn-ea"/>
-                <a:cs typeface="+mn-cs"/>
-              </a:rPr>
-              <a:t>model as possible. Even in a domain of tangible real-world things,</a:t>
-            </a:r>
-          </a:p>
-          <a:p>
-            <a:r>
-              <a:rPr lang="en-US" sz="1200" kern="1200" baseline="0" dirty="0" smtClean="0">
-                <a:solidFill>
-                  <a:schemeClr val="tx1"/>
-                </a:solidFill>
-                <a:latin typeface="+mn-lt"/>
-                <a:ea typeface="+mn-ea"/>
-                <a:cs typeface="+mn-cs"/>
-              </a:rPr>
-              <a:t>our model is an artificial creation. Nor is it just the construction of a</a:t>
-            </a:r>
-          </a:p>
-          <a:p>
-            <a:r>
-              <a:rPr lang="en-US" sz="1200" kern="1200" baseline="0" dirty="0" smtClean="0">
-                <a:solidFill>
-                  <a:schemeClr val="tx1"/>
-                </a:solidFill>
-                <a:latin typeface="+mn-lt"/>
-                <a:ea typeface="+mn-ea"/>
-                <a:cs typeface="+mn-cs"/>
-              </a:rPr>
-              <a:t>software mechanism that gives the necessary results. It is more like</a:t>
-            </a:r>
-          </a:p>
-          <a:p>
-            <a:r>
-              <a:rPr lang="en-US" sz="1200" kern="1200" baseline="0" dirty="0" smtClean="0">
-                <a:solidFill>
-                  <a:schemeClr val="tx1"/>
-                </a:solidFill>
-                <a:latin typeface="+mn-lt"/>
-                <a:ea typeface="+mn-ea"/>
-                <a:cs typeface="+mn-cs"/>
-              </a:rPr>
-              <a:t>moviemaking, loosely representing reality to a particular purpose.</a:t>
-            </a:r>
             <a:endParaRPr lang="en-US" dirty="0"/>
           </a:p>
         </p:txBody>
       </p:sp>
       <p:sp>
         <p:nvSpPr>
-          <p:cNvPr id="4" name="Номер слайда 3"/>
+          <p:cNvPr id="4" name="Slide Number Placeholder 3"/>
           <p:cNvSpPr>
             <a:spLocks noGrp="1"/>
           </p:cNvSpPr>
@@ -1588,7 +1908,7 @@
             <a:fld id="{5D5B2715-B0E0-4A76-9B24-AC64393DF8BD}" type="slidenum">
               <a:rPr lang="en-US" smtClean="0"/>
               <a:pPr/>
-              <a:t>15</a:t>
+              <a:t>14</a:t>
             </a:fld>
             <a:endParaRPr lang="en-US" dirty="0"/>
           </a:p>
@@ -1649,60 +1969,6 @@
           <a:lstStyle/>
           <a:p>
             <a:r>
-              <a:rPr lang="en-US" dirty="0" smtClean="0"/>
-              <a:t>Problem: </a:t>
-            </a:r>
-          </a:p>
-          <a:p>
-            <a:r>
-              <a:rPr lang="en-US" dirty="0" smtClean="0"/>
-              <a:t>A project faces serious problems when its language is fractured. Domain experts use their jargon while technical team members have their own language tuned for discussing the domain in terms of design.</a:t>
-            </a:r>
-          </a:p>
-          <a:p>
-            <a:endParaRPr lang="en-US" dirty="0" smtClean="0"/>
-          </a:p>
-          <a:p>
-            <a:r>
-              <a:rPr lang="en-US" dirty="0" smtClean="0"/>
-              <a:t>The terminology of day-to-day discussions is disconnected from the terminology embedded in the code (ultimately the most important product of the software project). And even the same person uses different language in speech and in writing, so that the most incisive impression of the domain often emerges in a transient form that is never captured in the code or even in writing.</a:t>
-            </a:r>
-          </a:p>
-          <a:p>
-            <a:endParaRPr lang="en-US" dirty="0" smtClean="0"/>
-          </a:p>
-          <a:p>
-            <a:r>
-              <a:rPr lang="en-US" dirty="0" smtClean="0"/>
-              <a:t>Translation blunts communication and makes knowledge crunching anemic.</a:t>
-            </a:r>
-          </a:p>
-          <a:p>
-            <a:endParaRPr lang="en-US" dirty="0" smtClean="0"/>
-          </a:p>
-          <a:p>
-            <a:r>
-              <a:rPr lang="en-US" dirty="0" smtClean="0"/>
-              <a:t>Yet none of these dialects can be a common language because none serves all needs.</a:t>
-            </a:r>
-          </a:p>
-          <a:p>
-            <a:endParaRPr lang="en-US" dirty="0" smtClean="0"/>
-          </a:p>
-          <a:p>
-            <a:r>
-              <a:rPr lang="en-US" dirty="0" smtClean="0"/>
-              <a:t>Solution: </a:t>
-            </a:r>
-          </a:p>
-          <a:p>
-            <a:r>
-              <a:rPr lang="en-US" dirty="0" smtClean="0"/>
-              <a:t>Use the model as a backbone of a language. Commit the team to exercising that language relentlessly in all communication within the team and in the code. Use the same language in diagrams, writing and especially speech.</a:t>
-            </a:r>
-          </a:p>
-          <a:p>
-            <a:r>
               <a:rPr lang="en-US" sz="1200" b="1" kern="1200" baseline="0" dirty="0" smtClean="0">
                 <a:solidFill>
                   <a:schemeClr val="tx1"/>
@@ -1711,9 +1977,150 @@
                 <a:ea typeface="+mn-ea"/>
                 <a:cs typeface="+mn-cs"/>
               </a:rPr>
-              <a:t>Recognize that a change in the UBIQUITOUS LANGUAGE is a change to the model.</a:t>
-            </a:r>
-            <a:endParaRPr lang="en-US" b="1" dirty="0"/>
+              <a:t>-if a implementation is disconnected from the model then the model has a little or not value</a:t>
+            </a:r>
+          </a:p>
+          <a:p>
+            <a:r>
+              <a:rPr lang="en-US" sz="1200" kern="1200" baseline="0" dirty="0" smtClean="0">
+                <a:solidFill>
+                  <a:schemeClr val="tx1"/>
+                </a:solidFill>
+                <a:latin typeface="+mn-lt"/>
+                <a:ea typeface="+mn-ea"/>
+                <a:cs typeface="+mn-cs"/>
+              </a:rPr>
+              <a:t>A domain model is not a particular diagram; it is the idea that the</a:t>
+            </a:r>
+          </a:p>
+          <a:p>
+            <a:r>
+              <a:rPr lang="en-US" sz="1200" kern="1200" baseline="0" dirty="0" smtClean="0">
+                <a:solidFill>
+                  <a:schemeClr val="tx1"/>
+                </a:solidFill>
+                <a:latin typeface="+mn-lt"/>
+                <a:ea typeface="+mn-ea"/>
+                <a:cs typeface="+mn-cs"/>
+              </a:rPr>
+              <a:t>diagram is intended to convey. It is not just the knowledge in a domain</a:t>
+            </a:r>
+          </a:p>
+          <a:p>
+            <a:r>
+              <a:rPr lang="en-US" sz="1200" kern="1200" baseline="0" dirty="0" smtClean="0">
+                <a:solidFill>
+                  <a:schemeClr val="tx1"/>
+                </a:solidFill>
+                <a:latin typeface="+mn-lt"/>
+                <a:ea typeface="+mn-ea"/>
+                <a:cs typeface="+mn-cs"/>
+              </a:rPr>
+              <a:t>expert’s head; </a:t>
+            </a:r>
+            <a:r>
+              <a:rPr lang="en-US" sz="1200" i="1" kern="1200" baseline="0" dirty="0" smtClean="0">
+                <a:solidFill>
+                  <a:schemeClr val="tx1"/>
+                </a:solidFill>
+                <a:latin typeface="+mn-lt"/>
+                <a:ea typeface="+mn-ea"/>
+                <a:cs typeface="+mn-cs"/>
+              </a:rPr>
+              <a:t>it is a rigorously organized and selective abstraction</a:t>
+            </a:r>
+          </a:p>
+          <a:p>
+            <a:r>
+              <a:rPr lang="en-US" sz="1200" i="1" kern="1200" baseline="0" dirty="0" smtClean="0">
+                <a:solidFill>
+                  <a:schemeClr val="tx1"/>
+                </a:solidFill>
+                <a:latin typeface="+mn-lt"/>
+                <a:ea typeface="+mn-ea"/>
+                <a:cs typeface="+mn-cs"/>
+              </a:rPr>
+              <a:t>of that knowledge. A diagram can represent and communicate a</a:t>
+            </a:r>
+          </a:p>
+          <a:p>
+            <a:r>
+              <a:rPr lang="en-US" sz="1200" kern="1200" baseline="0" dirty="0" smtClean="0">
+                <a:solidFill>
+                  <a:schemeClr val="tx1"/>
+                </a:solidFill>
+                <a:latin typeface="+mn-lt"/>
+                <a:ea typeface="+mn-ea"/>
+                <a:cs typeface="+mn-cs"/>
+              </a:rPr>
+              <a:t>model, as can carefully written code, as can an English sentence.</a:t>
+            </a:r>
+          </a:p>
+          <a:p>
+            <a:r>
+              <a:rPr lang="en-US" sz="1200" kern="1200" baseline="0" dirty="0" smtClean="0">
+                <a:solidFill>
+                  <a:schemeClr val="tx1"/>
+                </a:solidFill>
+                <a:latin typeface="+mn-lt"/>
+                <a:ea typeface="+mn-ea"/>
+                <a:cs typeface="+mn-cs"/>
+              </a:rPr>
+              <a:t>Domain modeling is not a matter of making as “realistic” a</a:t>
+            </a:r>
+          </a:p>
+          <a:p>
+            <a:r>
+              <a:rPr lang="en-US" sz="1200" kern="1200" baseline="0" dirty="0" smtClean="0">
+                <a:solidFill>
+                  <a:schemeClr val="tx1"/>
+                </a:solidFill>
+                <a:latin typeface="+mn-lt"/>
+                <a:ea typeface="+mn-ea"/>
+                <a:cs typeface="+mn-cs"/>
+              </a:rPr>
+              <a:t>model as possible. Even in a domain of tangible real-world things,</a:t>
+            </a:r>
+          </a:p>
+          <a:p>
+            <a:r>
+              <a:rPr lang="en-US" sz="1200" kern="1200" baseline="0" dirty="0" smtClean="0">
+                <a:solidFill>
+                  <a:schemeClr val="tx1"/>
+                </a:solidFill>
+                <a:latin typeface="+mn-lt"/>
+                <a:ea typeface="+mn-ea"/>
+                <a:cs typeface="+mn-cs"/>
+              </a:rPr>
+              <a:t>our model is an artificial creation. Nor is it just the construction of a</a:t>
+            </a:r>
+          </a:p>
+          <a:p>
+            <a:r>
+              <a:rPr lang="en-US" sz="1200" kern="1200" baseline="0" dirty="0" smtClean="0">
+                <a:solidFill>
+                  <a:schemeClr val="tx1"/>
+                </a:solidFill>
+                <a:latin typeface="+mn-lt"/>
+                <a:ea typeface="+mn-ea"/>
+                <a:cs typeface="+mn-cs"/>
+              </a:rPr>
+              <a:t>software mechanism that gives the necessary results. It is more like</a:t>
+            </a:r>
+          </a:p>
+          <a:p>
+            <a:r>
+              <a:rPr lang="en-US" sz="1200" kern="1200" baseline="0" dirty="0" smtClean="0">
+                <a:solidFill>
+                  <a:schemeClr val="tx1"/>
+                </a:solidFill>
+                <a:latin typeface="+mn-lt"/>
+                <a:ea typeface="+mn-ea"/>
+                <a:cs typeface="+mn-cs"/>
+              </a:rPr>
+              <a:t>moviemaking, loosely representing reality to a particular purpose.</a:t>
+            </a:r>
+            <a:endParaRPr lang="en-US" dirty="0"/>
           </a:p>
         </p:txBody>
       </p:sp>
@@ -1735,7 +2142,7 @@
             <a:fld id="{5D5B2715-B0E0-4A76-9B24-AC64393DF8BD}" type="slidenum">
               <a:rPr lang="en-US" smtClean="0"/>
               <a:pPr/>
-              <a:t>16</a:t>
+              <a:t>15</a:t>
             </a:fld>
             <a:endParaRPr lang="en-US" dirty="0"/>
           </a:p>
@@ -1795,7 +2202,72 @@
           </a:bodyPr>
           <a:lstStyle/>
           <a:p>
-            <a:endParaRPr lang="en-US"/>
+            <a:r>
+              <a:rPr lang="en-US" dirty="0" smtClean="0"/>
+              <a:t>Problem: </a:t>
+            </a:r>
+          </a:p>
+          <a:p>
+            <a:r>
+              <a:rPr lang="en-US" dirty="0" smtClean="0"/>
+              <a:t>A project faces serious problems when its language is fractured. Domain experts use their jargon while technical team members have their own language tuned for discussing the domain in terms of design.</a:t>
+            </a:r>
+          </a:p>
+          <a:p>
+            <a:endParaRPr lang="en-US" dirty="0" smtClean="0"/>
+          </a:p>
+          <a:p>
+            <a:r>
+              <a:rPr lang="en-US" dirty="0" smtClean="0"/>
+              <a:t>The terminology of day-to-day discussions is disconnected from the terminology embedded in the code (ultimately the most important product of the software project). And even the same person uses different language in speech and in writing, so that the most incisive impression of the domain often emerges in a transient form that is never captured in the code or even in writing.</a:t>
+            </a:r>
+          </a:p>
+          <a:p>
+            <a:endParaRPr lang="en-US" dirty="0" smtClean="0"/>
+          </a:p>
+          <a:p>
+            <a:r>
+              <a:rPr lang="en-US" dirty="0" smtClean="0"/>
+              <a:t>Translation blunts communication and makes knowledge crunching anemic.</a:t>
+            </a:r>
+          </a:p>
+          <a:p>
+            <a:endParaRPr lang="en-US" dirty="0" smtClean="0"/>
+          </a:p>
+          <a:p>
+            <a:r>
+              <a:rPr lang="en-US" dirty="0" smtClean="0"/>
+              <a:t>Yet none of these dialects can be a common language because none serves all needs.</a:t>
+            </a:r>
+          </a:p>
+          <a:p>
+            <a:endParaRPr lang="en-US" dirty="0" smtClean="0"/>
+          </a:p>
+          <a:p>
+            <a:r>
+              <a:rPr lang="en-US" dirty="0" smtClean="0"/>
+              <a:t>Solution: </a:t>
+            </a:r>
+          </a:p>
+          <a:p>
+            <a:r>
+              <a:rPr lang="en-US" dirty="0" smtClean="0"/>
+              <a:t>Use the model as a backbone of a language. Commit the team to exercising that language relentlessly in all communication within the team and in the code. Use the same language in diagrams, writing and especially speech.</a:t>
+            </a:r>
+          </a:p>
+          <a:p>
+            <a:r>
+              <a:rPr lang="en-US" sz="1200" b="1" kern="1200" baseline="0" dirty="0" smtClean="0">
+                <a:solidFill>
+                  <a:schemeClr val="tx1"/>
+                </a:solidFill>
+                <a:latin typeface="+mn-lt"/>
+                <a:ea typeface="+mn-ea"/>
+                <a:cs typeface="+mn-cs"/>
+              </a:rPr>
+              <a:t>Recognize that a change in the UBIQUITOUS LANGUAGE is a change to the model.</a:t>
+            </a:r>
+            <a:endParaRPr lang="en-US" b="1" dirty="0"/>
           </a:p>
         </p:txBody>
       </p:sp>
@@ -1817,7 +2289,7 @@
             <a:fld id="{5D5B2715-B0E0-4A76-9B24-AC64393DF8BD}" type="slidenum">
               <a:rPr lang="en-US" smtClean="0"/>
               <a:pPr/>
-              <a:t>17</a:t>
+              <a:t>16</a:t>
             </a:fld>
             <a:endParaRPr lang="en-US" dirty="0"/>
           </a:p>
@@ -1873,6 +2345,88 @@
         <p:spPr/>
         <p:txBody>
           <a:bodyPr>
+            <a:normAutofit/>
+          </a:bodyPr>
+          <a:lstStyle/>
+          <a:p>
+            <a:endParaRPr lang="en-US"/>
+          </a:p>
+        </p:txBody>
+      </p:sp>
+      <p:sp>
+        <p:nvSpPr>
+          <p:cNvPr id="4" name="Номер слайда 3"/>
+          <p:cNvSpPr>
+            <a:spLocks noGrp="1"/>
+          </p:cNvSpPr>
+          <p:nvPr>
+            <p:ph type="sldNum" sz="quarter" idx="10"/>
+          </p:nvPr>
+        </p:nvSpPr>
+        <p:spPr/>
+        <p:txBody>
+          <a:bodyPr/>
+          <a:lstStyle/>
+          <a:p>
+            <a:fld id="{5D5B2715-B0E0-4A76-9B24-AC64393DF8BD}" type="slidenum">
+              <a:rPr lang="en-US" smtClean="0"/>
+              <a:pPr/>
+              <a:t>17</a:t>
+            </a:fld>
+            <a:endParaRPr lang="en-US" dirty="0"/>
+          </a:p>
+        </p:txBody>
+      </p:sp>
+    </p:spTree>
+  </p:cSld>
+  <p:clrMapOvr>
+    <a:masterClrMapping/>
+  </p:clrMapOvr>
+</p:notes>
+</file>
+
+<file path=ppt/notesSlides/notesSlide17.xml><?xml version="1.0" encoding="utf-8"?>
+<p:notes xmlns:a="http://schemas.openxmlformats.org/drawingml/2006/main" xmlns:r="http://schemas.openxmlformats.org/officeDocument/2006/relationships" xmlns:p="http://schemas.openxmlformats.org/presentationml/2006/main">
+  <p:cSld>
+    <p:spTree>
+      <p:nvGrpSpPr>
+        <p:cNvPr id="1" name=""/>
+        <p:cNvGrpSpPr/>
+        <p:nvPr/>
+      </p:nvGrpSpPr>
+      <p:grpSpPr>
+        <a:xfrm>
+          <a:off x="0" y="0"/>
+          <a:ext cx="0" cy="0"/>
+          <a:chOff x="0" y="0"/>
+          <a:chExt cx="0" cy="0"/>
+        </a:xfrm>
+      </p:grpSpPr>
+      <p:sp>
+        <p:nvSpPr>
+          <p:cNvPr id="2" name="Образ слайда 1"/>
+          <p:cNvSpPr>
+            <a:spLocks noGrp="1" noRot="1" noChangeAspect="1"/>
+          </p:cNvSpPr>
+          <p:nvPr>
+            <p:ph type="sldImg"/>
+          </p:nvPr>
+        </p:nvSpPr>
+        <p:spPr/>
+      </p:sp>
+      <p:sp>
+        <p:nvSpPr>
+          <p:cNvPr id="3" name="Заметки 2"/>
+          <p:cNvSpPr>
+            <a:spLocks noGrp="1"/>
+          </p:cNvSpPr>
+          <p:nvPr>
+            <p:ph type="body" idx="1"/>
+          </p:nvPr>
+        </p:nvSpPr>
+        <p:spPr/>
+        <p:txBody>
+          <a:bodyPr>
             <a:normAutofit lnSpcReduction="10000"/>
           </a:bodyPr>
           <a:lstStyle/>
@@ -2180,6 +2734,354 @@
               <a:rPr lang="en-US" smtClean="0"/>
               <a:pPr/>
               <a:t>18</a:t>
+            </a:fld>
+            <a:endParaRPr lang="en-US" dirty="0"/>
+          </a:p>
+        </p:txBody>
+      </p:sp>
+    </p:spTree>
+  </p:cSld>
+  <p:clrMapOvr>
+    <a:masterClrMapping/>
+  </p:clrMapOvr>
+</p:notes>
+</file>
+
+<file path=ppt/notesSlides/notesSlide18.xml><?xml version="1.0" encoding="utf-8"?>
+<p:notes xmlns:a="http://schemas.openxmlformats.org/drawingml/2006/main" xmlns:r="http://schemas.openxmlformats.org/officeDocument/2006/relationships" xmlns:p="http://schemas.openxmlformats.org/presentationml/2006/main">
+  <p:cSld>
+    <p:spTree>
+      <p:nvGrpSpPr>
+        <p:cNvPr id="1" name=""/>
+        <p:cNvGrpSpPr/>
+        <p:nvPr/>
+      </p:nvGrpSpPr>
+      <p:grpSpPr>
+        <a:xfrm>
+          <a:off x="0" y="0"/>
+          <a:ext cx="0" cy="0"/>
+          <a:chOff x="0" y="0"/>
+          <a:chExt cx="0" cy="0"/>
+        </a:xfrm>
+      </p:grpSpPr>
+      <p:sp>
+        <p:nvSpPr>
+          <p:cNvPr id="2" name="Slide Image Placeholder 1"/>
+          <p:cNvSpPr>
+            <a:spLocks noGrp="1" noRot="1" noChangeAspect="1"/>
+          </p:cNvSpPr>
+          <p:nvPr>
+            <p:ph type="sldImg"/>
+          </p:nvPr>
+        </p:nvSpPr>
+        <p:spPr/>
+      </p:sp>
+      <p:sp>
+        <p:nvSpPr>
+          <p:cNvPr id="3" name="Notes Placeholder 2"/>
+          <p:cNvSpPr>
+            <a:spLocks noGrp="1"/>
+          </p:cNvSpPr>
+          <p:nvPr>
+            <p:ph type="body" idx="1"/>
+          </p:nvPr>
+        </p:nvSpPr>
+        <p:spPr/>
+        <p:txBody>
+          <a:bodyPr>
+            <a:normAutofit/>
+          </a:bodyPr>
+          <a:lstStyle/>
+          <a:p>
+            <a:endParaRPr lang="en-US" dirty="0"/>
+          </a:p>
+        </p:txBody>
+      </p:sp>
+      <p:sp>
+        <p:nvSpPr>
+          <p:cNvPr id="4" name="Slide Number Placeholder 3"/>
+          <p:cNvSpPr>
+            <a:spLocks noGrp="1"/>
+          </p:cNvSpPr>
+          <p:nvPr>
+            <p:ph type="sldNum" sz="quarter" idx="10"/>
+          </p:nvPr>
+        </p:nvSpPr>
+        <p:spPr/>
+        <p:txBody>
+          <a:bodyPr/>
+          <a:lstStyle/>
+          <a:p>
+            <a:fld id="{5D5B2715-B0E0-4A76-9B24-AC64393DF8BD}" type="slidenum">
+              <a:rPr lang="en-US" smtClean="0"/>
+              <a:pPr/>
+              <a:t>19</a:t>
+            </a:fld>
+            <a:endParaRPr lang="en-US" dirty="0"/>
+          </a:p>
+        </p:txBody>
+      </p:sp>
+    </p:spTree>
+  </p:cSld>
+  <p:clrMapOvr>
+    <a:masterClrMapping/>
+  </p:clrMapOvr>
+</p:notes>
+</file>
+
+<file path=ppt/notesSlides/notesSlide19.xml><?xml version="1.0" encoding="utf-8"?>
+<p:notes xmlns:a="http://schemas.openxmlformats.org/drawingml/2006/main" xmlns:r="http://schemas.openxmlformats.org/officeDocument/2006/relationships" xmlns:p="http://schemas.openxmlformats.org/presentationml/2006/main">
+  <p:cSld>
+    <p:spTree>
+      <p:nvGrpSpPr>
+        <p:cNvPr id="1" name=""/>
+        <p:cNvGrpSpPr/>
+        <p:nvPr/>
+      </p:nvGrpSpPr>
+      <p:grpSpPr>
+        <a:xfrm>
+          <a:off x="0" y="0"/>
+          <a:ext cx="0" cy="0"/>
+          <a:chOff x="0" y="0"/>
+          <a:chExt cx="0" cy="0"/>
+        </a:xfrm>
+      </p:grpSpPr>
+      <p:sp>
+        <p:nvSpPr>
+          <p:cNvPr id="2" name="Slide Image Placeholder 1"/>
+          <p:cNvSpPr>
+            <a:spLocks noGrp="1" noRot="1" noChangeAspect="1"/>
+          </p:cNvSpPr>
+          <p:nvPr>
+            <p:ph type="sldImg"/>
+          </p:nvPr>
+        </p:nvSpPr>
+        <p:spPr/>
+      </p:sp>
+      <p:sp>
+        <p:nvSpPr>
+          <p:cNvPr id="3" name="Notes Placeholder 2"/>
+          <p:cNvSpPr>
+            <a:spLocks noGrp="1"/>
+          </p:cNvSpPr>
+          <p:nvPr>
+            <p:ph type="body" idx="1"/>
+          </p:nvPr>
+        </p:nvSpPr>
+        <p:spPr/>
+        <p:txBody>
+          <a:bodyPr>
+            <a:normAutofit/>
+          </a:bodyPr>
+          <a:lstStyle/>
+          <a:p>
+            <a:r>
+              <a:rPr lang="en-US" dirty="0" smtClean="0"/>
+              <a:t>No domain</a:t>
+            </a:r>
+            <a:r>
+              <a:rPr lang="en-US" baseline="0" dirty="0" smtClean="0"/>
+              <a:t> layer</a:t>
+            </a:r>
+          </a:p>
+          <a:p>
+            <a:endParaRPr lang="en-US" baseline="0" dirty="0" smtClean="0"/>
+          </a:p>
+          <a:p>
+            <a:pPr marL="0" marR="0" indent="0" algn="l" defTabSz="914400" rtl="0" eaLnBrk="1" fontAlgn="auto" latinLnBrk="0" hangingPunct="1">
+              <a:lnSpc>
+                <a:spcPct val="100000"/>
+              </a:lnSpc>
+              <a:spcBef>
+                <a:spcPts val="0"/>
+              </a:spcBef>
+              <a:spcAft>
+                <a:spcPts val="0"/>
+              </a:spcAft>
+              <a:buClrTx/>
+              <a:buSzTx/>
+              <a:buFontTx/>
+              <a:buNone/>
+              <a:tabLst/>
+              <a:defRPr/>
+            </a:pPr>
+            <a:r>
+              <a:rPr lang="en-US" dirty="0" smtClean="0"/>
+              <a:t>State and Behavior are separated, usually that leads to</a:t>
+            </a:r>
+            <a:r>
+              <a:rPr lang="en-US" baseline="0" dirty="0" smtClean="0"/>
+              <a:t> </a:t>
+            </a:r>
+            <a:r>
+              <a:rPr lang="en-US" baseline="0" dirty="0" smtClean="0"/>
+              <a:t>Anemic domain model anti-pattern</a:t>
+            </a:r>
+          </a:p>
+          <a:p>
+            <a:pPr marL="0" marR="0" indent="0" algn="l" defTabSz="914400" rtl="0" eaLnBrk="1" fontAlgn="auto" latinLnBrk="0" hangingPunct="1">
+              <a:lnSpc>
+                <a:spcPct val="100000"/>
+              </a:lnSpc>
+              <a:spcBef>
+                <a:spcPts val="0"/>
+              </a:spcBef>
+              <a:spcAft>
+                <a:spcPts val="0"/>
+              </a:spcAft>
+              <a:buClrTx/>
+              <a:buSzTx/>
+              <a:buFontTx/>
+              <a:buNone/>
+              <a:tabLst/>
+              <a:defRPr/>
+            </a:pPr>
+            <a:r>
+              <a:rPr lang="en-US" baseline="0" dirty="0" smtClean="0"/>
+              <a:t>OO principles are lost,  business entities has </a:t>
+            </a:r>
+            <a:r>
+              <a:rPr lang="en-US" baseline="0" dirty="0" smtClean="0"/>
+              <a:t>direct  </a:t>
+            </a:r>
+            <a:r>
+              <a:rPr lang="en-US" baseline="0" dirty="0" smtClean="0"/>
+              <a:t>access to infrastructure (e.g. Data Access) </a:t>
+            </a:r>
+          </a:p>
+          <a:p>
+            <a:pPr marL="0" marR="0" indent="0" algn="l" defTabSz="914400" rtl="0" eaLnBrk="1" fontAlgn="auto" latinLnBrk="0" hangingPunct="1">
+              <a:lnSpc>
+                <a:spcPct val="100000"/>
+              </a:lnSpc>
+              <a:spcBef>
+                <a:spcPts val="0"/>
+              </a:spcBef>
+              <a:spcAft>
+                <a:spcPts val="0"/>
+              </a:spcAft>
+              <a:buClrTx/>
+              <a:buSzTx/>
+              <a:buFontTx/>
+              <a:buNone/>
+              <a:tabLst/>
+              <a:defRPr/>
+            </a:pPr>
+            <a:r>
+              <a:rPr lang="en-US" baseline="0" dirty="0" smtClean="0"/>
+              <a:t>Becomes DB driven with entities that mimics DB schema with setter and getter (in case of POCO),</a:t>
+            </a:r>
+          </a:p>
+          <a:p>
+            <a:pPr marL="0" marR="0" indent="0" algn="l" defTabSz="914400" rtl="0" eaLnBrk="1" fontAlgn="auto" latinLnBrk="0" hangingPunct="1">
+              <a:lnSpc>
+                <a:spcPct val="100000"/>
+              </a:lnSpc>
+              <a:spcBef>
+                <a:spcPts val="0"/>
+              </a:spcBef>
+              <a:spcAft>
+                <a:spcPts val="0"/>
+              </a:spcAft>
+              <a:buClrTx/>
+              <a:buSzTx/>
+              <a:buFontTx/>
+              <a:buNone/>
+              <a:tabLst/>
+              <a:defRPr/>
+            </a:pPr>
+            <a:r>
+              <a:rPr lang="en-US" baseline="0" dirty="0" smtClean="0"/>
+              <a:t>in particular a lot of logic is in SP or UI </a:t>
+            </a:r>
+          </a:p>
+          <a:p>
+            <a:pPr marL="0" marR="0" indent="0" algn="l" defTabSz="914400" rtl="0" eaLnBrk="1" fontAlgn="auto" latinLnBrk="0" hangingPunct="1">
+              <a:lnSpc>
+                <a:spcPct val="100000"/>
+              </a:lnSpc>
+              <a:spcBef>
+                <a:spcPts val="0"/>
+              </a:spcBef>
+              <a:spcAft>
+                <a:spcPts val="0"/>
+              </a:spcAft>
+              <a:buClrTx/>
+              <a:buSzTx/>
+              <a:buFontTx/>
+              <a:buNone/>
+              <a:tabLst/>
+              <a:defRPr/>
+            </a:pPr>
+            <a:endParaRPr lang="en-US" baseline="0" dirty="0" smtClean="0"/>
+          </a:p>
+          <a:p>
+            <a:pPr marL="0" marR="0" indent="0" algn="l" defTabSz="914400" rtl="0" eaLnBrk="1" fontAlgn="auto" latinLnBrk="0" hangingPunct="1">
+              <a:lnSpc>
+                <a:spcPct val="100000"/>
+              </a:lnSpc>
+              <a:spcBef>
+                <a:spcPts val="0"/>
+              </a:spcBef>
+              <a:spcAft>
+                <a:spcPts val="0"/>
+              </a:spcAft>
+              <a:buClrTx/>
+              <a:buSzTx/>
+              <a:buFontTx/>
+              <a:buNone/>
+              <a:tabLst/>
+              <a:defRPr/>
+            </a:pPr>
+            <a:r>
+              <a:rPr lang="en-US" baseline="0" dirty="0" smtClean="0"/>
+              <a:t>For some project that doesn’t require complex logic but and mainly CRUD, that could be ok.</a:t>
+            </a:r>
+          </a:p>
+          <a:p>
+            <a:pPr marL="0" marR="0" indent="0" algn="l" defTabSz="914400" rtl="0" eaLnBrk="1" fontAlgn="auto" latinLnBrk="0" hangingPunct="1">
+              <a:lnSpc>
+                <a:spcPct val="100000"/>
+              </a:lnSpc>
+              <a:spcBef>
+                <a:spcPts val="0"/>
+              </a:spcBef>
+              <a:spcAft>
+                <a:spcPts val="0"/>
+              </a:spcAft>
+              <a:buClrTx/>
+              <a:buSzTx/>
+              <a:buFontTx/>
+              <a:buNone/>
+              <a:tabLst/>
+              <a:defRPr/>
+            </a:pPr>
+            <a:endParaRPr lang="en-US" baseline="0" dirty="0" smtClean="0"/>
+          </a:p>
+          <a:p>
+            <a:endParaRPr lang="en-US" baseline="0" dirty="0" smtClean="0"/>
+          </a:p>
+        </p:txBody>
+      </p:sp>
+      <p:sp>
+        <p:nvSpPr>
+          <p:cNvPr id="4" name="Slide Number Placeholder 3"/>
+          <p:cNvSpPr>
+            <a:spLocks noGrp="1"/>
+          </p:cNvSpPr>
+          <p:nvPr>
+            <p:ph type="sldNum" sz="quarter" idx="10"/>
+          </p:nvPr>
+        </p:nvSpPr>
+        <p:spPr/>
+        <p:txBody>
+          <a:bodyPr/>
+          <a:lstStyle/>
+          <a:p>
+            <a:fld id="{5D5B2715-B0E0-4A76-9B24-AC64393DF8BD}" type="slidenum">
+              <a:rPr lang="en-US" smtClean="0"/>
+              <a:pPr/>
+              <a:t>20</a:t>
             </a:fld>
             <a:endParaRPr lang="en-US" dirty="0"/>
           </a:p>
@@ -2296,6 +3198,398 @@
 </p:notes>
 </file>
 
+<file path=ppt/notesSlides/notesSlide20.xml><?xml version="1.0" encoding="utf-8"?>
+<p:notes xmlns:a="http://schemas.openxmlformats.org/drawingml/2006/main" xmlns:r="http://schemas.openxmlformats.org/officeDocument/2006/relationships" xmlns:p="http://schemas.openxmlformats.org/presentationml/2006/main">
+  <p:cSld>
+    <p:spTree>
+      <p:nvGrpSpPr>
+        <p:cNvPr id="1" name=""/>
+        <p:cNvGrpSpPr/>
+        <p:nvPr/>
+      </p:nvGrpSpPr>
+      <p:grpSpPr>
+        <a:xfrm>
+          <a:off x="0" y="0"/>
+          <a:ext cx="0" cy="0"/>
+          <a:chOff x="0" y="0"/>
+          <a:chExt cx="0" cy="0"/>
+        </a:xfrm>
+      </p:grpSpPr>
+      <p:sp>
+        <p:nvSpPr>
+          <p:cNvPr id="2" name="Slide Image Placeholder 1"/>
+          <p:cNvSpPr>
+            <a:spLocks noGrp="1" noRot="1" noChangeAspect="1"/>
+          </p:cNvSpPr>
+          <p:nvPr>
+            <p:ph type="sldImg"/>
+          </p:nvPr>
+        </p:nvSpPr>
+        <p:spPr/>
+      </p:sp>
+      <p:sp>
+        <p:nvSpPr>
+          <p:cNvPr id="3" name="Notes Placeholder 2"/>
+          <p:cNvSpPr>
+            <a:spLocks noGrp="1"/>
+          </p:cNvSpPr>
+          <p:nvPr>
+            <p:ph type="body" idx="1"/>
+          </p:nvPr>
+        </p:nvSpPr>
+        <p:spPr/>
+        <p:txBody>
+          <a:bodyPr>
+            <a:normAutofit/>
+          </a:bodyPr>
+          <a:lstStyle/>
+          <a:p>
+            <a:endParaRPr lang="en-US" dirty="0"/>
+          </a:p>
+        </p:txBody>
+      </p:sp>
+      <p:sp>
+        <p:nvSpPr>
+          <p:cNvPr id="4" name="Slide Number Placeholder 3"/>
+          <p:cNvSpPr>
+            <a:spLocks noGrp="1"/>
+          </p:cNvSpPr>
+          <p:nvPr>
+            <p:ph type="sldNum" sz="quarter" idx="10"/>
+          </p:nvPr>
+        </p:nvSpPr>
+        <p:spPr/>
+        <p:txBody>
+          <a:bodyPr/>
+          <a:lstStyle/>
+          <a:p>
+            <a:fld id="{5D5B2715-B0E0-4A76-9B24-AC64393DF8BD}" type="slidenum">
+              <a:rPr lang="en-US" smtClean="0"/>
+              <a:pPr/>
+              <a:t>21</a:t>
+            </a:fld>
+            <a:endParaRPr lang="en-US" dirty="0"/>
+          </a:p>
+        </p:txBody>
+      </p:sp>
+    </p:spTree>
+  </p:cSld>
+  <p:clrMapOvr>
+    <a:masterClrMapping/>
+  </p:clrMapOvr>
+</p:notes>
+</file>
+
+<file path=ppt/notesSlides/notesSlide21.xml><?xml version="1.0" encoding="utf-8"?>
+<p:notes xmlns:a="http://schemas.openxmlformats.org/drawingml/2006/main" xmlns:r="http://schemas.openxmlformats.org/officeDocument/2006/relationships" xmlns:p="http://schemas.openxmlformats.org/presentationml/2006/main">
+  <p:cSld>
+    <p:spTree>
+      <p:nvGrpSpPr>
+        <p:cNvPr id="1" name=""/>
+        <p:cNvGrpSpPr/>
+        <p:nvPr/>
+      </p:nvGrpSpPr>
+      <p:grpSpPr>
+        <a:xfrm>
+          <a:off x="0" y="0"/>
+          <a:ext cx="0" cy="0"/>
+          <a:chOff x="0" y="0"/>
+          <a:chExt cx="0" cy="0"/>
+        </a:xfrm>
+      </p:grpSpPr>
+      <p:sp>
+        <p:nvSpPr>
+          <p:cNvPr id="2" name="Slide Image Placeholder 1"/>
+          <p:cNvSpPr>
+            <a:spLocks noGrp="1" noRot="1" noChangeAspect="1"/>
+          </p:cNvSpPr>
+          <p:nvPr>
+            <p:ph type="sldImg"/>
+          </p:nvPr>
+        </p:nvSpPr>
+        <p:spPr/>
+      </p:sp>
+      <p:sp>
+        <p:nvSpPr>
+          <p:cNvPr id="3" name="Notes Placeholder 2"/>
+          <p:cNvSpPr>
+            <a:spLocks noGrp="1"/>
+          </p:cNvSpPr>
+          <p:nvPr>
+            <p:ph type="body" idx="1"/>
+          </p:nvPr>
+        </p:nvSpPr>
+        <p:spPr/>
+        <p:txBody>
+          <a:bodyPr>
+            <a:normAutofit lnSpcReduction="10000"/>
+          </a:bodyPr>
+          <a:lstStyle/>
+          <a:p>
+            <a:r>
+              <a:rPr lang="en-US" b="1" dirty="0" smtClean="0"/>
+              <a:t>DM</a:t>
+            </a:r>
+            <a:r>
+              <a:rPr lang="en-US" b="1" baseline="0" dirty="0" smtClean="0"/>
+              <a:t> pattern is just a part of DDD patterns that can help to deal with complexity, so if you use it, it doesn't mean that you are doing DDD.</a:t>
+            </a:r>
+          </a:p>
+          <a:p>
+            <a:endParaRPr lang="en-US" dirty="0" smtClean="0"/>
+          </a:p>
+          <a:p>
+            <a:r>
+              <a:rPr lang="en-US" dirty="0" smtClean="0"/>
+              <a:t>In organizing domain logic I've separated it into three primary patterns: Transaction Script (110), Domain Model (116), and Table Module (125).</a:t>
+            </a:r>
+          </a:p>
+          <a:p>
+            <a:r>
+              <a:rPr lang="en-US" dirty="0" smtClean="0"/>
+              <a:t>The simplest approach to storing domain logic is the Transaction Script (110). A Transaction Script (110) is essentially a procedure that takes the input from the presentation, processes it with validations and calculations, stores data in the database, and invokes any operations from other systems. </a:t>
+            </a:r>
+          </a:p>
+          <a:p>
+            <a:r>
+              <a:rPr lang="en-US" dirty="0" smtClean="0"/>
+              <a:t>A Transaction Script (110) offers several advantages:</a:t>
+            </a:r>
+          </a:p>
+          <a:p>
+            <a:r>
+              <a:rPr lang="en-US" dirty="0" smtClean="0"/>
+              <a:t>It's a simple procedural model that most developers understand</a:t>
+            </a:r>
+          </a:p>
+          <a:p>
+            <a:r>
+              <a:rPr lang="en-US" dirty="0" smtClean="0"/>
+              <a:t>Sadly, there are also plenty of disadvantages, which tend to appear as the complexity of the domain logic increases. Often there will be duplicated code as several transactions need to do similar things. </a:t>
+            </a:r>
+          </a:p>
+          <a:p>
+            <a:r>
+              <a:rPr lang="en-US" dirty="0" smtClean="0"/>
+              <a:t>Of course, complex logic is where objects come in, and the object-oriented way to handle this problem is with a </a:t>
+            </a:r>
+            <a:r>
+              <a:rPr lang="en-US" dirty="0" smtClean="0">
+                <a:hlinkClick r:id="rId3" action="ppaction://hlinkfile"/>
+              </a:rPr>
+              <a:t>Domain Model</a:t>
+            </a:r>
+            <a:r>
+              <a:rPr lang="en-US" dirty="0" smtClean="0"/>
+              <a:t> (116). With a </a:t>
+            </a:r>
+            <a:r>
+              <a:rPr lang="en-US" dirty="0" smtClean="0">
+                <a:hlinkClick r:id="rId3" action="ppaction://hlinkfile"/>
+              </a:rPr>
+              <a:t>Domain Model</a:t>
+            </a:r>
+            <a:r>
+              <a:rPr lang="en-US" dirty="0" smtClean="0"/>
+              <a:t> (116) we build a model of our domain which, at least on a first approximation, is organized primarily around the nouns in the domain. Thus, a leasing system would have classes for lease, asset, and so forth. The logic for handling validations and calculations would be placed into this domain model</a:t>
+            </a:r>
+          </a:p>
+          <a:p>
+            <a:endParaRPr lang="en-US" dirty="0" smtClean="0"/>
+          </a:p>
+          <a:p>
+            <a:r>
+              <a:rPr lang="en-US" dirty="0" smtClean="0"/>
+              <a:t>There's a third choice for structuring domain logic, </a:t>
+            </a:r>
+            <a:r>
+              <a:rPr lang="en-US" dirty="0" smtClean="0">
+                <a:hlinkClick r:id="rId4" action="ppaction://hlinkfile"/>
+              </a:rPr>
+              <a:t>Table Module</a:t>
+            </a:r>
+            <a:r>
+              <a:rPr lang="en-US" dirty="0" smtClean="0"/>
+              <a:t> (125). At very first blush the </a:t>
+            </a:r>
+            <a:r>
+              <a:rPr lang="en-US" dirty="0" smtClean="0">
+                <a:hlinkClick r:id="rId4" action="ppaction://hlinkfile"/>
+              </a:rPr>
+              <a:t>Table Module</a:t>
+            </a:r>
+            <a:r>
+              <a:rPr lang="en-US" dirty="0" smtClean="0"/>
+              <a:t> (125) looks like a </a:t>
+            </a:r>
+            <a:r>
+              <a:rPr lang="en-US" dirty="0" smtClean="0">
+                <a:hlinkClick r:id="rId3" action="ppaction://hlinkfile"/>
+              </a:rPr>
+              <a:t>Domain Model</a:t>
+            </a:r>
+            <a:r>
+              <a:rPr lang="en-US" dirty="0" smtClean="0"/>
+              <a:t> (116) since both have classes for contracts, products, and revenue recognitions. The vital difference is that a </a:t>
+            </a:r>
+            <a:r>
+              <a:rPr lang="en-US" dirty="0" smtClean="0">
+                <a:hlinkClick r:id="rId3" action="ppaction://hlinkfile"/>
+              </a:rPr>
+              <a:t>Domain Model</a:t>
+            </a:r>
+            <a:r>
+              <a:rPr lang="en-US" dirty="0" smtClean="0"/>
+              <a:t> (116) has one instance of contract for each contract in the database whereas a </a:t>
+            </a:r>
+            <a:r>
+              <a:rPr lang="en-US" dirty="0" smtClean="0">
+                <a:hlinkClick r:id="rId4" action="ppaction://hlinkfile"/>
+              </a:rPr>
+              <a:t>Table Module</a:t>
+            </a:r>
+            <a:r>
+              <a:rPr lang="en-US" dirty="0" smtClean="0"/>
+              <a:t> (125) has only one instance. A </a:t>
+            </a:r>
+            <a:r>
+              <a:rPr lang="en-US" dirty="0" smtClean="0">
+                <a:hlinkClick r:id="rId4" action="ppaction://hlinkfile"/>
+              </a:rPr>
+              <a:t>Table Module</a:t>
+            </a:r>
+            <a:r>
+              <a:rPr lang="en-US" dirty="0" smtClean="0"/>
+              <a:t> (125) is designed to work with a </a:t>
+            </a:r>
+            <a:r>
+              <a:rPr lang="en-US" dirty="0" smtClean="0">
+                <a:hlinkClick r:id="rId5" action="ppaction://hlinkfile"/>
+              </a:rPr>
+              <a:t>Record Set</a:t>
+            </a:r>
+            <a:r>
+              <a:rPr lang="en-US" dirty="0" smtClean="0"/>
+              <a:t> (508). </a:t>
+            </a:r>
+            <a:endParaRPr lang="en-US" dirty="0"/>
+          </a:p>
+        </p:txBody>
+      </p:sp>
+      <p:sp>
+        <p:nvSpPr>
+          <p:cNvPr id="4" name="Slide Number Placeholder 3"/>
+          <p:cNvSpPr>
+            <a:spLocks noGrp="1"/>
+          </p:cNvSpPr>
+          <p:nvPr>
+            <p:ph type="sldNum" sz="quarter" idx="10"/>
+          </p:nvPr>
+        </p:nvSpPr>
+        <p:spPr/>
+        <p:txBody>
+          <a:bodyPr/>
+          <a:lstStyle/>
+          <a:p>
+            <a:fld id="{5D5B2715-B0E0-4A76-9B24-AC64393DF8BD}" type="slidenum">
+              <a:rPr lang="en-US" smtClean="0"/>
+              <a:pPr/>
+              <a:t>22</a:t>
+            </a:fld>
+            <a:endParaRPr lang="en-US" dirty="0"/>
+          </a:p>
+        </p:txBody>
+      </p:sp>
+    </p:spTree>
+  </p:cSld>
+  <p:clrMapOvr>
+    <a:masterClrMapping/>
+  </p:clrMapOvr>
+</p:notes>
+</file>
+
+<file path=ppt/notesSlides/notesSlide22.xml><?xml version="1.0" encoding="utf-8"?>
+<p:notes xmlns:a="http://schemas.openxmlformats.org/drawingml/2006/main" xmlns:r="http://schemas.openxmlformats.org/officeDocument/2006/relationships" xmlns:p="http://schemas.openxmlformats.org/presentationml/2006/main">
+  <p:cSld>
+    <p:spTree>
+      <p:nvGrpSpPr>
+        <p:cNvPr id="1" name=""/>
+        <p:cNvGrpSpPr/>
+        <p:nvPr/>
+      </p:nvGrpSpPr>
+      <p:grpSpPr>
+        <a:xfrm>
+          <a:off x="0" y="0"/>
+          <a:ext cx="0" cy="0"/>
+          <a:chOff x="0" y="0"/>
+          <a:chExt cx="0" cy="0"/>
+        </a:xfrm>
+      </p:grpSpPr>
+      <p:sp>
+        <p:nvSpPr>
+          <p:cNvPr id="2" name="Slide Image Placeholder 1"/>
+          <p:cNvSpPr>
+            <a:spLocks noGrp="1" noRot="1" noChangeAspect="1"/>
+          </p:cNvSpPr>
+          <p:nvPr>
+            <p:ph type="sldImg"/>
+          </p:nvPr>
+        </p:nvSpPr>
+        <p:spPr/>
+      </p:sp>
+      <p:sp>
+        <p:nvSpPr>
+          <p:cNvPr id="3" name="Notes Placeholder 2"/>
+          <p:cNvSpPr>
+            <a:spLocks noGrp="1"/>
+          </p:cNvSpPr>
+          <p:nvPr>
+            <p:ph type="body" idx="1"/>
+          </p:nvPr>
+        </p:nvSpPr>
+        <p:spPr/>
+        <p:txBody>
+          <a:bodyPr>
+            <a:normAutofit/>
+          </a:bodyPr>
+          <a:lstStyle/>
+          <a:p>
+            <a:endParaRPr lang="en-US" dirty="0"/>
+          </a:p>
+        </p:txBody>
+      </p:sp>
+      <p:sp>
+        <p:nvSpPr>
+          <p:cNvPr id="4" name="Slide Number Placeholder 3"/>
+          <p:cNvSpPr>
+            <a:spLocks noGrp="1"/>
+          </p:cNvSpPr>
+          <p:nvPr>
+            <p:ph type="sldNum" sz="quarter" idx="10"/>
+          </p:nvPr>
+        </p:nvSpPr>
+        <p:spPr/>
+        <p:txBody>
+          <a:bodyPr/>
+          <a:lstStyle/>
+          <a:p>
+            <a:fld id="{5D5B2715-B0E0-4A76-9B24-AC64393DF8BD}" type="slidenum">
+              <a:rPr lang="en-US" smtClean="0"/>
+              <a:pPr/>
+              <a:t>23</a:t>
+            </a:fld>
+            <a:endParaRPr lang="en-US" dirty="0"/>
+          </a:p>
+        </p:txBody>
+      </p:sp>
+    </p:spTree>
+  </p:cSld>
+  <p:clrMapOvr>
+    <a:masterClrMapping/>
+  </p:clrMapOvr>
+</p:notes>
+</file>
+
 <file path=ppt/notesSlides/notesSlide3.xml><?xml version="1.0" encoding="utf-8"?>
 <p:notes xmlns:a="http://schemas.openxmlformats.org/drawingml/2006/main" xmlns:r="http://schemas.openxmlformats.org/officeDocument/2006/relationships" xmlns:p="http://schemas.openxmlformats.org/presentationml/2006/main">
   <p:cSld>
@@ -2430,7 +3724,11 @@
           </a:bodyPr>
           <a:lstStyle/>
           <a:p>
-            <a:endParaRPr lang="en-US"/>
+            <a:r>
+              <a:rPr lang="en-US" dirty="0" smtClean="0"/>
+              <a:t>Accidental complexity is complexity that arises in computer programs or their development process (computer programming) which is non-essential to the problem to be solved. While essential complexity is inherent and unavoidable, accidental complexity is caused by the approach chosen to solve the problem.</a:t>
+            </a:r>
+            <a:endParaRPr lang="en-US" dirty="0"/>
           </a:p>
         </p:txBody>
       </p:sp>
@@ -2452,7 +3750,7 @@
             <a:fld id="{5D5B2715-B0E0-4A76-9B24-AC64393DF8BD}" type="slidenum">
               <a:rPr lang="en-US" smtClean="0"/>
               <a:pPr/>
-              <a:t>5</a:t>
+              <a:t>4</a:t>
             </a:fld>
             <a:endParaRPr lang="en-US" dirty="0"/>
           </a:p>
@@ -2512,10 +3810,6 @@
           </a:bodyPr>
           <a:lstStyle/>
           <a:p>
-            <a:r>
-              <a:rPr lang="en-US" dirty="0" smtClean="0"/>
-              <a:t>Domain examples: Banking, Accounting, Public Relationship..</a:t>
-            </a:r>
             <a:endParaRPr lang="en-US" dirty="0"/>
           </a:p>
         </p:txBody>
@@ -2538,7 +3832,7 @@
             <a:fld id="{5D5B2715-B0E0-4A76-9B24-AC64393DF8BD}" type="slidenum">
               <a:rPr lang="en-US" smtClean="0"/>
               <a:pPr/>
-              <a:t>6</a:t>
+              <a:t>5</a:t>
             </a:fld>
             <a:endParaRPr lang="en-US" dirty="0"/>
           </a:p>
@@ -2600,19 +3894,7 @@
           <a:p>
             <a:r>
               <a:rPr lang="en-US" dirty="0" smtClean="0"/>
-              <a:t>For most of the</a:t>
-            </a:r>
-            <a:r>
-              <a:rPr lang="en-US" baseline="0" dirty="0" smtClean="0"/>
-              <a:t> project it’s true!... For other it’s not </a:t>
-            </a:r>
-            <a:r>
-              <a:rPr lang="en-US" dirty="0" smtClean="0"/>
-              <a:t>Frameworks,</a:t>
-            </a:r>
-            <a:r>
-              <a:rPr lang="en-US" baseline="0" dirty="0" smtClean="0"/>
-              <a:t> router, etc.. Are not in that category.</a:t>
+              <a:t>Domain examples: Banking, Accounting, Public Relationship..</a:t>
             </a:r>
             <a:endParaRPr lang="en-US" dirty="0"/>
           </a:p>
@@ -2636,7 +3918,7 @@
             <a:fld id="{5D5B2715-B0E0-4A76-9B24-AC64393DF8BD}" type="slidenum">
               <a:rPr lang="en-US" smtClean="0"/>
               <a:pPr/>
-              <a:t>7</a:t>
+              <a:t>6</a:t>
             </a:fld>
             <a:endParaRPr lang="en-US" dirty="0"/>
           </a:p>
@@ -2669,7 +3951,7 @@
       </p:grpSpPr>
       <p:sp>
         <p:nvSpPr>
-          <p:cNvPr id="2" name="Образ слайда 1"/>
+          <p:cNvPr id="2" name="Slide Image Placeholder 1"/>
           <p:cNvSpPr>
             <a:spLocks noGrp="1" noRot="1" noChangeAspect="1"/>
           </p:cNvSpPr>
@@ -2681,7 +3963,7 @@
       </p:sp>
       <p:sp>
         <p:nvSpPr>
-          <p:cNvPr id="3" name="Заметки 2"/>
+          <p:cNvPr id="3" name="Notes Placeholder 2"/>
           <p:cNvSpPr>
             <a:spLocks noGrp="1"/>
           </p:cNvSpPr>
@@ -2698,172 +3980,27 @@
           <a:p>
             <a:r>
               <a:rPr lang="en-US" dirty="0" smtClean="0"/>
-              <a:t>Model evolution</a:t>
-            </a:r>
-          </a:p>
-          <a:p>
+              <a:t>For most of the</a:t>
+            </a:r>
+            <a:r>
+              <a:rPr lang="en-US" baseline="0" dirty="0" smtClean="0"/>
+              <a:t> project it’s true!... For other it’s not </a:t>
+            </a:r>
             <a:r>
               <a:rPr lang="en-US" dirty="0" smtClean="0"/>
-              <a:t>Model should not be realistic</a:t>
-            </a:r>
-          </a:p>
-          <a:p>
-            <a:r>
-              <a:rPr lang="en-US" dirty="0" smtClean="0"/>
-              <a:t>Model helps</a:t>
+              <a:t>Frameworks,</a:t>
             </a:r>
             <a:r>
               <a:rPr lang="en-US" baseline="0" dirty="0" smtClean="0"/>
-              <a:t> us to enter to domain</a:t>
-            </a:r>
-          </a:p>
-          <a:p>
-            <a:pPr marL="0" marR="0" indent="0" algn="l" defTabSz="914400" rtl="0" eaLnBrk="1" fontAlgn="auto" latinLnBrk="0" hangingPunct="1">
-              <a:lnSpc>
-                <a:spcPct val="100000"/>
-              </a:lnSpc>
-              <a:spcBef>
-                <a:spcPts val="0"/>
-              </a:spcBef>
-              <a:spcAft>
-                <a:spcPts val="0"/>
-              </a:spcAft>
-              <a:buClrTx/>
-              <a:buSzTx/>
-              <a:buFontTx/>
-              <a:buNone/>
-              <a:tabLst/>
-              <a:defRPr/>
-            </a:pPr>
-            <a:r>
-              <a:rPr lang="en-US" dirty="0" err="1" smtClean="0"/>
-              <a:t>Enstein</a:t>
-            </a:r>
-            <a:r>
-              <a:rPr lang="en-US" dirty="0" smtClean="0"/>
-              <a:t>: Theory of all… theory on</a:t>
-            </a:r>
-            <a:r>
-              <a:rPr lang="en-US" baseline="0" dirty="0" smtClean="0"/>
-              <a:t> atom level and on stars level</a:t>
-            </a:r>
-          </a:p>
-          <a:p>
-            <a:endParaRPr lang="en-US" baseline="0" dirty="0" smtClean="0"/>
-          </a:p>
-          <a:p>
-            <a:r>
-              <a:rPr lang="en-US" sz="1200" kern="1200" baseline="0" dirty="0" smtClean="0">
-                <a:solidFill>
-                  <a:schemeClr val="tx1"/>
-                </a:solidFill>
-                <a:latin typeface="+mn-lt"/>
-                <a:ea typeface="+mn-ea"/>
-                <a:cs typeface="+mn-cs"/>
-              </a:rPr>
-              <a:t>Projects that have no domain model at all, but just write code to fulfill one function after another,</a:t>
-            </a:r>
-          </a:p>
-          <a:p>
-            <a:r>
-              <a:rPr lang="en-US" sz="1200" kern="1200" baseline="0" dirty="0" smtClean="0">
-                <a:solidFill>
-                  <a:schemeClr val="tx1"/>
-                </a:solidFill>
-                <a:latin typeface="+mn-lt"/>
-                <a:ea typeface="+mn-ea"/>
-                <a:cs typeface="+mn-cs"/>
-              </a:rPr>
-              <a:t>gain few of the advantages of knowledge crunching and communication discussed in the previous</a:t>
-            </a:r>
-          </a:p>
-          <a:p>
-            <a:r>
-              <a:rPr lang="en-US" sz="1200" kern="1200" baseline="0" dirty="0" smtClean="0">
-                <a:solidFill>
-                  <a:schemeClr val="tx1"/>
-                </a:solidFill>
-                <a:latin typeface="+mn-lt"/>
-                <a:ea typeface="+mn-ea"/>
-                <a:cs typeface="+mn-cs"/>
-              </a:rPr>
-              <a:t>two chapters. A complex domain will swamp them.</a:t>
-            </a:r>
-            <a:endParaRPr lang="en-US" dirty="0" smtClean="0"/>
-          </a:p>
-          <a:p>
-            <a:endParaRPr lang="en-US" baseline="0" dirty="0" smtClean="0"/>
-          </a:p>
-          <a:p>
-            <a:r>
-              <a:rPr lang="en-US" sz="1200" kern="1200" baseline="0" dirty="0" smtClean="0">
-                <a:solidFill>
-                  <a:schemeClr val="tx1"/>
-                </a:solidFill>
-                <a:latin typeface="+mn-lt"/>
-                <a:ea typeface="+mn-ea"/>
-                <a:cs typeface="+mn-cs"/>
-              </a:rPr>
-              <a:t>The key to controlling complexity is a good domain model, a model that goes beyond a surface</a:t>
-            </a:r>
-          </a:p>
-          <a:p>
-            <a:r>
-              <a:rPr lang="en-US" sz="1200" kern="1200" baseline="0" dirty="0" smtClean="0">
-                <a:solidFill>
-                  <a:schemeClr val="tx1"/>
-                </a:solidFill>
-                <a:latin typeface="+mn-lt"/>
-                <a:ea typeface="+mn-ea"/>
-                <a:cs typeface="+mn-cs"/>
-              </a:rPr>
-              <a:t>vision of a domain by introducing an underlying structure, which gives the software developers the</a:t>
-            </a:r>
-          </a:p>
-          <a:p>
-            <a:r>
-              <a:rPr lang="en-US" sz="1200" kern="1200" baseline="0" dirty="0" smtClean="0">
-                <a:solidFill>
-                  <a:schemeClr val="tx1"/>
-                </a:solidFill>
-                <a:latin typeface="+mn-lt"/>
-                <a:ea typeface="+mn-ea"/>
-                <a:cs typeface="+mn-cs"/>
-              </a:rPr>
-              <a:t>leverage they need. A good domain model can be incredibly valuable, but it's not something that's</a:t>
-            </a:r>
-          </a:p>
-          <a:p>
-            <a:r>
-              <a:rPr lang="en-US" sz="1200" kern="1200" baseline="0" dirty="0" smtClean="0">
-                <a:solidFill>
-                  <a:schemeClr val="tx1"/>
-                </a:solidFill>
-                <a:latin typeface="+mn-lt"/>
-                <a:ea typeface="+mn-ea"/>
-                <a:cs typeface="+mn-cs"/>
-              </a:rPr>
-              <a:t>easy to make. Few people can do it well, and it's very hard to teach.</a:t>
-            </a:r>
-          </a:p>
-          <a:p>
-            <a:endParaRPr lang="en-US" sz="1200" kern="1200" baseline="0" dirty="0" smtClean="0">
-              <a:solidFill>
-                <a:schemeClr val="tx1"/>
-              </a:solidFill>
-              <a:latin typeface="+mn-lt"/>
-              <a:ea typeface="+mn-ea"/>
-              <a:cs typeface="+mn-cs"/>
-            </a:endParaRPr>
-          </a:p>
-          <a:p>
+              <a:t> router, etc.. Are not in that category.</a:t>
+            </a:r>
             <a:endParaRPr lang="en-US" dirty="0"/>
           </a:p>
         </p:txBody>
       </p:sp>
       <p:sp>
         <p:nvSpPr>
-          <p:cNvPr id="4" name="Номер слайда 3"/>
+          <p:cNvPr id="4" name="Slide Number Placeholder 3"/>
           <p:cNvSpPr>
             <a:spLocks noGrp="1"/>
           </p:cNvSpPr>
@@ -2879,7 +4016,7 @@
             <a:fld id="{5D5B2715-B0E0-4A76-9B24-AC64393DF8BD}" type="slidenum">
               <a:rPr lang="en-US" smtClean="0"/>
               <a:pPr/>
-              <a:t>9</a:t>
+              <a:t>7</a:t>
             </a:fld>
             <a:endParaRPr lang="en-US" dirty="0"/>
           </a:p>
@@ -2941,11 +4078,172 @@
           <a:p>
             <a:r>
               <a:rPr lang="en-US" dirty="0" smtClean="0"/>
-              <a:t>Sheet music can be used as a record of, a guide to, or a means to perform, a piece of music. Although it does not take the place of the sound of a performed work, sheet music can be studied to create a performance and to elucidate aspects of the music that may not be obvious from mere listening. Authoritative musical information about a piece can be gained by studying the written sketches and early versions of compositions that the composer might have retained, as well as the final autograph score and personal markings on proofs and printed scores</a:t>
-            </a:r>
-          </a:p>
-          <a:p>
+              <a:t>ATOM - unbreakable</a:t>
+            </a:r>
+          </a:p>
+          <a:p>
+            <a:r>
+              <a:rPr lang="en-US" dirty="0" smtClean="0"/>
+              <a:t>Model evolution</a:t>
+            </a:r>
+          </a:p>
+          <a:p>
+            <a:r>
+              <a:rPr lang="en-US" dirty="0" smtClean="0"/>
+              <a:t>Model should not be realistic</a:t>
+            </a:r>
+          </a:p>
+          <a:p>
+            <a:r>
+              <a:rPr lang="en-US" dirty="0" smtClean="0"/>
+              <a:t>Model helps</a:t>
+            </a:r>
+            <a:r>
+              <a:rPr lang="en-US" baseline="0" dirty="0" smtClean="0"/>
+              <a:t> us to enter to domain</a:t>
+            </a:r>
+          </a:p>
+          <a:p>
+            <a:pPr marL="0" marR="0" indent="0" algn="l" defTabSz="914400" rtl="0" eaLnBrk="1" fontAlgn="auto" latinLnBrk="0" hangingPunct="1">
+              <a:lnSpc>
+                <a:spcPct val="100000"/>
+              </a:lnSpc>
+              <a:spcBef>
+                <a:spcPts val="0"/>
+              </a:spcBef>
+              <a:spcAft>
+                <a:spcPts val="0"/>
+              </a:spcAft>
+              <a:buClrTx/>
+              <a:buSzTx/>
+              <a:buFontTx/>
+              <a:buNone/>
+              <a:tabLst/>
+              <a:defRPr/>
+            </a:pPr>
+            <a:r>
+              <a:rPr lang="en-US" dirty="0" err="1" smtClean="0"/>
+              <a:t>Enstein</a:t>
+            </a:r>
+            <a:r>
+              <a:rPr lang="en-US" dirty="0" smtClean="0"/>
+              <a:t>: Theory of all… theory on</a:t>
+            </a:r>
+            <a:r>
+              <a:rPr lang="en-US" baseline="0" dirty="0" smtClean="0"/>
+              <a:t> atom level and on stars level</a:t>
+            </a:r>
+          </a:p>
+          <a:p>
+            <a:endParaRPr lang="en-US" baseline="0" dirty="0" smtClean="0"/>
+          </a:p>
+          <a:p>
+            <a:r>
+              <a:rPr lang="en-US" sz="1200" kern="1200" baseline="0" dirty="0" smtClean="0">
+                <a:solidFill>
+                  <a:schemeClr val="tx1"/>
+                </a:solidFill>
+                <a:latin typeface="+mn-lt"/>
+                <a:ea typeface="+mn-ea"/>
+                <a:cs typeface="+mn-cs"/>
+              </a:rPr>
+              <a:t>Projects that have no domain model at all, but just write code to fulfill one function after another,</a:t>
+            </a:r>
+          </a:p>
+          <a:p>
+            <a:r>
+              <a:rPr lang="en-US" sz="1200" kern="1200" baseline="0" dirty="0" smtClean="0">
+                <a:solidFill>
+                  <a:schemeClr val="tx1"/>
+                </a:solidFill>
+                <a:latin typeface="+mn-lt"/>
+                <a:ea typeface="+mn-ea"/>
+                <a:cs typeface="+mn-cs"/>
+              </a:rPr>
+              <a:t>gain few of the advantages of knowledge crunching and communication discussed in the previous</a:t>
+            </a:r>
+          </a:p>
+          <a:p>
+            <a:r>
+              <a:rPr lang="en-US" sz="1200" kern="1200" baseline="0" dirty="0" smtClean="0">
+                <a:solidFill>
+                  <a:schemeClr val="tx1"/>
+                </a:solidFill>
+                <a:latin typeface="+mn-lt"/>
+                <a:ea typeface="+mn-ea"/>
+                <a:cs typeface="+mn-cs"/>
+              </a:rPr>
+              <a:t>two chapters. A complex domain will swamp them.</a:t>
+            </a:r>
             <a:endParaRPr lang="en-US" dirty="0" smtClean="0"/>
+          </a:p>
+          <a:p>
+            <a:endParaRPr lang="en-US" baseline="0" dirty="0" smtClean="0"/>
+          </a:p>
+          <a:p>
+            <a:r>
+              <a:rPr lang="en-US" sz="1200" kern="1200" baseline="0" dirty="0" smtClean="0">
+                <a:solidFill>
+                  <a:schemeClr val="tx1"/>
+                </a:solidFill>
+                <a:latin typeface="+mn-lt"/>
+                <a:ea typeface="+mn-ea"/>
+                <a:cs typeface="+mn-cs"/>
+              </a:rPr>
+              <a:t>The key to controlling complexity is a good domain model, a model that goes beyond a surface</a:t>
+            </a:r>
+          </a:p>
+          <a:p>
+            <a:r>
+              <a:rPr lang="en-US" sz="1200" kern="1200" baseline="0" dirty="0" smtClean="0">
+                <a:solidFill>
+                  <a:schemeClr val="tx1"/>
+                </a:solidFill>
+                <a:latin typeface="+mn-lt"/>
+                <a:ea typeface="+mn-ea"/>
+                <a:cs typeface="+mn-cs"/>
+              </a:rPr>
+              <a:t>vision of a domain by introducing an underlying structure, which gives the software developers the</a:t>
+            </a:r>
+          </a:p>
+          <a:p>
+            <a:r>
+              <a:rPr lang="en-US" sz="1200" kern="1200" baseline="0" dirty="0" smtClean="0">
+                <a:solidFill>
+                  <a:schemeClr val="tx1"/>
+                </a:solidFill>
+                <a:latin typeface="+mn-lt"/>
+                <a:ea typeface="+mn-ea"/>
+                <a:cs typeface="+mn-cs"/>
+              </a:rPr>
+              <a:t>leverage they need. A good domain model can be incredibly valuable, but it's not something that's</a:t>
+            </a:r>
+          </a:p>
+          <a:p>
+            <a:r>
+              <a:rPr lang="en-US" sz="1200" kern="1200" baseline="0" dirty="0" smtClean="0">
+                <a:solidFill>
+                  <a:schemeClr val="tx1"/>
+                </a:solidFill>
+                <a:latin typeface="+mn-lt"/>
+                <a:ea typeface="+mn-ea"/>
+                <a:cs typeface="+mn-cs"/>
+              </a:rPr>
+              <a:t>easy to make. Few people can do it well, and it's very hard to teach.</a:t>
+            </a:r>
+          </a:p>
+          <a:p>
+            <a:endParaRPr lang="en-US" sz="1200" kern="1200" baseline="0" dirty="0" smtClean="0">
+              <a:solidFill>
+                <a:schemeClr val="tx1"/>
+              </a:solidFill>
+              <a:latin typeface="+mn-lt"/>
+              <a:ea typeface="+mn-ea"/>
+              <a:cs typeface="+mn-cs"/>
+            </a:endParaRPr>
+          </a:p>
+          <a:p>
+            <a:endParaRPr lang="en-US" dirty="0"/>
           </a:p>
         </p:txBody>
       </p:sp>
@@ -2967,7 +4265,7 @@
             <a:fld id="{5D5B2715-B0E0-4A76-9B24-AC64393DF8BD}" type="slidenum">
               <a:rPr lang="en-US" smtClean="0"/>
               <a:pPr/>
-              <a:t>10</a:t>
+              <a:t>9</a:t>
             </a:fld>
             <a:endParaRPr lang="en-US" dirty="0"/>
           </a:p>
@@ -3027,7 +4325,13 @@
           </a:bodyPr>
           <a:lstStyle/>
           <a:p>
-            <a:endParaRPr lang="en-US" dirty="0"/>
+            <a:r>
+              <a:rPr lang="en-US" dirty="0" smtClean="0"/>
+              <a:t>Sheet music can be used as a record of, a guide to, or a means to perform, a piece of music. Although it does not take the place of the sound of a performed work, sheet music can be studied to create a performance and to elucidate aspects of the music that may not be obvious from mere listening. Authoritative musical information about a piece can be gained by studying the written sketches and early versions of compositions that the composer might have retained, as well as the final autograph score and personal markings on proofs and printed scores</a:t>
+            </a:r>
+          </a:p>
+          <a:p>
+            <a:endParaRPr lang="en-US" dirty="0" smtClean="0"/>
           </a:p>
         </p:txBody>
       </p:sp>
@@ -3049,7 +4353,7 @@
             <a:fld id="{5D5B2715-B0E0-4A76-9B24-AC64393DF8BD}" type="slidenum">
               <a:rPr lang="en-US" smtClean="0"/>
               <a:pPr/>
-              <a:t>11</a:t>
+              <a:t>10</a:t>
             </a:fld>
             <a:endParaRPr lang="en-US" dirty="0"/>
           </a:p>
@@ -3245,7 +4549,7 @@
             <a:fld id="{692DA68B-07B5-4D40-903F-69FBB0125CEF}" type="datetimeFigureOut">
               <a:rPr lang="en-US" smtClean="0"/>
               <a:pPr/>
-              <a:t>4/16/2009</a:t>
+              <a:t>4/17/2009</a:t>
             </a:fld>
             <a:endParaRPr lang="en-US" dirty="0"/>
           </a:p>
@@ -3412,7 +4716,7 @@
             <a:fld id="{692DA68B-07B5-4D40-903F-69FBB0125CEF}" type="datetimeFigureOut">
               <a:rPr lang="en-US" smtClean="0"/>
               <a:pPr/>
-              <a:t>4/16/2009</a:t>
+              <a:t>4/17/2009</a:t>
             </a:fld>
             <a:endParaRPr lang="en-US" dirty="0"/>
           </a:p>
@@ -3589,7 +4893,7 @@
             <a:fld id="{692DA68B-07B5-4D40-903F-69FBB0125CEF}" type="datetimeFigureOut">
               <a:rPr lang="en-US" smtClean="0"/>
               <a:pPr/>
-              <a:t>4/16/2009</a:t>
+              <a:t>4/17/2009</a:t>
             </a:fld>
             <a:endParaRPr lang="en-US" dirty="0"/>
           </a:p>
@@ -3756,7 +5060,7 @@
             <a:fld id="{692DA68B-07B5-4D40-903F-69FBB0125CEF}" type="datetimeFigureOut">
               <a:rPr lang="en-US" smtClean="0"/>
               <a:pPr/>
-              <a:t>4/16/2009</a:t>
+              <a:t>4/17/2009</a:t>
             </a:fld>
             <a:endParaRPr lang="en-US" dirty="0"/>
           </a:p>
@@ -3999,7 +5303,7 @@
             <a:fld id="{692DA68B-07B5-4D40-903F-69FBB0125CEF}" type="datetimeFigureOut">
               <a:rPr lang="en-US" smtClean="0"/>
               <a:pPr/>
-              <a:t>4/16/2009</a:t>
+              <a:t>4/17/2009</a:t>
             </a:fld>
             <a:endParaRPr lang="en-US" dirty="0"/>
           </a:p>
@@ -4284,7 +5588,7 @@
             <a:fld id="{692DA68B-07B5-4D40-903F-69FBB0125CEF}" type="datetimeFigureOut">
               <a:rPr lang="en-US" smtClean="0"/>
               <a:pPr/>
-              <a:t>4/16/2009</a:t>
+              <a:t>4/17/2009</a:t>
             </a:fld>
             <a:endParaRPr lang="en-US" dirty="0"/>
           </a:p>
@@ -4703,7 +6007,7 @@
             <a:fld id="{692DA68B-07B5-4D40-903F-69FBB0125CEF}" type="datetimeFigureOut">
               <a:rPr lang="en-US" smtClean="0"/>
               <a:pPr/>
-              <a:t>4/16/2009</a:t>
+              <a:t>4/17/2009</a:t>
             </a:fld>
             <a:endParaRPr lang="en-US" dirty="0"/>
           </a:p>
@@ -4818,7 +6122,7 @@
             <a:fld id="{692DA68B-07B5-4D40-903F-69FBB0125CEF}" type="datetimeFigureOut">
               <a:rPr lang="en-US" smtClean="0"/>
               <a:pPr/>
-              <a:t>4/16/2009</a:t>
+              <a:t>4/17/2009</a:t>
             </a:fld>
             <a:endParaRPr lang="en-US" dirty="0"/>
           </a:p>
@@ -4910,7 +6214,7 @@
             <a:fld id="{692DA68B-07B5-4D40-903F-69FBB0125CEF}" type="datetimeFigureOut">
               <a:rPr lang="en-US" smtClean="0"/>
               <a:pPr/>
-              <a:t>4/16/2009</a:t>
+              <a:t>4/17/2009</a:t>
             </a:fld>
             <a:endParaRPr lang="en-US" dirty="0"/>
           </a:p>
@@ -5184,7 +6488,7 @@
             <a:fld id="{692DA68B-07B5-4D40-903F-69FBB0125CEF}" type="datetimeFigureOut">
               <a:rPr lang="en-US" smtClean="0"/>
               <a:pPr/>
-              <a:t>4/16/2009</a:t>
+              <a:t>4/17/2009</a:t>
             </a:fld>
             <a:endParaRPr lang="en-US" dirty="0"/>
           </a:p>
@@ -5434,7 +6738,7 @@
             <a:fld id="{692DA68B-07B5-4D40-903F-69FBB0125CEF}" type="datetimeFigureOut">
               <a:rPr lang="en-US" smtClean="0"/>
               <a:pPr/>
-              <a:t>4/16/2009</a:t>
+              <a:t>4/17/2009</a:t>
             </a:fld>
             <a:endParaRPr lang="en-US" dirty="0"/>
           </a:p>
@@ -5644,7 +6948,7 @@
             <a:fld id="{692DA68B-07B5-4D40-903F-69FBB0125CEF}" type="datetimeFigureOut">
               <a:rPr lang="en-US" smtClean="0"/>
               <a:pPr/>
-              <a:t>4/16/2009</a:t>
+              <a:t>4/17/2009</a:t>
             </a:fld>
             <a:endParaRPr lang="en-US" dirty="0"/>
           </a:p>
@@ -8527,6 +9831,72 @@
           </a:p>
         </p:txBody>
       </p:sp>
+      <p:sp>
+        <p:nvSpPr>
+          <p:cNvPr id="12" name="Rectangle 11"/>
+          <p:cNvSpPr/>
+          <p:nvPr/>
+        </p:nvSpPr>
+        <p:spPr>
+          <a:xfrm>
+            <a:off x="0" y="5943600"/>
+            <a:ext cx="4419600" cy="646331"/>
+          </a:xfrm>
+          <a:prstGeom prst="rect">
+            <a:avLst/>
+          </a:prstGeom>
+        </p:spPr>
+        <p:txBody>
+          <a:bodyPr wrap="square">
+            <a:spAutoFit/>
+          </a:bodyPr>
+          <a:lstStyle/>
+          <a:p>
+            <a:pPr algn="ctr"/>
+            <a:r>
+              <a:rPr lang="en-US" b="1" dirty="0" smtClean="0">
+                <a:solidFill>
+                  <a:srgbClr val="009900"/>
+                </a:solidFill>
+              </a:rPr>
+              <a:t>Direct mapping between business domain concepts and software artifacts</a:t>
+            </a:r>
+          </a:p>
+        </p:txBody>
+      </p:sp>
+      <p:cxnSp>
+        <p:nvCxnSpPr>
+          <p:cNvPr id="15" name="Straight Connector 14"/>
+          <p:cNvCxnSpPr>
+            <a:stCxn id="12" idx="3"/>
+            <a:endCxn id="14" idx="2"/>
+          </p:cNvCxnSpPr>
+          <p:nvPr/>
+        </p:nvCxnSpPr>
+        <p:spPr>
+          <a:xfrm flipV="1">
+            <a:off x="4419600" y="5721280"/>
+            <a:ext cx="1184240" cy="545486"/>
+          </a:xfrm>
+          <a:prstGeom prst="line">
+            <a:avLst/>
+          </a:prstGeom>
+        </p:spPr>
+        <p:style>
+          <a:lnRef idx="1">
+            <a:schemeClr val="accent1"/>
+          </a:lnRef>
+          <a:fillRef idx="0">
+            <a:schemeClr val="accent1"/>
+          </a:fillRef>
+          <a:effectRef idx="0">
+            <a:schemeClr val="accent1"/>
+          </a:effectRef>
+          <a:fontRef idx="minor">
+            <a:schemeClr val="tx1"/>
+          </a:fontRef>
+        </p:style>
+      </p:cxnSp>
     </p:spTree>
   </p:cSld>
   <p:clrMapOvr>
@@ -8562,31 +9932,21 @@
             <p:ph type="title"/>
           </p:nvPr>
         </p:nvSpPr>
-        <p:spPr/>
+        <p:spPr>
+          <a:xfrm>
+            <a:off x="533400" y="2286000"/>
+            <a:ext cx="8229600" cy="1143000"/>
+          </a:xfrm>
+        </p:spPr>
         <p:txBody>
           <a:bodyPr/>
           <a:lstStyle/>
           <a:p>
-            <a:endParaRPr lang="en-US"/>
-          </a:p>
-        </p:txBody>
-      </p:sp>
-      <p:sp>
-        <p:nvSpPr>
-          <p:cNvPr id="3" name="Содержимое 2"/>
-          <p:cNvSpPr>
-            <a:spLocks noGrp="1"/>
-          </p:cNvSpPr>
-          <p:nvPr>
-            <p:ph idx="1"/>
-          </p:nvPr>
-        </p:nvSpPr>
-        <p:spPr/>
-        <p:txBody>
-          <a:bodyPr/>
-          <a:lstStyle/>
-          <a:p>
-            <a:endParaRPr lang="en-US"/>
+            <a:r>
+              <a:rPr lang="en-US" dirty="0" smtClean="0"/>
+              <a:t>Building blocks</a:t>
+            </a:r>
+            <a:endParaRPr lang="en-US" dirty="0"/>
           </a:p>
         </p:txBody>
       </p:sp>
@@ -8837,7 +10197,7 @@
       </p:grpSpPr>
       <p:sp>
         <p:nvSpPr>
-          <p:cNvPr id="2" name="Заголовок 1"/>
+          <p:cNvPr id="2" name="Title 1"/>
           <p:cNvSpPr>
             <a:spLocks noGrp="1"/>
           </p:cNvSpPr>
@@ -8852,7 +10212,7 @@
           <a:p>
             <a:r>
               <a:rPr lang="en-US" dirty="0" smtClean="0"/>
-              <a:t>So what is DDD?</a:t>
+              <a:t>Classic Layering</a:t>
             </a:r>
             <a:endParaRPr lang="en-US" dirty="0"/>
           </a:p>
@@ -8860,27 +10220,3623 @@
       </p:sp>
       <p:sp>
         <p:nvSpPr>
-          <p:cNvPr id="3" name="Содержимое 2"/>
+          <p:cNvPr id="7" name="Rounded Rectangle 6"/>
+          <p:cNvSpPr/>
+          <p:nvPr/>
+        </p:nvSpPr>
+        <p:spPr>
+          <a:xfrm>
+            <a:off x="3124200" y="1676400"/>
+            <a:ext cx="2743200" cy="685800"/>
+          </a:xfrm>
+          <a:prstGeom prst="roundRect">
+            <a:avLst/>
+          </a:prstGeom>
+          <a:gradFill flip="none" rotWithShape="1">
+            <a:gsLst>
+              <a:gs pos="0">
+                <a:schemeClr val="accent1">
+                  <a:tint val="66000"/>
+                  <a:satMod val="160000"/>
+                </a:schemeClr>
+              </a:gs>
+              <a:gs pos="50000">
+                <a:schemeClr val="accent1">
+                  <a:tint val="44500"/>
+                  <a:satMod val="160000"/>
+                </a:schemeClr>
+              </a:gs>
+              <a:gs pos="100000">
+                <a:schemeClr val="accent1">
+                  <a:tint val="23500"/>
+                  <a:satMod val="160000"/>
+                </a:schemeClr>
+              </a:gs>
+            </a:gsLst>
+            <a:lin ang="5400000" scaled="1"/>
+            <a:tileRect/>
+          </a:gradFill>
+        </p:spPr>
+        <p:style>
+          <a:lnRef idx="2">
+            <a:schemeClr val="accent1">
+              <a:shade val="50000"/>
+            </a:schemeClr>
+          </a:lnRef>
+          <a:fillRef idx="1">
+            <a:schemeClr val="accent1"/>
+          </a:fillRef>
+          <a:effectRef idx="0">
+            <a:schemeClr val="accent1"/>
+          </a:effectRef>
+          <a:fontRef idx="minor">
+            <a:schemeClr val="lt1"/>
+          </a:fontRef>
+        </p:style>
+        <p:txBody>
+          <a:bodyPr rtlCol="0" anchor="ctr"/>
+          <a:lstStyle/>
+          <a:p>
+            <a:pPr algn="ctr"/>
+            <a:r>
+              <a:rPr lang="en-US" dirty="0" smtClean="0">
+                <a:solidFill>
+                  <a:schemeClr val="tx1"/>
+                </a:solidFill>
+              </a:rPr>
+              <a:t>UI</a:t>
+            </a:r>
+            <a:endParaRPr lang="en-US" b="1" dirty="0">
+              <a:solidFill>
+                <a:srgbClr val="009900"/>
+              </a:solidFill>
+            </a:endParaRPr>
+          </a:p>
+        </p:txBody>
+      </p:sp>
+      <p:sp>
+        <p:nvSpPr>
+          <p:cNvPr id="8" name="Rounded Rectangle 6"/>
+          <p:cNvSpPr/>
+          <p:nvPr/>
+        </p:nvSpPr>
+        <p:spPr>
+          <a:xfrm>
+            <a:off x="3124200" y="2971800"/>
+            <a:ext cx="2743200" cy="685800"/>
+          </a:xfrm>
+          <a:prstGeom prst="roundRect">
+            <a:avLst/>
+          </a:prstGeom>
+          <a:gradFill flip="none" rotWithShape="1">
+            <a:gsLst>
+              <a:gs pos="0">
+                <a:schemeClr val="accent1">
+                  <a:tint val="66000"/>
+                  <a:satMod val="160000"/>
+                </a:schemeClr>
+              </a:gs>
+              <a:gs pos="50000">
+                <a:schemeClr val="accent1">
+                  <a:tint val="44500"/>
+                  <a:satMod val="160000"/>
+                </a:schemeClr>
+              </a:gs>
+              <a:gs pos="100000">
+                <a:schemeClr val="accent1">
+                  <a:tint val="23500"/>
+                  <a:satMod val="160000"/>
+                </a:schemeClr>
+              </a:gs>
+            </a:gsLst>
+            <a:lin ang="5400000" scaled="1"/>
+            <a:tileRect/>
+          </a:gradFill>
+        </p:spPr>
+        <p:style>
+          <a:lnRef idx="2">
+            <a:schemeClr val="accent1">
+              <a:shade val="50000"/>
+            </a:schemeClr>
+          </a:lnRef>
+          <a:fillRef idx="1">
+            <a:schemeClr val="accent1"/>
+          </a:fillRef>
+          <a:effectRef idx="0">
+            <a:schemeClr val="accent1"/>
+          </a:effectRef>
+          <a:fontRef idx="minor">
+            <a:schemeClr val="lt1"/>
+          </a:fontRef>
+        </p:style>
+        <p:txBody>
+          <a:bodyPr rtlCol="0" anchor="ctr"/>
+          <a:lstStyle/>
+          <a:p>
+            <a:pPr algn="ctr"/>
+            <a:r>
+              <a:rPr lang="en-US" dirty="0" smtClean="0">
+                <a:solidFill>
+                  <a:schemeClr val="tx1"/>
+                </a:solidFill>
+              </a:rPr>
+              <a:t>Business Entities</a:t>
+            </a:r>
+            <a:endParaRPr lang="en-US" b="1" dirty="0">
+              <a:solidFill>
+                <a:srgbClr val="009900"/>
+              </a:solidFill>
+            </a:endParaRPr>
+          </a:p>
+        </p:txBody>
+      </p:sp>
+      <p:sp>
+        <p:nvSpPr>
+          <p:cNvPr id="9" name="Rounded Rectangle 6"/>
+          <p:cNvSpPr/>
+          <p:nvPr/>
+        </p:nvSpPr>
+        <p:spPr>
+          <a:xfrm>
+            <a:off x="3124200" y="4267200"/>
+            <a:ext cx="2743200" cy="685800"/>
+          </a:xfrm>
+          <a:prstGeom prst="roundRect">
+            <a:avLst/>
+          </a:prstGeom>
+          <a:gradFill flip="none" rotWithShape="1">
+            <a:gsLst>
+              <a:gs pos="0">
+                <a:schemeClr val="accent1">
+                  <a:tint val="66000"/>
+                  <a:satMod val="160000"/>
+                </a:schemeClr>
+              </a:gs>
+              <a:gs pos="50000">
+                <a:schemeClr val="accent1">
+                  <a:tint val="44500"/>
+                  <a:satMod val="160000"/>
+                </a:schemeClr>
+              </a:gs>
+              <a:gs pos="100000">
+                <a:schemeClr val="accent1">
+                  <a:tint val="23500"/>
+                  <a:satMod val="160000"/>
+                </a:schemeClr>
+              </a:gs>
+            </a:gsLst>
+            <a:lin ang="5400000" scaled="1"/>
+            <a:tileRect/>
+          </a:gradFill>
+        </p:spPr>
+        <p:style>
+          <a:lnRef idx="2">
+            <a:schemeClr val="accent1">
+              <a:shade val="50000"/>
+            </a:schemeClr>
+          </a:lnRef>
+          <a:fillRef idx="1">
+            <a:schemeClr val="accent1"/>
+          </a:fillRef>
+          <a:effectRef idx="0">
+            <a:schemeClr val="accent1"/>
+          </a:effectRef>
+          <a:fontRef idx="minor">
+            <a:schemeClr val="lt1"/>
+          </a:fontRef>
+        </p:style>
+        <p:txBody>
+          <a:bodyPr rtlCol="0" anchor="ctr"/>
+          <a:lstStyle/>
+          <a:p>
+            <a:pPr algn="ctr"/>
+            <a:r>
+              <a:rPr lang="en-US" dirty="0" smtClean="0">
+                <a:solidFill>
+                  <a:schemeClr val="tx1"/>
+                </a:solidFill>
+              </a:rPr>
+              <a:t>Data Access</a:t>
+            </a:r>
+            <a:endParaRPr lang="en-US" b="1" dirty="0">
+              <a:solidFill>
+                <a:srgbClr val="009900"/>
+              </a:solidFill>
+            </a:endParaRPr>
+          </a:p>
+        </p:txBody>
+      </p:sp>
+      <p:sp>
+        <p:nvSpPr>
+          <p:cNvPr id="10" name="Can 9"/>
+          <p:cNvSpPr/>
+          <p:nvPr/>
+        </p:nvSpPr>
+        <p:spPr>
+          <a:xfrm>
+            <a:off x="3886200" y="5105400"/>
+            <a:ext cx="1295400" cy="914400"/>
+          </a:xfrm>
+          <a:prstGeom prst="can">
+            <a:avLst/>
+          </a:prstGeom>
+          <a:gradFill flip="none" rotWithShape="1">
+            <a:gsLst>
+              <a:gs pos="0">
+                <a:schemeClr val="accent1">
+                  <a:tint val="66000"/>
+                  <a:satMod val="160000"/>
+                </a:schemeClr>
+              </a:gs>
+              <a:gs pos="50000">
+                <a:schemeClr val="accent1">
+                  <a:tint val="44500"/>
+                  <a:satMod val="160000"/>
+                </a:schemeClr>
+              </a:gs>
+              <a:gs pos="100000">
+                <a:schemeClr val="accent1">
+                  <a:tint val="23500"/>
+                  <a:satMod val="160000"/>
+                </a:schemeClr>
+              </a:gs>
+            </a:gsLst>
+            <a:lin ang="5400000" scaled="1"/>
+            <a:tileRect/>
+          </a:gradFill>
+        </p:spPr>
+        <p:style>
+          <a:lnRef idx="2">
+            <a:schemeClr val="accent1">
+              <a:shade val="50000"/>
+            </a:schemeClr>
+          </a:lnRef>
+          <a:fillRef idx="1">
+            <a:schemeClr val="accent1"/>
+          </a:fillRef>
+          <a:effectRef idx="0">
+            <a:schemeClr val="accent1"/>
+          </a:effectRef>
+          <a:fontRef idx="minor">
+            <a:schemeClr val="lt1"/>
+          </a:fontRef>
+        </p:style>
+        <p:txBody>
+          <a:bodyPr rtlCol="0" anchor="ctr"/>
+          <a:lstStyle/>
+          <a:p>
+            <a:pPr algn="ctr"/>
+            <a:r>
+              <a:rPr lang="en-US" dirty="0" smtClean="0">
+                <a:solidFill>
+                  <a:schemeClr val="tx1"/>
+                </a:solidFill>
+              </a:rPr>
+              <a:t>DB</a:t>
+            </a:r>
+          </a:p>
+        </p:txBody>
+      </p:sp>
+      <p:sp>
+        <p:nvSpPr>
+          <p:cNvPr id="11" name="Rectangle 10"/>
+          <p:cNvSpPr/>
+          <p:nvPr/>
+        </p:nvSpPr>
+        <p:spPr>
+          <a:xfrm>
+            <a:off x="6477000" y="2895600"/>
+            <a:ext cx="1905000" cy="1143000"/>
+          </a:xfrm>
+          <a:prstGeom prst="rect">
+            <a:avLst/>
+          </a:prstGeom>
+          <a:gradFill flip="none" rotWithShape="1">
+            <a:gsLst>
+              <a:gs pos="0">
+                <a:schemeClr val="accent1">
+                  <a:tint val="66000"/>
+                  <a:satMod val="160000"/>
+                </a:schemeClr>
+              </a:gs>
+              <a:gs pos="50000">
+                <a:schemeClr val="accent1">
+                  <a:tint val="44500"/>
+                  <a:satMod val="160000"/>
+                </a:schemeClr>
+              </a:gs>
+              <a:gs pos="100000">
+                <a:schemeClr val="accent1">
+                  <a:tint val="23500"/>
+                  <a:satMod val="160000"/>
+                </a:schemeClr>
+              </a:gs>
+            </a:gsLst>
+            <a:lin ang="5400000" scaled="1"/>
+            <a:tileRect/>
+          </a:gradFill>
+        </p:spPr>
+        <p:style>
+          <a:lnRef idx="2">
+            <a:schemeClr val="accent1">
+              <a:shade val="50000"/>
+            </a:schemeClr>
+          </a:lnRef>
+          <a:fillRef idx="1">
+            <a:schemeClr val="accent1"/>
+          </a:fillRef>
+          <a:effectRef idx="0">
+            <a:schemeClr val="accent1"/>
+          </a:effectRef>
+          <a:fontRef idx="minor">
+            <a:schemeClr val="lt1"/>
+          </a:fontRef>
+        </p:style>
+        <p:txBody>
+          <a:bodyPr rtlCol="0" anchor="ctr"/>
+          <a:lstStyle/>
+          <a:p>
+            <a:pPr algn="ctr"/>
+            <a:r>
+              <a:rPr lang="en-US" dirty="0" smtClean="0">
+                <a:solidFill>
+                  <a:schemeClr val="tx1"/>
+                </a:solidFill>
+              </a:rPr>
+              <a:t>Record Sets or</a:t>
+            </a:r>
+          </a:p>
+          <a:p>
+            <a:pPr algn="ctr"/>
+            <a:r>
+              <a:rPr lang="en-US" dirty="0" smtClean="0">
+                <a:solidFill>
+                  <a:schemeClr val="tx1"/>
+                </a:solidFill>
+              </a:rPr>
+              <a:t>Data Sets or</a:t>
+            </a:r>
+          </a:p>
+          <a:p>
+            <a:pPr algn="ctr"/>
+            <a:r>
+              <a:rPr lang="en-US" dirty="0" smtClean="0">
+                <a:solidFill>
+                  <a:schemeClr val="tx1"/>
+                </a:solidFill>
+              </a:rPr>
+              <a:t>POCO or</a:t>
+            </a:r>
+          </a:p>
+          <a:p>
+            <a:pPr algn="ctr"/>
+            <a:r>
+              <a:rPr lang="en-US" dirty="0" smtClean="0">
+                <a:solidFill>
+                  <a:schemeClr val="tx1"/>
+                </a:solidFill>
+              </a:rPr>
+              <a:t>POJO</a:t>
+            </a:r>
+          </a:p>
+        </p:txBody>
+      </p:sp>
+      <p:cxnSp>
+        <p:nvCxnSpPr>
+          <p:cNvPr id="13" name="Straight Connector 12"/>
+          <p:cNvCxnSpPr/>
+          <p:nvPr/>
+        </p:nvCxnSpPr>
+        <p:spPr>
+          <a:xfrm>
+            <a:off x="2362200" y="1600200"/>
+            <a:ext cx="5867400" cy="1588"/>
+          </a:xfrm>
+          <a:prstGeom prst="line">
+            <a:avLst/>
+          </a:prstGeom>
+        </p:spPr>
+        <p:style>
+          <a:lnRef idx="1">
+            <a:schemeClr val="accent1"/>
+          </a:lnRef>
+          <a:fillRef idx="0">
+            <a:schemeClr val="accent1"/>
+          </a:fillRef>
+          <a:effectRef idx="0">
+            <a:schemeClr val="accent1"/>
+          </a:effectRef>
+          <a:fontRef idx="minor">
+            <a:schemeClr val="tx1"/>
+          </a:fontRef>
+        </p:style>
+      </p:cxnSp>
+      <p:cxnSp>
+        <p:nvCxnSpPr>
+          <p:cNvPr id="14" name="Straight Connector 13"/>
+          <p:cNvCxnSpPr/>
+          <p:nvPr/>
+        </p:nvCxnSpPr>
+        <p:spPr>
+          <a:xfrm>
+            <a:off x="2362200" y="5029200"/>
+            <a:ext cx="5867400" cy="1588"/>
+          </a:xfrm>
+          <a:prstGeom prst="line">
+            <a:avLst/>
+          </a:prstGeom>
+        </p:spPr>
+        <p:style>
+          <a:lnRef idx="1">
+            <a:schemeClr val="accent1"/>
+          </a:lnRef>
+          <a:fillRef idx="0">
+            <a:schemeClr val="accent1"/>
+          </a:fillRef>
+          <a:effectRef idx="0">
+            <a:schemeClr val="accent1"/>
+          </a:effectRef>
+          <a:fontRef idx="minor">
+            <a:schemeClr val="tx1"/>
+          </a:fontRef>
+        </p:style>
+      </p:cxnSp>
+      <p:cxnSp>
+        <p:nvCxnSpPr>
+          <p:cNvPr id="16" name="Straight Arrow Connector 15"/>
+          <p:cNvCxnSpPr/>
+          <p:nvPr/>
+        </p:nvCxnSpPr>
+        <p:spPr>
+          <a:xfrm rot="16260000" flipH="1">
+            <a:off x="6675120" y="3276599"/>
+            <a:ext cx="3429000" cy="76200"/>
+          </a:xfrm>
+          <a:prstGeom prst="straightConnector1">
+            <a:avLst/>
+          </a:prstGeom>
+          <a:ln>
+            <a:headEnd type="arrow"/>
+            <a:tailEnd type="arrow"/>
+          </a:ln>
+        </p:spPr>
+        <p:style>
+          <a:lnRef idx="2">
+            <a:schemeClr val="accent1"/>
+          </a:lnRef>
+          <a:fillRef idx="0">
+            <a:schemeClr val="accent1"/>
+          </a:fillRef>
+          <a:effectRef idx="1">
+            <a:schemeClr val="accent1"/>
+          </a:effectRef>
+          <a:fontRef idx="minor">
+            <a:schemeClr val="tx1"/>
+          </a:fontRef>
+        </p:style>
+      </p:cxnSp>
+    </p:spTree>
+  </p:cSld>
+  <p:clrMapOvr>
+    <a:masterClrMapping/>
+  </p:clrMapOvr>
+</p:sld>
+</file>
+
+<file path=ppt/slides/slide21.xml><?xml version="1.0" encoding="utf-8"?>
+<p:sld xmlns:a="http://schemas.openxmlformats.org/drawingml/2006/main" xmlns:r="http://schemas.openxmlformats.org/officeDocument/2006/relationships" xmlns:p="http://schemas.openxmlformats.org/presentationml/2006/main">
+  <p:cSld>
+    <p:spTree>
+      <p:nvGrpSpPr>
+        <p:cNvPr id="1" name=""/>
+        <p:cNvGrpSpPr/>
+        <p:nvPr/>
+      </p:nvGrpSpPr>
+      <p:grpSpPr>
+        <a:xfrm>
+          <a:off x="0" y="0"/>
+          <a:ext cx="0" cy="0"/>
+          <a:chOff x="0" y="0"/>
+          <a:chExt cx="0" cy="0"/>
+        </a:xfrm>
+      </p:grpSpPr>
+      <p:sp>
+        <p:nvSpPr>
+          <p:cNvPr id="2" name="Title 1"/>
           <p:cNvSpPr>
             <a:spLocks noGrp="1"/>
           </p:cNvSpPr>
           <p:nvPr>
-            <p:ph idx="1"/>
-          </p:nvPr>
-        </p:nvSpPr>
-        <p:spPr/>
-        <p:txBody>
-          <a:bodyPr/>
+            <p:ph type="title"/>
+          </p:nvPr>
+        </p:nvSpPr>
+        <p:spPr>
+          <a:xfrm>
+            <a:off x="457200" y="274638"/>
+            <a:ext cx="8229600" cy="563562"/>
+          </a:xfrm>
+        </p:spPr>
+        <p:txBody>
+          <a:bodyPr>
+            <a:normAutofit fontScale="90000"/>
+          </a:bodyPr>
           <a:lstStyle/>
           <a:p>
             <a:r>
               <a:rPr lang="en-US" dirty="0" smtClean="0"/>
-              <a:t>Is as set of pattern and practices </a:t>
+              <a:t>DDD recommended-Layering</a:t>
             </a:r>
             <a:endParaRPr lang="en-US" dirty="0"/>
           </a:p>
         </p:txBody>
       </p:sp>
+      <p:grpSp>
+        <p:nvGrpSpPr>
+          <p:cNvPr id="94" name="Group 93"/>
+          <p:cNvGrpSpPr/>
+          <p:nvPr/>
+        </p:nvGrpSpPr>
+        <p:grpSpPr>
+          <a:xfrm>
+            <a:off x="304800" y="1676400"/>
+            <a:ext cx="2363788" cy="3810000"/>
+            <a:chOff x="304800" y="1676400"/>
+            <a:chExt cx="2363788" cy="3810000"/>
+          </a:xfrm>
+        </p:grpSpPr>
+        <p:sp>
+          <p:nvSpPr>
+            <p:cNvPr id="4" name="Rounded Rectangle 3"/>
+            <p:cNvSpPr/>
+            <p:nvPr/>
+          </p:nvSpPr>
+          <p:spPr>
+            <a:xfrm>
+              <a:off x="304800" y="1676400"/>
+              <a:ext cx="2362200" cy="555625"/>
+            </a:xfrm>
+            <a:prstGeom prst="roundRect">
+              <a:avLst/>
+            </a:prstGeom>
+            <a:gradFill flip="none" rotWithShape="1">
+              <a:gsLst>
+                <a:gs pos="0">
+                  <a:schemeClr val="accent1">
+                    <a:tint val="66000"/>
+                    <a:satMod val="160000"/>
+                  </a:schemeClr>
+                </a:gs>
+                <a:gs pos="50000">
+                  <a:schemeClr val="accent1">
+                    <a:tint val="44500"/>
+                    <a:satMod val="160000"/>
+                  </a:schemeClr>
+                </a:gs>
+                <a:gs pos="100000">
+                  <a:schemeClr val="accent1">
+                    <a:tint val="23500"/>
+                    <a:satMod val="160000"/>
+                  </a:schemeClr>
+                </a:gs>
+              </a:gsLst>
+              <a:lin ang="5400000" scaled="1"/>
+              <a:tileRect/>
+            </a:gradFill>
+          </p:spPr>
+          <p:style>
+            <a:lnRef idx="2">
+              <a:schemeClr val="accent1">
+                <a:shade val="50000"/>
+              </a:schemeClr>
+            </a:lnRef>
+            <a:fillRef idx="1">
+              <a:schemeClr val="accent1"/>
+            </a:fillRef>
+            <a:effectRef idx="0">
+              <a:schemeClr val="accent1"/>
+            </a:effectRef>
+            <a:fontRef idx="minor">
+              <a:schemeClr val="lt1"/>
+            </a:fontRef>
+          </p:style>
+          <p:txBody>
+            <a:bodyPr rtlCol="0" anchor="ctr"/>
+            <a:lstStyle/>
+            <a:p>
+              <a:pPr algn="ctr"/>
+              <a:r>
+                <a:rPr lang="en-US" dirty="0" smtClean="0">
+                  <a:solidFill>
+                    <a:schemeClr val="tx1"/>
+                  </a:solidFill>
+                </a:rPr>
+                <a:t>UI</a:t>
+              </a:r>
+              <a:endParaRPr lang="en-US" b="1" dirty="0">
+                <a:solidFill>
+                  <a:srgbClr val="009900"/>
+                </a:solidFill>
+              </a:endParaRPr>
+            </a:p>
+          </p:txBody>
+        </p:sp>
+        <p:sp>
+          <p:nvSpPr>
+            <p:cNvPr id="5" name="Rounded Rectangle 4"/>
+            <p:cNvSpPr/>
+            <p:nvPr/>
+          </p:nvSpPr>
+          <p:spPr>
+            <a:xfrm>
+              <a:off x="304800" y="2470150"/>
+              <a:ext cx="2362200" cy="635000"/>
+            </a:xfrm>
+            <a:prstGeom prst="roundRect">
+              <a:avLst/>
+            </a:prstGeom>
+          </p:spPr>
+          <p:style>
+            <a:lnRef idx="0">
+              <a:schemeClr val="accent3"/>
+            </a:lnRef>
+            <a:fillRef idx="3">
+              <a:schemeClr val="accent3"/>
+            </a:fillRef>
+            <a:effectRef idx="3">
+              <a:schemeClr val="accent3"/>
+            </a:effectRef>
+            <a:fontRef idx="minor">
+              <a:schemeClr val="lt1"/>
+            </a:fontRef>
+          </p:style>
+          <p:txBody>
+            <a:bodyPr rtlCol="0" anchor="ctr"/>
+            <a:lstStyle/>
+            <a:p>
+              <a:pPr algn="ctr"/>
+              <a:r>
+                <a:rPr lang="en-US" dirty="0" smtClean="0">
+                  <a:solidFill>
+                    <a:schemeClr val="tx1"/>
+                  </a:solidFill>
+                </a:rPr>
+                <a:t>Application</a:t>
+              </a:r>
+              <a:endParaRPr lang="en-US" dirty="0">
+                <a:solidFill>
+                  <a:schemeClr val="tx1"/>
+                </a:solidFill>
+              </a:endParaRPr>
+            </a:p>
+          </p:txBody>
+        </p:sp>
+        <p:sp>
+          <p:nvSpPr>
+            <p:cNvPr id="6" name="Rounded Rectangle 5"/>
+            <p:cNvSpPr/>
+            <p:nvPr/>
+          </p:nvSpPr>
+          <p:spPr>
+            <a:xfrm>
+              <a:off x="304800" y="3502025"/>
+              <a:ext cx="2362200" cy="952500"/>
+            </a:xfrm>
+            <a:prstGeom prst="roundRect">
+              <a:avLst/>
+            </a:prstGeom>
+          </p:spPr>
+          <p:style>
+            <a:lnRef idx="0">
+              <a:schemeClr val="accent1"/>
+            </a:lnRef>
+            <a:fillRef idx="3">
+              <a:schemeClr val="accent1"/>
+            </a:fillRef>
+            <a:effectRef idx="3">
+              <a:schemeClr val="accent1"/>
+            </a:effectRef>
+            <a:fontRef idx="minor">
+              <a:schemeClr val="lt1"/>
+            </a:fontRef>
+          </p:style>
+          <p:txBody>
+            <a:bodyPr rtlCol="0" anchor="ctr"/>
+            <a:lstStyle/>
+            <a:p>
+              <a:pPr algn="ctr"/>
+              <a:r>
+                <a:rPr lang="en-US" dirty="0" smtClean="0">
+                  <a:solidFill>
+                    <a:schemeClr val="tx1"/>
+                  </a:solidFill>
+                </a:rPr>
+                <a:t>Domain</a:t>
+              </a:r>
+              <a:endParaRPr lang="en-US" dirty="0">
+                <a:solidFill>
+                  <a:schemeClr val="tx1"/>
+                </a:solidFill>
+              </a:endParaRPr>
+            </a:p>
+          </p:txBody>
+        </p:sp>
+        <p:sp>
+          <p:nvSpPr>
+            <p:cNvPr id="7" name="Rounded Rectangle 6"/>
+            <p:cNvSpPr/>
+            <p:nvPr/>
+          </p:nvSpPr>
+          <p:spPr>
+            <a:xfrm>
+              <a:off x="304800" y="4772025"/>
+              <a:ext cx="2362200" cy="714375"/>
+            </a:xfrm>
+            <a:prstGeom prst="roundRect">
+              <a:avLst/>
+            </a:prstGeom>
+            <a:gradFill flip="none" rotWithShape="1">
+              <a:gsLst>
+                <a:gs pos="0">
+                  <a:schemeClr val="accent1">
+                    <a:tint val="66000"/>
+                    <a:satMod val="160000"/>
+                  </a:schemeClr>
+                </a:gs>
+                <a:gs pos="50000">
+                  <a:schemeClr val="accent1">
+                    <a:tint val="44500"/>
+                    <a:satMod val="160000"/>
+                  </a:schemeClr>
+                </a:gs>
+                <a:gs pos="100000">
+                  <a:schemeClr val="accent1">
+                    <a:tint val="23500"/>
+                    <a:satMod val="160000"/>
+                  </a:schemeClr>
+                </a:gs>
+              </a:gsLst>
+              <a:lin ang="5400000" scaled="1"/>
+              <a:tileRect/>
+            </a:gradFill>
+          </p:spPr>
+          <p:style>
+            <a:lnRef idx="2">
+              <a:schemeClr val="accent1">
+                <a:shade val="50000"/>
+              </a:schemeClr>
+            </a:lnRef>
+            <a:fillRef idx="1">
+              <a:schemeClr val="accent1"/>
+            </a:fillRef>
+            <a:effectRef idx="0">
+              <a:schemeClr val="accent1"/>
+            </a:effectRef>
+            <a:fontRef idx="minor">
+              <a:schemeClr val="lt1"/>
+            </a:fontRef>
+          </p:style>
+          <p:txBody>
+            <a:bodyPr rtlCol="0" anchor="ctr"/>
+            <a:lstStyle/>
+            <a:p>
+              <a:pPr algn="ctr"/>
+              <a:r>
+                <a:rPr lang="en-US" dirty="0" smtClean="0">
+                  <a:solidFill>
+                    <a:schemeClr val="tx1"/>
+                  </a:solidFill>
+                </a:rPr>
+                <a:t>Infrastructure</a:t>
+              </a:r>
+              <a:endParaRPr lang="en-US" b="1" dirty="0">
+                <a:solidFill>
+                  <a:srgbClr val="009900"/>
+                </a:solidFill>
+              </a:endParaRPr>
+            </a:p>
+          </p:txBody>
+        </p:sp>
+        <p:cxnSp>
+          <p:nvCxnSpPr>
+            <p:cNvPr id="13" name="Elbow Connector 12"/>
+            <p:cNvCxnSpPr>
+              <a:stCxn id="4" idx="3"/>
+              <a:endCxn id="7" idx="3"/>
+            </p:cNvCxnSpPr>
+            <p:nvPr/>
+          </p:nvCxnSpPr>
+          <p:spPr>
+            <a:xfrm>
+              <a:off x="2667000" y="1954213"/>
+              <a:ext cx="1588" cy="3175000"/>
+            </a:xfrm>
+            <a:prstGeom prst="bentConnector3">
+              <a:avLst>
+                <a:gd name="adj1" fmla="val 30736282"/>
+              </a:avLst>
+            </a:prstGeom>
+            <a:ln>
+              <a:tailEnd type="arrow"/>
+            </a:ln>
+          </p:spPr>
+          <p:style>
+            <a:lnRef idx="1">
+              <a:schemeClr val="accent1"/>
+            </a:lnRef>
+            <a:fillRef idx="0">
+              <a:schemeClr val="accent1"/>
+            </a:fillRef>
+            <a:effectRef idx="0">
+              <a:schemeClr val="accent1"/>
+            </a:effectRef>
+            <a:fontRef idx="minor">
+              <a:schemeClr val="tx1"/>
+            </a:fontRef>
+          </p:style>
+        </p:cxnSp>
+        <p:cxnSp>
+          <p:nvCxnSpPr>
+            <p:cNvPr id="15" name="Elbow Connector 14"/>
+            <p:cNvCxnSpPr>
+              <a:stCxn id="4" idx="3"/>
+              <a:endCxn id="6" idx="3"/>
+            </p:cNvCxnSpPr>
+            <p:nvPr/>
+          </p:nvCxnSpPr>
+          <p:spPr>
+            <a:xfrm>
+              <a:off x="2667000" y="1954213"/>
+              <a:ext cx="1588" cy="2024063"/>
+            </a:xfrm>
+            <a:prstGeom prst="bentConnector3">
+              <a:avLst>
+                <a:gd name="adj1" fmla="val 14395466"/>
+              </a:avLst>
+            </a:prstGeom>
+            <a:ln>
+              <a:tailEnd type="arrow"/>
+            </a:ln>
+          </p:spPr>
+          <p:style>
+            <a:lnRef idx="1">
+              <a:schemeClr val="accent1"/>
+            </a:lnRef>
+            <a:fillRef idx="0">
+              <a:schemeClr val="accent1"/>
+            </a:fillRef>
+            <a:effectRef idx="0">
+              <a:schemeClr val="accent1"/>
+            </a:effectRef>
+            <a:fontRef idx="minor">
+              <a:schemeClr val="tx1"/>
+            </a:fontRef>
+          </p:style>
+        </p:cxnSp>
+        <p:cxnSp>
+          <p:nvCxnSpPr>
+            <p:cNvPr id="20" name="Elbow Connector 19"/>
+            <p:cNvCxnSpPr>
+              <a:stCxn id="4" idx="2"/>
+              <a:endCxn id="5" idx="0"/>
+            </p:cNvCxnSpPr>
+            <p:nvPr/>
+          </p:nvCxnSpPr>
+          <p:spPr>
+            <a:xfrm rot="5400000">
+              <a:off x="1366838" y="2351121"/>
+              <a:ext cx="238125" cy="1588"/>
+            </a:xfrm>
+            <a:prstGeom prst="bentConnector3">
+              <a:avLst>
+                <a:gd name="adj1" fmla="val 50000"/>
+              </a:avLst>
+            </a:prstGeom>
+            <a:ln>
+              <a:tailEnd type="arrow"/>
+            </a:ln>
+          </p:spPr>
+          <p:style>
+            <a:lnRef idx="1">
+              <a:schemeClr val="accent1"/>
+            </a:lnRef>
+            <a:fillRef idx="0">
+              <a:schemeClr val="accent1"/>
+            </a:fillRef>
+            <a:effectRef idx="0">
+              <a:schemeClr val="accent1"/>
+            </a:effectRef>
+            <a:fontRef idx="minor">
+              <a:schemeClr val="tx1"/>
+            </a:fontRef>
+          </p:style>
+        </p:cxnSp>
+        <p:cxnSp>
+          <p:nvCxnSpPr>
+            <p:cNvPr id="22" name="Elbow Connector 21"/>
+            <p:cNvCxnSpPr>
+              <a:stCxn id="5" idx="1"/>
+              <a:endCxn id="7" idx="1"/>
+            </p:cNvCxnSpPr>
+            <p:nvPr/>
+          </p:nvCxnSpPr>
+          <p:spPr>
+            <a:xfrm rot="10800000" flipV="1">
+              <a:off x="304800" y="2787650"/>
+              <a:ext cx="1588" cy="2341563"/>
+            </a:xfrm>
+            <a:prstGeom prst="bentConnector3">
+              <a:avLst>
+                <a:gd name="adj1" fmla="val 14395466"/>
+              </a:avLst>
+            </a:prstGeom>
+            <a:ln>
+              <a:tailEnd type="arrow"/>
+            </a:ln>
+          </p:spPr>
+          <p:style>
+            <a:lnRef idx="1">
+              <a:schemeClr val="accent1"/>
+            </a:lnRef>
+            <a:fillRef idx="0">
+              <a:schemeClr val="accent1"/>
+            </a:fillRef>
+            <a:effectRef idx="0">
+              <a:schemeClr val="accent1"/>
+            </a:effectRef>
+            <a:fontRef idx="minor">
+              <a:schemeClr val="tx1"/>
+            </a:fontRef>
+          </p:style>
+        </p:cxnSp>
+        <p:cxnSp>
+          <p:nvCxnSpPr>
+            <p:cNvPr id="24" name="Straight Arrow Connector 23"/>
+            <p:cNvCxnSpPr>
+              <a:stCxn id="5" idx="2"/>
+              <a:endCxn id="6" idx="0"/>
+            </p:cNvCxnSpPr>
+            <p:nvPr/>
+          </p:nvCxnSpPr>
+          <p:spPr>
+            <a:xfrm rot="5400000">
+              <a:off x="1287463" y="3303621"/>
+              <a:ext cx="396875" cy="1588"/>
+            </a:xfrm>
+            <a:prstGeom prst="straightConnector1">
+              <a:avLst/>
+            </a:prstGeom>
+            <a:ln>
+              <a:tailEnd type="arrow"/>
+            </a:ln>
+          </p:spPr>
+          <p:style>
+            <a:lnRef idx="1">
+              <a:schemeClr val="accent1"/>
+            </a:lnRef>
+            <a:fillRef idx="0">
+              <a:schemeClr val="accent1"/>
+            </a:fillRef>
+            <a:effectRef idx="0">
+              <a:schemeClr val="accent1"/>
+            </a:effectRef>
+            <a:fontRef idx="minor">
+              <a:schemeClr val="tx1"/>
+            </a:fontRef>
+          </p:style>
+        </p:cxnSp>
+        <p:cxnSp>
+          <p:nvCxnSpPr>
+            <p:cNvPr id="26" name="Straight Arrow Connector 25"/>
+            <p:cNvCxnSpPr>
+              <a:stCxn id="7" idx="0"/>
+              <a:endCxn id="6" idx="2"/>
+            </p:cNvCxnSpPr>
+            <p:nvPr/>
+          </p:nvCxnSpPr>
+          <p:spPr>
+            <a:xfrm rot="5400000" flipH="1" flipV="1">
+              <a:off x="1327150" y="4613308"/>
+              <a:ext cx="317500" cy="1588"/>
+            </a:xfrm>
+            <a:prstGeom prst="straightConnector1">
+              <a:avLst/>
+            </a:prstGeom>
+            <a:ln>
+              <a:tailEnd type="arrow"/>
+            </a:ln>
+          </p:spPr>
+          <p:style>
+            <a:lnRef idx="1">
+              <a:schemeClr val="accent1"/>
+            </a:lnRef>
+            <a:fillRef idx="0">
+              <a:schemeClr val="accent1"/>
+            </a:fillRef>
+            <a:effectRef idx="0">
+              <a:schemeClr val="accent1"/>
+            </a:effectRef>
+            <a:fontRef idx="minor">
+              <a:schemeClr val="tx1"/>
+            </a:fontRef>
+          </p:style>
+        </p:cxnSp>
+      </p:grpSp>
+      <p:grpSp>
+        <p:nvGrpSpPr>
+          <p:cNvPr id="93" name="Group 92"/>
+          <p:cNvGrpSpPr/>
+          <p:nvPr/>
+        </p:nvGrpSpPr>
+        <p:grpSpPr>
+          <a:xfrm>
+            <a:off x="3571100" y="1167714"/>
+            <a:ext cx="5486401" cy="5410201"/>
+            <a:chOff x="3571100" y="1167714"/>
+            <a:chExt cx="5486401" cy="5410201"/>
+          </a:xfrm>
+        </p:grpSpPr>
+        <p:sp>
+          <p:nvSpPr>
+            <p:cNvPr id="81" name="Oval 80"/>
+            <p:cNvSpPr/>
+            <p:nvPr/>
+          </p:nvSpPr>
+          <p:spPr>
+            <a:xfrm>
+              <a:off x="3571101" y="1167714"/>
+              <a:ext cx="5486400" cy="5410200"/>
+            </a:xfrm>
+            <a:prstGeom prst="ellipse">
+              <a:avLst/>
+            </a:prstGeom>
+            <a:gradFill flip="none" rotWithShape="1">
+              <a:gsLst>
+                <a:gs pos="0">
+                  <a:schemeClr val="accent1">
+                    <a:tint val="66000"/>
+                    <a:satMod val="160000"/>
+                  </a:schemeClr>
+                </a:gs>
+                <a:gs pos="50000">
+                  <a:schemeClr val="accent1">
+                    <a:tint val="44500"/>
+                    <a:satMod val="160000"/>
+                  </a:schemeClr>
+                </a:gs>
+                <a:gs pos="100000">
+                  <a:schemeClr val="accent1">
+                    <a:tint val="23500"/>
+                    <a:satMod val="160000"/>
+                  </a:schemeClr>
+                </a:gs>
+              </a:gsLst>
+              <a:lin ang="5400000" scaled="1"/>
+              <a:tileRect/>
+            </a:gradFill>
+          </p:spPr>
+          <p:style>
+            <a:lnRef idx="2">
+              <a:schemeClr val="accent1">
+                <a:shade val="50000"/>
+              </a:schemeClr>
+            </a:lnRef>
+            <a:fillRef idx="1">
+              <a:schemeClr val="accent1"/>
+            </a:fillRef>
+            <a:effectRef idx="0">
+              <a:schemeClr val="accent1"/>
+            </a:effectRef>
+            <a:fontRef idx="minor">
+              <a:schemeClr val="lt1"/>
+            </a:fontRef>
+          </p:style>
+          <p:txBody>
+            <a:bodyPr rtlCol="0" anchor="ctr"/>
+            <a:lstStyle/>
+            <a:p>
+              <a:pPr algn="ctr"/>
+              <a:endParaRPr lang="en-US" dirty="0" smtClean="0">
+                <a:solidFill>
+                  <a:schemeClr val="tx1"/>
+                </a:solidFill>
+              </a:endParaRPr>
+            </a:p>
+          </p:txBody>
+        </p:sp>
+        <p:grpSp>
+          <p:nvGrpSpPr>
+            <p:cNvPr id="78" name="Group 77"/>
+            <p:cNvGrpSpPr/>
+            <p:nvPr/>
+          </p:nvGrpSpPr>
+          <p:grpSpPr>
+            <a:xfrm>
+              <a:off x="4038600" y="1600200"/>
+              <a:ext cx="4572000" cy="4572000"/>
+              <a:chOff x="4038600" y="1219200"/>
+              <a:chExt cx="4572000" cy="4572000"/>
+            </a:xfrm>
+          </p:grpSpPr>
+          <p:sp>
+            <p:nvSpPr>
+              <p:cNvPr id="71" name="Oval 70"/>
+              <p:cNvSpPr/>
+              <p:nvPr/>
+            </p:nvSpPr>
+            <p:spPr>
+              <a:xfrm>
+                <a:off x="4038600" y="1219200"/>
+                <a:ext cx="4572000" cy="4572000"/>
+              </a:xfrm>
+              <a:prstGeom prst="ellipse">
+                <a:avLst/>
+              </a:prstGeom>
+            </p:spPr>
+            <p:style>
+              <a:lnRef idx="0">
+                <a:schemeClr val="accent3"/>
+              </a:lnRef>
+              <a:fillRef idx="3">
+                <a:schemeClr val="accent3"/>
+              </a:fillRef>
+              <a:effectRef idx="3">
+                <a:schemeClr val="accent3"/>
+              </a:effectRef>
+              <a:fontRef idx="minor">
+                <a:schemeClr val="lt1"/>
+              </a:fontRef>
+            </p:style>
+            <p:txBody>
+              <a:bodyPr rtlCol="0" anchor="ctr"/>
+              <a:lstStyle/>
+              <a:p>
+                <a:pPr algn="ctr"/>
+                <a:endParaRPr lang="en-US" dirty="0" smtClean="0">
+                  <a:solidFill>
+                    <a:schemeClr val="tx1"/>
+                  </a:solidFill>
+                </a:endParaRPr>
+              </a:p>
+            </p:txBody>
+          </p:sp>
+          <p:sp>
+            <p:nvSpPr>
+              <p:cNvPr id="72" name="Oval 71"/>
+              <p:cNvSpPr/>
+              <p:nvPr/>
+            </p:nvSpPr>
+            <p:spPr>
+              <a:xfrm>
+                <a:off x="4751172" y="1929714"/>
+                <a:ext cx="3200400" cy="3200400"/>
+              </a:xfrm>
+              <a:prstGeom prst="ellipse">
+                <a:avLst/>
+              </a:prstGeom>
+            </p:spPr>
+            <p:style>
+              <a:lnRef idx="0">
+                <a:schemeClr val="accent1"/>
+              </a:lnRef>
+              <a:fillRef idx="3">
+                <a:schemeClr val="accent1"/>
+              </a:fillRef>
+              <a:effectRef idx="3">
+                <a:schemeClr val="accent1"/>
+              </a:effectRef>
+              <a:fontRef idx="minor">
+                <a:schemeClr val="lt1"/>
+              </a:fontRef>
+            </p:style>
+            <p:txBody>
+              <a:bodyPr rtlCol="0" anchor="ctr"/>
+              <a:lstStyle/>
+              <a:p>
+                <a:pPr algn="ctr"/>
+                <a:endParaRPr lang="en-US" dirty="0" smtClean="0">
+                  <a:solidFill>
+                    <a:schemeClr val="tx1"/>
+                  </a:solidFill>
+                </a:endParaRPr>
+              </a:p>
+            </p:txBody>
+          </p:sp>
+          <p:sp>
+            <p:nvSpPr>
+              <p:cNvPr id="74" name="TextBox 73"/>
+              <p:cNvSpPr txBox="1"/>
+              <p:nvPr/>
+            </p:nvSpPr>
+            <p:spPr>
+              <a:xfrm>
+                <a:off x="5638800" y="3352800"/>
+                <a:ext cx="1580882" cy="369332"/>
+              </a:xfrm>
+              <a:prstGeom prst="rect">
+                <a:avLst/>
+              </a:prstGeom>
+              <a:noFill/>
+            </p:spPr>
+            <p:txBody>
+              <a:bodyPr wrap="none" rtlCol="0">
+                <a:spAutoFit/>
+              </a:bodyPr>
+              <a:lstStyle/>
+              <a:p>
+                <a:r>
+                  <a:rPr lang="en-US" dirty="0" smtClean="0"/>
+                  <a:t>Domain Model</a:t>
+                </a:r>
+                <a:endParaRPr lang="en-US" dirty="0"/>
+              </a:p>
+            </p:txBody>
+          </p:sp>
+          <p:sp>
+            <p:nvSpPr>
+              <p:cNvPr id="76" name="TextBox 75"/>
+              <p:cNvSpPr txBox="1"/>
+              <p:nvPr/>
+            </p:nvSpPr>
+            <p:spPr>
+              <a:xfrm>
+                <a:off x="5638800" y="1371600"/>
+                <a:ext cx="1412374" cy="369332"/>
+              </a:xfrm>
+              <a:prstGeom prst="rect">
+                <a:avLst/>
+              </a:prstGeom>
+              <a:noFill/>
+            </p:spPr>
+            <p:txBody>
+              <a:bodyPr wrap="none" rtlCol="0">
+                <a:spAutoFit/>
+              </a:bodyPr>
+              <a:lstStyle/>
+              <a:p>
+                <a:r>
+                  <a:rPr lang="en-US" dirty="0" smtClean="0"/>
+                  <a:t>Service Layer</a:t>
+                </a:r>
+                <a:endParaRPr lang="en-US" dirty="0"/>
+              </a:p>
+            </p:txBody>
+          </p:sp>
+        </p:grpSp>
+        <p:cxnSp>
+          <p:nvCxnSpPr>
+            <p:cNvPr id="84" name="Straight Connector 83"/>
+            <p:cNvCxnSpPr>
+              <a:stCxn id="81" idx="7"/>
+              <a:endCxn id="71" idx="7"/>
+            </p:cNvCxnSpPr>
+            <p:nvPr/>
+          </p:nvCxnSpPr>
+          <p:spPr>
+            <a:xfrm rot="16200000" flipH="1" flipV="1">
+              <a:off x="7942674" y="1958391"/>
+              <a:ext cx="309734" cy="312990"/>
+            </a:xfrm>
+            <a:prstGeom prst="line">
+              <a:avLst/>
+            </a:prstGeom>
+          </p:spPr>
+          <p:style>
+            <a:lnRef idx="3">
+              <a:schemeClr val="dk1"/>
+            </a:lnRef>
+            <a:fillRef idx="0">
+              <a:schemeClr val="dk1"/>
+            </a:fillRef>
+            <a:effectRef idx="2">
+              <a:schemeClr val="dk1"/>
+            </a:effectRef>
+            <a:fontRef idx="minor">
+              <a:schemeClr val="tx1"/>
+            </a:fontRef>
+          </p:style>
+        </p:cxnSp>
+        <p:cxnSp>
+          <p:nvCxnSpPr>
+            <p:cNvPr id="86" name="Straight Connector 85"/>
+            <p:cNvCxnSpPr>
+              <a:stCxn id="71" idx="4"/>
+              <a:endCxn id="81" idx="4"/>
+            </p:cNvCxnSpPr>
+            <p:nvPr/>
+          </p:nvCxnSpPr>
+          <p:spPr>
+            <a:xfrm rot="5400000">
+              <a:off x="6116594" y="6369908"/>
+              <a:ext cx="405714" cy="10299"/>
+            </a:xfrm>
+            <a:prstGeom prst="line">
+              <a:avLst/>
+            </a:prstGeom>
+          </p:spPr>
+          <p:style>
+            <a:lnRef idx="3">
+              <a:schemeClr val="dk1"/>
+            </a:lnRef>
+            <a:fillRef idx="0">
+              <a:schemeClr val="dk1"/>
+            </a:fillRef>
+            <a:effectRef idx="2">
+              <a:schemeClr val="dk1"/>
+            </a:effectRef>
+            <a:fontRef idx="minor">
+              <a:schemeClr val="tx1"/>
+            </a:fontRef>
+          </p:style>
+        </p:cxnSp>
+        <p:cxnSp>
+          <p:nvCxnSpPr>
+            <p:cNvPr id="88" name="Straight Connector 87"/>
+            <p:cNvCxnSpPr>
+              <a:stCxn id="81" idx="2"/>
+              <a:endCxn id="71" idx="2"/>
+            </p:cNvCxnSpPr>
+            <p:nvPr/>
+          </p:nvCxnSpPr>
+          <p:spPr>
+            <a:xfrm rot="10800000" flipH="1" flipV="1">
+              <a:off x="3571100" y="3872814"/>
+              <a:ext cx="467499" cy="13386"/>
+            </a:xfrm>
+            <a:prstGeom prst="line">
+              <a:avLst/>
+            </a:prstGeom>
+          </p:spPr>
+          <p:style>
+            <a:lnRef idx="3">
+              <a:schemeClr val="dk1"/>
+            </a:lnRef>
+            <a:fillRef idx="0">
+              <a:schemeClr val="dk1"/>
+            </a:fillRef>
+            <a:effectRef idx="2">
+              <a:schemeClr val="dk1"/>
+            </a:effectRef>
+            <a:fontRef idx="minor">
+              <a:schemeClr val="tx1"/>
+            </a:fontRef>
+          </p:style>
+        </p:cxnSp>
+        <p:sp>
+          <p:nvSpPr>
+            <p:cNvPr id="89" name="TextBox 88"/>
+            <p:cNvSpPr txBox="1"/>
+            <p:nvPr/>
+          </p:nvSpPr>
+          <p:spPr>
+            <a:xfrm rot="19188030">
+              <a:off x="4416552" y="1834796"/>
+              <a:ext cx="389850" cy="369332"/>
+            </a:xfrm>
+            <a:prstGeom prst="rect">
+              <a:avLst/>
+            </a:prstGeom>
+            <a:noFill/>
+          </p:spPr>
+          <p:txBody>
+            <a:bodyPr wrap="none" rtlCol="0">
+              <a:spAutoFit/>
+            </a:bodyPr>
+            <a:lstStyle/>
+            <a:p>
+              <a:r>
+                <a:rPr lang="en-US" dirty="0" smtClean="0"/>
+                <a:t>UI</a:t>
+              </a:r>
+              <a:endParaRPr lang="en-US" dirty="0"/>
+            </a:p>
+          </p:txBody>
+        </p:sp>
+        <p:sp>
+          <p:nvSpPr>
+            <p:cNvPr id="91" name="TextBox 90"/>
+            <p:cNvSpPr txBox="1"/>
+            <p:nvPr/>
+          </p:nvSpPr>
+          <p:spPr>
+            <a:xfrm rot="7255566">
+              <a:off x="7725575" y="4961014"/>
+              <a:ext cx="1471559" cy="369332"/>
+            </a:xfrm>
+            <a:prstGeom prst="rect">
+              <a:avLst/>
+            </a:prstGeom>
+            <a:noFill/>
+          </p:spPr>
+          <p:txBody>
+            <a:bodyPr wrap="square" rtlCol="0">
+              <a:spAutoFit/>
+            </a:bodyPr>
+            <a:lstStyle/>
+            <a:p>
+              <a:r>
+                <a:rPr lang="en-US" dirty="0" smtClean="0"/>
+                <a:t>Infrastructure</a:t>
+              </a:r>
+              <a:endParaRPr lang="en-US" dirty="0"/>
+            </a:p>
+          </p:txBody>
+        </p:sp>
+        <p:sp>
+          <p:nvSpPr>
+            <p:cNvPr id="92" name="TextBox 91"/>
+            <p:cNvSpPr txBox="1"/>
+            <p:nvPr/>
+          </p:nvSpPr>
+          <p:spPr>
+            <a:xfrm rot="14036395">
+              <a:off x="3433520" y="5153556"/>
+              <a:ext cx="1815241" cy="369332"/>
+            </a:xfrm>
+            <a:prstGeom prst="rect">
+              <a:avLst/>
+            </a:prstGeom>
+            <a:noFill/>
+          </p:spPr>
+          <p:txBody>
+            <a:bodyPr wrap="none" rtlCol="0">
+              <a:spAutoFit/>
+            </a:bodyPr>
+            <a:lstStyle/>
+            <a:p>
+              <a:r>
+                <a:rPr lang="en-US" dirty="0" smtClean="0"/>
+                <a:t>Service Getaways</a:t>
+              </a:r>
+              <a:endParaRPr lang="en-US" dirty="0"/>
+            </a:p>
+          </p:txBody>
+        </p:sp>
+      </p:grpSp>
+    </p:spTree>
+  </p:cSld>
+  <p:clrMapOvr>
+    <a:masterClrMapping/>
+  </p:clrMapOvr>
+</p:sld>
+</file>
+
+<file path=ppt/slides/slide22.xml><?xml version="1.0" encoding="utf-8"?>
+<p:sld xmlns:a="http://schemas.openxmlformats.org/drawingml/2006/main" xmlns:r="http://schemas.openxmlformats.org/officeDocument/2006/relationships" xmlns:p="http://schemas.openxmlformats.org/presentationml/2006/main">
+  <p:cSld>
+    <p:spTree>
+      <p:nvGrpSpPr>
+        <p:cNvPr id="1" name=""/>
+        <p:cNvGrpSpPr/>
+        <p:nvPr/>
+      </p:nvGrpSpPr>
+      <p:grpSpPr>
+        <a:xfrm>
+          <a:off x="0" y="0"/>
+          <a:ext cx="0" cy="0"/>
+          <a:chOff x="0" y="0"/>
+          <a:chExt cx="0" cy="0"/>
+        </a:xfrm>
+      </p:grpSpPr>
+      <p:sp>
+        <p:nvSpPr>
+          <p:cNvPr id="2" name="Title 1"/>
+          <p:cNvSpPr>
+            <a:spLocks noGrp="1"/>
+          </p:cNvSpPr>
+          <p:nvPr>
+            <p:ph type="title"/>
+          </p:nvPr>
+        </p:nvSpPr>
+        <p:spPr>
+          <a:xfrm>
+            <a:off x="457200" y="274638"/>
+            <a:ext cx="8229600" cy="639762"/>
+          </a:xfrm>
+        </p:spPr>
+        <p:txBody>
+          <a:bodyPr>
+            <a:normAutofit fontScale="90000"/>
+          </a:bodyPr>
+          <a:lstStyle/>
+          <a:p>
+            <a:r>
+              <a:rPr lang="en-US" b="1" dirty="0" smtClean="0"/>
+              <a:t>Organizing Domain </a:t>
+            </a:r>
+            <a:r>
+              <a:rPr lang="en-US" b="1" dirty="0" smtClean="0"/>
+              <a:t>Logic Patterns</a:t>
+            </a:r>
+            <a:endParaRPr lang="en-US" dirty="0"/>
+          </a:p>
+        </p:txBody>
+      </p:sp>
+      <p:cxnSp>
+        <p:nvCxnSpPr>
+          <p:cNvPr id="5" name="Straight Arrow Connector 4"/>
+          <p:cNvCxnSpPr/>
+          <p:nvPr/>
+        </p:nvCxnSpPr>
+        <p:spPr>
+          <a:xfrm>
+            <a:off x="1143000" y="5410200"/>
+            <a:ext cx="7315200" cy="1588"/>
+          </a:xfrm>
+          <a:prstGeom prst="straightConnector1">
+            <a:avLst/>
+          </a:prstGeom>
+          <a:ln>
+            <a:tailEnd type="arrow"/>
+          </a:ln>
+        </p:spPr>
+        <p:style>
+          <a:lnRef idx="2">
+            <a:schemeClr val="dk1"/>
+          </a:lnRef>
+          <a:fillRef idx="0">
+            <a:schemeClr val="dk1"/>
+          </a:fillRef>
+          <a:effectRef idx="1">
+            <a:schemeClr val="dk1"/>
+          </a:effectRef>
+          <a:fontRef idx="minor">
+            <a:schemeClr val="tx1"/>
+          </a:fontRef>
+        </p:style>
+      </p:cxnSp>
+      <p:cxnSp>
+        <p:nvCxnSpPr>
+          <p:cNvPr id="7" name="Straight Arrow Connector 6"/>
+          <p:cNvCxnSpPr/>
+          <p:nvPr/>
+        </p:nvCxnSpPr>
+        <p:spPr>
+          <a:xfrm rot="5400000" flipH="1" flipV="1">
+            <a:off x="-913606" y="3352006"/>
+            <a:ext cx="4114800" cy="1588"/>
+          </a:xfrm>
+          <a:prstGeom prst="straightConnector1">
+            <a:avLst/>
+          </a:prstGeom>
+          <a:ln>
+            <a:tailEnd type="arrow"/>
+          </a:ln>
+        </p:spPr>
+        <p:style>
+          <a:lnRef idx="2">
+            <a:schemeClr val="dk1"/>
+          </a:lnRef>
+          <a:fillRef idx="0">
+            <a:schemeClr val="dk1"/>
+          </a:fillRef>
+          <a:effectRef idx="1">
+            <a:schemeClr val="dk1"/>
+          </a:effectRef>
+          <a:fontRef idx="minor">
+            <a:schemeClr val="tx1"/>
+          </a:fontRef>
+        </p:style>
+      </p:cxnSp>
+      <p:sp>
+        <p:nvSpPr>
+          <p:cNvPr id="8" name="TextBox 7"/>
+          <p:cNvSpPr txBox="1"/>
+          <p:nvPr/>
+        </p:nvSpPr>
+        <p:spPr>
+          <a:xfrm>
+            <a:off x="3276600" y="5486400"/>
+            <a:ext cx="2848472" cy="369332"/>
+          </a:xfrm>
+          <a:prstGeom prst="rect">
+            <a:avLst/>
+          </a:prstGeom>
+          <a:noFill/>
+        </p:spPr>
+        <p:txBody>
+          <a:bodyPr wrap="none" rtlCol="0">
+            <a:spAutoFit/>
+          </a:bodyPr>
+          <a:lstStyle/>
+          <a:p>
+            <a:r>
+              <a:rPr lang="en-US" b="1" dirty="0" smtClean="0"/>
+              <a:t>Complexity of Domain Logic</a:t>
+            </a:r>
+            <a:endParaRPr lang="en-US" b="1" dirty="0"/>
+          </a:p>
+        </p:txBody>
+      </p:sp>
+      <p:sp>
+        <p:nvSpPr>
+          <p:cNvPr id="9" name="TextBox 8"/>
+          <p:cNvSpPr txBox="1"/>
+          <p:nvPr/>
+        </p:nvSpPr>
+        <p:spPr>
+          <a:xfrm>
+            <a:off x="0" y="2286000"/>
+            <a:ext cx="1238801" cy="646331"/>
+          </a:xfrm>
+          <a:prstGeom prst="rect">
+            <a:avLst/>
+          </a:prstGeom>
+          <a:noFill/>
+        </p:spPr>
+        <p:txBody>
+          <a:bodyPr wrap="none" rtlCol="0">
+            <a:spAutoFit/>
+          </a:bodyPr>
+          <a:lstStyle/>
+          <a:p>
+            <a:pPr algn="ctr"/>
+            <a:r>
+              <a:rPr lang="en-US" b="1" dirty="0" smtClean="0"/>
+              <a:t>Effort</a:t>
+            </a:r>
+          </a:p>
+          <a:p>
+            <a:pPr algn="ctr"/>
+            <a:r>
+              <a:rPr lang="en-US" b="1" dirty="0" smtClean="0"/>
+              <a:t>t</a:t>
+            </a:r>
+            <a:r>
+              <a:rPr lang="en-US" b="1" dirty="0" smtClean="0"/>
+              <a:t>o enhance</a:t>
+            </a:r>
+            <a:endParaRPr lang="en-US" b="1" dirty="0"/>
+          </a:p>
+        </p:txBody>
+      </p:sp>
+      <p:sp>
+        <p:nvSpPr>
+          <p:cNvPr id="13" name="Freeform 12"/>
+          <p:cNvSpPr/>
+          <p:nvPr/>
+        </p:nvSpPr>
+        <p:spPr>
+          <a:xfrm>
+            <a:off x="1143000" y="1676400"/>
+            <a:ext cx="6264875" cy="3435179"/>
+          </a:xfrm>
+          <a:custGeom>
+            <a:avLst/>
+            <a:gdLst>
+              <a:gd name="connsiteX0" fmla="*/ 0 w 6264875"/>
+              <a:gd name="connsiteY0" fmla="*/ 3435179 h 3435179"/>
+              <a:gd name="connsiteX1" fmla="*/ 902043 w 6264875"/>
+              <a:gd name="connsiteY1" fmla="*/ 3410465 h 3435179"/>
+              <a:gd name="connsiteX2" fmla="*/ 2767913 w 6264875"/>
+              <a:gd name="connsiteY2" fmla="*/ 3237471 h 3435179"/>
+              <a:gd name="connsiteX3" fmla="*/ 4349578 w 6264875"/>
+              <a:gd name="connsiteY3" fmla="*/ 2631989 h 3435179"/>
+              <a:gd name="connsiteX4" fmla="*/ 5140410 w 6264875"/>
+              <a:gd name="connsiteY4" fmla="*/ 1865871 h 3435179"/>
+              <a:gd name="connsiteX5" fmla="*/ 6264875 w 6264875"/>
+              <a:gd name="connsiteY5" fmla="*/ 0 h 3435179"/>
+            </a:gdLst>
+            <a:ahLst/>
+            <a:cxnLst>
+              <a:cxn ang="0">
+                <a:pos x="connsiteX0" y="connsiteY0"/>
+              </a:cxn>
+              <a:cxn ang="0">
+                <a:pos x="connsiteX1" y="connsiteY1"/>
+              </a:cxn>
+              <a:cxn ang="0">
+                <a:pos x="connsiteX2" y="connsiteY2"/>
+              </a:cxn>
+              <a:cxn ang="0">
+                <a:pos x="connsiteX3" y="connsiteY3"/>
+              </a:cxn>
+              <a:cxn ang="0">
+                <a:pos x="connsiteX4" y="connsiteY4"/>
+              </a:cxn>
+              <a:cxn ang="0">
+                <a:pos x="connsiteX5" y="connsiteY5"/>
+              </a:cxn>
+            </a:cxnLst>
+            <a:rect l="l" t="t" r="r" b="b"/>
+            <a:pathLst>
+              <a:path w="6264875" h="3435179">
+                <a:moveTo>
+                  <a:pt x="0" y="3435179"/>
+                </a:moveTo>
+                <a:lnTo>
+                  <a:pt x="902043" y="3410465"/>
+                </a:lnTo>
+                <a:cubicBezTo>
+                  <a:pt x="1363362" y="3377514"/>
+                  <a:pt x="2193324" y="3367217"/>
+                  <a:pt x="2767913" y="3237471"/>
+                </a:cubicBezTo>
+                <a:cubicBezTo>
+                  <a:pt x="3342502" y="3107725"/>
+                  <a:pt x="3954162" y="2860589"/>
+                  <a:pt x="4349578" y="2631989"/>
+                </a:cubicBezTo>
+                <a:cubicBezTo>
+                  <a:pt x="4744994" y="2403389"/>
+                  <a:pt x="4821194" y="2304536"/>
+                  <a:pt x="5140410" y="1865871"/>
+                </a:cubicBezTo>
+                <a:cubicBezTo>
+                  <a:pt x="5459626" y="1427206"/>
+                  <a:pt x="6048632" y="368643"/>
+                  <a:pt x="6264875" y="0"/>
+                </a:cubicBezTo>
+              </a:path>
+            </a:pathLst>
+          </a:custGeom>
+        </p:spPr>
+        <p:style>
+          <a:lnRef idx="3">
+            <a:schemeClr val="accent6"/>
+          </a:lnRef>
+          <a:fillRef idx="0">
+            <a:schemeClr val="accent6"/>
+          </a:fillRef>
+          <a:effectRef idx="2">
+            <a:schemeClr val="accent6"/>
+          </a:effectRef>
+          <a:fontRef idx="minor">
+            <a:schemeClr val="tx1"/>
+          </a:fontRef>
+        </p:style>
+        <p:txBody>
+          <a:bodyPr rtlCol="0" anchor="ctr"/>
+          <a:lstStyle/>
+          <a:p>
+            <a:pPr algn="ctr"/>
+            <a:endParaRPr lang="en-US"/>
+          </a:p>
+        </p:txBody>
+      </p:sp>
+      <p:sp>
+        <p:nvSpPr>
+          <p:cNvPr id="14" name="Freeform 13"/>
+          <p:cNvSpPr/>
+          <p:nvPr/>
+        </p:nvSpPr>
+        <p:spPr>
+          <a:xfrm>
+            <a:off x="1143000" y="1676400"/>
+            <a:ext cx="3886200" cy="3124200"/>
+          </a:xfrm>
+          <a:custGeom>
+            <a:avLst/>
+            <a:gdLst>
+              <a:gd name="connsiteX0" fmla="*/ 0 w 6264875"/>
+              <a:gd name="connsiteY0" fmla="*/ 3435179 h 3435179"/>
+              <a:gd name="connsiteX1" fmla="*/ 902043 w 6264875"/>
+              <a:gd name="connsiteY1" fmla="*/ 3410465 h 3435179"/>
+              <a:gd name="connsiteX2" fmla="*/ 2767913 w 6264875"/>
+              <a:gd name="connsiteY2" fmla="*/ 3237471 h 3435179"/>
+              <a:gd name="connsiteX3" fmla="*/ 4349578 w 6264875"/>
+              <a:gd name="connsiteY3" fmla="*/ 2631989 h 3435179"/>
+              <a:gd name="connsiteX4" fmla="*/ 5140410 w 6264875"/>
+              <a:gd name="connsiteY4" fmla="*/ 1865871 h 3435179"/>
+              <a:gd name="connsiteX5" fmla="*/ 6264875 w 6264875"/>
+              <a:gd name="connsiteY5" fmla="*/ 0 h 3435179"/>
+            </a:gdLst>
+            <a:ahLst/>
+            <a:cxnLst>
+              <a:cxn ang="0">
+                <a:pos x="connsiteX0" y="connsiteY0"/>
+              </a:cxn>
+              <a:cxn ang="0">
+                <a:pos x="connsiteX1" y="connsiteY1"/>
+              </a:cxn>
+              <a:cxn ang="0">
+                <a:pos x="connsiteX2" y="connsiteY2"/>
+              </a:cxn>
+              <a:cxn ang="0">
+                <a:pos x="connsiteX3" y="connsiteY3"/>
+              </a:cxn>
+              <a:cxn ang="0">
+                <a:pos x="connsiteX4" y="connsiteY4"/>
+              </a:cxn>
+              <a:cxn ang="0">
+                <a:pos x="connsiteX5" y="connsiteY5"/>
+              </a:cxn>
+            </a:cxnLst>
+            <a:rect l="l" t="t" r="r" b="b"/>
+            <a:pathLst>
+              <a:path w="6264875" h="3435179">
+                <a:moveTo>
+                  <a:pt x="0" y="3435179"/>
+                </a:moveTo>
+                <a:lnTo>
+                  <a:pt x="902043" y="3410465"/>
+                </a:lnTo>
+                <a:cubicBezTo>
+                  <a:pt x="1363362" y="3377514"/>
+                  <a:pt x="2193324" y="3367217"/>
+                  <a:pt x="2767913" y="3237471"/>
+                </a:cubicBezTo>
+                <a:cubicBezTo>
+                  <a:pt x="3342502" y="3107725"/>
+                  <a:pt x="3954162" y="2860589"/>
+                  <a:pt x="4349578" y="2631989"/>
+                </a:cubicBezTo>
+                <a:cubicBezTo>
+                  <a:pt x="4744994" y="2403389"/>
+                  <a:pt x="4821194" y="2304536"/>
+                  <a:pt x="5140410" y="1865871"/>
+                </a:cubicBezTo>
+                <a:cubicBezTo>
+                  <a:pt x="5459626" y="1427206"/>
+                  <a:pt x="6048632" y="368643"/>
+                  <a:pt x="6264875" y="0"/>
+                </a:cubicBezTo>
+              </a:path>
+            </a:pathLst>
+          </a:custGeom>
+        </p:spPr>
+        <p:style>
+          <a:lnRef idx="3">
+            <a:schemeClr val="accent4"/>
+          </a:lnRef>
+          <a:fillRef idx="0">
+            <a:schemeClr val="accent4"/>
+          </a:fillRef>
+          <a:effectRef idx="2">
+            <a:schemeClr val="accent4"/>
+          </a:effectRef>
+          <a:fontRef idx="minor">
+            <a:schemeClr val="tx1"/>
+          </a:fontRef>
+        </p:style>
+        <p:txBody>
+          <a:bodyPr rtlCol="0" anchor="ctr"/>
+          <a:lstStyle/>
+          <a:p>
+            <a:pPr algn="ctr"/>
+            <a:endParaRPr lang="en-US"/>
+          </a:p>
+        </p:txBody>
+      </p:sp>
+      <p:cxnSp>
+        <p:nvCxnSpPr>
+          <p:cNvPr id="16" name="Straight Connector 15"/>
+          <p:cNvCxnSpPr/>
+          <p:nvPr/>
+        </p:nvCxnSpPr>
+        <p:spPr>
+          <a:xfrm flipV="1">
+            <a:off x="1143000" y="2514600"/>
+            <a:ext cx="7239000" cy="1447800"/>
+          </a:xfrm>
+          <a:prstGeom prst="line">
+            <a:avLst/>
+          </a:prstGeom>
+        </p:spPr>
+        <p:style>
+          <a:lnRef idx="2">
+            <a:schemeClr val="accent2"/>
+          </a:lnRef>
+          <a:fillRef idx="0">
+            <a:schemeClr val="accent2"/>
+          </a:fillRef>
+          <a:effectRef idx="1">
+            <a:schemeClr val="accent2"/>
+          </a:effectRef>
+          <a:fontRef idx="minor">
+            <a:schemeClr val="tx1"/>
+          </a:fontRef>
+        </p:style>
+      </p:cxnSp>
+      <p:sp>
+        <p:nvSpPr>
+          <p:cNvPr id="17" name="TextBox 16"/>
+          <p:cNvSpPr txBox="1"/>
+          <p:nvPr/>
+        </p:nvSpPr>
+        <p:spPr>
+          <a:xfrm>
+            <a:off x="7162800" y="2819400"/>
+            <a:ext cx="1608133" cy="369332"/>
+          </a:xfrm>
+          <a:prstGeom prst="rect">
+            <a:avLst/>
+          </a:prstGeom>
+          <a:noFill/>
+        </p:spPr>
+        <p:txBody>
+          <a:bodyPr wrap="none" rtlCol="0">
+            <a:spAutoFit/>
+          </a:bodyPr>
+          <a:lstStyle/>
+          <a:p>
+            <a:r>
+              <a:rPr lang="en-US" b="1" dirty="0" smtClean="0"/>
+              <a:t>Domain Model</a:t>
+            </a:r>
+            <a:endParaRPr lang="en-US" b="1" dirty="0"/>
+          </a:p>
+        </p:txBody>
+      </p:sp>
+      <p:sp>
+        <p:nvSpPr>
+          <p:cNvPr id="18" name="TextBox 17"/>
+          <p:cNvSpPr txBox="1"/>
+          <p:nvPr/>
+        </p:nvSpPr>
+        <p:spPr>
+          <a:xfrm>
+            <a:off x="7391400" y="1676400"/>
+            <a:ext cx="1486497" cy="369332"/>
+          </a:xfrm>
+          <a:prstGeom prst="rect">
+            <a:avLst/>
+          </a:prstGeom>
+          <a:noFill/>
+        </p:spPr>
+        <p:txBody>
+          <a:bodyPr wrap="none" rtlCol="0">
+            <a:spAutoFit/>
+          </a:bodyPr>
+          <a:lstStyle/>
+          <a:p>
+            <a:r>
+              <a:rPr lang="en-US" b="1" dirty="0" smtClean="0"/>
+              <a:t>Table Module</a:t>
+            </a:r>
+            <a:endParaRPr lang="en-US" b="1" dirty="0"/>
+          </a:p>
+        </p:txBody>
+      </p:sp>
+      <p:sp>
+        <p:nvSpPr>
+          <p:cNvPr id="19" name="TextBox 18"/>
+          <p:cNvSpPr txBox="1"/>
+          <p:nvPr/>
+        </p:nvSpPr>
+        <p:spPr>
+          <a:xfrm>
+            <a:off x="3200400" y="1524000"/>
+            <a:ext cx="1883657" cy="369332"/>
+          </a:xfrm>
+          <a:prstGeom prst="rect">
+            <a:avLst/>
+          </a:prstGeom>
+          <a:noFill/>
+        </p:spPr>
+        <p:txBody>
+          <a:bodyPr wrap="none" rtlCol="0">
+            <a:spAutoFit/>
+          </a:bodyPr>
+          <a:lstStyle/>
+          <a:p>
+            <a:r>
+              <a:rPr lang="en-US" b="1" dirty="0" smtClean="0"/>
+              <a:t>Transaction Script</a:t>
+            </a:r>
+            <a:endParaRPr lang="en-US" b="1" dirty="0"/>
+          </a:p>
+        </p:txBody>
+      </p:sp>
+      <p:sp>
+        <p:nvSpPr>
+          <p:cNvPr id="20" name="TextBox 19"/>
+          <p:cNvSpPr txBox="1"/>
+          <p:nvPr/>
+        </p:nvSpPr>
+        <p:spPr>
+          <a:xfrm>
+            <a:off x="6858000" y="6400800"/>
+            <a:ext cx="2286000" cy="276999"/>
+          </a:xfrm>
+          <a:prstGeom prst="rect">
+            <a:avLst/>
+          </a:prstGeom>
+          <a:noFill/>
+        </p:spPr>
+        <p:txBody>
+          <a:bodyPr wrap="square" rtlCol="0">
+            <a:spAutoFit/>
+          </a:bodyPr>
+          <a:lstStyle/>
+          <a:p>
+            <a:r>
+              <a:rPr lang="en-US" sz="1200" dirty="0" smtClean="0"/>
+              <a:t>Source : </a:t>
+            </a:r>
+            <a:r>
+              <a:rPr lang="en-US" sz="1200" dirty="0" err="1" smtClean="0"/>
+              <a:t>PoEAA</a:t>
+            </a:r>
+            <a:r>
+              <a:rPr lang="en-US" sz="1200" dirty="0" smtClean="0"/>
+              <a:t> by Martin Fowler</a:t>
+            </a:r>
+            <a:endParaRPr lang="en-US" sz="1200" dirty="0"/>
+          </a:p>
+        </p:txBody>
+      </p:sp>
+    </p:spTree>
+  </p:cSld>
+  <p:clrMapOvr>
+    <a:masterClrMapping/>
+  </p:clrMapOvr>
+</p:sld>
+</file>
+
+<file path=ppt/slides/slide23.xml><?xml version="1.0" encoding="utf-8"?>
+<p:sld xmlns:a="http://schemas.openxmlformats.org/drawingml/2006/main" xmlns:r="http://schemas.openxmlformats.org/officeDocument/2006/relationships" xmlns:p="http://schemas.openxmlformats.org/presentationml/2006/main">
+  <p:cSld>
+    <p:spTree>
+      <p:nvGrpSpPr>
+        <p:cNvPr id="1" name=""/>
+        <p:cNvGrpSpPr/>
+        <p:nvPr/>
+      </p:nvGrpSpPr>
+      <p:grpSpPr>
+        <a:xfrm>
+          <a:off x="0" y="0"/>
+          <a:ext cx="0" cy="0"/>
+          <a:chOff x="0" y="0"/>
+          <a:chExt cx="0" cy="0"/>
+        </a:xfrm>
+      </p:grpSpPr>
+      <p:sp>
+        <p:nvSpPr>
+          <p:cNvPr id="2" name="Title 1"/>
+          <p:cNvSpPr>
+            <a:spLocks noGrp="1"/>
+          </p:cNvSpPr>
+          <p:nvPr>
+            <p:ph type="title"/>
+          </p:nvPr>
+        </p:nvSpPr>
+        <p:spPr>
+          <a:xfrm>
+            <a:off x="457200" y="0"/>
+            <a:ext cx="8991600" cy="487362"/>
+          </a:xfrm>
+        </p:spPr>
+        <p:txBody>
+          <a:bodyPr>
+            <a:normAutofit fontScale="90000"/>
+          </a:bodyPr>
+          <a:lstStyle/>
+          <a:p>
+            <a:r>
+              <a:rPr lang="en-US" b="1" i="1" dirty="0" smtClean="0"/>
+              <a:t>DDD : navigation map</a:t>
+            </a:r>
+            <a:endParaRPr lang="en-US" dirty="0"/>
+          </a:p>
+        </p:txBody>
+      </p:sp>
+      <p:sp>
+        <p:nvSpPr>
+          <p:cNvPr id="67" name="TextBox 66"/>
+          <p:cNvSpPr txBox="1"/>
+          <p:nvPr/>
+        </p:nvSpPr>
+        <p:spPr>
+          <a:xfrm>
+            <a:off x="0" y="4953000"/>
+            <a:ext cx="1570686" cy="523220"/>
+          </a:xfrm>
+          <a:prstGeom prst="rect">
+            <a:avLst/>
+          </a:prstGeom>
+          <a:noFill/>
+        </p:spPr>
+        <p:txBody>
+          <a:bodyPr wrap="none" rtlCol="0">
+            <a:spAutoFit/>
+          </a:bodyPr>
+          <a:lstStyle/>
+          <a:p>
+            <a:pPr algn="ctr"/>
+            <a:r>
+              <a:rPr lang="en-US" sz="1400" b="1" dirty="0" smtClean="0">
+                <a:solidFill>
+                  <a:srgbClr val="FF0000"/>
+                </a:solidFill>
+              </a:rPr>
+              <a:t>Mutually exclusive</a:t>
+            </a:r>
+          </a:p>
+          <a:p>
+            <a:pPr algn="ctr"/>
+            <a:r>
+              <a:rPr lang="en-US" sz="1400" b="1" dirty="0" smtClean="0">
+                <a:solidFill>
+                  <a:srgbClr val="FF0000"/>
+                </a:solidFill>
+              </a:rPr>
+              <a:t>choice</a:t>
+            </a:r>
+            <a:endParaRPr lang="en-US" sz="1400" b="1" dirty="0">
+              <a:solidFill>
+                <a:srgbClr val="FF0000"/>
+              </a:solidFill>
+            </a:endParaRPr>
+          </a:p>
+        </p:txBody>
+      </p:sp>
+      <p:grpSp>
+        <p:nvGrpSpPr>
+          <p:cNvPr id="81" name="Group 80"/>
+          <p:cNvGrpSpPr/>
+          <p:nvPr/>
+        </p:nvGrpSpPr>
+        <p:grpSpPr>
+          <a:xfrm>
+            <a:off x="152400" y="838200"/>
+            <a:ext cx="8991600" cy="5791200"/>
+            <a:chOff x="152400" y="838200"/>
+            <a:chExt cx="8991600" cy="5791200"/>
+          </a:xfrm>
+        </p:grpSpPr>
+        <p:sp>
+          <p:nvSpPr>
+            <p:cNvPr id="4" name="Oval 3"/>
+            <p:cNvSpPr/>
+            <p:nvPr/>
+          </p:nvSpPr>
+          <p:spPr>
+            <a:xfrm>
+              <a:off x="152400" y="3200400"/>
+              <a:ext cx="1981200" cy="990600"/>
+            </a:xfrm>
+            <a:prstGeom prst="ellipse">
+              <a:avLst/>
+            </a:prstGeom>
+          </p:spPr>
+          <p:style>
+            <a:lnRef idx="2">
+              <a:schemeClr val="accent1">
+                <a:shade val="50000"/>
+              </a:schemeClr>
+            </a:lnRef>
+            <a:fillRef idx="1">
+              <a:schemeClr val="accent1"/>
+            </a:fillRef>
+            <a:effectRef idx="0">
+              <a:schemeClr val="accent1"/>
+            </a:effectRef>
+            <a:fontRef idx="minor">
+              <a:schemeClr val="lt1"/>
+            </a:fontRef>
+          </p:style>
+          <p:txBody>
+            <a:bodyPr rtlCol="0" anchor="ctr"/>
+            <a:lstStyle/>
+            <a:p>
+              <a:pPr algn="ctr"/>
+              <a:r>
+                <a:rPr lang="en-US" sz="1600" b="1" dirty="0" smtClean="0"/>
+                <a:t>Model-Driven Design</a:t>
+              </a:r>
+              <a:endParaRPr lang="en-US" sz="1600" b="1" dirty="0"/>
+            </a:p>
+          </p:txBody>
+        </p:sp>
+        <p:sp>
+          <p:nvSpPr>
+            <p:cNvPr id="6" name="Oval 5"/>
+            <p:cNvSpPr/>
+            <p:nvPr/>
+          </p:nvSpPr>
+          <p:spPr>
+            <a:xfrm>
+              <a:off x="1752600" y="990600"/>
+              <a:ext cx="1920240" cy="990600"/>
+            </a:xfrm>
+            <a:prstGeom prst="ellipse">
+              <a:avLst/>
+            </a:prstGeom>
+          </p:spPr>
+          <p:style>
+            <a:lnRef idx="2">
+              <a:schemeClr val="accent1">
+                <a:shade val="50000"/>
+              </a:schemeClr>
+            </a:lnRef>
+            <a:fillRef idx="1">
+              <a:schemeClr val="accent1"/>
+            </a:fillRef>
+            <a:effectRef idx="0">
+              <a:schemeClr val="accent1"/>
+            </a:effectRef>
+            <a:fontRef idx="minor">
+              <a:schemeClr val="lt1"/>
+            </a:fontRef>
+          </p:style>
+          <p:txBody>
+            <a:bodyPr rtlCol="0" anchor="ctr"/>
+            <a:lstStyle/>
+            <a:p>
+              <a:pPr algn="ctr"/>
+              <a:r>
+                <a:rPr lang="en-US" dirty="0" smtClean="0"/>
+                <a:t>Services</a:t>
+              </a:r>
+              <a:endParaRPr lang="en-US" dirty="0"/>
+            </a:p>
+          </p:txBody>
+        </p:sp>
+        <p:sp>
+          <p:nvSpPr>
+            <p:cNvPr id="8" name="Oval 7"/>
+            <p:cNvSpPr/>
+            <p:nvPr/>
+          </p:nvSpPr>
+          <p:spPr>
+            <a:xfrm>
+              <a:off x="3733800" y="2057400"/>
+              <a:ext cx="1920240" cy="990600"/>
+            </a:xfrm>
+            <a:prstGeom prst="ellipse">
+              <a:avLst/>
+            </a:prstGeom>
+          </p:spPr>
+          <p:style>
+            <a:lnRef idx="2">
+              <a:schemeClr val="accent1">
+                <a:shade val="50000"/>
+              </a:schemeClr>
+            </a:lnRef>
+            <a:fillRef idx="1">
+              <a:schemeClr val="accent1"/>
+            </a:fillRef>
+            <a:effectRef idx="0">
+              <a:schemeClr val="accent1"/>
+            </a:effectRef>
+            <a:fontRef idx="minor">
+              <a:schemeClr val="lt1"/>
+            </a:fontRef>
+          </p:style>
+          <p:txBody>
+            <a:bodyPr rtlCol="0" anchor="ctr"/>
+            <a:lstStyle/>
+            <a:p>
+              <a:pPr algn="ctr"/>
+              <a:r>
+                <a:rPr lang="en-US" dirty="0" smtClean="0"/>
+                <a:t>Entities</a:t>
+              </a:r>
+              <a:endParaRPr lang="en-US" dirty="0"/>
+            </a:p>
+          </p:txBody>
+        </p:sp>
+        <p:grpSp>
+          <p:nvGrpSpPr>
+            <p:cNvPr id="17" name="Group 16"/>
+            <p:cNvGrpSpPr/>
+            <p:nvPr/>
+          </p:nvGrpSpPr>
+          <p:grpSpPr>
+            <a:xfrm>
+              <a:off x="3733800" y="3581400"/>
+              <a:ext cx="1920240" cy="990600"/>
+              <a:chOff x="3733800" y="3581400"/>
+              <a:chExt cx="1920240" cy="990600"/>
+            </a:xfrm>
+          </p:grpSpPr>
+          <p:sp>
+            <p:nvSpPr>
+              <p:cNvPr id="10" name="Oval 9"/>
+              <p:cNvSpPr/>
+              <p:nvPr/>
+            </p:nvSpPr>
+            <p:spPr>
+              <a:xfrm>
+                <a:off x="3733800" y="3581400"/>
+                <a:ext cx="1920240" cy="990600"/>
+              </a:xfrm>
+              <a:prstGeom prst="ellipse">
+                <a:avLst/>
+              </a:prstGeom>
+            </p:spPr>
+            <p:style>
+              <a:lnRef idx="2">
+                <a:schemeClr val="accent1">
+                  <a:shade val="50000"/>
+                </a:schemeClr>
+              </a:lnRef>
+              <a:fillRef idx="1">
+                <a:schemeClr val="accent1"/>
+              </a:fillRef>
+              <a:effectRef idx="0">
+                <a:schemeClr val="accent1"/>
+              </a:effectRef>
+              <a:fontRef idx="minor">
+                <a:schemeClr val="lt1"/>
+              </a:fontRef>
+            </p:style>
+            <p:txBody>
+              <a:bodyPr rtlCol="0" anchor="ctr"/>
+              <a:lstStyle/>
+              <a:p>
+                <a:pPr algn="ctr"/>
+                <a:endParaRPr lang="en-US" dirty="0"/>
+              </a:p>
+            </p:txBody>
+          </p:sp>
+          <p:sp>
+            <p:nvSpPr>
+              <p:cNvPr id="11" name="TextBox 10"/>
+              <p:cNvSpPr txBox="1"/>
+              <p:nvPr/>
+            </p:nvSpPr>
+            <p:spPr>
+              <a:xfrm>
+                <a:off x="3962400" y="3886200"/>
+                <a:ext cx="1465466" cy="369332"/>
+              </a:xfrm>
+              <a:prstGeom prst="rect">
+                <a:avLst/>
+              </a:prstGeom>
+              <a:noFill/>
+            </p:spPr>
+            <p:txBody>
+              <a:bodyPr wrap="none" rtlCol="0">
+                <a:spAutoFit/>
+              </a:bodyPr>
+              <a:lstStyle/>
+              <a:p>
+                <a:r>
+                  <a:rPr lang="en-US" dirty="0" smtClean="0">
+                    <a:solidFill>
+                      <a:schemeClr val="bg1"/>
+                    </a:solidFill>
+                  </a:rPr>
+                  <a:t>Value Objects</a:t>
+                </a:r>
+                <a:endParaRPr lang="en-US" dirty="0">
+                  <a:solidFill>
+                    <a:schemeClr val="bg1"/>
+                  </a:solidFill>
+                </a:endParaRPr>
+              </a:p>
+            </p:txBody>
+          </p:sp>
+        </p:grpSp>
+        <p:sp>
+          <p:nvSpPr>
+            <p:cNvPr id="12" name="Oval 11"/>
+            <p:cNvSpPr/>
+            <p:nvPr/>
+          </p:nvSpPr>
+          <p:spPr>
+            <a:xfrm>
+              <a:off x="2514600" y="5029200"/>
+              <a:ext cx="1920240" cy="990600"/>
+            </a:xfrm>
+            <a:prstGeom prst="ellipse">
+              <a:avLst/>
+            </a:prstGeom>
+          </p:spPr>
+          <p:style>
+            <a:lnRef idx="2">
+              <a:schemeClr val="accent1">
+                <a:shade val="50000"/>
+              </a:schemeClr>
+            </a:lnRef>
+            <a:fillRef idx="1">
+              <a:schemeClr val="accent1"/>
+            </a:fillRef>
+            <a:effectRef idx="0">
+              <a:schemeClr val="accent1"/>
+            </a:effectRef>
+            <a:fontRef idx="minor">
+              <a:schemeClr val="lt1"/>
+            </a:fontRef>
+          </p:style>
+          <p:txBody>
+            <a:bodyPr rtlCol="0" anchor="ctr"/>
+            <a:lstStyle/>
+            <a:p>
+              <a:pPr algn="ctr"/>
+              <a:r>
+                <a:rPr lang="en-US" dirty="0" smtClean="0"/>
+                <a:t>Layered</a:t>
+              </a:r>
+            </a:p>
+            <a:p>
+              <a:pPr algn="ctr"/>
+              <a:r>
+                <a:rPr lang="en-US" dirty="0" smtClean="0"/>
+                <a:t>Architecture</a:t>
+              </a:r>
+              <a:endParaRPr lang="en-US" dirty="0"/>
+            </a:p>
+          </p:txBody>
+        </p:sp>
+        <p:sp>
+          <p:nvSpPr>
+            <p:cNvPr id="13" name="Oval 12"/>
+            <p:cNvSpPr/>
+            <p:nvPr/>
+          </p:nvSpPr>
+          <p:spPr>
+            <a:xfrm>
+              <a:off x="228600" y="5638800"/>
+              <a:ext cx="1920240" cy="990600"/>
+            </a:xfrm>
+            <a:prstGeom prst="ellipse">
+              <a:avLst/>
+            </a:prstGeom>
+          </p:spPr>
+          <p:style>
+            <a:lnRef idx="2">
+              <a:schemeClr val="accent1">
+                <a:shade val="50000"/>
+              </a:schemeClr>
+            </a:lnRef>
+            <a:fillRef idx="1">
+              <a:schemeClr val="accent1"/>
+            </a:fillRef>
+            <a:effectRef idx="0">
+              <a:schemeClr val="accent1"/>
+            </a:effectRef>
+            <a:fontRef idx="minor">
+              <a:schemeClr val="lt1"/>
+            </a:fontRef>
+          </p:style>
+          <p:txBody>
+            <a:bodyPr rtlCol="0" anchor="ctr"/>
+            <a:lstStyle/>
+            <a:p>
+              <a:pPr algn="ctr"/>
+              <a:r>
+                <a:rPr lang="en-US" dirty="0" smtClean="0"/>
+                <a:t>Smart UI</a:t>
+              </a:r>
+              <a:endParaRPr lang="en-US" dirty="0"/>
+            </a:p>
+          </p:txBody>
+        </p:sp>
+        <p:sp>
+          <p:nvSpPr>
+            <p:cNvPr id="14" name="Oval 13"/>
+            <p:cNvSpPr/>
+            <p:nvPr/>
+          </p:nvSpPr>
+          <p:spPr>
+            <a:xfrm>
+              <a:off x="6553200" y="838200"/>
+              <a:ext cx="1920240" cy="990600"/>
+            </a:xfrm>
+            <a:prstGeom prst="ellipse">
+              <a:avLst/>
+            </a:prstGeom>
+          </p:spPr>
+          <p:style>
+            <a:lnRef idx="2">
+              <a:schemeClr val="accent1">
+                <a:shade val="50000"/>
+              </a:schemeClr>
+            </a:lnRef>
+            <a:fillRef idx="1">
+              <a:schemeClr val="accent1"/>
+            </a:fillRef>
+            <a:effectRef idx="0">
+              <a:schemeClr val="accent1"/>
+            </a:effectRef>
+            <a:fontRef idx="minor">
+              <a:schemeClr val="lt1"/>
+            </a:fontRef>
+          </p:style>
+          <p:txBody>
+            <a:bodyPr rtlCol="0" anchor="ctr"/>
+            <a:lstStyle/>
+            <a:p>
+              <a:pPr algn="ctr"/>
+              <a:r>
+                <a:rPr lang="en-US" dirty="0" smtClean="0"/>
+                <a:t>Repository</a:t>
+              </a:r>
+              <a:endParaRPr lang="en-US" dirty="0"/>
+            </a:p>
+          </p:txBody>
+        </p:sp>
+        <p:sp>
+          <p:nvSpPr>
+            <p:cNvPr id="15" name="Oval 14"/>
+            <p:cNvSpPr/>
+            <p:nvPr/>
+          </p:nvSpPr>
+          <p:spPr>
+            <a:xfrm>
+              <a:off x="7086600" y="2895600"/>
+              <a:ext cx="1920240" cy="990600"/>
+            </a:xfrm>
+            <a:prstGeom prst="ellipse">
+              <a:avLst/>
+            </a:prstGeom>
+          </p:spPr>
+          <p:style>
+            <a:lnRef idx="2">
+              <a:schemeClr val="accent1">
+                <a:shade val="50000"/>
+              </a:schemeClr>
+            </a:lnRef>
+            <a:fillRef idx="1">
+              <a:schemeClr val="accent1"/>
+            </a:fillRef>
+            <a:effectRef idx="0">
+              <a:schemeClr val="accent1"/>
+            </a:effectRef>
+            <a:fontRef idx="minor">
+              <a:schemeClr val="lt1"/>
+            </a:fontRef>
+          </p:style>
+          <p:txBody>
+            <a:bodyPr rtlCol="0" anchor="ctr"/>
+            <a:lstStyle/>
+            <a:p>
+              <a:pPr algn="ctr"/>
+              <a:r>
+                <a:rPr lang="en-US" dirty="0" smtClean="0"/>
+                <a:t>Aggregates</a:t>
+              </a:r>
+              <a:endParaRPr lang="en-US" dirty="0"/>
+            </a:p>
+          </p:txBody>
+        </p:sp>
+        <p:sp>
+          <p:nvSpPr>
+            <p:cNvPr id="16" name="Oval 15"/>
+            <p:cNvSpPr/>
+            <p:nvPr/>
+          </p:nvSpPr>
+          <p:spPr>
+            <a:xfrm>
+              <a:off x="6629400" y="5181600"/>
+              <a:ext cx="1920240" cy="990600"/>
+            </a:xfrm>
+            <a:prstGeom prst="ellipse">
+              <a:avLst/>
+            </a:prstGeom>
+          </p:spPr>
+          <p:style>
+            <a:lnRef idx="2">
+              <a:schemeClr val="accent1">
+                <a:shade val="50000"/>
+              </a:schemeClr>
+            </a:lnRef>
+            <a:fillRef idx="1">
+              <a:schemeClr val="accent1"/>
+            </a:fillRef>
+            <a:effectRef idx="0">
+              <a:schemeClr val="accent1"/>
+            </a:effectRef>
+            <a:fontRef idx="minor">
+              <a:schemeClr val="lt1"/>
+            </a:fontRef>
+          </p:style>
+          <p:txBody>
+            <a:bodyPr rtlCol="0" anchor="ctr"/>
+            <a:lstStyle/>
+            <a:p>
+              <a:pPr algn="ctr"/>
+              <a:r>
+                <a:rPr lang="en-US" dirty="0" smtClean="0"/>
+                <a:t>Factories</a:t>
+              </a:r>
+              <a:endParaRPr lang="en-US" dirty="0"/>
+            </a:p>
+          </p:txBody>
+        </p:sp>
+        <p:cxnSp>
+          <p:nvCxnSpPr>
+            <p:cNvPr id="21" name="Curved Connector 20"/>
+            <p:cNvCxnSpPr>
+              <a:stCxn id="4" idx="0"/>
+              <a:endCxn id="6" idx="4"/>
+            </p:cNvCxnSpPr>
+            <p:nvPr/>
+          </p:nvCxnSpPr>
+          <p:spPr>
+            <a:xfrm rot="5400000" flipH="1" flipV="1">
+              <a:off x="1318260" y="1805940"/>
+              <a:ext cx="1219200" cy="1569720"/>
+            </a:xfrm>
+            <a:prstGeom prst="curvedConnector3">
+              <a:avLst>
+                <a:gd name="adj1" fmla="val 74324"/>
+              </a:avLst>
+            </a:prstGeom>
+            <a:ln>
+              <a:tailEnd type="arrow"/>
+            </a:ln>
+          </p:spPr>
+          <p:style>
+            <a:lnRef idx="1">
+              <a:schemeClr val="accent1"/>
+            </a:lnRef>
+            <a:fillRef idx="0">
+              <a:schemeClr val="accent1"/>
+            </a:fillRef>
+            <a:effectRef idx="0">
+              <a:schemeClr val="accent1"/>
+            </a:effectRef>
+            <a:fontRef idx="minor">
+              <a:schemeClr val="tx1"/>
+            </a:fontRef>
+          </p:style>
+        </p:cxnSp>
+        <p:cxnSp>
+          <p:nvCxnSpPr>
+            <p:cNvPr id="23" name="Shape 22"/>
+            <p:cNvCxnSpPr>
+              <a:stCxn id="4" idx="7"/>
+              <a:endCxn id="8" idx="2"/>
+            </p:cNvCxnSpPr>
+            <p:nvPr/>
+          </p:nvCxnSpPr>
+          <p:spPr>
+            <a:xfrm rot="5400000" flipH="1" flipV="1">
+              <a:off x="2392245" y="2003915"/>
+              <a:ext cx="792770" cy="1890340"/>
+            </a:xfrm>
+            <a:prstGeom prst="curvedConnector2">
+              <a:avLst/>
+            </a:prstGeom>
+            <a:ln>
+              <a:tailEnd type="arrow"/>
+            </a:ln>
+          </p:spPr>
+          <p:style>
+            <a:lnRef idx="1">
+              <a:schemeClr val="accent1"/>
+            </a:lnRef>
+            <a:fillRef idx="0">
+              <a:schemeClr val="accent1"/>
+            </a:fillRef>
+            <a:effectRef idx="0">
+              <a:schemeClr val="accent1"/>
+            </a:effectRef>
+            <a:fontRef idx="minor">
+              <a:schemeClr val="tx1"/>
+            </a:fontRef>
+          </p:style>
+        </p:cxnSp>
+        <p:cxnSp>
+          <p:nvCxnSpPr>
+            <p:cNvPr id="25" name="Curved Connector 24"/>
+            <p:cNvCxnSpPr>
+              <a:stCxn id="4" idx="6"/>
+              <a:endCxn id="10" idx="2"/>
+            </p:cNvCxnSpPr>
+            <p:nvPr/>
+          </p:nvCxnSpPr>
+          <p:spPr>
+            <a:xfrm>
+              <a:off x="2133600" y="3695700"/>
+              <a:ext cx="1600200" cy="381000"/>
+            </a:xfrm>
+            <a:prstGeom prst="curvedConnector3">
+              <a:avLst>
+                <a:gd name="adj1" fmla="val 42278"/>
+              </a:avLst>
+            </a:prstGeom>
+            <a:ln>
+              <a:tailEnd type="arrow"/>
+            </a:ln>
+          </p:spPr>
+          <p:style>
+            <a:lnRef idx="1">
+              <a:schemeClr val="accent1"/>
+            </a:lnRef>
+            <a:fillRef idx="0">
+              <a:schemeClr val="accent1"/>
+            </a:fillRef>
+            <a:effectRef idx="0">
+              <a:schemeClr val="accent1"/>
+            </a:effectRef>
+            <a:fontRef idx="minor">
+              <a:schemeClr val="tx1"/>
+            </a:fontRef>
+          </p:style>
+        </p:cxnSp>
+        <p:cxnSp>
+          <p:nvCxnSpPr>
+            <p:cNvPr id="27" name="Curved Connector 26"/>
+            <p:cNvCxnSpPr>
+              <a:stCxn id="4" idx="5"/>
+              <a:endCxn id="12" idx="0"/>
+            </p:cNvCxnSpPr>
+            <p:nvPr/>
+          </p:nvCxnSpPr>
+          <p:spPr>
+            <a:xfrm rot="16200000" flipH="1">
+              <a:off x="2167455" y="3721935"/>
+              <a:ext cx="983270" cy="1631260"/>
+            </a:xfrm>
+            <a:prstGeom prst="curvedConnector3">
+              <a:avLst>
+                <a:gd name="adj1" fmla="val 73877"/>
+              </a:avLst>
+            </a:prstGeom>
+            <a:ln>
+              <a:tailEnd type="arrow"/>
+            </a:ln>
+          </p:spPr>
+          <p:style>
+            <a:lnRef idx="1">
+              <a:schemeClr val="accent1"/>
+            </a:lnRef>
+            <a:fillRef idx="0">
+              <a:schemeClr val="accent1"/>
+            </a:fillRef>
+            <a:effectRef idx="0">
+              <a:schemeClr val="accent1"/>
+            </a:effectRef>
+            <a:fontRef idx="minor">
+              <a:schemeClr val="tx1"/>
+            </a:fontRef>
+          </p:style>
+        </p:cxnSp>
+        <p:cxnSp>
+          <p:nvCxnSpPr>
+            <p:cNvPr id="32" name="Straight Arrow Connector 31"/>
+            <p:cNvCxnSpPr>
+              <a:stCxn id="4" idx="4"/>
+              <a:endCxn id="13" idx="0"/>
+            </p:cNvCxnSpPr>
+            <p:nvPr/>
+          </p:nvCxnSpPr>
+          <p:spPr>
+            <a:xfrm rot="16200000" flipH="1">
+              <a:off x="441960" y="4892040"/>
+              <a:ext cx="1447800" cy="45720"/>
+            </a:xfrm>
+            <a:prstGeom prst="straightConnector1">
+              <a:avLst/>
+            </a:prstGeom>
+            <a:ln>
+              <a:tailEnd type="arrow"/>
+            </a:ln>
+          </p:spPr>
+          <p:style>
+            <a:lnRef idx="1">
+              <a:schemeClr val="accent1"/>
+            </a:lnRef>
+            <a:fillRef idx="0">
+              <a:schemeClr val="accent1"/>
+            </a:fillRef>
+            <a:effectRef idx="0">
+              <a:schemeClr val="accent1"/>
+            </a:effectRef>
+            <a:fontRef idx="minor">
+              <a:schemeClr val="tx1"/>
+            </a:fontRef>
+          </p:style>
+        </p:cxnSp>
+        <p:cxnSp>
+          <p:nvCxnSpPr>
+            <p:cNvPr id="35" name="Shape 34"/>
+            <p:cNvCxnSpPr>
+              <a:stCxn id="8" idx="0"/>
+              <a:endCxn id="14" idx="2"/>
+            </p:cNvCxnSpPr>
+            <p:nvPr/>
+          </p:nvCxnSpPr>
+          <p:spPr>
+            <a:xfrm rot="5400000" flipH="1" flipV="1">
+              <a:off x="5261610" y="765810"/>
+              <a:ext cx="723900" cy="1859280"/>
+            </a:xfrm>
+            <a:prstGeom prst="curvedConnector2">
+              <a:avLst/>
+            </a:prstGeom>
+            <a:ln>
+              <a:tailEnd type="arrow"/>
+            </a:ln>
+          </p:spPr>
+          <p:style>
+            <a:lnRef idx="1">
+              <a:schemeClr val="accent1"/>
+            </a:lnRef>
+            <a:fillRef idx="0">
+              <a:schemeClr val="accent1"/>
+            </a:fillRef>
+            <a:effectRef idx="0">
+              <a:schemeClr val="accent1"/>
+            </a:effectRef>
+            <a:fontRef idx="minor">
+              <a:schemeClr val="tx1"/>
+            </a:fontRef>
+          </p:style>
+        </p:cxnSp>
+        <p:cxnSp>
+          <p:nvCxnSpPr>
+            <p:cNvPr id="37" name="Curved Connector 36"/>
+            <p:cNvCxnSpPr>
+              <a:stCxn id="8" idx="7"/>
+              <a:endCxn id="15" idx="0"/>
+            </p:cNvCxnSpPr>
+            <p:nvPr/>
+          </p:nvCxnSpPr>
+          <p:spPr>
+            <a:xfrm rot="16200000" flipH="1">
+              <a:off x="6363208" y="1212089"/>
+              <a:ext cx="693130" cy="2673893"/>
+            </a:xfrm>
+            <a:prstGeom prst="curvedConnector3">
+              <a:avLst>
+                <a:gd name="adj1" fmla="val 10268"/>
+              </a:avLst>
+            </a:prstGeom>
+            <a:ln>
+              <a:tailEnd type="arrow"/>
+            </a:ln>
+          </p:spPr>
+          <p:style>
+            <a:lnRef idx="1">
+              <a:schemeClr val="accent1"/>
+            </a:lnRef>
+            <a:fillRef idx="0">
+              <a:schemeClr val="accent1"/>
+            </a:fillRef>
+            <a:effectRef idx="0">
+              <a:schemeClr val="accent1"/>
+            </a:effectRef>
+            <a:fontRef idx="minor">
+              <a:schemeClr val="tx1"/>
+            </a:fontRef>
+          </p:style>
+        </p:cxnSp>
+        <p:cxnSp>
+          <p:nvCxnSpPr>
+            <p:cNvPr id="40" name="Curved Connector 39"/>
+            <p:cNvCxnSpPr>
+              <a:stCxn id="8" idx="6"/>
+              <a:endCxn id="15" idx="2"/>
+            </p:cNvCxnSpPr>
+            <p:nvPr/>
+          </p:nvCxnSpPr>
+          <p:spPr>
+            <a:xfrm>
+              <a:off x="5654040" y="2552700"/>
+              <a:ext cx="1432560" cy="838200"/>
+            </a:xfrm>
+            <a:prstGeom prst="curvedConnector3">
+              <a:avLst>
+                <a:gd name="adj1" fmla="val 50000"/>
+              </a:avLst>
+            </a:prstGeom>
+            <a:ln>
+              <a:tailEnd type="arrow"/>
+            </a:ln>
+          </p:spPr>
+          <p:style>
+            <a:lnRef idx="1">
+              <a:schemeClr val="accent1"/>
+            </a:lnRef>
+            <a:fillRef idx="0">
+              <a:schemeClr val="accent1"/>
+            </a:fillRef>
+            <a:effectRef idx="0">
+              <a:schemeClr val="accent1"/>
+            </a:effectRef>
+            <a:fontRef idx="minor">
+              <a:schemeClr val="tx1"/>
+            </a:fontRef>
+          </p:style>
+        </p:cxnSp>
+        <p:cxnSp>
+          <p:nvCxnSpPr>
+            <p:cNvPr id="47" name="Shape 46"/>
+            <p:cNvCxnSpPr>
+              <a:stCxn id="10" idx="6"/>
+              <a:endCxn id="15" idx="3"/>
+            </p:cNvCxnSpPr>
+            <p:nvPr/>
+          </p:nvCxnSpPr>
+          <p:spPr>
+            <a:xfrm flipV="1">
+              <a:off x="5654040" y="3741130"/>
+              <a:ext cx="1713773" cy="335570"/>
+            </a:xfrm>
+            <a:prstGeom prst="curvedConnector2">
+              <a:avLst/>
+            </a:prstGeom>
+            <a:ln>
+              <a:tailEnd type="arrow"/>
+            </a:ln>
+          </p:spPr>
+          <p:style>
+            <a:lnRef idx="1">
+              <a:schemeClr val="accent1"/>
+            </a:lnRef>
+            <a:fillRef idx="0">
+              <a:schemeClr val="accent1"/>
+            </a:fillRef>
+            <a:effectRef idx="0">
+              <a:schemeClr val="accent1"/>
+            </a:effectRef>
+            <a:fontRef idx="minor">
+              <a:schemeClr val="tx1"/>
+            </a:fontRef>
+          </p:style>
+        </p:cxnSp>
+        <p:cxnSp>
+          <p:nvCxnSpPr>
+            <p:cNvPr id="52" name="Curved Connector 51"/>
+            <p:cNvCxnSpPr>
+              <a:stCxn id="8" idx="5"/>
+              <a:endCxn id="16" idx="0"/>
+            </p:cNvCxnSpPr>
+            <p:nvPr/>
+          </p:nvCxnSpPr>
+          <p:spPr>
+            <a:xfrm rot="16200000" flipH="1">
+              <a:off x="5341838" y="2933918"/>
+              <a:ext cx="2278670" cy="2216693"/>
+            </a:xfrm>
+            <a:prstGeom prst="curvedConnector3">
+              <a:avLst>
+                <a:gd name="adj1" fmla="val 61930"/>
+              </a:avLst>
+            </a:prstGeom>
+            <a:ln>
+              <a:tailEnd type="arrow"/>
+            </a:ln>
+          </p:spPr>
+          <p:style>
+            <a:lnRef idx="1">
+              <a:schemeClr val="accent1"/>
+            </a:lnRef>
+            <a:fillRef idx="0">
+              <a:schemeClr val="accent1"/>
+            </a:fillRef>
+            <a:effectRef idx="0">
+              <a:schemeClr val="accent1"/>
+            </a:effectRef>
+            <a:fontRef idx="minor">
+              <a:schemeClr val="tx1"/>
+            </a:fontRef>
+          </p:style>
+        </p:cxnSp>
+        <p:cxnSp>
+          <p:nvCxnSpPr>
+            <p:cNvPr id="55" name="Curved Connector 54"/>
+            <p:cNvCxnSpPr>
+              <a:stCxn id="15" idx="4"/>
+              <a:endCxn id="16" idx="7"/>
+            </p:cNvCxnSpPr>
+            <p:nvPr/>
+          </p:nvCxnSpPr>
+          <p:spPr>
+            <a:xfrm rot="16200000" flipH="1">
+              <a:off x="7437338" y="4495581"/>
+              <a:ext cx="1440470" cy="221707"/>
+            </a:xfrm>
+            <a:prstGeom prst="curvedConnector3">
+              <a:avLst>
+                <a:gd name="adj1" fmla="val 31127"/>
+              </a:avLst>
+            </a:prstGeom>
+            <a:ln>
+              <a:tailEnd type="arrow"/>
+            </a:ln>
+          </p:spPr>
+          <p:style>
+            <a:lnRef idx="1">
+              <a:schemeClr val="accent1"/>
+            </a:lnRef>
+            <a:fillRef idx="0">
+              <a:schemeClr val="accent1"/>
+            </a:fillRef>
+            <a:effectRef idx="0">
+              <a:schemeClr val="accent1"/>
+            </a:effectRef>
+            <a:fontRef idx="minor">
+              <a:schemeClr val="tx1"/>
+            </a:fontRef>
+          </p:style>
+        </p:cxnSp>
+        <p:cxnSp>
+          <p:nvCxnSpPr>
+            <p:cNvPr id="61" name="Shape 60"/>
+            <p:cNvCxnSpPr>
+              <a:stCxn id="10" idx="4"/>
+              <a:endCxn id="16" idx="2"/>
+            </p:cNvCxnSpPr>
+            <p:nvPr/>
+          </p:nvCxnSpPr>
+          <p:spPr>
+            <a:xfrm rot="16200000" flipH="1">
+              <a:off x="5109210" y="4156710"/>
+              <a:ext cx="1104900" cy="1935480"/>
+            </a:xfrm>
+            <a:prstGeom prst="curvedConnector2">
+              <a:avLst/>
+            </a:prstGeom>
+            <a:ln>
+              <a:tailEnd type="arrow"/>
+            </a:ln>
+          </p:spPr>
+          <p:style>
+            <a:lnRef idx="1">
+              <a:schemeClr val="accent1"/>
+            </a:lnRef>
+            <a:fillRef idx="0">
+              <a:schemeClr val="accent1"/>
+            </a:fillRef>
+            <a:effectRef idx="0">
+              <a:schemeClr val="accent1"/>
+            </a:effectRef>
+            <a:fontRef idx="minor">
+              <a:schemeClr val="tx1"/>
+            </a:fontRef>
+          </p:style>
+        </p:cxnSp>
+        <p:cxnSp>
+          <p:nvCxnSpPr>
+            <p:cNvPr id="63" name="Shape 62"/>
+            <p:cNvCxnSpPr>
+              <a:stCxn id="15" idx="7"/>
+              <a:endCxn id="14" idx="6"/>
+            </p:cNvCxnSpPr>
+            <p:nvPr/>
+          </p:nvCxnSpPr>
+          <p:spPr>
+            <a:xfrm rot="16200000" flipV="1">
+              <a:off x="7745949" y="2060991"/>
+              <a:ext cx="1707170" cy="252187"/>
+            </a:xfrm>
+            <a:prstGeom prst="curvedConnector2">
+              <a:avLst/>
+            </a:prstGeom>
+            <a:ln>
+              <a:tailEnd type="arrow"/>
+            </a:ln>
+          </p:spPr>
+          <p:style>
+            <a:lnRef idx="1">
+              <a:schemeClr val="accent1"/>
+            </a:lnRef>
+            <a:fillRef idx="0">
+              <a:schemeClr val="accent1"/>
+            </a:fillRef>
+            <a:effectRef idx="0">
+              <a:schemeClr val="accent1"/>
+            </a:effectRef>
+            <a:fontRef idx="minor">
+              <a:schemeClr val="tx1"/>
+            </a:fontRef>
+          </p:style>
+        </p:cxnSp>
+        <p:sp>
+          <p:nvSpPr>
+            <p:cNvPr id="64" name="TextBox 63"/>
+            <p:cNvSpPr txBox="1"/>
+            <p:nvPr/>
+          </p:nvSpPr>
+          <p:spPr>
+            <a:xfrm>
+              <a:off x="762000" y="2286000"/>
+              <a:ext cx="1636602" cy="307777"/>
+            </a:xfrm>
+            <a:prstGeom prst="rect">
+              <a:avLst/>
+            </a:prstGeom>
+            <a:noFill/>
+          </p:spPr>
+          <p:txBody>
+            <a:bodyPr wrap="none" rtlCol="0">
+              <a:spAutoFit/>
+            </a:bodyPr>
+            <a:lstStyle/>
+            <a:p>
+              <a:r>
+                <a:rPr lang="en-US" sz="1400" b="1" dirty="0" smtClean="0">
+                  <a:solidFill>
+                    <a:schemeClr val="bg1">
+                      <a:lumMod val="50000"/>
+                    </a:schemeClr>
+                  </a:solidFill>
+                </a:rPr>
+                <a:t>Express model with</a:t>
+              </a:r>
+              <a:endParaRPr lang="en-US" sz="1400" b="1" dirty="0">
+                <a:solidFill>
+                  <a:schemeClr val="bg1">
+                    <a:lumMod val="50000"/>
+                  </a:schemeClr>
+                </a:solidFill>
+              </a:endParaRPr>
+            </a:p>
+          </p:txBody>
+        </p:sp>
+        <p:sp>
+          <p:nvSpPr>
+            <p:cNvPr id="65" name="TextBox 64"/>
+            <p:cNvSpPr txBox="1"/>
+            <p:nvPr/>
+          </p:nvSpPr>
+          <p:spPr>
+            <a:xfrm>
+              <a:off x="2057400" y="2590800"/>
+              <a:ext cx="1636602" cy="307777"/>
+            </a:xfrm>
+            <a:prstGeom prst="rect">
+              <a:avLst/>
+            </a:prstGeom>
+            <a:noFill/>
+          </p:spPr>
+          <p:txBody>
+            <a:bodyPr wrap="none" rtlCol="0">
+              <a:spAutoFit/>
+            </a:bodyPr>
+            <a:lstStyle/>
+            <a:p>
+              <a:r>
+                <a:rPr lang="en-US" sz="1400" b="1" dirty="0" smtClean="0">
+                  <a:solidFill>
+                    <a:schemeClr val="bg1">
+                      <a:lumMod val="50000"/>
+                    </a:schemeClr>
+                  </a:solidFill>
+                </a:rPr>
+                <a:t>Express model with</a:t>
+              </a:r>
+              <a:endParaRPr lang="en-US" sz="1400" b="1" dirty="0">
+                <a:solidFill>
+                  <a:schemeClr val="bg1">
+                    <a:lumMod val="50000"/>
+                  </a:schemeClr>
+                </a:solidFill>
+              </a:endParaRPr>
+            </a:p>
+          </p:txBody>
+        </p:sp>
+        <p:sp>
+          <p:nvSpPr>
+            <p:cNvPr id="66" name="TextBox 65"/>
+            <p:cNvSpPr txBox="1"/>
+            <p:nvPr/>
+          </p:nvSpPr>
+          <p:spPr>
+            <a:xfrm>
+              <a:off x="2133600" y="3505200"/>
+              <a:ext cx="1636602" cy="307777"/>
+            </a:xfrm>
+            <a:prstGeom prst="rect">
+              <a:avLst/>
+            </a:prstGeom>
+            <a:noFill/>
+          </p:spPr>
+          <p:txBody>
+            <a:bodyPr wrap="none" rtlCol="0">
+              <a:spAutoFit/>
+            </a:bodyPr>
+            <a:lstStyle/>
+            <a:p>
+              <a:r>
+                <a:rPr lang="en-US" sz="1400" b="1" dirty="0" smtClean="0">
+                  <a:solidFill>
+                    <a:schemeClr val="bg1">
+                      <a:lumMod val="50000"/>
+                    </a:schemeClr>
+                  </a:solidFill>
+                </a:rPr>
+                <a:t>Express model with</a:t>
+              </a:r>
+              <a:endParaRPr lang="en-US" sz="1400" b="1" dirty="0">
+                <a:solidFill>
+                  <a:schemeClr val="bg1">
+                    <a:lumMod val="50000"/>
+                  </a:schemeClr>
+                </a:solidFill>
+              </a:endParaRPr>
+            </a:p>
+          </p:txBody>
+        </p:sp>
+        <p:sp>
+          <p:nvSpPr>
+            <p:cNvPr id="69" name="TextBox 68"/>
+            <p:cNvSpPr txBox="1"/>
+            <p:nvPr/>
+          </p:nvSpPr>
+          <p:spPr>
+            <a:xfrm>
+              <a:off x="1752600" y="4419600"/>
+              <a:ext cx="1666803" cy="307777"/>
+            </a:xfrm>
+            <a:prstGeom prst="rect">
+              <a:avLst/>
+            </a:prstGeom>
+            <a:noFill/>
+          </p:spPr>
+          <p:txBody>
+            <a:bodyPr wrap="none" rtlCol="0">
+              <a:spAutoFit/>
+            </a:bodyPr>
+            <a:lstStyle/>
+            <a:p>
+              <a:r>
+                <a:rPr lang="en-US" sz="1400" b="1" dirty="0" smtClean="0">
+                  <a:solidFill>
+                    <a:srgbClr val="7030A0"/>
+                  </a:solidFill>
+                </a:rPr>
+                <a:t>Isolate domain with</a:t>
+              </a:r>
+              <a:endParaRPr lang="en-US" sz="1400" b="1" dirty="0">
+                <a:solidFill>
+                  <a:srgbClr val="7030A0"/>
+                </a:solidFill>
+              </a:endParaRPr>
+            </a:p>
+          </p:txBody>
+        </p:sp>
+        <p:sp>
+          <p:nvSpPr>
+            <p:cNvPr id="70" name="TextBox 69"/>
+            <p:cNvSpPr txBox="1"/>
+            <p:nvPr/>
+          </p:nvSpPr>
+          <p:spPr>
+            <a:xfrm>
+              <a:off x="4953000" y="1143000"/>
+              <a:ext cx="1055097" cy="307777"/>
+            </a:xfrm>
+            <a:prstGeom prst="rect">
+              <a:avLst/>
+            </a:prstGeom>
+            <a:noFill/>
+          </p:spPr>
+          <p:txBody>
+            <a:bodyPr wrap="none" rtlCol="0">
+              <a:spAutoFit/>
+            </a:bodyPr>
+            <a:lstStyle/>
+            <a:p>
+              <a:r>
+                <a:rPr lang="en-US" sz="1400" b="1" dirty="0" smtClean="0">
+                  <a:solidFill>
+                    <a:srgbClr val="C00000"/>
+                  </a:solidFill>
+                </a:rPr>
+                <a:t>Access with</a:t>
+              </a:r>
+              <a:endParaRPr lang="en-US" sz="1400" b="1" dirty="0">
+                <a:solidFill>
+                  <a:srgbClr val="C00000"/>
+                </a:solidFill>
+              </a:endParaRPr>
+            </a:p>
+          </p:txBody>
+        </p:sp>
+        <p:sp>
+          <p:nvSpPr>
+            <p:cNvPr id="71" name="TextBox 70"/>
+            <p:cNvSpPr txBox="1"/>
+            <p:nvPr/>
+          </p:nvSpPr>
+          <p:spPr>
+            <a:xfrm>
+              <a:off x="8088903" y="1905000"/>
+              <a:ext cx="1055097" cy="307777"/>
+            </a:xfrm>
+            <a:prstGeom prst="rect">
+              <a:avLst/>
+            </a:prstGeom>
+            <a:noFill/>
+          </p:spPr>
+          <p:txBody>
+            <a:bodyPr wrap="none" rtlCol="0">
+              <a:spAutoFit/>
+            </a:bodyPr>
+            <a:lstStyle/>
+            <a:p>
+              <a:r>
+                <a:rPr lang="en-US" sz="1400" b="1" dirty="0" smtClean="0">
+                  <a:solidFill>
+                    <a:srgbClr val="C00000"/>
+                  </a:solidFill>
+                </a:rPr>
+                <a:t>Access with</a:t>
+              </a:r>
+              <a:endParaRPr lang="en-US" sz="1400" b="1" dirty="0">
+                <a:solidFill>
+                  <a:srgbClr val="C00000"/>
+                </a:solidFill>
+              </a:endParaRPr>
+            </a:p>
+          </p:txBody>
+        </p:sp>
+        <p:sp>
+          <p:nvSpPr>
+            <p:cNvPr id="72" name="TextBox 71"/>
+            <p:cNvSpPr txBox="1"/>
+            <p:nvPr/>
+          </p:nvSpPr>
+          <p:spPr>
+            <a:xfrm>
+              <a:off x="6248400" y="3886200"/>
+              <a:ext cx="1453283" cy="307777"/>
+            </a:xfrm>
+            <a:prstGeom prst="rect">
+              <a:avLst/>
+            </a:prstGeom>
+            <a:noFill/>
+          </p:spPr>
+          <p:txBody>
+            <a:bodyPr wrap="none" rtlCol="0">
+              <a:spAutoFit/>
+            </a:bodyPr>
+            <a:lstStyle/>
+            <a:p>
+              <a:r>
+                <a:rPr lang="en-US" sz="1400" b="1" dirty="0" smtClean="0">
+                  <a:solidFill>
+                    <a:schemeClr val="bg1">
+                      <a:lumMod val="50000"/>
+                    </a:schemeClr>
+                  </a:solidFill>
+                </a:rPr>
+                <a:t>Encapsulate with</a:t>
+              </a:r>
+              <a:endParaRPr lang="en-US" sz="1400" b="1" dirty="0">
+                <a:solidFill>
+                  <a:schemeClr val="bg1">
+                    <a:lumMod val="50000"/>
+                  </a:schemeClr>
+                </a:solidFill>
+              </a:endParaRPr>
+            </a:p>
+          </p:txBody>
+        </p:sp>
+        <p:sp>
+          <p:nvSpPr>
+            <p:cNvPr id="74" name="TextBox 73"/>
+            <p:cNvSpPr txBox="1"/>
+            <p:nvPr/>
+          </p:nvSpPr>
+          <p:spPr>
+            <a:xfrm>
+              <a:off x="6324600" y="4724400"/>
+              <a:ext cx="1453283" cy="307777"/>
+            </a:xfrm>
+            <a:prstGeom prst="rect">
+              <a:avLst/>
+            </a:prstGeom>
+            <a:noFill/>
+          </p:spPr>
+          <p:txBody>
+            <a:bodyPr wrap="none" rtlCol="0">
+              <a:spAutoFit/>
+            </a:bodyPr>
+            <a:lstStyle/>
+            <a:p>
+              <a:r>
+                <a:rPr lang="en-US" sz="1400" b="1" dirty="0" smtClean="0">
+                  <a:solidFill>
+                    <a:schemeClr val="bg1">
+                      <a:lumMod val="50000"/>
+                    </a:schemeClr>
+                  </a:solidFill>
+                </a:rPr>
+                <a:t>Encapsulate with</a:t>
+              </a:r>
+              <a:endParaRPr lang="en-US" sz="1400" b="1" dirty="0">
+                <a:solidFill>
+                  <a:schemeClr val="bg1">
+                    <a:lumMod val="50000"/>
+                  </a:schemeClr>
+                </a:solidFill>
+              </a:endParaRPr>
+            </a:p>
+          </p:txBody>
+        </p:sp>
+        <p:sp>
+          <p:nvSpPr>
+            <p:cNvPr id="75" name="TextBox 74"/>
+            <p:cNvSpPr txBox="1"/>
+            <p:nvPr/>
+          </p:nvSpPr>
+          <p:spPr>
+            <a:xfrm>
+              <a:off x="7690717" y="4495800"/>
+              <a:ext cx="1453283" cy="307777"/>
+            </a:xfrm>
+            <a:prstGeom prst="rect">
+              <a:avLst/>
+            </a:prstGeom>
+            <a:noFill/>
+          </p:spPr>
+          <p:txBody>
+            <a:bodyPr wrap="none" rtlCol="0">
+              <a:spAutoFit/>
+            </a:bodyPr>
+            <a:lstStyle/>
+            <a:p>
+              <a:r>
+                <a:rPr lang="en-US" sz="1400" b="1" dirty="0" smtClean="0">
+                  <a:solidFill>
+                    <a:schemeClr val="bg1">
+                      <a:lumMod val="50000"/>
+                    </a:schemeClr>
+                  </a:solidFill>
+                </a:rPr>
+                <a:t>Encapsulate with</a:t>
+              </a:r>
+              <a:endParaRPr lang="en-US" sz="1400" b="1" dirty="0">
+                <a:solidFill>
+                  <a:schemeClr val="bg1">
+                    <a:lumMod val="50000"/>
+                  </a:schemeClr>
+                </a:solidFill>
+              </a:endParaRPr>
+            </a:p>
+          </p:txBody>
+        </p:sp>
+        <p:sp>
+          <p:nvSpPr>
+            <p:cNvPr id="76" name="TextBox 75"/>
+            <p:cNvSpPr txBox="1"/>
+            <p:nvPr/>
+          </p:nvSpPr>
+          <p:spPr>
+            <a:xfrm>
+              <a:off x="4800600" y="5105400"/>
+              <a:ext cx="1453283" cy="307777"/>
+            </a:xfrm>
+            <a:prstGeom prst="rect">
+              <a:avLst/>
+            </a:prstGeom>
+            <a:noFill/>
+          </p:spPr>
+          <p:txBody>
+            <a:bodyPr wrap="none" rtlCol="0">
+              <a:spAutoFit/>
+            </a:bodyPr>
+            <a:lstStyle/>
+            <a:p>
+              <a:r>
+                <a:rPr lang="en-US" sz="1400" b="1" dirty="0" smtClean="0">
+                  <a:solidFill>
+                    <a:schemeClr val="bg1">
+                      <a:lumMod val="50000"/>
+                    </a:schemeClr>
+                  </a:solidFill>
+                </a:rPr>
+                <a:t>Encapsulate with</a:t>
+              </a:r>
+              <a:endParaRPr lang="en-US" sz="1400" b="1" dirty="0">
+                <a:solidFill>
+                  <a:schemeClr val="bg1">
+                    <a:lumMod val="50000"/>
+                  </a:schemeClr>
+                </a:solidFill>
+              </a:endParaRPr>
+            </a:p>
+          </p:txBody>
+        </p:sp>
+        <p:sp>
+          <p:nvSpPr>
+            <p:cNvPr id="77" name="TextBox 76"/>
+            <p:cNvSpPr txBox="1"/>
+            <p:nvPr/>
+          </p:nvSpPr>
+          <p:spPr>
+            <a:xfrm>
+              <a:off x="6019800" y="2057400"/>
+              <a:ext cx="1907061" cy="307777"/>
+            </a:xfrm>
+            <a:prstGeom prst="rect">
+              <a:avLst/>
+            </a:prstGeom>
+            <a:noFill/>
+          </p:spPr>
+          <p:txBody>
+            <a:bodyPr wrap="none" rtlCol="0">
+              <a:spAutoFit/>
+            </a:bodyPr>
+            <a:lstStyle/>
+            <a:p>
+              <a:r>
+                <a:rPr lang="en-US" sz="1400" b="1" dirty="0" smtClean="0">
+                  <a:solidFill>
+                    <a:schemeClr val="accent2">
+                      <a:lumMod val="75000"/>
+                    </a:schemeClr>
+                  </a:solidFill>
+                </a:rPr>
+                <a:t>Maintain integrity with</a:t>
+              </a:r>
+              <a:endParaRPr lang="en-US" sz="1400" b="1" dirty="0">
+                <a:solidFill>
+                  <a:schemeClr val="accent2">
+                    <a:lumMod val="75000"/>
+                  </a:schemeClr>
+                </a:solidFill>
+              </a:endParaRPr>
+            </a:p>
+          </p:txBody>
+        </p:sp>
+        <p:sp>
+          <p:nvSpPr>
+            <p:cNvPr id="78" name="TextBox 77"/>
+            <p:cNvSpPr txBox="1"/>
+            <p:nvPr/>
+          </p:nvSpPr>
+          <p:spPr>
+            <a:xfrm>
+              <a:off x="6019800" y="2743200"/>
+              <a:ext cx="1181157" cy="307777"/>
+            </a:xfrm>
+            <a:prstGeom prst="rect">
+              <a:avLst/>
+            </a:prstGeom>
+            <a:noFill/>
+          </p:spPr>
+          <p:txBody>
+            <a:bodyPr wrap="none" rtlCol="0">
+              <a:spAutoFit/>
+            </a:bodyPr>
+            <a:lstStyle/>
+            <a:p>
+              <a:r>
+                <a:rPr lang="en-US" sz="1400" b="1" dirty="0" smtClean="0">
+                  <a:solidFill>
+                    <a:srgbClr val="336600"/>
+                  </a:solidFill>
+                </a:rPr>
+                <a:t>Act as root of</a:t>
+              </a:r>
+              <a:endParaRPr lang="en-US" sz="1400" b="1" dirty="0">
+                <a:solidFill>
+                  <a:srgbClr val="336600"/>
+                </a:solidFill>
+              </a:endParaRPr>
+            </a:p>
+          </p:txBody>
+        </p:sp>
+        <p:sp>
+          <p:nvSpPr>
+            <p:cNvPr id="80" name="TextBox 79"/>
+            <p:cNvSpPr txBox="1"/>
+            <p:nvPr/>
+          </p:nvSpPr>
+          <p:spPr>
+            <a:xfrm>
+              <a:off x="904101" y="4151862"/>
+              <a:ext cx="381000" cy="769441"/>
+            </a:xfrm>
+            <a:prstGeom prst="rect">
+              <a:avLst/>
+            </a:prstGeom>
+            <a:noFill/>
+          </p:spPr>
+          <p:txBody>
+            <a:bodyPr wrap="square" rtlCol="0">
+              <a:spAutoFit/>
+            </a:bodyPr>
+            <a:lstStyle/>
+            <a:p>
+              <a:r>
+                <a:rPr lang="en-US" sz="4400" b="1" dirty="0" smtClean="0">
+                  <a:solidFill>
+                    <a:srgbClr val="FF0000"/>
+                  </a:solidFill>
+                  <a:latin typeface="Calibri" pitchFamily="34" charset="0"/>
+                </a:rPr>
+                <a:t>X</a:t>
+              </a:r>
+              <a:endParaRPr lang="en-US" sz="4400" b="1" dirty="0">
+                <a:solidFill>
+                  <a:srgbClr val="FF0000"/>
+                </a:solidFill>
+                <a:latin typeface="Calibri" pitchFamily="34" charset="0"/>
+              </a:endParaRPr>
+            </a:p>
+          </p:txBody>
+        </p:sp>
+      </p:grpSp>
     </p:spTree>
   </p:cSld>
   <p:clrMapOvr>
@@ -9049,46 +14005,19 @@
           <a:p>
             <a:r>
               <a:rPr lang="en-US" dirty="0" smtClean="0"/>
-              <a:t>DDD is OO </a:t>
-            </a:r>
+              <a:t>DDD is OO done right</a:t>
+            </a:r>
+          </a:p>
+          <a:p>
             <a:r>
               <a:rPr lang="en-US" dirty="0" smtClean="0"/>
-              <a:t>done </a:t>
-            </a:r>
+              <a:t>Semantics over technology</a:t>
+            </a:r>
+          </a:p>
+          <a:p>
             <a:r>
               <a:rPr lang="en-US" dirty="0" smtClean="0"/>
-              <a:t>right</a:t>
-            </a:r>
-            <a:endParaRPr lang="en-US" dirty="0" smtClean="0"/>
-          </a:p>
-          <a:p>
-            <a:r>
-              <a:rPr lang="en-US" dirty="0" smtClean="0"/>
-              <a:t>Context is king</a:t>
-            </a:r>
-          </a:p>
-          <a:p>
-            <a:r>
-              <a:rPr lang="en-US" dirty="0" smtClean="0"/>
-              <a:t>Semantics </a:t>
-            </a:r>
-            <a:r>
-              <a:rPr lang="en-US" dirty="0" smtClean="0"/>
-              <a:t>over </a:t>
-            </a:r>
-            <a:r>
-              <a:rPr lang="en-US" dirty="0" smtClean="0"/>
-              <a:t>technology</a:t>
-            </a:r>
-          </a:p>
-          <a:p>
-            <a:r>
-              <a:rPr lang="en-US" smtClean="0"/>
-              <a:t>Is discovered </a:t>
-            </a:r>
-            <a:r>
-              <a:rPr lang="en-US" dirty="0" smtClean="0"/>
-              <a:t>and invented</a:t>
+              <a:t>Is discovered and NOT invented</a:t>
             </a:r>
             <a:endParaRPr lang="en-US" dirty="0"/>
           </a:p>
@@ -9136,7 +14065,7 @@
           <a:p>
             <a:r>
               <a:rPr lang="en-US" dirty="0" smtClean="0"/>
-              <a:t>Common effects of DDD?</a:t>
+              <a:t>DDD benefits?</a:t>
             </a:r>
             <a:endParaRPr lang="en-US" dirty="0"/>
           </a:p>
@@ -9152,10 +14081,54 @@
             <p:ph idx="1"/>
           </p:nvPr>
         </p:nvSpPr>
-        <p:spPr/>
+        <p:spPr>
+          <a:xfrm>
+            <a:off x="533400" y="1828800"/>
+            <a:ext cx="8229600" cy="3611563"/>
+          </a:xfrm>
+        </p:spPr>
         <p:txBody>
           <a:bodyPr/>
           <a:lstStyle/>
+          <a:p>
+            <a:r>
+              <a:rPr lang="en-US" dirty="0" smtClean="0"/>
+              <a:t>Reduced complexity</a:t>
+            </a:r>
+          </a:p>
+          <a:p>
+            <a:r>
+              <a:rPr lang="en-US" dirty="0" smtClean="0"/>
+              <a:t>High maintainability</a:t>
+            </a:r>
+          </a:p>
+          <a:p>
+            <a:r>
+              <a:rPr lang="en-US" dirty="0" smtClean="0"/>
+              <a:t>Continuous collaboration and feedback</a:t>
+            </a:r>
+          </a:p>
+          <a:p>
+            <a:r>
+              <a:rPr lang="en-US" dirty="0" smtClean="0"/>
+              <a:t>Translations are reduced to minimum</a:t>
+            </a:r>
+          </a:p>
+          <a:p>
+            <a:endParaRPr lang="en-US" dirty="0" smtClean="0"/>
+          </a:p>
+          <a:p>
+            <a:endParaRPr lang="en-US" dirty="0" smtClean="0"/>
+          </a:p>
+          <a:p>
+            <a:pPr>
+              <a:buNone/>
+            </a:pPr>
+            <a:endParaRPr lang="en-US" dirty="0" smtClean="0"/>
+          </a:p>
+          <a:p>
+            <a:endParaRPr lang="en-US" dirty="0" smtClean="0"/>
+          </a:p>
           <a:p>
             <a:endParaRPr lang="en-US" dirty="0"/>
           </a:p>

--- a/Domain-DrivenDesign.A.Trosin.pptx
+++ b/Domain-DrivenDesign.A.Trosin.pptx
@@ -5,7 +5,7 @@
     <p:sldMasterId id="2147483734" r:id="rId1"/>
   </p:sldMasterIdLst>
   <p:notesMasterIdLst>
-    <p:notesMasterId r:id="rId25"/>
+    <p:notesMasterId r:id="rId28"/>
   </p:notesMasterIdLst>
   <p:sldIdLst>
     <p:sldId id="256" r:id="rId2"/>
@@ -15,22 +15,25 @@
     <p:sldId id="278" r:id="rId6"/>
     <p:sldId id="264" r:id="rId7"/>
     <p:sldId id="263" r:id="rId8"/>
-    <p:sldId id="270" r:id="rId9"/>
-    <p:sldId id="269" r:id="rId10"/>
-    <p:sldId id="267" r:id="rId11"/>
-    <p:sldId id="268" r:id="rId12"/>
-    <p:sldId id="266" r:id="rId13"/>
-    <p:sldId id="259" r:id="rId14"/>
-    <p:sldId id="260" r:id="rId15"/>
-    <p:sldId id="272" r:id="rId16"/>
-    <p:sldId id="273" r:id="rId17"/>
-    <p:sldId id="276" r:id="rId18"/>
-    <p:sldId id="274" r:id="rId19"/>
-    <p:sldId id="275" r:id="rId20"/>
-    <p:sldId id="279" r:id="rId21"/>
-    <p:sldId id="280" r:id="rId22"/>
-    <p:sldId id="281" r:id="rId23"/>
-    <p:sldId id="282" r:id="rId24"/>
+    <p:sldId id="269" r:id="rId9"/>
+    <p:sldId id="267" r:id="rId10"/>
+    <p:sldId id="268" r:id="rId11"/>
+    <p:sldId id="266" r:id="rId12"/>
+    <p:sldId id="259" r:id="rId13"/>
+    <p:sldId id="260" r:id="rId14"/>
+    <p:sldId id="272" r:id="rId15"/>
+    <p:sldId id="273" r:id="rId16"/>
+    <p:sldId id="276" r:id="rId17"/>
+    <p:sldId id="274" r:id="rId18"/>
+    <p:sldId id="275" r:id="rId19"/>
+    <p:sldId id="279" r:id="rId20"/>
+    <p:sldId id="280" r:id="rId21"/>
+    <p:sldId id="281" r:id="rId22"/>
+    <p:sldId id="282" r:id="rId23"/>
+    <p:sldId id="283" r:id="rId24"/>
+    <p:sldId id="284" r:id="rId25"/>
+    <p:sldId id="285" r:id="rId26"/>
+    <p:sldId id="286" r:id="rId27"/>
   </p:sldIdLst>
   <p:sldSz cx="9144000" cy="6858000" type="screen4x3"/>
   <p:notesSz cx="6858000" cy="9144000"/>
@@ -215,7 +218,7 @@
             <a:fld id="{A4B025BB-2E79-40D8-8C4B-B985B2186BF8}" type="datetimeFigureOut">
               <a:rPr lang="en-US" smtClean="0"/>
               <a:pPr/>
-              <a:t>4/17/2009</a:t>
+              <a:t>4/18/2009</a:t>
             </a:fld>
             <a:endParaRPr lang="en-US" dirty="0"/>
           </a:p>
@@ -794,7 +797,7 @@
             <a:fld id="{5D5B2715-B0E0-4A76-9B24-AC64393DF8BD}" type="slidenum">
               <a:rPr lang="en-US" smtClean="0"/>
               <a:pPr/>
-              <a:t>11</a:t>
+              <a:t>10</a:t>
             </a:fld>
             <a:endParaRPr lang="en-US" dirty="0"/>
           </a:p>
@@ -904,7 +907,7 @@
             <a:fld id="{5D5B2715-B0E0-4A76-9B24-AC64393DF8BD}" type="slidenum">
               <a:rPr lang="en-US" smtClean="0"/>
               <a:pPr/>
-              <a:t>12</a:t>
+              <a:t>11</a:t>
             </a:fld>
             <a:endParaRPr lang="en-US" dirty="0"/>
           </a:p>
@@ -1826,7 +1829,7 @@
             <a:fld id="{5D5B2715-B0E0-4A76-9B24-AC64393DF8BD}" type="slidenum">
               <a:rPr lang="en-US" smtClean="0"/>
               <a:pPr/>
-              <a:t>13</a:t>
+              <a:t>12</a:t>
             </a:fld>
             <a:endParaRPr lang="en-US" dirty="0"/>
           </a:p>
@@ -1908,7 +1911,7 @@
             <a:fld id="{5D5B2715-B0E0-4A76-9B24-AC64393DF8BD}" type="slidenum">
               <a:rPr lang="en-US" smtClean="0"/>
               <a:pPr/>
-              <a:t>14</a:t>
+              <a:t>13</a:t>
             </a:fld>
             <a:endParaRPr lang="en-US" dirty="0"/>
           </a:p>
@@ -2142,7 +2145,7 @@
             <a:fld id="{5D5B2715-B0E0-4A76-9B24-AC64393DF8BD}" type="slidenum">
               <a:rPr lang="en-US" smtClean="0"/>
               <a:pPr/>
-              <a:t>15</a:t>
+              <a:t>14</a:t>
             </a:fld>
             <a:endParaRPr lang="en-US" dirty="0"/>
           </a:p>
@@ -2289,7 +2292,7 @@
             <a:fld id="{5D5B2715-B0E0-4A76-9B24-AC64393DF8BD}" type="slidenum">
               <a:rPr lang="en-US" smtClean="0"/>
               <a:pPr/>
-              <a:t>16</a:t>
+              <a:t>15</a:t>
             </a:fld>
             <a:endParaRPr lang="en-US" dirty="0"/>
           </a:p>
@@ -2371,7 +2374,7 @@
             <a:fld id="{5D5B2715-B0E0-4A76-9B24-AC64393DF8BD}" type="slidenum">
               <a:rPr lang="en-US" smtClean="0"/>
               <a:pPr/>
-              <a:t>17</a:t>
+              <a:t>16</a:t>
             </a:fld>
             <a:endParaRPr lang="en-US" dirty="0"/>
           </a:p>
@@ -2733,7 +2736,7 @@
             <a:fld id="{5D5B2715-B0E0-4A76-9B24-AC64393DF8BD}" type="slidenum">
               <a:rPr lang="en-US" smtClean="0"/>
               <a:pPr/>
-              <a:t>18</a:t>
+              <a:t>17</a:t>
             </a:fld>
             <a:endParaRPr lang="en-US" dirty="0"/>
           </a:p>
@@ -2815,7 +2818,7 @@
             <a:fld id="{5D5B2715-B0E0-4A76-9B24-AC64393DF8BD}" type="slidenum">
               <a:rPr lang="en-US" smtClean="0"/>
               <a:pPr/>
-              <a:t>19</a:t>
+              <a:t>18</a:t>
             </a:fld>
             <a:endParaRPr lang="en-US" dirty="0"/>
           </a:p>
@@ -2911,11 +2914,7 @@
             </a:r>
             <a:r>
               <a:rPr lang="en-US" baseline="0" dirty="0" smtClean="0"/>
-              <a:t> </a:t>
-            </a:r>
-            <a:r>
-              <a:rPr lang="en-US" baseline="0" dirty="0" smtClean="0"/>
-              <a:t>Anemic domain model anti-pattern</a:t>
+              <a:t> Anemic domain model anti-pattern</a:t>
             </a:r>
           </a:p>
           <a:p>
@@ -2938,15 +2937,7 @@
             </a:pPr>
             <a:r>
               <a:rPr lang="en-US" baseline="0" dirty="0" smtClean="0"/>
-              <a:t>OO principles are lost,  business entities has </a:t>
-            </a:r>
-            <a:r>
-              <a:rPr lang="en-US" baseline="0" dirty="0" smtClean="0"/>
-              <a:t>direct  </a:t>
-            </a:r>
-            <a:r>
-              <a:rPr lang="en-US" baseline="0" dirty="0" smtClean="0"/>
-              <a:t>access to infrastructure (e.g. Data Access) </a:t>
+              <a:t>OO principles are lost,  business entities has direct  access to infrastructure (e.g. Data Access) </a:t>
             </a:r>
           </a:p>
           <a:p>
@@ -3081,7 +3072,7 @@
             <a:fld id="{5D5B2715-B0E0-4A76-9B24-AC64393DF8BD}" type="slidenum">
               <a:rPr lang="en-US" smtClean="0"/>
               <a:pPr/>
-              <a:t>20</a:t>
+              <a:t>19</a:t>
             </a:fld>
             <a:endParaRPr lang="en-US" dirty="0"/>
           </a:p>
@@ -3266,7 +3257,7 @@
             <a:fld id="{5D5B2715-B0E0-4A76-9B24-AC64393DF8BD}" type="slidenum">
               <a:rPr lang="en-US" smtClean="0"/>
               <a:pPr/>
-              <a:t>21</a:t>
+              <a:t>20</a:t>
             </a:fld>
             <a:endParaRPr lang="en-US" dirty="0"/>
           </a:p>
@@ -3494,7 +3485,7 @@
             <a:fld id="{5D5B2715-B0E0-4A76-9B24-AC64393DF8BD}" type="slidenum">
               <a:rPr lang="en-US" smtClean="0"/>
               <a:pPr/>
-              <a:t>22</a:t>
+              <a:t>21</a:t>
             </a:fld>
             <a:endParaRPr lang="en-US" dirty="0"/>
           </a:p>
@@ -3554,6 +3545,71 @@
           </a:bodyPr>
           <a:lstStyle/>
           <a:p>
+            <a:r>
+              <a:rPr lang="en-US" b="1" i="1" dirty="0" smtClean="0"/>
+              <a:t>Building Blocks navigation map</a:t>
+            </a:r>
+          </a:p>
+          <a:p>
+            <a:endParaRPr lang="en-US" dirty="0" smtClean="0"/>
+          </a:p>
+          <a:p>
+            <a:r>
+              <a:rPr lang="en-US" dirty="0" smtClean="0"/>
+              <a:t>Smart UI Anti-Pattern -</a:t>
+            </a:r>
+            <a:r>
+              <a:rPr lang="en-US" sz="1200" b="1" kern="1200" baseline="0" dirty="0" smtClean="0">
+                <a:solidFill>
+                  <a:schemeClr val="tx1"/>
+                </a:solidFill>
+                <a:latin typeface="+mn-lt"/>
+                <a:ea typeface="+mn-ea"/>
+                <a:cs typeface="+mn-cs"/>
+              </a:rPr>
+              <a:t>Put all the business logic into the user interface. Chop the application into small</a:t>
+            </a:r>
+          </a:p>
+          <a:p>
+            <a:r>
+              <a:rPr lang="en-US" sz="1200" b="1" kern="1200" baseline="0" dirty="0" smtClean="0">
+                <a:solidFill>
+                  <a:schemeClr val="tx1"/>
+                </a:solidFill>
+                <a:latin typeface="+mn-lt"/>
+                <a:ea typeface="+mn-ea"/>
+                <a:cs typeface="+mn-cs"/>
+              </a:rPr>
+              <a:t>functions and implement them as separate user interfaces, embedding the business</a:t>
+            </a:r>
+          </a:p>
+          <a:p>
+            <a:r>
+              <a:rPr lang="en-US" sz="1200" b="1" kern="1200" baseline="0" dirty="0" smtClean="0">
+                <a:solidFill>
+                  <a:schemeClr val="tx1"/>
+                </a:solidFill>
+                <a:latin typeface="+mn-lt"/>
+                <a:ea typeface="+mn-ea"/>
+                <a:cs typeface="+mn-cs"/>
+              </a:rPr>
+              <a:t>rules into them. Use a relational database as a shared repository of the data. Use the</a:t>
+            </a:r>
+          </a:p>
+          <a:p>
+            <a:r>
+              <a:rPr lang="en-US" sz="1200" b="1" kern="1200" baseline="0" dirty="0" smtClean="0">
+                <a:solidFill>
+                  <a:schemeClr val="tx1"/>
+                </a:solidFill>
+                <a:latin typeface="+mn-lt"/>
+                <a:ea typeface="+mn-ea"/>
+                <a:cs typeface="+mn-cs"/>
+              </a:rPr>
+              <a:t>most automated UI building and visual programming tools available.</a:t>
+            </a:r>
+          </a:p>
+          <a:p>
             <a:endParaRPr lang="en-US" dirty="0"/>
           </a:p>
         </p:txBody>
@@ -3561,6 +3617,348 @@
       <p:sp>
         <p:nvSpPr>
           <p:cNvPr id="4" name="Slide Number Placeholder 3"/>
+          <p:cNvSpPr>
+            <a:spLocks noGrp="1"/>
+          </p:cNvSpPr>
+          <p:nvPr>
+            <p:ph type="sldNum" sz="quarter" idx="10"/>
+          </p:nvPr>
+        </p:nvSpPr>
+        <p:spPr/>
+        <p:txBody>
+          <a:bodyPr/>
+          <a:lstStyle/>
+          <a:p>
+            <a:fld id="{5D5B2715-B0E0-4A76-9B24-AC64393DF8BD}" type="slidenum">
+              <a:rPr lang="en-US" smtClean="0"/>
+              <a:pPr/>
+              <a:t>22</a:t>
+            </a:fld>
+            <a:endParaRPr lang="en-US" dirty="0"/>
+          </a:p>
+        </p:txBody>
+      </p:sp>
+    </p:spTree>
+  </p:cSld>
+  <p:clrMapOvr>
+    <a:masterClrMapping/>
+  </p:clrMapOvr>
+</p:notes>
+</file>
+
+<file path=ppt/notesSlides/notesSlide23.xml><?xml version="1.0" encoding="utf-8"?>
+<p:notes xmlns:a="http://schemas.openxmlformats.org/drawingml/2006/main" xmlns:r="http://schemas.openxmlformats.org/officeDocument/2006/relationships" xmlns:p="http://schemas.openxmlformats.org/presentationml/2006/main">
+  <p:cSld>
+    <p:spTree>
+      <p:nvGrpSpPr>
+        <p:cNvPr id="1" name=""/>
+        <p:cNvGrpSpPr/>
+        <p:nvPr/>
+      </p:nvGrpSpPr>
+      <p:grpSpPr>
+        <a:xfrm>
+          <a:off x="0" y="0"/>
+          <a:ext cx="0" cy="0"/>
+          <a:chOff x="0" y="0"/>
+          <a:chExt cx="0" cy="0"/>
+        </a:xfrm>
+      </p:grpSpPr>
+      <p:sp>
+        <p:nvSpPr>
+          <p:cNvPr id="2" name="Образ слайда 1"/>
+          <p:cNvSpPr>
+            <a:spLocks noGrp="1" noRot="1" noChangeAspect="1"/>
+          </p:cNvSpPr>
+          <p:nvPr>
+            <p:ph type="sldImg"/>
+          </p:nvPr>
+        </p:nvSpPr>
+        <p:spPr/>
+      </p:sp>
+      <p:sp>
+        <p:nvSpPr>
+          <p:cNvPr id="3" name="Заметки 2"/>
+          <p:cNvSpPr>
+            <a:spLocks noGrp="1"/>
+          </p:cNvSpPr>
+          <p:nvPr>
+            <p:ph type="body" idx="1"/>
+          </p:nvPr>
+        </p:nvSpPr>
+        <p:spPr/>
+        <p:txBody>
+          <a:bodyPr>
+            <a:normAutofit fontScale="92500" lnSpcReduction="10000"/>
+          </a:bodyPr>
+          <a:lstStyle/>
+          <a:p>
+            <a:r>
+              <a:rPr lang="en-US" sz="1200" kern="1200" baseline="0" dirty="0" smtClean="0">
+                <a:solidFill>
+                  <a:schemeClr val="tx1"/>
+                </a:solidFill>
+                <a:latin typeface="+mn-lt"/>
+                <a:ea typeface="+mn-ea"/>
+                <a:cs typeface="+mn-cs"/>
+              </a:rPr>
+              <a:t>It is important to constrain relationships as much as possible. A bidirectional association means</a:t>
+            </a:r>
+          </a:p>
+          <a:p>
+            <a:r>
+              <a:rPr lang="en-US" sz="1200" kern="1200" baseline="0" dirty="0" smtClean="0">
+                <a:solidFill>
+                  <a:schemeClr val="tx1"/>
+                </a:solidFill>
+                <a:latin typeface="+mn-lt"/>
+                <a:ea typeface="+mn-ea"/>
+                <a:cs typeface="+mn-cs"/>
+              </a:rPr>
+              <a:t>that both objects can be understood only together. When application requirements do not call for</a:t>
+            </a:r>
+          </a:p>
+          <a:p>
+            <a:r>
+              <a:rPr lang="en-US" sz="1200" kern="1200" baseline="0" dirty="0" smtClean="0">
+                <a:solidFill>
+                  <a:schemeClr val="tx1"/>
+                </a:solidFill>
+                <a:latin typeface="+mn-lt"/>
+                <a:ea typeface="+mn-ea"/>
+                <a:cs typeface="+mn-cs"/>
+              </a:rPr>
+              <a:t>traversal in both directions, adding a traversal direction reduces interdependence and simplifies</a:t>
+            </a:r>
+          </a:p>
+          <a:p>
+            <a:r>
+              <a:rPr lang="en-US" sz="1200" kern="1200" baseline="0" dirty="0" smtClean="0">
+                <a:solidFill>
+                  <a:schemeClr val="tx1"/>
+                </a:solidFill>
+                <a:latin typeface="+mn-lt"/>
+                <a:ea typeface="+mn-ea"/>
+                <a:cs typeface="+mn-cs"/>
+              </a:rPr>
+              <a:t>the design. Understanding the domain may reveal a natural directional bias.</a:t>
+            </a:r>
+          </a:p>
+          <a:p>
+            <a:r>
+              <a:rPr lang="en-US" sz="1200" kern="1200" baseline="0" dirty="0" smtClean="0">
+                <a:solidFill>
+                  <a:schemeClr val="tx1"/>
+                </a:solidFill>
+                <a:latin typeface="+mn-lt"/>
+                <a:ea typeface="+mn-ea"/>
+                <a:cs typeface="+mn-cs"/>
+              </a:rPr>
+              <a:t>The United States has had many presidents, as have many other countries. This is a bidirectional,</a:t>
+            </a:r>
+          </a:p>
+          <a:p>
+            <a:r>
+              <a:rPr lang="en-US" sz="1200" kern="1200" baseline="0" dirty="0" smtClean="0">
+                <a:solidFill>
+                  <a:schemeClr val="tx1"/>
+                </a:solidFill>
+                <a:latin typeface="+mn-lt"/>
+                <a:ea typeface="+mn-ea"/>
+                <a:cs typeface="+mn-cs"/>
+              </a:rPr>
+              <a:t>one-to-many relationship. Yet we seldom would start out with the name "George Washington" and</a:t>
+            </a:r>
+          </a:p>
+          <a:p>
+            <a:r>
+              <a:rPr lang="en-US" sz="1200" kern="1200" baseline="0" dirty="0" smtClean="0">
+                <a:solidFill>
+                  <a:schemeClr val="tx1"/>
+                </a:solidFill>
+                <a:latin typeface="+mn-lt"/>
+                <a:ea typeface="+mn-ea"/>
+                <a:cs typeface="+mn-cs"/>
+              </a:rPr>
+              <a:t>ask, "Of which country was he president?" Pragmatically, we can reduce the relationship to a</a:t>
+            </a:r>
+          </a:p>
+          <a:p>
+            <a:r>
+              <a:rPr lang="en-US" sz="1200" kern="1200" baseline="0" dirty="0" smtClean="0">
+                <a:solidFill>
+                  <a:schemeClr val="tx1"/>
+                </a:solidFill>
+                <a:latin typeface="+mn-lt"/>
+                <a:ea typeface="+mn-ea"/>
+                <a:cs typeface="+mn-cs"/>
+              </a:rPr>
+              <a:t>unidirectional association, traversable from country to president. This refinement actually reflects</a:t>
+            </a:r>
+          </a:p>
+          <a:p>
+            <a:r>
+              <a:rPr lang="en-US" sz="1200" kern="1200" baseline="0" dirty="0" smtClean="0">
+                <a:solidFill>
+                  <a:schemeClr val="tx1"/>
+                </a:solidFill>
+                <a:latin typeface="+mn-lt"/>
+                <a:ea typeface="+mn-ea"/>
+                <a:cs typeface="+mn-cs"/>
+              </a:rPr>
+              <a:t>insight into the domain, as well as making a more practical design. It captures the understanding</a:t>
+            </a:r>
+          </a:p>
+          <a:p>
+            <a:r>
+              <a:rPr lang="en-US" sz="1200" kern="1200" baseline="0" dirty="0" smtClean="0">
+                <a:solidFill>
+                  <a:schemeClr val="tx1"/>
+                </a:solidFill>
+                <a:latin typeface="+mn-lt"/>
+                <a:ea typeface="+mn-ea"/>
+                <a:cs typeface="+mn-cs"/>
+              </a:rPr>
+              <a:t>that one direction of the association is much more meaningful and important than the other. It</a:t>
+            </a:r>
+          </a:p>
+          <a:p>
+            <a:r>
+              <a:rPr lang="en-US" sz="1200" kern="1200" baseline="0" dirty="0" smtClean="0">
+                <a:solidFill>
+                  <a:schemeClr val="tx1"/>
+                </a:solidFill>
+                <a:latin typeface="+mn-lt"/>
+                <a:ea typeface="+mn-ea"/>
+                <a:cs typeface="+mn-cs"/>
+              </a:rPr>
+              <a:t>keeps the "Person" class independent of the far less fundamental concept of "President.“</a:t>
+            </a:r>
+          </a:p>
+          <a:p>
+            <a:endParaRPr lang="en-US" sz="1200" kern="1200" baseline="0" dirty="0" smtClean="0">
+              <a:solidFill>
+                <a:schemeClr val="tx1"/>
+              </a:solidFill>
+              <a:latin typeface="+mn-lt"/>
+              <a:ea typeface="+mn-ea"/>
+              <a:cs typeface="+mn-cs"/>
+            </a:endParaRPr>
+          </a:p>
+          <a:p>
+            <a:r>
+              <a:rPr lang="en-US" sz="1200" kern="1200" baseline="0" dirty="0" smtClean="0">
+                <a:solidFill>
+                  <a:schemeClr val="tx1"/>
+                </a:solidFill>
+                <a:latin typeface="+mn-lt"/>
+                <a:ea typeface="+mn-ea"/>
+                <a:cs typeface="+mn-cs"/>
+              </a:rPr>
+              <a:t>Very often, deeper understanding leads to a "qualified" relationship. Looking deeper into</a:t>
+            </a:r>
+          </a:p>
+          <a:p>
+            <a:r>
+              <a:rPr lang="en-US" sz="1200" kern="1200" baseline="0" dirty="0" smtClean="0">
+                <a:solidFill>
+                  <a:schemeClr val="tx1"/>
+                </a:solidFill>
+                <a:latin typeface="+mn-lt"/>
+                <a:ea typeface="+mn-ea"/>
+                <a:cs typeface="+mn-cs"/>
+              </a:rPr>
+              <a:t>presidents, we realize that (except in a civil war, perhaps) a country has only one president at a</a:t>
+            </a:r>
+          </a:p>
+          <a:p>
+            <a:r>
+              <a:rPr lang="en-US" sz="1200" kern="1200" baseline="0" dirty="0" smtClean="0">
+                <a:solidFill>
+                  <a:schemeClr val="tx1"/>
+                </a:solidFill>
+                <a:latin typeface="+mn-lt"/>
+                <a:ea typeface="+mn-ea"/>
+                <a:cs typeface="+mn-cs"/>
+              </a:rPr>
+              <a:t>time. This qualifier reduces the multiplicity to one-to-one, and explicitly embeds an important rule</a:t>
+            </a:r>
+          </a:p>
+          <a:p>
+            <a:r>
+              <a:rPr lang="en-US" sz="1200" kern="1200" baseline="0" dirty="0" smtClean="0">
+                <a:solidFill>
+                  <a:schemeClr val="tx1"/>
+                </a:solidFill>
+                <a:latin typeface="+mn-lt"/>
+                <a:ea typeface="+mn-ea"/>
+                <a:cs typeface="+mn-cs"/>
+              </a:rPr>
+              <a:t>into the model. Who was president of the United States in 1790? George Washington.</a:t>
+            </a:r>
+          </a:p>
+          <a:p>
+            <a:endParaRPr lang="en-US" sz="1200" kern="1200" baseline="0" dirty="0" smtClean="0">
+              <a:solidFill>
+                <a:schemeClr val="tx1"/>
+              </a:solidFill>
+              <a:latin typeface="+mn-lt"/>
+              <a:ea typeface="+mn-ea"/>
+              <a:cs typeface="+mn-cs"/>
+            </a:endParaRPr>
+          </a:p>
+          <a:p>
+            <a:r>
+              <a:rPr lang="en-US" sz="1200" kern="1200" baseline="0" dirty="0" smtClean="0">
+                <a:solidFill>
+                  <a:schemeClr val="tx1"/>
+                </a:solidFill>
+                <a:latin typeface="+mn-lt"/>
+                <a:ea typeface="+mn-ea"/>
+                <a:cs typeface="+mn-cs"/>
+              </a:rPr>
+              <a:t>Constraining the traversal direction of a many-to-many association effectively reduces its</a:t>
+            </a:r>
+          </a:p>
+          <a:p>
+            <a:r>
+              <a:rPr lang="en-US" sz="1200" kern="1200" baseline="0" dirty="0" smtClean="0">
+                <a:solidFill>
+                  <a:schemeClr val="tx1"/>
+                </a:solidFill>
+                <a:latin typeface="+mn-lt"/>
+                <a:ea typeface="+mn-ea"/>
+                <a:cs typeface="+mn-cs"/>
+              </a:rPr>
+              <a:t>implementation to one-to-many—a </a:t>
+            </a:r>
+            <a:r>
+              <a:rPr lang="en-US" sz="1200" i="1" kern="1200" baseline="0" dirty="0" smtClean="0">
+                <a:solidFill>
+                  <a:schemeClr val="tx1"/>
+                </a:solidFill>
+                <a:latin typeface="+mn-lt"/>
+                <a:ea typeface="+mn-ea"/>
+                <a:cs typeface="+mn-cs"/>
+              </a:rPr>
+              <a:t>much easier design.</a:t>
+            </a:r>
+            <a:endParaRPr lang="en-US" sz="1200" kern="1200" baseline="0" dirty="0" smtClean="0">
+              <a:solidFill>
+                <a:schemeClr val="tx1"/>
+              </a:solidFill>
+              <a:latin typeface="+mn-lt"/>
+              <a:ea typeface="+mn-ea"/>
+              <a:cs typeface="+mn-cs"/>
+            </a:endParaRPr>
+          </a:p>
+          <a:p>
+            <a:endParaRPr lang="en-US" dirty="0"/>
+          </a:p>
+        </p:txBody>
+      </p:sp>
+      <p:sp>
+        <p:nvSpPr>
+          <p:cNvPr id="4" name="Номер слайда 3"/>
           <p:cNvSpPr>
             <a:spLocks noGrp="1"/>
           </p:cNvSpPr>
@@ -3577,6 +3975,170 @@
               <a:rPr lang="en-US" smtClean="0"/>
               <a:pPr/>
               <a:t>23</a:t>
+            </a:fld>
+            <a:endParaRPr lang="en-US" dirty="0"/>
+          </a:p>
+        </p:txBody>
+      </p:sp>
+    </p:spTree>
+  </p:cSld>
+  <p:clrMapOvr>
+    <a:masterClrMapping/>
+  </p:clrMapOvr>
+</p:notes>
+</file>
+
+<file path=ppt/notesSlides/notesSlide24.xml><?xml version="1.0" encoding="utf-8"?>
+<p:notes xmlns:a="http://schemas.openxmlformats.org/drawingml/2006/main" xmlns:r="http://schemas.openxmlformats.org/officeDocument/2006/relationships" xmlns:p="http://schemas.openxmlformats.org/presentationml/2006/main">
+  <p:cSld>
+    <p:spTree>
+      <p:nvGrpSpPr>
+        <p:cNvPr id="1" name=""/>
+        <p:cNvGrpSpPr/>
+        <p:nvPr/>
+      </p:nvGrpSpPr>
+      <p:grpSpPr>
+        <a:xfrm>
+          <a:off x="0" y="0"/>
+          <a:ext cx="0" cy="0"/>
+          <a:chOff x="0" y="0"/>
+          <a:chExt cx="0" cy="0"/>
+        </a:xfrm>
+      </p:grpSpPr>
+      <p:sp>
+        <p:nvSpPr>
+          <p:cNvPr id="2" name="Образ слайда 1"/>
+          <p:cNvSpPr>
+            <a:spLocks noGrp="1" noRot="1" noChangeAspect="1"/>
+          </p:cNvSpPr>
+          <p:nvPr>
+            <p:ph type="sldImg"/>
+          </p:nvPr>
+        </p:nvSpPr>
+        <p:spPr/>
+      </p:sp>
+      <p:sp>
+        <p:nvSpPr>
+          <p:cNvPr id="3" name="Заметки 2"/>
+          <p:cNvSpPr>
+            <a:spLocks noGrp="1"/>
+          </p:cNvSpPr>
+          <p:nvPr>
+            <p:ph type="body" idx="1"/>
+          </p:nvPr>
+        </p:nvSpPr>
+        <p:spPr/>
+        <p:txBody>
+          <a:bodyPr>
+            <a:normAutofit/>
+          </a:bodyPr>
+          <a:lstStyle/>
+          <a:p>
+            <a:endParaRPr lang="en-US" dirty="0"/>
+          </a:p>
+        </p:txBody>
+      </p:sp>
+      <p:sp>
+        <p:nvSpPr>
+          <p:cNvPr id="4" name="Номер слайда 3"/>
+          <p:cNvSpPr>
+            <a:spLocks noGrp="1"/>
+          </p:cNvSpPr>
+          <p:nvPr>
+            <p:ph type="sldNum" sz="quarter" idx="10"/>
+          </p:nvPr>
+        </p:nvSpPr>
+        <p:spPr/>
+        <p:txBody>
+          <a:bodyPr/>
+          <a:lstStyle/>
+          <a:p>
+            <a:fld id="{5D5B2715-B0E0-4A76-9B24-AC64393DF8BD}" type="slidenum">
+              <a:rPr lang="en-US" smtClean="0"/>
+              <a:pPr/>
+              <a:t>25</a:t>
+            </a:fld>
+            <a:endParaRPr lang="en-US" dirty="0"/>
+          </a:p>
+        </p:txBody>
+      </p:sp>
+    </p:spTree>
+  </p:cSld>
+  <p:clrMapOvr>
+    <a:masterClrMapping/>
+  </p:clrMapOvr>
+</p:notes>
+</file>
+
+<file path=ppt/notesSlides/notesSlide25.xml><?xml version="1.0" encoding="utf-8"?>
+<p:notes xmlns:a="http://schemas.openxmlformats.org/drawingml/2006/main" xmlns:r="http://schemas.openxmlformats.org/officeDocument/2006/relationships" xmlns:p="http://schemas.openxmlformats.org/presentationml/2006/main">
+  <p:cSld>
+    <p:spTree>
+      <p:nvGrpSpPr>
+        <p:cNvPr id="1" name=""/>
+        <p:cNvGrpSpPr/>
+        <p:nvPr/>
+      </p:nvGrpSpPr>
+      <p:grpSpPr>
+        <a:xfrm>
+          <a:off x="0" y="0"/>
+          <a:ext cx="0" cy="0"/>
+          <a:chOff x="0" y="0"/>
+          <a:chExt cx="0" cy="0"/>
+        </a:xfrm>
+      </p:grpSpPr>
+      <p:sp>
+        <p:nvSpPr>
+          <p:cNvPr id="2" name="Образ слайда 1"/>
+          <p:cNvSpPr>
+            <a:spLocks noGrp="1" noRot="1" noChangeAspect="1"/>
+          </p:cNvSpPr>
+          <p:nvPr>
+            <p:ph type="sldImg"/>
+          </p:nvPr>
+        </p:nvSpPr>
+        <p:spPr/>
+      </p:sp>
+      <p:sp>
+        <p:nvSpPr>
+          <p:cNvPr id="3" name="Заметки 2"/>
+          <p:cNvSpPr>
+            <a:spLocks noGrp="1"/>
+          </p:cNvSpPr>
+          <p:nvPr>
+            <p:ph type="body" idx="1"/>
+          </p:nvPr>
+        </p:nvSpPr>
+        <p:spPr/>
+        <p:txBody>
+          <a:bodyPr>
+            <a:normAutofit/>
+          </a:bodyPr>
+          <a:lstStyle/>
+          <a:p>
+            <a:endParaRPr lang="en-US" dirty="0"/>
+          </a:p>
+        </p:txBody>
+      </p:sp>
+      <p:sp>
+        <p:nvSpPr>
+          <p:cNvPr id="4" name="Номер слайда 3"/>
+          <p:cNvSpPr>
+            <a:spLocks noGrp="1"/>
+          </p:cNvSpPr>
+          <p:nvPr>
+            <p:ph type="sldNum" sz="quarter" idx="10"/>
+          </p:nvPr>
+        </p:nvSpPr>
+        <p:spPr/>
+        <p:txBody>
+          <a:bodyPr/>
+          <a:lstStyle/>
+          <a:p>
+            <a:fld id="{5D5B2715-B0E0-4A76-9B24-AC64393DF8BD}" type="slidenum">
+              <a:rPr lang="en-US" smtClean="0"/>
+              <a:pPr/>
+              <a:t>26</a:t>
             </a:fld>
             <a:endParaRPr lang="en-US" dirty="0"/>
           </a:p>
@@ -4265,7 +4827,7 @@
             <a:fld id="{5D5B2715-B0E0-4A76-9B24-AC64393DF8BD}" type="slidenum">
               <a:rPr lang="en-US" smtClean="0"/>
               <a:pPr/>
-              <a:t>9</a:t>
+              <a:t>8</a:t>
             </a:fld>
             <a:endParaRPr lang="en-US" dirty="0"/>
           </a:p>
@@ -4353,7 +4915,7 @@
             <a:fld id="{5D5B2715-B0E0-4A76-9B24-AC64393DF8BD}" type="slidenum">
               <a:rPr lang="en-US" smtClean="0"/>
               <a:pPr/>
-              <a:t>10</a:t>
+              <a:t>9</a:t>
             </a:fld>
             <a:endParaRPr lang="en-US" dirty="0"/>
           </a:p>
@@ -4549,7 +5111,7 @@
             <a:fld id="{692DA68B-07B5-4D40-903F-69FBB0125CEF}" type="datetimeFigureOut">
               <a:rPr lang="en-US" smtClean="0"/>
               <a:pPr/>
-              <a:t>4/17/2009</a:t>
+              <a:t>4/18/2009</a:t>
             </a:fld>
             <a:endParaRPr lang="en-US" dirty="0"/>
           </a:p>
@@ -4716,7 +5278,7 @@
             <a:fld id="{692DA68B-07B5-4D40-903F-69FBB0125CEF}" type="datetimeFigureOut">
               <a:rPr lang="en-US" smtClean="0"/>
               <a:pPr/>
-              <a:t>4/17/2009</a:t>
+              <a:t>4/18/2009</a:t>
             </a:fld>
             <a:endParaRPr lang="en-US" dirty="0"/>
           </a:p>
@@ -4893,7 +5455,7 @@
             <a:fld id="{692DA68B-07B5-4D40-903F-69FBB0125CEF}" type="datetimeFigureOut">
               <a:rPr lang="en-US" smtClean="0"/>
               <a:pPr/>
-              <a:t>4/17/2009</a:t>
+              <a:t>4/18/2009</a:t>
             </a:fld>
             <a:endParaRPr lang="en-US" dirty="0"/>
           </a:p>
@@ -5060,7 +5622,7 @@
             <a:fld id="{692DA68B-07B5-4D40-903F-69FBB0125CEF}" type="datetimeFigureOut">
               <a:rPr lang="en-US" smtClean="0"/>
               <a:pPr/>
-              <a:t>4/17/2009</a:t>
+              <a:t>4/18/2009</a:t>
             </a:fld>
             <a:endParaRPr lang="en-US" dirty="0"/>
           </a:p>
@@ -5303,7 +5865,7 @@
             <a:fld id="{692DA68B-07B5-4D40-903F-69FBB0125CEF}" type="datetimeFigureOut">
               <a:rPr lang="en-US" smtClean="0"/>
               <a:pPr/>
-              <a:t>4/17/2009</a:t>
+              <a:t>4/18/2009</a:t>
             </a:fld>
             <a:endParaRPr lang="en-US" dirty="0"/>
           </a:p>
@@ -5588,7 +6150,7 @@
             <a:fld id="{692DA68B-07B5-4D40-903F-69FBB0125CEF}" type="datetimeFigureOut">
               <a:rPr lang="en-US" smtClean="0"/>
               <a:pPr/>
-              <a:t>4/17/2009</a:t>
+              <a:t>4/18/2009</a:t>
             </a:fld>
             <a:endParaRPr lang="en-US" dirty="0"/>
           </a:p>
@@ -6007,7 +6569,7 @@
             <a:fld id="{692DA68B-07B5-4D40-903F-69FBB0125CEF}" type="datetimeFigureOut">
               <a:rPr lang="en-US" smtClean="0"/>
               <a:pPr/>
-              <a:t>4/17/2009</a:t>
+              <a:t>4/18/2009</a:t>
             </a:fld>
             <a:endParaRPr lang="en-US" dirty="0"/>
           </a:p>
@@ -6122,7 +6684,7 @@
             <a:fld id="{692DA68B-07B5-4D40-903F-69FBB0125CEF}" type="datetimeFigureOut">
               <a:rPr lang="en-US" smtClean="0"/>
               <a:pPr/>
-              <a:t>4/17/2009</a:t>
+              <a:t>4/18/2009</a:t>
             </a:fld>
             <a:endParaRPr lang="en-US" dirty="0"/>
           </a:p>
@@ -6214,7 +6776,7 @@
             <a:fld id="{692DA68B-07B5-4D40-903F-69FBB0125CEF}" type="datetimeFigureOut">
               <a:rPr lang="en-US" smtClean="0"/>
               <a:pPr/>
-              <a:t>4/17/2009</a:t>
+              <a:t>4/18/2009</a:t>
             </a:fld>
             <a:endParaRPr lang="en-US" dirty="0"/>
           </a:p>
@@ -6488,7 +7050,7 @@
             <a:fld id="{692DA68B-07B5-4D40-903F-69FBB0125CEF}" type="datetimeFigureOut">
               <a:rPr lang="en-US" smtClean="0"/>
               <a:pPr/>
-              <a:t>4/17/2009</a:t>
+              <a:t>4/18/2009</a:t>
             </a:fld>
             <a:endParaRPr lang="en-US" dirty="0"/>
           </a:p>
@@ -6738,7 +7300,7 @@
             <a:fld id="{692DA68B-07B5-4D40-903F-69FBB0125CEF}" type="datetimeFigureOut">
               <a:rPr lang="en-US" smtClean="0"/>
               <a:pPr/>
-              <a:t>4/17/2009</a:t>
+              <a:t>4/18/2009</a:t>
             </a:fld>
             <a:endParaRPr lang="en-US" dirty="0"/>
           </a:p>
@@ -6948,7 +7510,7 @@
             <a:fld id="{692DA68B-07B5-4D40-903F-69FBB0125CEF}" type="datetimeFigureOut">
               <a:rPr lang="en-US" smtClean="0"/>
               <a:pPr/>
-              <a:t>4/17/2009</a:t>
+              <a:t>4/18/2009</a:t>
             </a:fld>
             <a:endParaRPr lang="en-US" dirty="0"/>
           </a:p>
@@ -7426,89 +7988,6 @@
             <p:ph type="title"/>
           </p:nvPr>
         </p:nvSpPr>
-        <p:spPr/>
-        <p:txBody>
-          <a:bodyPr/>
-          <a:lstStyle/>
-          <a:p>
-            <a:r>
-              <a:rPr lang="en-US" dirty="0" smtClean="0"/>
-              <a:t>Even Music has a Model</a:t>
-            </a:r>
-            <a:endParaRPr lang="en-US" dirty="0"/>
-          </a:p>
-        </p:txBody>
-      </p:sp>
-      <p:pic>
-        <p:nvPicPr>
-          <p:cNvPr id="2050" name="Picture 2"/>
-          <p:cNvPicPr>
-            <a:picLocks noGrp="1" noChangeAspect="1" noChangeArrowheads="1"/>
-          </p:cNvPicPr>
-          <p:nvPr>
-            <p:ph idx="1"/>
-          </p:nvPr>
-        </p:nvPicPr>
-        <p:blipFill>
-          <a:blip r:embed="rId3"/>
-          <a:srcRect/>
-          <a:stretch>
-            <a:fillRect/>
-          </a:stretch>
-        </p:blipFill>
-        <p:spPr bwMode="auto">
-          <a:xfrm>
-            <a:off x="1219200" y="1905000"/>
-            <a:ext cx="5943600" cy="3429000"/>
-          </a:xfrm>
-          <a:prstGeom prst="rect">
-            <a:avLst/>
-          </a:prstGeom>
-          <a:noFill/>
-          <a:ln w="9525">
-            <a:noFill/>
-            <a:miter lim="800000"/>
-            <a:headEnd/>
-            <a:tailEnd/>
-          </a:ln>
-          <a:effectLst/>
-        </p:spPr>
-      </p:pic>
-    </p:spTree>
-  </p:cSld>
-  <p:clrMapOvr>
-    <a:masterClrMapping/>
-  </p:clrMapOvr>
-</p:sld>
-</file>
-
-<file path=ppt/slides/slide11.xml><?xml version="1.0" encoding="utf-8"?>
-<p:sld xmlns:a="http://schemas.openxmlformats.org/drawingml/2006/main" xmlns:r="http://schemas.openxmlformats.org/officeDocument/2006/relationships" xmlns:p="http://schemas.openxmlformats.org/presentationml/2006/main">
-  <p:cSld>
-    <p:spTree>
-      <p:nvGrpSpPr>
-        <p:cNvPr id="1" name=""/>
-        <p:cNvGrpSpPr/>
-        <p:nvPr/>
-      </p:nvGrpSpPr>
-      <p:grpSpPr>
-        <a:xfrm>
-          <a:off x="0" y="0"/>
-          <a:ext cx="0" cy="0"/>
-          <a:chOff x="0" y="0"/>
-          <a:chExt cx="0" cy="0"/>
-        </a:xfrm>
-      </p:grpSpPr>
-      <p:sp>
-        <p:nvSpPr>
-          <p:cNvPr id="2" name="Заголовок 1"/>
-          <p:cNvSpPr>
-            <a:spLocks noGrp="1"/>
-          </p:cNvSpPr>
-          <p:nvPr>
-            <p:ph type="title"/>
-          </p:nvPr>
-        </p:nvSpPr>
         <p:spPr>
           <a:xfrm>
             <a:off x="457200" y="2438400"/>
@@ -7541,15 +8020,52 @@
           </a:p>
         </p:txBody>
       </p:sp>
+      <p:sp>
+        <p:nvSpPr>
+          <p:cNvPr id="3" name="TextBox 2"/>
+          <p:cNvSpPr txBox="1"/>
+          <p:nvPr/>
+        </p:nvSpPr>
+        <p:spPr>
+          <a:xfrm>
+            <a:off x="7010400" y="4038600"/>
+            <a:ext cx="1514325" cy="369332"/>
+          </a:xfrm>
+          <a:prstGeom prst="rect">
+            <a:avLst/>
+          </a:prstGeom>
+          <a:noFill/>
+        </p:spPr>
+        <p:txBody>
+          <a:bodyPr wrap="none" rtlCol="0">
+            <a:spAutoFit/>
+          </a:bodyPr>
+          <a:lstStyle/>
+          <a:p>
+            <a:r>
+              <a:rPr lang="en-US" dirty="0" smtClean="0"/>
+              <a:t>Martin Fowler</a:t>
+            </a:r>
+            <a:endParaRPr lang="en-US" dirty="0"/>
+          </a:p>
+        </p:txBody>
+      </p:sp>
     </p:spTree>
   </p:cSld>
   <p:clrMapOvr>
     <a:masterClrMapping/>
   </p:clrMapOvr>
+  <p:timing>
+    <p:tnLst>
+      <p:par>
+        <p:cTn id="1" dur="indefinite" restart="never" nodeType="tmRoot"/>
+      </p:par>
+    </p:tnLst>
+  </p:timing>
 </p:sld>
 </file>
 
-<file path=ppt/slides/slide12.xml><?xml version="1.0" encoding="utf-8"?>
+<file path=ppt/slides/slide11.xml><?xml version="1.0" encoding="utf-8"?>
 <p:sld xmlns:a="http://schemas.openxmlformats.org/drawingml/2006/main" xmlns:r="http://schemas.openxmlformats.org/officeDocument/2006/relationships" xmlns:p="http://schemas.openxmlformats.org/presentationml/2006/main">
   <p:cSld>
     <p:spTree>
@@ -7637,10 +8153,17 @@
   <p:clrMapOvr>
     <a:masterClrMapping/>
   </p:clrMapOvr>
+  <p:timing>
+    <p:tnLst>
+      <p:par>
+        <p:cTn id="1" dur="indefinite" restart="never" nodeType="tmRoot"/>
+      </p:par>
+    </p:tnLst>
+  </p:timing>
 </p:sld>
 </file>
 
-<file path=ppt/slides/slide13.xml><?xml version="1.0" encoding="utf-8"?>
+<file path=ppt/slides/slide12.xml><?xml version="1.0" encoding="utf-8"?>
 <p:sld xmlns:a="http://schemas.openxmlformats.org/drawingml/2006/main" xmlns:r="http://schemas.openxmlformats.org/officeDocument/2006/relationships" xmlns:p="http://schemas.openxmlformats.org/presentationml/2006/main">
   <p:cSld>
     <p:spTree>
@@ -8119,7 +8642,7 @@
 </p:sld>
 </file>
 
-<file path=ppt/slides/slide14.xml><?xml version="1.0" encoding="utf-8"?>
+<file path=ppt/slides/slide13.xml><?xml version="1.0" encoding="utf-8"?>
 <p:sld xmlns:a="http://schemas.openxmlformats.org/drawingml/2006/main" xmlns:r="http://schemas.openxmlformats.org/officeDocument/2006/relationships" xmlns:p="http://schemas.openxmlformats.org/presentationml/2006/main">
   <p:cSld>
     <p:spTree>
@@ -8538,6 +9061,124 @@
 </p:sld>
 </file>
 
+<file path=ppt/slides/slide14.xml><?xml version="1.0" encoding="utf-8"?>
+<p:sld xmlns:a="http://schemas.openxmlformats.org/drawingml/2006/main" xmlns:r="http://schemas.openxmlformats.org/officeDocument/2006/relationships" xmlns:p="http://schemas.openxmlformats.org/presentationml/2006/main">
+  <p:cSld>
+    <p:spTree>
+      <p:nvGrpSpPr>
+        <p:cNvPr id="1" name=""/>
+        <p:cNvGrpSpPr/>
+        <p:nvPr/>
+      </p:nvGrpSpPr>
+      <p:grpSpPr>
+        <a:xfrm>
+          <a:off x="0" y="0"/>
+          <a:ext cx="0" cy="0"/>
+          <a:chOff x="0" y="0"/>
+          <a:chExt cx="0" cy="0"/>
+        </a:xfrm>
+      </p:grpSpPr>
+      <p:sp>
+        <p:nvSpPr>
+          <p:cNvPr id="2" name="Заголовок 1"/>
+          <p:cNvSpPr>
+            <a:spLocks noGrp="1"/>
+          </p:cNvSpPr>
+          <p:nvPr>
+            <p:ph type="title"/>
+          </p:nvPr>
+        </p:nvSpPr>
+        <p:spPr>
+          <a:xfrm>
+            <a:off x="533400" y="2209800"/>
+            <a:ext cx="8229600" cy="1143000"/>
+          </a:xfrm>
+        </p:spPr>
+        <p:txBody>
+          <a:bodyPr>
+            <a:normAutofit fontScale="90000"/>
+          </a:bodyPr>
+          <a:lstStyle/>
+          <a:p>
+            <a:r>
+              <a:rPr lang="en-US" dirty="0" smtClean="0">
+                <a:solidFill>
+                  <a:srgbClr val="009900"/>
+                </a:solidFill>
+              </a:rPr>
+              <a:t>Domain </a:t>
+            </a:r>
+            <a:r>
+              <a:rPr lang="en-US" dirty="0" smtClean="0">
+                <a:solidFill>
+                  <a:srgbClr val="7030A0"/>
+                </a:solidFill>
+              </a:rPr>
+              <a:t>Model</a:t>
+            </a:r>
+            <a:r>
+              <a:rPr lang="en-US" dirty="0" smtClean="0">
+                <a:solidFill>
+                  <a:srgbClr val="009900"/>
+                </a:solidFill>
+              </a:rPr>
+              <a:t> </a:t>
+            </a:r>
+            <a:r>
+              <a:rPr lang="en-US" dirty="0" smtClean="0"/>
+              <a:t>-</a:t>
+            </a:r>
+            <a:r>
+              <a:rPr lang="en-US" i="1" dirty="0" smtClean="0"/>
+              <a:t> is a rigorously organized and selective </a:t>
+            </a:r>
+            <a:r>
+              <a:rPr lang="en-US" i="1" dirty="0" smtClean="0">
+                <a:solidFill>
+                  <a:srgbClr val="00B0F0"/>
+                </a:solidFill>
+              </a:rPr>
+              <a:t>abstraction</a:t>
+            </a:r>
+            <a:r>
+              <a:rPr lang="en-US" i="1" dirty="0" smtClean="0"/>
+              <a:t> of the </a:t>
+            </a:r>
+            <a:r>
+              <a:rPr lang="en-US" i="1" dirty="0" smtClean="0"/>
+              <a:t>(Business) </a:t>
+            </a:r>
+            <a:r>
+              <a:rPr lang="en-US" i="1" dirty="0" smtClean="0">
+                <a:solidFill>
+                  <a:srgbClr val="009900"/>
+                </a:solidFill>
+              </a:rPr>
+              <a:t>Domain</a:t>
+            </a:r>
+            <a:r>
+              <a:rPr lang="en-US" i="1" dirty="0" smtClean="0"/>
+              <a:t> knowledge. </a:t>
+            </a:r>
+            <a:endParaRPr lang="en-US" dirty="0"/>
+          </a:p>
+        </p:txBody>
+      </p:sp>
+    </p:spTree>
+  </p:cSld>
+  <p:clrMapOvr>
+    <a:masterClrMapping/>
+  </p:clrMapOvr>
+  <p:timing>
+    <p:tnLst>
+      <p:par>
+        <p:cTn id="1" dur="indefinite" restart="never" nodeType="tmRoot"/>
+      </p:par>
+    </p:tnLst>
+  </p:timing>
+</p:sld>
+</file>
+
 <file path=ppt/slides/slide15.xml><?xml version="1.0" encoding="utf-8"?>
 <p:sld xmlns:a="http://schemas.openxmlformats.org/drawingml/2006/main" xmlns:r="http://schemas.openxmlformats.org/officeDocument/2006/relationships" xmlns:p="http://schemas.openxmlformats.org/presentationml/2006/main">
   <p:cSld>
@@ -8567,8 +9208,8 @@
         </p:nvSpPr>
         <p:spPr>
           <a:xfrm>
-            <a:off x="533400" y="2209800"/>
-            <a:ext cx="8229600" cy="1143000"/>
+            <a:off x="381000" y="1447800"/>
+            <a:ext cx="8229600" cy="2819400"/>
           </a:xfrm>
         </p:spPr>
         <p:txBody>
@@ -8579,11 +9220,7 @@
           <a:p>
             <a:r>
               <a:rPr lang="en-US" dirty="0" smtClean="0"/>
-              <a:t>Domain Model -</a:t>
-            </a:r>
-            <a:r>
-              <a:rPr lang="en-US" i="1" dirty="0" smtClean="0"/>
-              <a:t> is a rigorously organized and selective abstraction of the Business Domain knowledge. </a:t>
+              <a:t>Ubiquitous Language - A language structured around the domain model and used by all team members to connect all the activities of the team with the software.</a:t>
             </a:r>
             <a:endParaRPr lang="en-US" dirty="0"/>
           </a:p>
@@ -8594,65 +9231,17 @@
   <p:clrMapOvr>
     <a:masterClrMapping/>
   </p:clrMapOvr>
+  <p:timing>
+    <p:tnLst>
+      <p:par>
+        <p:cTn id="1" dur="indefinite" restart="never" nodeType="tmRoot"/>
+      </p:par>
+    </p:tnLst>
+  </p:timing>
 </p:sld>
 </file>
 
 <file path=ppt/slides/slide16.xml><?xml version="1.0" encoding="utf-8"?>
-<p:sld xmlns:a="http://schemas.openxmlformats.org/drawingml/2006/main" xmlns:r="http://schemas.openxmlformats.org/officeDocument/2006/relationships" xmlns:p="http://schemas.openxmlformats.org/presentationml/2006/main">
-  <p:cSld>
-    <p:spTree>
-      <p:nvGrpSpPr>
-        <p:cNvPr id="1" name=""/>
-        <p:cNvGrpSpPr/>
-        <p:nvPr/>
-      </p:nvGrpSpPr>
-      <p:grpSpPr>
-        <a:xfrm>
-          <a:off x="0" y="0"/>
-          <a:ext cx="0" cy="0"/>
-          <a:chOff x="0" y="0"/>
-          <a:chExt cx="0" cy="0"/>
-        </a:xfrm>
-      </p:grpSpPr>
-      <p:sp>
-        <p:nvSpPr>
-          <p:cNvPr id="2" name="Заголовок 1"/>
-          <p:cNvSpPr>
-            <a:spLocks noGrp="1"/>
-          </p:cNvSpPr>
-          <p:nvPr>
-            <p:ph type="title"/>
-          </p:nvPr>
-        </p:nvSpPr>
-        <p:spPr>
-          <a:xfrm>
-            <a:off x="381000" y="1447800"/>
-            <a:ext cx="8229600" cy="2819400"/>
-          </a:xfrm>
-        </p:spPr>
-        <p:txBody>
-          <a:bodyPr>
-            <a:normAutofit fontScale="90000"/>
-          </a:bodyPr>
-          <a:lstStyle/>
-          <a:p>
-            <a:r>
-              <a:rPr lang="en-US" dirty="0" smtClean="0"/>
-              <a:t>Ubiquitous Language - A language structured around the domain model and used by all team members to connect all the activities of the team with the software.</a:t>
-            </a:r>
-            <a:endParaRPr lang="en-US" dirty="0"/>
-          </a:p>
-        </p:txBody>
-      </p:sp>
-    </p:spTree>
-  </p:cSld>
-  <p:clrMapOvr>
-    <a:masterClrMapping/>
-  </p:clrMapOvr>
-</p:sld>
-</file>
-
-<file path=ppt/slides/slide17.xml><?xml version="1.0" encoding="utf-8"?>
 <p:sld xmlns:a="http://schemas.openxmlformats.org/drawingml/2006/main" xmlns:r="http://schemas.openxmlformats.org/officeDocument/2006/relationships" xmlns:p="http://schemas.openxmlformats.org/presentationml/2006/main">
   <p:cSld>
     <p:spTree>
@@ -9215,10 +9804,17 @@
   <p:clrMapOvr>
     <a:masterClrMapping/>
   </p:clrMapOvr>
+  <p:timing>
+    <p:tnLst>
+      <p:par>
+        <p:cTn id="1" dur="indefinite" restart="never" nodeType="tmRoot"/>
+      </p:par>
+    </p:tnLst>
+  </p:timing>
 </p:sld>
 </file>
 
-<file path=ppt/slides/slide18.xml><?xml version="1.0" encoding="utf-8"?>
+<file path=ppt/slides/slide17.xml><?xml version="1.0" encoding="utf-8"?>
 <p:sld xmlns:a="http://schemas.openxmlformats.org/drawingml/2006/main" xmlns:r="http://schemas.openxmlformats.org/officeDocument/2006/relationships" xmlns:p="http://schemas.openxmlformats.org/presentationml/2006/main">
   <p:cSld>
     <p:spTree>
@@ -9902,6 +10498,73 @@
   <p:clrMapOvr>
     <a:masterClrMapping/>
   </p:clrMapOvr>
+  <p:timing>
+    <p:tnLst>
+      <p:par>
+        <p:cTn id="1" dur="indefinite" restart="never" nodeType="tmRoot"/>
+      </p:par>
+    </p:tnLst>
+  </p:timing>
+</p:sld>
+</file>
+
+<file path=ppt/slides/slide18.xml><?xml version="1.0" encoding="utf-8"?>
+<p:sld xmlns:a="http://schemas.openxmlformats.org/drawingml/2006/main" xmlns:r="http://schemas.openxmlformats.org/officeDocument/2006/relationships" xmlns:p="http://schemas.openxmlformats.org/presentationml/2006/main">
+  <p:cSld>
+    <p:spTree>
+      <p:nvGrpSpPr>
+        <p:cNvPr id="1" name=""/>
+        <p:cNvGrpSpPr/>
+        <p:nvPr/>
+      </p:nvGrpSpPr>
+      <p:grpSpPr>
+        <a:xfrm>
+          <a:off x="0" y="0"/>
+          <a:ext cx="0" cy="0"/>
+          <a:chOff x="0" y="0"/>
+          <a:chExt cx="0" cy="0"/>
+        </a:xfrm>
+      </p:grpSpPr>
+      <p:sp>
+        <p:nvSpPr>
+          <p:cNvPr id="2" name="Заголовок 1"/>
+          <p:cNvSpPr>
+            <a:spLocks noGrp="1"/>
+          </p:cNvSpPr>
+          <p:nvPr>
+            <p:ph type="title"/>
+          </p:nvPr>
+        </p:nvSpPr>
+        <p:spPr>
+          <a:xfrm>
+            <a:off x="533400" y="2286000"/>
+            <a:ext cx="8229600" cy="1143000"/>
+          </a:xfrm>
+        </p:spPr>
+        <p:txBody>
+          <a:bodyPr/>
+          <a:lstStyle/>
+          <a:p>
+            <a:r>
+              <a:rPr lang="en-US" dirty="0" smtClean="0"/>
+              <a:t>Building blocks</a:t>
+            </a:r>
+            <a:endParaRPr lang="en-US" dirty="0"/>
+          </a:p>
+        </p:txBody>
+      </p:sp>
+    </p:spTree>
+  </p:cSld>
+  <p:clrMapOvr>
+    <a:masterClrMapping/>
+  </p:clrMapOvr>
+  <p:timing>
+    <p:tnLst>
+      <p:par>
+        <p:cTn id="1" dur="indefinite" restart="never" nodeType="tmRoot"/>
+      </p:par>
+    </p:tnLst>
+  </p:timing>
 </p:sld>
 </file>
 
@@ -9924,37 +10587,536 @@
       </p:grpSpPr>
       <p:sp>
         <p:nvSpPr>
-          <p:cNvPr id="2" name="Заголовок 1"/>
+          <p:cNvPr id="2" name="Title 1"/>
           <p:cNvSpPr>
             <a:spLocks noGrp="1"/>
           </p:cNvSpPr>
           <p:nvPr>
             <p:ph type="title"/>
           </p:nvPr>
+        </p:nvSpPr>
+        <p:spPr/>
+        <p:txBody>
+          <a:bodyPr/>
+          <a:lstStyle/>
+          <a:p>
+            <a:r>
+              <a:rPr lang="en-US" dirty="0" smtClean="0"/>
+              <a:t>Classic Layering</a:t>
+            </a:r>
+            <a:endParaRPr lang="en-US" dirty="0"/>
+          </a:p>
+        </p:txBody>
+      </p:sp>
+      <p:sp>
+        <p:nvSpPr>
+          <p:cNvPr id="7" name="Rounded Rectangle 6"/>
+          <p:cNvSpPr/>
+          <p:nvPr/>
         </p:nvSpPr>
         <p:spPr>
           <a:xfrm>
-            <a:off x="533400" y="2286000"/>
-            <a:ext cx="8229600" cy="1143000"/>
+            <a:off x="3124200" y="1676400"/>
+            <a:ext cx="2743200" cy="685800"/>
           </a:xfrm>
+          <a:prstGeom prst="roundRect">
+            <a:avLst/>
+          </a:prstGeom>
+          <a:gradFill flip="none" rotWithShape="1">
+            <a:gsLst>
+              <a:gs pos="0">
+                <a:schemeClr val="accent1">
+                  <a:tint val="66000"/>
+                  <a:satMod val="160000"/>
+                </a:schemeClr>
+              </a:gs>
+              <a:gs pos="50000">
+                <a:schemeClr val="accent1">
+                  <a:tint val="44500"/>
+                  <a:satMod val="160000"/>
+                </a:schemeClr>
+              </a:gs>
+              <a:gs pos="100000">
+                <a:schemeClr val="accent1">
+                  <a:tint val="23500"/>
+                  <a:satMod val="160000"/>
+                </a:schemeClr>
+              </a:gs>
+            </a:gsLst>
+            <a:lin ang="5400000" scaled="1"/>
+            <a:tileRect/>
+          </a:gradFill>
         </p:spPr>
-        <p:txBody>
-          <a:bodyPr/>
-          <a:lstStyle/>
-          <a:p>
-            <a:r>
-              <a:rPr lang="en-US" dirty="0" smtClean="0"/>
-              <a:t>Building blocks</a:t>
-            </a:r>
-            <a:endParaRPr lang="en-US" dirty="0"/>
-          </a:p>
-        </p:txBody>
-      </p:sp>
+        <p:style>
+          <a:lnRef idx="2">
+            <a:schemeClr val="accent1">
+              <a:shade val="50000"/>
+            </a:schemeClr>
+          </a:lnRef>
+          <a:fillRef idx="1">
+            <a:schemeClr val="accent1"/>
+          </a:fillRef>
+          <a:effectRef idx="0">
+            <a:schemeClr val="accent1"/>
+          </a:effectRef>
+          <a:fontRef idx="minor">
+            <a:schemeClr val="lt1"/>
+          </a:fontRef>
+        </p:style>
+        <p:txBody>
+          <a:bodyPr rtlCol="0" anchor="ctr"/>
+          <a:lstStyle/>
+          <a:p>
+            <a:pPr algn="ctr"/>
+            <a:r>
+              <a:rPr lang="en-US" dirty="0" smtClean="0">
+                <a:solidFill>
+                  <a:schemeClr val="tx1"/>
+                </a:solidFill>
+              </a:rPr>
+              <a:t>UI</a:t>
+            </a:r>
+            <a:endParaRPr lang="en-US" b="1" dirty="0">
+              <a:solidFill>
+                <a:srgbClr val="009900"/>
+              </a:solidFill>
+            </a:endParaRPr>
+          </a:p>
+        </p:txBody>
+      </p:sp>
+      <p:sp>
+        <p:nvSpPr>
+          <p:cNvPr id="8" name="Rounded Rectangle 6"/>
+          <p:cNvSpPr/>
+          <p:nvPr/>
+        </p:nvSpPr>
+        <p:spPr>
+          <a:xfrm>
+            <a:off x="3124200" y="2971800"/>
+            <a:ext cx="2743200" cy="685800"/>
+          </a:xfrm>
+          <a:prstGeom prst="roundRect">
+            <a:avLst/>
+          </a:prstGeom>
+          <a:gradFill flip="none" rotWithShape="1">
+            <a:gsLst>
+              <a:gs pos="0">
+                <a:schemeClr val="accent1">
+                  <a:tint val="66000"/>
+                  <a:satMod val="160000"/>
+                </a:schemeClr>
+              </a:gs>
+              <a:gs pos="50000">
+                <a:schemeClr val="accent1">
+                  <a:tint val="44500"/>
+                  <a:satMod val="160000"/>
+                </a:schemeClr>
+              </a:gs>
+              <a:gs pos="100000">
+                <a:schemeClr val="accent1">
+                  <a:tint val="23500"/>
+                  <a:satMod val="160000"/>
+                </a:schemeClr>
+              </a:gs>
+            </a:gsLst>
+            <a:lin ang="5400000" scaled="1"/>
+            <a:tileRect/>
+          </a:gradFill>
+        </p:spPr>
+        <p:style>
+          <a:lnRef idx="2">
+            <a:schemeClr val="accent1">
+              <a:shade val="50000"/>
+            </a:schemeClr>
+          </a:lnRef>
+          <a:fillRef idx="1">
+            <a:schemeClr val="accent1"/>
+          </a:fillRef>
+          <a:effectRef idx="0">
+            <a:schemeClr val="accent1"/>
+          </a:effectRef>
+          <a:fontRef idx="minor">
+            <a:schemeClr val="lt1"/>
+          </a:fontRef>
+        </p:style>
+        <p:txBody>
+          <a:bodyPr rtlCol="0" anchor="ctr"/>
+          <a:lstStyle/>
+          <a:p>
+            <a:pPr algn="ctr"/>
+            <a:r>
+              <a:rPr lang="en-US" dirty="0" smtClean="0">
+                <a:solidFill>
+                  <a:schemeClr val="tx1"/>
+                </a:solidFill>
+              </a:rPr>
+              <a:t>Business Entities</a:t>
+            </a:r>
+            <a:endParaRPr lang="en-US" b="1" dirty="0">
+              <a:solidFill>
+                <a:srgbClr val="009900"/>
+              </a:solidFill>
+            </a:endParaRPr>
+          </a:p>
+        </p:txBody>
+      </p:sp>
+      <p:sp>
+        <p:nvSpPr>
+          <p:cNvPr id="9" name="Rounded Rectangle 6"/>
+          <p:cNvSpPr/>
+          <p:nvPr/>
+        </p:nvSpPr>
+        <p:spPr>
+          <a:xfrm>
+            <a:off x="3124200" y="4267200"/>
+            <a:ext cx="2743200" cy="685800"/>
+          </a:xfrm>
+          <a:prstGeom prst="roundRect">
+            <a:avLst/>
+          </a:prstGeom>
+          <a:gradFill flip="none" rotWithShape="1">
+            <a:gsLst>
+              <a:gs pos="0">
+                <a:schemeClr val="accent1">
+                  <a:tint val="66000"/>
+                  <a:satMod val="160000"/>
+                </a:schemeClr>
+              </a:gs>
+              <a:gs pos="50000">
+                <a:schemeClr val="accent1">
+                  <a:tint val="44500"/>
+                  <a:satMod val="160000"/>
+                </a:schemeClr>
+              </a:gs>
+              <a:gs pos="100000">
+                <a:schemeClr val="accent1">
+                  <a:tint val="23500"/>
+                  <a:satMod val="160000"/>
+                </a:schemeClr>
+              </a:gs>
+            </a:gsLst>
+            <a:lin ang="5400000" scaled="1"/>
+            <a:tileRect/>
+          </a:gradFill>
+        </p:spPr>
+        <p:style>
+          <a:lnRef idx="2">
+            <a:schemeClr val="accent1">
+              <a:shade val="50000"/>
+            </a:schemeClr>
+          </a:lnRef>
+          <a:fillRef idx="1">
+            <a:schemeClr val="accent1"/>
+          </a:fillRef>
+          <a:effectRef idx="0">
+            <a:schemeClr val="accent1"/>
+          </a:effectRef>
+          <a:fontRef idx="minor">
+            <a:schemeClr val="lt1"/>
+          </a:fontRef>
+        </p:style>
+        <p:txBody>
+          <a:bodyPr rtlCol="0" anchor="ctr"/>
+          <a:lstStyle/>
+          <a:p>
+            <a:pPr algn="ctr"/>
+            <a:r>
+              <a:rPr lang="en-US" dirty="0" smtClean="0">
+                <a:solidFill>
+                  <a:schemeClr val="tx1"/>
+                </a:solidFill>
+              </a:rPr>
+              <a:t>Data Access</a:t>
+            </a:r>
+            <a:endParaRPr lang="en-US" b="1" dirty="0">
+              <a:solidFill>
+                <a:srgbClr val="009900"/>
+              </a:solidFill>
+            </a:endParaRPr>
+          </a:p>
+        </p:txBody>
+      </p:sp>
+      <p:sp>
+        <p:nvSpPr>
+          <p:cNvPr id="10" name="Can 9"/>
+          <p:cNvSpPr/>
+          <p:nvPr/>
+        </p:nvSpPr>
+        <p:spPr>
+          <a:xfrm>
+            <a:off x="3886200" y="5105400"/>
+            <a:ext cx="1295400" cy="914400"/>
+          </a:xfrm>
+          <a:prstGeom prst="can">
+            <a:avLst/>
+          </a:prstGeom>
+          <a:gradFill flip="none" rotWithShape="1">
+            <a:gsLst>
+              <a:gs pos="0">
+                <a:schemeClr val="accent1">
+                  <a:tint val="66000"/>
+                  <a:satMod val="160000"/>
+                </a:schemeClr>
+              </a:gs>
+              <a:gs pos="50000">
+                <a:schemeClr val="accent1">
+                  <a:tint val="44500"/>
+                  <a:satMod val="160000"/>
+                </a:schemeClr>
+              </a:gs>
+              <a:gs pos="100000">
+                <a:schemeClr val="accent1">
+                  <a:tint val="23500"/>
+                  <a:satMod val="160000"/>
+                </a:schemeClr>
+              </a:gs>
+            </a:gsLst>
+            <a:lin ang="5400000" scaled="1"/>
+            <a:tileRect/>
+          </a:gradFill>
+        </p:spPr>
+        <p:style>
+          <a:lnRef idx="2">
+            <a:schemeClr val="accent1">
+              <a:shade val="50000"/>
+            </a:schemeClr>
+          </a:lnRef>
+          <a:fillRef idx="1">
+            <a:schemeClr val="accent1"/>
+          </a:fillRef>
+          <a:effectRef idx="0">
+            <a:schemeClr val="accent1"/>
+          </a:effectRef>
+          <a:fontRef idx="minor">
+            <a:schemeClr val="lt1"/>
+          </a:fontRef>
+        </p:style>
+        <p:txBody>
+          <a:bodyPr rtlCol="0" anchor="ctr"/>
+          <a:lstStyle/>
+          <a:p>
+            <a:pPr algn="ctr"/>
+            <a:r>
+              <a:rPr lang="en-US" dirty="0" smtClean="0">
+                <a:solidFill>
+                  <a:schemeClr val="tx1"/>
+                </a:solidFill>
+              </a:rPr>
+              <a:t>DB</a:t>
+            </a:r>
+          </a:p>
+        </p:txBody>
+      </p:sp>
+      <p:sp>
+        <p:nvSpPr>
+          <p:cNvPr id="11" name="Rectangle 10"/>
+          <p:cNvSpPr/>
+          <p:nvPr/>
+        </p:nvSpPr>
+        <p:spPr>
+          <a:xfrm>
+            <a:off x="6477000" y="2895600"/>
+            <a:ext cx="1905000" cy="1143000"/>
+          </a:xfrm>
+          <a:prstGeom prst="rect">
+            <a:avLst/>
+          </a:prstGeom>
+          <a:gradFill flip="none" rotWithShape="1">
+            <a:gsLst>
+              <a:gs pos="0">
+                <a:schemeClr val="accent1">
+                  <a:tint val="66000"/>
+                  <a:satMod val="160000"/>
+                </a:schemeClr>
+              </a:gs>
+              <a:gs pos="50000">
+                <a:schemeClr val="accent1">
+                  <a:tint val="44500"/>
+                  <a:satMod val="160000"/>
+                </a:schemeClr>
+              </a:gs>
+              <a:gs pos="100000">
+                <a:schemeClr val="accent1">
+                  <a:tint val="23500"/>
+                  <a:satMod val="160000"/>
+                </a:schemeClr>
+              </a:gs>
+            </a:gsLst>
+            <a:lin ang="5400000" scaled="1"/>
+            <a:tileRect/>
+          </a:gradFill>
+        </p:spPr>
+        <p:style>
+          <a:lnRef idx="2">
+            <a:schemeClr val="accent1">
+              <a:shade val="50000"/>
+            </a:schemeClr>
+          </a:lnRef>
+          <a:fillRef idx="1">
+            <a:schemeClr val="accent1"/>
+          </a:fillRef>
+          <a:effectRef idx="0">
+            <a:schemeClr val="accent1"/>
+          </a:effectRef>
+          <a:fontRef idx="minor">
+            <a:schemeClr val="lt1"/>
+          </a:fontRef>
+        </p:style>
+        <p:txBody>
+          <a:bodyPr rtlCol="0" anchor="ctr"/>
+          <a:lstStyle/>
+          <a:p>
+            <a:pPr algn="ctr"/>
+            <a:r>
+              <a:rPr lang="en-US" dirty="0" smtClean="0">
+                <a:solidFill>
+                  <a:schemeClr val="tx1"/>
+                </a:solidFill>
+              </a:rPr>
+              <a:t>Record Sets or</a:t>
+            </a:r>
+          </a:p>
+          <a:p>
+            <a:pPr algn="ctr"/>
+            <a:r>
+              <a:rPr lang="en-US" dirty="0" smtClean="0">
+                <a:solidFill>
+                  <a:schemeClr val="tx1"/>
+                </a:solidFill>
+              </a:rPr>
+              <a:t>Data Sets or</a:t>
+            </a:r>
+          </a:p>
+          <a:p>
+            <a:pPr algn="ctr"/>
+            <a:r>
+              <a:rPr lang="en-US" dirty="0" smtClean="0">
+                <a:solidFill>
+                  <a:schemeClr val="tx1"/>
+                </a:solidFill>
+              </a:rPr>
+              <a:t>POCO or</a:t>
+            </a:r>
+          </a:p>
+          <a:p>
+            <a:pPr algn="ctr"/>
+            <a:r>
+              <a:rPr lang="en-US" dirty="0" smtClean="0">
+                <a:solidFill>
+                  <a:schemeClr val="tx1"/>
+                </a:solidFill>
+              </a:rPr>
+              <a:t>POJO</a:t>
+            </a:r>
+          </a:p>
+        </p:txBody>
+      </p:sp>
+      <p:cxnSp>
+        <p:nvCxnSpPr>
+          <p:cNvPr id="13" name="Straight Connector 12"/>
+          <p:cNvCxnSpPr/>
+          <p:nvPr/>
+        </p:nvCxnSpPr>
+        <p:spPr>
+          <a:xfrm>
+            <a:off x="2362200" y="1600200"/>
+            <a:ext cx="5867400" cy="1588"/>
+          </a:xfrm>
+          <a:prstGeom prst="line">
+            <a:avLst/>
+          </a:prstGeom>
+        </p:spPr>
+        <p:style>
+          <a:lnRef idx="1">
+            <a:schemeClr val="accent1"/>
+          </a:lnRef>
+          <a:fillRef idx="0">
+            <a:schemeClr val="accent1"/>
+          </a:fillRef>
+          <a:effectRef idx="0">
+            <a:schemeClr val="accent1"/>
+          </a:effectRef>
+          <a:fontRef idx="minor">
+            <a:schemeClr val="tx1"/>
+          </a:fontRef>
+        </p:style>
+      </p:cxnSp>
+      <p:cxnSp>
+        <p:nvCxnSpPr>
+          <p:cNvPr id="14" name="Straight Connector 13"/>
+          <p:cNvCxnSpPr/>
+          <p:nvPr/>
+        </p:nvCxnSpPr>
+        <p:spPr>
+          <a:xfrm>
+            <a:off x="2362200" y="5029200"/>
+            <a:ext cx="5867400" cy="1588"/>
+          </a:xfrm>
+          <a:prstGeom prst="line">
+            <a:avLst/>
+          </a:prstGeom>
+        </p:spPr>
+        <p:style>
+          <a:lnRef idx="1">
+            <a:schemeClr val="accent1"/>
+          </a:lnRef>
+          <a:fillRef idx="0">
+            <a:schemeClr val="accent1"/>
+          </a:fillRef>
+          <a:effectRef idx="0">
+            <a:schemeClr val="accent1"/>
+          </a:effectRef>
+          <a:fontRef idx="minor">
+            <a:schemeClr val="tx1"/>
+          </a:fontRef>
+        </p:style>
+      </p:cxnSp>
+      <p:cxnSp>
+        <p:nvCxnSpPr>
+          <p:cNvPr id="16" name="Straight Arrow Connector 15"/>
+          <p:cNvCxnSpPr/>
+          <p:nvPr/>
+        </p:nvCxnSpPr>
+        <p:spPr>
+          <a:xfrm rot="16260000" flipH="1">
+            <a:off x="6675120" y="3276599"/>
+            <a:ext cx="3429000" cy="76200"/>
+          </a:xfrm>
+          <a:prstGeom prst="straightConnector1">
+            <a:avLst/>
+          </a:prstGeom>
+          <a:ln>
+            <a:headEnd type="arrow"/>
+            <a:tailEnd type="arrow"/>
+          </a:ln>
+        </p:spPr>
+        <p:style>
+          <a:lnRef idx="2">
+            <a:schemeClr val="accent1"/>
+          </a:lnRef>
+          <a:fillRef idx="0">
+            <a:schemeClr val="accent1"/>
+          </a:fillRef>
+          <a:effectRef idx="1">
+            <a:schemeClr val="accent1"/>
+          </a:effectRef>
+          <a:fontRef idx="minor">
+            <a:schemeClr val="tx1"/>
+          </a:fontRef>
+        </p:style>
+      </p:cxnSp>
     </p:spTree>
   </p:cSld>
   <p:clrMapOvr>
     <a:masterClrMapping/>
   </p:clrMapOvr>
+  <p:timing>
+    <p:tnLst>
+      <p:par>
+        <p:cTn id="1" dur="indefinite" restart="never" nodeType="tmRoot"/>
+      </p:par>
+    </p:tnLst>
+  </p:timing>
 </p:sld>
 </file>
 
@@ -10179,551 +11341,6 @@
 </file>
 
 <file path=ppt/slides/slide20.xml><?xml version="1.0" encoding="utf-8"?>
-<p:sld xmlns:a="http://schemas.openxmlformats.org/drawingml/2006/main" xmlns:r="http://schemas.openxmlformats.org/officeDocument/2006/relationships" xmlns:p="http://schemas.openxmlformats.org/presentationml/2006/main">
-  <p:cSld>
-    <p:spTree>
-      <p:nvGrpSpPr>
-        <p:cNvPr id="1" name=""/>
-        <p:cNvGrpSpPr/>
-        <p:nvPr/>
-      </p:nvGrpSpPr>
-      <p:grpSpPr>
-        <a:xfrm>
-          <a:off x="0" y="0"/>
-          <a:ext cx="0" cy="0"/>
-          <a:chOff x="0" y="0"/>
-          <a:chExt cx="0" cy="0"/>
-        </a:xfrm>
-      </p:grpSpPr>
-      <p:sp>
-        <p:nvSpPr>
-          <p:cNvPr id="2" name="Title 1"/>
-          <p:cNvSpPr>
-            <a:spLocks noGrp="1"/>
-          </p:cNvSpPr>
-          <p:nvPr>
-            <p:ph type="title"/>
-          </p:nvPr>
-        </p:nvSpPr>
-        <p:spPr/>
-        <p:txBody>
-          <a:bodyPr/>
-          <a:lstStyle/>
-          <a:p>
-            <a:r>
-              <a:rPr lang="en-US" dirty="0" smtClean="0"/>
-              <a:t>Classic Layering</a:t>
-            </a:r>
-            <a:endParaRPr lang="en-US" dirty="0"/>
-          </a:p>
-        </p:txBody>
-      </p:sp>
-      <p:sp>
-        <p:nvSpPr>
-          <p:cNvPr id="7" name="Rounded Rectangle 6"/>
-          <p:cNvSpPr/>
-          <p:nvPr/>
-        </p:nvSpPr>
-        <p:spPr>
-          <a:xfrm>
-            <a:off x="3124200" y="1676400"/>
-            <a:ext cx="2743200" cy="685800"/>
-          </a:xfrm>
-          <a:prstGeom prst="roundRect">
-            <a:avLst/>
-          </a:prstGeom>
-          <a:gradFill flip="none" rotWithShape="1">
-            <a:gsLst>
-              <a:gs pos="0">
-                <a:schemeClr val="accent1">
-                  <a:tint val="66000"/>
-                  <a:satMod val="160000"/>
-                </a:schemeClr>
-              </a:gs>
-              <a:gs pos="50000">
-                <a:schemeClr val="accent1">
-                  <a:tint val="44500"/>
-                  <a:satMod val="160000"/>
-                </a:schemeClr>
-              </a:gs>
-              <a:gs pos="100000">
-                <a:schemeClr val="accent1">
-                  <a:tint val="23500"/>
-                  <a:satMod val="160000"/>
-                </a:schemeClr>
-              </a:gs>
-            </a:gsLst>
-            <a:lin ang="5400000" scaled="1"/>
-            <a:tileRect/>
-          </a:gradFill>
-        </p:spPr>
-        <p:style>
-          <a:lnRef idx="2">
-            <a:schemeClr val="accent1">
-              <a:shade val="50000"/>
-            </a:schemeClr>
-          </a:lnRef>
-          <a:fillRef idx="1">
-            <a:schemeClr val="accent1"/>
-          </a:fillRef>
-          <a:effectRef idx="0">
-            <a:schemeClr val="accent1"/>
-          </a:effectRef>
-          <a:fontRef idx="minor">
-            <a:schemeClr val="lt1"/>
-          </a:fontRef>
-        </p:style>
-        <p:txBody>
-          <a:bodyPr rtlCol="0" anchor="ctr"/>
-          <a:lstStyle/>
-          <a:p>
-            <a:pPr algn="ctr"/>
-            <a:r>
-              <a:rPr lang="en-US" dirty="0" smtClean="0">
-                <a:solidFill>
-                  <a:schemeClr val="tx1"/>
-                </a:solidFill>
-              </a:rPr>
-              <a:t>UI</a:t>
-            </a:r>
-            <a:endParaRPr lang="en-US" b="1" dirty="0">
-              <a:solidFill>
-                <a:srgbClr val="009900"/>
-              </a:solidFill>
-            </a:endParaRPr>
-          </a:p>
-        </p:txBody>
-      </p:sp>
-      <p:sp>
-        <p:nvSpPr>
-          <p:cNvPr id="8" name="Rounded Rectangle 6"/>
-          <p:cNvSpPr/>
-          <p:nvPr/>
-        </p:nvSpPr>
-        <p:spPr>
-          <a:xfrm>
-            <a:off x="3124200" y="2971800"/>
-            <a:ext cx="2743200" cy="685800"/>
-          </a:xfrm>
-          <a:prstGeom prst="roundRect">
-            <a:avLst/>
-          </a:prstGeom>
-          <a:gradFill flip="none" rotWithShape="1">
-            <a:gsLst>
-              <a:gs pos="0">
-                <a:schemeClr val="accent1">
-                  <a:tint val="66000"/>
-                  <a:satMod val="160000"/>
-                </a:schemeClr>
-              </a:gs>
-              <a:gs pos="50000">
-                <a:schemeClr val="accent1">
-                  <a:tint val="44500"/>
-                  <a:satMod val="160000"/>
-                </a:schemeClr>
-              </a:gs>
-              <a:gs pos="100000">
-                <a:schemeClr val="accent1">
-                  <a:tint val="23500"/>
-                  <a:satMod val="160000"/>
-                </a:schemeClr>
-              </a:gs>
-            </a:gsLst>
-            <a:lin ang="5400000" scaled="1"/>
-            <a:tileRect/>
-          </a:gradFill>
-        </p:spPr>
-        <p:style>
-          <a:lnRef idx="2">
-            <a:schemeClr val="accent1">
-              <a:shade val="50000"/>
-            </a:schemeClr>
-          </a:lnRef>
-          <a:fillRef idx="1">
-            <a:schemeClr val="accent1"/>
-          </a:fillRef>
-          <a:effectRef idx="0">
-            <a:schemeClr val="accent1"/>
-          </a:effectRef>
-          <a:fontRef idx="minor">
-            <a:schemeClr val="lt1"/>
-          </a:fontRef>
-        </p:style>
-        <p:txBody>
-          <a:bodyPr rtlCol="0" anchor="ctr"/>
-          <a:lstStyle/>
-          <a:p>
-            <a:pPr algn="ctr"/>
-            <a:r>
-              <a:rPr lang="en-US" dirty="0" smtClean="0">
-                <a:solidFill>
-                  <a:schemeClr val="tx1"/>
-                </a:solidFill>
-              </a:rPr>
-              <a:t>Business Entities</a:t>
-            </a:r>
-            <a:endParaRPr lang="en-US" b="1" dirty="0">
-              <a:solidFill>
-                <a:srgbClr val="009900"/>
-              </a:solidFill>
-            </a:endParaRPr>
-          </a:p>
-        </p:txBody>
-      </p:sp>
-      <p:sp>
-        <p:nvSpPr>
-          <p:cNvPr id="9" name="Rounded Rectangle 6"/>
-          <p:cNvSpPr/>
-          <p:nvPr/>
-        </p:nvSpPr>
-        <p:spPr>
-          <a:xfrm>
-            <a:off x="3124200" y="4267200"/>
-            <a:ext cx="2743200" cy="685800"/>
-          </a:xfrm>
-          <a:prstGeom prst="roundRect">
-            <a:avLst/>
-          </a:prstGeom>
-          <a:gradFill flip="none" rotWithShape="1">
-            <a:gsLst>
-              <a:gs pos="0">
-                <a:schemeClr val="accent1">
-                  <a:tint val="66000"/>
-                  <a:satMod val="160000"/>
-                </a:schemeClr>
-              </a:gs>
-              <a:gs pos="50000">
-                <a:schemeClr val="accent1">
-                  <a:tint val="44500"/>
-                  <a:satMod val="160000"/>
-                </a:schemeClr>
-              </a:gs>
-              <a:gs pos="100000">
-                <a:schemeClr val="accent1">
-                  <a:tint val="23500"/>
-                  <a:satMod val="160000"/>
-                </a:schemeClr>
-              </a:gs>
-            </a:gsLst>
-            <a:lin ang="5400000" scaled="1"/>
-            <a:tileRect/>
-          </a:gradFill>
-        </p:spPr>
-        <p:style>
-          <a:lnRef idx="2">
-            <a:schemeClr val="accent1">
-              <a:shade val="50000"/>
-            </a:schemeClr>
-          </a:lnRef>
-          <a:fillRef idx="1">
-            <a:schemeClr val="accent1"/>
-          </a:fillRef>
-          <a:effectRef idx="0">
-            <a:schemeClr val="accent1"/>
-          </a:effectRef>
-          <a:fontRef idx="minor">
-            <a:schemeClr val="lt1"/>
-          </a:fontRef>
-        </p:style>
-        <p:txBody>
-          <a:bodyPr rtlCol="0" anchor="ctr"/>
-          <a:lstStyle/>
-          <a:p>
-            <a:pPr algn="ctr"/>
-            <a:r>
-              <a:rPr lang="en-US" dirty="0" smtClean="0">
-                <a:solidFill>
-                  <a:schemeClr val="tx1"/>
-                </a:solidFill>
-              </a:rPr>
-              <a:t>Data Access</a:t>
-            </a:r>
-            <a:endParaRPr lang="en-US" b="1" dirty="0">
-              <a:solidFill>
-                <a:srgbClr val="009900"/>
-              </a:solidFill>
-            </a:endParaRPr>
-          </a:p>
-        </p:txBody>
-      </p:sp>
-      <p:sp>
-        <p:nvSpPr>
-          <p:cNvPr id="10" name="Can 9"/>
-          <p:cNvSpPr/>
-          <p:nvPr/>
-        </p:nvSpPr>
-        <p:spPr>
-          <a:xfrm>
-            <a:off x="3886200" y="5105400"/>
-            <a:ext cx="1295400" cy="914400"/>
-          </a:xfrm>
-          <a:prstGeom prst="can">
-            <a:avLst/>
-          </a:prstGeom>
-          <a:gradFill flip="none" rotWithShape="1">
-            <a:gsLst>
-              <a:gs pos="0">
-                <a:schemeClr val="accent1">
-                  <a:tint val="66000"/>
-                  <a:satMod val="160000"/>
-                </a:schemeClr>
-              </a:gs>
-              <a:gs pos="50000">
-                <a:schemeClr val="accent1">
-                  <a:tint val="44500"/>
-                  <a:satMod val="160000"/>
-                </a:schemeClr>
-              </a:gs>
-              <a:gs pos="100000">
-                <a:schemeClr val="accent1">
-                  <a:tint val="23500"/>
-                  <a:satMod val="160000"/>
-                </a:schemeClr>
-              </a:gs>
-            </a:gsLst>
-            <a:lin ang="5400000" scaled="1"/>
-            <a:tileRect/>
-          </a:gradFill>
-        </p:spPr>
-        <p:style>
-          <a:lnRef idx="2">
-            <a:schemeClr val="accent1">
-              <a:shade val="50000"/>
-            </a:schemeClr>
-          </a:lnRef>
-          <a:fillRef idx="1">
-            <a:schemeClr val="accent1"/>
-          </a:fillRef>
-          <a:effectRef idx="0">
-            <a:schemeClr val="accent1"/>
-          </a:effectRef>
-          <a:fontRef idx="minor">
-            <a:schemeClr val="lt1"/>
-          </a:fontRef>
-        </p:style>
-        <p:txBody>
-          <a:bodyPr rtlCol="0" anchor="ctr"/>
-          <a:lstStyle/>
-          <a:p>
-            <a:pPr algn="ctr"/>
-            <a:r>
-              <a:rPr lang="en-US" dirty="0" smtClean="0">
-                <a:solidFill>
-                  <a:schemeClr val="tx1"/>
-                </a:solidFill>
-              </a:rPr>
-              <a:t>DB</a:t>
-            </a:r>
-          </a:p>
-        </p:txBody>
-      </p:sp>
-      <p:sp>
-        <p:nvSpPr>
-          <p:cNvPr id="11" name="Rectangle 10"/>
-          <p:cNvSpPr/>
-          <p:nvPr/>
-        </p:nvSpPr>
-        <p:spPr>
-          <a:xfrm>
-            <a:off x="6477000" y="2895600"/>
-            <a:ext cx="1905000" cy="1143000"/>
-          </a:xfrm>
-          <a:prstGeom prst="rect">
-            <a:avLst/>
-          </a:prstGeom>
-          <a:gradFill flip="none" rotWithShape="1">
-            <a:gsLst>
-              <a:gs pos="0">
-                <a:schemeClr val="accent1">
-                  <a:tint val="66000"/>
-                  <a:satMod val="160000"/>
-                </a:schemeClr>
-              </a:gs>
-              <a:gs pos="50000">
-                <a:schemeClr val="accent1">
-                  <a:tint val="44500"/>
-                  <a:satMod val="160000"/>
-                </a:schemeClr>
-              </a:gs>
-              <a:gs pos="100000">
-                <a:schemeClr val="accent1">
-                  <a:tint val="23500"/>
-                  <a:satMod val="160000"/>
-                </a:schemeClr>
-              </a:gs>
-            </a:gsLst>
-            <a:lin ang="5400000" scaled="1"/>
-            <a:tileRect/>
-          </a:gradFill>
-        </p:spPr>
-        <p:style>
-          <a:lnRef idx="2">
-            <a:schemeClr val="accent1">
-              <a:shade val="50000"/>
-            </a:schemeClr>
-          </a:lnRef>
-          <a:fillRef idx="1">
-            <a:schemeClr val="accent1"/>
-          </a:fillRef>
-          <a:effectRef idx="0">
-            <a:schemeClr val="accent1"/>
-          </a:effectRef>
-          <a:fontRef idx="minor">
-            <a:schemeClr val="lt1"/>
-          </a:fontRef>
-        </p:style>
-        <p:txBody>
-          <a:bodyPr rtlCol="0" anchor="ctr"/>
-          <a:lstStyle/>
-          <a:p>
-            <a:pPr algn="ctr"/>
-            <a:r>
-              <a:rPr lang="en-US" dirty="0" smtClean="0">
-                <a:solidFill>
-                  <a:schemeClr val="tx1"/>
-                </a:solidFill>
-              </a:rPr>
-              <a:t>Record Sets or</a:t>
-            </a:r>
-          </a:p>
-          <a:p>
-            <a:pPr algn="ctr"/>
-            <a:r>
-              <a:rPr lang="en-US" dirty="0" smtClean="0">
-                <a:solidFill>
-                  <a:schemeClr val="tx1"/>
-                </a:solidFill>
-              </a:rPr>
-              <a:t>Data Sets or</a:t>
-            </a:r>
-          </a:p>
-          <a:p>
-            <a:pPr algn="ctr"/>
-            <a:r>
-              <a:rPr lang="en-US" dirty="0" smtClean="0">
-                <a:solidFill>
-                  <a:schemeClr val="tx1"/>
-                </a:solidFill>
-              </a:rPr>
-              <a:t>POCO or</a:t>
-            </a:r>
-          </a:p>
-          <a:p>
-            <a:pPr algn="ctr"/>
-            <a:r>
-              <a:rPr lang="en-US" dirty="0" smtClean="0">
-                <a:solidFill>
-                  <a:schemeClr val="tx1"/>
-                </a:solidFill>
-              </a:rPr>
-              <a:t>POJO</a:t>
-            </a:r>
-          </a:p>
-        </p:txBody>
-      </p:sp>
-      <p:cxnSp>
-        <p:nvCxnSpPr>
-          <p:cNvPr id="13" name="Straight Connector 12"/>
-          <p:cNvCxnSpPr/>
-          <p:nvPr/>
-        </p:nvCxnSpPr>
-        <p:spPr>
-          <a:xfrm>
-            <a:off x="2362200" y="1600200"/>
-            <a:ext cx="5867400" cy="1588"/>
-          </a:xfrm>
-          <a:prstGeom prst="line">
-            <a:avLst/>
-          </a:prstGeom>
-        </p:spPr>
-        <p:style>
-          <a:lnRef idx="1">
-            <a:schemeClr val="accent1"/>
-          </a:lnRef>
-          <a:fillRef idx="0">
-            <a:schemeClr val="accent1"/>
-          </a:fillRef>
-          <a:effectRef idx="0">
-            <a:schemeClr val="accent1"/>
-          </a:effectRef>
-          <a:fontRef idx="minor">
-            <a:schemeClr val="tx1"/>
-          </a:fontRef>
-        </p:style>
-      </p:cxnSp>
-      <p:cxnSp>
-        <p:nvCxnSpPr>
-          <p:cNvPr id="14" name="Straight Connector 13"/>
-          <p:cNvCxnSpPr/>
-          <p:nvPr/>
-        </p:nvCxnSpPr>
-        <p:spPr>
-          <a:xfrm>
-            <a:off x="2362200" y="5029200"/>
-            <a:ext cx="5867400" cy="1588"/>
-          </a:xfrm>
-          <a:prstGeom prst="line">
-            <a:avLst/>
-          </a:prstGeom>
-        </p:spPr>
-        <p:style>
-          <a:lnRef idx="1">
-            <a:schemeClr val="accent1"/>
-          </a:lnRef>
-          <a:fillRef idx="0">
-            <a:schemeClr val="accent1"/>
-          </a:fillRef>
-          <a:effectRef idx="0">
-            <a:schemeClr val="accent1"/>
-          </a:effectRef>
-          <a:fontRef idx="minor">
-            <a:schemeClr val="tx1"/>
-          </a:fontRef>
-        </p:style>
-      </p:cxnSp>
-      <p:cxnSp>
-        <p:nvCxnSpPr>
-          <p:cNvPr id="16" name="Straight Arrow Connector 15"/>
-          <p:cNvCxnSpPr/>
-          <p:nvPr/>
-        </p:nvCxnSpPr>
-        <p:spPr>
-          <a:xfrm rot="16260000" flipH="1">
-            <a:off x="6675120" y="3276599"/>
-            <a:ext cx="3429000" cy="76200"/>
-          </a:xfrm>
-          <a:prstGeom prst="straightConnector1">
-            <a:avLst/>
-          </a:prstGeom>
-          <a:ln>
-            <a:headEnd type="arrow"/>
-            <a:tailEnd type="arrow"/>
-          </a:ln>
-        </p:spPr>
-        <p:style>
-          <a:lnRef idx="2">
-            <a:schemeClr val="accent1"/>
-          </a:lnRef>
-          <a:fillRef idx="0">
-            <a:schemeClr val="accent1"/>
-          </a:fillRef>
-          <a:effectRef idx="1">
-            <a:schemeClr val="accent1"/>
-          </a:effectRef>
-          <a:fontRef idx="minor">
-            <a:schemeClr val="tx1"/>
-          </a:fontRef>
-        </p:style>
-      </p:cxnSp>
-    </p:spTree>
-  </p:cSld>
-  <p:clrMapOvr>
-    <a:masterClrMapping/>
-  </p:clrMapOvr>
-</p:sld>
-</file>
-
-<file path=ppt/slides/slide21.xml><?xml version="1.0" encoding="utf-8"?>
 <p:sld xmlns:a="http://schemas.openxmlformats.org/drawingml/2006/main" xmlns:r="http://schemas.openxmlformats.org/officeDocument/2006/relationships" xmlns:p="http://schemas.openxmlformats.org/presentationml/2006/main">
   <p:cSld>
     <p:spTree>
@@ -11697,10 +12314,17 @@
   <p:clrMapOvr>
     <a:masterClrMapping/>
   </p:clrMapOvr>
+  <p:timing>
+    <p:tnLst>
+      <p:par>
+        <p:cTn id="1" dur="indefinite" restart="never" nodeType="tmRoot"/>
+      </p:par>
+    </p:tnLst>
+  </p:timing>
 </p:sld>
 </file>
 
-<file path=ppt/slides/slide22.xml><?xml version="1.0" encoding="utf-8"?>
+<file path=ppt/slides/slide21.xml><?xml version="1.0" encoding="utf-8"?>
 <p:sld xmlns:a="http://schemas.openxmlformats.org/drawingml/2006/main" xmlns:r="http://schemas.openxmlformats.org/officeDocument/2006/relationships" xmlns:p="http://schemas.openxmlformats.org/presentationml/2006/main">
   <p:cSld>
     <p:spTree>
@@ -11741,11 +12365,7 @@
           <a:p>
             <a:r>
               <a:rPr lang="en-US" b="1" dirty="0" smtClean="0"/>
-              <a:t>Organizing Domain </a:t>
-            </a:r>
-            <a:r>
-              <a:rPr lang="en-US" b="1" dirty="0" smtClean="0"/>
-              <a:t>Logic Patterns</a:t>
+              <a:t>Organizing Domain Logic Patterns</a:t>
             </a:r>
             <a:endParaRPr lang="en-US" dirty="0"/>
           </a:p>
@@ -11879,11 +12499,7 @@
             <a:pPr algn="ctr"/>
             <a:r>
               <a:rPr lang="en-US" b="1" dirty="0" smtClean="0"/>
-              <a:t>t</a:t>
-            </a:r>
-            <a:r>
-              <a:rPr lang="en-US" b="1" dirty="0" smtClean="0"/>
-              <a:t>o enhance</a:t>
+              <a:t>to enhance</a:t>
             </a:r>
             <a:endParaRPr lang="en-US" b="1" dirty="0"/>
           </a:p>
@@ -12260,6 +12876,1804 @@
   <p:clrMapOvr>
     <a:masterClrMapping/>
   </p:clrMapOvr>
+  <p:timing>
+    <p:tnLst>
+      <p:par>
+        <p:cTn id="1" dur="indefinite" restart="never" nodeType="tmRoot"/>
+      </p:par>
+    </p:tnLst>
+  </p:timing>
+</p:sld>
+</file>
+
+<file path=ppt/slides/slide22.xml><?xml version="1.0" encoding="utf-8"?>
+<p:sld xmlns:a="http://schemas.openxmlformats.org/drawingml/2006/main" xmlns:r="http://schemas.openxmlformats.org/officeDocument/2006/relationships" xmlns:p="http://schemas.openxmlformats.org/presentationml/2006/main">
+  <p:cSld>
+    <p:spTree>
+      <p:nvGrpSpPr>
+        <p:cNvPr id="1" name=""/>
+        <p:cNvGrpSpPr/>
+        <p:nvPr/>
+      </p:nvGrpSpPr>
+      <p:grpSpPr>
+        <a:xfrm>
+          <a:off x="0" y="0"/>
+          <a:ext cx="0" cy="0"/>
+          <a:chOff x="0" y="0"/>
+          <a:chExt cx="0" cy="0"/>
+        </a:xfrm>
+      </p:grpSpPr>
+      <p:sp>
+        <p:nvSpPr>
+          <p:cNvPr id="67" name="TextBox 66"/>
+          <p:cNvSpPr txBox="1"/>
+          <p:nvPr/>
+        </p:nvSpPr>
+        <p:spPr>
+          <a:xfrm>
+            <a:off x="0" y="4953000"/>
+            <a:ext cx="1570686" cy="523220"/>
+          </a:xfrm>
+          <a:prstGeom prst="rect">
+            <a:avLst/>
+          </a:prstGeom>
+          <a:noFill/>
+        </p:spPr>
+        <p:txBody>
+          <a:bodyPr wrap="none" rtlCol="0">
+            <a:spAutoFit/>
+          </a:bodyPr>
+          <a:lstStyle/>
+          <a:p>
+            <a:pPr algn="ctr"/>
+            <a:r>
+              <a:rPr lang="en-US" sz="1400" b="1" dirty="0" smtClean="0">
+                <a:solidFill>
+                  <a:srgbClr val="FF0000"/>
+                </a:solidFill>
+              </a:rPr>
+              <a:t>Mutually exclusive</a:t>
+            </a:r>
+          </a:p>
+          <a:p>
+            <a:pPr algn="ctr"/>
+            <a:r>
+              <a:rPr lang="en-US" sz="1400" b="1" dirty="0" smtClean="0">
+                <a:solidFill>
+                  <a:srgbClr val="FF0000"/>
+                </a:solidFill>
+              </a:rPr>
+              <a:t>choice</a:t>
+            </a:r>
+            <a:endParaRPr lang="en-US" sz="1400" b="1" dirty="0">
+              <a:solidFill>
+                <a:srgbClr val="FF0000"/>
+              </a:solidFill>
+            </a:endParaRPr>
+          </a:p>
+        </p:txBody>
+      </p:sp>
+      <p:sp>
+        <p:nvSpPr>
+          <p:cNvPr id="4" name="Oval 3"/>
+          <p:cNvSpPr/>
+          <p:nvPr/>
+        </p:nvSpPr>
+        <p:spPr>
+          <a:xfrm>
+            <a:off x="152400" y="3200400"/>
+            <a:ext cx="1981200" cy="990600"/>
+          </a:xfrm>
+          <a:prstGeom prst="ellipse">
+            <a:avLst/>
+          </a:prstGeom>
+        </p:spPr>
+        <p:style>
+          <a:lnRef idx="2">
+            <a:schemeClr val="accent2">
+              <a:shade val="50000"/>
+            </a:schemeClr>
+          </a:lnRef>
+          <a:fillRef idx="1">
+            <a:schemeClr val="accent2"/>
+          </a:fillRef>
+          <a:effectRef idx="0">
+            <a:schemeClr val="accent2"/>
+          </a:effectRef>
+          <a:fontRef idx="minor">
+            <a:schemeClr val="lt1"/>
+          </a:fontRef>
+        </p:style>
+        <p:txBody>
+          <a:bodyPr rtlCol="0" anchor="ctr"/>
+          <a:lstStyle/>
+          <a:p>
+            <a:pPr algn="ctr"/>
+            <a:r>
+              <a:rPr lang="en-US" sz="1600" b="1" dirty="0" smtClean="0"/>
+              <a:t>Model-Driven Design</a:t>
+            </a:r>
+            <a:endParaRPr lang="en-US" sz="1600" b="1" dirty="0"/>
+          </a:p>
+        </p:txBody>
+      </p:sp>
+      <p:sp>
+        <p:nvSpPr>
+          <p:cNvPr id="6" name="Oval 5"/>
+          <p:cNvSpPr/>
+          <p:nvPr/>
+        </p:nvSpPr>
+        <p:spPr>
+          <a:xfrm>
+            <a:off x="2362200" y="914400"/>
+            <a:ext cx="1920240" cy="990600"/>
+          </a:xfrm>
+          <a:prstGeom prst="ellipse">
+            <a:avLst/>
+          </a:prstGeom>
+        </p:spPr>
+        <p:style>
+          <a:lnRef idx="2">
+            <a:schemeClr val="accent3">
+              <a:shade val="50000"/>
+            </a:schemeClr>
+          </a:lnRef>
+          <a:fillRef idx="1">
+            <a:schemeClr val="accent3"/>
+          </a:fillRef>
+          <a:effectRef idx="0">
+            <a:schemeClr val="accent3"/>
+          </a:effectRef>
+          <a:fontRef idx="minor">
+            <a:schemeClr val="lt1"/>
+          </a:fontRef>
+        </p:style>
+        <p:txBody>
+          <a:bodyPr rtlCol="0" anchor="ctr"/>
+          <a:lstStyle/>
+          <a:p>
+            <a:pPr algn="ctr"/>
+            <a:r>
+              <a:rPr lang="en-US" dirty="0" smtClean="0"/>
+              <a:t>Services</a:t>
+            </a:r>
+            <a:endParaRPr lang="en-US" dirty="0"/>
+          </a:p>
+        </p:txBody>
+      </p:sp>
+      <p:sp>
+        <p:nvSpPr>
+          <p:cNvPr id="8" name="Oval 7"/>
+          <p:cNvSpPr/>
+          <p:nvPr/>
+        </p:nvSpPr>
+        <p:spPr>
+          <a:xfrm>
+            <a:off x="3733800" y="2057400"/>
+            <a:ext cx="1920240" cy="990600"/>
+          </a:xfrm>
+          <a:prstGeom prst="ellipse">
+            <a:avLst/>
+          </a:prstGeom>
+        </p:spPr>
+        <p:style>
+          <a:lnRef idx="2">
+            <a:schemeClr val="accent3">
+              <a:shade val="50000"/>
+            </a:schemeClr>
+          </a:lnRef>
+          <a:fillRef idx="1">
+            <a:schemeClr val="accent3"/>
+          </a:fillRef>
+          <a:effectRef idx="0">
+            <a:schemeClr val="accent3"/>
+          </a:effectRef>
+          <a:fontRef idx="minor">
+            <a:schemeClr val="lt1"/>
+          </a:fontRef>
+        </p:style>
+        <p:txBody>
+          <a:bodyPr rtlCol="0" anchor="ctr"/>
+          <a:lstStyle/>
+          <a:p>
+            <a:pPr algn="ctr"/>
+            <a:r>
+              <a:rPr lang="en-US" dirty="0" smtClean="0"/>
+              <a:t>Entities</a:t>
+            </a:r>
+            <a:endParaRPr lang="en-US" dirty="0"/>
+          </a:p>
+        </p:txBody>
+      </p:sp>
+      <p:grpSp>
+        <p:nvGrpSpPr>
+          <p:cNvPr id="17" name="Group 16"/>
+          <p:cNvGrpSpPr/>
+          <p:nvPr/>
+        </p:nvGrpSpPr>
+        <p:grpSpPr>
+          <a:xfrm>
+            <a:off x="3733800" y="3581400"/>
+            <a:ext cx="1920240" cy="990600"/>
+            <a:chOff x="3733800" y="3581400"/>
+            <a:chExt cx="1920240" cy="990600"/>
+          </a:xfrm>
+        </p:grpSpPr>
+        <p:sp>
+          <p:nvSpPr>
+            <p:cNvPr id="10" name="Oval 9"/>
+            <p:cNvSpPr/>
+            <p:nvPr/>
+          </p:nvSpPr>
+          <p:spPr>
+            <a:xfrm>
+              <a:off x="3733800" y="3581400"/>
+              <a:ext cx="1920240" cy="990600"/>
+            </a:xfrm>
+            <a:prstGeom prst="ellipse">
+              <a:avLst/>
+            </a:prstGeom>
+          </p:spPr>
+          <p:style>
+            <a:lnRef idx="2">
+              <a:schemeClr val="accent3">
+                <a:shade val="50000"/>
+              </a:schemeClr>
+            </a:lnRef>
+            <a:fillRef idx="1">
+              <a:schemeClr val="accent3"/>
+            </a:fillRef>
+            <a:effectRef idx="0">
+              <a:schemeClr val="accent3"/>
+            </a:effectRef>
+            <a:fontRef idx="minor">
+              <a:schemeClr val="lt1"/>
+            </a:fontRef>
+          </p:style>
+          <p:txBody>
+            <a:bodyPr rtlCol="0" anchor="ctr"/>
+            <a:lstStyle/>
+            <a:p>
+              <a:pPr algn="ctr"/>
+              <a:endParaRPr lang="en-US" dirty="0"/>
+            </a:p>
+          </p:txBody>
+        </p:sp>
+        <p:sp>
+          <p:nvSpPr>
+            <p:cNvPr id="11" name="TextBox 10"/>
+            <p:cNvSpPr txBox="1"/>
+            <p:nvPr/>
+          </p:nvSpPr>
+          <p:spPr>
+            <a:xfrm>
+              <a:off x="3962400" y="3886200"/>
+              <a:ext cx="1465466" cy="369332"/>
+            </a:xfrm>
+            <a:prstGeom prst="rect">
+              <a:avLst/>
+            </a:prstGeom>
+            <a:ln>
+              <a:noFill/>
+            </a:ln>
+          </p:spPr>
+          <p:style>
+            <a:lnRef idx="2">
+              <a:schemeClr val="accent3">
+                <a:shade val="50000"/>
+              </a:schemeClr>
+            </a:lnRef>
+            <a:fillRef idx="1">
+              <a:schemeClr val="accent3"/>
+            </a:fillRef>
+            <a:effectRef idx="0">
+              <a:schemeClr val="accent3"/>
+            </a:effectRef>
+            <a:fontRef idx="minor">
+              <a:schemeClr val="lt1"/>
+            </a:fontRef>
+          </p:style>
+          <p:txBody>
+            <a:bodyPr wrap="none" rtlCol="0">
+              <a:spAutoFit/>
+            </a:bodyPr>
+            <a:lstStyle/>
+            <a:p>
+              <a:r>
+                <a:rPr lang="en-US" dirty="0" smtClean="0">
+                  <a:solidFill>
+                    <a:schemeClr val="bg1"/>
+                  </a:solidFill>
+                </a:rPr>
+                <a:t>Value Objects</a:t>
+              </a:r>
+              <a:endParaRPr lang="en-US" dirty="0">
+                <a:solidFill>
+                  <a:schemeClr val="bg1"/>
+                </a:solidFill>
+              </a:endParaRPr>
+            </a:p>
+          </p:txBody>
+        </p:sp>
+      </p:grpSp>
+      <p:sp>
+        <p:nvSpPr>
+          <p:cNvPr id="12" name="Oval 11"/>
+          <p:cNvSpPr/>
+          <p:nvPr/>
+        </p:nvSpPr>
+        <p:spPr>
+          <a:xfrm>
+            <a:off x="2514600" y="5029200"/>
+            <a:ext cx="1920240" cy="990600"/>
+          </a:xfrm>
+          <a:prstGeom prst="ellipse">
+            <a:avLst/>
+          </a:prstGeom>
+        </p:spPr>
+        <p:style>
+          <a:lnRef idx="2">
+            <a:schemeClr val="accent4">
+              <a:shade val="50000"/>
+            </a:schemeClr>
+          </a:lnRef>
+          <a:fillRef idx="1">
+            <a:schemeClr val="accent4"/>
+          </a:fillRef>
+          <a:effectRef idx="0">
+            <a:schemeClr val="accent4"/>
+          </a:effectRef>
+          <a:fontRef idx="minor">
+            <a:schemeClr val="lt1"/>
+          </a:fontRef>
+        </p:style>
+        <p:txBody>
+          <a:bodyPr rtlCol="0" anchor="ctr"/>
+          <a:lstStyle/>
+          <a:p>
+            <a:pPr algn="ctr"/>
+            <a:r>
+              <a:rPr lang="en-US" dirty="0" smtClean="0"/>
+              <a:t>Layered</a:t>
+            </a:r>
+          </a:p>
+          <a:p>
+            <a:pPr algn="ctr"/>
+            <a:r>
+              <a:rPr lang="en-US" dirty="0" smtClean="0"/>
+              <a:t>Architecture</a:t>
+            </a:r>
+            <a:endParaRPr lang="en-US" dirty="0"/>
+          </a:p>
+        </p:txBody>
+      </p:sp>
+      <p:sp>
+        <p:nvSpPr>
+          <p:cNvPr id="13" name="Oval 12"/>
+          <p:cNvSpPr/>
+          <p:nvPr/>
+        </p:nvSpPr>
+        <p:spPr>
+          <a:xfrm>
+            <a:off x="228600" y="5638800"/>
+            <a:ext cx="1920240" cy="990600"/>
+          </a:xfrm>
+          <a:prstGeom prst="ellipse">
+            <a:avLst/>
+          </a:prstGeom>
+          <a:ln>
+            <a:solidFill>
+              <a:srgbClr val="FF0000"/>
+            </a:solidFill>
+          </a:ln>
+        </p:spPr>
+        <p:style>
+          <a:lnRef idx="2">
+            <a:schemeClr val="dk1"/>
+          </a:lnRef>
+          <a:fillRef idx="1">
+            <a:schemeClr val="lt1"/>
+          </a:fillRef>
+          <a:effectRef idx="0">
+            <a:schemeClr val="dk1"/>
+          </a:effectRef>
+          <a:fontRef idx="minor">
+            <a:schemeClr val="dk1"/>
+          </a:fontRef>
+        </p:style>
+        <p:txBody>
+          <a:bodyPr rtlCol="0" anchor="ctr"/>
+          <a:lstStyle/>
+          <a:p>
+            <a:pPr algn="ctr"/>
+            <a:r>
+              <a:rPr lang="en-US" dirty="0" smtClean="0"/>
+              <a:t>Smart UI</a:t>
+            </a:r>
+            <a:endParaRPr lang="en-US" dirty="0"/>
+          </a:p>
+        </p:txBody>
+      </p:sp>
+      <p:sp>
+        <p:nvSpPr>
+          <p:cNvPr id="14" name="Oval 13"/>
+          <p:cNvSpPr/>
+          <p:nvPr/>
+        </p:nvSpPr>
+        <p:spPr>
+          <a:xfrm>
+            <a:off x="6553200" y="838200"/>
+            <a:ext cx="1920240" cy="990600"/>
+          </a:xfrm>
+          <a:prstGeom prst="ellipse">
+            <a:avLst/>
+          </a:prstGeom>
+        </p:spPr>
+        <p:style>
+          <a:lnRef idx="2">
+            <a:schemeClr val="accent1">
+              <a:shade val="50000"/>
+            </a:schemeClr>
+          </a:lnRef>
+          <a:fillRef idx="1">
+            <a:schemeClr val="accent1"/>
+          </a:fillRef>
+          <a:effectRef idx="0">
+            <a:schemeClr val="accent1"/>
+          </a:effectRef>
+          <a:fontRef idx="minor">
+            <a:schemeClr val="lt1"/>
+          </a:fontRef>
+        </p:style>
+        <p:txBody>
+          <a:bodyPr rtlCol="0" anchor="ctr"/>
+          <a:lstStyle/>
+          <a:p>
+            <a:pPr algn="ctr"/>
+            <a:r>
+              <a:rPr lang="en-US" dirty="0" smtClean="0"/>
+              <a:t>Repository</a:t>
+            </a:r>
+            <a:endParaRPr lang="en-US" dirty="0"/>
+          </a:p>
+        </p:txBody>
+      </p:sp>
+      <p:sp>
+        <p:nvSpPr>
+          <p:cNvPr id="15" name="Oval 14"/>
+          <p:cNvSpPr/>
+          <p:nvPr/>
+        </p:nvSpPr>
+        <p:spPr>
+          <a:xfrm>
+            <a:off x="7086600" y="2895600"/>
+            <a:ext cx="1920240" cy="990600"/>
+          </a:xfrm>
+          <a:prstGeom prst="ellipse">
+            <a:avLst/>
+          </a:prstGeom>
+        </p:spPr>
+        <p:style>
+          <a:lnRef idx="2">
+            <a:schemeClr val="accent1">
+              <a:shade val="50000"/>
+            </a:schemeClr>
+          </a:lnRef>
+          <a:fillRef idx="1">
+            <a:schemeClr val="accent1"/>
+          </a:fillRef>
+          <a:effectRef idx="0">
+            <a:schemeClr val="accent1"/>
+          </a:effectRef>
+          <a:fontRef idx="minor">
+            <a:schemeClr val="lt1"/>
+          </a:fontRef>
+        </p:style>
+        <p:txBody>
+          <a:bodyPr rtlCol="0" anchor="ctr"/>
+          <a:lstStyle/>
+          <a:p>
+            <a:pPr algn="ctr"/>
+            <a:r>
+              <a:rPr lang="en-US" dirty="0" smtClean="0"/>
+              <a:t>Aggregates</a:t>
+            </a:r>
+            <a:endParaRPr lang="en-US" dirty="0"/>
+          </a:p>
+        </p:txBody>
+      </p:sp>
+      <p:sp>
+        <p:nvSpPr>
+          <p:cNvPr id="16" name="Oval 15"/>
+          <p:cNvSpPr/>
+          <p:nvPr/>
+        </p:nvSpPr>
+        <p:spPr>
+          <a:xfrm>
+            <a:off x="6629400" y="5181600"/>
+            <a:ext cx="1920240" cy="990600"/>
+          </a:xfrm>
+          <a:prstGeom prst="ellipse">
+            <a:avLst/>
+          </a:prstGeom>
+        </p:spPr>
+        <p:style>
+          <a:lnRef idx="2">
+            <a:schemeClr val="accent1">
+              <a:shade val="50000"/>
+            </a:schemeClr>
+          </a:lnRef>
+          <a:fillRef idx="1">
+            <a:schemeClr val="accent1"/>
+          </a:fillRef>
+          <a:effectRef idx="0">
+            <a:schemeClr val="accent1"/>
+          </a:effectRef>
+          <a:fontRef idx="minor">
+            <a:schemeClr val="lt1"/>
+          </a:fontRef>
+        </p:style>
+        <p:txBody>
+          <a:bodyPr rtlCol="0" anchor="ctr"/>
+          <a:lstStyle/>
+          <a:p>
+            <a:pPr algn="ctr"/>
+            <a:r>
+              <a:rPr lang="en-US" dirty="0" smtClean="0"/>
+              <a:t>Factories</a:t>
+            </a:r>
+            <a:endParaRPr lang="en-US" dirty="0"/>
+          </a:p>
+        </p:txBody>
+      </p:sp>
+      <p:cxnSp>
+        <p:nvCxnSpPr>
+          <p:cNvPr id="21" name="Curved Connector 20"/>
+          <p:cNvCxnSpPr>
+            <a:stCxn id="4" idx="0"/>
+            <a:endCxn id="6" idx="4"/>
+          </p:cNvCxnSpPr>
+          <p:nvPr/>
+        </p:nvCxnSpPr>
+        <p:spPr>
+          <a:xfrm rot="5400000" flipH="1" flipV="1">
+            <a:off x="1584960" y="1463040"/>
+            <a:ext cx="1295400" cy="2179320"/>
+          </a:xfrm>
+          <a:prstGeom prst="curvedConnector3">
+            <a:avLst>
+              <a:gd name="adj1" fmla="val 50000"/>
+            </a:avLst>
+          </a:prstGeom>
+          <a:ln>
+            <a:tailEnd type="arrow"/>
+          </a:ln>
+        </p:spPr>
+        <p:style>
+          <a:lnRef idx="1">
+            <a:schemeClr val="accent1"/>
+          </a:lnRef>
+          <a:fillRef idx="0">
+            <a:schemeClr val="accent1"/>
+          </a:fillRef>
+          <a:effectRef idx="0">
+            <a:schemeClr val="accent1"/>
+          </a:effectRef>
+          <a:fontRef idx="minor">
+            <a:schemeClr val="tx1"/>
+          </a:fontRef>
+        </p:style>
+      </p:cxnSp>
+      <p:cxnSp>
+        <p:nvCxnSpPr>
+          <p:cNvPr id="23" name="Shape 22"/>
+          <p:cNvCxnSpPr>
+            <a:stCxn id="4" idx="7"/>
+            <a:endCxn id="8" idx="2"/>
+          </p:cNvCxnSpPr>
+          <p:nvPr/>
+        </p:nvCxnSpPr>
+        <p:spPr>
+          <a:xfrm rot="5400000" flipH="1" flipV="1">
+            <a:off x="2392245" y="2003915"/>
+            <a:ext cx="792770" cy="1890340"/>
+          </a:xfrm>
+          <a:prstGeom prst="curvedConnector2">
+            <a:avLst/>
+          </a:prstGeom>
+          <a:ln>
+            <a:tailEnd type="arrow"/>
+          </a:ln>
+        </p:spPr>
+        <p:style>
+          <a:lnRef idx="1">
+            <a:schemeClr val="accent1"/>
+          </a:lnRef>
+          <a:fillRef idx="0">
+            <a:schemeClr val="accent1"/>
+          </a:fillRef>
+          <a:effectRef idx="0">
+            <a:schemeClr val="accent1"/>
+          </a:effectRef>
+          <a:fontRef idx="minor">
+            <a:schemeClr val="tx1"/>
+          </a:fontRef>
+        </p:style>
+      </p:cxnSp>
+      <p:cxnSp>
+        <p:nvCxnSpPr>
+          <p:cNvPr id="25" name="Curved Connector 24"/>
+          <p:cNvCxnSpPr>
+            <a:stCxn id="4" idx="6"/>
+            <a:endCxn id="10" idx="2"/>
+          </p:cNvCxnSpPr>
+          <p:nvPr/>
+        </p:nvCxnSpPr>
+        <p:spPr>
+          <a:xfrm>
+            <a:off x="2133600" y="3695700"/>
+            <a:ext cx="1600200" cy="381000"/>
+          </a:xfrm>
+          <a:prstGeom prst="curvedConnector3">
+            <a:avLst>
+              <a:gd name="adj1" fmla="val 42278"/>
+            </a:avLst>
+          </a:prstGeom>
+          <a:ln>
+            <a:tailEnd type="arrow"/>
+          </a:ln>
+        </p:spPr>
+        <p:style>
+          <a:lnRef idx="1">
+            <a:schemeClr val="accent1"/>
+          </a:lnRef>
+          <a:fillRef idx="0">
+            <a:schemeClr val="accent1"/>
+          </a:fillRef>
+          <a:effectRef idx="0">
+            <a:schemeClr val="accent1"/>
+          </a:effectRef>
+          <a:fontRef idx="minor">
+            <a:schemeClr val="tx1"/>
+          </a:fontRef>
+        </p:style>
+      </p:cxnSp>
+      <p:cxnSp>
+        <p:nvCxnSpPr>
+          <p:cNvPr id="27" name="Curved Connector 26"/>
+          <p:cNvCxnSpPr>
+            <a:stCxn id="4" idx="5"/>
+            <a:endCxn id="12" idx="0"/>
+          </p:cNvCxnSpPr>
+          <p:nvPr/>
+        </p:nvCxnSpPr>
+        <p:spPr>
+          <a:xfrm rot="16200000" flipH="1">
+            <a:off x="2167455" y="3721935"/>
+            <a:ext cx="983270" cy="1631260"/>
+          </a:xfrm>
+          <a:prstGeom prst="curvedConnector3">
+            <a:avLst>
+              <a:gd name="adj1" fmla="val 73877"/>
+            </a:avLst>
+          </a:prstGeom>
+          <a:ln>
+            <a:tailEnd type="arrow"/>
+          </a:ln>
+        </p:spPr>
+        <p:style>
+          <a:lnRef idx="1">
+            <a:schemeClr val="accent1"/>
+          </a:lnRef>
+          <a:fillRef idx="0">
+            <a:schemeClr val="accent1"/>
+          </a:fillRef>
+          <a:effectRef idx="0">
+            <a:schemeClr val="accent1"/>
+          </a:effectRef>
+          <a:fontRef idx="minor">
+            <a:schemeClr val="tx1"/>
+          </a:fontRef>
+        </p:style>
+      </p:cxnSp>
+      <p:cxnSp>
+        <p:nvCxnSpPr>
+          <p:cNvPr id="32" name="Straight Arrow Connector 31"/>
+          <p:cNvCxnSpPr>
+            <a:stCxn id="4" idx="4"/>
+            <a:endCxn id="13" idx="0"/>
+          </p:cNvCxnSpPr>
+          <p:nvPr/>
+        </p:nvCxnSpPr>
+        <p:spPr>
+          <a:xfrm rot="16200000" flipH="1">
+            <a:off x="441960" y="4892040"/>
+            <a:ext cx="1447800" cy="45720"/>
+          </a:xfrm>
+          <a:prstGeom prst="straightConnector1">
+            <a:avLst/>
+          </a:prstGeom>
+          <a:ln>
+            <a:tailEnd type="arrow"/>
+          </a:ln>
+        </p:spPr>
+        <p:style>
+          <a:lnRef idx="1">
+            <a:schemeClr val="accent1"/>
+          </a:lnRef>
+          <a:fillRef idx="0">
+            <a:schemeClr val="accent1"/>
+          </a:fillRef>
+          <a:effectRef idx="0">
+            <a:schemeClr val="accent1"/>
+          </a:effectRef>
+          <a:fontRef idx="minor">
+            <a:schemeClr val="tx1"/>
+          </a:fontRef>
+        </p:style>
+      </p:cxnSp>
+      <p:cxnSp>
+        <p:nvCxnSpPr>
+          <p:cNvPr id="35" name="Shape 34"/>
+          <p:cNvCxnSpPr>
+            <a:stCxn id="8" idx="0"/>
+            <a:endCxn id="14" idx="2"/>
+          </p:cNvCxnSpPr>
+          <p:nvPr/>
+        </p:nvCxnSpPr>
+        <p:spPr>
+          <a:xfrm rot="5400000" flipH="1" flipV="1">
+            <a:off x="5261610" y="765810"/>
+            <a:ext cx="723900" cy="1859280"/>
+          </a:xfrm>
+          <a:prstGeom prst="curvedConnector2">
+            <a:avLst/>
+          </a:prstGeom>
+          <a:ln>
+            <a:tailEnd type="arrow"/>
+          </a:ln>
+        </p:spPr>
+        <p:style>
+          <a:lnRef idx="1">
+            <a:schemeClr val="accent1"/>
+          </a:lnRef>
+          <a:fillRef idx="0">
+            <a:schemeClr val="accent1"/>
+          </a:fillRef>
+          <a:effectRef idx="0">
+            <a:schemeClr val="accent1"/>
+          </a:effectRef>
+          <a:fontRef idx="minor">
+            <a:schemeClr val="tx1"/>
+          </a:fontRef>
+        </p:style>
+      </p:cxnSp>
+      <p:cxnSp>
+        <p:nvCxnSpPr>
+          <p:cNvPr id="37" name="Curved Connector 36"/>
+          <p:cNvCxnSpPr>
+            <a:stCxn id="8" idx="7"/>
+            <a:endCxn id="15" idx="0"/>
+          </p:cNvCxnSpPr>
+          <p:nvPr/>
+        </p:nvCxnSpPr>
+        <p:spPr>
+          <a:xfrm rot="16200000" flipH="1">
+            <a:off x="6363208" y="1212089"/>
+            <a:ext cx="693130" cy="2673893"/>
+          </a:xfrm>
+          <a:prstGeom prst="curvedConnector3">
+            <a:avLst>
+              <a:gd name="adj1" fmla="val 10268"/>
+            </a:avLst>
+          </a:prstGeom>
+          <a:ln>
+            <a:tailEnd type="arrow"/>
+          </a:ln>
+        </p:spPr>
+        <p:style>
+          <a:lnRef idx="1">
+            <a:schemeClr val="accent1"/>
+          </a:lnRef>
+          <a:fillRef idx="0">
+            <a:schemeClr val="accent1"/>
+          </a:fillRef>
+          <a:effectRef idx="0">
+            <a:schemeClr val="accent1"/>
+          </a:effectRef>
+          <a:fontRef idx="minor">
+            <a:schemeClr val="tx1"/>
+          </a:fontRef>
+        </p:style>
+      </p:cxnSp>
+      <p:cxnSp>
+        <p:nvCxnSpPr>
+          <p:cNvPr id="40" name="Curved Connector 39"/>
+          <p:cNvCxnSpPr>
+            <a:stCxn id="8" idx="6"/>
+            <a:endCxn id="15" idx="2"/>
+          </p:cNvCxnSpPr>
+          <p:nvPr/>
+        </p:nvCxnSpPr>
+        <p:spPr>
+          <a:xfrm>
+            <a:off x="5654040" y="2552700"/>
+            <a:ext cx="1432560" cy="838200"/>
+          </a:xfrm>
+          <a:prstGeom prst="curvedConnector3">
+            <a:avLst>
+              <a:gd name="adj1" fmla="val 50000"/>
+            </a:avLst>
+          </a:prstGeom>
+          <a:ln>
+            <a:tailEnd type="arrow"/>
+          </a:ln>
+        </p:spPr>
+        <p:style>
+          <a:lnRef idx="1">
+            <a:schemeClr val="accent1"/>
+          </a:lnRef>
+          <a:fillRef idx="0">
+            <a:schemeClr val="accent1"/>
+          </a:fillRef>
+          <a:effectRef idx="0">
+            <a:schemeClr val="accent1"/>
+          </a:effectRef>
+          <a:fontRef idx="minor">
+            <a:schemeClr val="tx1"/>
+          </a:fontRef>
+        </p:style>
+      </p:cxnSp>
+      <p:cxnSp>
+        <p:nvCxnSpPr>
+          <p:cNvPr id="47" name="Shape 46"/>
+          <p:cNvCxnSpPr>
+            <a:stCxn id="10" idx="6"/>
+            <a:endCxn id="15" idx="3"/>
+          </p:cNvCxnSpPr>
+          <p:nvPr/>
+        </p:nvCxnSpPr>
+        <p:spPr>
+          <a:xfrm flipV="1">
+            <a:off x="5654040" y="3741130"/>
+            <a:ext cx="1713773" cy="335570"/>
+          </a:xfrm>
+          <a:prstGeom prst="curvedConnector2">
+            <a:avLst/>
+          </a:prstGeom>
+          <a:ln>
+            <a:tailEnd type="arrow"/>
+          </a:ln>
+        </p:spPr>
+        <p:style>
+          <a:lnRef idx="1">
+            <a:schemeClr val="accent1"/>
+          </a:lnRef>
+          <a:fillRef idx="0">
+            <a:schemeClr val="accent1"/>
+          </a:fillRef>
+          <a:effectRef idx="0">
+            <a:schemeClr val="accent1"/>
+          </a:effectRef>
+          <a:fontRef idx="minor">
+            <a:schemeClr val="tx1"/>
+          </a:fontRef>
+        </p:style>
+      </p:cxnSp>
+      <p:cxnSp>
+        <p:nvCxnSpPr>
+          <p:cNvPr id="52" name="Curved Connector 51"/>
+          <p:cNvCxnSpPr>
+            <a:stCxn id="8" idx="5"/>
+            <a:endCxn id="16" idx="0"/>
+          </p:cNvCxnSpPr>
+          <p:nvPr/>
+        </p:nvCxnSpPr>
+        <p:spPr>
+          <a:xfrm rot="16200000" flipH="1">
+            <a:off x="5341838" y="2933918"/>
+            <a:ext cx="2278670" cy="2216693"/>
+          </a:xfrm>
+          <a:prstGeom prst="curvedConnector3">
+            <a:avLst>
+              <a:gd name="adj1" fmla="val 61930"/>
+            </a:avLst>
+          </a:prstGeom>
+          <a:ln>
+            <a:tailEnd type="arrow"/>
+          </a:ln>
+        </p:spPr>
+        <p:style>
+          <a:lnRef idx="1">
+            <a:schemeClr val="accent1"/>
+          </a:lnRef>
+          <a:fillRef idx="0">
+            <a:schemeClr val="accent1"/>
+          </a:fillRef>
+          <a:effectRef idx="0">
+            <a:schemeClr val="accent1"/>
+          </a:effectRef>
+          <a:fontRef idx="minor">
+            <a:schemeClr val="tx1"/>
+          </a:fontRef>
+        </p:style>
+      </p:cxnSp>
+      <p:cxnSp>
+        <p:nvCxnSpPr>
+          <p:cNvPr id="55" name="Curved Connector 54"/>
+          <p:cNvCxnSpPr>
+            <a:stCxn id="15" idx="4"/>
+            <a:endCxn id="16" idx="7"/>
+          </p:cNvCxnSpPr>
+          <p:nvPr/>
+        </p:nvCxnSpPr>
+        <p:spPr>
+          <a:xfrm rot="16200000" flipH="1">
+            <a:off x="7437338" y="4495581"/>
+            <a:ext cx="1440470" cy="221707"/>
+          </a:xfrm>
+          <a:prstGeom prst="curvedConnector3">
+            <a:avLst>
+              <a:gd name="adj1" fmla="val 31127"/>
+            </a:avLst>
+          </a:prstGeom>
+          <a:ln>
+            <a:tailEnd type="arrow"/>
+          </a:ln>
+        </p:spPr>
+        <p:style>
+          <a:lnRef idx="1">
+            <a:schemeClr val="accent1"/>
+          </a:lnRef>
+          <a:fillRef idx="0">
+            <a:schemeClr val="accent1"/>
+          </a:fillRef>
+          <a:effectRef idx="0">
+            <a:schemeClr val="accent1"/>
+          </a:effectRef>
+          <a:fontRef idx="minor">
+            <a:schemeClr val="tx1"/>
+          </a:fontRef>
+        </p:style>
+      </p:cxnSp>
+      <p:cxnSp>
+        <p:nvCxnSpPr>
+          <p:cNvPr id="61" name="Shape 60"/>
+          <p:cNvCxnSpPr>
+            <a:stCxn id="10" idx="4"/>
+            <a:endCxn id="16" idx="2"/>
+          </p:cNvCxnSpPr>
+          <p:nvPr/>
+        </p:nvCxnSpPr>
+        <p:spPr>
+          <a:xfrm rot="16200000" flipH="1">
+            <a:off x="5109210" y="4156710"/>
+            <a:ext cx="1104900" cy="1935480"/>
+          </a:xfrm>
+          <a:prstGeom prst="curvedConnector2">
+            <a:avLst/>
+          </a:prstGeom>
+          <a:ln>
+            <a:tailEnd type="arrow"/>
+          </a:ln>
+        </p:spPr>
+        <p:style>
+          <a:lnRef idx="1">
+            <a:schemeClr val="accent1"/>
+          </a:lnRef>
+          <a:fillRef idx="0">
+            <a:schemeClr val="accent1"/>
+          </a:fillRef>
+          <a:effectRef idx="0">
+            <a:schemeClr val="accent1"/>
+          </a:effectRef>
+          <a:fontRef idx="minor">
+            <a:schemeClr val="tx1"/>
+          </a:fontRef>
+        </p:style>
+      </p:cxnSp>
+      <p:cxnSp>
+        <p:nvCxnSpPr>
+          <p:cNvPr id="63" name="Shape 62"/>
+          <p:cNvCxnSpPr>
+            <a:stCxn id="15" idx="7"/>
+            <a:endCxn id="14" idx="6"/>
+          </p:cNvCxnSpPr>
+          <p:nvPr/>
+        </p:nvCxnSpPr>
+        <p:spPr>
+          <a:xfrm rot="16200000" flipV="1">
+            <a:off x="7745949" y="2060991"/>
+            <a:ext cx="1707170" cy="252187"/>
+          </a:xfrm>
+          <a:prstGeom prst="curvedConnector2">
+            <a:avLst/>
+          </a:prstGeom>
+          <a:ln>
+            <a:tailEnd type="arrow"/>
+          </a:ln>
+        </p:spPr>
+        <p:style>
+          <a:lnRef idx="1">
+            <a:schemeClr val="accent1"/>
+          </a:lnRef>
+          <a:fillRef idx="0">
+            <a:schemeClr val="accent1"/>
+          </a:fillRef>
+          <a:effectRef idx="0">
+            <a:schemeClr val="accent1"/>
+          </a:effectRef>
+          <a:fontRef idx="minor">
+            <a:schemeClr val="tx1"/>
+          </a:fontRef>
+        </p:style>
+      </p:cxnSp>
+      <p:sp>
+        <p:nvSpPr>
+          <p:cNvPr id="64" name="TextBox 63"/>
+          <p:cNvSpPr txBox="1"/>
+          <p:nvPr/>
+        </p:nvSpPr>
+        <p:spPr>
+          <a:xfrm>
+            <a:off x="1447800" y="2209800"/>
+            <a:ext cx="1636602" cy="307777"/>
+          </a:xfrm>
+          <a:prstGeom prst="rect">
+            <a:avLst/>
+          </a:prstGeom>
+          <a:noFill/>
+        </p:spPr>
+        <p:txBody>
+          <a:bodyPr wrap="none" rtlCol="0">
+            <a:spAutoFit/>
+          </a:bodyPr>
+          <a:lstStyle/>
+          <a:p>
+            <a:r>
+              <a:rPr lang="en-US" sz="1400" b="1" dirty="0" smtClean="0">
+                <a:solidFill>
+                  <a:schemeClr val="accent3">
+                    <a:lumMod val="75000"/>
+                  </a:schemeClr>
+                </a:solidFill>
+              </a:rPr>
+              <a:t>Express model with</a:t>
+            </a:r>
+            <a:endParaRPr lang="en-US" sz="1400" b="1" dirty="0">
+              <a:solidFill>
+                <a:schemeClr val="accent3">
+                  <a:lumMod val="75000"/>
+                </a:schemeClr>
+              </a:solidFill>
+            </a:endParaRPr>
+          </a:p>
+        </p:txBody>
+      </p:sp>
+      <p:sp>
+        <p:nvSpPr>
+          <p:cNvPr id="65" name="TextBox 64"/>
+          <p:cNvSpPr txBox="1"/>
+          <p:nvPr/>
+        </p:nvSpPr>
+        <p:spPr>
+          <a:xfrm>
+            <a:off x="2057400" y="2590800"/>
+            <a:ext cx="1636602" cy="307777"/>
+          </a:xfrm>
+          <a:prstGeom prst="rect">
+            <a:avLst/>
+          </a:prstGeom>
+          <a:noFill/>
+        </p:spPr>
+        <p:txBody>
+          <a:bodyPr wrap="none" rtlCol="0">
+            <a:spAutoFit/>
+          </a:bodyPr>
+          <a:lstStyle/>
+          <a:p>
+            <a:r>
+              <a:rPr lang="en-US" sz="1400" b="1" dirty="0" smtClean="0">
+                <a:solidFill>
+                  <a:schemeClr val="accent3">
+                    <a:lumMod val="75000"/>
+                  </a:schemeClr>
+                </a:solidFill>
+              </a:rPr>
+              <a:t>Express model with</a:t>
+            </a:r>
+            <a:endParaRPr lang="en-US" sz="1400" b="1" dirty="0">
+              <a:solidFill>
+                <a:schemeClr val="accent3">
+                  <a:lumMod val="75000"/>
+                </a:schemeClr>
+              </a:solidFill>
+            </a:endParaRPr>
+          </a:p>
+        </p:txBody>
+      </p:sp>
+      <p:sp>
+        <p:nvSpPr>
+          <p:cNvPr id="66" name="TextBox 65"/>
+          <p:cNvSpPr txBox="1"/>
+          <p:nvPr/>
+        </p:nvSpPr>
+        <p:spPr>
+          <a:xfrm>
+            <a:off x="2133600" y="3505200"/>
+            <a:ext cx="1636602" cy="307777"/>
+          </a:xfrm>
+          <a:prstGeom prst="rect">
+            <a:avLst/>
+          </a:prstGeom>
+          <a:noFill/>
+        </p:spPr>
+        <p:txBody>
+          <a:bodyPr wrap="none" rtlCol="0">
+            <a:spAutoFit/>
+          </a:bodyPr>
+          <a:lstStyle/>
+          <a:p>
+            <a:r>
+              <a:rPr lang="en-US" sz="1400" b="1" dirty="0" smtClean="0">
+                <a:solidFill>
+                  <a:schemeClr val="accent3">
+                    <a:lumMod val="75000"/>
+                  </a:schemeClr>
+                </a:solidFill>
+              </a:rPr>
+              <a:t>Express model with</a:t>
+            </a:r>
+            <a:endParaRPr lang="en-US" sz="1400" b="1" dirty="0">
+              <a:solidFill>
+                <a:schemeClr val="accent3">
+                  <a:lumMod val="75000"/>
+                </a:schemeClr>
+              </a:solidFill>
+            </a:endParaRPr>
+          </a:p>
+        </p:txBody>
+      </p:sp>
+      <p:sp>
+        <p:nvSpPr>
+          <p:cNvPr id="69" name="TextBox 68"/>
+          <p:cNvSpPr txBox="1"/>
+          <p:nvPr/>
+        </p:nvSpPr>
+        <p:spPr>
+          <a:xfrm>
+            <a:off x="1752600" y="4419600"/>
+            <a:ext cx="1666803" cy="307777"/>
+          </a:xfrm>
+          <a:prstGeom prst="rect">
+            <a:avLst/>
+          </a:prstGeom>
+          <a:noFill/>
+        </p:spPr>
+        <p:txBody>
+          <a:bodyPr wrap="none" rtlCol="0">
+            <a:spAutoFit/>
+          </a:bodyPr>
+          <a:lstStyle/>
+          <a:p>
+            <a:r>
+              <a:rPr lang="en-US" sz="1400" b="1" dirty="0" smtClean="0">
+                <a:solidFill>
+                  <a:schemeClr val="accent4">
+                    <a:lumMod val="75000"/>
+                  </a:schemeClr>
+                </a:solidFill>
+              </a:rPr>
+              <a:t>Isolate domain with</a:t>
+            </a:r>
+            <a:endParaRPr lang="en-US" sz="1400" b="1" dirty="0">
+              <a:solidFill>
+                <a:schemeClr val="accent4">
+                  <a:lumMod val="75000"/>
+                </a:schemeClr>
+              </a:solidFill>
+            </a:endParaRPr>
+          </a:p>
+        </p:txBody>
+      </p:sp>
+      <p:sp>
+        <p:nvSpPr>
+          <p:cNvPr id="70" name="TextBox 69"/>
+          <p:cNvSpPr txBox="1"/>
+          <p:nvPr/>
+        </p:nvSpPr>
+        <p:spPr>
+          <a:xfrm>
+            <a:off x="4953000" y="1143000"/>
+            <a:ext cx="1055097" cy="307777"/>
+          </a:xfrm>
+          <a:prstGeom prst="rect">
+            <a:avLst/>
+          </a:prstGeom>
+          <a:noFill/>
+        </p:spPr>
+        <p:txBody>
+          <a:bodyPr wrap="none" rtlCol="0">
+            <a:spAutoFit/>
+          </a:bodyPr>
+          <a:lstStyle/>
+          <a:p>
+            <a:r>
+              <a:rPr lang="en-US" sz="1400" b="1" dirty="0" smtClean="0">
+                <a:solidFill>
+                  <a:schemeClr val="accent1">
+                    <a:lumMod val="75000"/>
+                  </a:schemeClr>
+                </a:solidFill>
+              </a:rPr>
+              <a:t>Access with</a:t>
+            </a:r>
+            <a:endParaRPr lang="en-US" sz="1400" b="1" dirty="0">
+              <a:solidFill>
+                <a:schemeClr val="accent1">
+                  <a:lumMod val="75000"/>
+                </a:schemeClr>
+              </a:solidFill>
+            </a:endParaRPr>
+          </a:p>
+        </p:txBody>
+      </p:sp>
+      <p:sp>
+        <p:nvSpPr>
+          <p:cNvPr id="71" name="TextBox 70"/>
+          <p:cNvSpPr txBox="1"/>
+          <p:nvPr/>
+        </p:nvSpPr>
+        <p:spPr>
+          <a:xfrm>
+            <a:off x="8088903" y="1905000"/>
+            <a:ext cx="1055097" cy="307777"/>
+          </a:xfrm>
+          <a:prstGeom prst="rect">
+            <a:avLst/>
+          </a:prstGeom>
+          <a:noFill/>
+        </p:spPr>
+        <p:txBody>
+          <a:bodyPr wrap="none" rtlCol="0">
+            <a:spAutoFit/>
+          </a:bodyPr>
+          <a:lstStyle/>
+          <a:p>
+            <a:r>
+              <a:rPr lang="en-US" sz="1400" b="1" dirty="0" smtClean="0">
+                <a:solidFill>
+                  <a:schemeClr val="accent1">
+                    <a:lumMod val="75000"/>
+                  </a:schemeClr>
+                </a:solidFill>
+              </a:rPr>
+              <a:t>Access with</a:t>
+            </a:r>
+            <a:endParaRPr lang="en-US" sz="1400" b="1" dirty="0">
+              <a:solidFill>
+                <a:schemeClr val="accent1">
+                  <a:lumMod val="75000"/>
+                </a:schemeClr>
+              </a:solidFill>
+            </a:endParaRPr>
+          </a:p>
+        </p:txBody>
+      </p:sp>
+      <p:sp>
+        <p:nvSpPr>
+          <p:cNvPr id="72" name="TextBox 71"/>
+          <p:cNvSpPr txBox="1"/>
+          <p:nvPr/>
+        </p:nvSpPr>
+        <p:spPr>
+          <a:xfrm>
+            <a:off x="6248400" y="3886200"/>
+            <a:ext cx="1453283" cy="307777"/>
+          </a:xfrm>
+          <a:prstGeom prst="rect">
+            <a:avLst/>
+          </a:prstGeom>
+          <a:noFill/>
+        </p:spPr>
+        <p:txBody>
+          <a:bodyPr wrap="none" rtlCol="0">
+            <a:spAutoFit/>
+          </a:bodyPr>
+          <a:lstStyle/>
+          <a:p>
+            <a:r>
+              <a:rPr lang="en-US" sz="1400" b="1" dirty="0" smtClean="0">
+                <a:solidFill>
+                  <a:schemeClr val="bg1">
+                    <a:lumMod val="50000"/>
+                  </a:schemeClr>
+                </a:solidFill>
+              </a:rPr>
+              <a:t>Encapsulate with</a:t>
+            </a:r>
+            <a:endParaRPr lang="en-US" sz="1400" b="1" dirty="0">
+              <a:solidFill>
+                <a:schemeClr val="bg1">
+                  <a:lumMod val="50000"/>
+                </a:schemeClr>
+              </a:solidFill>
+            </a:endParaRPr>
+          </a:p>
+        </p:txBody>
+      </p:sp>
+      <p:sp>
+        <p:nvSpPr>
+          <p:cNvPr id="74" name="TextBox 73"/>
+          <p:cNvSpPr txBox="1"/>
+          <p:nvPr/>
+        </p:nvSpPr>
+        <p:spPr>
+          <a:xfrm>
+            <a:off x="6324600" y="4724400"/>
+            <a:ext cx="1453283" cy="307777"/>
+          </a:xfrm>
+          <a:prstGeom prst="rect">
+            <a:avLst/>
+          </a:prstGeom>
+          <a:noFill/>
+        </p:spPr>
+        <p:txBody>
+          <a:bodyPr wrap="none" rtlCol="0">
+            <a:spAutoFit/>
+          </a:bodyPr>
+          <a:lstStyle/>
+          <a:p>
+            <a:r>
+              <a:rPr lang="en-US" sz="1400" b="1" dirty="0" smtClean="0">
+                <a:solidFill>
+                  <a:schemeClr val="bg1">
+                    <a:lumMod val="50000"/>
+                  </a:schemeClr>
+                </a:solidFill>
+              </a:rPr>
+              <a:t>Encapsulate with</a:t>
+            </a:r>
+            <a:endParaRPr lang="en-US" sz="1400" b="1" dirty="0">
+              <a:solidFill>
+                <a:schemeClr val="bg1">
+                  <a:lumMod val="50000"/>
+                </a:schemeClr>
+              </a:solidFill>
+            </a:endParaRPr>
+          </a:p>
+        </p:txBody>
+      </p:sp>
+      <p:sp>
+        <p:nvSpPr>
+          <p:cNvPr id="75" name="TextBox 74"/>
+          <p:cNvSpPr txBox="1"/>
+          <p:nvPr/>
+        </p:nvSpPr>
+        <p:spPr>
+          <a:xfrm>
+            <a:off x="7690717" y="4495800"/>
+            <a:ext cx="1453283" cy="307777"/>
+          </a:xfrm>
+          <a:prstGeom prst="rect">
+            <a:avLst/>
+          </a:prstGeom>
+          <a:noFill/>
+        </p:spPr>
+        <p:txBody>
+          <a:bodyPr wrap="none" rtlCol="0">
+            <a:spAutoFit/>
+          </a:bodyPr>
+          <a:lstStyle/>
+          <a:p>
+            <a:r>
+              <a:rPr lang="en-US" sz="1400" b="1" dirty="0" smtClean="0">
+                <a:solidFill>
+                  <a:schemeClr val="bg1">
+                    <a:lumMod val="50000"/>
+                  </a:schemeClr>
+                </a:solidFill>
+              </a:rPr>
+              <a:t>Encapsulate with</a:t>
+            </a:r>
+            <a:endParaRPr lang="en-US" sz="1400" b="1" dirty="0">
+              <a:solidFill>
+                <a:schemeClr val="bg1">
+                  <a:lumMod val="50000"/>
+                </a:schemeClr>
+              </a:solidFill>
+            </a:endParaRPr>
+          </a:p>
+        </p:txBody>
+      </p:sp>
+      <p:sp>
+        <p:nvSpPr>
+          <p:cNvPr id="76" name="TextBox 75"/>
+          <p:cNvSpPr txBox="1"/>
+          <p:nvPr/>
+        </p:nvSpPr>
+        <p:spPr>
+          <a:xfrm>
+            <a:off x="4800600" y="5105400"/>
+            <a:ext cx="1453283" cy="307777"/>
+          </a:xfrm>
+          <a:prstGeom prst="rect">
+            <a:avLst/>
+          </a:prstGeom>
+          <a:noFill/>
+        </p:spPr>
+        <p:txBody>
+          <a:bodyPr wrap="none" rtlCol="0">
+            <a:spAutoFit/>
+          </a:bodyPr>
+          <a:lstStyle/>
+          <a:p>
+            <a:r>
+              <a:rPr lang="en-US" sz="1400" b="1" dirty="0" smtClean="0">
+                <a:solidFill>
+                  <a:schemeClr val="bg1">
+                    <a:lumMod val="50000"/>
+                  </a:schemeClr>
+                </a:solidFill>
+              </a:rPr>
+              <a:t>Encapsulate with</a:t>
+            </a:r>
+            <a:endParaRPr lang="en-US" sz="1400" b="1" dirty="0">
+              <a:solidFill>
+                <a:schemeClr val="bg1">
+                  <a:lumMod val="50000"/>
+                </a:schemeClr>
+              </a:solidFill>
+            </a:endParaRPr>
+          </a:p>
+        </p:txBody>
+      </p:sp>
+      <p:sp>
+        <p:nvSpPr>
+          <p:cNvPr id="77" name="TextBox 76"/>
+          <p:cNvSpPr txBox="1"/>
+          <p:nvPr/>
+        </p:nvSpPr>
+        <p:spPr>
+          <a:xfrm>
+            <a:off x="6019800" y="2057400"/>
+            <a:ext cx="1907061" cy="307777"/>
+          </a:xfrm>
+          <a:prstGeom prst="rect">
+            <a:avLst/>
+          </a:prstGeom>
+          <a:noFill/>
+        </p:spPr>
+        <p:txBody>
+          <a:bodyPr wrap="none" rtlCol="0">
+            <a:spAutoFit/>
+          </a:bodyPr>
+          <a:lstStyle/>
+          <a:p>
+            <a:r>
+              <a:rPr lang="en-US" sz="1400" b="1" dirty="0" smtClean="0">
+                <a:solidFill>
+                  <a:schemeClr val="accent2">
+                    <a:lumMod val="75000"/>
+                  </a:schemeClr>
+                </a:solidFill>
+              </a:rPr>
+              <a:t>Maintain integrity with</a:t>
+            </a:r>
+            <a:endParaRPr lang="en-US" sz="1400" b="1" dirty="0">
+              <a:solidFill>
+                <a:schemeClr val="accent2">
+                  <a:lumMod val="75000"/>
+                </a:schemeClr>
+              </a:solidFill>
+            </a:endParaRPr>
+          </a:p>
+        </p:txBody>
+      </p:sp>
+      <p:sp>
+        <p:nvSpPr>
+          <p:cNvPr id="78" name="TextBox 77"/>
+          <p:cNvSpPr txBox="1"/>
+          <p:nvPr/>
+        </p:nvSpPr>
+        <p:spPr>
+          <a:xfrm>
+            <a:off x="6019800" y="2743200"/>
+            <a:ext cx="1181157" cy="307777"/>
+          </a:xfrm>
+          <a:prstGeom prst="rect">
+            <a:avLst/>
+          </a:prstGeom>
+          <a:noFill/>
+        </p:spPr>
+        <p:txBody>
+          <a:bodyPr wrap="none" rtlCol="0">
+            <a:spAutoFit/>
+          </a:bodyPr>
+          <a:lstStyle/>
+          <a:p>
+            <a:r>
+              <a:rPr lang="en-US" sz="1400" b="1" dirty="0" smtClean="0">
+                <a:solidFill>
+                  <a:srgbClr val="336600"/>
+                </a:solidFill>
+              </a:rPr>
+              <a:t>Act as root of</a:t>
+            </a:r>
+            <a:endParaRPr lang="en-US" sz="1400" b="1" dirty="0">
+              <a:solidFill>
+                <a:srgbClr val="336600"/>
+              </a:solidFill>
+            </a:endParaRPr>
+          </a:p>
+        </p:txBody>
+      </p:sp>
+      <p:sp>
+        <p:nvSpPr>
+          <p:cNvPr id="80" name="TextBox 79"/>
+          <p:cNvSpPr txBox="1"/>
+          <p:nvPr/>
+        </p:nvSpPr>
+        <p:spPr>
+          <a:xfrm>
+            <a:off x="904101" y="4151862"/>
+            <a:ext cx="381000" cy="769441"/>
+          </a:xfrm>
+          <a:prstGeom prst="rect">
+            <a:avLst/>
+          </a:prstGeom>
+          <a:noFill/>
+        </p:spPr>
+        <p:txBody>
+          <a:bodyPr wrap="square" rtlCol="0">
+            <a:spAutoFit/>
+          </a:bodyPr>
+          <a:lstStyle/>
+          <a:p>
+            <a:r>
+              <a:rPr lang="en-US" sz="4400" b="1" dirty="0" smtClean="0">
+                <a:solidFill>
+                  <a:srgbClr val="FF0000"/>
+                </a:solidFill>
+                <a:latin typeface="Calibri" pitchFamily="34" charset="0"/>
+              </a:rPr>
+              <a:t>X</a:t>
+            </a:r>
+            <a:endParaRPr lang="en-US" sz="4400" b="1" dirty="0">
+              <a:solidFill>
+                <a:srgbClr val="FF0000"/>
+              </a:solidFill>
+              <a:latin typeface="Calibri" pitchFamily="34" charset="0"/>
+            </a:endParaRPr>
+          </a:p>
+        </p:txBody>
+      </p:sp>
+      <p:sp>
+        <p:nvSpPr>
+          <p:cNvPr id="42" name="Oval 5"/>
+          <p:cNvSpPr/>
+          <p:nvPr/>
+        </p:nvSpPr>
+        <p:spPr>
+          <a:xfrm>
+            <a:off x="228600" y="1143000"/>
+            <a:ext cx="1920240" cy="990600"/>
+          </a:xfrm>
+          <a:prstGeom prst="ellipse">
+            <a:avLst/>
+          </a:prstGeom>
+        </p:spPr>
+        <p:style>
+          <a:lnRef idx="2">
+            <a:schemeClr val="accent3">
+              <a:shade val="50000"/>
+            </a:schemeClr>
+          </a:lnRef>
+          <a:fillRef idx="1">
+            <a:schemeClr val="accent3"/>
+          </a:fillRef>
+          <a:effectRef idx="0">
+            <a:schemeClr val="accent3"/>
+          </a:effectRef>
+          <a:fontRef idx="minor">
+            <a:schemeClr val="lt1"/>
+          </a:fontRef>
+        </p:style>
+        <p:txBody>
+          <a:bodyPr rtlCol="0" anchor="ctr"/>
+          <a:lstStyle/>
+          <a:p>
+            <a:pPr algn="ctr"/>
+            <a:r>
+              <a:rPr lang="en-US" dirty="0" smtClean="0"/>
+              <a:t>Modules</a:t>
+            </a:r>
+            <a:endParaRPr lang="en-US" dirty="0"/>
+          </a:p>
+        </p:txBody>
+      </p:sp>
+      <p:cxnSp>
+        <p:nvCxnSpPr>
+          <p:cNvPr id="45" name="Скругленная соединительная линия 44"/>
+          <p:cNvCxnSpPr>
+            <a:stCxn id="4" idx="1"/>
+            <a:endCxn id="42" idx="4"/>
+          </p:cNvCxnSpPr>
+          <p:nvPr/>
+        </p:nvCxnSpPr>
+        <p:spPr>
+          <a:xfrm rot="5400000" flipH="1" flipV="1">
+            <a:off x="209695" y="2366445"/>
+            <a:ext cx="1211870" cy="746180"/>
+          </a:xfrm>
+          <a:prstGeom prst="curvedConnector3">
+            <a:avLst>
+              <a:gd name="adj1" fmla="val 84732"/>
+            </a:avLst>
+          </a:prstGeom>
+          <a:ln>
+            <a:tailEnd type="arrow"/>
+          </a:ln>
+        </p:spPr>
+        <p:style>
+          <a:lnRef idx="1">
+            <a:schemeClr val="accent1"/>
+          </a:lnRef>
+          <a:fillRef idx="0">
+            <a:schemeClr val="accent1"/>
+          </a:fillRef>
+          <a:effectRef idx="0">
+            <a:schemeClr val="accent1"/>
+          </a:effectRef>
+          <a:fontRef idx="minor">
+            <a:schemeClr val="tx1"/>
+          </a:fontRef>
+        </p:style>
+      </p:cxnSp>
+      <p:sp>
+        <p:nvSpPr>
+          <p:cNvPr id="50" name="TextBox 49"/>
+          <p:cNvSpPr txBox="1"/>
+          <p:nvPr/>
+        </p:nvSpPr>
+        <p:spPr>
+          <a:xfrm>
+            <a:off x="0" y="2667000"/>
+            <a:ext cx="1636602" cy="307777"/>
+          </a:xfrm>
+          <a:prstGeom prst="rect">
+            <a:avLst/>
+          </a:prstGeom>
+          <a:noFill/>
+        </p:spPr>
+        <p:txBody>
+          <a:bodyPr wrap="none" rtlCol="0">
+            <a:spAutoFit/>
+          </a:bodyPr>
+          <a:lstStyle/>
+          <a:p>
+            <a:r>
+              <a:rPr lang="en-US" sz="1400" b="1" dirty="0" smtClean="0">
+                <a:solidFill>
+                  <a:schemeClr val="accent3">
+                    <a:lumMod val="75000"/>
+                  </a:schemeClr>
+                </a:solidFill>
+              </a:rPr>
+              <a:t>Express model with</a:t>
+            </a:r>
+            <a:endParaRPr lang="en-US" sz="1400" b="1" dirty="0">
+              <a:solidFill>
+                <a:schemeClr val="accent3">
+                  <a:lumMod val="75000"/>
+                </a:schemeClr>
+              </a:solidFill>
+            </a:endParaRPr>
+          </a:p>
+        </p:txBody>
+      </p:sp>
+      <p:sp>
+        <p:nvSpPr>
+          <p:cNvPr id="51" name="TextBox 50"/>
+          <p:cNvSpPr txBox="1"/>
+          <p:nvPr/>
+        </p:nvSpPr>
+        <p:spPr>
+          <a:xfrm>
+            <a:off x="228600" y="228600"/>
+            <a:ext cx="3672800" cy="369332"/>
+          </a:xfrm>
+          <a:prstGeom prst="rect">
+            <a:avLst/>
+          </a:prstGeom>
+        </p:spPr>
+        <p:style>
+          <a:lnRef idx="2">
+            <a:schemeClr val="accent3">
+              <a:shade val="50000"/>
+            </a:schemeClr>
+          </a:lnRef>
+          <a:fillRef idx="1">
+            <a:schemeClr val="accent3"/>
+          </a:fillRef>
+          <a:effectRef idx="0">
+            <a:schemeClr val="accent3"/>
+          </a:effectRef>
+          <a:fontRef idx="minor">
+            <a:schemeClr val="lt1"/>
+          </a:fontRef>
+        </p:style>
+        <p:txBody>
+          <a:bodyPr wrap="none" rtlCol="0">
+            <a:spAutoFit/>
+          </a:bodyPr>
+          <a:lstStyle/>
+          <a:p>
+            <a:r>
+              <a:rPr lang="en-US" b="1" dirty="0" smtClean="0"/>
+              <a:t>A model expressed in software with:</a:t>
+            </a:r>
+            <a:endParaRPr lang="en-US" b="1" dirty="0"/>
+          </a:p>
+        </p:txBody>
+      </p:sp>
+      <p:sp>
+        <p:nvSpPr>
+          <p:cNvPr id="53" name="TextBox 52"/>
+          <p:cNvSpPr txBox="1"/>
+          <p:nvPr/>
+        </p:nvSpPr>
+        <p:spPr>
+          <a:xfrm>
+            <a:off x="4800600" y="228600"/>
+            <a:ext cx="4181081" cy="369332"/>
+          </a:xfrm>
+          <a:prstGeom prst="rect">
+            <a:avLst/>
+          </a:prstGeom>
+        </p:spPr>
+        <p:style>
+          <a:lnRef idx="2">
+            <a:schemeClr val="accent1">
+              <a:shade val="50000"/>
+            </a:schemeClr>
+          </a:lnRef>
+          <a:fillRef idx="1">
+            <a:schemeClr val="accent1"/>
+          </a:fillRef>
+          <a:effectRef idx="0">
+            <a:schemeClr val="accent1"/>
+          </a:effectRef>
+          <a:fontRef idx="minor">
+            <a:schemeClr val="lt1"/>
+          </a:fontRef>
+        </p:style>
+        <p:txBody>
+          <a:bodyPr wrap="none" rtlCol="0">
+            <a:spAutoFit/>
+          </a:bodyPr>
+          <a:lstStyle/>
+          <a:p>
+            <a:r>
+              <a:rPr lang="en-US" b="1" dirty="0" smtClean="0"/>
+              <a:t>Life Cycle of  domain object controlled by:</a:t>
+            </a:r>
+            <a:endParaRPr lang="en-US" b="1" dirty="0"/>
+          </a:p>
+        </p:txBody>
+      </p:sp>
+    </p:spTree>
+  </p:cSld>
+  <p:clrMapOvr>
+    <a:masterClrMapping/>
+  </p:clrMapOvr>
+  <p:timing>
+    <p:tnLst>
+      <p:par>
+        <p:cTn id="1" dur="indefinite" restart="never" nodeType="tmRoot"/>
+      </p:par>
+    </p:tnLst>
+  </p:timing>
 </p:sld>
 </file>
 
@@ -12282,7 +14696,7 @@
       </p:grpSpPr>
       <p:sp>
         <p:nvSpPr>
-          <p:cNvPr id="2" name="Title 1"/>
+          <p:cNvPr id="2" name="Заголовок 1"/>
           <p:cNvSpPr>
             <a:spLocks noGrp="1"/>
           </p:cNvSpPr>
@@ -12292,19 +14706,17 @@
         </p:nvSpPr>
         <p:spPr>
           <a:xfrm>
-            <a:off x="457200" y="0"/>
-            <a:ext cx="8991600" cy="487362"/>
+            <a:off x="609600" y="0"/>
+            <a:ext cx="8229600" cy="762000"/>
           </a:xfrm>
         </p:spPr>
         <p:txBody>
-          <a:bodyPr>
-            <a:normAutofit fontScale="90000"/>
-          </a:bodyPr>
-          <a:lstStyle/>
-          <a:p>
-            <a:r>
-              <a:rPr lang="en-US" b="1" i="1" dirty="0" smtClean="0"/>
-              <a:t>DDD : navigation map</a:t>
+          <a:bodyPr/>
+          <a:lstStyle/>
+          <a:p>
+            <a:r>
+              <a:rPr lang="en-US" dirty="0" smtClean="0"/>
+              <a:t>Associations</a:t>
             </a:r>
             <a:endParaRPr lang="en-US" dirty="0"/>
           </a:p>
@@ -12312,14 +14724,210 @@
       </p:sp>
       <p:sp>
         <p:nvSpPr>
-          <p:cNvPr id="67" name="TextBox 66"/>
+          <p:cNvPr id="4" name="Rounded Rectangle 6"/>
+          <p:cNvSpPr/>
+          <p:nvPr/>
+        </p:nvSpPr>
+        <p:spPr>
+          <a:xfrm>
+            <a:off x="304800" y="1447800"/>
+            <a:ext cx="2133600" cy="685800"/>
+          </a:xfrm>
+          <a:prstGeom prst="roundRect">
+            <a:avLst/>
+          </a:prstGeom>
+          <a:gradFill flip="none" rotWithShape="1">
+            <a:gsLst>
+              <a:gs pos="0">
+                <a:schemeClr val="accent1">
+                  <a:tint val="66000"/>
+                  <a:satMod val="160000"/>
+                </a:schemeClr>
+              </a:gs>
+              <a:gs pos="50000">
+                <a:schemeClr val="accent1">
+                  <a:tint val="44500"/>
+                  <a:satMod val="160000"/>
+                </a:schemeClr>
+              </a:gs>
+              <a:gs pos="100000">
+                <a:schemeClr val="accent1">
+                  <a:tint val="23500"/>
+                  <a:satMod val="160000"/>
+                </a:schemeClr>
+              </a:gs>
+            </a:gsLst>
+            <a:lin ang="5400000" scaled="1"/>
+            <a:tileRect/>
+          </a:gradFill>
+        </p:spPr>
+        <p:style>
+          <a:lnRef idx="2">
+            <a:schemeClr val="accent1">
+              <a:shade val="50000"/>
+            </a:schemeClr>
+          </a:lnRef>
+          <a:fillRef idx="1">
+            <a:schemeClr val="accent1"/>
+          </a:fillRef>
+          <a:effectRef idx="0">
+            <a:schemeClr val="accent1"/>
+          </a:effectRef>
+          <a:fontRef idx="minor">
+            <a:schemeClr val="lt1"/>
+          </a:fontRef>
+        </p:style>
+        <p:txBody>
+          <a:bodyPr rtlCol="0" anchor="ctr"/>
+          <a:lstStyle/>
+          <a:p>
+            <a:pPr algn="ctr"/>
+            <a:r>
+              <a:rPr lang="en-US" b="1" dirty="0" smtClean="0">
+                <a:solidFill>
+                  <a:schemeClr val="tx1"/>
+                </a:solidFill>
+              </a:rPr>
+              <a:t>Country</a:t>
+            </a:r>
+            <a:endParaRPr lang="en-US" b="1" dirty="0">
+              <a:solidFill>
+                <a:schemeClr val="tx1"/>
+              </a:solidFill>
+            </a:endParaRPr>
+          </a:p>
+        </p:txBody>
+      </p:sp>
+      <p:sp>
+        <p:nvSpPr>
+          <p:cNvPr id="5" name="Rounded Rectangle 6"/>
+          <p:cNvSpPr/>
+          <p:nvPr/>
+        </p:nvSpPr>
+        <p:spPr>
+          <a:xfrm>
+            <a:off x="304800" y="4038600"/>
+            <a:ext cx="2133600" cy="685800"/>
+          </a:xfrm>
+          <a:prstGeom prst="roundRect">
+            <a:avLst/>
+          </a:prstGeom>
+          <a:gradFill flip="none" rotWithShape="1">
+            <a:gsLst>
+              <a:gs pos="0">
+                <a:schemeClr val="accent1">
+                  <a:tint val="66000"/>
+                  <a:satMod val="160000"/>
+                </a:schemeClr>
+              </a:gs>
+              <a:gs pos="50000">
+                <a:schemeClr val="accent1">
+                  <a:tint val="44500"/>
+                  <a:satMod val="160000"/>
+                </a:schemeClr>
+              </a:gs>
+              <a:gs pos="100000">
+                <a:schemeClr val="accent1">
+                  <a:tint val="23500"/>
+                  <a:satMod val="160000"/>
+                </a:schemeClr>
+              </a:gs>
+            </a:gsLst>
+            <a:lin ang="5400000" scaled="1"/>
+            <a:tileRect/>
+          </a:gradFill>
+        </p:spPr>
+        <p:style>
+          <a:lnRef idx="2">
+            <a:schemeClr val="accent1">
+              <a:shade val="50000"/>
+            </a:schemeClr>
+          </a:lnRef>
+          <a:fillRef idx="1">
+            <a:schemeClr val="accent1"/>
+          </a:fillRef>
+          <a:effectRef idx="0">
+            <a:schemeClr val="accent1"/>
+          </a:effectRef>
+          <a:fontRef idx="minor">
+            <a:schemeClr val="lt1"/>
+          </a:fontRef>
+        </p:style>
+        <p:txBody>
+          <a:bodyPr rtlCol="0" anchor="ctr"/>
+          <a:lstStyle/>
+          <a:p>
+            <a:pPr algn="ctr"/>
+            <a:r>
+              <a:rPr lang="en-US" b="1" dirty="0" smtClean="0">
+                <a:solidFill>
+                  <a:schemeClr val="tx1"/>
+                </a:solidFill>
+              </a:rPr>
+              <a:t>Person</a:t>
+            </a:r>
+            <a:endParaRPr lang="en-US" b="1" dirty="0">
+              <a:solidFill>
+                <a:srgbClr val="009900"/>
+              </a:solidFill>
+            </a:endParaRPr>
+          </a:p>
+        </p:txBody>
+      </p:sp>
+      <p:sp>
+        <p:nvSpPr>
+          <p:cNvPr id="10" name="TextBox 9"/>
           <p:cNvSpPr txBox="1"/>
           <p:nvPr/>
         </p:nvSpPr>
         <p:spPr>
           <a:xfrm>
-            <a:off x="0" y="4953000"/>
-            <a:ext cx="1570686" cy="523220"/>
+            <a:off x="304800" y="3429000"/>
+            <a:ext cx="1072409" cy="369332"/>
+          </a:xfrm>
+          <a:prstGeom prst="rect">
+            <a:avLst/>
+          </a:prstGeom>
+          <a:solidFill>
+            <a:schemeClr val="bg1"/>
+          </a:solidFill>
+        </p:spPr>
+        <p:txBody>
+          <a:bodyPr wrap="none" rtlCol="0">
+            <a:spAutoFit/>
+          </a:bodyPr>
+          <a:lstStyle/>
+          <a:p>
+            <a:r>
+              <a:rPr lang="en-US" dirty="0" smtClean="0">
+                <a:solidFill>
+                  <a:schemeClr val="accent1">
+                    <a:lumMod val="50000"/>
+                  </a:schemeClr>
+                </a:solidFill>
+              </a:rPr>
+              <a:t>President</a:t>
+            </a:r>
+            <a:endParaRPr lang="en-US" dirty="0">
+              <a:solidFill>
+                <a:schemeClr val="accent1">
+                  <a:lumMod val="50000"/>
+                </a:schemeClr>
+              </a:solidFill>
+            </a:endParaRPr>
+          </a:p>
+        </p:txBody>
+      </p:sp>
+      <p:sp>
+        <p:nvSpPr>
+          <p:cNvPr id="11" name="TextBox 10"/>
+          <p:cNvSpPr txBox="1"/>
+          <p:nvPr/>
+        </p:nvSpPr>
+        <p:spPr>
+          <a:xfrm>
+            <a:off x="1371600" y="3581400"/>
+            <a:ext cx="465192" cy="769441"/>
           </a:xfrm>
           <a:prstGeom prst="rect">
             <a:avLst/>
@@ -12332,1511 +14940,1009 @@
           </a:bodyPr>
           <a:lstStyle/>
           <a:p>
+            <a:r>
+              <a:rPr lang="en-US" sz="4400" dirty="0" smtClean="0"/>
+              <a:t>*</a:t>
+            </a:r>
+            <a:endParaRPr lang="en-US" sz="4400" dirty="0"/>
+          </a:p>
+        </p:txBody>
+      </p:sp>
+      <p:cxnSp>
+        <p:nvCxnSpPr>
+          <p:cNvPr id="13" name="Прямая соединительная линия 12"/>
+          <p:cNvCxnSpPr>
+            <a:stCxn id="4" idx="2"/>
+            <a:endCxn id="5" idx="0"/>
+          </p:cNvCxnSpPr>
+          <p:nvPr/>
+        </p:nvCxnSpPr>
+        <p:spPr>
+          <a:xfrm rot="5400000">
+            <a:off x="419100" y="3086100"/>
+            <a:ext cx="1905000" cy="1588"/>
+          </a:xfrm>
+          <a:prstGeom prst="line">
+            <a:avLst/>
+          </a:prstGeom>
+        </p:spPr>
+        <p:style>
+          <a:lnRef idx="3">
+            <a:schemeClr val="dk1"/>
+          </a:lnRef>
+          <a:fillRef idx="0">
+            <a:schemeClr val="dk1"/>
+          </a:fillRef>
+          <a:effectRef idx="2">
+            <a:schemeClr val="dk1"/>
+          </a:effectRef>
+          <a:fontRef idx="minor">
+            <a:schemeClr val="tx1"/>
+          </a:fontRef>
+        </p:style>
+      </p:cxnSp>
+      <p:sp>
+        <p:nvSpPr>
+          <p:cNvPr id="27" name="Rounded Rectangle 6"/>
+          <p:cNvSpPr/>
+          <p:nvPr/>
+        </p:nvSpPr>
+        <p:spPr>
+          <a:xfrm>
+            <a:off x="3505194" y="1451430"/>
+            <a:ext cx="2133600" cy="685800"/>
+          </a:xfrm>
+          <a:prstGeom prst="roundRect">
+            <a:avLst/>
+          </a:prstGeom>
+          <a:gradFill flip="none" rotWithShape="1">
+            <a:gsLst>
+              <a:gs pos="0">
+                <a:schemeClr val="accent1">
+                  <a:tint val="66000"/>
+                  <a:satMod val="160000"/>
+                </a:schemeClr>
+              </a:gs>
+              <a:gs pos="50000">
+                <a:schemeClr val="accent1">
+                  <a:tint val="44500"/>
+                  <a:satMod val="160000"/>
+                </a:schemeClr>
+              </a:gs>
+              <a:gs pos="100000">
+                <a:schemeClr val="accent1">
+                  <a:tint val="23500"/>
+                  <a:satMod val="160000"/>
+                </a:schemeClr>
+              </a:gs>
+            </a:gsLst>
+            <a:lin ang="5400000" scaled="1"/>
+            <a:tileRect/>
+          </a:gradFill>
+        </p:spPr>
+        <p:style>
+          <a:lnRef idx="2">
+            <a:schemeClr val="accent1">
+              <a:shade val="50000"/>
+            </a:schemeClr>
+          </a:lnRef>
+          <a:fillRef idx="1">
+            <a:schemeClr val="accent1"/>
+          </a:fillRef>
+          <a:effectRef idx="0">
+            <a:schemeClr val="accent1"/>
+          </a:effectRef>
+          <a:fontRef idx="minor">
+            <a:schemeClr val="lt1"/>
+          </a:fontRef>
+        </p:style>
+        <p:txBody>
+          <a:bodyPr rtlCol="0" anchor="ctr"/>
+          <a:lstStyle/>
+          <a:p>
             <a:pPr algn="ctr"/>
             <a:r>
-              <a:rPr lang="en-US" sz="1400" b="1" dirty="0" smtClean="0">
-                <a:solidFill>
-                  <a:srgbClr val="FF0000"/>
+              <a:rPr lang="en-US" b="1" dirty="0" smtClean="0">
+                <a:solidFill>
+                  <a:schemeClr val="tx1"/>
                 </a:solidFill>
               </a:rPr>
-              <a:t>Mutually exclusive</a:t>
-            </a:r>
-          </a:p>
-          <a:p>
-            <a:pPr algn="ctr"/>
-            <a:r>
-              <a:rPr lang="en-US" sz="1400" b="1" dirty="0" smtClean="0">
-                <a:solidFill>
-                  <a:srgbClr val="FF0000"/>
-                </a:solidFill>
-              </a:rPr>
-              <a:t>choice</a:t>
-            </a:r>
-            <a:endParaRPr lang="en-US" sz="1400" b="1" dirty="0">
+              <a:t>Country</a:t>
+            </a:r>
+            <a:endParaRPr lang="en-US" b="1" dirty="0">
               <a:solidFill>
-                <a:srgbClr val="FF0000"/>
+                <a:schemeClr val="tx1"/>
               </a:solidFill>
             </a:endParaRPr>
           </a:p>
         </p:txBody>
       </p:sp>
-      <p:grpSp>
-        <p:nvGrpSpPr>
-          <p:cNvPr id="81" name="Group 80"/>
-          <p:cNvGrpSpPr/>
+      <p:sp>
+        <p:nvSpPr>
+          <p:cNvPr id="28" name="Rounded Rectangle 6"/>
+          <p:cNvSpPr/>
           <p:nvPr/>
-        </p:nvGrpSpPr>
-        <p:grpSpPr>
+        </p:nvSpPr>
+        <p:spPr>
           <a:xfrm>
-            <a:off x="152400" y="838200"/>
-            <a:ext cx="8991600" cy="5791200"/>
-            <a:chOff x="152400" y="838200"/>
-            <a:chExt cx="8991600" cy="5791200"/>
+            <a:off x="3505194" y="4042230"/>
+            <a:ext cx="2133600" cy="685800"/>
           </a:xfrm>
-        </p:grpSpPr>
-        <p:sp>
-          <p:nvSpPr>
-            <p:cNvPr id="4" name="Oval 3"/>
-            <p:cNvSpPr/>
-            <p:nvPr/>
-          </p:nvSpPr>
-          <p:spPr>
-            <a:xfrm>
-              <a:off x="152400" y="3200400"/>
-              <a:ext cx="1981200" cy="990600"/>
-            </a:xfrm>
-            <a:prstGeom prst="ellipse">
-              <a:avLst/>
-            </a:prstGeom>
-          </p:spPr>
-          <p:style>
-            <a:lnRef idx="2">
-              <a:schemeClr val="accent1">
-                <a:shade val="50000"/>
-              </a:schemeClr>
-            </a:lnRef>
-            <a:fillRef idx="1">
-              <a:schemeClr val="accent1"/>
-            </a:fillRef>
-            <a:effectRef idx="0">
-              <a:schemeClr val="accent1"/>
-            </a:effectRef>
-            <a:fontRef idx="minor">
-              <a:schemeClr val="lt1"/>
-            </a:fontRef>
-          </p:style>
-          <p:txBody>
-            <a:bodyPr rtlCol="0" anchor="ctr"/>
-            <a:lstStyle/>
-            <a:p>
-              <a:pPr algn="ctr"/>
-              <a:r>
-                <a:rPr lang="en-US" sz="1600" b="1" dirty="0" smtClean="0"/>
-                <a:t>Model-Driven Design</a:t>
-              </a:r>
-              <a:endParaRPr lang="en-US" sz="1600" b="1" dirty="0"/>
-            </a:p>
-          </p:txBody>
-        </p:sp>
-        <p:sp>
-          <p:nvSpPr>
-            <p:cNvPr id="6" name="Oval 5"/>
-            <p:cNvSpPr/>
-            <p:nvPr/>
-          </p:nvSpPr>
-          <p:spPr>
-            <a:xfrm>
-              <a:off x="1752600" y="990600"/>
-              <a:ext cx="1920240" cy="990600"/>
-            </a:xfrm>
-            <a:prstGeom prst="ellipse">
-              <a:avLst/>
-            </a:prstGeom>
-          </p:spPr>
-          <p:style>
-            <a:lnRef idx="2">
-              <a:schemeClr val="accent1">
-                <a:shade val="50000"/>
-              </a:schemeClr>
-            </a:lnRef>
-            <a:fillRef idx="1">
-              <a:schemeClr val="accent1"/>
-            </a:fillRef>
-            <a:effectRef idx="0">
-              <a:schemeClr val="accent1"/>
-            </a:effectRef>
-            <a:fontRef idx="minor">
-              <a:schemeClr val="lt1"/>
-            </a:fontRef>
-          </p:style>
-          <p:txBody>
-            <a:bodyPr rtlCol="0" anchor="ctr"/>
-            <a:lstStyle/>
-            <a:p>
-              <a:pPr algn="ctr"/>
-              <a:r>
-                <a:rPr lang="en-US" dirty="0" smtClean="0"/>
-                <a:t>Services</a:t>
-              </a:r>
-              <a:endParaRPr lang="en-US" dirty="0"/>
-            </a:p>
-          </p:txBody>
-        </p:sp>
-        <p:sp>
-          <p:nvSpPr>
-            <p:cNvPr id="8" name="Oval 7"/>
-            <p:cNvSpPr/>
-            <p:nvPr/>
-          </p:nvSpPr>
-          <p:spPr>
-            <a:xfrm>
-              <a:off x="3733800" y="2057400"/>
-              <a:ext cx="1920240" cy="990600"/>
-            </a:xfrm>
-            <a:prstGeom prst="ellipse">
-              <a:avLst/>
-            </a:prstGeom>
-          </p:spPr>
-          <p:style>
-            <a:lnRef idx="2">
-              <a:schemeClr val="accent1">
-                <a:shade val="50000"/>
-              </a:schemeClr>
-            </a:lnRef>
-            <a:fillRef idx="1">
-              <a:schemeClr val="accent1"/>
-            </a:fillRef>
-            <a:effectRef idx="0">
-              <a:schemeClr val="accent1"/>
-            </a:effectRef>
-            <a:fontRef idx="minor">
-              <a:schemeClr val="lt1"/>
-            </a:fontRef>
-          </p:style>
-          <p:txBody>
-            <a:bodyPr rtlCol="0" anchor="ctr"/>
-            <a:lstStyle/>
-            <a:p>
-              <a:pPr algn="ctr"/>
-              <a:r>
-                <a:rPr lang="en-US" dirty="0" smtClean="0"/>
-                <a:t>Entities</a:t>
-              </a:r>
-              <a:endParaRPr lang="en-US" dirty="0"/>
-            </a:p>
-          </p:txBody>
-        </p:sp>
-        <p:grpSp>
-          <p:nvGrpSpPr>
-            <p:cNvPr id="17" name="Group 16"/>
-            <p:cNvGrpSpPr/>
-            <p:nvPr/>
-          </p:nvGrpSpPr>
-          <p:grpSpPr>
-            <a:xfrm>
-              <a:off x="3733800" y="3581400"/>
-              <a:ext cx="1920240" cy="990600"/>
-              <a:chOff x="3733800" y="3581400"/>
-              <a:chExt cx="1920240" cy="990600"/>
-            </a:xfrm>
-          </p:grpSpPr>
-          <p:sp>
-            <p:nvSpPr>
-              <p:cNvPr id="10" name="Oval 9"/>
-              <p:cNvSpPr/>
-              <p:nvPr/>
-            </p:nvSpPr>
-            <p:spPr>
-              <a:xfrm>
-                <a:off x="3733800" y="3581400"/>
-                <a:ext cx="1920240" cy="990600"/>
-              </a:xfrm>
-              <a:prstGeom prst="ellipse">
-                <a:avLst/>
-              </a:prstGeom>
-            </p:spPr>
-            <p:style>
-              <a:lnRef idx="2">
+          <a:prstGeom prst="roundRect">
+            <a:avLst/>
+          </a:prstGeom>
+          <a:gradFill flip="none" rotWithShape="1">
+            <a:gsLst>
+              <a:gs pos="0">
                 <a:schemeClr val="accent1">
-                  <a:shade val="50000"/>
+                  <a:tint val="66000"/>
+                  <a:satMod val="160000"/>
                 </a:schemeClr>
-              </a:lnRef>
-              <a:fillRef idx="1">
-                <a:schemeClr val="accent1"/>
-              </a:fillRef>
-              <a:effectRef idx="0">
-                <a:schemeClr val="accent1"/>
-              </a:effectRef>
-              <a:fontRef idx="minor">
-                <a:schemeClr val="lt1"/>
-              </a:fontRef>
-            </p:style>
-            <p:txBody>
-              <a:bodyPr rtlCol="0" anchor="ctr"/>
-              <a:lstStyle/>
-              <a:p>
-                <a:pPr algn="ctr"/>
-                <a:endParaRPr lang="en-US" dirty="0"/>
-              </a:p>
-            </p:txBody>
-          </p:sp>
-          <p:sp>
-            <p:nvSpPr>
-              <p:cNvPr id="11" name="TextBox 10"/>
-              <p:cNvSpPr txBox="1"/>
-              <p:nvPr/>
-            </p:nvSpPr>
-            <p:spPr>
-              <a:xfrm>
-                <a:off x="3962400" y="3886200"/>
-                <a:ext cx="1465466" cy="369332"/>
-              </a:xfrm>
-              <a:prstGeom prst="rect">
-                <a:avLst/>
-              </a:prstGeom>
-              <a:noFill/>
-            </p:spPr>
-            <p:txBody>
-              <a:bodyPr wrap="none" rtlCol="0">
-                <a:spAutoFit/>
-              </a:bodyPr>
-              <a:lstStyle/>
-              <a:p>
-                <a:r>
-                  <a:rPr lang="en-US" dirty="0" smtClean="0">
-                    <a:solidFill>
-                      <a:schemeClr val="bg1"/>
-                    </a:solidFill>
-                  </a:rPr>
-                  <a:t>Value Objects</a:t>
-                </a:r>
-                <a:endParaRPr lang="en-US" dirty="0">
-                  <a:solidFill>
-                    <a:schemeClr val="bg1"/>
-                  </a:solidFill>
-                </a:endParaRPr>
-              </a:p>
-            </p:txBody>
-          </p:sp>
-        </p:grpSp>
-        <p:sp>
-          <p:nvSpPr>
-            <p:cNvPr id="12" name="Oval 11"/>
-            <p:cNvSpPr/>
-            <p:nvPr/>
-          </p:nvSpPr>
-          <p:spPr>
-            <a:xfrm>
-              <a:off x="2514600" y="5029200"/>
-              <a:ext cx="1920240" cy="990600"/>
-            </a:xfrm>
-            <a:prstGeom prst="ellipse">
-              <a:avLst/>
-            </a:prstGeom>
-          </p:spPr>
-          <p:style>
-            <a:lnRef idx="2">
-              <a:schemeClr val="accent1">
-                <a:shade val="50000"/>
-              </a:schemeClr>
-            </a:lnRef>
-            <a:fillRef idx="1">
-              <a:schemeClr val="accent1"/>
-            </a:fillRef>
-            <a:effectRef idx="0">
-              <a:schemeClr val="accent1"/>
-            </a:effectRef>
-            <a:fontRef idx="minor">
-              <a:schemeClr val="lt1"/>
-            </a:fontRef>
-          </p:style>
-          <p:txBody>
-            <a:bodyPr rtlCol="0" anchor="ctr"/>
-            <a:lstStyle/>
-            <a:p>
-              <a:pPr algn="ctr"/>
-              <a:r>
-                <a:rPr lang="en-US" dirty="0" smtClean="0"/>
-                <a:t>Layered</a:t>
-              </a:r>
-            </a:p>
-            <a:p>
-              <a:pPr algn="ctr"/>
-              <a:r>
-                <a:rPr lang="en-US" dirty="0" smtClean="0"/>
-                <a:t>Architecture</a:t>
-              </a:r>
-              <a:endParaRPr lang="en-US" dirty="0"/>
-            </a:p>
-          </p:txBody>
-        </p:sp>
-        <p:sp>
-          <p:nvSpPr>
-            <p:cNvPr id="13" name="Oval 12"/>
-            <p:cNvSpPr/>
-            <p:nvPr/>
-          </p:nvSpPr>
-          <p:spPr>
-            <a:xfrm>
-              <a:off x="228600" y="5638800"/>
-              <a:ext cx="1920240" cy="990600"/>
-            </a:xfrm>
-            <a:prstGeom prst="ellipse">
-              <a:avLst/>
-            </a:prstGeom>
-          </p:spPr>
-          <p:style>
-            <a:lnRef idx="2">
-              <a:schemeClr val="accent1">
-                <a:shade val="50000"/>
-              </a:schemeClr>
-            </a:lnRef>
-            <a:fillRef idx="1">
-              <a:schemeClr val="accent1"/>
-            </a:fillRef>
-            <a:effectRef idx="0">
-              <a:schemeClr val="accent1"/>
-            </a:effectRef>
-            <a:fontRef idx="minor">
-              <a:schemeClr val="lt1"/>
-            </a:fontRef>
-          </p:style>
-          <p:txBody>
-            <a:bodyPr rtlCol="0" anchor="ctr"/>
-            <a:lstStyle/>
-            <a:p>
-              <a:pPr algn="ctr"/>
-              <a:r>
-                <a:rPr lang="en-US" dirty="0" smtClean="0"/>
-                <a:t>Smart UI</a:t>
-              </a:r>
-              <a:endParaRPr lang="en-US" dirty="0"/>
-            </a:p>
-          </p:txBody>
-        </p:sp>
-        <p:sp>
-          <p:nvSpPr>
-            <p:cNvPr id="14" name="Oval 13"/>
-            <p:cNvSpPr/>
-            <p:nvPr/>
-          </p:nvSpPr>
-          <p:spPr>
-            <a:xfrm>
-              <a:off x="6553200" y="838200"/>
-              <a:ext cx="1920240" cy="990600"/>
-            </a:xfrm>
-            <a:prstGeom prst="ellipse">
-              <a:avLst/>
-            </a:prstGeom>
-          </p:spPr>
-          <p:style>
-            <a:lnRef idx="2">
-              <a:schemeClr val="accent1">
-                <a:shade val="50000"/>
-              </a:schemeClr>
-            </a:lnRef>
-            <a:fillRef idx="1">
-              <a:schemeClr val="accent1"/>
-            </a:fillRef>
-            <a:effectRef idx="0">
-              <a:schemeClr val="accent1"/>
-            </a:effectRef>
-            <a:fontRef idx="minor">
-              <a:schemeClr val="lt1"/>
-            </a:fontRef>
-          </p:style>
-          <p:txBody>
-            <a:bodyPr rtlCol="0" anchor="ctr"/>
-            <a:lstStyle/>
-            <a:p>
-              <a:pPr algn="ctr"/>
-              <a:r>
-                <a:rPr lang="en-US" dirty="0" smtClean="0"/>
-                <a:t>Repository</a:t>
-              </a:r>
-              <a:endParaRPr lang="en-US" dirty="0"/>
-            </a:p>
-          </p:txBody>
-        </p:sp>
-        <p:sp>
-          <p:nvSpPr>
-            <p:cNvPr id="15" name="Oval 14"/>
-            <p:cNvSpPr/>
-            <p:nvPr/>
-          </p:nvSpPr>
-          <p:spPr>
-            <a:xfrm>
-              <a:off x="7086600" y="2895600"/>
-              <a:ext cx="1920240" cy="990600"/>
-            </a:xfrm>
-            <a:prstGeom prst="ellipse">
-              <a:avLst/>
-            </a:prstGeom>
-          </p:spPr>
-          <p:style>
-            <a:lnRef idx="2">
-              <a:schemeClr val="accent1">
-                <a:shade val="50000"/>
-              </a:schemeClr>
-            </a:lnRef>
-            <a:fillRef idx="1">
-              <a:schemeClr val="accent1"/>
-            </a:fillRef>
-            <a:effectRef idx="0">
-              <a:schemeClr val="accent1"/>
-            </a:effectRef>
-            <a:fontRef idx="minor">
-              <a:schemeClr val="lt1"/>
-            </a:fontRef>
-          </p:style>
-          <p:txBody>
-            <a:bodyPr rtlCol="0" anchor="ctr"/>
-            <a:lstStyle/>
-            <a:p>
-              <a:pPr algn="ctr"/>
-              <a:r>
-                <a:rPr lang="en-US" dirty="0" smtClean="0"/>
-                <a:t>Aggregates</a:t>
-              </a:r>
-              <a:endParaRPr lang="en-US" dirty="0"/>
-            </a:p>
-          </p:txBody>
-        </p:sp>
-        <p:sp>
-          <p:nvSpPr>
-            <p:cNvPr id="16" name="Oval 15"/>
-            <p:cNvSpPr/>
-            <p:nvPr/>
-          </p:nvSpPr>
-          <p:spPr>
-            <a:xfrm>
-              <a:off x="6629400" y="5181600"/>
-              <a:ext cx="1920240" cy="990600"/>
-            </a:xfrm>
-            <a:prstGeom prst="ellipse">
-              <a:avLst/>
-            </a:prstGeom>
-          </p:spPr>
-          <p:style>
-            <a:lnRef idx="2">
-              <a:schemeClr val="accent1">
-                <a:shade val="50000"/>
-              </a:schemeClr>
-            </a:lnRef>
-            <a:fillRef idx="1">
-              <a:schemeClr val="accent1"/>
-            </a:fillRef>
-            <a:effectRef idx="0">
-              <a:schemeClr val="accent1"/>
-            </a:effectRef>
-            <a:fontRef idx="minor">
-              <a:schemeClr val="lt1"/>
-            </a:fontRef>
-          </p:style>
-          <p:txBody>
-            <a:bodyPr rtlCol="0" anchor="ctr"/>
-            <a:lstStyle/>
-            <a:p>
-              <a:pPr algn="ctr"/>
-              <a:r>
-                <a:rPr lang="en-US" dirty="0" smtClean="0"/>
-                <a:t>Factories</a:t>
-              </a:r>
-              <a:endParaRPr lang="en-US" dirty="0"/>
-            </a:p>
-          </p:txBody>
-        </p:sp>
-        <p:cxnSp>
-          <p:nvCxnSpPr>
-            <p:cNvPr id="21" name="Curved Connector 20"/>
-            <p:cNvCxnSpPr>
-              <a:stCxn id="4" idx="0"/>
-              <a:endCxn id="6" idx="4"/>
-            </p:cNvCxnSpPr>
-            <p:nvPr/>
-          </p:nvCxnSpPr>
-          <p:spPr>
-            <a:xfrm rot="5400000" flipH="1" flipV="1">
-              <a:off x="1318260" y="1805940"/>
-              <a:ext cx="1219200" cy="1569720"/>
-            </a:xfrm>
-            <a:prstGeom prst="curvedConnector3">
-              <a:avLst>
-                <a:gd name="adj1" fmla="val 74324"/>
-              </a:avLst>
-            </a:prstGeom>
-            <a:ln>
-              <a:tailEnd type="arrow"/>
-            </a:ln>
-          </p:spPr>
-          <p:style>
-            <a:lnRef idx="1">
-              <a:schemeClr val="accent1"/>
-            </a:lnRef>
-            <a:fillRef idx="0">
-              <a:schemeClr val="accent1"/>
-            </a:fillRef>
-            <a:effectRef idx="0">
-              <a:schemeClr val="accent1"/>
-            </a:effectRef>
-            <a:fontRef idx="minor">
-              <a:schemeClr val="tx1"/>
-            </a:fontRef>
-          </p:style>
-        </p:cxnSp>
-        <p:cxnSp>
-          <p:nvCxnSpPr>
-            <p:cNvPr id="23" name="Shape 22"/>
-            <p:cNvCxnSpPr>
-              <a:stCxn id="4" idx="7"/>
-              <a:endCxn id="8" idx="2"/>
-            </p:cNvCxnSpPr>
-            <p:nvPr/>
-          </p:nvCxnSpPr>
-          <p:spPr>
-            <a:xfrm rot="5400000" flipH="1" flipV="1">
-              <a:off x="2392245" y="2003915"/>
-              <a:ext cx="792770" cy="1890340"/>
-            </a:xfrm>
-            <a:prstGeom prst="curvedConnector2">
-              <a:avLst/>
-            </a:prstGeom>
-            <a:ln>
-              <a:tailEnd type="arrow"/>
-            </a:ln>
-          </p:spPr>
-          <p:style>
-            <a:lnRef idx="1">
-              <a:schemeClr val="accent1"/>
-            </a:lnRef>
-            <a:fillRef idx="0">
-              <a:schemeClr val="accent1"/>
-            </a:fillRef>
-            <a:effectRef idx="0">
-              <a:schemeClr val="accent1"/>
-            </a:effectRef>
-            <a:fontRef idx="minor">
-              <a:schemeClr val="tx1"/>
-            </a:fontRef>
-          </p:style>
-        </p:cxnSp>
-        <p:cxnSp>
-          <p:nvCxnSpPr>
-            <p:cNvPr id="25" name="Curved Connector 24"/>
-            <p:cNvCxnSpPr>
-              <a:stCxn id="4" idx="6"/>
-              <a:endCxn id="10" idx="2"/>
-            </p:cNvCxnSpPr>
-            <p:nvPr/>
-          </p:nvCxnSpPr>
-          <p:spPr>
-            <a:xfrm>
-              <a:off x="2133600" y="3695700"/>
-              <a:ext cx="1600200" cy="381000"/>
-            </a:xfrm>
-            <a:prstGeom prst="curvedConnector3">
-              <a:avLst>
-                <a:gd name="adj1" fmla="val 42278"/>
-              </a:avLst>
-            </a:prstGeom>
-            <a:ln>
-              <a:tailEnd type="arrow"/>
-            </a:ln>
-          </p:spPr>
-          <p:style>
-            <a:lnRef idx="1">
-              <a:schemeClr val="accent1"/>
-            </a:lnRef>
-            <a:fillRef idx="0">
-              <a:schemeClr val="accent1"/>
-            </a:fillRef>
-            <a:effectRef idx="0">
-              <a:schemeClr val="accent1"/>
-            </a:effectRef>
-            <a:fontRef idx="minor">
-              <a:schemeClr val="tx1"/>
-            </a:fontRef>
-          </p:style>
-        </p:cxnSp>
-        <p:cxnSp>
-          <p:nvCxnSpPr>
-            <p:cNvPr id="27" name="Curved Connector 26"/>
-            <p:cNvCxnSpPr>
-              <a:stCxn id="4" idx="5"/>
-              <a:endCxn id="12" idx="0"/>
-            </p:cNvCxnSpPr>
-            <p:nvPr/>
-          </p:nvCxnSpPr>
-          <p:spPr>
-            <a:xfrm rot="16200000" flipH="1">
-              <a:off x="2167455" y="3721935"/>
-              <a:ext cx="983270" cy="1631260"/>
-            </a:xfrm>
-            <a:prstGeom prst="curvedConnector3">
-              <a:avLst>
-                <a:gd name="adj1" fmla="val 73877"/>
-              </a:avLst>
-            </a:prstGeom>
-            <a:ln>
-              <a:tailEnd type="arrow"/>
-            </a:ln>
-          </p:spPr>
-          <p:style>
-            <a:lnRef idx="1">
-              <a:schemeClr val="accent1"/>
-            </a:lnRef>
-            <a:fillRef idx="0">
-              <a:schemeClr val="accent1"/>
-            </a:fillRef>
-            <a:effectRef idx="0">
-              <a:schemeClr val="accent1"/>
-            </a:effectRef>
-            <a:fontRef idx="minor">
-              <a:schemeClr val="tx1"/>
-            </a:fontRef>
-          </p:style>
-        </p:cxnSp>
-        <p:cxnSp>
-          <p:nvCxnSpPr>
-            <p:cNvPr id="32" name="Straight Arrow Connector 31"/>
-            <p:cNvCxnSpPr>
-              <a:stCxn id="4" idx="4"/>
-              <a:endCxn id="13" idx="0"/>
-            </p:cNvCxnSpPr>
-            <p:nvPr/>
-          </p:nvCxnSpPr>
-          <p:spPr>
-            <a:xfrm rot="16200000" flipH="1">
-              <a:off x="441960" y="4892040"/>
-              <a:ext cx="1447800" cy="45720"/>
-            </a:xfrm>
-            <a:prstGeom prst="straightConnector1">
-              <a:avLst/>
-            </a:prstGeom>
-            <a:ln>
-              <a:tailEnd type="arrow"/>
-            </a:ln>
-          </p:spPr>
-          <p:style>
-            <a:lnRef idx="1">
-              <a:schemeClr val="accent1"/>
-            </a:lnRef>
-            <a:fillRef idx="0">
-              <a:schemeClr val="accent1"/>
-            </a:fillRef>
-            <a:effectRef idx="0">
-              <a:schemeClr val="accent1"/>
-            </a:effectRef>
-            <a:fontRef idx="minor">
-              <a:schemeClr val="tx1"/>
-            </a:fontRef>
-          </p:style>
-        </p:cxnSp>
-        <p:cxnSp>
-          <p:nvCxnSpPr>
-            <p:cNvPr id="35" name="Shape 34"/>
-            <p:cNvCxnSpPr>
-              <a:stCxn id="8" idx="0"/>
-              <a:endCxn id="14" idx="2"/>
-            </p:cNvCxnSpPr>
-            <p:nvPr/>
-          </p:nvCxnSpPr>
-          <p:spPr>
-            <a:xfrm rot="5400000" flipH="1" flipV="1">
-              <a:off x="5261610" y="765810"/>
-              <a:ext cx="723900" cy="1859280"/>
-            </a:xfrm>
-            <a:prstGeom prst="curvedConnector2">
-              <a:avLst/>
-            </a:prstGeom>
-            <a:ln>
-              <a:tailEnd type="arrow"/>
-            </a:ln>
-          </p:spPr>
-          <p:style>
-            <a:lnRef idx="1">
-              <a:schemeClr val="accent1"/>
-            </a:lnRef>
-            <a:fillRef idx="0">
-              <a:schemeClr val="accent1"/>
-            </a:fillRef>
-            <a:effectRef idx="0">
-              <a:schemeClr val="accent1"/>
-            </a:effectRef>
-            <a:fontRef idx="minor">
-              <a:schemeClr val="tx1"/>
-            </a:fontRef>
-          </p:style>
-        </p:cxnSp>
-        <p:cxnSp>
-          <p:nvCxnSpPr>
-            <p:cNvPr id="37" name="Curved Connector 36"/>
-            <p:cNvCxnSpPr>
-              <a:stCxn id="8" idx="7"/>
-              <a:endCxn id="15" idx="0"/>
-            </p:cNvCxnSpPr>
-            <p:nvPr/>
-          </p:nvCxnSpPr>
-          <p:spPr>
-            <a:xfrm rot="16200000" flipH="1">
-              <a:off x="6363208" y="1212089"/>
-              <a:ext cx="693130" cy="2673893"/>
-            </a:xfrm>
-            <a:prstGeom prst="curvedConnector3">
-              <a:avLst>
-                <a:gd name="adj1" fmla="val 10268"/>
-              </a:avLst>
-            </a:prstGeom>
-            <a:ln>
-              <a:tailEnd type="arrow"/>
-            </a:ln>
-          </p:spPr>
-          <p:style>
-            <a:lnRef idx="1">
-              <a:schemeClr val="accent1"/>
-            </a:lnRef>
-            <a:fillRef idx="0">
-              <a:schemeClr val="accent1"/>
-            </a:fillRef>
-            <a:effectRef idx="0">
-              <a:schemeClr val="accent1"/>
-            </a:effectRef>
-            <a:fontRef idx="minor">
-              <a:schemeClr val="tx1"/>
-            </a:fontRef>
-          </p:style>
-        </p:cxnSp>
-        <p:cxnSp>
-          <p:nvCxnSpPr>
-            <p:cNvPr id="40" name="Curved Connector 39"/>
-            <p:cNvCxnSpPr>
-              <a:stCxn id="8" idx="6"/>
-              <a:endCxn id="15" idx="2"/>
-            </p:cNvCxnSpPr>
-            <p:nvPr/>
-          </p:nvCxnSpPr>
-          <p:spPr>
-            <a:xfrm>
-              <a:off x="5654040" y="2552700"/>
-              <a:ext cx="1432560" cy="838200"/>
-            </a:xfrm>
-            <a:prstGeom prst="curvedConnector3">
-              <a:avLst>
-                <a:gd name="adj1" fmla="val 50000"/>
-              </a:avLst>
-            </a:prstGeom>
-            <a:ln>
-              <a:tailEnd type="arrow"/>
-            </a:ln>
-          </p:spPr>
-          <p:style>
-            <a:lnRef idx="1">
-              <a:schemeClr val="accent1"/>
-            </a:lnRef>
-            <a:fillRef idx="0">
-              <a:schemeClr val="accent1"/>
-            </a:fillRef>
-            <a:effectRef idx="0">
-              <a:schemeClr val="accent1"/>
-            </a:effectRef>
-            <a:fontRef idx="minor">
-              <a:schemeClr val="tx1"/>
-            </a:fontRef>
-          </p:style>
-        </p:cxnSp>
-        <p:cxnSp>
-          <p:nvCxnSpPr>
-            <p:cNvPr id="47" name="Shape 46"/>
-            <p:cNvCxnSpPr>
-              <a:stCxn id="10" idx="6"/>
-              <a:endCxn id="15" idx="3"/>
-            </p:cNvCxnSpPr>
-            <p:nvPr/>
-          </p:nvCxnSpPr>
-          <p:spPr>
-            <a:xfrm flipV="1">
-              <a:off x="5654040" y="3741130"/>
-              <a:ext cx="1713773" cy="335570"/>
-            </a:xfrm>
-            <a:prstGeom prst="curvedConnector2">
-              <a:avLst/>
-            </a:prstGeom>
-            <a:ln>
-              <a:tailEnd type="arrow"/>
-            </a:ln>
-          </p:spPr>
-          <p:style>
-            <a:lnRef idx="1">
-              <a:schemeClr val="accent1"/>
-            </a:lnRef>
-            <a:fillRef idx="0">
-              <a:schemeClr val="accent1"/>
-            </a:fillRef>
-            <a:effectRef idx="0">
-              <a:schemeClr val="accent1"/>
-            </a:effectRef>
-            <a:fontRef idx="minor">
-              <a:schemeClr val="tx1"/>
-            </a:fontRef>
-          </p:style>
-        </p:cxnSp>
-        <p:cxnSp>
-          <p:nvCxnSpPr>
-            <p:cNvPr id="52" name="Curved Connector 51"/>
-            <p:cNvCxnSpPr>
-              <a:stCxn id="8" idx="5"/>
-              <a:endCxn id="16" idx="0"/>
-            </p:cNvCxnSpPr>
-            <p:nvPr/>
-          </p:nvCxnSpPr>
-          <p:spPr>
-            <a:xfrm rot="16200000" flipH="1">
-              <a:off x="5341838" y="2933918"/>
-              <a:ext cx="2278670" cy="2216693"/>
-            </a:xfrm>
-            <a:prstGeom prst="curvedConnector3">
-              <a:avLst>
-                <a:gd name="adj1" fmla="val 61930"/>
-              </a:avLst>
-            </a:prstGeom>
-            <a:ln>
-              <a:tailEnd type="arrow"/>
-            </a:ln>
-          </p:spPr>
-          <p:style>
-            <a:lnRef idx="1">
-              <a:schemeClr val="accent1"/>
-            </a:lnRef>
-            <a:fillRef idx="0">
-              <a:schemeClr val="accent1"/>
-            </a:fillRef>
-            <a:effectRef idx="0">
-              <a:schemeClr val="accent1"/>
-            </a:effectRef>
-            <a:fontRef idx="minor">
-              <a:schemeClr val="tx1"/>
-            </a:fontRef>
-          </p:style>
-        </p:cxnSp>
-        <p:cxnSp>
-          <p:nvCxnSpPr>
-            <p:cNvPr id="55" name="Curved Connector 54"/>
-            <p:cNvCxnSpPr>
-              <a:stCxn id="15" idx="4"/>
-              <a:endCxn id="16" idx="7"/>
-            </p:cNvCxnSpPr>
-            <p:nvPr/>
-          </p:nvCxnSpPr>
-          <p:spPr>
-            <a:xfrm rot="16200000" flipH="1">
-              <a:off x="7437338" y="4495581"/>
-              <a:ext cx="1440470" cy="221707"/>
-            </a:xfrm>
-            <a:prstGeom prst="curvedConnector3">
-              <a:avLst>
-                <a:gd name="adj1" fmla="val 31127"/>
-              </a:avLst>
-            </a:prstGeom>
-            <a:ln>
-              <a:tailEnd type="arrow"/>
-            </a:ln>
-          </p:spPr>
-          <p:style>
-            <a:lnRef idx="1">
-              <a:schemeClr val="accent1"/>
-            </a:lnRef>
-            <a:fillRef idx="0">
-              <a:schemeClr val="accent1"/>
-            </a:fillRef>
-            <a:effectRef idx="0">
-              <a:schemeClr val="accent1"/>
-            </a:effectRef>
-            <a:fontRef idx="minor">
-              <a:schemeClr val="tx1"/>
-            </a:fontRef>
-          </p:style>
-        </p:cxnSp>
-        <p:cxnSp>
-          <p:nvCxnSpPr>
-            <p:cNvPr id="61" name="Shape 60"/>
-            <p:cNvCxnSpPr>
-              <a:stCxn id="10" idx="4"/>
-              <a:endCxn id="16" idx="2"/>
-            </p:cNvCxnSpPr>
-            <p:nvPr/>
-          </p:nvCxnSpPr>
-          <p:spPr>
-            <a:xfrm rot="16200000" flipH="1">
-              <a:off x="5109210" y="4156710"/>
-              <a:ext cx="1104900" cy="1935480"/>
-            </a:xfrm>
-            <a:prstGeom prst="curvedConnector2">
-              <a:avLst/>
-            </a:prstGeom>
-            <a:ln>
-              <a:tailEnd type="arrow"/>
-            </a:ln>
-          </p:spPr>
-          <p:style>
-            <a:lnRef idx="1">
-              <a:schemeClr val="accent1"/>
-            </a:lnRef>
-            <a:fillRef idx="0">
-              <a:schemeClr val="accent1"/>
-            </a:fillRef>
-            <a:effectRef idx="0">
-              <a:schemeClr val="accent1"/>
-            </a:effectRef>
-            <a:fontRef idx="minor">
-              <a:schemeClr val="tx1"/>
-            </a:fontRef>
-          </p:style>
-        </p:cxnSp>
-        <p:cxnSp>
-          <p:nvCxnSpPr>
-            <p:cNvPr id="63" name="Shape 62"/>
-            <p:cNvCxnSpPr>
-              <a:stCxn id="15" idx="7"/>
-              <a:endCxn id="14" idx="6"/>
-            </p:cNvCxnSpPr>
-            <p:nvPr/>
-          </p:nvCxnSpPr>
-          <p:spPr>
-            <a:xfrm rot="16200000" flipV="1">
-              <a:off x="7745949" y="2060991"/>
-              <a:ext cx="1707170" cy="252187"/>
-            </a:xfrm>
-            <a:prstGeom prst="curvedConnector2">
-              <a:avLst/>
-            </a:prstGeom>
-            <a:ln>
-              <a:tailEnd type="arrow"/>
-            </a:ln>
-          </p:spPr>
-          <p:style>
-            <a:lnRef idx="1">
-              <a:schemeClr val="accent1"/>
-            </a:lnRef>
-            <a:fillRef idx="0">
-              <a:schemeClr val="accent1"/>
-            </a:fillRef>
-            <a:effectRef idx="0">
-              <a:schemeClr val="accent1"/>
-            </a:effectRef>
-            <a:fontRef idx="minor">
-              <a:schemeClr val="tx1"/>
-            </a:fontRef>
-          </p:style>
-        </p:cxnSp>
-        <p:sp>
-          <p:nvSpPr>
-            <p:cNvPr id="64" name="TextBox 63"/>
-            <p:cNvSpPr txBox="1"/>
-            <p:nvPr/>
-          </p:nvSpPr>
-          <p:spPr>
-            <a:xfrm>
-              <a:off x="762000" y="2286000"/>
-              <a:ext cx="1636602" cy="307777"/>
-            </a:xfrm>
-            <a:prstGeom prst="rect">
-              <a:avLst/>
-            </a:prstGeom>
-            <a:noFill/>
-          </p:spPr>
-          <p:txBody>
-            <a:bodyPr wrap="none" rtlCol="0">
-              <a:spAutoFit/>
-            </a:bodyPr>
-            <a:lstStyle/>
-            <a:p>
-              <a:r>
-                <a:rPr lang="en-US" sz="1400" b="1" dirty="0" smtClean="0">
-                  <a:solidFill>
-                    <a:schemeClr val="bg1">
-                      <a:lumMod val="50000"/>
-                    </a:schemeClr>
-                  </a:solidFill>
-                </a:rPr>
-                <a:t>Express model with</a:t>
-              </a:r>
-              <a:endParaRPr lang="en-US" sz="1400" b="1" dirty="0">
-                <a:solidFill>
-                  <a:schemeClr val="bg1">
+              </a:gs>
+              <a:gs pos="50000">
+                <a:schemeClr val="accent1">
+                  <a:tint val="44500"/>
+                  <a:satMod val="160000"/>
+                </a:schemeClr>
+              </a:gs>
+              <a:gs pos="100000">
+                <a:schemeClr val="accent1">
+                  <a:tint val="23500"/>
+                  <a:satMod val="160000"/>
+                </a:schemeClr>
+              </a:gs>
+            </a:gsLst>
+            <a:lin ang="5400000" scaled="1"/>
+            <a:tileRect/>
+          </a:gradFill>
+        </p:spPr>
+        <p:style>
+          <a:lnRef idx="2">
+            <a:schemeClr val="accent1">
+              <a:shade val="50000"/>
+            </a:schemeClr>
+          </a:lnRef>
+          <a:fillRef idx="1">
+            <a:schemeClr val="accent1"/>
+          </a:fillRef>
+          <a:effectRef idx="0">
+            <a:schemeClr val="accent1"/>
+          </a:effectRef>
+          <a:fontRef idx="minor">
+            <a:schemeClr val="lt1"/>
+          </a:fontRef>
+        </p:style>
+        <p:txBody>
+          <a:bodyPr rtlCol="0" anchor="ctr"/>
+          <a:lstStyle/>
+          <a:p>
+            <a:pPr algn="ctr"/>
+            <a:r>
+              <a:rPr lang="en-US" b="1" dirty="0" smtClean="0">
+                <a:solidFill>
+                  <a:schemeClr val="tx1"/>
+                </a:solidFill>
+              </a:rPr>
+              <a:t>Person</a:t>
+            </a:r>
+            <a:endParaRPr lang="en-US" b="1" dirty="0">
+              <a:solidFill>
+                <a:srgbClr val="009900"/>
+              </a:solidFill>
+            </a:endParaRPr>
+          </a:p>
+        </p:txBody>
+      </p:sp>
+      <p:sp>
+        <p:nvSpPr>
+          <p:cNvPr id="29" name="TextBox 28"/>
+          <p:cNvSpPr txBox="1"/>
+          <p:nvPr/>
+        </p:nvSpPr>
+        <p:spPr>
+          <a:xfrm>
+            <a:off x="3505200" y="3429000"/>
+            <a:ext cx="1072409" cy="369332"/>
+          </a:xfrm>
+          <a:prstGeom prst="rect">
+            <a:avLst/>
+          </a:prstGeom>
+          <a:solidFill>
+            <a:schemeClr val="bg1"/>
+          </a:solidFill>
+        </p:spPr>
+        <p:txBody>
+          <a:bodyPr wrap="none" rtlCol="0">
+            <a:spAutoFit/>
+          </a:bodyPr>
+          <a:lstStyle/>
+          <a:p>
+            <a:r>
+              <a:rPr lang="en-US" dirty="0" smtClean="0">
+                <a:solidFill>
+                  <a:schemeClr val="accent1">
                     <a:lumMod val="50000"/>
                   </a:schemeClr>
                 </a:solidFill>
-              </a:endParaRPr>
-            </a:p>
-          </p:txBody>
-        </p:sp>
-        <p:sp>
-          <p:nvSpPr>
-            <p:cNvPr id="65" name="TextBox 64"/>
-            <p:cNvSpPr txBox="1"/>
-            <p:nvPr/>
-          </p:nvSpPr>
-          <p:spPr>
-            <a:xfrm>
-              <a:off x="2057400" y="2590800"/>
-              <a:ext cx="1636602" cy="307777"/>
-            </a:xfrm>
-            <a:prstGeom prst="rect">
-              <a:avLst/>
-            </a:prstGeom>
-            <a:noFill/>
-          </p:spPr>
-          <p:txBody>
-            <a:bodyPr wrap="none" rtlCol="0">
-              <a:spAutoFit/>
-            </a:bodyPr>
-            <a:lstStyle/>
-            <a:p>
-              <a:r>
-                <a:rPr lang="en-US" sz="1400" b="1" dirty="0" smtClean="0">
-                  <a:solidFill>
-                    <a:schemeClr val="bg1">
-                      <a:lumMod val="50000"/>
-                    </a:schemeClr>
-                  </a:solidFill>
-                </a:rPr>
-                <a:t>Express model with</a:t>
-              </a:r>
-              <a:endParaRPr lang="en-US" sz="1400" b="1" dirty="0">
-                <a:solidFill>
-                  <a:schemeClr val="bg1">
+              </a:rPr>
+              <a:t>President</a:t>
+            </a:r>
+            <a:endParaRPr lang="en-US" dirty="0">
+              <a:solidFill>
+                <a:schemeClr val="accent1">
+                  <a:lumMod val="50000"/>
+                </a:schemeClr>
+              </a:solidFill>
+            </a:endParaRPr>
+          </a:p>
+        </p:txBody>
+      </p:sp>
+      <p:sp>
+        <p:nvSpPr>
+          <p:cNvPr id="30" name="TextBox 29"/>
+          <p:cNvSpPr txBox="1"/>
+          <p:nvPr/>
+        </p:nvSpPr>
+        <p:spPr>
+          <a:xfrm>
+            <a:off x="4648194" y="3585030"/>
+            <a:ext cx="465192" cy="769441"/>
+          </a:xfrm>
+          <a:prstGeom prst="rect">
+            <a:avLst/>
+          </a:prstGeom>
+          <a:noFill/>
+        </p:spPr>
+        <p:txBody>
+          <a:bodyPr wrap="none" rtlCol="0">
+            <a:spAutoFit/>
+          </a:bodyPr>
+          <a:lstStyle/>
+          <a:p>
+            <a:r>
+              <a:rPr lang="en-US" sz="4400" dirty="0" smtClean="0"/>
+              <a:t>*</a:t>
+            </a:r>
+            <a:endParaRPr lang="en-US" sz="4400" dirty="0"/>
+          </a:p>
+        </p:txBody>
+      </p:sp>
+      <p:sp>
+        <p:nvSpPr>
+          <p:cNvPr id="32" name="Rounded Rectangle 6"/>
+          <p:cNvSpPr/>
+          <p:nvPr/>
+        </p:nvSpPr>
+        <p:spPr>
+          <a:xfrm>
+            <a:off x="6578598" y="1440546"/>
+            <a:ext cx="2133600" cy="685800"/>
+          </a:xfrm>
+          <a:prstGeom prst="roundRect">
+            <a:avLst/>
+          </a:prstGeom>
+          <a:gradFill flip="none" rotWithShape="1">
+            <a:gsLst>
+              <a:gs pos="0">
+                <a:schemeClr val="accent1">
+                  <a:tint val="66000"/>
+                  <a:satMod val="160000"/>
+                </a:schemeClr>
+              </a:gs>
+              <a:gs pos="50000">
+                <a:schemeClr val="accent1">
+                  <a:tint val="44500"/>
+                  <a:satMod val="160000"/>
+                </a:schemeClr>
+              </a:gs>
+              <a:gs pos="100000">
+                <a:schemeClr val="accent1">
+                  <a:tint val="23500"/>
+                  <a:satMod val="160000"/>
+                </a:schemeClr>
+              </a:gs>
+            </a:gsLst>
+            <a:lin ang="5400000" scaled="1"/>
+            <a:tileRect/>
+          </a:gradFill>
+        </p:spPr>
+        <p:style>
+          <a:lnRef idx="2">
+            <a:schemeClr val="accent1">
+              <a:shade val="50000"/>
+            </a:schemeClr>
+          </a:lnRef>
+          <a:fillRef idx="1">
+            <a:schemeClr val="accent1"/>
+          </a:fillRef>
+          <a:effectRef idx="0">
+            <a:schemeClr val="accent1"/>
+          </a:effectRef>
+          <a:fontRef idx="minor">
+            <a:schemeClr val="lt1"/>
+          </a:fontRef>
+        </p:style>
+        <p:txBody>
+          <a:bodyPr rtlCol="0" anchor="ctr"/>
+          <a:lstStyle/>
+          <a:p>
+            <a:pPr algn="ctr"/>
+            <a:r>
+              <a:rPr lang="en-US" b="1" dirty="0" smtClean="0">
+                <a:solidFill>
+                  <a:schemeClr val="tx1"/>
+                </a:solidFill>
+              </a:rPr>
+              <a:t>Country</a:t>
+            </a:r>
+            <a:endParaRPr lang="en-US" b="1" dirty="0">
+              <a:solidFill>
+                <a:schemeClr val="tx1"/>
+              </a:solidFill>
+            </a:endParaRPr>
+          </a:p>
+        </p:txBody>
+      </p:sp>
+      <p:sp>
+        <p:nvSpPr>
+          <p:cNvPr id="33" name="Rounded Rectangle 6"/>
+          <p:cNvSpPr/>
+          <p:nvPr/>
+        </p:nvSpPr>
+        <p:spPr>
+          <a:xfrm>
+            <a:off x="6578598" y="4031346"/>
+            <a:ext cx="2133600" cy="685800"/>
+          </a:xfrm>
+          <a:prstGeom prst="roundRect">
+            <a:avLst/>
+          </a:prstGeom>
+          <a:gradFill flip="none" rotWithShape="1">
+            <a:gsLst>
+              <a:gs pos="0">
+                <a:schemeClr val="accent1">
+                  <a:tint val="66000"/>
+                  <a:satMod val="160000"/>
+                </a:schemeClr>
+              </a:gs>
+              <a:gs pos="50000">
+                <a:schemeClr val="accent1">
+                  <a:tint val="44500"/>
+                  <a:satMod val="160000"/>
+                </a:schemeClr>
+              </a:gs>
+              <a:gs pos="100000">
+                <a:schemeClr val="accent1">
+                  <a:tint val="23500"/>
+                  <a:satMod val="160000"/>
+                </a:schemeClr>
+              </a:gs>
+            </a:gsLst>
+            <a:lin ang="5400000" scaled="1"/>
+            <a:tileRect/>
+          </a:gradFill>
+        </p:spPr>
+        <p:style>
+          <a:lnRef idx="2">
+            <a:schemeClr val="accent1">
+              <a:shade val="50000"/>
+            </a:schemeClr>
+          </a:lnRef>
+          <a:fillRef idx="1">
+            <a:schemeClr val="accent1"/>
+          </a:fillRef>
+          <a:effectRef idx="0">
+            <a:schemeClr val="accent1"/>
+          </a:effectRef>
+          <a:fontRef idx="minor">
+            <a:schemeClr val="lt1"/>
+          </a:fontRef>
+        </p:style>
+        <p:txBody>
+          <a:bodyPr rtlCol="0" anchor="ctr"/>
+          <a:lstStyle/>
+          <a:p>
+            <a:pPr algn="ctr"/>
+            <a:r>
+              <a:rPr lang="en-US" b="1" dirty="0" smtClean="0">
+                <a:solidFill>
+                  <a:schemeClr val="tx1"/>
+                </a:solidFill>
+              </a:rPr>
+              <a:t>Person</a:t>
+            </a:r>
+            <a:endParaRPr lang="en-US" b="1" dirty="0">
+              <a:solidFill>
+                <a:srgbClr val="009900"/>
+              </a:solidFill>
+            </a:endParaRPr>
+          </a:p>
+        </p:txBody>
+      </p:sp>
+      <p:sp>
+        <p:nvSpPr>
+          <p:cNvPr id="34" name="TextBox 33"/>
+          <p:cNvSpPr txBox="1"/>
+          <p:nvPr/>
+        </p:nvSpPr>
+        <p:spPr>
+          <a:xfrm>
+            <a:off x="6629400" y="3505200"/>
+            <a:ext cx="1072409" cy="369332"/>
+          </a:xfrm>
+          <a:prstGeom prst="rect">
+            <a:avLst/>
+          </a:prstGeom>
+          <a:solidFill>
+            <a:schemeClr val="bg1"/>
+          </a:solidFill>
+        </p:spPr>
+        <p:txBody>
+          <a:bodyPr wrap="none" rtlCol="0">
+            <a:spAutoFit/>
+          </a:bodyPr>
+          <a:lstStyle/>
+          <a:p>
+            <a:r>
+              <a:rPr lang="en-US" dirty="0" smtClean="0">
+                <a:solidFill>
+                  <a:schemeClr val="accent1">
                     <a:lumMod val="50000"/>
                   </a:schemeClr>
                 </a:solidFill>
-              </a:endParaRPr>
-            </a:p>
-          </p:txBody>
-        </p:sp>
-        <p:sp>
-          <p:nvSpPr>
-            <p:cNvPr id="66" name="TextBox 65"/>
-            <p:cNvSpPr txBox="1"/>
-            <p:nvPr/>
-          </p:nvSpPr>
-          <p:spPr>
-            <a:xfrm>
-              <a:off x="2133600" y="3505200"/>
-              <a:ext cx="1636602" cy="307777"/>
-            </a:xfrm>
-            <a:prstGeom prst="rect">
-              <a:avLst/>
-            </a:prstGeom>
-            <a:noFill/>
-          </p:spPr>
-          <p:txBody>
-            <a:bodyPr wrap="none" rtlCol="0">
-              <a:spAutoFit/>
-            </a:bodyPr>
-            <a:lstStyle/>
-            <a:p>
-              <a:r>
-                <a:rPr lang="en-US" sz="1400" b="1" dirty="0" smtClean="0">
-                  <a:solidFill>
-                    <a:schemeClr val="bg1">
-                      <a:lumMod val="50000"/>
-                    </a:schemeClr>
-                  </a:solidFill>
-                </a:rPr>
-                <a:t>Express model with</a:t>
-              </a:r>
-              <a:endParaRPr lang="en-US" sz="1400" b="1" dirty="0">
-                <a:solidFill>
-                  <a:schemeClr val="bg1">
-                    <a:lumMod val="50000"/>
-                  </a:schemeClr>
-                </a:solidFill>
-              </a:endParaRPr>
-            </a:p>
-          </p:txBody>
-        </p:sp>
-        <p:sp>
-          <p:nvSpPr>
-            <p:cNvPr id="69" name="TextBox 68"/>
-            <p:cNvSpPr txBox="1"/>
-            <p:nvPr/>
-          </p:nvSpPr>
-          <p:spPr>
-            <a:xfrm>
-              <a:off x="1752600" y="4419600"/>
-              <a:ext cx="1666803" cy="307777"/>
-            </a:xfrm>
-            <a:prstGeom prst="rect">
-              <a:avLst/>
-            </a:prstGeom>
-            <a:noFill/>
-          </p:spPr>
-          <p:txBody>
-            <a:bodyPr wrap="none" rtlCol="0">
-              <a:spAutoFit/>
-            </a:bodyPr>
-            <a:lstStyle/>
-            <a:p>
-              <a:r>
-                <a:rPr lang="en-US" sz="1400" b="1" dirty="0" smtClean="0">
-                  <a:solidFill>
-                    <a:srgbClr val="7030A0"/>
-                  </a:solidFill>
-                </a:rPr>
-                <a:t>Isolate domain with</a:t>
-              </a:r>
-              <a:endParaRPr lang="en-US" sz="1400" b="1" dirty="0">
-                <a:solidFill>
-                  <a:srgbClr val="7030A0"/>
-                </a:solidFill>
-              </a:endParaRPr>
-            </a:p>
-          </p:txBody>
-        </p:sp>
-        <p:sp>
-          <p:nvSpPr>
-            <p:cNvPr id="70" name="TextBox 69"/>
-            <p:cNvSpPr txBox="1"/>
-            <p:nvPr/>
-          </p:nvSpPr>
-          <p:spPr>
-            <a:xfrm>
-              <a:off x="4953000" y="1143000"/>
-              <a:ext cx="1055097" cy="307777"/>
-            </a:xfrm>
-            <a:prstGeom prst="rect">
-              <a:avLst/>
-            </a:prstGeom>
-            <a:noFill/>
-          </p:spPr>
-          <p:txBody>
-            <a:bodyPr wrap="none" rtlCol="0">
-              <a:spAutoFit/>
-            </a:bodyPr>
-            <a:lstStyle/>
-            <a:p>
-              <a:r>
-                <a:rPr lang="en-US" sz="1400" b="1" dirty="0" smtClean="0">
-                  <a:solidFill>
-                    <a:srgbClr val="C00000"/>
-                  </a:solidFill>
-                </a:rPr>
-                <a:t>Access with</a:t>
-              </a:r>
-              <a:endParaRPr lang="en-US" sz="1400" b="1" dirty="0">
-                <a:solidFill>
-                  <a:srgbClr val="C00000"/>
-                </a:solidFill>
-              </a:endParaRPr>
-            </a:p>
-          </p:txBody>
-        </p:sp>
-        <p:sp>
-          <p:nvSpPr>
-            <p:cNvPr id="71" name="TextBox 70"/>
-            <p:cNvSpPr txBox="1"/>
-            <p:nvPr/>
-          </p:nvSpPr>
-          <p:spPr>
-            <a:xfrm>
-              <a:off x="8088903" y="1905000"/>
-              <a:ext cx="1055097" cy="307777"/>
-            </a:xfrm>
-            <a:prstGeom prst="rect">
-              <a:avLst/>
-            </a:prstGeom>
-            <a:noFill/>
-          </p:spPr>
-          <p:txBody>
-            <a:bodyPr wrap="none" rtlCol="0">
-              <a:spAutoFit/>
-            </a:bodyPr>
-            <a:lstStyle/>
-            <a:p>
-              <a:r>
-                <a:rPr lang="en-US" sz="1400" b="1" dirty="0" smtClean="0">
-                  <a:solidFill>
-                    <a:srgbClr val="C00000"/>
-                  </a:solidFill>
-                </a:rPr>
-                <a:t>Access with</a:t>
-              </a:r>
-              <a:endParaRPr lang="en-US" sz="1400" b="1" dirty="0">
-                <a:solidFill>
-                  <a:srgbClr val="C00000"/>
-                </a:solidFill>
-              </a:endParaRPr>
-            </a:p>
-          </p:txBody>
-        </p:sp>
-        <p:sp>
-          <p:nvSpPr>
-            <p:cNvPr id="72" name="TextBox 71"/>
-            <p:cNvSpPr txBox="1"/>
-            <p:nvPr/>
-          </p:nvSpPr>
-          <p:spPr>
-            <a:xfrm>
-              <a:off x="6248400" y="3886200"/>
-              <a:ext cx="1453283" cy="307777"/>
-            </a:xfrm>
-            <a:prstGeom prst="rect">
-              <a:avLst/>
-            </a:prstGeom>
-            <a:noFill/>
-          </p:spPr>
-          <p:txBody>
-            <a:bodyPr wrap="none" rtlCol="0">
-              <a:spAutoFit/>
-            </a:bodyPr>
-            <a:lstStyle/>
-            <a:p>
-              <a:r>
-                <a:rPr lang="en-US" sz="1400" b="1" dirty="0" smtClean="0">
-                  <a:solidFill>
-                    <a:schemeClr val="bg1">
-                      <a:lumMod val="50000"/>
-                    </a:schemeClr>
-                  </a:solidFill>
-                </a:rPr>
-                <a:t>Encapsulate with</a:t>
-              </a:r>
-              <a:endParaRPr lang="en-US" sz="1400" b="1" dirty="0">
-                <a:solidFill>
-                  <a:schemeClr val="bg1">
-                    <a:lumMod val="50000"/>
-                  </a:schemeClr>
-                </a:solidFill>
-              </a:endParaRPr>
-            </a:p>
-          </p:txBody>
-        </p:sp>
-        <p:sp>
-          <p:nvSpPr>
-            <p:cNvPr id="74" name="TextBox 73"/>
-            <p:cNvSpPr txBox="1"/>
-            <p:nvPr/>
-          </p:nvSpPr>
-          <p:spPr>
-            <a:xfrm>
-              <a:off x="6324600" y="4724400"/>
-              <a:ext cx="1453283" cy="307777"/>
-            </a:xfrm>
-            <a:prstGeom prst="rect">
-              <a:avLst/>
-            </a:prstGeom>
-            <a:noFill/>
-          </p:spPr>
-          <p:txBody>
-            <a:bodyPr wrap="none" rtlCol="0">
-              <a:spAutoFit/>
-            </a:bodyPr>
-            <a:lstStyle/>
-            <a:p>
-              <a:r>
-                <a:rPr lang="en-US" sz="1400" b="1" dirty="0" smtClean="0">
-                  <a:solidFill>
-                    <a:schemeClr val="bg1">
-                      <a:lumMod val="50000"/>
-                    </a:schemeClr>
-                  </a:solidFill>
-                </a:rPr>
-                <a:t>Encapsulate with</a:t>
-              </a:r>
-              <a:endParaRPr lang="en-US" sz="1400" b="1" dirty="0">
-                <a:solidFill>
-                  <a:schemeClr val="bg1">
-                    <a:lumMod val="50000"/>
-                  </a:schemeClr>
-                </a:solidFill>
-              </a:endParaRPr>
-            </a:p>
-          </p:txBody>
-        </p:sp>
-        <p:sp>
-          <p:nvSpPr>
-            <p:cNvPr id="75" name="TextBox 74"/>
-            <p:cNvSpPr txBox="1"/>
-            <p:nvPr/>
-          </p:nvSpPr>
-          <p:spPr>
-            <a:xfrm>
-              <a:off x="7690717" y="4495800"/>
-              <a:ext cx="1453283" cy="307777"/>
-            </a:xfrm>
-            <a:prstGeom prst="rect">
-              <a:avLst/>
-            </a:prstGeom>
-            <a:noFill/>
-          </p:spPr>
-          <p:txBody>
-            <a:bodyPr wrap="none" rtlCol="0">
-              <a:spAutoFit/>
-            </a:bodyPr>
-            <a:lstStyle/>
-            <a:p>
-              <a:r>
-                <a:rPr lang="en-US" sz="1400" b="1" dirty="0" smtClean="0">
-                  <a:solidFill>
-                    <a:schemeClr val="bg1">
-                      <a:lumMod val="50000"/>
-                    </a:schemeClr>
-                  </a:solidFill>
-                </a:rPr>
-                <a:t>Encapsulate with</a:t>
-              </a:r>
-              <a:endParaRPr lang="en-US" sz="1400" b="1" dirty="0">
-                <a:solidFill>
-                  <a:schemeClr val="bg1">
-                    <a:lumMod val="50000"/>
-                  </a:schemeClr>
-                </a:solidFill>
-              </a:endParaRPr>
-            </a:p>
-          </p:txBody>
-        </p:sp>
-        <p:sp>
-          <p:nvSpPr>
-            <p:cNvPr id="76" name="TextBox 75"/>
-            <p:cNvSpPr txBox="1"/>
-            <p:nvPr/>
-          </p:nvSpPr>
-          <p:spPr>
-            <a:xfrm>
-              <a:off x="4800600" y="5105400"/>
-              <a:ext cx="1453283" cy="307777"/>
-            </a:xfrm>
-            <a:prstGeom prst="rect">
-              <a:avLst/>
-            </a:prstGeom>
-            <a:noFill/>
-          </p:spPr>
-          <p:txBody>
-            <a:bodyPr wrap="none" rtlCol="0">
-              <a:spAutoFit/>
-            </a:bodyPr>
-            <a:lstStyle/>
-            <a:p>
-              <a:r>
-                <a:rPr lang="en-US" sz="1400" b="1" dirty="0" smtClean="0">
-                  <a:solidFill>
-                    <a:schemeClr val="bg1">
-                      <a:lumMod val="50000"/>
-                    </a:schemeClr>
-                  </a:solidFill>
-                </a:rPr>
-                <a:t>Encapsulate with</a:t>
-              </a:r>
-              <a:endParaRPr lang="en-US" sz="1400" b="1" dirty="0">
-                <a:solidFill>
-                  <a:schemeClr val="bg1">
-                    <a:lumMod val="50000"/>
-                  </a:schemeClr>
-                </a:solidFill>
-              </a:endParaRPr>
-            </a:p>
-          </p:txBody>
-        </p:sp>
-        <p:sp>
-          <p:nvSpPr>
-            <p:cNvPr id="77" name="TextBox 76"/>
-            <p:cNvSpPr txBox="1"/>
-            <p:nvPr/>
-          </p:nvSpPr>
-          <p:spPr>
-            <a:xfrm>
-              <a:off x="6019800" y="2057400"/>
-              <a:ext cx="1907061" cy="307777"/>
-            </a:xfrm>
-            <a:prstGeom prst="rect">
-              <a:avLst/>
-            </a:prstGeom>
-            <a:noFill/>
-          </p:spPr>
-          <p:txBody>
-            <a:bodyPr wrap="none" rtlCol="0">
-              <a:spAutoFit/>
-            </a:bodyPr>
-            <a:lstStyle/>
-            <a:p>
-              <a:r>
-                <a:rPr lang="en-US" sz="1400" b="1" dirty="0" smtClean="0">
-                  <a:solidFill>
-                    <a:schemeClr val="accent2">
-                      <a:lumMod val="75000"/>
-                    </a:schemeClr>
-                  </a:solidFill>
-                </a:rPr>
-                <a:t>Maintain integrity with</a:t>
-              </a:r>
-              <a:endParaRPr lang="en-US" sz="1400" b="1" dirty="0">
-                <a:solidFill>
-                  <a:schemeClr val="accent2">
-                    <a:lumMod val="75000"/>
-                  </a:schemeClr>
-                </a:solidFill>
-              </a:endParaRPr>
-            </a:p>
-          </p:txBody>
-        </p:sp>
-        <p:sp>
-          <p:nvSpPr>
-            <p:cNvPr id="78" name="TextBox 77"/>
-            <p:cNvSpPr txBox="1"/>
-            <p:nvPr/>
-          </p:nvSpPr>
-          <p:spPr>
-            <a:xfrm>
-              <a:off x="6019800" y="2743200"/>
-              <a:ext cx="1181157" cy="307777"/>
-            </a:xfrm>
-            <a:prstGeom prst="rect">
-              <a:avLst/>
-            </a:prstGeom>
-            <a:noFill/>
-          </p:spPr>
-          <p:txBody>
-            <a:bodyPr wrap="none" rtlCol="0">
-              <a:spAutoFit/>
-            </a:bodyPr>
-            <a:lstStyle/>
-            <a:p>
-              <a:r>
-                <a:rPr lang="en-US" sz="1400" b="1" dirty="0" smtClean="0">
-                  <a:solidFill>
-                    <a:srgbClr val="336600"/>
-                  </a:solidFill>
-                </a:rPr>
-                <a:t>Act as root of</a:t>
-              </a:r>
-              <a:endParaRPr lang="en-US" sz="1400" b="1" dirty="0">
-                <a:solidFill>
-                  <a:srgbClr val="336600"/>
-                </a:solidFill>
-              </a:endParaRPr>
-            </a:p>
-          </p:txBody>
-        </p:sp>
-        <p:sp>
-          <p:nvSpPr>
-            <p:cNvPr id="80" name="TextBox 79"/>
-            <p:cNvSpPr txBox="1"/>
-            <p:nvPr/>
-          </p:nvSpPr>
-          <p:spPr>
-            <a:xfrm>
-              <a:off x="904101" y="4151862"/>
-              <a:ext cx="381000" cy="769441"/>
-            </a:xfrm>
-            <a:prstGeom prst="rect">
-              <a:avLst/>
-            </a:prstGeom>
-            <a:noFill/>
-          </p:spPr>
-          <p:txBody>
-            <a:bodyPr wrap="square" rtlCol="0">
-              <a:spAutoFit/>
-            </a:bodyPr>
-            <a:lstStyle/>
-            <a:p>
-              <a:r>
-                <a:rPr lang="en-US" sz="4400" b="1" dirty="0" smtClean="0">
-                  <a:solidFill>
-                    <a:srgbClr val="FF0000"/>
-                  </a:solidFill>
-                  <a:latin typeface="Calibri" pitchFamily="34" charset="0"/>
-                </a:rPr>
-                <a:t>X</a:t>
-              </a:r>
-              <a:endParaRPr lang="en-US" sz="4400" b="1" dirty="0">
-                <a:solidFill>
-                  <a:srgbClr val="FF0000"/>
-                </a:solidFill>
-                <a:latin typeface="Calibri" pitchFamily="34" charset="0"/>
-              </a:endParaRPr>
-            </a:p>
-          </p:txBody>
-        </p:sp>
-      </p:grpSp>
+              </a:rPr>
+              <a:t>President</a:t>
+            </a:r>
+            <a:endParaRPr lang="en-US" dirty="0">
+              <a:solidFill>
+                <a:schemeClr val="accent1">
+                  <a:lumMod val="50000"/>
+                </a:schemeClr>
+              </a:solidFill>
+            </a:endParaRPr>
+          </a:p>
+        </p:txBody>
+      </p:sp>
+      <p:sp>
+        <p:nvSpPr>
+          <p:cNvPr id="35" name="TextBox 34"/>
+          <p:cNvSpPr txBox="1"/>
+          <p:nvPr/>
+        </p:nvSpPr>
+        <p:spPr>
+          <a:xfrm>
+            <a:off x="8026398" y="3574146"/>
+            <a:ext cx="465192" cy="769441"/>
+          </a:xfrm>
+          <a:prstGeom prst="rect">
+            <a:avLst/>
+          </a:prstGeom>
+          <a:noFill/>
+        </p:spPr>
+        <p:txBody>
+          <a:bodyPr wrap="none" rtlCol="0">
+            <a:spAutoFit/>
+          </a:bodyPr>
+          <a:lstStyle/>
+          <a:p>
+            <a:r>
+              <a:rPr lang="en-US" sz="4400" dirty="0" smtClean="0"/>
+              <a:t>*</a:t>
+            </a:r>
+            <a:endParaRPr lang="en-US" sz="4400" dirty="0"/>
+          </a:p>
+        </p:txBody>
+      </p:sp>
+      <p:cxnSp>
+        <p:nvCxnSpPr>
+          <p:cNvPr id="42" name="Прямая со стрелкой 41"/>
+          <p:cNvCxnSpPr>
+            <a:stCxn id="27" idx="2"/>
+            <a:endCxn id="28" idx="0"/>
+          </p:cNvCxnSpPr>
+          <p:nvPr/>
+        </p:nvCxnSpPr>
+        <p:spPr>
+          <a:xfrm rot="5400000">
+            <a:off x="3619494" y="3089730"/>
+            <a:ext cx="1905000" cy="1588"/>
+          </a:xfrm>
+          <a:prstGeom prst="straightConnector1">
+            <a:avLst/>
+          </a:prstGeom>
+          <a:ln>
+            <a:tailEnd type="arrow"/>
+          </a:ln>
+        </p:spPr>
+        <p:style>
+          <a:lnRef idx="3">
+            <a:schemeClr val="dk1"/>
+          </a:lnRef>
+          <a:fillRef idx="0">
+            <a:schemeClr val="dk1"/>
+          </a:fillRef>
+          <a:effectRef idx="2">
+            <a:schemeClr val="dk1"/>
+          </a:effectRef>
+          <a:fontRef idx="minor">
+            <a:schemeClr val="tx1"/>
+          </a:fontRef>
+        </p:style>
+      </p:cxnSp>
+      <p:cxnSp>
+        <p:nvCxnSpPr>
+          <p:cNvPr id="43" name="Прямая со стрелкой 42"/>
+          <p:cNvCxnSpPr/>
+          <p:nvPr/>
+        </p:nvCxnSpPr>
+        <p:spPr>
+          <a:xfrm rot="5400000">
+            <a:off x="6744494" y="3085306"/>
+            <a:ext cx="1905000" cy="1588"/>
+          </a:xfrm>
+          <a:prstGeom prst="straightConnector1">
+            <a:avLst/>
+          </a:prstGeom>
+          <a:ln>
+            <a:tailEnd type="arrow"/>
+          </a:ln>
+        </p:spPr>
+        <p:style>
+          <a:lnRef idx="3">
+            <a:schemeClr val="dk1"/>
+          </a:lnRef>
+          <a:fillRef idx="0">
+            <a:schemeClr val="dk1"/>
+          </a:fillRef>
+          <a:effectRef idx="2">
+            <a:schemeClr val="dk1"/>
+          </a:effectRef>
+          <a:fontRef idx="minor">
+            <a:schemeClr val="tx1"/>
+          </a:fontRef>
+        </p:style>
+      </p:cxnSp>
+      <p:sp>
+        <p:nvSpPr>
+          <p:cNvPr id="44" name="TextBox 43"/>
+          <p:cNvSpPr txBox="1"/>
+          <p:nvPr/>
+        </p:nvSpPr>
+        <p:spPr>
+          <a:xfrm>
+            <a:off x="7300686" y="2133600"/>
+            <a:ext cx="790794" cy="369332"/>
+          </a:xfrm>
+          <a:prstGeom prst="rect">
+            <a:avLst/>
+          </a:prstGeom>
+        </p:spPr>
+        <p:style>
+          <a:lnRef idx="1">
+            <a:schemeClr val="dk1"/>
+          </a:lnRef>
+          <a:fillRef idx="2">
+            <a:schemeClr val="dk1"/>
+          </a:fillRef>
+          <a:effectRef idx="1">
+            <a:schemeClr val="dk1"/>
+          </a:effectRef>
+          <a:fontRef idx="minor">
+            <a:schemeClr val="dk1"/>
+          </a:fontRef>
+        </p:style>
+        <p:txBody>
+          <a:bodyPr wrap="none" rtlCol="0">
+            <a:spAutoFit/>
+          </a:bodyPr>
+          <a:lstStyle/>
+          <a:p>
+            <a:r>
+              <a:rPr lang="en-US" dirty="0" smtClean="0"/>
+              <a:t>Period</a:t>
+            </a:r>
+            <a:endParaRPr lang="en-US" dirty="0"/>
+          </a:p>
+        </p:txBody>
+      </p:sp>
+      <p:sp>
+        <p:nvSpPr>
+          <p:cNvPr id="45" name="Стрелка вправо 44"/>
+          <p:cNvSpPr/>
+          <p:nvPr/>
+        </p:nvSpPr>
+        <p:spPr>
+          <a:xfrm>
+            <a:off x="2590800" y="2743200"/>
+            <a:ext cx="609600" cy="457200"/>
+          </a:xfrm>
+          <a:prstGeom prst="rightArrow">
+            <a:avLst/>
+          </a:prstGeom>
+        </p:spPr>
+        <p:style>
+          <a:lnRef idx="2">
+            <a:schemeClr val="accent1">
+              <a:shade val="50000"/>
+            </a:schemeClr>
+          </a:lnRef>
+          <a:fillRef idx="1">
+            <a:schemeClr val="accent1"/>
+          </a:fillRef>
+          <a:effectRef idx="0">
+            <a:schemeClr val="accent1"/>
+          </a:effectRef>
+          <a:fontRef idx="minor">
+            <a:schemeClr val="lt1"/>
+          </a:fontRef>
+        </p:style>
+        <p:txBody>
+          <a:bodyPr rtlCol="0" anchor="ctr"/>
+          <a:lstStyle/>
+          <a:p>
+            <a:pPr algn="ctr"/>
+            <a:endParaRPr lang="en-US"/>
+          </a:p>
+        </p:txBody>
+      </p:sp>
+      <p:sp>
+        <p:nvSpPr>
+          <p:cNvPr id="46" name="Стрелка вправо 45"/>
+          <p:cNvSpPr/>
+          <p:nvPr/>
+        </p:nvSpPr>
+        <p:spPr>
+          <a:xfrm>
+            <a:off x="5867400" y="2743200"/>
+            <a:ext cx="609600" cy="457200"/>
+          </a:xfrm>
+          <a:prstGeom prst="rightArrow">
+            <a:avLst/>
+          </a:prstGeom>
+        </p:spPr>
+        <p:style>
+          <a:lnRef idx="2">
+            <a:schemeClr val="accent1">
+              <a:shade val="50000"/>
+            </a:schemeClr>
+          </a:lnRef>
+          <a:fillRef idx="1">
+            <a:schemeClr val="accent1"/>
+          </a:fillRef>
+          <a:effectRef idx="0">
+            <a:schemeClr val="accent1"/>
+          </a:effectRef>
+          <a:fontRef idx="minor">
+            <a:schemeClr val="lt1"/>
+          </a:fontRef>
+        </p:style>
+        <p:txBody>
+          <a:bodyPr rtlCol="0" anchor="ctr"/>
+          <a:lstStyle/>
+          <a:p>
+            <a:pPr algn="ctr"/>
+            <a:endParaRPr lang="en-US"/>
+          </a:p>
+        </p:txBody>
+      </p:sp>
+    </p:spTree>
+  </p:cSld>
+  <p:clrMapOvr>
+    <a:masterClrMapping/>
+  </p:clrMapOvr>
+</p:sld>
+</file>
+
+<file path=ppt/slides/slide24.xml><?xml version="1.0" encoding="utf-8"?>
+<p:sld xmlns:a="http://schemas.openxmlformats.org/drawingml/2006/main" xmlns:r="http://schemas.openxmlformats.org/officeDocument/2006/relationships" xmlns:p="http://schemas.openxmlformats.org/presentationml/2006/main">
+  <p:cSld>
+    <p:spTree>
+      <p:nvGrpSpPr>
+        <p:cNvPr id="1" name=""/>
+        <p:cNvGrpSpPr/>
+        <p:nvPr/>
+      </p:nvGrpSpPr>
+      <p:grpSpPr>
+        <a:xfrm>
+          <a:off x="0" y="0"/>
+          <a:ext cx="0" cy="0"/>
+          <a:chOff x="0" y="0"/>
+          <a:chExt cx="0" cy="0"/>
+        </a:xfrm>
+      </p:grpSpPr>
+      <p:sp>
+        <p:nvSpPr>
+          <p:cNvPr id="2" name="Заголовок 1"/>
+          <p:cNvSpPr>
+            <a:spLocks noGrp="1"/>
+          </p:cNvSpPr>
+          <p:nvPr>
+            <p:ph type="title"/>
+          </p:nvPr>
+        </p:nvSpPr>
+        <p:spPr/>
+        <p:txBody>
+          <a:bodyPr/>
+          <a:lstStyle/>
+          <a:p>
+            <a:r>
+              <a:rPr lang="en-US" dirty="0" smtClean="0"/>
+              <a:t>Entities</a:t>
+            </a:r>
+            <a:endParaRPr lang="en-US" dirty="0"/>
+          </a:p>
+        </p:txBody>
+      </p:sp>
+      <p:sp>
+        <p:nvSpPr>
+          <p:cNvPr id="3" name="Содержимое 2"/>
+          <p:cNvSpPr>
+            <a:spLocks noGrp="1"/>
+          </p:cNvSpPr>
+          <p:nvPr>
+            <p:ph idx="1"/>
+          </p:nvPr>
+        </p:nvSpPr>
+        <p:spPr/>
+        <p:txBody>
+          <a:bodyPr/>
+          <a:lstStyle/>
+          <a:p>
+            <a:r>
+              <a:rPr lang="en-US" dirty="0" smtClean="0"/>
+              <a:t>An object defined primarily by its </a:t>
+            </a:r>
+            <a:r>
+              <a:rPr lang="en-US" dirty="0" smtClean="0"/>
+              <a:t>identity and not its attributes</a:t>
+            </a:r>
+          </a:p>
+          <a:p>
+            <a:r>
+              <a:rPr lang="en-US" dirty="0" smtClean="0"/>
+              <a:t>Could be a person, a customer, an order, etc.</a:t>
+            </a:r>
+          </a:p>
+          <a:p>
+            <a:r>
+              <a:rPr lang="en-US" dirty="0" smtClean="0"/>
+              <a:t>Not all objects have meaningful identities…</a:t>
+            </a:r>
+          </a:p>
+          <a:p>
+            <a:r>
+              <a:rPr lang="en-US" dirty="0" smtClean="0"/>
+              <a:t>In some systems, a class may be an ENTITY, in others maybe not</a:t>
+            </a:r>
+          </a:p>
+          <a:p>
+            <a:endParaRPr lang="en-US" dirty="0" smtClean="0"/>
+          </a:p>
+        </p:txBody>
+      </p:sp>
+    </p:spTree>
+  </p:cSld>
+  <p:clrMapOvr>
+    <a:masterClrMapping/>
+  </p:clrMapOvr>
+</p:sld>
+</file>
+
+<file path=ppt/slides/slide25.xml><?xml version="1.0" encoding="utf-8"?>
+<p:sld xmlns:a="http://schemas.openxmlformats.org/drawingml/2006/main" xmlns:r="http://schemas.openxmlformats.org/officeDocument/2006/relationships" xmlns:p="http://schemas.openxmlformats.org/presentationml/2006/main">
+  <p:cSld>
+    <p:spTree>
+      <p:nvGrpSpPr>
+        <p:cNvPr id="1" name=""/>
+        <p:cNvGrpSpPr/>
+        <p:nvPr/>
+      </p:nvGrpSpPr>
+      <p:grpSpPr>
+        <a:xfrm>
+          <a:off x="0" y="0"/>
+          <a:ext cx="0" cy="0"/>
+          <a:chOff x="0" y="0"/>
+          <a:chExt cx="0" cy="0"/>
+        </a:xfrm>
+      </p:grpSpPr>
+      <p:sp>
+        <p:nvSpPr>
+          <p:cNvPr id="2" name="Заголовок 1"/>
+          <p:cNvSpPr>
+            <a:spLocks noGrp="1"/>
+          </p:cNvSpPr>
+          <p:nvPr>
+            <p:ph type="title"/>
+          </p:nvPr>
+        </p:nvSpPr>
+        <p:spPr>
+          <a:xfrm>
+            <a:off x="457200" y="274638"/>
+            <a:ext cx="8229600" cy="868362"/>
+          </a:xfrm>
+        </p:spPr>
+        <p:txBody>
+          <a:bodyPr/>
+          <a:lstStyle/>
+          <a:p>
+            <a:r>
+              <a:rPr lang="en-US" dirty="0" smtClean="0"/>
+              <a:t>Value Objects</a:t>
+            </a:r>
+            <a:endParaRPr lang="en-US" dirty="0"/>
+          </a:p>
+        </p:txBody>
+      </p:sp>
+      <p:sp>
+        <p:nvSpPr>
+          <p:cNvPr id="3" name="Содержимое 2"/>
+          <p:cNvSpPr>
+            <a:spLocks noGrp="1"/>
+          </p:cNvSpPr>
+          <p:nvPr>
+            <p:ph idx="1"/>
+          </p:nvPr>
+        </p:nvSpPr>
+        <p:spPr/>
+        <p:txBody>
+          <a:bodyPr/>
+          <a:lstStyle/>
+          <a:p>
+            <a:r>
+              <a:rPr lang="en-US" dirty="0" smtClean="0"/>
+              <a:t>Represent an aspect of the domain with NO conceptual identity</a:t>
+            </a:r>
+          </a:p>
+          <a:p>
+            <a:r>
+              <a:rPr lang="en-US" dirty="0" smtClean="0"/>
+              <a:t>Use when you care about </a:t>
+            </a:r>
+            <a:r>
+              <a:rPr lang="en-US" i="1" u="sng" dirty="0" smtClean="0"/>
+              <a:t>what</a:t>
+            </a:r>
+            <a:r>
+              <a:rPr lang="en-US" dirty="0" smtClean="0"/>
+              <a:t> something is, not </a:t>
+            </a:r>
+            <a:r>
+              <a:rPr lang="en-US" i="1" u="sng" dirty="0" smtClean="0"/>
+              <a:t>who</a:t>
+            </a:r>
+            <a:r>
+              <a:rPr lang="en-US" dirty="0" smtClean="0"/>
+              <a:t> they are</a:t>
+            </a:r>
+          </a:p>
+          <a:p>
+            <a:r>
+              <a:rPr lang="en-US" dirty="0" smtClean="0"/>
+              <a:t>Simple, immutable objects</a:t>
+            </a:r>
+          </a:p>
+          <a:p>
+            <a:r>
+              <a:rPr lang="en-US" dirty="0" smtClean="0"/>
+              <a:t>NOT is same </a:t>
+            </a:r>
+            <a:r>
+              <a:rPr lang="en-US" dirty="0" smtClean="0"/>
+              <a:t>thing as a DTO [Fowler </a:t>
+            </a:r>
+            <a:r>
+              <a:rPr lang="en-US" dirty="0" err="1" smtClean="0"/>
+              <a:t>PoEAA</a:t>
+            </a:r>
+            <a:r>
+              <a:rPr lang="en-US" dirty="0" smtClean="0"/>
+              <a:t>]</a:t>
+            </a:r>
+          </a:p>
+          <a:p>
+            <a:endParaRPr lang="en-US" dirty="0"/>
+          </a:p>
+        </p:txBody>
+      </p:sp>
+    </p:spTree>
+  </p:cSld>
+  <p:clrMapOvr>
+    <a:masterClrMapping/>
+  </p:clrMapOvr>
+</p:sld>
+</file>
+
+<file path=ppt/slides/slide26.xml><?xml version="1.0" encoding="utf-8"?>
+<p:sld xmlns:a="http://schemas.openxmlformats.org/drawingml/2006/main" xmlns:r="http://schemas.openxmlformats.org/officeDocument/2006/relationships" xmlns:p="http://schemas.openxmlformats.org/presentationml/2006/main">
+  <p:cSld>
+    <p:spTree>
+      <p:nvGrpSpPr>
+        <p:cNvPr id="1" name=""/>
+        <p:cNvGrpSpPr/>
+        <p:nvPr/>
+      </p:nvGrpSpPr>
+      <p:grpSpPr>
+        <a:xfrm>
+          <a:off x="0" y="0"/>
+          <a:ext cx="0" cy="0"/>
+          <a:chOff x="0" y="0"/>
+          <a:chExt cx="0" cy="0"/>
+        </a:xfrm>
+      </p:grpSpPr>
+      <p:sp>
+        <p:nvSpPr>
+          <p:cNvPr id="2" name="Заголовок 1"/>
+          <p:cNvSpPr>
+            <a:spLocks noGrp="1"/>
+          </p:cNvSpPr>
+          <p:nvPr>
+            <p:ph type="title"/>
+          </p:nvPr>
+        </p:nvSpPr>
+        <p:spPr/>
+        <p:txBody>
+          <a:bodyPr/>
+          <a:lstStyle/>
+          <a:p>
+            <a:r>
+              <a:rPr lang="en-US" dirty="0" smtClean="0"/>
+              <a:t>Services</a:t>
+            </a:r>
+            <a:endParaRPr lang="en-US" dirty="0"/>
+          </a:p>
+        </p:txBody>
+      </p:sp>
+      <p:sp>
+        <p:nvSpPr>
+          <p:cNvPr id="3" name="Содержимое 2"/>
+          <p:cNvSpPr>
+            <a:spLocks noGrp="1"/>
+          </p:cNvSpPr>
+          <p:nvPr>
+            <p:ph idx="1"/>
+          </p:nvPr>
+        </p:nvSpPr>
+        <p:spPr/>
+        <p:txBody>
+          <a:bodyPr>
+            <a:normAutofit lnSpcReduction="10000"/>
+          </a:bodyPr>
+          <a:lstStyle/>
+          <a:p>
+            <a:r>
+              <a:rPr lang="en-US" dirty="0" smtClean="0"/>
+              <a:t>An operation offered as an interface that stands alone in the model</a:t>
+            </a:r>
+          </a:p>
+          <a:p>
+            <a:r>
+              <a:rPr lang="en-US" dirty="0" smtClean="0"/>
+              <a:t>Does not fit into any of the objects in the model</a:t>
+            </a:r>
+          </a:p>
+          <a:p>
+            <a:r>
+              <a:rPr lang="en-US" dirty="0" smtClean="0"/>
+              <a:t>Stateless</a:t>
+            </a:r>
+          </a:p>
+          <a:p>
+            <a:r>
+              <a:rPr lang="en-US" dirty="0" smtClean="0"/>
+              <a:t>To be used judiciously (do not turn your app into a Transaction Script)</a:t>
+            </a:r>
+          </a:p>
+          <a:p>
+            <a:r>
+              <a:rPr lang="en-US" dirty="0" smtClean="0"/>
+              <a:t>Use when an operation is an important domain concept</a:t>
+            </a:r>
+          </a:p>
+          <a:p>
+            <a:endParaRPr lang="en-US" dirty="0"/>
+          </a:p>
+        </p:txBody>
+      </p:sp>
     </p:spTree>
   </p:cSld>
   <p:clrMapOvr>
@@ -13919,8 +16025,23 @@
           <a:p>
             <a:r>
               <a:rPr lang="en-US" dirty="0" smtClean="0"/>
-              <a:t>Growing business complexity </a:t>
-            </a:r>
+              <a:t>Growing business </a:t>
+            </a:r>
+            <a:r>
+              <a:rPr lang="en-US" dirty="0" smtClean="0"/>
+              <a:t>complexity</a:t>
+            </a:r>
+          </a:p>
+          <a:p>
+            <a:r>
+              <a:rPr lang="en-US" dirty="0" smtClean="0"/>
+              <a:t>Complexity becomes inevitable</a:t>
+            </a:r>
+            <a:r>
+              <a:rPr lang="en-US" dirty="0" smtClean="0"/>
+              <a:t> </a:t>
+            </a:r>
+            <a:endParaRPr lang="en-US" dirty="0" smtClean="0"/>
           </a:p>
           <a:p>
             <a:endParaRPr lang="en-US" dirty="0" smtClean="0"/>
@@ -14028,6 +16149,13 @@
   <p:clrMapOvr>
     <a:masterClrMapping/>
   </p:clrMapOvr>
+  <p:timing>
+    <p:tnLst>
+      <p:par>
+        <p:cTn id="1" dur="indefinite" restart="never" nodeType="tmRoot"/>
+      </p:par>
+    </p:tnLst>
+  </p:timing>
 </p:sld>
 </file>
 
@@ -14105,8 +16233,19 @@
           <a:p>
             <a:r>
               <a:rPr lang="en-US" dirty="0" smtClean="0"/>
-              <a:t>Continuous collaboration and feedback</a:t>
-            </a:r>
+              <a:t>Continuous collaboration and </a:t>
+            </a:r>
+            <a:r>
+              <a:rPr lang="en-US" dirty="0" smtClean="0"/>
+              <a:t>feedback</a:t>
+            </a:r>
+          </a:p>
+          <a:p>
+            <a:r>
+              <a:rPr lang="en-US" dirty="0" smtClean="0"/>
+              <a:t>Brings to front the “Core Domain Knowledge”</a:t>
+            </a:r>
+            <a:endParaRPr lang="en-US" dirty="0" smtClean="0"/>
           </a:p>
           <a:p>
             <a:r>
@@ -14139,6 +16278,13 @@
   <p:clrMapOvr>
     <a:masterClrMapping/>
   </p:clrMapOvr>
+  <p:timing>
+    <p:tnLst>
+      <p:par>
+        <p:cTn id="1" dur="indefinite" restart="never" nodeType="tmRoot"/>
+      </p:par>
+    </p:tnLst>
+  </p:timing>
 </p:sld>
 </file>
 
@@ -14319,69 +16465,21 @@
         </p:nvSpPr>
         <p:spPr>
           <a:xfrm>
-            <a:off x="228600" y="2514600"/>
-            <a:ext cx="8229600" cy="1143000"/>
+            <a:off x="5029200" y="5410200"/>
+            <a:ext cx="3657600" cy="914400"/>
           </a:xfrm>
         </p:spPr>
         <p:txBody>
           <a:bodyPr>
-            <a:normAutofit fontScale="90000"/>
+            <a:normAutofit/>
           </a:bodyPr>
           <a:lstStyle/>
           <a:p>
             <a:r>
-              <a:rPr lang="en-US" dirty="0" smtClean="0"/>
-              <a:t>Domain Driven Design is based on models.</a:t>
-            </a:r>
-            <a:endParaRPr lang="en-US" dirty="0"/>
-          </a:p>
-        </p:txBody>
-      </p:sp>
-    </p:spTree>
-  </p:cSld>
-  <p:clrMapOvr>
-    <a:masterClrMapping/>
-  </p:clrMapOvr>
-</p:sld>
-</file>
-
-<file path=ppt/slides/slide9.xml><?xml version="1.0" encoding="utf-8"?>
-<p:sld xmlns:a="http://schemas.openxmlformats.org/drawingml/2006/main" xmlns:r="http://schemas.openxmlformats.org/officeDocument/2006/relationships" xmlns:p="http://schemas.openxmlformats.org/presentationml/2006/main">
-  <p:cSld>
-    <p:spTree>
-      <p:nvGrpSpPr>
-        <p:cNvPr id="1" name=""/>
-        <p:cNvGrpSpPr/>
-        <p:nvPr/>
-      </p:nvGrpSpPr>
-      <p:grpSpPr>
-        <a:xfrm>
-          <a:off x="0" y="0"/>
-          <a:ext cx="0" cy="0"/>
-          <a:chOff x="0" y="0"/>
-          <a:chExt cx="0" cy="0"/>
-        </a:xfrm>
-      </p:grpSpPr>
-      <p:sp>
-        <p:nvSpPr>
-          <p:cNvPr id="2" name="Заголовок 1"/>
-          <p:cNvSpPr>
-            <a:spLocks noGrp="1"/>
-          </p:cNvSpPr>
-          <p:nvPr>
-            <p:ph type="title"/>
-          </p:nvPr>
-        </p:nvSpPr>
-        <p:spPr/>
-        <p:txBody>
-          <a:bodyPr/>
-          <a:lstStyle/>
-          <a:p>
-            <a:r>
-              <a:rPr lang="en-US" dirty="0" smtClean="0"/>
+              <a:rPr lang="en-US" sz="3200" dirty="0" smtClean="0"/>
               <a:t>Atom Model</a:t>
             </a:r>
-            <a:endParaRPr lang="en-US" dirty="0"/>
+            <a:endParaRPr lang="en-US" sz="3200" dirty="0"/>
           </a:p>
         </p:txBody>
       </p:sp>
@@ -14420,11 +16518,182 @@
           <a:effectLst/>
         </p:spPr>
       </p:pic>
+      <p:sp>
+        <p:nvSpPr>
+          <p:cNvPr id="4" name="Заголовок 1"/>
+          <p:cNvSpPr txBox="1">
+            <a:spLocks/>
+          </p:cNvSpPr>
+          <p:nvPr/>
+        </p:nvSpPr>
+        <p:spPr>
+          <a:xfrm>
+            <a:off x="152400" y="152400"/>
+            <a:ext cx="8229600" cy="1143000"/>
+          </a:xfrm>
+          <a:prstGeom prst="rect">
+            <a:avLst/>
+          </a:prstGeom>
+        </p:spPr>
+        <p:txBody>
+          <a:bodyPr vert="horz" lIns="91440" tIns="45720" rIns="91440" bIns="45720" rtlCol="0" anchor="ctr">
+            <a:normAutofit fontScale="90000" lnSpcReduction="20000"/>
+          </a:bodyPr>
+          <a:lstStyle/>
+          <a:p>
+            <a:pPr marL="0" marR="0" lvl="0" indent="0" algn="ctr" defTabSz="914400" rtl="0" eaLnBrk="1" fontAlgn="auto" latinLnBrk="0" hangingPunct="1">
+              <a:lnSpc>
+                <a:spcPct val="100000"/>
+              </a:lnSpc>
+              <a:spcBef>
+                <a:spcPct val="0"/>
+              </a:spcBef>
+              <a:spcAft>
+                <a:spcPts val="0"/>
+              </a:spcAft>
+              <a:buClrTx/>
+              <a:buSzTx/>
+              <a:buFontTx/>
+              <a:buNone/>
+              <a:tabLst/>
+              <a:defRPr/>
+            </a:pPr>
+            <a:r>
+              <a:rPr kumimoji="0" lang="en-US" sz="4400" b="0" i="0" u="none" strike="noStrike" kern="1200" cap="none" spc="0" normalizeH="0" baseline="0" noProof="0" dirty="0" smtClean="0">
+                <a:ln>
+                  <a:noFill/>
+                </a:ln>
+                <a:solidFill>
+                  <a:schemeClr val="tx1"/>
+                </a:solidFill>
+                <a:effectLst/>
+                <a:uLnTx/>
+                <a:uFillTx/>
+                <a:latin typeface="+mj-lt"/>
+                <a:ea typeface="+mj-ea"/>
+                <a:cs typeface="+mj-cs"/>
+              </a:rPr>
+              <a:t>Domain Driven Design is based on models.</a:t>
+            </a:r>
+            <a:endParaRPr kumimoji="0" lang="en-US" sz="4400" b="0" i="0" u="none" strike="noStrike" kern="1200" cap="none" spc="0" normalizeH="0" baseline="0" noProof="0" dirty="0">
+              <a:ln>
+                <a:noFill/>
+              </a:ln>
+              <a:solidFill>
+                <a:schemeClr val="tx1"/>
+              </a:solidFill>
+              <a:effectLst/>
+              <a:uLnTx/>
+              <a:uFillTx/>
+              <a:latin typeface="+mj-lt"/>
+              <a:ea typeface="+mj-ea"/>
+              <a:cs typeface="+mj-cs"/>
+            </a:endParaRPr>
+          </a:p>
+        </p:txBody>
+      </p:sp>
     </p:spTree>
   </p:cSld>
   <p:clrMapOvr>
     <a:masterClrMapping/>
   </p:clrMapOvr>
+  <p:timing>
+    <p:tnLst>
+      <p:par>
+        <p:cTn id="1" dur="indefinite" restart="never" nodeType="tmRoot"/>
+      </p:par>
+    </p:tnLst>
+  </p:timing>
+</p:sld>
+</file>
+
+<file path=ppt/slides/slide9.xml><?xml version="1.0" encoding="utf-8"?>
+<p:sld xmlns:a="http://schemas.openxmlformats.org/drawingml/2006/main" xmlns:r="http://schemas.openxmlformats.org/officeDocument/2006/relationships" xmlns:p="http://schemas.openxmlformats.org/presentationml/2006/main">
+  <p:cSld>
+    <p:spTree>
+      <p:nvGrpSpPr>
+        <p:cNvPr id="1" name=""/>
+        <p:cNvGrpSpPr/>
+        <p:nvPr/>
+      </p:nvGrpSpPr>
+      <p:grpSpPr>
+        <a:xfrm>
+          <a:off x="0" y="0"/>
+          <a:ext cx="0" cy="0"/>
+          <a:chOff x="0" y="0"/>
+          <a:chExt cx="0" cy="0"/>
+        </a:xfrm>
+      </p:grpSpPr>
+      <p:sp>
+        <p:nvSpPr>
+          <p:cNvPr id="2" name="Заголовок 1"/>
+          <p:cNvSpPr>
+            <a:spLocks noGrp="1"/>
+          </p:cNvSpPr>
+          <p:nvPr>
+            <p:ph type="title"/>
+          </p:nvPr>
+        </p:nvSpPr>
+        <p:spPr/>
+        <p:txBody>
+          <a:bodyPr/>
+          <a:lstStyle/>
+          <a:p>
+            <a:r>
+              <a:rPr lang="en-US" dirty="0" smtClean="0"/>
+              <a:t>Even Music has a Model</a:t>
+            </a:r>
+            <a:endParaRPr lang="en-US" dirty="0"/>
+          </a:p>
+        </p:txBody>
+      </p:sp>
+      <p:pic>
+        <p:nvPicPr>
+          <p:cNvPr id="2050" name="Picture 2"/>
+          <p:cNvPicPr>
+            <a:picLocks noGrp="1" noChangeAspect="1" noChangeArrowheads="1"/>
+          </p:cNvPicPr>
+          <p:nvPr>
+            <p:ph idx="1"/>
+          </p:nvPr>
+        </p:nvPicPr>
+        <p:blipFill>
+          <a:blip r:embed="rId3"/>
+          <a:srcRect/>
+          <a:stretch>
+            <a:fillRect/>
+          </a:stretch>
+        </p:blipFill>
+        <p:spPr bwMode="auto">
+          <a:xfrm>
+            <a:off x="1219200" y="1905000"/>
+            <a:ext cx="5943600" cy="3429000"/>
+          </a:xfrm>
+          <a:prstGeom prst="rect">
+            <a:avLst/>
+          </a:prstGeom>
+          <a:noFill/>
+          <a:ln w="9525">
+            <a:noFill/>
+            <a:miter lim="800000"/>
+            <a:headEnd/>
+            <a:tailEnd/>
+          </a:ln>
+          <a:effectLst/>
+        </p:spPr>
+      </p:pic>
+    </p:spTree>
+  </p:cSld>
+  <p:clrMapOvr>
+    <a:masterClrMapping/>
+  </p:clrMapOvr>
+  <p:timing>
+    <p:tnLst>
+      <p:par>
+        <p:cTn id="1" dur="indefinite" restart="never" nodeType="tmRoot"/>
+      </p:par>
+    </p:tnLst>
+  </p:timing>
 </p:sld>
 </file>
 

--- a/Domain-DrivenDesign.A.Trosin.pptx
+++ b/Domain-DrivenDesign.A.Trosin.pptx
@@ -5,7 +5,7 @@
     <p:sldMasterId id="2147483734" r:id="rId1"/>
   </p:sldMasterIdLst>
   <p:notesMasterIdLst>
-    <p:notesMasterId r:id="rId28"/>
+    <p:notesMasterId r:id="rId30"/>
   </p:notesMasterIdLst>
   <p:sldIdLst>
     <p:sldId id="256" r:id="rId2"/>
@@ -34,6 +34,8 @@
     <p:sldId id="284" r:id="rId25"/>
     <p:sldId id="285" r:id="rId26"/>
     <p:sldId id="286" r:id="rId27"/>
+    <p:sldId id="287" r:id="rId28"/>
+    <p:sldId id="288" r:id="rId29"/>
   </p:sldIdLst>
   <p:sldSz cx="9144000" cy="6858000" type="screen4x3"/>
   <p:notesSz cx="6858000" cy="9144000"/>
@@ -4139,6 +4141,230 @@
               <a:rPr lang="en-US" smtClean="0"/>
               <a:pPr/>
               <a:t>26</a:t>
+            </a:fld>
+            <a:endParaRPr lang="en-US" dirty="0"/>
+          </a:p>
+        </p:txBody>
+      </p:sp>
+    </p:spTree>
+  </p:cSld>
+  <p:clrMapOvr>
+    <a:masterClrMapping/>
+  </p:clrMapOvr>
+</p:notes>
+</file>
+
+<file path=ppt/notesSlides/notesSlide26.xml><?xml version="1.0" encoding="utf-8"?>
+<p:notes xmlns:a="http://schemas.openxmlformats.org/drawingml/2006/main" xmlns:r="http://schemas.openxmlformats.org/officeDocument/2006/relationships" xmlns:p="http://schemas.openxmlformats.org/presentationml/2006/main">
+  <p:cSld>
+    <p:spTree>
+      <p:nvGrpSpPr>
+        <p:cNvPr id="1" name=""/>
+        <p:cNvGrpSpPr/>
+        <p:nvPr/>
+      </p:nvGrpSpPr>
+      <p:grpSpPr>
+        <a:xfrm>
+          <a:off x="0" y="0"/>
+          <a:ext cx="0" cy="0"/>
+          <a:chOff x="0" y="0"/>
+          <a:chExt cx="0" cy="0"/>
+        </a:xfrm>
+      </p:grpSpPr>
+      <p:sp>
+        <p:nvSpPr>
+          <p:cNvPr id="2" name="Образ слайда 1"/>
+          <p:cNvSpPr>
+            <a:spLocks noGrp="1" noRot="1" noChangeAspect="1"/>
+          </p:cNvSpPr>
+          <p:nvPr>
+            <p:ph type="sldImg"/>
+          </p:nvPr>
+        </p:nvSpPr>
+        <p:spPr/>
+      </p:sp>
+      <p:sp>
+        <p:nvSpPr>
+          <p:cNvPr id="3" name="Заметки 2"/>
+          <p:cNvSpPr>
+            <a:spLocks noGrp="1"/>
+          </p:cNvSpPr>
+          <p:nvPr>
+            <p:ph type="body" idx="1"/>
+          </p:nvPr>
+        </p:nvSpPr>
+        <p:spPr/>
+        <p:txBody>
+          <a:bodyPr>
+            <a:normAutofit lnSpcReduction="10000"/>
+          </a:bodyPr>
+          <a:lstStyle/>
+          <a:p>
+            <a:r>
+              <a:rPr lang="en-US" sz="1200" b="1" kern="1200" baseline="0" dirty="0" smtClean="0">
+                <a:solidFill>
+                  <a:schemeClr val="tx1"/>
+                </a:solidFill>
+                <a:latin typeface="+mn-lt"/>
+                <a:ea typeface="+mn-ea"/>
+                <a:cs typeface="+mn-cs"/>
+              </a:rPr>
+              <a:t>Choose MODULES that tell the story of the system and contain a cohesive set of concepts.</a:t>
+            </a:r>
+          </a:p>
+          <a:p>
+            <a:r>
+              <a:rPr lang="en-US" sz="1200" b="1" kern="1200" baseline="0" dirty="0" smtClean="0">
+                <a:solidFill>
+                  <a:schemeClr val="tx1"/>
+                </a:solidFill>
+                <a:latin typeface="+mn-lt"/>
+                <a:ea typeface="+mn-ea"/>
+                <a:cs typeface="+mn-cs"/>
+              </a:rPr>
+              <a:t>This often yields low coupling between MODULES, but if it doesn't, look for a way to</a:t>
+            </a:r>
+          </a:p>
+          <a:p>
+            <a:r>
+              <a:rPr lang="en-US" sz="1200" b="1" kern="1200" baseline="0" dirty="0" smtClean="0">
+                <a:solidFill>
+                  <a:schemeClr val="tx1"/>
+                </a:solidFill>
+                <a:latin typeface="+mn-lt"/>
+                <a:ea typeface="+mn-ea"/>
+                <a:cs typeface="+mn-cs"/>
+              </a:rPr>
+              <a:t>change the model to disentangle the concepts, or search for an overlooked concept that</a:t>
+            </a:r>
+          </a:p>
+          <a:p>
+            <a:r>
+              <a:rPr lang="en-US" sz="1200" b="1" kern="1200" baseline="0" dirty="0" smtClean="0">
+                <a:solidFill>
+                  <a:schemeClr val="tx1"/>
+                </a:solidFill>
+                <a:latin typeface="+mn-lt"/>
+                <a:ea typeface="+mn-ea"/>
+                <a:cs typeface="+mn-cs"/>
+              </a:rPr>
+              <a:t>might be the basis of a MODULE that would bring the elements together in a meaningful</a:t>
+            </a:r>
+          </a:p>
+          <a:p>
+            <a:r>
+              <a:rPr lang="en-US" sz="1200" b="1" kern="1200" baseline="0" dirty="0" smtClean="0">
+                <a:solidFill>
+                  <a:schemeClr val="tx1"/>
+                </a:solidFill>
+                <a:latin typeface="+mn-lt"/>
+                <a:ea typeface="+mn-ea"/>
+                <a:cs typeface="+mn-cs"/>
+              </a:rPr>
+              <a:t>way. Seek low coupling in the sense of concepts that can be understood and reasoned</a:t>
+            </a:r>
+          </a:p>
+          <a:p>
+            <a:r>
+              <a:rPr lang="en-US" sz="1200" b="1" kern="1200" baseline="0" dirty="0" smtClean="0">
+                <a:solidFill>
+                  <a:schemeClr val="tx1"/>
+                </a:solidFill>
+                <a:latin typeface="+mn-lt"/>
+                <a:ea typeface="+mn-ea"/>
+                <a:cs typeface="+mn-cs"/>
+              </a:rPr>
+              <a:t>about independently of each other. Refine the model until it partitions according to</a:t>
+            </a:r>
+          </a:p>
+          <a:p>
+            <a:r>
+              <a:rPr lang="en-US" sz="1200" b="1" kern="1200" baseline="0" dirty="0" err="1" smtClean="0">
+                <a:solidFill>
+                  <a:schemeClr val="tx1"/>
+                </a:solidFill>
+                <a:latin typeface="+mn-lt"/>
+                <a:ea typeface="+mn-ea"/>
+                <a:cs typeface="+mn-cs"/>
+              </a:rPr>
+              <a:t>highlevel</a:t>
+            </a:r>
+            <a:r>
+              <a:rPr lang="en-US" sz="1200" b="1" kern="1200" baseline="0" dirty="0" smtClean="0">
+                <a:solidFill>
+                  <a:schemeClr val="tx1"/>
+                </a:solidFill>
+                <a:latin typeface="+mn-lt"/>
+                <a:ea typeface="+mn-ea"/>
+                <a:cs typeface="+mn-cs"/>
+              </a:rPr>
+              <a:t> domain concepts and the corresponding code is decoupled as well.</a:t>
+            </a:r>
+          </a:p>
+          <a:p>
+            <a:r>
+              <a:rPr lang="en-US" sz="1200" b="1" kern="1200" baseline="0" dirty="0" smtClean="0">
+                <a:solidFill>
+                  <a:schemeClr val="tx1"/>
+                </a:solidFill>
+                <a:latin typeface="+mn-lt"/>
+                <a:ea typeface="+mn-ea"/>
+                <a:cs typeface="+mn-cs"/>
+              </a:rPr>
+              <a:t>Give the MODULES names that become part of the UBIQUITOUS LANGUAGE. MODULES and</a:t>
+            </a:r>
+          </a:p>
+          <a:p>
+            <a:r>
+              <a:rPr lang="en-US" sz="1200" b="1" kern="1200" baseline="0" dirty="0" smtClean="0">
+                <a:solidFill>
+                  <a:schemeClr val="tx1"/>
+                </a:solidFill>
+                <a:latin typeface="+mn-lt"/>
+                <a:ea typeface="+mn-ea"/>
+                <a:cs typeface="+mn-cs"/>
+              </a:rPr>
+              <a:t>their names should reflect insight into the domain.</a:t>
+            </a:r>
+          </a:p>
+          <a:p>
+            <a:endParaRPr lang="en-US" sz="1200" b="1" kern="1200" baseline="0" dirty="0" smtClean="0">
+              <a:solidFill>
+                <a:schemeClr val="tx1"/>
+              </a:solidFill>
+              <a:latin typeface="+mn-lt"/>
+              <a:ea typeface="+mn-ea"/>
+              <a:cs typeface="+mn-cs"/>
+            </a:endParaRPr>
+          </a:p>
+          <a:p>
+            <a:r>
+              <a:rPr lang="en-US" dirty="0" smtClean="0"/>
+              <a:t>cohesion is a measure of how strongly-related and focused the various responsibilities of a software module are. Cohesion is an ordinal type of measurement and is usually expressed as "high cohesion" or "low cohesion" when being discussed. Modules with high cohesion tend to be preferable because high cohesion is associated with several desirable traits of software including robustness, reliability, reusability, and understandability whereas low cohesion is associated with undesirable traits such as being difficult to maintain, difficult to test, difficult to reuse, and even difficult to understand.</a:t>
+            </a:r>
+            <a:endParaRPr lang="en-US" dirty="0"/>
+          </a:p>
+        </p:txBody>
+      </p:sp>
+      <p:sp>
+        <p:nvSpPr>
+          <p:cNvPr id="4" name="Номер слайда 3"/>
+          <p:cNvSpPr>
+            <a:spLocks noGrp="1"/>
+          </p:cNvSpPr>
+          <p:nvPr>
+            <p:ph type="sldNum" sz="quarter" idx="10"/>
+          </p:nvPr>
+        </p:nvSpPr>
+        <p:spPr/>
+        <p:txBody>
+          <a:bodyPr/>
+          <a:lstStyle/>
+          <a:p>
+            <a:fld id="{5D5B2715-B0E0-4A76-9B24-AC64393DF8BD}" type="slidenum">
+              <a:rPr lang="en-US" smtClean="0"/>
+              <a:pPr/>
+              <a:t>27</a:t>
             </a:fld>
             <a:endParaRPr lang="en-US" dirty="0"/>
           </a:p>
@@ -15940,6 +16166,180 @@
           </a:p>
           <a:p>
             <a:endParaRPr lang="en-US" dirty="0"/>
+          </a:p>
+        </p:txBody>
+      </p:sp>
+    </p:spTree>
+  </p:cSld>
+  <p:clrMapOvr>
+    <a:masterClrMapping/>
+  </p:clrMapOvr>
+</p:sld>
+</file>
+
+<file path=ppt/slides/slide27.xml><?xml version="1.0" encoding="utf-8"?>
+<p:sld xmlns:a="http://schemas.openxmlformats.org/drawingml/2006/main" xmlns:r="http://schemas.openxmlformats.org/officeDocument/2006/relationships" xmlns:p="http://schemas.openxmlformats.org/presentationml/2006/main">
+  <p:cSld>
+    <p:spTree>
+      <p:nvGrpSpPr>
+        <p:cNvPr id="1" name=""/>
+        <p:cNvGrpSpPr/>
+        <p:nvPr/>
+      </p:nvGrpSpPr>
+      <p:grpSpPr>
+        <a:xfrm>
+          <a:off x="0" y="0"/>
+          <a:ext cx="0" cy="0"/>
+          <a:chOff x="0" y="0"/>
+          <a:chExt cx="0" cy="0"/>
+        </a:xfrm>
+      </p:grpSpPr>
+      <p:sp>
+        <p:nvSpPr>
+          <p:cNvPr id="2" name="Заголовок 1"/>
+          <p:cNvSpPr>
+            <a:spLocks noGrp="1"/>
+          </p:cNvSpPr>
+          <p:nvPr>
+            <p:ph type="title"/>
+          </p:nvPr>
+        </p:nvSpPr>
+        <p:spPr/>
+        <p:txBody>
+          <a:bodyPr/>
+          <a:lstStyle/>
+          <a:p>
+            <a:r>
+              <a:rPr lang="en-US" dirty="0" smtClean="0"/>
+              <a:t>Modules</a:t>
+            </a:r>
+            <a:endParaRPr lang="en-US" dirty="0"/>
+          </a:p>
+        </p:txBody>
+      </p:sp>
+      <p:sp>
+        <p:nvSpPr>
+          <p:cNvPr id="3" name="Содержимое 2"/>
+          <p:cNvSpPr>
+            <a:spLocks noGrp="1"/>
+          </p:cNvSpPr>
+          <p:nvPr>
+            <p:ph idx="1"/>
+          </p:nvPr>
+        </p:nvSpPr>
+        <p:spPr/>
+        <p:txBody>
+          <a:bodyPr/>
+          <a:lstStyle/>
+          <a:p>
+            <a:r>
+              <a:rPr lang="en-US" dirty="0" smtClean="0"/>
+              <a:t>Is larger </a:t>
+            </a:r>
+            <a:r>
+              <a:rPr lang="en-US" dirty="0" smtClean="0"/>
+              <a:t>grain of modeling </a:t>
+            </a:r>
+            <a:r>
+              <a:rPr lang="en-US" dirty="0" smtClean="0"/>
+              <a:t>and design</a:t>
+            </a:r>
+          </a:p>
+          <a:p>
+            <a:r>
+              <a:rPr lang="en-US" dirty="0" smtClean="0"/>
+              <a:t>Low coupling and </a:t>
+            </a:r>
+            <a:r>
+              <a:rPr lang="en-US" dirty="0" smtClean="0"/>
+              <a:t>high cohesion</a:t>
+            </a:r>
+          </a:p>
+          <a:p>
+            <a:r>
+              <a:rPr lang="en-US" i="1" dirty="0" smtClean="0"/>
+              <a:t>Communications </a:t>
+            </a:r>
+            <a:r>
+              <a:rPr lang="en-US" i="1" dirty="0" smtClean="0"/>
+              <a:t>mechanism</a:t>
+            </a:r>
+            <a:r>
+              <a:rPr lang="en-US" i="1" dirty="0" smtClean="0"/>
+              <a:t>.</a:t>
+            </a:r>
+          </a:p>
+          <a:p>
+            <a:r>
+              <a:rPr lang="en-US" i="1" dirty="0" smtClean="0"/>
+              <a:t>Could be Administration, Invoicing, Reports,… </a:t>
+            </a:r>
+          </a:p>
+          <a:p>
+            <a:endParaRPr lang="en-US" dirty="0"/>
+          </a:p>
+        </p:txBody>
+      </p:sp>
+    </p:spTree>
+  </p:cSld>
+  <p:clrMapOvr>
+    <a:masterClrMapping/>
+  </p:clrMapOvr>
+</p:sld>
+</file>
+
+<file path=ppt/slides/slide28.xml><?xml version="1.0" encoding="utf-8"?>
+<p:sld xmlns:a="http://schemas.openxmlformats.org/drawingml/2006/main" xmlns:r="http://schemas.openxmlformats.org/officeDocument/2006/relationships" xmlns:p="http://schemas.openxmlformats.org/presentationml/2006/main">
+  <p:cSld>
+    <p:spTree>
+      <p:nvGrpSpPr>
+        <p:cNvPr id="1" name=""/>
+        <p:cNvGrpSpPr/>
+        <p:nvPr/>
+      </p:nvGrpSpPr>
+      <p:grpSpPr>
+        <a:xfrm>
+          <a:off x="0" y="0"/>
+          <a:ext cx="0" cy="0"/>
+          <a:chOff x="0" y="0"/>
+          <a:chExt cx="0" cy="0"/>
+        </a:xfrm>
+      </p:grpSpPr>
+      <p:sp>
+        <p:nvSpPr>
+          <p:cNvPr id="2" name="Заголовок 1"/>
+          <p:cNvSpPr>
+            <a:spLocks noGrp="1"/>
+          </p:cNvSpPr>
+          <p:nvPr>
+            <p:ph type="title"/>
+          </p:nvPr>
+        </p:nvSpPr>
+        <p:spPr/>
+        <p:txBody>
+          <a:bodyPr/>
+          <a:lstStyle/>
+          <a:p>
+            <a:endParaRPr lang="en-US"/>
+          </a:p>
+        </p:txBody>
+      </p:sp>
+      <p:sp>
+        <p:nvSpPr>
+          <p:cNvPr id="3" name="Содержимое 2"/>
+          <p:cNvSpPr>
+            <a:spLocks noGrp="1"/>
+          </p:cNvSpPr>
+          <p:nvPr>
+            <p:ph idx="1"/>
+          </p:nvPr>
+        </p:nvSpPr>
+        <p:spPr/>
+        <p:txBody>
+          <a:bodyPr/>
+          <a:lstStyle/>
+          <a:p>
+            <a:endParaRPr lang="en-US"/>
           </a:p>
         </p:txBody>
       </p:sp>

--- a/Domain-DrivenDesign.A.Trosin.pptx
+++ b/Domain-DrivenDesign.A.Trosin.pptx
@@ -5,7 +5,7 @@
     <p:sldMasterId id="2147483734" r:id="rId1"/>
   </p:sldMasterIdLst>
   <p:notesMasterIdLst>
-    <p:notesMasterId r:id="rId30"/>
+    <p:notesMasterId r:id="rId33"/>
   </p:notesMasterIdLst>
   <p:sldIdLst>
     <p:sldId id="256" r:id="rId2"/>
@@ -36,6 +36,9 @@
     <p:sldId id="286" r:id="rId27"/>
     <p:sldId id="287" r:id="rId28"/>
     <p:sldId id="288" r:id="rId29"/>
+    <p:sldId id="289" r:id="rId30"/>
+    <p:sldId id="290" r:id="rId31"/>
+    <p:sldId id="291" r:id="rId32"/>
   </p:sldIdLst>
   <p:sldSz cx="9144000" cy="6858000" type="screen4x3"/>
   <p:notesSz cx="6858000" cy="9144000"/>
@@ -220,7 +223,7 @@
             <a:fld id="{A4B025BB-2E79-40D8-8C4B-B985B2186BF8}" type="datetimeFigureOut">
               <a:rPr lang="en-US" smtClean="0"/>
               <a:pPr/>
-              <a:t>4/18/2009</a:t>
+              <a:t>4/21/2009</a:t>
             </a:fld>
             <a:endParaRPr lang="en-US" dirty="0"/>
           </a:p>
@@ -3237,6 +3240,39 @@
           </a:bodyPr>
           <a:lstStyle/>
           <a:p>
+            <a:r>
+              <a:rPr lang="en-US" dirty="0" smtClean="0"/>
+              <a:t>Infrastructure could</a:t>
+            </a:r>
+            <a:r>
+              <a:rPr lang="en-US" baseline="0" dirty="0" smtClean="0"/>
+              <a:t> be:</a:t>
+            </a:r>
+          </a:p>
+          <a:p>
+            <a:r>
+              <a:rPr lang="en-US" baseline="0" dirty="0" smtClean="0"/>
+              <a:t>Persistence</a:t>
+            </a:r>
+          </a:p>
+          <a:p>
+            <a:r>
+              <a:rPr lang="en-US" baseline="0" dirty="0" smtClean="0"/>
+              <a:t>Transaction Management</a:t>
+            </a:r>
+          </a:p>
+          <a:p>
+            <a:r>
+              <a:rPr lang="en-US" baseline="0" dirty="0" err="1" smtClean="0"/>
+              <a:t>Remoting</a:t>
+            </a:r>
+            <a:endParaRPr lang="en-US" baseline="0" dirty="0" smtClean="0"/>
+          </a:p>
+          <a:p>
+            <a:r>
+              <a:rPr lang="en-US" baseline="0" dirty="0" smtClean="0"/>
+              <a:t>Scheduling</a:t>
+            </a:r>
             <a:endParaRPr lang="en-US" dirty="0"/>
           </a:p>
         </p:txBody>
@@ -4009,7 +4045,7 @@
       </p:grpSpPr>
       <p:sp>
         <p:nvSpPr>
-          <p:cNvPr id="2" name="Образ слайда 1"/>
+          <p:cNvPr id="2" name="Slide Image Placeholder 1"/>
           <p:cNvSpPr>
             <a:spLocks noGrp="1" noRot="1" noChangeAspect="1"/>
           </p:cNvSpPr>
@@ -4021,7 +4057,7 @@
       </p:sp>
       <p:sp>
         <p:nvSpPr>
-          <p:cNvPr id="3" name="Заметки 2"/>
+          <p:cNvPr id="3" name="Notes Placeholder 2"/>
           <p:cNvSpPr>
             <a:spLocks noGrp="1"/>
           </p:cNvSpPr>
@@ -4042,7 +4078,7 @@
       </p:sp>
       <p:sp>
         <p:nvSpPr>
-          <p:cNvPr id="4" name="Номер слайда 3"/>
+          <p:cNvPr id="4" name="Slide Number Placeholder 3"/>
           <p:cNvSpPr>
             <a:spLocks noGrp="1"/>
           </p:cNvSpPr>
@@ -4058,7 +4094,7 @@
             <a:fld id="{5D5B2715-B0E0-4A76-9B24-AC64393DF8BD}" type="slidenum">
               <a:rPr lang="en-US" smtClean="0"/>
               <a:pPr/>
-              <a:t>25</a:t>
+              <a:t>24</a:t>
             </a:fld>
             <a:endParaRPr lang="en-US" dirty="0"/>
           </a:p>
@@ -4140,7 +4176,7 @@
             <a:fld id="{5D5B2715-B0E0-4A76-9B24-AC64393DF8BD}" type="slidenum">
               <a:rPr lang="en-US" smtClean="0"/>
               <a:pPr/>
-              <a:t>26</a:t>
+              <a:t>25</a:t>
             </a:fld>
             <a:endParaRPr lang="en-US" dirty="0"/>
           </a:p>
@@ -4196,6 +4232,88 @@
         <p:spPr/>
         <p:txBody>
           <a:bodyPr>
+            <a:normAutofit/>
+          </a:bodyPr>
+          <a:lstStyle/>
+          <a:p>
+            <a:endParaRPr lang="en-US" dirty="0"/>
+          </a:p>
+        </p:txBody>
+      </p:sp>
+      <p:sp>
+        <p:nvSpPr>
+          <p:cNvPr id="4" name="Номер слайда 3"/>
+          <p:cNvSpPr>
+            <a:spLocks noGrp="1"/>
+          </p:cNvSpPr>
+          <p:nvPr>
+            <p:ph type="sldNum" sz="quarter" idx="10"/>
+          </p:nvPr>
+        </p:nvSpPr>
+        <p:spPr/>
+        <p:txBody>
+          <a:bodyPr/>
+          <a:lstStyle/>
+          <a:p>
+            <a:fld id="{5D5B2715-B0E0-4A76-9B24-AC64393DF8BD}" type="slidenum">
+              <a:rPr lang="en-US" smtClean="0"/>
+              <a:pPr/>
+              <a:t>26</a:t>
+            </a:fld>
+            <a:endParaRPr lang="en-US" dirty="0"/>
+          </a:p>
+        </p:txBody>
+      </p:sp>
+    </p:spTree>
+  </p:cSld>
+  <p:clrMapOvr>
+    <a:masterClrMapping/>
+  </p:clrMapOvr>
+</p:notes>
+</file>
+
+<file path=ppt/notesSlides/notesSlide27.xml><?xml version="1.0" encoding="utf-8"?>
+<p:notes xmlns:a="http://schemas.openxmlformats.org/drawingml/2006/main" xmlns:r="http://schemas.openxmlformats.org/officeDocument/2006/relationships" xmlns:p="http://schemas.openxmlformats.org/presentationml/2006/main">
+  <p:cSld>
+    <p:spTree>
+      <p:nvGrpSpPr>
+        <p:cNvPr id="1" name=""/>
+        <p:cNvGrpSpPr/>
+        <p:nvPr/>
+      </p:nvGrpSpPr>
+      <p:grpSpPr>
+        <a:xfrm>
+          <a:off x="0" y="0"/>
+          <a:ext cx="0" cy="0"/>
+          <a:chOff x="0" y="0"/>
+          <a:chExt cx="0" cy="0"/>
+        </a:xfrm>
+      </p:grpSpPr>
+      <p:sp>
+        <p:nvSpPr>
+          <p:cNvPr id="2" name="Образ слайда 1"/>
+          <p:cNvSpPr>
+            <a:spLocks noGrp="1" noRot="1" noChangeAspect="1"/>
+          </p:cNvSpPr>
+          <p:nvPr>
+            <p:ph type="sldImg"/>
+          </p:nvPr>
+        </p:nvSpPr>
+        <p:spPr/>
+      </p:sp>
+      <p:sp>
+        <p:nvSpPr>
+          <p:cNvPr id="3" name="Заметки 2"/>
+          <p:cNvSpPr>
+            <a:spLocks noGrp="1"/>
+          </p:cNvSpPr>
+          <p:nvPr>
+            <p:ph type="body" idx="1"/>
+          </p:nvPr>
+        </p:nvSpPr>
+        <p:spPr/>
+        <p:txBody>
+          <a:bodyPr>
             <a:normAutofit lnSpcReduction="10000"/>
           </a:bodyPr>
           <a:lstStyle/>
@@ -4365,6 +4483,663 @@
               <a:rPr lang="en-US" smtClean="0"/>
               <a:pPr/>
               <a:t>27</a:t>
+            </a:fld>
+            <a:endParaRPr lang="en-US" dirty="0"/>
+          </a:p>
+        </p:txBody>
+      </p:sp>
+    </p:spTree>
+  </p:cSld>
+  <p:clrMapOvr>
+    <a:masterClrMapping/>
+  </p:clrMapOvr>
+</p:notes>
+</file>
+
+<file path=ppt/notesSlides/notesSlide28.xml><?xml version="1.0" encoding="utf-8"?>
+<p:notes xmlns:a="http://schemas.openxmlformats.org/drawingml/2006/main" xmlns:r="http://schemas.openxmlformats.org/officeDocument/2006/relationships" xmlns:p="http://schemas.openxmlformats.org/presentationml/2006/main">
+  <p:cSld>
+    <p:spTree>
+      <p:nvGrpSpPr>
+        <p:cNvPr id="1" name=""/>
+        <p:cNvGrpSpPr/>
+        <p:nvPr/>
+      </p:nvGrpSpPr>
+      <p:grpSpPr>
+        <a:xfrm>
+          <a:off x="0" y="0"/>
+          <a:ext cx="0" cy="0"/>
+          <a:chOff x="0" y="0"/>
+          <a:chExt cx="0" cy="0"/>
+        </a:xfrm>
+      </p:grpSpPr>
+      <p:sp>
+        <p:nvSpPr>
+          <p:cNvPr id="2" name="Slide Image Placeholder 1"/>
+          <p:cNvSpPr>
+            <a:spLocks noGrp="1" noRot="1" noChangeAspect="1"/>
+          </p:cNvSpPr>
+          <p:nvPr>
+            <p:ph type="sldImg"/>
+          </p:nvPr>
+        </p:nvSpPr>
+        <p:spPr/>
+      </p:sp>
+      <p:sp>
+        <p:nvSpPr>
+          <p:cNvPr id="3" name="Notes Placeholder 2"/>
+          <p:cNvSpPr>
+            <a:spLocks noGrp="1"/>
+          </p:cNvSpPr>
+          <p:nvPr>
+            <p:ph type="body" idx="1"/>
+          </p:nvPr>
+        </p:nvSpPr>
+        <p:spPr/>
+        <p:txBody>
+          <a:bodyPr>
+            <a:normAutofit fontScale="92500"/>
+          </a:bodyPr>
+          <a:lstStyle/>
+          <a:p>
+            <a:r>
+              <a:rPr lang="en-US" sz="1200" b="1" kern="1200" baseline="0" dirty="0" smtClean="0">
+                <a:solidFill>
+                  <a:schemeClr val="tx1"/>
+                </a:solidFill>
+                <a:latin typeface="+mn-lt"/>
+                <a:ea typeface="+mn-ea"/>
+                <a:cs typeface="+mn-cs"/>
+              </a:rPr>
+              <a:t>It is difficult to guarantee the consistency of changes to objects in a model with</a:t>
+            </a:r>
+          </a:p>
+          <a:p>
+            <a:r>
+              <a:rPr lang="en-US" sz="1200" b="1" kern="1200" baseline="0" dirty="0" smtClean="0">
+                <a:solidFill>
+                  <a:schemeClr val="tx1"/>
+                </a:solidFill>
+                <a:latin typeface="+mn-lt"/>
+                <a:ea typeface="+mn-ea"/>
+                <a:cs typeface="+mn-cs"/>
+              </a:rPr>
+              <a:t>complex associations. Invariants need to be maintained that apply to closely related</a:t>
+            </a:r>
+          </a:p>
+          <a:p>
+            <a:r>
+              <a:rPr lang="en-US" sz="1200" b="1" kern="1200" baseline="0" dirty="0" smtClean="0">
+                <a:solidFill>
+                  <a:schemeClr val="tx1"/>
+                </a:solidFill>
+                <a:latin typeface="+mn-lt"/>
+                <a:ea typeface="+mn-ea"/>
+                <a:cs typeface="+mn-cs"/>
+              </a:rPr>
+              <a:t>groups of objects, not just discrete objects.</a:t>
+            </a:r>
+          </a:p>
+          <a:p>
+            <a:endParaRPr lang="en-US" sz="1200" b="1" kern="1200" baseline="0" dirty="0" smtClean="0">
+              <a:solidFill>
+                <a:schemeClr val="tx1"/>
+              </a:solidFill>
+              <a:latin typeface="+mn-lt"/>
+              <a:ea typeface="+mn-ea"/>
+              <a:cs typeface="+mn-cs"/>
+            </a:endParaRPr>
+          </a:p>
+          <a:p>
+            <a:r>
+              <a:rPr lang="en-US" sz="1200" b="1" kern="1200" baseline="0" dirty="0" smtClean="0">
+                <a:solidFill>
+                  <a:schemeClr val="tx1"/>
+                </a:solidFill>
+                <a:latin typeface="+mn-lt"/>
+                <a:ea typeface="+mn-ea"/>
+                <a:cs typeface="+mn-cs"/>
+              </a:rPr>
+              <a:t>Cluster the ENTITIES and VALUE OBJECTS into AGGREGATES and define boundaries around</a:t>
+            </a:r>
+          </a:p>
+          <a:p>
+            <a:r>
+              <a:rPr lang="en-US" sz="1200" b="1" kern="1200" baseline="0" dirty="0" smtClean="0">
+                <a:solidFill>
+                  <a:schemeClr val="tx1"/>
+                </a:solidFill>
+                <a:latin typeface="+mn-lt"/>
+                <a:ea typeface="+mn-ea"/>
+                <a:cs typeface="+mn-cs"/>
+              </a:rPr>
+              <a:t>each. Choose one ENTITY to be the root of each AGGREGATE, and control all access to the</a:t>
+            </a:r>
+          </a:p>
+          <a:p>
+            <a:r>
+              <a:rPr lang="en-US" sz="1200" b="1" kern="1200" baseline="0" dirty="0" smtClean="0">
+                <a:solidFill>
+                  <a:schemeClr val="tx1"/>
+                </a:solidFill>
+                <a:latin typeface="+mn-lt"/>
+                <a:ea typeface="+mn-ea"/>
+                <a:cs typeface="+mn-cs"/>
+              </a:rPr>
+              <a:t>objects inside the boundary through the root. Allow external objects to hold references</a:t>
+            </a:r>
+          </a:p>
+          <a:p>
+            <a:r>
+              <a:rPr lang="en-US" sz="1200" b="1" kern="1200" baseline="0" dirty="0" smtClean="0">
+                <a:solidFill>
+                  <a:schemeClr val="tx1"/>
+                </a:solidFill>
+                <a:latin typeface="+mn-lt"/>
+                <a:ea typeface="+mn-ea"/>
+                <a:cs typeface="+mn-cs"/>
+              </a:rPr>
+              <a:t>to the root only. Transient references to internal members can be passed out for use</a:t>
+            </a:r>
+          </a:p>
+          <a:p>
+            <a:r>
+              <a:rPr lang="en-US" sz="1200" b="1" kern="1200" baseline="0" dirty="0" smtClean="0">
+                <a:solidFill>
+                  <a:schemeClr val="tx1"/>
+                </a:solidFill>
+                <a:latin typeface="+mn-lt"/>
+                <a:ea typeface="+mn-ea"/>
+                <a:cs typeface="+mn-cs"/>
+              </a:rPr>
+              <a:t>within a single operation only. Because the root controls access, it cannot be blindsided</a:t>
+            </a:r>
+          </a:p>
+          <a:p>
+            <a:r>
+              <a:rPr lang="en-US" sz="1200" b="1" kern="1200" baseline="0" dirty="0" smtClean="0">
+                <a:solidFill>
+                  <a:schemeClr val="tx1"/>
+                </a:solidFill>
+                <a:latin typeface="+mn-lt"/>
+                <a:ea typeface="+mn-ea"/>
+                <a:cs typeface="+mn-cs"/>
+              </a:rPr>
+              <a:t>by changes to the internals. This arrangement makes it practical to enforce all</a:t>
+            </a:r>
+          </a:p>
+          <a:p>
+            <a:r>
+              <a:rPr lang="en-US" sz="1200" b="1" kern="1200" baseline="0" dirty="0" smtClean="0">
+                <a:solidFill>
+                  <a:schemeClr val="tx1"/>
+                </a:solidFill>
+                <a:latin typeface="+mn-lt"/>
+                <a:ea typeface="+mn-ea"/>
+                <a:cs typeface="+mn-cs"/>
+              </a:rPr>
+              <a:t>invariants for objects in the AGGREGATE and for the AGGREGATE as a whole in any state</a:t>
+            </a:r>
+          </a:p>
+          <a:p>
+            <a:r>
+              <a:rPr lang="en-US" sz="1200" b="1" kern="1200" baseline="0" dirty="0" smtClean="0">
+                <a:solidFill>
+                  <a:schemeClr val="tx1"/>
+                </a:solidFill>
+                <a:latin typeface="+mn-lt"/>
+                <a:ea typeface="+mn-ea"/>
+                <a:cs typeface="+mn-cs"/>
+              </a:rPr>
+              <a:t>change.</a:t>
+            </a:r>
+          </a:p>
+          <a:p>
+            <a:endParaRPr lang="en-US" sz="1200" b="1" kern="1200" baseline="0" dirty="0" smtClean="0">
+              <a:solidFill>
+                <a:schemeClr val="tx1"/>
+              </a:solidFill>
+              <a:latin typeface="+mn-lt"/>
+              <a:ea typeface="+mn-ea"/>
+              <a:cs typeface="+mn-cs"/>
+            </a:endParaRPr>
+          </a:p>
+          <a:p>
+            <a:r>
+              <a:rPr lang="en-US" sz="1200" kern="1200" baseline="0" dirty="0" smtClean="0">
+                <a:solidFill>
+                  <a:schemeClr val="tx1"/>
+                </a:solidFill>
+                <a:latin typeface="+mn-lt"/>
+                <a:ea typeface="+mn-ea"/>
+                <a:cs typeface="+mn-cs"/>
+              </a:rPr>
+              <a:t>Consistency boundaries</a:t>
+            </a:r>
+          </a:p>
+          <a:p>
+            <a:r>
+              <a:rPr lang="en-US" sz="1200" kern="1200" baseline="0" dirty="0" smtClean="0">
+                <a:solidFill>
+                  <a:schemeClr val="tx1"/>
+                </a:solidFill>
+                <a:latin typeface="+mn-lt"/>
+                <a:ea typeface="+mn-ea"/>
+                <a:cs typeface="+mn-cs"/>
+              </a:rPr>
+              <a:t>–Transactions</a:t>
+            </a:r>
+          </a:p>
+          <a:p>
+            <a:r>
+              <a:rPr lang="en-US" sz="1200" kern="1200" baseline="0" dirty="0" smtClean="0">
+                <a:solidFill>
+                  <a:schemeClr val="tx1"/>
+                </a:solidFill>
+                <a:latin typeface="+mn-lt"/>
+                <a:ea typeface="+mn-ea"/>
+                <a:cs typeface="+mn-cs"/>
+              </a:rPr>
+              <a:t>–Distribution</a:t>
+            </a:r>
+          </a:p>
+          <a:p>
+            <a:r>
+              <a:rPr lang="en-US" sz="1200" kern="1200" baseline="0" dirty="0" smtClean="0">
+                <a:solidFill>
+                  <a:schemeClr val="tx1"/>
+                </a:solidFill>
+                <a:latin typeface="+mn-lt"/>
+                <a:ea typeface="+mn-ea"/>
+                <a:cs typeface="+mn-cs"/>
+              </a:rPr>
+              <a:t>–Concurrency</a:t>
+            </a:r>
+          </a:p>
+          <a:p>
+            <a:r>
+              <a:rPr lang="en-US" sz="1200" kern="1200" baseline="0" dirty="0" smtClean="0">
+                <a:solidFill>
+                  <a:schemeClr val="tx1"/>
+                </a:solidFill>
+                <a:latin typeface="+mn-lt"/>
+                <a:ea typeface="+mn-ea"/>
+                <a:cs typeface="+mn-cs"/>
+              </a:rPr>
+              <a:t>•Conceptual whole</a:t>
+            </a:r>
+          </a:p>
+          <a:p>
+            <a:r>
+              <a:rPr lang="en-US" sz="1200" kern="1200" baseline="0" dirty="0" smtClean="0">
+                <a:solidFill>
+                  <a:schemeClr val="tx1"/>
+                </a:solidFill>
+                <a:latin typeface="+mn-lt"/>
+                <a:ea typeface="+mn-ea"/>
+                <a:cs typeface="+mn-cs"/>
+              </a:rPr>
+              <a:t>–Properties</a:t>
+            </a:r>
+          </a:p>
+          <a:p>
+            <a:r>
+              <a:rPr lang="en-US" sz="1200" kern="1200" baseline="0" dirty="0" smtClean="0">
+                <a:solidFill>
+                  <a:schemeClr val="tx1"/>
+                </a:solidFill>
+                <a:latin typeface="+mn-lt"/>
+                <a:ea typeface="+mn-ea"/>
+                <a:cs typeface="+mn-cs"/>
+              </a:rPr>
+              <a:t>–Invariants</a:t>
+            </a:r>
+          </a:p>
+          <a:p>
+            <a:endParaRPr lang="en-US" dirty="0"/>
+          </a:p>
+        </p:txBody>
+      </p:sp>
+      <p:sp>
+        <p:nvSpPr>
+          <p:cNvPr id="4" name="Slide Number Placeholder 3"/>
+          <p:cNvSpPr>
+            <a:spLocks noGrp="1"/>
+          </p:cNvSpPr>
+          <p:nvPr>
+            <p:ph type="sldNum" sz="quarter" idx="10"/>
+          </p:nvPr>
+        </p:nvSpPr>
+        <p:spPr/>
+        <p:txBody>
+          <a:bodyPr/>
+          <a:lstStyle/>
+          <a:p>
+            <a:fld id="{5D5B2715-B0E0-4A76-9B24-AC64393DF8BD}" type="slidenum">
+              <a:rPr lang="en-US" smtClean="0"/>
+              <a:pPr/>
+              <a:t>28</a:t>
+            </a:fld>
+            <a:endParaRPr lang="en-US" dirty="0"/>
+          </a:p>
+        </p:txBody>
+      </p:sp>
+    </p:spTree>
+  </p:cSld>
+  <p:clrMapOvr>
+    <a:masterClrMapping/>
+  </p:clrMapOvr>
+</p:notes>
+</file>
+
+<file path=ppt/notesSlides/notesSlide29.xml><?xml version="1.0" encoding="utf-8"?>
+<p:notes xmlns:a="http://schemas.openxmlformats.org/drawingml/2006/main" xmlns:r="http://schemas.openxmlformats.org/officeDocument/2006/relationships" xmlns:p="http://schemas.openxmlformats.org/presentationml/2006/main">
+  <p:cSld>
+    <p:spTree>
+      <p:nvGrpSpPr>
+        <p:cNvPr id="1" name=""/>
+        <p:cNvGrpSpPr/>
+        <p:nvPr/>
+      </p:nvGrpSpPr>
+      <p:grpSpPr>
+        <a:xfrm>
+          <a:off x="0" y="0"/>
+          <a:ext cx="0" cy="0"/>
+          <a:chOff x="0" y="0"/>
+          <a:chExt cx="0" cy="0"/>
+        </a:xfrm>
+      </p:grpSpPr>
+      <p:sp>
+        <p:nvSpPr>
+          <p:cNvPr id="2" name="Slide Image Placeholder 1"/>
+          <p:cNvSpPr>
+            <a:spLocks noGrp="1" noRot="1" noChangeAspect="1"/>
+          </p:cNvSpPr>
+          <p:nvPr>
+            <p:ph type="sldImg"/>
+          </p:nvPr>
+        </p:nvSpPr>
+        <p:spPr/>
+      </p:sp>
+      <p:sp>
+        <p:nvSpPr>
+          <p:cNvPr id="3" name="Notes Placeholder 2"/>
+          <p:cNvSpPr>
+            <a:spLocks noGrp="1"/>
+          </p:cNvSpPr>
+          <p:nvPr>
+            <p:ph type="body" idx="1"/>
+          </p:nvPr>
+        </p:nvSpPr>
+        <p:spPr/>
+        <p:txBody>
+          <a:bodyPr>
+            <a:normAutofit fontScale="92500"/>
+          </a:bodyPr>
+          <a:lstStyle/>
+          <a:p>
+            <a:r>
+              <a:rPr lang="en-US" sz="1200" b="1" kern="1200" baseline="0" dirty="0" smtClean="0">
+                <a:solidFill>
+                  <a:schemeClr val="tx1"/>
+                </a:solidFill>
+                <a:latin typeface="+mn-lt"/>
+                <a:ea typeface="+mn-ea"/>
+                <a:cs typeface="+mn-cs"/>
+              </a:rPr>
+              <a:t>Creation of an object can be a major operation in itself, but complex assembly</a:t>
+            </a:r>
+          </a:p>
+          <a:p>
+            <a:r>
+              <a:rPr lang="en-US" sz="1200" b="1" kern="1200" baseline="0" dirty="0" smtClean="0">
+                <a:solidFill>
+                  <a:schemeClr val="tx1"/>
+                </a:solidFill>
+                <a:latin typeface="+mn-lt"/>
+                <a:ea typeface="+mn-ea"/>
+                <a:cs typeface="+mn-cs"/>
+              </a:rPr>
+              <a:t>operations do not fit the responsibility of the created objects. Combining such</a:t>
+            </a:r>
+          </a:p>
+          <a:p>
+            <a:r>
+              <a:rPr lang="en-US" sz="1200" b="1" kern="1200" baseline="0" dirty="0" smtClean="0">
+                <a:solidFill>
+                  <a:schemeClr val="tx1"/>
+                </a:solidFill>
+                <a:latin typeface="+mn-lt"/>
+                <a:ea typeface="+mn-ea"/>
+                <a:cs typeface="+mn-cs"/>
+              </a:rPr>
+              <a:t>responsibilities can produce ungainly designs that are hard to understand. Making the</a:t>
+            </a:r>
+          </a:p>
+          <a:p>
+            <a:r>
+              <a:rPr lang="en-US" sz="1200" b="1" kern="1200" baseline="0" dirty="0" smtClean="0">
+                <a:solidFill>
+                  <a:schemeClr val="tx1"/>
+                </a:solidFill>
+                <a:latin typeface="+mn-lt"/>
+                <a:ea typeface="+mn-ea"/>
+                <a:cs typeface="+mn-cs"/>
+              </a:rPr>
+              <a:t>client direct construction muddies the design of the client, breaches encapsulation of</a:t>
+            </a:r>
+          </a:p>
+          <a:p>
+            <a:r>
+              <a:rPr lang="en-US" sz="1200" b="1" kern="1200" baseline="0" dirty="0" smtClean="0">
+                <a:solidFill>
+                  <a:schemeClr val="tx1"/>
+                </a:solidFill>
+                <a:latin typeface="+mn-lt"/>
+                <a:ea typeface="+mn-ea"/>
+                <a:cs typeface="+mn-cs"/>
+              </a:rPr>
+              <a:t>the assembled object or AGGREGATE, and overly couples the client to the implementation</a:t>
+            </a:r>
+          </a:p>
+          <a:p>
+            <a:r>
+              <a:rPr lang="en-US" sz="1200" b="1" kern="1200" baseline="0" dirty="0" smtClean="0">
+                <a:solidFill>
+                  <a:schemeClr val="tx1"/>
+                </a:solidFill>
+                <a:latin typeface="+mn-lt"/>
+                <a:ea typeface="+mn-ea"/>
+                <a:cs typeface="+mn-cs"/>
+              </a:rPr>
+              <a:t>of the created object.</a:t>
+            </a:r>
+          </a:p>
+          <a:p>
+            <a:r>
+              <a:rPr lang="en-US" sz="1200" kern="1200" baseline="0" dirty="0" smtClean="0">
+                <a:solidFill>
+                  <a:schemeClr val="tx1"/>
+                </a:solidFill>
+                <a:latin typeface="+mn-lt"/>
+                <a:ea typeface="+mn-ea"/>
+                <a:cs typeface="+mn-cs"/>
+              </a:rPr>
+              <a:t>Complex object creation is a responsibility of the domain layer, yet that task does not belong to</a:t>
+            </a:r>
+          </a:p>
+          <a:p>
+            <a:r>
+              <a:rPr lang="en-US" sz="1200" kern="1200" baseline="0" dirty="0" smtClean="0">
+                <a:solidFill>
+                  <a:schemeClr val="tx1"/>
+                </a:solidFill>
+                <a:latin typeface="+mn-lt"/>
+                <a:ea typeface="+mn-ea"/>
+                <a:cs typeface="+mn-cs"/>
+              </a:rPr>
+              <a:t>the objects that express the model.</a:t>
+            </a:r>
+          </a:p>
+          <a:p>
+            <a:endParaRPr lang="en-US" sz="1200" kern="1200" baseline="0" dirty="0" smtClean="0">
+              <a:solidFill>
+                <a:schemeClr val="tx1"/>
+              </a:solidFill>
+              <a:latin typeface="+mn-lt"/>
+              <a:ea typeface="+mn-ea"/>
+              <a:cs typeface="+mn-cs"/>
+            </a:endParaRPr>
+          </a:p>
+          <a:p>
+            <a:r>
+              <a:rPr lang="en-US" sz="1200" kern="1200" baseline="0" dirty="0" smtClean="0">
+                <a:solidFill>
+                  <a:schemeClr val="tx1"/>
+                </a:solidFill>
+                <a:latin typeface="+mn-lt"/>
+                <a:ea typeface="+mn-ea"/>
+                <a:cs typeface="+mn-cs"/>
+              </a:rPr>
+              <a:t>Several special-purpose creation patterns— FACTORY METHOD, ABSTRACT FACTORY, and BUILDER</a:t>
+            </a:r>
+          </a:p>
+          <a:p>
+            <a:endParaRPr lang="en-US" sz="1200" kern="1200" baseline="0" dirty="0" smtClean="0">
+              <a:solidFill>
+                <a:schemeClr val="tx1"/>
+              </a:solidFill>
+              <a:latin typeface="+mn-lt"/>
+              <a:ea typeface="+mn-ea"/>
+              <a:cs typeface="+mn-cs"/>
+            </a:endParaRPr>
+          </a:p>
+          <a:p>
+            <a:r>
+              <a:rPr lang="en-US" sz="1200" kern="1200" baseline="0" dirty="0" smtClean="0">
+                <a:solidFill>
+                  <a:schemeClr val="tx1"/>
+                </a:solidFill>
+                <a:latin typeface="+mn-lt"/>
+                <a:ea typeface="+mn-ea"/>
+                <a:cs typeface="+mn-cs"/>
+              </a:rPr>
+              <a:t>Each creation method is atomic and enforces all invariants of the created object or</a:t>
+            </a:r>
+          </a:p>
+          <a:p>
+            <a:r>
+              <a:rPr lang="en-US" sz="1200" kern="1200" baseline="0" dirty="0" smtClean="0">
+                <a:solidFill>
+                  <a:schemeClr val="tx1"/>
+                </a:solidFill>
+                <a:latin typeface="+mn-lt"/>
+                <a:ea typeface="+mn-ea"/>
+                <a:cs typeface="+mn-cs"/>
+              </a:rPr>
+              <a:t>AGGREGATE. A FACTORY should only be able to produce an object in a consistent state. For an</a:t>
+            </a:r>
+          </a:p>
+          <a:p>
+            <a:r>
+              <a:rPr lang="en-US" sz="1200" kern="1200" baseline="0" dirty="0" smtClean="0">
+                <a:solidFill>
+                  <a:schemeClr val="tx1"/>
+                </a:solidFill>
+                <a:latin typeface="+mn-lt"/>
+                <a:ea typeface="+mn-ea"/>
+                <a:cs typeface="+mn-cs"/>
+              </a:rPr>
+              <a:t>ENTITY, this means the creation of the entire AGGREGATE, with all invariants satisfied, but</a:t>
+            </a:r>
+          </a:p>
+          <a:p>
+            <a:r>
+              <a:rPr lang="en-US" sz="1200" kern="1200" baseline="0" dirty="0" smtClean="0">
+                <a:solidFill>
+                  <a:schemeClr val="tx1"/>
+                </a:solidFill>
+                <a:latin typeface="+mn-lt"/>
+                <a:ea typeface="+mn-ea"/>
+                <a:cs typeface="+mn-cs"/>
+              </a:rPr>
+              <a:t>probably with optional elements still to be added. For an immutable VALUE OBJECT, this means</a:t>
+            </a:r>
+          </a:p>
+          <a:p>
+            <a:r>
+              <a:rPr lang="en-US" sz="1200" kern="1200" baseline="0" dirty="0" smtClean="0">
+                <a:solidFill>
+                  <a:schemeClr val="tx1"/>
+                </a:solidFill>
+                <a:latin typeface="+mn-lt"/>
+                <a:ea typeface="+mn-ea"/>
+                <a:cs typeface="+mn-cs"/>
+              </a:rPr>
+              <a:t>that all attributes are initialized to their correct final state. If the interface makes it possible</a:t>
+            </a:r>
+          </a:p>
+          <a:p>
+            <a:r>
+              <a:rPr lang="en-US" sz="1200" kern="1200" baseline="0" dirty="0" smtClean="0">
+                <a:solidFill>
+                  <a:schemeClr val="tx1"/>
+                </a:solidFill>
+                <a:latin typeface="+mn-lt"/>
+                <a:ea typeface="+mn-ea"/>
+                <a:cs typeface="+mn-cs"/>
+              </a:rPr>
+              <a:t>to request an object that can't be created correctly, then an exception should be raised or</a:t>
+            </a:r>
+          </a:p>
+          <a:p>
+            <a:r>
+              <a:rPr lang="en-US" sz="1200" kern="1200" baseline="0" dirty="0" smtClean="0">
+                <a:solidFill>
+                  <a:schemeClr val="tx1"/>
+                </a:solidFill>
+                <a:latin typeface="+mn-lt"/>
+                <a:ea typeface="+mn-ea"/>
+                <a:cs typeface="+mn-cs"/>
+              </a:rPr>
+              <a:t>some other mechanism should be invoked that will ensure that no improper return value is</a:t>
+            </a:r>
+          </a:p>
+          <a:p>
+            <a:r>
+              <a:rPr lang="en-US" sz="1200" kern="1200" baseline="0" dirty="0" smtClean="0">
+                <a:solidFill>
+                  <a:schemeClr val="tx1"/>
+                </a:solidFill>
+                <a:latin typeface="+mn-lt"/>
+                <a:ea typeface="+mn-ea"/>
+                <a:cs typeface="+mn-cs"/>
+              </a:rPr>
+              <a:t>possible.</a:t>
+            </a:r>
+            <a:endParaRPr lang="en-US" dirty="0"/>
+          </a:p>
+        </p:txBody>
+      </p:sp>
+      <p:sp>
+        <p:nvSpPr>
+          <p:cNvPr id="4" name="Slide Number Placeholder 3"/>
+          <p:cNvSpPr>
+            <a:spLocks noGrp="1"/>
+          </p:cNvSpPr>
+          <p:nvPr>
+            <p:ph type="sldNum" sz="quarter" idx="10"/>
+          </p:nvPr>
+        </p:nvSpPr>
+        <p:spPr/>
+        <p:txBody>
+          <a:bodyPr/>
+          <a:lstStyle/>
+          <a:p>
+            <a:fld id="{5D5B2715-B0E0-4A76-9B24-AC64393DF8BD}" type="slidenum">
+              <a:rPr lang="en-US" smtClean="0"/>
+              <a:pPr/>
+              <a:t>29</a:t>
             </a:fld>
             <a:endParaRPr lang="en-US" dirty="0"/>
           </a:p>
@@ -4466,6 +5241,315 @@
 </p:notes>
 </file>
 
+<file path=ppt/notesSlides/notesSlide30.xml><?xml version="1.0" encoding="utf-8"?>
+<p:notes xmlns:a="http://schemas.openxmlformats.org/drawingml/2006/main" xmlns:r="http://schemas.openxmlformats.org/officeDocument/2006/relationships" xmlns:p="http://schemas.openxmlformats.org/presentationml/2006/main">
+  <p:cSld>
+    <p:spTree>
+      <p:nvGrpSpPr>
+        <p:cNvPr id="1" name=""/>
+        <p:cNvGrpSpPr/>
+        <p:nvPr/>
+      </p:nvGrpSpPr>
+      <p:grpSpPr>
+        <a:xfrm>
+          <a:off x="0" y="0"/>
+          <a:ext cx="0" cy="0"/>
+          <a:chOff x="0" y="0"/>
+          <a:chExt cx="0" cy="0"/>
+        </a:xfrm>
+      </p:grpSpPr>
+      <p:sp>
+        <p:nvSpPr>
+          <p:cNvPr id="2" name="Slide Image Placeholder 1"/>
+          <p:cNvSpPr>
+            <a:spLocks noGrp="1" noRot="1" noChangeAspect="1"/>
+          </p:cNvSpPr>
+          <p:nvPr>
+            <p:ph type="sldImg"/>
+          </p:nvPr>
+        </p:nvSpPr>
+        <p:spPr/>
+      </p:sp>
+      <p:sp>
+        <p:nvSpPr>
+          <p:cNvPr id="3" name="Notes Placeholder 2"/>
+          <p:cNvSpPr>
+            <a:spLocks noGrp="1"/>
+          </p:cNvSpPr>
+          <p:nvPr>
+            <p:ph type="body" idx="1"/>
+          </p:nvPr>
+        </p:nvSpPr>
+        <p:spPr/>
+        <p:txBody>
+          <a:bodyPr>
+            <a:normAutofit fontScale="92500"/>
+          </a:bodyPr>
+          <a:lstStyle/>
+          <a:p>
+            <a:r>
+              <a:rPr lang="en-US" sz="1200" b="1" kern="1200" baseline="0" dirty="0" smtClean="0">
+                <a:solidFill>
+                  <a:schemeClr val="tx1"/>
+                </a:solidFill>
+                <a:latin typeface="+mn-lt"/>
+                <a:ea typeface="+mn-ea"/>
+                <a:cs typeface="+mn-cs"/>
+              </a:rPr>
+              <a:t>For each type of object that needs global access, create an object that can provide the</a:t>
+            </a:r>
+          </a:p>
+          <a:p>
+            <a:r>
+              <a:rPr lang="en-US" sz="1200" b="1" kern="1200" baseline="0" dirty="0" smtClean="0">
+                <a:solidFill>
+                  <a:schemeClr val="tx1"/>
+                </a:solidFill>
+                <a:latin typeface="+mn-lt"/>
+                <a:ea typeface="+mn-ea"/>
+                <a:cs typeface="+mn-cs"/>
+              </a:rPr>
+              <a:t>illusion of an in-memory collection of all objects of that type. Set up access through a</a:t>
+            </a:r>
+          </a:p>
+          <a:p>
+            <a:r>
+              <a:rPr lang="en-US" sz="1200" b="1" kern="1200" baseline="0" dirty="0" smtClean="0">
+                <a:solidFill>
+                  <a:schemeClr val="tx1"/>
+                </a:solidFill>
+                <a:latin typeface="+mn-lt"/>
+                <a:ea typeface="+mn-ea"/>
+                <a:cs typeface="+mn-cs"/>
+              </a:rPr>
+              <a:t>well-known global interface. Provide methods to add and remove objects, which will</a:t>
+            </a:r>
+          </a:p>
+          <a:p>
+            <a:r>
+              <a:rPr lang="en-US" sz="1200" b="1" kern="1200" baseline="0" dirty="0" smtClean="0">
+                <a:solidFill>
+                  <a:schemeClr val="tx1"/>
+                </a:solidFill>
+                <a:latin typeface="+mn-lt"/>
+                <a:ea typeface="+mn-ea"/>
+                <a:cs typeface="+mn-cs"/>
+              </a:rPr>
+              <a:t>encapsulate the actual insertion or removal of data in the data store. Provide methods</a:t>
+            </a:r>
+          </a:p>
+          <a:p>
+            <a:r>
+              <a:rPr lang="en-US" sz="1200" b="1" kern="1200" baseline="0" dirty="0" smtClean="0">
+                <a:solidFill>
+                  <a:schemeClr val="tx1"/>
+                </a:solidFill>
+                <a:latin typeface="+mn-lt"/>
+                <a:ea typeface="+mn-ea"/>
+                <a:cs typeface="+mn-cs"/>
+              </a:rPr>
+              <a:t>that select objects based on some criteria and return fully instantiated objects or</a:t>
+            </a:r>
+          </a:p>
+          <a:p>
+            <a:r>
+              <a:rPr lang="en-US" sz="1200" b="1" kern="1200" baseline="0" dirty="0" smtClean="0">
+                <a:solidFill>
+                  <a:schemeClr val="tx1"/>
+                </a:solidFill>
+                <a:latin typeface="+mn-lt"/>
+                <a:ea typeface="+mn-ea"/>
+                <a:cs typeface="+mn-cs"/>
+              </a:rPr>
+              <a:t>collections of objects whose attribute values meet the criteria, thereby encapsulating</a:t>
+            </a:r>
+          </a:p>
+          <a:p>
+            <a:r>
+              <a:rPr lang="en-US" sz="1200" b="1" kern="1200" baseline="0" dirty="0" smtClean="0">
+                <a:solidFill>
+                  <a:schemeClr val="tx1"/>
+                </a:solidFill>
+                <a:latin typeface="+mn-lt"/>
+                <a:ea typeface="+mn-ea"/>
+                <a:cs typeface="+mn-cs"/>
+              </a:rPr>
+              <a:t>the actual storage and query technology. Provide REPOSITORIES only for AGGREGATE roots</a:t>
+            </a:r>
+          </a:p>
+          <a:p>
+            <a:r>
+              <a:rPr lang="en-US" sz="1200" b="1" kern="1200" baseline="0" dirty="0" smtClean="0">
+                <a:solidFill>
+                  <a:schemeClr val="tx1"/>
+                </a:solidFill>
+                <a:latin typeface="+mn-lt"/>
+                <a:ea typeface="+mn-ea"/>
+                <a:cs typeface="+mn-cs"/>
+              </a:rPr>
+              <a:t>that actually need direct access. Keep the client focused on the model, delegating all</a:t>
+            </a:r>
+          </a:p>
+          <a:p>
+            <a:r>
+              <a:rPr lang="en-US" sz="1200" b="1" kern="1200" baseline="0" dirty="0" smtClean="0">
+                <a:solidFill>
+                  <a:schemeClr val="tx1"/>
+                </a:solidFill>
+                <a:latin typeface="+mn-lt"/>
+                <a:ea typeface="+mn-ea"/>
+                <a:cs typeface="+mn-cs"/>
+              </a:rPr>
+              <a:t>object storage and access to the REPOSITORIES.</a:t>
+            </a:r>
+            <a:endParaRPr lang="en-US" sz="1200" kern="1200" baseline="0" dirty="0" smtClean="0">
+              <a:solidFill>
+                <a:schemeClr val="tx1"/>
+              </a:solidFill>
+              <a:latin typeface="+mn-lt"/>
+              <a:ea typeface="+mn-ea"/>
+              <a:cs typeface="+mn-cs"/>
+            </a:endParaRPr>
+          </a:p>
+          <a:p>
+            <a:r>
+              <a:rPr lang="en-US" sz="1200" kern="1200" baseline="0" dirty="0" smtClean="0">
+                <a:solidFill>
+                  <a:schemeClr val="tx1"/>
+                </a:solidFill>
+                <a:latin typeface="+mn-lt"/>
+                <a:ea typeface="+mn-ea"/>
+                <a:cs typeface="+mn-cs"/>
+              </a:rPr>
+              <a:t>REPOSITORIES have many advantages, including the following:</a:t>
+            </a:r>
+          </a:p>
+          <a:p>
+            <a:r>
+              <a:rPr lang="en-US" sz="1200" kern="1200" baseline="0" dirty="0" smtClean="0">
+                <a:solidFill>
+                  <a:schemeClr val="tx1"/>
+                </a:solidFill>
+                <a:latin typeface="+mn-lt"/>
+                <a:ea typeface="+mn-ea"/>
+                <a:cs typeface="+mn-cs"/>
+              </a:rPr>
+              <a:t>They present clients with a simple model for obtaining persistent objects and managing their</a:t>
+            </a:r>
+          </a:p>
+          <a:p>
+            <a:r>
+              <a:rPr lang="en-US" sz="1200" kern="1200" baseline="0" dirty="0" smtClean="0">
+                <a:solidFill>
+                  <a:schemeClr val="tx1"/>
+                </a:solidFill>
+                <a:latin typeface="+mn-lt"/>
+                <a:ea typeface="+mn-ea"/>
+                <a:cs typeface="+mn-cs"/>
+              </a:rPr>
+              <a:t>life cycle.</a:t>
+            </a:r>
+          </a:p>
+          <a:p>
+            <a:r>
+              <a:rPr lang="en-US" sz="1200" kern="1200" baseline="0" dirty="0" smtClean="0">
+                <a:solidFill>
+                  <a:schemeClr val="tx1"/>
+                </a:solidFill>
+                <a:latin typeface="+mn-lt"/>
+                <a:ea typeface="+mn-ea"/>
+                <a:cs typeface="+mn-cs"/>
+              </a:rPr>
+              <a:t>They decouple application and domain design from persistence technology, multiple database</a:t>
+            </a:r>
+          </a:p>
+          <a:p>
+            <a:r>
+              <a:rPr lang="en-US" sz="1200" kern="1200" baseline="0" dirty="0" smtClean="0">
+                <a:solidFill>
+                  <a:schemeClr val="tx1"/>
+                </a:solidFill>
+                <a:latin typeface="+mn-lt"/>
+                <a:ea typeface="+mn-ea"/>
+                <a:cs typeface="+mn-cs"/>
+              </a:rPr>
+              <a:t>strategies, or even multiple data sources.</a:t>
+            </a:r>
+          </a:p>
+          <a:p>
+            <a:r>
+              <a:rPr lang="en-US" sz="1200" kern="1200" baseline="0" dirty="0" smtClean="0">
+                <a:solidFill>
+                  <a:schemeClr val="tx1"/>
+                </a:solidFill>
+                <a:latin typeface="+mn-lt"/>
+                <a:ea typeface="+mn-ea"/>
+                <a:cs typeface="+mn-cs"/>
+              </a:rPr>
+              <a:t>They communicate design decisions about object access.</a:t>
+            </a:r>
+          </a:p>
+          <a:p>
+            <a:r>
+              <a:rPr lang="en-US" sz="1200" kern="1200" baseline="0" dirty="0" smtClean="0">
+                <a:solidFill>
+                  <a:schemeClr val="tx1"/>
+                </a:solidFill>
+                <a:latin typeface="+mn-lt"/>
+                <a:ea typeface="+mn-ea"/>
+                <a:cs typeface="+mn-cs"/>
+              </a:rPr>
+              <a:t>They allow easy substitution of a dummy implementation, for use in testing (typically using</a:t>
+            </a:r>
+          </a:p>
+          <a:p>
+            <a:r>
+              <a:rPr lang="en-US" sz="1200" kern="1200" baseline="0" dirty="0" smtClean="0">
+                <a:solidFill>
+                  <a:schemeClr val="tx1"/>
+                </a:solidFill>
+                <a:latin typeface="+mn-lt"/>
+                <a:ea typeface="+mn-ea"/>
+                <a:cs typeface="+mn-cs"/>
+              </a:rPr>
+              <a:t>an in-memory collection).</a:t>
+            </a:r>
+            <a:endParaRPr lang="en-US" dirty="0"/>
+          </a:p>
+        </p:txBody>
+      </p:sp>
+      <p:sp>
+        <p:nvSpPr>
+          <p:cNvPr id="4" name="Slide Number Placeholder 3"/>
+          <p:cNvSpPr>
+            <a:spLocks noGrp="1"/>
+          </p:cNvSpPr>
+          <p:nvPr>
+            <p:ph type="sldNum" sz="quarter" idx="10"/>
+          </p:nvPr>
+        </p:nvSpPr>
+        <p:spPr/>
+        <p:txBody>
+          <a:bodyPr/>
+          <a:lstStyle/>
+          <a:p>
+            <a:fld id="{5D5B2715-B0E0-4A76-9B24-AC64393DF8BD}" type="slidenum">
+              <a:rPr lang="en-US" smtClean="0"/>
+              <a:pPr/>
+              <a:t>30</a:t>
+            </a:fld>
+            <a:endParaRPr lang="en-US" dirty="0"/>
+          </a:p>
+        </p:txBody>
+      </p:sp>
+    </p:spTree>
+  </p:cSld>
+  <p:clrMapOvr>
+    <a:masterClrMapping/>
+  </p:clrMapOvr>
+</p:notes>
+</file>
+
 <file path=ppt/notesSlides/notesSlide4.xml><?xml version="1.0" encoding="utf-8"?>
 <p:notes xmlns:a="http://schemas.openxmlformats.org/drawingml/2006/main" xmlns:r="http://schemas.openxmlformats.org/officeDocument/2006/relationships" xmlns:p="http://schemas.openxmlformats.org/presentationml/2006/main">
   <p:cSld>
@@ -4514,9 +5598,22 @@
           <a:p>
             <a:r>
               <a:rPr lang="en-US" dirty="0" smtClean="0"/>
-              <a:t>Accidental complexity is complexity that arises in computer programs or their development process (computer programming) which is non-essential to the problem to be solved. While essential complexity is inherent and unavoidable, accidental complexity is caused by the approach chosen to solve the problem.</a:t>
-            </a:r>
-            <a:endParaRPr lang="en-US" dirty="0"/>
+              <a:t>Accidental complexity is complexity that arises in computer programs or their development process (computer programming) which is non-essential to the problem to be solved. While essential complexity is inherent and unavoidable, accidental complexity is caused by the approach chosen to solve the problem</a:t>
+            </a:r>
+            <a:r>
+              <a:rPr lang="en-US" dirty="0" smtClean="0"/>
+              <a:t>.</a:t>
+            </a:r>
+          </a:p>
+          <a:p>
+            <a:endParaRPr lang="en-US" dirty="0" smtClean="0"/>
+          </a:p>
+          <a:p>
+            <a:r>
+              <a:rPr lang="en-US" b="1" dirty="0" smtClean="0"/>
+              <a:t>DDD is not a: new technology, framework, or standard… </a:t>
+            </a:r>
+            <a:endParaRPr lang="en-US" b="1" dirty="0"/>
           </a:p>
         </p:txBody>
       </p:sp>
@@ -5337,7 +6434,7 @@
             <a:fld id="{692DA68B-07B5-4D40-903F-69FBB0125CEF}" type="datetimeFigureOut">
               <a:rPr lang="en-US" smtClean="0"/>
               <a:pPr/>
-              <a:t>4/18/2009</a:t>
+              <a:t>4/21/2009</a:t>
             </a:fld>
             <a:endParaRPr lang="en-US" dirty="0"/>
           </a:p>
@@ -5504,7 +6601,7 @@
             <a:fld id="{692DA68B-07B5-4D40-903F-69FBB0125CEF}" type="datetimeFigureOut">
               <a:rPr lang="en-US" smtClean="0"/>
               <a:pPr/>
-              <a:t>4/18/2009</a:t>
+              <a:t>4/21/2009</a:t>
             </a:fld>
             <a:endParaRPr lang="en-US" dirty="0"/>
           </a:p>
@@ -5681,7 +6778,7 @@
             <a:fld id="{692DA68B-07B5-4D40-903F-69FBB0125CEF}" type="datetimeFigureOut">
               <a:rPr lang="en-US" smtClean="0"/>
               <a:pPr/>
-              <a:t>4/18/2009</a:t>
+              <a:t>4/21/2009</a:t>
             </a:fld>
             <a:endParaRPr lang="en-US" dirty="0"/>
           </a:p>
@@ -5848,7 +6945,7 @@
             <a:fld id="{692DA68B-07B5-4D40-903F-69FBB0125CEF}" type="datetimeFigureOut">
               <a:rPr lang="en-US" smtClean="0"/>
               <a:pPr/>
-              <a:t>4/18/2009</a:t>
+              <a:t>4/21/2009</a:t>
             </a:fld>
             <a:endParaRPr lang="en-US" dirty="0"/>
           </a:p>
@@ -6091,7 +7188,7 @@
             <a:fld id="{692DA68B-07B5-4D40-903F-69FBB0125CEF}" type="datetimeFigureOut">
               <a:rPr lang="en-US" smtClean="0"/>
               <a:pPr/>
-              <a:t>4/18/2009</a:t>
+              <a:t>4/21/2009</a:t>
             </a:fld>
             <a:endParaRPr lang="en-US" dirty="0"/>
           </a:p>
@@ -6376,7 +7473,7 @@
             <a:fld id="{692DA68B-07B5-4D40-903F-69FBB0125CEF}" type="datetimeFigureOut">
               <a:rPr lang="en-US" smtClean="0"/>
               <a:pPr/>
-              <a:t>4/18/2009</a:t>
+              <a:t>4/21/2009</a:t>
             </a:fld>
             <a:endParaRPr lang="en-US" dirty="0"/>
           </a:p>
@@ -6795,7 +7892,7 @@
             <a:fld id="{692DA68B-07B5-4D40-903F-69FBB0125CEF}" type="datetimeFigureOut">
               <a:rPr lang="en-US" smtClean="0"/>
               <a:pPr/>
-              <a:t>4/18/2009</a:t>
+              <a:t>4/21/2009</a:t>
             </a:fld>
             <a:endParaRPr lang="en-US" dirty="0"/>
           </a:p>
@@ -6910,7 +8007,7 @@
             <a:fld id="{692DA68B-07B5-4D40-903F-69FBB0125CEF}" type="datetimeFigureOut">
               <a:rPr lang="en-US" smtClean="0"/>
               <a:pPr/>
-              <a:t>4/18/2009</a:t>
+              <a:t>4/21/2009</a:t>
             </a:fld>
             <a:endParaRPr lang="en-US" dirty="0"/>
           </a:p>
@@ -7002,7 +8099,7 @@
             <a:fld id="{692DA68B-07B5-4D40-903F-69FBB0125CEF}" type="datetimeFigureOut">
               <a:rPr lang="en-US" smtClean="0"/>
               <a:pPr/>
-              <a:t>4/18/2009</a:t>
+              <a:t>4/21/2009</a:t>
             </a:fld>
             <a:endParaRPr lang="en-US" dirty="0"/>
           </a:p>
@@ -7276,7 +8373,7 @@
             <a:fld id="{692DA68B-07B5-4D40-903F-69FBB0125CEF}" type="datetimeFigureOut">
               <a:rPr lang="en-US" smtClean="0"/>
               <a:pPr/>
-              <a:t>4/18/2009</a:t>
+              <a:t>4/21/2009</a:t>
             </a:fld>
             <a:endParaRPr lang="en-US" dirty="0"/>
           </a:p>
@@ -7526,7 +8623,7 @@
             <a:fld id="{692DA68B-07B5-4D40-903F-69FBB0125CEF}" type="datetimeFigureOut">
               <a:rPr lang="en-US" smtClean="0"/>
               <a:pPr/>
-              <a:t>4/18/2009</a:t>
+              <a:t>4/21/2009</a:t>
             </a:fld>
             <a:endParaRPr lang="en-US" dirty="0"/>
           </a:p>
@@ -7736,7 +8833,7 @@
             <a:fld id="{692DA68B-07B5-4D40-903F-69FBB0125CEF}" type="datetimeFigureOut">
               <a:rPr lang="en-US" smtClean="0"/>
               <a:pPr/>
-              <a:t>4/18/2009</a:t>
+              <a:t>4/21/2009</a:t>
             </a:fld>
             <a:endParaRPr lang="en-US" dirty="0"/>
           </a:p>
@@ -9368,11 +10465,7 @@
             </a:r>
             <a:r>
               <a:rPr lang="en-US" i="1" dirty="0" smtClean="0"/>
-              <a:t> of the </a:t>
-            </a:r>
-            <a:r>
-              <a:rPr lang="en-US" i="1" dirty="0" smtClean="0"/>
-              <a:t>(Business) </a:t>
+              <a:t> of the (Business) </a:t>
             </a:r>
             <a:r>
               <a:rPr lang="en-US" i="1" dirty="0" smtClean="0">
@@ -15916,11 +17009,7 @@
           <a:p>
             <a:r>
               <a:rPr lang="en-US" dirty="0" smtClean="0"/>
-              <a:t>An object defined primarily by its </a:t>
-            </a:r>
-            <a:r>
-              <a:rPr lang="en-US" dirty="0" smtClean="0"/>
-              <a:t>identity and not its attributes</a:t>
+              <a:t>An object defined primarily by its identity and not its attributes</a:t>
             </a:r>
           </a:p>
           <a:p>
@@ -16050,11 +17139,7 @@
           <a:p>
             <a:r>
               <a:rPr lang="en-US" dirty="0" smtClean="0"/>
-              <a:t>NOT is same </a:t>
-            </a:r>
-            <a:r>
-              <a:rPr lang="en-US" dirty="0" smtClean="0"/>
-              <a:t>thing as a DTO [Fowler </a:t>
+              <a:t>NOT is same thing as a DTO [Fowler </a:t>
             </a:r>
             <a:r>
               <a:rPr lang="en-US" dirty="0" err="1" smtClean="0"/>
@@ -16234,39 +17319,29 @@
           <a:p>
             <a:r>
               <a:rPr lang="en-US" dirty="0" smtClean="0"/>
-              <a:t>Is larger </a:t>
-            </a:r>
+              <a:t>Is larger grain of modeling and design</a:t>
+            </a:r>
+          </a:p>
+          <a:p>
             <a:r>
               <a:rPr lang="en-US" dirty="0" smtClean="0"/>
-              <a:t>grain of modeling </a:t>
-            </a:r>
+              <a:t>A method of organized related concepts</a:t>
+            </a:r>
+          </a:p>
+          <a:p>
             <a:r>
               <a:rPr lang="en-US" dirty="0" smtClean="0"/>
-              <a:t>and design</a:t>
-            </a:r>
-          </a:p>
-          <a:p>
+              <a:t>Low </a:t>
+            </a:r>
             <a:r>
               <a:rPr lang="en-US" dirty="0" smtClean="0"/>
-              <a:t>Low coupling and </a:t>
-            </a:r>
-            <a:r>
-              <a:rPr lang="en-US" dirty="0" smtClean="0"/>
-              <a:t>high cohesion</a:t>
+              <a:t>coupling and high cohesion</a:t>
             </a:r>
           </a:p>
           <a:p>
             <a:r>
               <a:rPr lang="en-US" i="1" dirty="0" smtClean="0"/>
-              <a:t>Communications </a:t>
-            </a:r>
-            <a:r>
-              <a:rPr lang="en-US" i="1" dirty="0" smtClean="0"/>
-              <a:t>mechanism</a:t>
-            </a:r>
-            <a:r>
-              <a:rPr lang="en-US" i="1" dirty="0" smtClean="0"/>
-              <a:t>.</a:t>
+              <a:t>Communications mechanism.</a:t>
             </a:r>
           </a:p>
           <a:p>
@@ -16320,7 +17395,11 @@
           <a:bodyPr/>
           <a:lstStyle/>
           <a:p>
-            <a:endParaRPr lang="en-US"/>
+            <a:r>
+              <a:rPr lang="en-US" dirty="0" smtClean="0"/>
+              <a:t>Aggregates</a:t>
+            </a:r>
+            <a:endParaRPr lang="en-US" dirty="0"/>
           </a:p>
         </p:txBody>
       </p:sp>
@@ -16339,7 +17418,138 @@
           <a:bodyPr/>
           <a:lstStyle/>
           <a:p>
-            <a:endParaRPr lang="en-US"/>
+            <a:r>
+              <a:rPr lang="en-US" dirty="0" smtClean="0"/>
+              <a:t>Define consistency boundaries</a:t>
+            </a:r>
+          </a:p>
+          <a:p>
+            <a:r>
+              <a:rPr lang="en-US" dirty="0" smtClean="0"/>
+              <a:t>A cluster </a:t>
+            </a:r>
+            <a:r>
+              <a:rPr lang="en-US" dirty="0" smtClean="0"/>
+              <a:t>of associated </a:t>
+            </a:r>
+            <a:r>
+              <a:rPr lang="en-US" dirty="0" smtClean="0"/>
+              <a:t>objects that is treated as a conceptual whole</a:t>
+            </a:r>
+          </a:p>
+          <a:p>
+            <a:r>
+              <a:rPr lang="en-US" dirty="0" smtClean="0"/>
+              <a:t>A </a:t>
+            </a:r>
+            <a:r>
+              <a:rPr lang="en-US" dirty="0" smtClean="0"/>
+              <a:t>unit for the purpose of data </a:t>
+            </a:r>
+            <a:r>
+              <a:rPr lang="en-US" dirty="0" smtClean="0"/>
+              <a:t>changes</a:t>
+            </a:r>
+          </a:p>
+          <a:p>
+            <a:r>
+              <a:rPr lang="en-US" dirty="0" smtClean="0"/>
+              <a:t>Is controlled by root</a:t>
+            </a:r>
+          </a:p>
+          <a:p>
+            <a:endParaRPr lang="en-US" dirty="0"/>
+          </a:p>
+        </p:txBody>
+      </p:sp>
+    </p:spTree>
+  </p:cSld>
+  <p:clrMapOvr>
+    <a:masterClrMapping/>
+  </p:clrMapOvr>
+</p:sld>
+</file>
+
+<file path=ppt/slides/slide29.xml><?xml version="1.0" encoding="utf-8"?>
+<p:sld xmlns:a="http://schemas.openxmlformats.org/drawingml/2006/main" xmlns:r="http://schemas.openxmlformats.org/officeDocument/2006/relationships" xmlns:p="http://schemas.openxmlformats.org/presentationml/2006/main">
+  <p:cSld>
+    <p:spTree>
+      <p:nvGrpSpPr>
+        <p:cNvPr id="1" name=""/>
+        <p:cNvGrpSpPr/>
+        <p:nvPr/>
+      </p:nvGrpSpPr>
+      <p:grpSpPr>
+        <a:xfrm>
+          <a:off x="0" y="0"/>
+          <a:ext cx="0" cy="0"/>
+          <a:chOff x="0" y="0"/>
+          <a:chExt cx="0" cy="0"/>
+        </a:xfrm>
+      </p:grpSpPr>
+      <p:sp>
+        <p:nvSpPr>
+          <p:cNvPr id="2" name="Title 1"/>
+          <p:cNvSpPr>
+            <a:spLocks noGrp="1"/>
+          </p:cNvSpPr>
+          <p:nvPr>
+            <p:ph type="title"/>
+          </p:nvPr>
+        </p:nvSpPr>
+        <p:spPr/>
+        <p:txBody>
+          <a:bodyPr/>
+          <a:lstStyle/>
+          <a:p>
+            <a:r>
+              <a:rPr lang="en-US" dirty="0" smtClean="0"/>
+              <a:t>Factories</a:t>
+            </a:r>
+            <a:endParaRPr lang="en-US" dirty="0"/>
+          </a:p>
+        </p:txBody>
+      </p:sp>
+      <p:sp>
+        <p:nvSpPr>
+          <p:cNvPr id="3" name="Content Placeholder 2"/>
+          <p:cNvSpPr>
+            <a:spLocks noGrp="1"/>
+          </p:cNvSpPr>
+          <p:nvPr>
+            <p:ph idx="1"/>
+          </p:nvPr>
+        </p:nvSpPr>
+        <p:spPr/>
+        <p:txBody>
+          <a:bodyPr/>
+          <a:lstStyle/>
+          <a:p>
+            <a:r>
+              <a:rPr lang="en-US" dirty="0" smtClean="0"/>
+              <a:t>Shifts complicated object creation to FACTORY</a:t>
+            </a:r>
+          </a:p>
+          <a:p>
+            <a:r>
+              <a:rPr lang="en-US" dirty="0" smtClean="0"/>
+              <a:t>Enforce invariants</a:t>
+            </a:r>
+          </a:p>
+          <a:p>
+            <a:r>
+              <a:rPr lang="en-US" dirty="0" smtClean="0"/>
+              <a:t>Decouple clients and hide creation details</a:t>
+            </a:r>
+          </a:p>
+          <a:p>
+            <a:endParaRPr lang="en-US" dirty="0" smtClean="0"/>
+          </a:p>
+          <a:p>
+            <a:endParaRPr lang="en-US" dirty="0" smtClean="0"/>
+          </a:p>
+          <a:p>
+            <a:endParaRPr lang="en-US" dirty="0"/>
           </a:p>
         </p:txBody>
       </p:sp>
@@ -16425,23 +17635,14 @@
           <a:p>
             <a:r>
               <a:rPr lang="en-US" dirty="0" smtClean="0"/>
-              <a:t>Growing business </a:t>
-            </a:r>
+              <a:t>Growing business complexity</a:t>
+            </a:r>
+          </a:p>
+          <a:p>
             <a:r>
               <a:rPr lang="en-US" dirty="0" smtClean="0"/>
-              <a:t>complexity</a:t>
-            </a:r>
-          </a:p>
-          <a:p>
-            <a:r>
-              <a:rPr lang="en-US" dirty="0" smtClean="0"/>
-              <a:t>Complexity becomes inevitable</a:t>
-            </a:r>
-            <a:r>
-              <a:rPr lang="en-US" dirty="0" smtClean="0"/>
-              <a:t> </a:t>
-            </a:r>
-            <a:endParaRPr lang="en-US" dirty="0" smtClean="0"/>
+              <a:t>Complexity becomes inevitable </a:t>
+            </a:r>
           </a:p>
           <a:p>
             <a:endParaRPr lang="en-US" dirty="0" smtClean="0"/>
@@ -16460,6 +17661,166 @@
       </p:par>
     </p:tnLst>
   </p:timing>
+</p:sld>
+</file>
+
+<file path=ppt/slides/slide30.xml><?xml version="1.0" encoding="utf-8"?>
+<p:sld xmlns:a="http://schemas.openxmlformats.org/drawingml/2006/main" xmlns:r="http://schemas.openxmlformats.org/officeDocument/2006/relationships" xmlns:p="http://schemas.openxmlformats.org/presentationml/2006/main">
+  <p:cSld>
+    <p:spTree>
+      <p:nvGrpSpPr>
+        <p:cNvPr id="1" name=""/>
+        <p:cNvGrpSpPr/>
+        <p:nvPr/>
+      </p:nvGrpSpPr>
+      <p:grpSpPr>
+        <a:xfrm>
+          <a:off x="0" y="0"/>
+          <a:ext cx="0" cy="0"/>
+          <a:chOff x="0" y="0"/>
+          <a:chExt cx="0" cy="0"/>
+        </a:xfrm>
+      </p:grpSpPr>
+      <p:sp>
+        <p:nvSpPr>
+          <p:cNvPr id="2" name="Title 1"/>
+          <p:cNvSpPr>
+            <a:spLocks noGrp="1"/>
+          </p:cNvSpPr>
+          <p:nvPr>
+            <p:ph type="title"/>
+          </p:nvPr>
+        </p:nvSpPr>
+        <p:spPr/>
+        <p:txBody>
+          <a:bodyPr/>
+          <a:lstStyle/>
+          <a:p>
+            <a:r>
+              <a:rPr lang="en-US" dirty="0" smtClean="0"/>
+              <a:t>Repositories</a:t>
+            </a:r>
+            <a:endParaRPr lang="en-US" dirty="0"/>
+          </a:p>
+        </p:txBody>
+      </p:sp>
+      <p:sp>
+        <p:nvSpPr>
+          <p:cNvPr id="3" name="Content Placeholder 2"/>
+          <p:cNvSpPr>
+            <a:spLocks noGrp="1"/>
+          </p:cNvSpPr>
+          <p:nvPr>
+            <p:ph idx="1"/>
+          </p:nvPr>
+        </p:nvSpPr>
+        <p:spPr/>
+        <p:txBody>
+          <a:bodyPr/>
+          <a:lstStyle/>
+          <a:p>
+            <a:r>
+              <a:rPr lang="en-US" dirty="0" smtClean="0"/>
+              <a:t>Provide illusion of an in-memory collection</a:t>
+            </a:r>
+          </a:p>
+          <a:p>
+            <a:r>
+              <a:rPr lang="en-US" dirty="0" smtClean="0"/>
+              <a:t>Provide a simple model for obtaining persistent objects</a:t>
+            </a:r>
+          </a:p>
+          <a:p>
+            <a:r>
+              <a:rPr lang="en-US" dirty="0" smtClean="0"/>
+              <a:t>Decouple domain model from persistence technology</a:t>
+            </a:r>
+          </a:p>
+          <a:p>
+            <a:r>
+              <a:rPr lang="en-US" dirty="0" smtClean="0"/>
+              <a:t>Communicate design decisions about object access</a:t>
+            </a:r>
+          </a:p>
+          <a:p>
+            <a:r>
+              <a:rPr lang="en-US" dirty="0" smtClean="0"/>
+              <a:t>IS NOT just DAO with CRUD</a:t>
+            </a:r>
+          </a:p>
+          <a:p>
+            <a:endParaRPr lang="en-US" dirty="0"/>
+          </a:p>
+        </p:txBody>
+      </p:sp>
+    </p:spTree>
+  </p:cSld>
+  <p:clrMapOvr>
+    <a:masterClrMapping/>
+  </p:clrMapOvr>
+</p:sld>
+</file>
+
+<file path=ppt/slides/slide31.xml><?xml version="1.0" encoding="utf-8"?>
+<p:sld xmlns:a="http://schemas.openxmlformats.org/drawingml/2006/main" xmlns:r="http://schemas.openxmlformats.org/officeDocument/2006/relationships" xmlns:p="http://schemas.openxmlformats.org/presentationml/2006/main">
+  <p:cSld>
+    <p:spTree>
+      <p:nvGrpSpPr>
+        <p:cNvPr id="1" name=""/>
+        <p:cNvGrpSpPr/>
+        <p:nvPr/>
+      </p:nvGrpSpPr>
+      <p:grpSpPr>
+        <a:xfrm>
+          <a:off x="0" y="0"/>
+          <a:ext cx="0" cy="0"/>
+          <a:chOff x="0" y="0"/>
+          <a:chExt cx="0" cy="0"/>
+        </a:xfrm>
+      </p:grpSpPr>
+      <p:sp>
+        <p:nvSpPr>
+          <p:cNvPr id="2" name="Title 1"/>
+          <p:cNvSpPr>
+            <a:spLocks noGrp="1"/>
+          </p:cNvSpPr>
+          <p:nvPr>
+            <p:ph type="title"/>
+          </p:nvPr>
+        </p:nvSpPr>
+        <p:spPr/>
+        <p:txBody>
+          <a:bodyPr/>
+          <a:lstStyle/>
+          <a:p>
+            <a:endParaRPr lang="en-US"/>
+          </a:p>
+        </p:txBody>
+      </p:sp>
+      <p:sp>
+        <p:nvSpPr>
+          <p:cNvPr id="3" name="Content Placeholder 2"/>
+          <p:cNvSpPr>
+            <a:spLocks noGrp="1"/>
+          </p:cNvSpPr>
+          <p:nvPr>
+            <p:ph idx="1"/>
+          </p:nvPr>
+        </p:nvSpPr>
+        <p:spPr/>
+        <p:txBody>
+          <a:bodyPr/>
+          <a:lstStyle/>
+          <a:p>
+            <a:endParaRPr lang="en-US"/>
+          </a:p>
+        </p:txBody>
+      </p:sp>
+    </p:spTree>
+  </p:cSld>
+  <p:clrMapOvr>
+    <a:masterClrMapping/>
+  </p:clrMapOvr>
 </p:sld>
 </file>
 
@@ -16633,11 +17994,7 @@
           <a:p>
             <a:r>
               <a:rPr lang="en-US" dirty="0" smtClean="0"/>
-              <a:t>Continuous collaboration and </a:t>
-            </a:r>
-            <a:r>
-              <a:rPr lang="en-US" dirty="0" smtClean="0"/>
-              <a:t>feedback</a:t>
+              <a:t>Continuous collaboration and feedback</a:t>
             </a:r>
           </a:p>
           <a:p>
@@ -16645,7 +18002,6 @@
               <a:rPr lang="en-US" dirty="0" smtClean="0"/>
               <a:t>Brings to front the “Core Domain Knowledge”</a:t>
             </a:r>
-            <a:endParaRPr lang="en-US" dirty="0" smtClean="0"/>
           </a:p>
           <a:p>
             <a:r>

--- a/Domain-DrivenDesign.A.Trosin.pptx
+++ b/Domain-DrivenDesign.A.Trosin.pptx
@@ -5598,11 +5598,7 @@
           <a:p>
             <a:r>
               <a:rPr lang="en-US" dirty="0" smtClean="0"/>
-              <a:t>Accidental complexity is complexity that arises in computer programs or their development process (computer programming) which is non-essential to the problem to be solved. While essential complexity is inherent and unavoidable, accidental complexity is caused by the approach chosen to solve the problem</a:t>
-            </a:r>
-            <a:r>
-              <a:rPr lang="en-US" dirty="0" smtClean="0"/>
-              <a:t>.</a:t>
+              <a:t>Accidental complexity is complexity that arises in computer programs or their development process (computer programming) which is non-essential to the problem to be solved. While essential complexity is inherent and unavoidable, accidental complexity is caused by the approach chosen to solve the problem.</a:t>
             </a:r>
           </a:p>
           <a:p>
@@ -17331,11 +17327,7 @@
           <a:p>
             <a:r>
               <a:rPr lang="en-US" dirty="0" smtClean="0"/>
-              <a:t>Low </a:t>
-            </a:r>
-            <a:r>
-              <a:rPr lang="en-US" dirty="0" smtClean="0"/>
-              <a:t>coupling and high cohesion</a:t>
+              <a:t>Low coupling and high cohesion</a:t>
             </a:r>
           </a:p>
           <a:p>
@@ -17419,22 +17411,27 @@
           <a:lstStyle/>
           <a:p>
             <a:r>
+              <a:rPr lang="en-US" smtClean="0"/>
+              <a:t>A cluster of associated objects that is treated as a </a:t>
+            </a:r>
+            <a:r>
+              <a:rPr lang="en-US" smtClean="0"/>
+              <a:t>conceptual </a:t>
+            </a:r>
+            <a:r>
+              <a:rPr lang="en-US" smtClean="0"/>
+              <a:t>whole</a:t>
+            </a:r>
+            <a:endParaRPr lang="en-US" smtClean="0"/>
+          </a:p>
+          <a:p>
+            <a:r>
               <a:rPr lang="en-US" dirty="0" smtClean="0"/>
-              <a:t>Define consistency boundaries</a:t>
-            </a:r>
-          </a:p>
-          <a:p>
+              <a:t>Define </a:t>
+            </a:r>
             <a:r>
               <a:rPr lang="en-US" dirty="0" smtClean="0"/>
-              <a:t>A cluster </a:t>
-            </a:r>
-            <a:r>
-              <a:rPr lang="en-US" dirty="0" smtClean="0"/>
-              <a:t>of associated </a:t>
-            </a:r>
-            <a:r>
-              <a:rPr lang="en-US" dirty="0" smtClean="0"/>
-              <a:t>objects that is treated as a conceptual whole</a:t>
+              <a:t>consistency boundaries</a:t>
             </a:r>
           </a:p>
           <a:p>
@@ -17444,11 +17441,7 @@
             </a:r>
             <a:r>
               <a:rPr lang="en-US" dirty="0" smtClean="0"/>
-              <a:t>unit for the purpose of data </a:t>
-            </a:r>
-            <a:r>
-              <a:rPr lang="en-US" dirty="0" smtClean="0"/>
-              <a:t>changes</a:t>
+              <a:t>unit for the purpose of data changes</a:t>
             </a:r>
           </a:p>
           <a:p>

--- a/Domain-DrivenDesign.A.Trosin.pptx
+++ b/Domain-DrivenDesign.A.Trosin.pptx
@@ -17411,18 +17411,14 @@
           <a:lstStyle/>
           <a:p>
             <a:r>
-              <a:rPr lang="en-US" smtClean="0"/>
-              <a:t>A cluster of associated objects that is treated as a </a:t>
-            </a:r>
-            <a:r>
-              <a:rPr lang="en-US" smtClean="0"/>
-              <a:t>conceptual </a:t>
-            </a:r>
-            <a:r>
-              <a:rPr lang="en-US" smtClean="0"/>
+              <a:rPr lang="en-US" dirty="0" smtClean="0"/>
+              <a:t>A cluster of associated objects that is treated as a conceptual </a:t>
+            </a:r>
+            <a:r>
+              <a:rPr lang="en-US" dirty="0" smtClean="0"/>
               <a:t>whole</a:t>
             </a:r>
-            <a:endParaRPr lang="en-US" smtClean="0"/>
+            <a:endParaRPr lang="en-US" dirty="0" smtClean="0"/>
           </a:p>
           <a:p>
             <a:r>

--- a/Domain-DrivenDesign.A.Trosin.pptx
+++ b/Domain-DrivenDesign.A.Trosin.pptx
@@ -5,7 +5,7 @@
     <p:sldMasterId id="2147483734" r:id="rId1"/>
   </p:sldMasterIdLst>
   <p:notesMasterIdLst>
-    <p:notesMasterId r:id="rId33"/>
+    <p:notesMasterId r:id="rId34"/>
   </p:notesMasterIdLst>
   <p:sldIdLst>
     <p:sldId id="256" r:id="rId2"/>
@@ -39,6 +39,7 @@
     <p:sldId id="289" r:id="rId30"/>
     <p:sldId id="290" r:id="rId31"/>
     <p:sldId id="291" r:id="rId32"/>
+    <p:sldId id="292" r:id="rId33"/>
   </p:sldIdLst>
   <p:sldSz cx="9144000" cy="6858000" type="screen4x3"/>
   <p:notesSz cx="6858000" cy="9144000"/>
@@ -223,7 +224,7 @@
             <a:fld id="{A4B025BB-2E79-40D8-8C4B-B985B2186BF8}" type="datetimeFigureOut">
               <a:rPr lang="en-US" smtClean="0"/>
               <a:pPr/>
-              <a:t>4/21/2009</a:t>
+              <a:t>4/23/2009</a:t>
             </a:fld>
             <a:endParaRPr lang="en-US" dirty="0"/>
           </a:p>
@@ -6430,7 +6431,7 @@
             <a:fld id="{692DA68B-07B5-4D40-903F-69FBB0125CEF}" type="datetimeFigureOut">
               <a:rPr lang="en-US" smtClean="0"/>
               <a:pPr/>
-              <a:t>4/21/2009</a:t>
+              <a:t>4/23/2009</a:t>
             </a:fld>
             <a:endParaRPr lang="en-US" dirty="0"/>
           </a:p>
@@ -6597,7 +6598,7 @@
             <a:fld id="{692DA68B-07B5-4D40-903F-69FBB0125CEF}" type="datetimeFigureOut">
               <a:rPr lang="en-US" smtClean="0"/>
               <a:pPr/>
-              <a:t>4/21/2009</a:t>
+              <a:t>4/23/2009</a:t>
             </a:fld>
             <a:endParaRPr lang="en-US" dirty="0"/>
           </a:p>
@@ -6774,7 +6775,7 @@
             <a:fld id="{692DA68B-07B5-4D40-903F-69FBB0125CEF}" type="datetimeFigureOut">
               <a:rPr lang="en-US" smtClean="0"/>
               <a:pPr/>
-              <a:t>4/21/2009</a:t>
+              <a:t>4/23/2009</a:t>
             </a:fld>
             <a:endParaRPr lang="en-US" dirty="0"/>
           </a:p>
@@ -6941,7 +6942,7 @@
             <a:fld id="{692DA68B-07B5-4D40-903F-69FBB0125CEF}" type="datetimeFigureOut">
               <a:rPr lang="en-US" smtClean="0"/>
               <a:pPr/>
-              <a:t>4/21/2009</a:t>
+              <a:t>4/23/2009</a:t>
             </a:fld>
             <a:endParaRPr lang="en-US" dirty="0"/>
           </a:p>
@@ -7184,7 +7185,7 @@
             <a:fld id="{692DA68B-07B5-4D40-903F-69FBB0125CEF}" type="datetimeFigureOut">
               <a:rPr lang="en-US" smtClean="0"/>
               <a:pPr/>
-              <a:t>4/21/2009</a:t>
+              <a:t>4/23/2009</a:t>
             </a:fld>
             <a:endParaRPr lang="en-US" dirty="0"/>
           </a:p>
@@ -7469,7 +7470,7 @@
             <a:fld id="{692DA68B-07B5-4D40-903F-69FBB0125CEF}" type="datetimeFigureOut">
               <a:rPr lang="en-US" smtClean="0"/>
               <a:pPr/>
-              <a:t>4/21/2009</a:t>
+              <a:t>4/23/2009</a:t>
             </a:fld>
             <a:endParaRPr lang="en-US" dirty="0"/>
           </a:p>
@@ -7888,7 +7889,7 @@
             <a:fld id="{692DA68B-07B5-4D40-903F-69FBB0125CEF}" type="datetimeFigureOut">
               <a:rPr lang="en-US" smtClean="0"/>
               <a:pPr/>
-              <a:t>4/21/2009</a:t>
+              <a:t>4/23/2009</a:t>
             </a:fld>
             <a:endParaRPr lang="en-US" dirty="0"/>
           </a:p>
@@ -8003,7 +8004,7 @@
             <a:fld id="{692DA68B-07B5-4D40-903F-69FBB0125CEF}" type="datetimeFigureOut">
               <a:rPr lang="en-US" smtClean="0"/>
               <a:pPr/>
-              <a:t>4/21/2009</a:t>
+              <a:t>4/23/2009</a:t>
             </a:fld>
             <a:endParaRPr lang="en-US" dirty="0"/>
           </a:p>
@@ -8095,7 +8096,7 @@
             <a:fld id="{692DA68B-07B5-4D40-903F-69FBB0125CEF}" type="datetimeFigureOut">
               <a:rPr lang="en-US" smtClean="0"/>
               <a:pPr/>
-              <a:t>4/21/2009</a:t>
+              <a:t>4/23/2009</a:t>
             </a:fld>
             <a:endParaRPr lang="en-US" dirty="0"/>
           </a:p>
@@ -8369,7 +8370,7 @@
             <a:fld id="{692DA68B-07B5-4D40-903F-69FBB0125CEF}" type="datetimeFigureOut">
               <a:rPr lang="en-US" smtClean="0"/>
               <a:pPr/>
-              <a:t>4/21/2009</a:t>
+              <a:t>4/23/2009</a:t>
             </a:fld>
             <a:endParaRPr lang="en-US" dirty="0"/>
           </a:p>
@@ -8619,7 +8620,7 @@
             <a:fld id="{692DA68B-07B5-4D40-903F-69FBB0125CEF}" type="datetimeFigureOut">
               <a:rPr lang="en-US" smtClean="0"/>
               <a:pPr/>
-              <a:t>4/21/2009</a:t>
+              <a:t>4/23/2009</a:t>
             </a:fld>
             <a:endParaRPr lang="en-US" dirty="0"/>
           </a:p>
@@ -8829,7 +8830,7 @@
             <a:fld id="{692DA68B-07B5-4D40-903F-69FBB0125CEF}" type="datetimeFigureOut">
               <a:rPr lang="en-US" smtClean="0"/>
               <a:pPr/>
-              <a:t>4/21/2009</a:t>
+              <a:t>4/23/2009</a:t>
             </a:fld>
             <a:endParaRPr lang="en-US" dirty="0"/>
           </a:p>
@@ -17332,14 +17333,18 @@
           </a:p>
           <a:p>
             <a:r>
+              <a:rPr lang="en-US" dirty="0" smtClean="0"/>
+              <a:t>Communications mechanism.</a:t>
+            </a:r>
+          </a:p>
+          <a:p>
+            <a:r>
+              <a:rPr lang="en-US" dirty="0" smtClean="0"/>
+              <a:t>Could be Administration, Invoicing, Reports</a:t>
+            </a:r>
+            <a:r>
               <a:rPr lang="en-US" i="1" dirty="0" smtClean="0"/>
-              <a:t>Communications mechanism.</a:t>
-            </a:r>
-          </a:p>
-          <a:p>
-            <a:r>
-              <a:rPr lang="en-US" i="1" dirty="0" smtClean="0"/>
-              <a:t>Could be Administration, Invoicing, Reports,… </a:t>
+              <a:t>,… </a:t>
             </a:r>
           </a:p>
           <a:p>
@@ -17412,32 +17417,19 @@
           <a:p>
             <a:r>
               <a:rPr lang="en-US" dirty="0" smtClean="0"/>
-              <a:t>A cluster of associated objects that is treated as a conceptual </a:t>
-            </a:r>
+              <a:t>A cluster of associated objects that is treated as a conceptual whole</a:t>
+            </a:r>
+          </a:p>
+          <a:p>
             <a:r>
               <a:rPr lang="en-US" dirty="0" smtClean="0"/>
-              <a:t>whole</a:t>
-            </a:r>
-            <a:endParaRPr lang="en-US" dirty="0" smtClean="0"/>
+              <a:t>Define consistency boundaries</a:t>
+            </a:r>
           </a:p>
           <a:p>
             <a:r>
               <a:rPr lang="en-US" dirty="0" smtClean="0"/>
-              <a:t>Define </a:t>
-            </a:r>
-            <a:r>
-              <a:rPr lang="en-US" dirty="0" smtClean="0"/>
-              <a:t>consistency boundaries</a:t>
-            </a:r>
-          </a:p>
-          <a:p>
-            <a:r>
-              <a:rPr lang="en-US" dirty="0" smtClean="0"/>
-              <a:t>A </a:t>
-            </a:r>
-            <a:r>
-              <a:rPr lang="en-US" dirty="0" smtClean="0"/>
-              <a:t>unit for the purpose of data changes</a:t>
+              <a:t>A unit for the purpose of data changes</a:t>
             </a:r>
           </a:p>
           <a:p>
@@ -17777,6 +17769,59 @@
             <p:ph type="title"/>
           </p:nvPr>
         </p:nvSpPr>
+        <p:spPr>
+          <a:xfrm>
+            <a:off x="457200" y="2362200"/>
+            <a:ext cx="8229600" cy="1143000"/>
+          </a:xfrm>
+        </p:spPr>
+        <p:txBody>
+          <a:bodyPr/>
+          <a:lstStyle/>
+          <a:p>
+            <a:r>
+              <a:rPr lang="en-US" dirty="0" smtClean="0"/>
+              <a:t>Cargo Sample</a:t>
+            </a:r>
+            <a:endParaRPr lang="en-US" dirty="0"/>
+          </a:p>
+        </p:txBody>
+      </p:sp>
+    </p:spTree>
+  </p:cSld>
+  <p:clrMapOvr>
+    <a:masterClrMapping/>
+  </p:clrMapOvr>
+</p:sld>
+</file>
+
+<file path=ppt/slides/slide32.xml><?xml version="1.0" encoding="utf-8"?>
+<p:sld xmlns:a="http://schemas.openxmlformats.org/drawingml/2006/main" xmlns:r="http://schemas.openxmlformats.org/officeDocument/2006/relationships" xmlns:p="http://schemas.openxmlformats.org/presentationml/2006/main">
+  <p:cSld>
+    <p:spTree>
+      <p:nvGrpSpPr>
+        <p:cNvPr id="1" name=""/>
+        <p:cNvGrpSpPr/>
+        <p:nvPr/>
+      </p:nvGrpSpPr>
+      <p:grpSpPr>
+        <a:xfrm>
+          <a:off x="0" y="0"/>
+          <a:ext cx="0" cy="0"/>
+          <a:chOff x="0" y="0"/>
+          <a:chExt cx="0" cy="0"/>
+        </a:xfrm>
+      </p:grpSpPr>
+      <p:sp>
+        <p:nvSpPr>
+          <p:cNvPr id="2" name="Заголовок 1"/>
+          <p:cNvSpPr>
+            <a:spLocks noGrp="1"/>
+          </p:cNvSpPr>
+          <p:nvPr>
+            <p:ph type="title"/>
+          </p:nvPr>
+        </p:nvSpPr>
         <p:spPr/>
         <p:txBody>
           <a:bodyPr/>
@@ -17788,7 +17833,7 @@
       </p:sp>
       <p:sp>
         <p:nvSpPr>
-          <p:cNvPr id="3" name="Content Placeholder 2"/>
+          <p:cNvPr id="3" name="Содержимое 2"/>
           <p:cNvSpPr>
             <a:spLocks noGrp="1"/>
           </p:cNvSpPr>

--- a/Domain-DrivenDesign.A.Trosin.pptx
+++ b/Domain-DrivenDesign.A.Trosin.pptx
@@ -5,7 +5,7 @@
     <p:sldMasterId id="2147483734" r:id="rId1"/>
   </p:sldMasterIdLst>
   <p:notesMasterIdLst>
-    <p:notesMasterId r:id="rId34"/>
+    <p:notesMasterId r:id="rId39"/>
   </p:notesMasterIdLst>
   <p:sldIdLst>
     <p:sldId id="256" r:id="rId2"/>
@@ -40,6 +40,11 @@
     <p:sldId id="290" r:id="rId31"/>
     <p:sldId id="291" r:id="rId32"/>
     <p:sldId id="292" r:id="rId33"/>
+    <p:sldId id="293" r:id="rId34"/>
+    <p:sldId id="294" r:id="rId35"/>
+    <p:sldId id="295" r:id="rId36"/>
+    <p:sldId id="296" r:id="rId37"/>
+    <p:sldId id="297" r:id="rId38"/>
   </p:sldIdLst>
   <p:sldSz cx="9144000" cy="6858000" type="screen4x3"/>
   <p:notesSz cx="6858000" cy="9144000"/>
@@ -141,6 +146,6521 @@
 </p:presentation>
 </file>
 
+<file path=ppt/diagrams/colors1.xml><?xml version="1.0" encoding="utf-8"?>
+<dgm:colorsDef xmlns:dgm="http://schemas.openxmlformats.org/drawingml/2006/diagram" xmlns:a="http://schemas.openxmlformats.org/drawingml/2006/main" uniqueId="urn:microsoft.com/office/officeart/2005/8/colors/accent1_2">
+  <dgm:title val=""/>
+  <dgm:desc val=""/>
+  <dgm:catLst>
+    <dgm:cat type="accent1" pri="11200"/>
+  </dgm:catLst>
+  <dgm:styleLbl name="node0">
+    <dgm:fillClrLst meth="repeat">
+      <a:schemeClr val="accent1"/>
+    </dgm:fillClrLst>
+    <dgm:linClrLst meth="repeat">
+      <a:schemeClr val="lt1"/>
+    </dgm:linClrLst>
+    <dgm:effectClrLst/>
+    <dgm:txLinClrLst/>
+    <dgm:txFillClrLst/>
+    <dgm:txEffectClrLst/>
+  </dgm:styleLbl>
+  <dgm:styleLbl name="alignNode1">
+    <dgm:fillClrLst meth="repeat">
+      <a:schemeClr val="accent1"/>
+    </dgm:fillClrLst>
+    <dgm:linClrLst meth="repeat">
+      <a:schemeClr val="accent1"/>
+    </dgm:linClrLst>
+    <dgm:effectClrLst/>
+    <dgm:txLinClrLst/>
+    <dgm:txFillClrLst/>
+    <dgm:txEffectClrLst/>
+  </dgm:styleLbl>
+  <dgm:styleLbl name="node1">
+    <dgm:fillClrLst meth="repeat">
+      <a:schemeClr val="accent1"/>
+    </dgm:fillClrLst>
+    <dgm:linClrLst meth="repeat">
+      <a:schemeClr val="lt1"/>
+    </dgm:linClrLst>
+    <dgm:effectClrLst/>
+    <dgm:txLinClrLst/>
+    <dgm:txFillClrLst/>
+    <dgm:txEffectClrLst/>
+  </dgm:styleLbl>
+  <dgm:styleLbl name="lnNode1">
+    <dgm:fillClrLst meth="repeat">
+      <a:schemeClr val="accent1"/>
+    </dgm:fillClrLst>
+    <dgm:linClrLst meth="repeat">
+      <a:schemeClr val="lt1"/>
+    </dgm:linClrLst>
+    <dgm:effectClrLst/>
+    <dgm:txLinClrLst/>
+    <dgm:txFillClrLst/>
+    <dgm:txEffectClrLst/>
+  </dgm:styleLbl>
+  <dgm:styleLbl name="vennNode1">
+    <dgm:fillClrLst meth="repeat">
+      <a:schemeClr val="accent1">
+        <a:alpha val="50000"/>
+      </a:schemeClr>
+    </dgm:fillClrLst>
+    <dgm:linClrLst meth="repeat">
+      <a:schemeClr val="lt1"/>
+    </dgm:linClrLst>
+    <dgm:effectClrLst/>
+    <dgm:txLinClrLst/>
+    <dgm:txFillClrLst/>
+    <dgm:txEffectClrLst/>
+  </dgm:styleLbl>
+  <dgm:styleLbl name="node2">
+    <dgm:fillClrLst meth="repeat">
+      <a:schemeClr val="accent1"/>
+    </dgm:fillClrLst>
+    <dgm:linClrLst meth="repeat">
+      <a:schemeClr val="lt1"/>
+    </dgm:linClrLst>
+    <dgm:effectClrLst/>
+    <dgm:txLinClrLst/>
+    <dgm:txFillClrLst/>
+    <dgm:txEffectClrLst/>
+  </dgm:styleLbl>
+  <dgm:styleLbl name="node3">
+    <dgm:fillClrLst meth="repeat">
+      <a:schemeClr val="accent1"/>
+    </dgm:fillClrLst>
+    <dgm:linClrLst meth="repeat">
+      <a:schemeClr val="lt1"/>
+    </dgm:linClrLst>
+    <dgm:effectClrLst/>
+    <dgm:txLinClrLst/>
+    <dgm:txFillClrLst/>
+    <dgm:txEffectClrLst/>
+  </dgm:styleLbl>
+  <dgm:styleLbl name="node4">
+    <dgm:fillClrLst meth="repeat">
+      <a:schemeClr val="accent1"/>
+    </dgm:fillClrLst>
+    <dgm:linClrLst meth="repeat">
+      <a:schemeClr val="lt1"/>
+    </dgm:linClrLst>
+    <dgm:effectClrLst/>
+    <dgm:txLinClrLst/>
+    <dgm:txFillClrLst/>
+    <dgm:txEffectClrLst/>
+  </dgm:styleLbl>
+  <dgm:styleLbl name="fgImgPlace1">
+    <dgm:fillClrLst meth="repeat">
+      <a:schemeClr val="accent1">
+        <a:tint val="50000"/>
+      </a:schemeClr>
+    </dgm:fillClrLst>
+    <dgm:linClrLst meth="repeat">
+      <a:schemeClr val="lt1"/>
+    </dgm:linClrLst>
+    <dgm:effectClrLst/>
+    <dgm:txLinClrLst/>
+    <dgm:txFillClrLst meth="repeat">
+      <a:schemeClr val="lt1"/>
+    </dgm:txFillClrLst>
+    <dgm:txEffectClrLst/>
+  </dgm:styleLbl>
+  <dgm:styleLbl name="alignImgPlace1">
+    <dgm:fillClrLst meth="repeat">
+      <a:schemeClr val="accent1">
+        <a:tint val="50000"/>
+      </a:schemeClr>
+    </dgm:fillClrLst>
+    <dgm:linClrLst meth="repeat">
+      <a:schemeClr val="lt1"/>
+    </dgm:linClrLst>
+    <dgm:effectClrLst/>
+    <dgm:txLinClrLst/>
+    <dgm:txFillClrLst meth="repeat">
+      <a:schemeClr val="lt1"/>
+    </dgm:txFillClrLst>
+    <dgm:txEffectClrLst/>
+  </dgm:styleLbl>
+  <dgm:styleLbl name="bgImgPlace1">
+    <dgm:fillClrLst meth="repeat">
+      <a:schemeClr val="accent1">
+        <a:tint val="50000"/>
+      </a:schemeClr>
+    </dgm:fillClrLst>
+    <dgm:linClrLst meth="repeat">
+      <a:schemeClr val="lt1"/>
+    </dgm:linClrLst>
+    <dgm:effectClrLst/>
+    <dgm:txLinClrLst/>
+    <dgm:txFillClrLst meth="repeat">
+      <a:schemeClr val="lt1"/>
+    </dgm:txFillClrLst>
+    <dgm:txEffectClrLst/>
+  </dgm:styleLbl>
+  <dgm:styleLbl name="sibTrans2D1">
+    <dgm:fillClrLst meth="repeat">
+      <a:schemeClr val="accent1">
+        <a:tint val="60000"/>
+      </a:schemeClr>
+    </dgm:fillClrLst>
+    <dgm:linClrLst meth="repeat">
+      <a:schemeClr val="accent1">
+        <a:tint val="60000"/>
+      </a:schemeClr>
+    </dgm:linClrLst>
+    <dgm:effectClrLst/>
+    <dgm:txLinClrLst/>
+    <dgm:txFillClrLst/>
+    <dgm:txEffectClrLst/>
+  </dgm:styleLbl>
+  <dgm:styleLbl name="fgSibTrans2D1">
+    <dgm:fillClrLst meth="repeat">
+      <a:schemeClr val="accent1">
+        <a:tint val="60000"/>
+      </a:schemeClr>
+    </dgm:fillClrLst>
+    <dgm:linClrLst meth="repeat">
+      <a:schemeClr val="accent1">
+        <a:tint val="60000"/>
+      </a:schemeClr>
+    </dgm:linClrLst>
+    <dgm:effectClrLst/>
+    <dgm:txLinClrLst/>
+    <dgm:txFillClrLst/>
+    <dgm:txEffectClrLst/>
+  </dgm:styleLbl>
+  <dgm:styleLbl name="bgSibTrans2D1">
+    <dgm:fillClrLst meth="repeat">
+      <a:schemeClr val="accent1">
+        <a:tint val="60000"/>
+      </a:schemeClr>
+    </dgm:fillClrLst>
+    <dgm:linClrLst meth="repeat">
+      <a:schemeClr val="accent1">
+        <a:tint val="60000"/>
+      </a:schemeClr>
+    </dgm:linClrLst>
+    <dgm:effectClrLst/>
+    <dgm:txLinClrLst/>
+    <dgm:txFillClrLst/>
+    <dgm:txEffectClrLst/>
+  </dgm:styleLbl>
+  <dgm:styleLbl name="sibTrans1D1">
+    <dgm:fillClrLst meth="repeat">
+      <a:schemeClr val="accent1"/>
+    </dgm:fillClrLst>
+    <dgm:linClrLst meth="repeat">
+      <a:schemeClr val="accent1"/>
+    </dgm:linClrLst>
+    <dgm:effectClrLst/>
+    <dgm:txLinClrLst/>
+    <dgm:txFillClrLst meth="repeat">
+      <a:schemeClr val="tx1"/>
+    </dgm:txFillClrLst>
+    <dgm:txEffectClrLst/>
+  </dgm:styleLbl>
+  <dgm:styleLbl name="callout">
+    <dgm:fillClrLst meth="repeat">
+      <a:schemeClr val="accent1"/>
+    </dgm:fillClrLst>
+    <dgm:linClrLst meth="repeat">
+      <a:schemeClr val="accent1">
+        <a:tint val="50000"/>
+      </a:schemeClr>
+    </dgm:linClrLst>
+    <dgm:effectClrLst/>
+    <dgm:txLinClrLst/>
+    <dgm:txFillClrLst meth="repeat">
+      <a:schemeClr val="tx1"/>
+    </dgm:txFillClrLst>
+    <dgm:txEffectClrLst/>
+  </dgm:styleLbl>
+  <dgm:styleLbl name="asst0">
+    <dgm:fillClrLst meth="repeat">
+      <a:schemeClr val="accent1"/>
+    </dgm:fillClrLst>
+    <dgm:linClrLst meth="repeat">
+      <a:schemeClr val="lt1"/>
+    </dgm:linClrLst>
+    <dgm:effectClrLst/>
+    <dgm:txLinClrLst/>
+    <dgm:txFillClrLst/>
+    <dgm:txEffectClrLst/>
+  </dgm:styleLbl>
+  <dgm:styleLbl name="asst1">
+    <dgm:fillClrLst meth="repeat">
+      <a:schemeClr val="accent1"/>
+    </dgm:fillClrLst>
+    <dgm:linClrLst meth="repeat">
+      <a:schemeClr val="lt1"/>
+    </dgm:linClrLst>
+    <dgm:effectClrLst/>
+    <dgm:txLinClrLst/>
+    <dgm:txFillClrLst/>
+    <dgm:txEffectClrLst/>
+  </dgm:styleLbl>
+  <dgm:styleLbl name="asst2">
+    <dgm:fillClrLst meth="repeat">
+      <a:schemeClr val="accent1"/>
+    </dgm:fillClrLst>
+    <dgm:linClrLst meth="repeat">
+      <a:schemeClr val="lt1"/>
+    </dgm:linClrLst>
+    <dgm:effectClrLst/>
+    <dgm:txLinClrLst/>
+    <dgm:txFillClrLst/>
+    <dgm:txEffectClrLst/>
+  </dgm:styleLbl>
+  <dgm:styleLbl name="asst3">
+    <dgm:fillClrLst meth="repeat">
+      <a:schemeClr val="accent1"/>
+    </dgm:fillClrLst>
+    <dgm:linClrLst meth="repeat">
+      <a:schemeClr val="lt1"/>
+    </dgm:linClrLst>
+    <dgm:effectClrLst/>
+    <dgm:txLinClrLst/>
+    <dgm:txFillClrLst/>
+    <dgm:txEffectClrLst/>
+  </dgm:styleLbl>
+  <dgm:styleLbl name="asst4">
+    <dgm:fillClrLst meth="repeat">
+      <a:schemeClr val="accent1"/>
+    </dgm:fillClrLst>
+    <dgm:linClrLst meth="repeat">
+      <a:schemeClr val="lt1"/>
+    </dgm:linClrLst>
+    <dgm:effectClrLst/>
+    <dgm:txLinClrLst/>
+    <dgm:txFillClrLst/>
+    <dgm:txEffectClrLst/>
+  </dgm:styleLbl>
+  <dgm:styleLbl name="parChTrans2D1">
+    <dgm:fillClrLst meth="repeat">
+      <a:schemeClr val="accent1">
+        <a:tint val="60000"/>
+      </a:schemeClr>
+    </dgm:fillClrLst>
+    <dgm:linClrLst meth="repeat">
+      <a:schemeClr val="accent1">
+        <a:tint val="60000"/>
+      </a:schemeClr>
+    </dgm:linClrLst>
+    <dgm:effectClrLst/>
+    <dgm:txLinClrLst/>
+    <dgm:txFillClrLst meth="repeat">
+      <a:schemeClr val="lt1"/>
+    </dgm:txFillClrLst>
+    <dgm:txEffectClrLst/>
+  </dgm:styleLbl>
+  <dgm:styleLbl name="parChTrans2D2">
+    <dgm:fillClrLst meth="repeat">
+      <a:schemeClr val="accent1"/>
+    </dgm:fillClrLst>
+    <dgm:linClrLst meth="repeat">
+      <a:schemeClr val="accent1"/>
+    </dgm:linClrLst>
+    <dgm:effectClrLst/>
+    <dgm:txLinClrLst/>
+    <dgm:txFillClrLst meth="repeat">
+      <a:schemeClr val="lt1"/>
+    </dgm:txFillClrLst>
+    <dgm:txEffectClrLst/>
+  </dgm:styleLbl>
+  <dgm:styleLbl name="parChTrans2D3">
+    <dgm:fillClrLst meth="repeat">
+      <a:schemeClr val="accent1"/>
+    </dgm:fillClrLst>
+    <dgm:linClrLst meth="repeat">
+      <a:schemeClr val="accent1"/>
+    </dgm:linClrLst>
+    <dgm:effectClrLst/>
+    <dgm:txLinClrLst/>
+    <dgm:txFillClrLst meth="repeat">
+      <a:schemeClr val="lt1"/>
+    </dgm:txFillClrLst>
+    <dgm:txEffectClrLst/>
+  </dgm:styleLbl>
+  <dgm:styleLbl name="parChTrans2D4">
+    <dgm:fillClrLst meth="repeat">
+      <a:schemeClr val="accent1"/>
+    </dgm:fillClrLst>
+    <dgm:linClrLst meth="repeat">
+      <a:schemeClr val="accent1"/>
+    </dgm:linClrLst>
+    <dgm:effectClrLst/>
+    <dgm:txLinClrLst/>
+    <dgm:txFillClrLst meth="repeat">
+      <a:schemeClr val="lt1"/>
+    </dgm:txFillClrLst>
+    <dgm:txEffectClrLst/>
+  </dgm:styleLbl>
+  <dgm:styleLbl name="parChTrans1D1">
+    <dgm:fillClrLst meth="repeat">
+      <a:schemeClr val="accent1"/>
+    </dgm:fillClrLst>
+    <dgm:linClrLst meth="repeat">
+      <a:schemeClr val="accent1">
+        <a:shade val="60000"/>
+      </a:schemeClr>
+    </dgm:linClrLst>
+    <dgm:effectClrLst/>
+    <dgm:txLinClrLst/>
+    <dgm:txFillClrLst meth="repeat">
+      <a:schemeClr val="tx1"/>
+    </dgm:txFillClrLst>
+    <dgm:txEffectClrLst/>
+  </dgm:styleLbl>
+  <dgm:styleLbl name="parChTrans1D2">
+    <dgm:fillClrLst meth="repeat">
+      <a:schemeClr val="accent1"/>
+    </dgm:fillClrLst>
+    <dgm:linClrLst meth="repeat">
+      <a:schemeClr val="accent1">
+        <a:shade val="60000"/>
+      </a:schemeClr>
+    </dgm:linClrLst>
+    <dgm:effectClrLst/>
+    <dgm:txLinClrLst/>
+    <dgm:txFillClrLst meth="repeat">
+      <a:schemeClr val="tx1"/>
+    </dgm:txFillClrLst>
+    <dgm:txEffectClrLst/>
+  </dgm:styleLbl>
+  <dgm:styleLbl name="parChTrans1D3">
+    <dgm:fillClrLst meth="repeat">
+      <a:schemeClr val="accent1"/>
+    </dgm:fillClrLst>
+    <dgm:linClrLst meth="repeat">
+      <a:schemeClr val="accent1">
+        <a:shade val="80000"/>
+      </a:schemeClr>
+    </dgm:linClrLst>
+    <dgm:effectClrLst/>
+    <dgm:txLinClrLst/>
+    <dgm:txFillClrLst meth="repeat">
+      <a:schemeClr val="tx1"/>
+    </dgm:txFillClrLst>
+    <dgm:txEffectClrLst/>
+  </dgm:styleLbl>
+  <dgm:styleLbl name="parChTrans1D4">
+    <dgm:fillClrLst meth="repeat">
+      <a:schemeClr val="accent1"/>
+    </dgm:fillClrLst>
+    <dgm:linClrLst meth="repeat">
+      <a:schemeClr val="accent1">
+        <a:shade val="80000"/>
+      </a:schemeClr>
+    </dgm:linClrLst>
+    <dgm:effectClrLst/>
+    <dgm:txLinClrLst/>
+    <dgm:txFillClrLst meth="repeat">
+      <a:schemeClr val="tx1"/>
+    </dgm:txFillClrLst>
+    <dgm:txEffectClrLst/>
+  </dgm:styleLbl>
+  <dgm:styleLbl name="fgAcc1">
+    <dgm:fillClrLst meth="repeat">
+      <a:schemeClr val="lt1">
+        <a:alpha val="90000"/>
+      </a:schemeClr>
+    </dgm:fillClrLst>
+    <dgm:linClrLst meth="repeat">
+      <a:schemeClr val="accent1"/>
+    </dgm:linClrLst>
+    <dgm:effectClrLst/>
+    <dgm:txLinClrLst/>
+    <dgm:txFillClrLst meth="repeat">
+      <a:schemeClr val="dk1"/>
+    </dgm:txFillClrLst>
+    <dgm:txEffectClrLst/>
+  </dgm:styleLbl>
+  <dgm:styleLbl name="conFgAcc1">
+    <dgm:fillClrLst meth="repeat">
+      <a:schemeClr val="lt1">
+        <a:alpha val="90000"/>
+      </a:schemeClr>
+    </dgm:fillClrLst>
+    <dgm:linClrLst meth="repeat">
+      <a:schemeClr val="accent1"/>
+    </dgm:linClrLst>
+    <dgm:effectClrLst/>
+    <dgm:txLinClrLst/>
+    <dgm:txFillClrLst meth="repeat">
+      <a:schemeClr val="dk1"/>
+    </dgm:txFillClrLst>
+    <dgm:txEffectClrLst/>
+  </dgm:styleLbl>
+  <dgm:styleLbl name="alignAcc1">
+    <dgm:fillClrLst meth="repeat">
+      <a:schemeClr val="lt1">
+        <a:alpha val="90000"/>
+      </a:schemeClr>
+    </dgm:fillClrLst>
+    <dgm:linClrLst meth="repeat">
+      <a:schemeClr val="accent1"/>
+    </dgm:linClrLst>
+    <dgm:effectClrLst/>
+    <dgm:txLinClrLst/>
+    <dgm:txFillClrLst meth="repeat">
+      <a:schemeClr val="dk1"/>
+    </dgm:txFillClrLst>
+    <dgm:txEffectClrLst/>
+  </dgm:styleLbl>
+  <dgm:styleLbl name="trAlignAcc1">
+    <dgm:fillClrLst meth="repeat">
+      <a:schemeClr val="lt1">
+        <a:alpha val="40000"/>
+      </a:schemeClr>
+    </dgm:fillClrLst>
+    <dgm:linClrLst meth="repeat">
+      <a:schemeClr val="accent1"/>
+    </dgm:linClrLst>
+    <dgm:effectClrLst/>
+    <dgm:txLinClrLst/>
+    <dgm:txFillClrLst meth="repeat">
+      <a:schemeClr val="dk1"/>
+    </dgm:txFillClrLst>
+    <dgm:txEffectClrLst/>
+  </dgm:styleLbl>
+  <dgm:styleLbl name="bgAcc1">
+    <dgm:fillClrLst meth="repeat">
+      <a:schemeClr val="lt1">
+        <a:alpha val="90000"/>
+      </a:schemeClr>
+    </dgm:fillClrLst>
+    <dgm:linClrLst meth="repeat">
+      <a:schemeClr val="accent1"/>
+    </dgm:linClrLst>
+    <dgm:effectClrLst/>
+    <dgm:txLinClrLst/>
+    <dgm:txFillClrLst meth="repeat">
+      <a:schemeClr val="dk1"/>
+    </dgm:txFillClrLst>
+    <dgm:txEffectClrLst/>
+  </dgm:styleLbl>
+  <dgm:styleLbl name="solidFgAcc1">
+    <dgm:fillClrLst meth="repeat">
+      <a:schemeClr val="lt1"/>
+    </dgm:fillClrLst>
+    <dgm:linClrLst meth="repeat">
+      <a:schemeClr val="accent1"/>
+    </dgm:linClrLst>
+    <dgm:effectClrLst/>
+    <dgm:txLinClrLst/>
+    <dgm:txFillClrLst meth="repeat">
+      <a:schemeClr val="dk1"/>
+    </dgm:txFillClrLst>
+    <dgm:txEffectClrLst/>
+  </dgm:styleLbl>
+  <dgm:styleLbl name="solidAlignAcc1">
+    <dgm:fillClrLst meth="repeat">
+      <a:schemeClr val="lt1"/>
+    </dgm:fillClrLst>
+    <dgm:linClrLst meth="repeat">
+      <a:schemeClr val="accent1"/>
+    </dgm:linClrLst>
+    <dgm:effectClrLst/>
+    <dgm:txLinClrLst/>
+    <dgm:txFillClrLst meth="repeat">
+      <a:schemeClr val="dk1"/>
+    </dgm:txFillClrLst>
+    <dgm:txEffectClrLst/>
+  </dgm:styleLbl>
+  <dgm:styleLbl name="solidBgAcc1">
+    <dgm:fillClrLst meth="repeat">
+      <a:schemeClr val="lt1"/>
+    </dgm:fillClrLst>
+    <dgm:linClrLst meth="repeat">
+      <a:schemeClr val="accent1"/>
+    </dgm:linClrLst>
+    <dgm:effectClrLst/>
+    <dgm:txLinClrLst/>
+    <dgm:txFillClrLst meth="repeat">
+      <a:schemeClr val="dk1"/>
+    </dgm:txFillClrLst>
+    <dgm:txEffectClrLst/>
+  </dgm:styleLbl>
+  <dgm:styleLbl name="fgAccFollowNode1">
+    <dgm:fillClrLst meth="repeat">
+      <a:schemeClr val="accent1">
+        <a:alpha val="90000"/>
+        <a:tint val="40000"/>
+      </a:schemeClr>
+    </dgm:fillClrLst>
+    <dgm:linClrLst meth="repeat">
+      <a:schemeClr val="accent1">
+        <a:alpha val="90000"/>
+        <a:tint val="40000"/>
+      </a:schemeClr>
+    </dgm:linClrLst>
+    <dgm:effectClrLst/>
+    <dgm:txLinClrLst/>
+    <dgm:txFillClrLst meth="repeat">
+      <a:schemeClr val="dk1"/>
+    </dgm:txFillClrLst>
+    <dgm:txEffectClrLst/>
+  </dgm:styleLbl>
+  <dgm:styleLbl name="alignAccFollowNode1">
+    <dgm:fillClrLst meth="repeat">
+      <a:schemeClr val="accent1">
+        <a:alpha val="90000"/>
+        <a:tint val="40000"/>
+      </a:schemeClr>
+    </dgm:fillClrLst>
+    <dgm:linClrLst meth="repeat">
+      <a:schemeClr val="accent1">
+        <a:alpha val="90000"/>
+        <a:tint val="40000"/>
+      </a:schemeClr>
+    </dgm:linClrLst>
+    <dgm:effectClrLst/>
+    <dgm:txLinClrLst/>
+    <dgm:txFillClrLst meth="repeat">
+      <a:schemeClr val="dk1"/>
+    </dgm:txFillClrLst>
+    <dgm:txEffectClrLst/>
+  </dgm:styleLbl>
+  <dgm:styleLbl name="bgAccFollowNode1">
+    <dgm:fillClrLst meth="repeat">
+      <a:schemeClr val="accent1">
+        <a:alpha val="90000"/>
+        <a:tint val="40000"/>
+      </a:schemeClr>
+    </dgm:fillClrLst>
+    <dgm:linClrLst meth="repeat">
+      <a:schemeClr val="accent1">
+        <a:alpha val="90000"/>
+        <a:tint val="40000"/>
+      </a:schemeClr>
+    </dgm:linClrLst>
+    <dgm:effectClrLst/>
+    <dgm:txLinClrLst/>
+    <dgm:txFillClrLst meth="repeat">
+      <a:schemeClr val="dk1"/>
+    </dgm:txFillClrLst>
+    <dgm:txEffectClrLst/>
+  </dgm:styleLbl>
+  <dgm:styleLbl name="fgAcc0">
+    <dgm:fillClrLst meth="repeat">
+      <a:schemeClr val="lt1">
+        <a:alpha val="90000"/>
+      </a:schemeClr>
+    </dgm:fillClrLst>
+    <dgm:linClrLst meth="repeat">
+      <a:schemeClr val="accent1"/>
+    </dgm:linClrLst>
+    <dgm:effectClrLst/>
+    <dgm:txLinClrLst/>
+    <dgm:txFillClrLst meth="repeat">
+      <a:schemeClr val="dk1"/>
+    </dgm:txFillClrLst>
+    <dgm:txEffectClrLst/>
+  </dgm:styleLbl>
+  <dgm:styleLbl name="fgAcc2">
+    <dgm:fillClrLst meth="repeat">
+      <a:schemeClr val="lt1">
+        <a:alpha val="90000"/>
+      </a:schemeClr>
+    </dgm:fillClrLst>
+    <dgm:linClrLst meth="repeat">
+      <a:schemeClr val="accent1"/>
+    </dgm:linClrLst>
+    <dgm:effectClrLst/>
+    <dgm:txLinClrLst/>
+    <dgm:txFillClrLst meth="repeat">
+      <a:schemeClr val="dk1"/>
+    </dgm:txFillClrLst>
+    <dgm:txEffectClrLst/>
+  </dgm:styleLbl>
+  <dgm:styleLbl name="fgAcc3">
+    <dgm:fillClrLst meth="repeat">
+      <a:schemeClr val="lt1">
+        <a:alpha val="90000"/>
+      </a:schemeClr>
+    </dgm:fillClrLst>
+    <dgm:linClrLst meth="repeat">
+      <a:schemeClr val="accent1"/>
+    </dgm:linClrLst>
+    <dgm:effectClrLst/>
+    <dgm:txLinClrLst/>
+    <dgm:txFillClrLst meth="repeat">
+      <a:schemeClr val="dk1"/>
+    </dgm:txFillClrLst>
+    <dgm:txEffectClrLst/>
+  </dgm:styleLbl>
+  <dgm:styleLbl name="fgAcc4">
+    <dgm:fillClrLst meth="repeat">
+      <a:schemeClr val="lt1">
+        <a:alpha val="90000"/>
+      </a:schemeClr>
+    </dgm:fillClrLst>
+    <dgm:linClrLst meth="repeat">
+      <a:schemeClr val="accent1"/>
+    </dgm:linClrLst>
+    <dgm:effectClrLst/>
+    <dgm:txLinClrLst/>
+    <dgm:txFillClrLst meth="repeat">
+      <a:schemeClr val="dk1"/>
+    </dgm:txFillClrLst>
+    <dgm:txEffectClrLst/>
+  </dgm:styleLbl>
+  <dgm:styleLbl name="bgShp">
+    <dgm:fillClrLst meth="repeat">
+      <a:schemeClr val="accent1">
+        <a:tint val="40000"/>
+      </a:schemeClr>
+    </dgm:fillClrLst>
+    <dgm:linClrLst meth="repeat">
+      <a:schemeClr val="accent1"/>
+    </dgm:linClrLst>
+    <dgm:effectClrLst/>
+    <dgm:txLinClrLst/>
+    <dgm:txFillClrLst meth="repeat">
+      <a:schemeClr val="dk1"/>
+    </dgm:txFillClrLst>
+    <dgm:txEffectClrLst/>
+  </dgm:styleLbl>
+  <dgm:styleLbl name="dkBgShp">
+    <dgm:fillClrLst meth="repeat">
+      <a:schemeClr val="accent1">
+        <a:shade val="80000"/>
+      </a:schemeClr>
+    </dgm:fillClrLst>
+    <dgm:linClrLst meth="repeat">
+      <a:schemeClr val="accent1"/>
+    </dgm:linClrLst>
+    <dgm:effectClrLst/>
+    <dgm:txLinClrLst/>
+    <dgm:txFillClrLst meth="repeat">
+      <a:schemeClr val="lt1"/>
+    </dgm:txFillClrLst>
+    <dgm:txEffectClrLst/>
+  </dgm:styleLbl>
+  <dgm:styleLbl name="trBgShp">
+    <dgm:fillClrLst meth="repeat">
+      <a:schemeClr val="accent1">
+        <a:tint val="50000"/>
+        <a:alpha val="40000"/>
+      </a:schemeClr>
+    </dgm:fillClrLst>
+    <dgm:linClrLst meth="repeat">
+      <a:schemeClr val="accent1"/>
+    </dgm:linClrLst>
+    <dgm:effectClrLst/>
+    <dgm:txLinClrLst/>
+    <dgm:txFillClrLst meth="repeat">
+      <a:schemeClr val="lt1"/>
+    </dgm:txFillClrLst>
+    <dgm:txEffectClrLst/>
+  </dgm:styleLbl>
+  <dgm:styleLbl name="fgShp">
+    <dgm:fillClrLst meth="repeat">
+      <a:schemeClr val="accent1">
+        <a:tint val="60000"/>
+      </a:schemeClr>
+    </dgm:fillClrLst>
+    <dgm:linClrLst meth="repeat">
+      <a:schemeClr val="lt1"/>
+    </dgm:linClrLst>
+    <dgm:effectClrLst/>
+    <dgm:txLinClrLst/>
+    <dgm:txFillClrLst meth="repeat">
+      <a:schemeClr val="dk1"/>
+    </dgm:txFillClrLst>
+    <dgm:txEffectClrLst/>
+  </dgm:styleLbl>
+  <dgm:styleLbl name="revTx">
+    <dgm:fillClrLst meth="repeat">
+      <a:schemeClr val="lt1">
+        <a:alpha val="0"/>
+      </a:schemeClr>
+    </dgm:fillClrLst>
+    <dgm:linClrLst meth="repeat">
+      <a:schemeClr val="dk1">
+        <a:alpha val="0"/>
+      </a:schemeClr>
+    </dgm:linClrLst>
+    <dgm:effectClrLst/>
+    <dgm:txLinClrLst/>
+    <dgm:txFillClrLst meth="repeat">
+      <a:schemeClr val="tx1"/>
+    </dgm:txFillClrLst>
+    <dgm:txEffectClrLst/>
+  </dgm:styleLbl>
+</dgm:colorsDef>
+</file>
+
+<file path=ppt/diagrams/colors2.xml><?xml version="1.0" encoding="utf-8"?>
+<dgm:colorsDef xmlns:dgm="http://schemas.openxmlformats.org/drawingml/2006/diagram" xmlns:a="http://schemas.openxmlformats.org/drawingml/2006/main" uniqueId="urn:microsoft.com/office/officeart/2005/8/colors/accent1_2">
+  <dgm:title val=""/>
+  <dgm:desc val=""/>
+  <dgm:catLst>
+    <dgm:cat type="accent1" pri="11200"/>
+  </dgm:catLst>
+  <dgm:styleLbl name="node0">
+    <dgm:fillClrLst meth="repeat">
+      <a:schemeClr val="accent1"/>
+    </dgm:fillClrLst>
+    <dgm:linClrLst meth="repeat">
+      <a:schemeClr val="lt1"/>
+    </dgm:linClrLst>
+    <dgm:effectClrLst/>
+    <dgm:txLinClrLst/>
+    <dgm:txFillClrLst/>
+    <dgm:txEffectClrLst/>
+  </dgm:styleLbl>
+  <dgm:styleLbl name="alignNode1">
+    <dgm:fillClrLst meth="repeat">
+      <a:schemeClr val="accent1"/>
+    </dgm:fillClrLst>
+    <dgm:linClrLst meth="repeat">
+      <a:schemeClr val="accent1"/>
+    </dgm:linClrLst>
+    <dgm:effectClrLst/>
+    <dgm:txLinClrLst/>
+    <dgm:txFillClrLst/>
+    <dgm:txEffectClrLst/>
+  </dgm:styleLbl>
+  <dgm:styleLbl name="node1">
+    <dgm:fillClrLst meth="repeat">
+      <a:schemeClr val="accent1"/>
+    </dgm:fillClrLst>
+    <dgm:linClrLst meth="repeat">
+      <a:schemeClr val="lt1"/>
+    </dgm:linClrLst>
+    <dgm:effectClrLst/>
+    <dgm:txLinClrLst/>
+    <dgm:txFillClrLst/>
+    <dgm:txEffectClrLst/>
+  </dgm:styleLbl>
+  <dgm:styleLbl name="lnNode1">
+    <dgm:fillClrLst meth="repeat">
+      <a:schemeClr val="accent1"/>
+    </dgm:fillClrLst>
+    <dgm:linClrLst meth="repeat">
+      <a:schemeClr val="lt1"/>
+    </dgm:linClrLst>
+    <dgm:effectClrLst/>
+    <dgm:txLinClrLst/>
+    <dgm:txFillClrLst/>
+    <dgm:txEffectClrLst/>
+  </dgm:styleLbl>
+  <dgm:styleLbl name="vennNode1">
+    <dgm:fillClrLst meth="repeat">
+      <a:schemeClr val="accent1">
+        <a:alpha val="50000"/>
+      </a:schemeClr>
+    </dgm:fillClrLst>
+    <dgm:linClrLst meth="repeat">
+      <a:schemeClr val="lt1"/>
+    </dgm:linClrLst>
+    <dgm:effectClrLst/>
+    <dgm:txLinClrLst/>
+    <dgm:txFillClrLst/>
+    <dgm:txEffectClrLst/>
+  </dgm:styleLbl>
+  <dgm:styleLbl name="node2">
+    <dgm:fillClrLst meth="repeat">
+      <a:schemeClr val="accent1"/>
+    </dgm:fillClrLst>
+    <dgm:linClrLst meth="repeat">
+      <a:schemeClr val="lt1"/>
+    </dgm:linClrLst>
+    <dgm:effectClrLst/>
+    <dgm:txLinClrLst/>
+    <dgm:txFillClrLst/>
+    <dgm:txEffectClrLst/>
+  </dgm:styleLbl>
+  <dgm:styleLbl name="node3">
+    <dgm:fillClrLst meth="repeat">
+      <a:schemeClr val="accent1"/>
+    </dgm:fillClrLst>
+    <dgm:linClrLst meth="repeat">
+      <a:schemeClr val="lt1"/>
+    </dgm:linClrLst>
+    <dgm:effectClrLst/>
+    <dgm:txLinClrLst/>
+    <dgm:txFillClrLst/>
+    <dgm:txEffectClrLst/>
+  </dgm:styleLbl>
+  <dgm:styleLbl name="node4">
+    <dgm:fillClrLst meth="repeat">
+      <a:schemeClr val="accent1"/>
+    </dgm:fillClrLst>
+    <dgm:linClrLst meth="repeat">
+      <a:schemeClr val="lt1"/>
+    </dgm:linClrLst>
+    <dgm:effectClrLst/>
+    <dgm:txLinClrLst/>
+    <dgm:txFillClrLst/>
+    <dgm:txEffectClrLst/>
+  </dgm:styleLbl>
+  <dgm:styleLbl name="fgImgPlace1">
+    <dgm:fillClrLst meth="repeat">
+      <a:schemeClr val="accent1">
+        <a:tint val="50000"/>
+      </a:schemeClr>
+    </dgm:fillClrLst>
+    <dgm:linClrLst meth="repeat">
+      <a:schemeClr val="lt1"/>
+    </dgm:linClrLst>
+    <dgm:effectClrLst/>
+    <dgm:txLinClrLst/>
+    <dgm:txFillClrLst meth="repeat">
+      <a:schemeClr val="lt1"/>
+    </dgm:txFillClrLst>
+    <dgm:txEffectClrLst/>
+  </dgm:styleLbl>
+  <dgm:styleLbl name="alignImgPlace1">
+    <dgm:fillClrLst meth="repeat">
+      <a:schemeClr val="accent1">
+        <a:tint val="50000"/>
+      </a:schemeClr>
+    </dgm:fillClrLst>
+    <dgm:linClrLst meth="repeat">
+      <a:schemeClr val="lt1"/>
+    </dgm:linClrLst>
+    <dgm:effectClrLst/>
+    <dgm:txLinClrLst/>
+    <dgm:txFillClrLst meth="repeat">
+      <a:schemeClr val="lt1"/>
+    </dgm:txFillClrLst>
+    <dgm:txEffectClrLst/>
+  </dgm:styleLbl>
+  <dgm:styleLbl name="bgImgPlace1">
+    <dgm:fillClrLst meth="repeat">
+      <a:schemeClr val="accent1">
+        <a:tint val="50000"/>
+      </a:schemeClr>
+    </dgm:fillClrLst>
+    <dgm:linClrLst meth="repeat">
+      <a:schemeClr val="lt1"/>
+    </dgm:linClrLst>
+    <dgm:effectClrLst/>
+    <dgm:txLinClrLst/>
+    <dgm:txFillClrLst meth="repeat">
+      <a:schemeClr val="lt1"/>
+    </dgm:txFillClrLst>
+    <dgm:txEffectClrLst/>
+  </dgm:styleLbl>
+  <dgm:styleLbl name="sibTrans2D1">
+    <dgm:fillClrLst meth="repeat">
+      <a:schemeClr val="accent1">
+        <a:tint val="60000"/>
+      </a:schemeClr>
+    </dgm:fillClrLst>
+    <dgm:linClrLst meth="repeat">
+      <a:schemeClr val="accent1">
+        <a:tint val="60000"/>
+      </a:schemeClr>
+    </dgm:linClrLst>
+    <dgm:effectClrLst/>
+    <dgm:txLinClrLst/>
+    <dgm:txFillClrLst/>
+    <dgm:txEffectClrLst/>
+  </dgm:styleLbl>
+  <dgm:styleLbl name="fgSibTrans2D1">
+    <dgm:fillClrLst meth="repeat">
+      <a:schemeClr val="accent1">
+        <a:tint val="60000"/>
+      </a:schemeClr>
+    </dgm:fillClrLst>
+    <dgm:linClrLst meth="repeat">
+      <a:schemeClr val="accent1">
+        <a:tint val="60000"/>
+      </a:schemeClr>
+    </dgm:linClrLst>
+    <dgm:effectClrLst/>
+    <dgm:txLinClrLst/>
+    <dgm:txFillClrLst/>
+    <dgm:txEffectClrLst/>
+  </dgm:styleLbl>
+  <dgm:styleLbl name="bgSibTrans2D1">
+    <dgm:fillClrLst meth="repeat">
+      <a:schemeClr val="accent1">
+        <a:tint val="60000"/>
+      </a:schemeClr>
+    </dgm:fillClrLst>
+    <dgm:linClrLst meth="repeat">
+      <a:schemeClr val="accent1">
+        <a:tint val="60000"/>
+      </a:schemeClr>
+    </dgm:linClrLst>
+    <dgm:effectClrLst/>
+    <dgm:txLinClrLst/>
+    <dgm:txFillClrLst/>
+    <dgm:txEffectClrLst/>
+  </dgm:styleLbl>
+  <dgm:styleLbl name="sibTrans1D1">
+    <dgm:fillClrLst meth="repeat">
+      <a:schemeClr val="accent1"/>
+    </dgm:fillClrLst>
+    <dgm:linClrLst meth="repeat">
+      <a:schemeClr val="accent1"/>
+    </dgm:linClrLst>
+    <dgm:effectClrLst/>
+    <dgm:txLinClrLst/>
+    <dgm:txFillClrLst meth="repeat">
+      <a:schemeClr val="tx1"/>
+    </dgm:txFillClrLst>
+    <dgm:txEffectClrLst/>
+  </dgm:styleLbl>
+  <dgm:styleLbl name="callout">
+    <dgm:fillClrLst meth="repeat">
+      <a:schemeClr val="accent1"/>
+    </dgm:fillClrLst>
+    <dgm:linClrLst meth="repeat">
+      <a:schemeClr val="accent1">
+        <a:tint val="50000"/>
+      </a:schemeClr>
+    </dgm:linClrLst>
+    <dgm:effectClrLst/>
+    <dgm:txLinClrLst/>
+    <dgm:txFillClrLst meth="repeat">
+      <a:schemeClr val="tx1"/>
+    </dgm:txFillClrLst>
+    <dgm:txEffectClrLst/>
+  </dgm:styleLbl>
+  <dgm:styleLbl name="asst0">
+    <dgm:fillClrLst meth="repeat">
+      <a:schemeClr val="accent1"/>
+    </dgm:fillClrLst>
+    <dgm:linClrLst meth="repeat">
+      <a:schemeClr val="lt1"/>
+    </dgm:linClrLst>
+    <dgm:effectClrLst/>
+    <dgm:txLinClrLst/>
+    <dgm:txFillClrLst/>
+    <dgm:txEffectClrLst/>
+  </dgm:styleLbl>
+  <dgm:styleLbl name="asst1">
+    <dgm:fillClrLst meth="repeat">
+      <a:schemeClr val="accent1"/>
+    </dgm:fillClrLst>
+    <dgm:linClrLst meth="repeat">
+      <a:schemeClr val="lt1"/>
+    </dgm:linClrLst>
+    <dgm:effectClrLst/>
+    <dgm:txLinClrLst/>
+    <dgm:txFillClrLst/>
+    <dgm:txEffectClrLst/>
+  </dgm:styleLbl>
+  <dgm:styleLbl name="asst2">
+    <dgm:fillClrLst meth="repeat">
+      <a:schemeClr val="accent1"/>
+    </dgm:fillClrLst>
+    <dgm:linClrLst meth="repeat">
+      <a:schemeClr val="lt1"/>
+    </dgm:linClrLst>
+    <dgm:effectClrLst/>
+    <dgm:txLinClrLst/>
+    <dgm:txFillClrLst/>
+    <dgm:txEffectClrLst/>
+  </dgm:styleLbl>
+  <dgm:styleLbl name="asst3">
+    <dgm:fillClrLst meth="repeat">
+      <a:schemeClr val="accent1"/>
+    </dgm:fillClrLst>
+    <dgm:linClrLst meth="repeat">
+      <a:schemeClr val="lt1"/>
+    </dgm:linClrLst>
+    <dgm:effectClrLst/>
+    <dgm:txLinClrLst/>
+    <dgm:txFillClrLst/>
+    <dgm:txEffectClrLst/>
+  </dgm:styleLbl>
+  <dgm:styleLbl name="asst4">
+    <dgm:fillClrLst meth="repeat">
+      <a:schemeClr val="accent1"/>
+    </dgm:fillClrLst>
+    <dgm:linClrLst meth="repeat">
+      <a:schemeClr val="lt1"/>
+    </dgm:linClrLst>
+    <dgm:effectClrLst/>
+    <dgm:txLinClrLst/>
+    <dgm:txFillClrLst/>
+    <dgm:txEffectClrLst/>
+  </dgm:styleLbl>
+  <dgm:styleLbl name="parChTrans2D1">
+    <dgm:fillClrLst meth="repeat">
+      <a:schemeClr val="accent1">
+        <a:tint val="60000"/>
+      </a:schemeClr>
+    </dgm:fillClrLst>
+    <dgm:linClrLst meth="repeat">
+      <a:schemeClr val="accent1">
+        <a:tint val="60000"/>
+      </a:schemeClr>
+    </dgm:linClrLst>
+    <dgm:effectClrLst/>
+    <dgm:txLinClrLst/>
+    <dgm:txFillClrLst meth="repeat">
+      <a:schemeClr val="lt1"/>
+    </dgm:txFillClrLst>
+    <dgm:txEffectClrLst/>
+  </dgm:styleLbl>
+  <dgm:styleLbl name="parChTrans2D2">
+    <dgm:fillClrLst meth="repeat">
+      <a:schemeClr val="accent1"/>
+    </dgm:fillClrLst>
+    <dgm:linClrLst meth="repeat">
+      <a:schemeClr val="accent1"/>
+    </dgm:linClrLst>
+    <dgm:effectClrLst/>
+    <dgm:txLinClrLst/>
+    <dgm:txFillClrLst meth="repeat">
+      <a:schemeClr val="lt1"/>
+    </dgm:txFillClrLst>
+    <dgm:txEffectClrLst/>
+  </dgm:styleLbl>
+  <dgm:styleLbl name="parChTrans2D3">
+    <dgm:fillClrLst meth="repeat">
+      <a:schemeClr val="accent1"/>
+    </dgm:fillClrLst>
+    <dgm:linClrLst meth="repeat">
+      <a:schemeClr val="accent1"/>
+    </dgm:linClrLst>
+    <dgm:effectClrLst/>
+    <dgm:txLinClrLst/>
+    <dgm:txFillClrLst meth="repeat">
+      <a:schemeClr val="lt1"/>
+    </dgm:txFillClrLst>
+    <dgm:txEffectClrLst/>
+  </dgm:styleLbl>
+  <dgm:styleLbl name="parChTrans2D4">
+    <dgm:fillClrLst meth="repeat">
+      <a:schemeClr val="accent1"/>
+    </dgm:fillClrLst>
+    <dgm:linClrLst meth="repeat">
+      <a:schemeClr val="accent1"/>
+    </dgm:linClrLst>
+    <dgm:effectClrLst/>
+    <dgm:txLinClrLst/>
+    <dgm:txFillClrLst meth="repeat">
+      <a:schemeClr val="lt1"/>
+    </dgm:txFillClrLst>
+    <dgm:txEffectClrLst/>
+  </dgm:styleLbl>
+  <dgm:styleLbl name="parChTrans1D1">
+    <dgm:fillClrLst meth="repeat">
+      <a:schemeClr val="accent1"/>
+    </dgm:fillClrLst>
+    <dgm:linClrLst meth="repeat">
+      <a:schemeClr val="accent1">
+        <a:shade val="60000"/>
+      </a:schemeClr>
+    </dgm:linClrLst>
+    <dgm:effectClrLst/>
+    <dgm:txLinClrLst/>
+    <dgm:txFillClrLst meth="repeat">
+      <a:schemeClr val="tx1"/>
+    </dgm:txFillClrLst>
+    <dgm:txEffectClrLst/>
+  </dgm:styleLbl>
+  <dgm:styleLbl name="parChTrans1D2">
+    <dgm:fillClrLst meth="repeat">
+      <a:schemeClr val="accent1"/>
+    </dgm:fillClrLst>
+    <dgm:linClrLst meth="repeat">
+      <a:schemeClr val="accent1">
+        <a:shade val="60000"/>
+      </a:schemeClr>
+    </dgm:linClrLst>
+    <dgm:effectClrLst/>
+    <dgm:txLinClrLst/>
+    <dgm:txFillClrLst meth="repeat">
+      <a:schemeClr val="tx1"/>
+    </dgm:txFillClrLst>
+    <dgm:txEffectClrLst/>
+  </dgm:styleLbl>
+  <dgm:styleLbl name="parChTrans1D3">
+    <dgm:fillClrLst meth="repeat">
+      <a:schemeClr val="accent1"/>
+    </dgm:fillClrLst>
+    <dgm:linClrLst meth="repeat">
+      <a:schemeClr val="accent1">
+        <a:shade val="80000"/>
+      </a:schemeClr>
+    </dgm:linClrLst>
+    <dgm:effectClrLst/>
+    <dgm:txLinClrLst/>
+    <dgm:txFillClrLst meth="repeat">
+      <a:schemeClr val="tx1"/>
+    </dgm:txFillClrLst>
+    <dgm:txEffectClrLst/>
+  </dgm:styleLbl>
+  <dgm:styleLbl name="parChTrans1D4">
+    <dgm:fillClrLst meth="repeat">
+      <a:schemeClr val="accent1"/>
+    </dgm:fillClrLst>
+    <dgm:linClrLst meth="repeat">
+      <a:schemeClr val="accent1">
+        <a:shade val="80000"/>
+      </a:schemeClr>
+    </dgm:linClrLst>
+    <dgm:effectClrLst/>
+    <dgm:txLinClrLst/>
+    <dgm:txFillClrLst meth="repeat">
+      <a:schemeClr val="tx1"/>
+    </dgm:txFillClrLst>
+    <dgm:txEffectClrLst/>
+  </dgm:styleLbl>
+  <dgm:styleLbl name="fgAcc1">
+    <dgm:fillClrLst meth="repeat">
+      <a:schemeClr val="lt1">
+        <a:alpha val="90000"/>
+      </a:schemeClr>
+    </dgm:fillClrLst>
+    <dgm:linClrLst meth="repeat">
+      <a:schemeClr val="accent1"/>
+    </dgm:linClrLst>
+    <dgm:effectClrLst/>
+    <dgm:txLinClrLst/>
+    <dgm:txFillClrLst meth="repeat">
+      <a:schemeClr val="dk1"/>
+    </dgm:txFillClrLst>
+    <dgm:txEffectClrLst/>
+  </dgm:styleLbl>
+  <dgm:styleLbl name="conFgAcc1">
+    <dgm:fillClrLst meth="repeat">
+      <a:schemeClr val="lt1">
+        <a:alpha val="90000"/>
+      </a:schemeClr>
+    </dgm:fillClrLst>
+    <dgm:linClrLst meth="repeat">
+      <a:schemeClr val="accent1"/>
+    </dgm:linClrLst>
+    <dgm:effectClrLst/>
+    <dgm:txLinClrLst/>
+    <dgm:txFillClrLst meth="repeat">
+      <a:schemeClr val="dk1"/>
+    </dgm:txFillClrLst>
+    <dgm:txEffectClrLst/>
+  </dgm:styleLbl>
+  <dgm:styleLbl name="alignAcc1">
+    <dgm:fillClrLst meth="repeat">
+      <a:schemeClr val="lt1">
+        <a:alpha val="90000"/>
+      </a:schemeClr>
+    </dgm:fillClrLst>
+    <dgm:linClrLst meth="repeat">
+      <a:schemeClr val="accent1"/>
+    </dgm:linClrLst>
+    <dgm:effectClrLst/>
+    <dgm:txLinClrLst/>
+    <dgm:txFillClrLst meth="repeat">
+      <a:schemeClr val="dk1"/>
+    </dgm:txFillClrLst>
+    <dgm:txEffectClrLst/>
+  </dgm:styleLbl>
+  <dgm:styleLbl name="trAlignAcc1">
+    <dgm:fillClrLst meth="repeat">
+      <a:schemeClr val="lt1">
+        <a:alpha val="40000"/>
+      </a:schemeClr>
+    </dgm:fillClrLst>
+    <dgm:linClrLst meth="repeat">
+      <a:schemeClr val="accent1"/>
+    </dgm:linClrLst>
+    <dgm:effectClrLst/>
+    <dgm:txLinClrLst/>
+    <dgm:txFillClrLst meth="repeat">
+      <a:schemeClr val="dk1"/>
+    </dgm:txFillClrLst>
+    <dgm:txEffectClrLst/>
+  </dgm:styleLbl>
+  <dgm:styleLbl name="bgAcc1">
+    <dgm:fillClrLst meth="repeat">
+      <a:schemeClr val="lt1">
+        <a:alpha val="90000"/>
+      </a:schemeClr>
+    </dgm:fillClrLst>
+    <dgm:linClrLst meth="repeat">
+      <a:schemeClr val="accent1"/>
+    </dgm:linClrLst>
+    <dgm:effectClrLst/>
+    <dgm:txLinClrLst/>
+    <dgm:txFillClrLst meth="repeat">
+      <a:schemeClr val="dk1"/>
+    </dgm:txFillClrLst>
+    <dgm:txEffectClrLst/>
+  </dgm:styleLbl>
+  <dgm:styleLbl name="solidFgAcc1">
+    <dgm:fillClrLst meth="repeat">
+      <a:schemeClr val="lt1"/>
+    </dgm:fillClrLst>
+    <dgm:linClrLst meth="repeat">
+      <a:schemeClr val="accent1"/>
+    </dgm:linClrLst>
+    <dgm:effectClrLst/>
+    <dgm:txLinClrLst/>
+    <dgm:txFillClrLst meth="repeat">
+      <a:schemeClr val="dk1"/>
+    </dgm:txFillClrLst>
+    <dgm:txEffectClrLst/>
+  </dgm:styleLbl>
+  <dgm:styleLbl name="solidAlignAcc1">
+    <dgm:fillClrLst meth="repeat">
+      <a:schemeClr val="lt1"/>
+    </dgm:fillClrLst>
+    <dgm:linClrLst meth="repeat">
+      <a:schemeClr val="accent1"/>
+    </dgm:linClrLst>
+    <dgm:effectClrLst/>
+    <dgm:txLinClrLst/>
+    <dgm:txFillClrLst meth="repeat">
+      <a:schemeClr val="dk1"/>
+    </dgm:txFillClrLst>
+    <dgm:txEffectClrLst/>
+  </dgm:styleLbl>
+  <dgm:styleLbl name="solidBgAcc1">
+    <dgm:fillClrLst meth="repeat">
+      <a:schemeClr val="lt1"/>
+    </dgm:fillClrLst>
+    <dgm:linClrLst meth="repeat">
+      <a:schemeClr val="accent1"/>
+    </dgm:linClrLst>
+    <dgm:effectClrLst/>
+    <dgm:txLinClrLst/>
+    <dgm:txFillClrLst meth="repeat">
+      <a:schemeClr val="dk1"/>
+    </dgm:txFillClrLst>
+    <dgm:txEffectClrLst/>
+  </dgm:styleLbl>
+  <dgm:styleLbl name="fgAccFollowNode1">
+    <dgm:fillClrLst meth="repeat">
+      <a:schemeClr val="accent1">
+        <a:alpha val="90000"/>
+        <a:tint val="40000"/>
+      </a:schemeClr>
+    </dgm:fillClrLst>
+    <dgm:linClrLst meth="repeat">
+      <a:schemeClr val="accent1">
+        <a:alpha val="90000"/>
+        <a:tint val="40000"/>
+      </a:schemeClr>
+    </dgm:linClrLst>
+    <dgm:effectClrLst/>
+    <dgm:txLinClrLst/>
+    <dgm:txFillClrLst meth="repeat">
+      <a:schemeClr val="dk1"/>
+    </dgm:txFillClrLst>
+    <dgm:txEffectClrLst/>
+  </dgm:styleLbl>
+  <dgm:styleLbl name="alignAccFollowNode1">
+    <dgm:fillClrLst meth="repeat">
+      <a:schemeClr val="accent1">
+        <a:alpha val="90000"/>
+        <a:tint val="40000"/>
+      </a:schemeClr>
+    </dgm:fillClrLst>
+    <dgm:linClrLst meth="repeat">
+      <a:schemeClr val="accent1">
+        <a:alpha val="90000"/>
+        <a:tint val="40000"/>
+      </a:schemeClr>
+    </dgm:linClrLst>
+    <dgm:effectClrLst/>
+    <dgm:txLinClrLst/>
+    <dgm:txFillClrLst meth="repeat">
+      <a:schemeClr val="dk1"/>
+    </dgm:txFillClrLst>
+    <dgm:txEffectClrLst/>
+  </dgm:styleLbl>
+  <dgm:styleLbl name="bgAccFollowNode1">
+    <dgm:fillClrLst meth="repeat">
+      <a:schemeClr val="accent1">
+        <a:alpha val="90000"/>
+        <a:tint val="40000"/>
+      </a:schemeClr>
+    </dgm:fillClrLst>
+    <dgm:linClrLst meth="repeat">
+      <a:schemeClr val="accent1">
+        <a:alpha val="90000"/>
+        <a:tint val="40000"/>
+      </a:schemeClr>
+    </dgm:linClrLst>
+    <dgm:effectClrLst/>
+    <dgm:txLinClrLst/>
+    <dgm:txFillClrLst meth="repeat">
+      <a:schemeClr val="dk1"/>
+    </dgm:txFillClrLst>
+    <dgm:txEffectClrLst/>
+  </dgm:styleLbl>
+  <dgm:styleLbl name="fgAcc0">
+    <dgm:fillClrLst meth="repeat">
+      <a:schemeClr val="lt1">
+        <a:alpha val="90000"/>
+      </a:schemeClr>
+    </dgm:fillClrLst>
+    <dgm:linClrLst meth="repeat">
+      <a:schemeClr val="accent1"/>
+    </dgm:linClrLst>
+    <dgm:effectClrLst/>
+    <dgm:txLinClrLst/>
+    <dgm:txFillClrLst meth="repeat">
+      <a:schemeClr val="dk1"/>
+    </dgm:txFillClrLst>
+    <dgm:txEffectClrLst/>
+  </dgm:styleLbl>
+  <dgm:styleLbl name="fgAcc2">
+    <dgm:fillClrLst meth="repeat">
+      <a:schemeClr val="lt1">
+        <a:alpha val="90000"/>
+      </a:schemeClr>
+    </dgm:fillClrLst>
+    <dgm:linClrLst meth="repeat">
+      <a:schemeClr val="accent1"/>
+    </dgm:linClrLst>
+    <dgm:effectClrLst/>
+    <dgm:txLinClrLst/>
+    <dgm:txFillClrLst meth="repeat">
+      <a:schemeClr val="dk1"/>
+    </dgm:txFillClrLst>
+    <dgm:txEffectClrLst/>
+  </dgm:styleLbl>
+  <dgm:styleLbl name="fgAcc3">
+    <dgm:fillClrLst meth="repeat">
+      <a:schemeClr val="lt1">
+        <a:alpha val="90000"/>
+      </a:schemeClr>
+    </dgm:fillClrLst>
+    <dgm:linClrLst meth="repeat">
+      <a:schemeClr val="accent1"/>
+    </dgm:linClrLst>
+    <dgm:effectClrLst/>
+    <dgm:txLinClrLst/>
+    <dgm:txFillClrLst meth="repeat">
+      <a:schemeClr val="dk1"/>
+    </dgm:txFillClrLst>
+    <dgm:txEffectClrLst/>
+  </dgm:styleLbl>
+  <dgm:styleLbl name="fgAcc4">
+    <dgm:fillClrLst meth="repeat">
+      <a:schemeClr val="lt1">
+        <a:alpha val="90000"/>
+      </a:schemeClr>
+    </dgm:fillClrLst>
+    <dgm:linClrLst meth="repeat">
+      <a:schemeClr val="accent1"/>
+    </dgm:linClrLst>
+    <dgm:effectClrLst/>
+    <dgm:txLinClrLst/>
+    <dgm:txFillClrLst meth="repeat">
+      <a:schemeClr val="dk1"/>
+    </dgm:txFillClrLst>
+    <dgm:txEffectClrLst/>
+  </dgm:styleLbl>
+  <dgm:styleLbl name="bgShp">
+    <dgm:fillClrLst meth="repeat">
+      <a:schemeClr val="accent1">
+        <a:tint val="40000"/>
+      </a:schemeClr>
+    </dgm:fillClrLst>
+    <dgm:linClrLst meth="repeat">
+      <a:schemeClr val="accent1"/>
+    </dgm:linClrLst>
+    <dgm:effectClrLst/>
+    <dgm:txLinClrLst/>
+    <dgm:txFillClrLst meth="repeat">
+      <a:schemeClr val="dk1"/>
+    </dgm:txFillClrLst>
+    <dgm:txEffectClrLst/>
+  </dgm:styleLbl>
+  <dgm:styleLbl name="dkBgShp">
+    <dgm:fillClrLst meth="repeat">
+      <a:schemeClr val="accent1">
+        <a:shade val="80000"/>
+      </a:schemeClr>
+    </dgm:fillClrLst>
+    <dgm:linClrLst meth="repeat">
+      <a:schemeClr val="accent1"/>
+    </dgm:linClrLst>
+    <dgm:effectClrLst/>
+    <dgm:txLinClrLst/>
+    <dgm:txFillClrLst meth="repeat">
+      <a:schemeClr val="lt1"/>
+    </dgm:txFillClrLst>
+    <dgm:txEffectClrLst/>
+  </dgm:styleLbl>
+  <dgm:styleLbl name="trBgShp">
+    <dgm:fillClrLst meth="repeat">
+      <a:schemeClr val="accent1">
+        <a:tint val="50000"/>
+        <a:alpha val="40000"/>
+      </a:schemeClr>
+    </dgm:fillClrLst>
+    <dgm:linClrLst meth="repeat">
+      <a:schemeClr val="accent1"/>
+    </dgm:linClrLst>
+    <dgm:effectClrLst/>
+    <dgm:txLinClrLst/>
+    <dgm:txFillClrLst meth="repeat">
+      <a:schemeClr val="lt1"/>
+    </dgm:txFillClrLst>
+    <dgm:txEffectClrLst/>
+  </dgm:styleLbl>
+  <dgm:styleLbl name="fgShp">
+    <dgm:fillClrLst meth="repeat">
+      <a:schemeClr val="accent1">
+        <a:tint val="60000"/>
+      </a:schemeClr>
+    </dgm:fillClrLst>
+    <dgm:linClrLst meth="repeat">
+      <a:schemeClr val="lt1"/>
+    </dgm:linClrLst>
+    <dgm:effectClrLst/>
+    <dgm:txLinClrLst/>
+    <dgm:txFillClrLst meth="repeat">
+      <a:schemeClr val="dk1"/>
+    </dgm:txFillClrLst>
+    <dgm:txEffectClrLst/>
+  </dgm:styleLbl>
+  <dgm:styleLbl name="revTx">
+    <dgm:fillClrLst meth="repeat">
+      <a:schemeClr val="lt1">
+        <a:alpha val="0"/>
+      </a:schemeClr>
+    </dgm:fillClrLst>
+    <dgm:linClrLst meth="repeat">
+      <a:schemeClr val="dk1">
+        <a:alpha val="0"/>
+      </a:schemeClr>
+    </dgm:linClrLst>
+    <dgm:effectClrLst/>
+    <dgm:txLinClrLst/>
+    <dgm:txFillClrLst meth="repeat">
+      <a:schemeClr val="tx1"/>
+    </dgm:txFillClrLst>
+    <dgm:txEffectClrLst/>
+  </dgm:styleLbl>
+</dgm:colorsDef>
+</file>
+
+<file path=ppt/diagrams/colors3.xml><?xml version="1.0" encoding="utf-8"?>
+<dgm:colorsDef xmlns:dgm="http://schemas.openxmlformats.org/drawingml/2006/diagram" xmlns:a="http://schemas.openxmlformats.org/drawingml/2006/main" uniqueId="urn:microsoft.com/office/officeart/2005/8/colors/accent1_2">
+  <dgm:title val=""/>
+  <dgm:desc val=""/>
+  <dgm:catLst>
+    <dgm:cat type="accent1" pri="11200"/>
+  </dgm:catLst>
+  <dgm:styleLbl name="node0">
+    <dgm:fillClrLst meth="repeat">
+      <a:schemeClr val="accent1"/>
+    </dgm:fillClrLst>
+    <dgm:linClrLst meth="repeat">
+      <a:schemeClr val="lt1"/>
+    </dgm:linClrLst>
+    <dgm:effectClrLst/>
+    <dgm:txLinClrLst/>
+    <dgm:txFillClrLst/>
+    <dgm:txEffectClrLst/>
+  </dgm:styleLbl>
+  <dgm:styleLbl name="alignNode1">
+    <dgm:fillClrLst meth="repeat">
+      <a:schemeClr val="accent1"/>
+    </dgm:fillClrLst>
+    <dgm:linClrLst meth="repeat">
+      <a:schemeClr val="accent1"/>
+    </dgm:linClrLst>
+    <dgm:effectClrLst/>
+    <dgm:txLinClrLst/>
+    <dgm:txFillClrLst/>
+    <dgm:txEffectClrLst/>
+  </dgm:styleLbl>
+  <dgm:styleLbl name="node1">
+    <dgm:fillClrLst meth="repeat">
+      <a:schemeClr val="accent1"/>
+    </dgm:fillClrLst>
+    <dgm:linClrLst meth="repeat">
+      <a:schemeClr val="lt1"/>
+    </dgm:linClrLst>
+    <dgm:effectClrLst/>
+    <dgm:txLinClrLst/>
+    <dgm:txFillClrLst/>
+    <dgm:txEffectClrLst/>
+  </dgm:styleLbl>
+  <dgm:styleLbl name="lnNode1">
+    <dgm:fillClrLst meth="repeat">
+      <a:schemeClr val="accent1"/>
+    </dgm:fillClrLst>
+    <dgm:linClrLst meth="repeat">
+      <a:schemeClr val="lt1"/>
+    </dgm:linClrLst>
+    <dgm:effectClrLst/>
+    <dgm:txLinClrLst/>
+    <dgm:txFillClrLst/>
+    <dgm:txEffectClrLst/>
+  </dgm:styleLbl>
+  <dgm:styleLbl name="vennNode1">
+    <dgm:fillClrLst meth="repeat">
+      <a:schemeClr val="accent1">
+        <a:alpha val="50000"/>
+      </a:schemeClr>
+    </dgm:fillClrLst>
+    <dgm:linClrLst meth="repeat">
+      <a:schemeClr val="lt1"/>
+    </dgm:linClrLst>
+    <dgm:effectClrLst/>
+    <dgm:txLinClrLst/>
+    <dgm:txFillClrLst/>
+    <dgm:txEffectClrLst/>
+  </dgm:styleLbl>
+  <dgm:styleLbl name="node2">
+    <dgm:fillClrLst meth="repeat">
+      <a:schemeClr val="accent1"/>
+    </dgm:fillClrLst>
+    <dgm:linClrLst meth="repeat">
+      <a:schemeClr val="lt1"/>
+    </dgm:linClrLst>
+    <dgm:effectClrLst/>
+    <dgm:txLinClrLst/>
+    <dgm:txFillClrLst/>
+    <dgm:txEffectClrLst/>
+  </dgm:styleLbl>
+  <dgm:styleLbl name="node3">
+    <dgm:fillClrLst meth="repeat">
+      <a:schemeClr val="accent1"/>
+    </dgm:fillClrLst>
+    <dgm:linClrLst meth="repeat">
+      <a:schemeClr val="lt1"/>
+    </dgm:linClrLst>
+    <dgm:effectClrLst/>
+    <dgm:txLinClrLst/>
+    <dgm:txFillClrLst/>
+    <dgm:txEffectClrLst/>
+  </dgm:styleLbl>
+  <dgm:styleLbl name="node4">
+    <dgm:fillClrLst meth="repeat">
+      <a:schemeClr val="accent1"/>
+    </dgm:fillClrLst>
+    <dgm:linClrLst meth="repeat">
+      <a:schemeClr val="lt1"/>
+    </dgm:linClrLst>
+    <dgm:effectClrLst/>
+    <dgm:txLinClrLst/>
+    <dgm:txFillClrLst/>
+    <dgm:txEffectClrLst/>
+  </dgm:styleLbl>
+  <dgm:styleLbl name="fgImgPlace1">
+    <dgm:fillClrLst meth="repeat">
+      <a:schemeClr val="accent1">
+        <a:tint val="50000"/>
+      </a:schemeClr>
+    </dgm:fillClrLst>
+    <dgm:linClrLst meth="repeat">
+      <a:schemeClr val="lt1"/>
+    </dgm:linClrLst>
+    <dgm:effectClrLst/>
+    <dgm:txLinClrLst/>
+    <dgm:txFillClrLst meth="repeat">
+      <a:schemeClr val="lt1"/>
+    </dgm:txFillClrLst>
+    <dgm:txEffectClrLst/>
+  </dgm:styleLbl>
+  <dgm:styleLbl name="alignImgPlace1">
+    <dgm:fillClrLst meth="repeat">
+      <a:schemeClr val="accent1">
+        <a:tint val="50000"/>
+      </a:schemeClr>
+    </dgm:fillClrLst>
+    <dgm:linClrLst meth="repeat">
+      <a:schemeClr val="lt1"/>
+    </dgm:linClrLst>
+    <dgm:effectClrLst/>
+    <dgm:txLinClrLst/>
+    <dgm:txFillClrLst meth="repeat">
+      <a:schemeClr val="lt1"/>
+    </dgm:txFillClrLst>
+    <dgm:txEffectClrLst/>
+  </dgm:styleLbl>
+  <dgm:styleLbl name="bgImgPlace1">
+    <dgm:fillClrLst meth="repeat">
+      <a:schemeClr val="accent1">
+        <a:tint val="50000"/>
+      </a:schemeClr>
+    </dgm:fillClrLst>
+    <dgm:linClrLst meth="repeat">
+      <a:schemeClr val="lt1"/>
+    </dgm:linClrLst>
+    <dgm:effectClrLst/>
+    <dgm:txLinClrLst/>
+    <dgm:txFillClrLst meth="repeat">
+      <a:schemeClr val="lt1"/>
+    </dgm:txFillClrLst>
+    <dgm:txEffectClrLst/>
+  </dgm:styleLbl>
+  <dgm:styleLbl name="sibTrans2D1">
+    <dgm:fillClrLst meth="repeat">
+      <a:schemeClr val="accent1">
+        <a:tint val="60000"/>
+      </a:schemeClr>
+    </dgm:fillClrLst>
+    <dgm:linClrLst meth="repeat">
+      <a:schemeClr val="accent1">
+        <a:tint val="60000"/>
+      </a:schemeClr>
+    </dgm:linClrLst>
+    <dgm:effectClrLst/>
+    <dgm:txLinClrLst/>
+    <dgm:txFillClrLst/>
+    <dgm:txEffectClrLst/>
+  </dgm:styleLbl>
+  <dgm:styleLbl name="fgSibTrans2D1">
+    <dgm:fillClrLst meth="repeat">
+      <a:schemeClr val="accent1">
+        <a:tint val="60000"/>
+      </a:schemeClr>
+    </dgm:fillClrLst>
+    <dgm:linClrLst meth="repeat">
+      <a:schemeClr val="accent1">
+        <a:tint val="60000"/>
+      </a:schemeClr>
+    </dgm:linClrLst>
+    <dgm:effectClrLst/>
+    <dgm:txLinClrLst/>
+    <dgm:txFillClrLst/>
+    <dgm:txEffectClrLst/>
+  </dgm:styleLbl>
+  <dgm:styleLbl name="bgSibTrans2D1">
+    <dgm:fillClrLst meth="repeat">
+      <a:schemeClr val="accent1">
+        <a:tint val="60000"/>
+      </a:schemeClr>
+    </dgm:fillClrLst>
+    <dgm:linClrLst meth="repeat">
+      <a:schemeClr val="accent1">
+        <a:tint val="60000"/>
+      </a:schemeClr>
+    </dgm:linClrLst>
+    <dgm:effectClrLst/>
+    <dgm:txLinClrLst/>
+    <dgm:txFillClrLst/>
+    <dgm:txEffectClrLst/>
+  </dgm:styleLbl>
+  <dgm:styleLbl name="sibTrans1D1">
+    <dgm:fillClrLst meth="repeat">
+      <a:schemeClr val="accent1"/>
+    </dgm:fillClrLst>
+    <dgm:linClrLst meth="repeat">
+      <a:schemeClr val="accent1"/>
+    </dgm:linClrLst>
+    <dgm:effectClrLst/>
+    <dgm:txLinClrLst/>
+    <dgm:txFillClrLst meth="repeat">
+      <a:schemeClr val="tx1"/>
+    </dgm:txFillClrLst>
+    <dgm:txEffectClrLst/>
+  </dgm:styleLbl>
+  <dgm:styleLbl name="callout">
+    <dgm:fillClrLst meth="repeat">
+      <a:schemeClr val="accent1"/>
+    </dgm:fillClrLst>
+    <dgm:linClrLst meth="repeat">
+      <a:schemeClr val="accent1">
+        <a:tint val="50000"/>
+      </a:schemeClr>
+    </dgm:linClrLst>
+    <dgm:effectClrLst/>
+    <dgm:txLinClrLst/>
+    <dgm:txFillClrLst meth="repeat">
+      <a:schemeClr val="tx1"/>
+    </dgm:txFillClrLst>
+    <dgm:txEffectClrLst/>
+  </dgm:styleLbl>
+  <dgm:styleLbl name="asst0">
+    <dgm:fillClrLst meth="repeat">
+      <a:schemeClr val="accent1"/>
+    </dgm:fillClrLst>
+    <dgm:linClrLst meth="repeat">
+      <a:schemeClr val="lt1"/>
+    </dgm:linClrLst>
+    <dgm:effectClrLst/>
+    <dgm:txLinClrLst/>
+    <dgm:txFillClrLst/>
+    <dgm:txEffectClrLst/>
+  </dgm:styleLbl>
+  <dgm:styleLbl name="asst1">
+    <dgm:fillClrLst meth="repeat">
+      <a:schemeClr val="accent1"/>
+    </dgm:fillClrLst>
+    <dgm:linClrLst meth="repeat">
+      <a:schemeClr val="lt1"/>
+    </dgm:linClrLst>
+    <dgm:effectClrLst/>
+    <dgm:txLinClrLst/>
+    <dgm:txFillClrLst/>
+    <dgm:txEffectClrLst/>
+  </dgm:styleLbl>
+  <dgm:styleLbl name="asst2">
+    <dgm:fillClrLst meth="repeat">
+      <a:schemeClr val="accent1"/>
+    </dgm:fillClrLst>
+    <dgm:linClrLst meth="repeat">
+      <a:schemeClr val="lt1"/>
+    </dgm:linClrLst>
+    <dgm:effectClrLst/>
+    <dgm:txLinClrLst/>
+    <dgm:txFillClrLst/>
+    <dgm:txEffectClrLst/>
+  </dgm:styleLbl>
+  <dgm:styleLbl name="asst3">
+    <dgm:fillClrLst meth="repeat">
+      <a:schemeClr val="accent1"/>
+    </dgm:fillClrLst>
+    <dgm:linClrLst meth="repeat">
+      <a:schemeClr val="lt1"/>
+    </dgm:linClrLst>
+    <dgm:effectClrLst/>
+    <dgm:txLinClrLst/>
+    <dgm:txFillClrLst/>
+    <dgm:txEffectClrLst/>
+  </dgm:styleLbl>
+  <dgm:styleLbl name="asst4">
+    <dgm:fillClrLst meth="repeat">
+      <a:schemeClr val="accent1"/>
+    </dgm:fillClrLst>
+    <dgm:linClrLst meth="repeat">
+      <a:schemeClr val="lt1"/>
+    </dgm:linClrLst>
+    <dgm:effectClrLst/>
+    <dgm:txLinClrLst/>
+    <dgm:txFillClrLst/>
+    <dgm:txEffectClrLst/>
+  </dgm:styleLbl>
+  <dgm:styleLbl name="parChTrans2D1">
+    <dgm:fillClrLst meth="repeat">
+      <a:schemeClr val="accent1">
+        <a:tint val="60000"/>
+      </a:schemeClr>
+    </dgm:fillClrLst>
+    <dgm:linClrLst meth="repeat">
+      <a:schemeClr val="accent1">
+        <a:tint val="60000"/>
+      </a:schemeClr>
+    </dgm:linClrLst>
+    <dgm:effectClrLst/>
+    <dgm:txLinClrLst/>
+    <dgm:txFillClrLst meth="repeat">
+      <a:schemeClr val="lt1"/>
+    </dgm:txFillClrLst>
+    <dgm:txEffectClrLst/>
+  </dgm:styleLbl>
+  <dgm:styleLbl name="parChTrans2D2">
+    <dgm:fillClrLst meth="repeat">
+      <a:schemeClr val="accent1"/>
+    </dgm:fillClrLst>
+    <dgm:linClrLst meth="repeat">
+      <a:schemeClr val="accent1"/>
+    </dgm:linClrLst>
+    <dgm:effectClrLst/>
+    <dgm:txLinClrLst/>
+    <dgm:txFillClrLst meth="repeat">
+      <a:schemeClr val="lt1"/>
+    </dgm:txFillClrLst>
+    <dgm:txEffectClrLst/>
+  </dgm:styleLbl>
+  <dgm:styleLbl name="parChTrans2D3">
+    <dgm:fillClrLst meth="repeat">
+      <a:schemeClr val="accent1"/>
+    </dgm:fillClrLst>
+    <dgm:linClrLst meth="repeat">
+      <a:schemeClr val="accent1"/>
+    </dgm:linClrLst>
+    <dgm:effectClrLst/>
+    <dgm:txLinClrLst/>
+    <dgm:txFillClrLst meth="repeat">
+      <a:schemeClr val="lt1"/>
+    </dgm:txFillClrLst>
+    <dgm:txEffectClrLst/>
+  </dgm:styleLbl>
+  <dgm:styleLbl name="parChTrans2D4">
+    <dgm:fillClrLst meth="repeat">
+      <a:schemeClr val="accent1"/>
+    </dgm:fillClrLst>
+    <dgm:linClrLst meth="repeat">
+      <a:schemeClr val="accent1"/>
+    </dgm:linClrLst>
+    <dgm:effectClrLst/>
+    <dgm:txLinClrLst/>
+    <dgm:txFillClrLst meth="repeat">
+      <a:schemeClr val="lt1"/>
+    </dgm:txFillClrLst>
+    <dgm:txEffectClrLst/>
+  </dgm:styleLbl>
+  <dgm:styleLbl name="parChTrans1D1">
+    <dgm:fillClrLst meth="repeat">
+      <a:schemeClr val="accent1"/>
+    </dgm:fillClrLst>
+    <dgm:linClrLst meth="repeat">
+      <a:schemeClr val="accent1">
+        <a:shade val="60000"/>
+      </a:schemeClr>
+    </dgm:linClrLst>
+    <dgm:effectClrLst/>
+    <dgm:txLinClrLst/>
+    <dgm:txFillClrLst meth="repeat">
+      <a:schemeClr val="tx1"/>
+    </dgm:txFillClrLst>
+    <dgm:txEffectClrLst/>
+  </dgm:styleLbl>
+  <dgm:styleLbl name="parChTrans1D2">
+    <dgm:fillClrLst meth="repeat">
+      <a:schemeClr val="accent1"/>
+    </dgm:fillClrLst>
+    <dgm:linClrLst meth="repeat">
+      <a:schemeClr val="accent1">
+        <a:shade val="60000"/>
+      </a:schemeClr>
+    </dgm:linClrLst>
+    <dgm:effectClrLst/>
+    <dgm:txLinClrLst/>
+    <dgm:txFillClrLst meth="repeat">
+      <a:schemeClr val="tx1"/>
+    </dgm:txFillClrLst>
+    <dgm:txEffectClrLst/>
+  </dgm:styleLbl>
+  <dgm:styleLbl name="parChTrans1D3">
+    <dgm:fillClrLst meth="repeat">
+      <a:schemeClr val="accent1"/>
+    </dgm:fillClrLst>
+    <dgm:linClrLst meth="repeat">
+      <a:schemeClr val="accent1">
+        <a:shade val="80000"/>
+      </a:schemeClr>
+    </dgm:linClrLst>
+    <dgm:effectClrLst/>
+    <dgm:txLinClrLst/>
+    <dgm:txFillClrLst meth="repeat">
+      <a:schemeClr val="tx1"/>
+    </dgm:txFillClrLst>
+    <dgm:txEffectClrLst/>
+  </dgm:styleLbl>
+  <dgm:styleLbl name="parChTrans1D4">
+    <dgm:fillClrLst meth="repeat">
+      <a:schemeClr val="accent1"/>
+    </dgm:fillClrLst>
+    <dgm:linClrLst meth="repeat">
+      <a:schemeClr val="accent1">
+        <a:shade val="80000"/>
+      </a:schemeClr>
+    </dgm:linClrLst>
+    <dgm:effectClrLst/>
+    <dgm:txLinClrLst/>
+    <dgm:txFillClrLst meth="repeat">
+      <a:schemeClr val="tx1"/>
+    </dgm:txFillClrLst>
+    <dgm:txEffectClrLst/>
+  </dgm:styleLbl>
+  <dgm:styleLbl name="fgAcc1">
+    <dgm:fillClrLst meth="repeat">
+      <a:schemeClr val="lt1">
+        <a:alpha val="90000"/>
+      </a:schemeClr>
+    </dgm:fillClrLst>
+    <dgm:linClrLst meth="repeat">
+      <a:schemeClr val="accent1"/>
+    </dgm:linClrLst>
+    <dgm:effectClrLst/>
+    <dgm:txLinClrLst/>
+    <dgm:txFillClrLst meth="repeat">
+      <a:schemeClr val="dk1"/>
+    </dgm:txFillClrLst>
+    <dgm:txEffectClrLst/>
+  </dgm:styleLbl>
+  <dgm:styleLbl name="conFgAcc1">
+    <dgm:fillClrLst meth="repeat">
+      <a:schemeClr val="lt1">
+        <a:alpha val="90000"/>
+      </a:schemeClr>
+    </dgm:fillClrLst>
+    <dgm:linClrLst meth="repeat">
+      <a:schemeClr val="accent1"/>
+    </dgm:linClrLst>
+    <dgm:effectClrLst/>
+    <dgm:txLinClrLst/>
+    <dgm:txFillClrLst meth="repeat">
+      <a:schemeClr val="dk1"/>
+    </dgm:txFillClrLst>
+    <dgm:txEffectClrLst/>
+  </dgm:styleLbl>
+  <dgm:styleLbl name="alignAcc1">
+    <dgm:fillClrLst meth="repeat">
+      <a:schemeClr val="lt1">
+        <a:alpha val="90000"/>
+      </a:schemeClr>
+    </dgm:fillClrLst>
+    <dgm:linClrLst meth="repeat">
+      <a:schemeClr val="accent1"/>
+    </dgm:linClrLst>
+    <dgm:effectClrLst/>
+    <dgm:txLinClrLst/>
+    <dgm:txFillClrLst meth="repeat">
+      <a:schemeClr val="dk1"/>
+    </dgm:txFillClrLst>
+    <dgm:txEffectClrLst/>
+  </dgm:styleLbl>
+  <dgm:styleLbl name="trAlignAcc1">
+    <dgm:fillClrLst meth="repeat">
+      <a:schemeClr val="lt1">
+        <a:alpha val="40000"/>
+      </a:schemeClr>
+    </dgm:fillClrLst>
+    <dgm:linClrLst meth="repeat">
+      <a:schemeClr val="accent1"/>
+    </dgm:linClrLst>
+    <dgm:effectClrLst/>
+    <dgm:txLinClrLst/>
+    <dgm:txFillClrLst meth="repeat">
+      <a:schemeClr val="dk1"/>
+    </dgm:txFillClrLst>
+    <dgm:txEffectClrLst/>
+  </dgm:styleLbl>
+  <dgm:styleLbl name="bgAcc1">
+    <dgm:fillClrLst meth="repeat">
+      <a:schemeClr val="lt1">
+        <a:alpha val="90000"/>
+      </a:schemeClr>
+    </dgm:fillClrLst>
+    <dgm:linClrLst meth="repeat">
+      <a:schemeClr val="accent1"/>
+    </dgm:linClrLst>
+    <dgm:effectClrLst/>
+    <dgm:txLinClrLst/>
+    <dgm:txFillClrLst meth="repeat">
+      <a:schemeClr val="dk1"/>
+    </dgm:txFillClrLst>
+    <dgm:txEffectClrLst/>
+  </dgm:styleLbl>
+  <dgm:styleLbl name="solidFgAcc1">
+    <dgm:fillClrLst meth="repeat">
+      <a:schemeClr val="lt1"/>
+    </dgm:fillClrLst>
+    <dgm:linClrLst meth="repeat">
+      <a:schemeClr val="accent1"/>
+    </dgm:linClrLst>
+    <dgm:effectClrLst/>
+    <dgm:txLinClrLst/>
+    <dgm:txFillClrLst meth="repeat">
+      <a:schemeClr val="dk1"/>
+    </dgm:txFillClrLst>
+    <dgm:txEffectClrLst/>
+  </dgm:styleLbl>
+  <dgm:styleLbl name="solidAlignAcc1">
+    <dgm:fillClrLst meth="repeat">
+      <a:schemeClr val="lt1"/>
+    </dgm:fillClrLst>
+    <dgm:linClrLst meth="repeat">
+      <a:schemeClr val="accent1"/>
+    </dgm:linClrLst>
+    <dgm:effectClrLst/>
+    <dgm:txLinClrLst/>
+    <dgm:txFillClrLst meth="repeat">
+      <a:schemeClr val="dk1"/>
+    </dgm:txFillClrLst>
+    <dgm:txEffectClrLst/>
+  </dgm:styleLbl>
+  <dgm:styleLbl name="solidBgAcc1">
+    <dgm:fillClrLst meth="repeat">
+      <a:schemeClr val="lt1"/>
+    </dgm:fillClrLst>
+    <dgm:linClrLst meth="repeat">
+      <a:schemeClr val="accent1"/>
+    </dgm:linClrLst>
+    <dgm:effectClrLst/>
+    <dgm:txLinClrLst/>
+    <dgm:txFillClrLst meth="repeat">
+      <a:schemeClr val="dk1"/>
+    </dgm:txFillClrLst>
+    <dgm:txEffectClrLst/>
+  </dgm:styleLbl>
+  <dgm:styleLbl name="fgAccFollowNode1">
+    <dgm:fillClrLst meth="repeat">
+      <a:schemeClr val="accent1">
+        <a:alpha val="90000"/>
+        <a:tint val="40000"/>
+      </a:schemeClr>
+    </dgm:fillClrLst>
+    <dgm:linClrLst meth="repeat">
+      <a:schemeClr val="accent1">
+        <a:alpha val="90000"/>
+        <a:tint val="40000"/>
+      </a:schemeClr>
+    </dgm:linClrLst>
+    <dgm:effectClrLst/>
+    <dgm:txLinClrLst/>
+    <dgm:txFillClrLst meth="repeat">
+      <a:schemeClr val="dk1"/>
+    </dgm:txFillClrLst>
+    <dgm:txEffectClrLst/>
+  </dgm:styleLbl>
+  <dgm:styleLbl name="alignAccFollowNode1">
+    <dgm:fillClrLst meth="repeat">
+      <a:schemeClr val="accent1">
+        <a:alpha val="90000"/>
+        <a:tint val="40000"/>
+      </a:schemeClr>
+    </dgm:fillClrLst>
+    <dgm:linClrLst meth="repeat">
+      <a:schemeClr val="accent1">
+        <a:alpha val="90000"/>
+        <a:tint val="40000"/>
+      </a:schemeClr>
+    </dgm:linClrLst>
+    <dgm:effectClrLst/>
+    <dgm:txLinClrLst/>
+    <dgm:txFillClrLst meth="repeat">
+      <a:schemeClr val="dk1"/>
+    </dgm:txFillClrLst>
+    <dgm:txEffectClrLst/>
+  </dgm:styleLbl>
+  <dgm:styleLbl name="bgAccFollowNode1">
+    <dgm:fillClrLst meth="repeat">
+      <a:schemeClr val="accent1">
+        <a:alpha val="90000"/>
+        <a:tint val="40000"/>
+      </a:schemeClr>
+    </dgm:fillClrLst>
+    <dgm:linClrLst meth="repeat">
+      <a:schemeClr val="accent1">
+        <a:alpha val="90000"/>
+        <a:tint val="40000"/>
+      </a:schemeClr>
+    </dgm:linClrLst>
+    <dgm:effectClrLst/>
+    <dgm:txLinClrLst/>
+    <dgm:txFillClrLst meth="repeat">
+      <a:schemeClr val="dk1"/>
+    </dgm:txFillClrLst>
+    <dgm:txEffectClrLst/>
+  </dgm:styleLbl>
+  <dgm:styleLbl name="fgAcc0">
+    <dgm:fillClrLst meth="repeat">
+      <a:schemeClr val="lt1">
+        <a:alpha val="90000"/>
+      </a:schemeClr>
+    </dgm:fillClrLst>
+    <dgm:linClrLst meth="repeat">
+      <a:schemeClr val="accent1"/>
+    </dgm:linClrLst>
+    <dgm:effectClrLst/>
+    <dgm:txLinClrLst/>
+    <dgm:txFillClrLst meth="repeat">
+      <a:schemeClr val="dk1"/>
+    </dgm:txFillClrLst>
+    <dgm:txEffectClrLst/>
+  </dgm:styleLbl>
+  <dgm:styleLbl name="fgAcc2">
+    <dgm:fillClrLst meth="repeat">
+      <a:schemeClr val="lt1">
+        <a:alpha val="90000"/>
+      </a:schemeClr>
+    </dgm:fillClrLst>
+    <dgm:linClrLst meth="repeat">
+      <a:schemeClr val="accent1"/>
+    </dgm:linClrLst>
+    <dgm:effectClrLst/>
+    <dgm:txLinClrLst/>
+    <dgm:txFillClrLst meth="repeat">
+      <a:schemeClr val="dk1"/>
+    </dgm:txFillClrLst>
+    <dgm:txEffectClrLst/>
+  </dgm:styleLbl>
+  <dgm:styleLbl name="fgAcc3">
+    <dgm:fillClrLst meth="repeat">
+      <a:schemeClr val="lt1">
+        <a:alpha val="90000"/>
+      </a:schemeClr>
+    </dgm:fillClrLst>
+    <dgm:linClrLst meth="repeat">
+      <a:schemeClr val="accent1"/>
+    </dgm:linClrLst>
+    <dgm:effectClrLst/>
+    <dgm:txLinClrLst/>
+    <dgm:txFillClrLst meth="repeat">
+      <a:schemeClr val="dk1"/>
+    </dgm:txFillClrLst>
+    <dgm:txEffectClrLst/>
+  </dgm:styleLbl>
+  <dgm:styleLbl name="fgAcc4">
+    <dgm:fillClrLst meth="repeat">
+      <a:schemeClr val="lt1">
+        <a:alpha val="90000"/>
+      </a:schemeClr>
+    </dgm:fillClrLst>
+    <dgm:linClrLst meth="repeat">
+      <a:schemeClr val="accent1"/>
+    </dgm:linClrLst>
+    <dgm:effectClrLst/>
+    <dgm:txLinClrLst/>
+    <dgm:txFillClrLst meth="repeat">
+      <a:schemeClr val="dk1"/>
+    </dgm:txFillClrLst>
+    <dgm:txEffectClrLst/>
+  </dgm:styleLbl>
+  <dgm:styleLbl name="bgShp">
+    <dgm:fillClrLst meth="repeat">
+      <a:schemeClr val="accent1">
+        <a:tint val="40000"/>
+      </a:schemeClr>
+    </dgm:fillClrLst>
+    <dgm:linClrLst meth="repeat">
+      <a:schemeClr val="accent1"/>
+    </dgm:linClrLst>
+    <dgm:effectClrLst/>
+    <dgm:txLinClrLst/>
+    <dgm:txFillClrLst meth="repeat">
+      <a:schemeClr val="dk1"/>
+    </dgm:txFillClrLst>
+    <dgm:txEffectClrLst/>
+  </dgm:styleLbl>
+  <dgm:styleLbl name="dkBgShp">
+    <dgm:fillClrLst meth="repeat">
+      <a:schemeClr val="accent1">
+        <a:shade val="80000"/>
+      </a:schemeClr>
+    </dgm:fillClrLst>
+    <dgm:linClrLst meth="repeat">
+      <a:schemeClr val="accent1"/>
+    </dgm:linClrLst>
+    <dgm:effectClrLst/>
+    <dgm:txLinClrLst/>
+    <dgm:txFillClrLst meth="repeat">
+      <a:schemeClr val="lt1"/>
+    </dgm:txFillClrLst>
+    <dgm:txEffectClrLst/>
+  </dgm:styleLbl>
+  <dgm:styleLbl name="trBgShp">
+    <dgm:fillClrLst meth="repeat">
+      <a:schemeClr val="accent1">
+        <a:tint val="50000"/>
+        <a:alpha val="40000"/>
+      </a:schemeClr>
+    </dgm:fillClrLst>
+    <dgm:linClrLst meth="repeat">
+      <a:schemeClr val="accent1"/>
+    </dgm:linClrLst>
+    <dgm:effectClrLst/>
+    <dgm:txLinClrLst/>
+    <dgm:txFillClrLst meth="repeat">
+      <a:schemeClr val="lt1"/>
+    </dgm:txFillClrLst>
+    <dgm:txEffectClrLst/>
+  </dgm:styleLbl>
+  <dgm:styleLbl name="fgShp">
+    <dgm:fillClrLst meth="repeat">
+      <a:schemeClr val="accent1">
+        <a:tint val="60000"/>
+      </a:schemeClr>
+    </dgm:fillClrLst>
+    <dgm:linClrLst meth="repeat">
+      <a:schemeClr val="lt1"/>
+    </dgm:linClrLst>
+    <dgm:effectClrLst/>
+    <dgm:txLinClrLst/>
+    <dgm:txFillClrLst meth="repeat">
+      <a:schemeClr val="dk1"/>
+    </dgm:txFillClrLst>
+    <dgm:txEffectClrLst/>
+  </dgm:styleLbl>
+  <dgm:styleLbl name="revTx">
+    <dgm:fillClrLst meth="repeat">
+      <a:schemeClr val="lt1">
+        <a:alpha val="0"/>
+      </a:schemeClr>
+    </dgm:fillClrLst>
+    <dgm:linClrLst meth="repeat">
+      <a:schemeClr val="dk1">
+        <a:alpha val="0"/>
+      </a:schemeClr>
+    </dgm:linClrLst>
+    <dgm:effectClrLst/>
+    <dgm:txLinClrLst/>
+    <dgm:txFillClrLst meth="repeat">
+      <a:schemeClr val="tx1"/>
+    </dgm:txFillClrLst>
+    <dgm:txEffectClrLst/>
+  </dgm:styleLbl>
+</dgm:colorsDef>
+</file>
+
+<file path=ppt/diagrams/data1.xml><?xml version="1.0" encoding="utf-8"?>
+<dgm:dataModel xmlns:dgm="http://schemas.openxmlformats.org/drawingml/2006/diagram" xmlns:a="http://schemas.openxmlformats.org/drawingml/2006/main">
+  <dgm:ptLst>
+    <dgm:pt modelId="{8AF5EB9F-3D83-4DE7-AC8D-B21F9583881A}" type="doc">
+      <dgm:prSet loTypeId="urn:microsoft.com/office/officeart/2005/8/layout/hList1" loCatId="list" qsTypeId="urn:microsoft.com/office/officeart/2005/8/quickstyle/simple1" qsCatId="simple" csTypeId="urn:microsoft.com/office/officeart/2005/8/colors/accent1_2" csCatId="accent1" phldr="1"/>
+      <dgm:spPr/>
+      <dgm:t>
+        <a:bodyPr/>
+        <a:lstStyle/>
+        <a:p>
+          <a:endParaRPr lang="en-US"/>
+        </a:p>
+      </dgm:t>
+    </dgm:pt>
+    <dgm:pt modelId="{0772301D-55F1-4577-A3CE-D1AD7C2EE7F0}">
+      <dgm:prSet phldrT="[Text]"/>
+      <dgm:spPr/>
+      <dgm:t>
+        <a:bodyPr/>
+        <a:lstStyle/>
+        <a:p>
+          <a:r>
+            <a:rPr lang="en-US" dirty="0" smtClean="0"/>
+            <a:t>Cargo </a:t>
+          </a:r>
+          <a:endParaRPr lang="en-US" dirty="0"/>
+        </a:p>
+      </dgm:t>
+    </dgm:pt>
+    <dgm:pt modelId="{75B3A227-8DD7-4749-A878-EEE5F17DDECA}" type="parTrans" cxnId="{7B2FB42E-5065-4C78-8761-5629DF949B31}">
+      <dgm:prSet/>
+      <dgm:spPr/>
+      <dgm:t>
+        <a:bodyPr/>
+        <a:lstStyle/>
+        <a:p>
+          <a:endParaRPr lang="en-US"/>
+        </a:p>
+      </dgm:t>
+    </dgm:pt>
+    <dgm:pt modelId="{15A0BB1D-426B-49CA-91DC-4D9855216128}" type="sibTrans" cxnId="{7B2FB42E-5065-4C78-8761-5629DF949B31}">
+      <dgm:prSet/>
+      <dgm:spPr/>
+      <dgm:t>
+        <a:bodyPr/>
+        <a:lstStyle/>
+        <a:p>
+          <a:endParaRPr lang="en-US"/>
+        </a:p>
+      </dgm:t>
+    </dgm:pt>
+    <dgm:pt modelId="{CF5579E7-AF1A-4734-A978-E51698534917}">
+      <dgm:prSet/>
+      <dgm:spPr/>
+      <dgm:t>
+        <a:bodyPr/>
+        <a:lstStyle/>
+        <a:p>
+          <a:r>
+            <a:rPr lang="en-US" dirty="0" smtClean="0"/>
+            <a:t>Tracking Id</a:t>
+          </a:r>
+          <a:endParaRPr lang="en-US" dirty="0"/>
+        </a:p>
+      </dgm:t>
+    </dgm:pt>
+    <dgm:pt modelId="{1FD39445-AA37-446A-80F4-88B1C077CC9E}" type="parTrans" cxnId="{728E2814-5638-4947-8FE0-ED75B711E1A5}">
+      <dgm:prSet/>
+      <dgm:spPr/>
+      <dgm:t>
+        <a:bodyPr/>
+        <a:lstStyle/>
+        <a:p>
+          <a:endParaRPr lang="en-US"/>
+        </a:p>
+      </dgm:t>
+    </dgm:pt>
+    <dgm:pt modelId="{58BF1234-BDAE-44AC-8D23-A079135F8B3D}" type="sibTrans" cxnId="{728E2814-5638-4947-8FE0-ED75B711E1A5}">
+      <dgm:prSet/>
+      <dgm:spPr/>
+      <dgm:t>
+        <a:bodyPr/>
+        <a:lstStyle/>
+        <a:p>
+          <a:endParaRPr lang="en-US"/>
+        </a:p>
+      </dgm:t>
+    </dgm:pt>
+    <dgm:pt modelId="{7DAE016E-B7E3-4053-95E4-1DBDE70559DB}" type="pres">
+      <dgm:prSet presAssocID="{8AF5EB9F-3D83-4DE7-AC8D-B21F9583881A}" presName="Name0" presStyleCnt="0">
+        <dgm:presLayoutVars>
+          <dgm:dir/>
+          <dgm:animLvl val="lvl"/>
+          <dgm:resizeHandles val="exact"/>
+        </dgm:presLayoutVars>
+      </dgm:prSet>
+      <dgm:spPr/>
+    </dgm:pt>
+    <dgm:pt modelId="{DA2F71BD-D1DD-42C9-9803-91AFB6182EA1}" type="pres">
+      <dgm:prSet presAssocID="{0772301D-55F1-4577-A3CE-D1AD7C2EE7F0}" presName="composite" presStyleCnt="0"/>
+      <dgm:spPr/>
+    </dgm:pt>
+    <dgm:pt modelId="{1B336C93-36CC-43E4-9C3A-5E93776AC6D0}" type="pres">
+      <dgm:prSet presAssocID="{0772301D-55F1-4577-A3CE-D1AD7C2EE7F0}" presName="parTx" presStyleLbl="alignNode1" presStyleIdx="0" presStyleCnt="1" custLinFactNeighborY="-23002">
+        <dgm:presLayoutVars>
+          <dgm:chMax val="0"/>
+          <dgm:chPref val="0"/>
+          <dgm:bulletEnabled val="1"/>
+        </dgm:presLayoutVars>
+      </dgm:prSet>
+      <dgm:spPr/>
+    </dgm:pt>
+    <dgm:pt modelId="{099DF8CE-112C-4F4F-92D8-FC50938CC942}" type="pres">
+      <dgm:prSet presAssocID="{0772301D-55F1-4577-A3CE-D1AD7C2EE7F0}" presName="desTx" presStyleLbl="alignAccFollowNode1" presStyleIdx="0" presStyleCnt="1">
+        <dgm:presLayoutVars>
+          <dgm:bulletEnabled val="1"/>
+        </dgm:presLayoutVars>
+      </dgm:prSet>
+      <dgm:spPr/>
+      <dgm:t>
+        <a:bodyPr/>
+        <a:lstStyle/>
+        <a:p>
+          <a:endParaRPr lang="en-US"/>
+        </a:p>
+      </dgm:t>
+    </dgm:pt>
+  </dgm:ptLst>
+  <dgm:cxnLst>
+    <dgm:cxn modelId="{CF4E896B-EF91-4336-B983-06BF3B6F33BB}" type="presOf" srcId="{8AF5EB9F-3D83-4DE7-AC8D-B21F9583881A}" destId="{7DAE016E-B7E3-4053-95E4-1DBDE70559DB}" srcOrd="0" destOrd="0" presId="urn:microsoft.com/office/officeart/2005/8/layout/hList1"/>
+    <dgm:cxn modelId="{CABFD253-1F91-4E8B-BEAF-CCEBD16F6BC5}" type="presOf" srcId="{CF5579E7-AF1A-4734-A978-E51698534917}" destId="{099DF8CE-112C-4F4F-92D8-FC50938CC942}" srcOrd="0" destOrd="0" presId="urn:microsoft.com/office/officeart/2005/8/layout/hList1"/>
+    <dgm:cxn modelId="{66595B46-0432-45BC-A38E-F801BD1F5194}" type="presOf" srcId="{0772301D-55F1-4577-A3CE-D1AD7C2EE7F0}" destId="{1B336C93-36CC-43E4-9C3A-5E93776AC6D0}" srcOrd="0" destOrd="0" presId="urn:microsoft.com/office/officeart/2005/8/layout/hList1"/>
+    <dgm:cxn modelId="{728E2814-5638-4947-8FE0-ED75B711E1A5}" srcId="{0772301D-55F1-4577-A3CE-D1AD7C2EE7F0}" destId="{CF5579E7-AF1A-4734-A978-E51698534917}" srcOrd="0" destOrd="0" parTransId="{1FD39445-AA37-446A-80F4-88B1C077CC9E}" sibTransId="{58BF1234-BDAE-44AC-8D23-A079135F8B3D}"/>
+    <dgm:cxn modelId="{7B2FB42E-5065-4C78-8761-5629DF949B31}" srcId="{8AF5EB9F-3D83-4DE7-AC8D-B21F9583881A}" destId="{0772301D-55F1-4577-A3CE-D1AD7C2EE7F0}" srcOrd="0" destOrd="0" parTransId="{75B3A227-8DD7-4749-A878-EEE5F17DDECA}" sibTransId="{15A0BB1D-426B-49CA-91DC-4D9855216128}"/>
+    <dgm:cxn modelId="{55F35DEA-FCC2-44B9-8AD2-EE471D28DCEA}" type="presParOf" srcId="{7DAE016E-B7E3-4053-95E4-1DBDE70559DB}" destId="{DA2F71BD-D1DD-42C9-9803-91AFB6182EA1}" srcOrd="0" destOrd="0" presId="urn:microsoft.com/office/officeart/2005/8/layout/hList1"/>
+    <dgm:cxn modelId="{1EF1A9E7-2FB2-4342-804B-B06ACA975742}" type="presParOf" srcId="{DA2F71BD-D1DD-42C9-9803-91AFB6182EA1}" destId="{1B336C93-36CC-43E4-9C3A-5E93776AC6D0}" srcOrd="0" destOrd="0" presId="urn:microsoft.com/office/officeart/2005/8/layout/hList1"/>
+    <dgm:cxn modelId="{717EBBA0-2C22-4A27-91F1-4090968433F5}" type="presParOf" srcId="{DA2F71BD-D1DD-42C9-9803-91AFB6182EA1}" destId="{099DF8CE-112C-4F4F-92D8-FC50938CC942}" srcOrd="1" destOrd="0" presId="urn:microsoft.com/office/officeart/2005/8/layout/hList1"/>
+  </dgm:cxnLst>
+  <dgm:bg/>
+  <dgm:whole/>
+</dgm:dataModel>
+</file>
+
+<file path=ppt/diagrams/data2.xml><?xml version="1.0" encoding="utf-8"?>
+<dgm:dataModel xmlns:dgm="http://schemas.openxmlformats.org/drawingml/2006/diagram" xmlns:a="http://schemas.openxmlformats.org/drawingml/2006/main">
+  <dgm:ptLst>
+    <dgm:pt modelId="{8AF5EB9F-3D83-4DE7-AC8D-B21F9583881A}" type="doc">
+      <dgm:prSet loTypeId="urn:microsoft.com/office/officeart/2005/8/layout/hList1" loCatId="list" qsTypeId="urn:microsoft.com/office/officeart/2005/8/quickstyle/simple1" qsCatId="simple" csTypeId="urn:microsoft.com/office/officeart/2005/8/colors/accent1_2" csCatId="accent1" phldr="1"/>
+      <dgm:spPr/>
+      <dgm:t>
+        <a:bodyPr/>
+        <a:lstStyle/>
+        <a:p>
+          <a:endParaRPr lang="en-US"/>
+        </a:p>
+      </dgm:t>
+    </dgm:pt>
+    <dgm:pt modelId="{0772301D-55F1-4577-A3CE-D1AD7C2EE7F0}">
+      <dgm:prSet phldrT="[Text]"/>
+      <dgm:spPr/>
+      <dgm:t>
+        <a:bodyPr/>
+        <a:lstStyle/>
+        <a:p>
+          <a:r>
+            <a:rPr lang="en-US" dirty="0" smtClean="0"/>
+            <a:t>Route Specification </a:t>
+          </a:r>
+          <a:endParaRPr lang="en-US" dirty="0"/>
+        </a:p>
+      </dgm:t>
+    </dgm:pt>
+    <dgm:pt modelId="{75B3A227-8DD7-4749-A878-EEE5F17DDECA}" type="parTrans" cxnId="{7B2FB42E-5065-4C78-8761-5629DF949B31}">
+      <dgm:prSet/>
+      <dgm:spPr/>
+      <dgm:t>
+        <a:bodyPr/>
+        <a:lstStyle/>
+        <a:p>
+          <a:endParaRPr lang="en-US"/>
+        </a:p>
+      </dgm:t>
+    </dgm:pt>
+    <dgm:pt modelId="{15A0BB1D-426B-49CA-91DC-4D9855216128}" type="sibTrans" cxnId="{7B2FB42E-5065-4C78-8761-5629DF949B31}">
+      <dgm:prSet/>
+      <dgm:spPr/>
+      <dgm:t>
+        <a:bodyPr/>
+        <a:lstStyle/>
+        <a:p>
+          <a:endParaRPr lang="en-US"/>
+        </a:p>
+      </dgm:t>
+    </dgm:pt>
+    <dgm:pt modelId="{CF5579E7-AF1A-4734-A978-E51698534917}">
+      <dgm:prSet/>
+      <dgm:spPr/>
+      <dgm:t>
+        <a:bodyPr/>
+        <a:lstStyle/>
+        <a:p>
+          <a:r>
+            <a:rPr lang="en-US" dirty="0" smtClean="0"/>
+            <a:t>Origin Location</a:t>
+          </a:r>
+          <a:endParaRPr lang="en-US" dirty="0"/>
+        </a:p>
+      </dgm:t>
+    </dgm:pt>
+    <dgm:pt modelId="{1FD39445-AA37-446A-80F4-88B1C077CC9E}" type="parTrans" cxnId="{728E2814-5638-4947-8FE0-ED75B711E1A5}">
+      <dgm:prSet/>
+      <dgm:spPr/>
+      <dgm:t>
+        <a:bodyPr/>
+        <a:lstStyle/>
+        <a:p>
+          <a:endParaRPr lang="en-US"/>
+        </a:p>
+      </dgm:t>
+    </dgm:pt>
+    <dgm:pt modelId="{58BF1234-BDAE-44AC-8D23-A079135F8B3D}" type="sibTrans" cxnId="{728E2814-5638-4947-8FE0-ED75B711E1A5}">
+      <dgm:prSet/>
+      <dgm:spPr/>
+      <dgm:t>
+        <a:bodyPr/>
+        <a:lstStyle/>
+        <a:p>
+          <a:endParaRPr lang="en-US"/>
+        </a:p>
+      </dgm:t>
+    </dgm:pt>
+    <dgm:pt modelId="{F1B37248-449A-4BA7-A89D-FFE0E279BD7B}">
+      <dgm:prSet/>
+      <dgm:spPr/>
+      <dgm:t>
+        <a:bodyPr/>
+        <a:lstStyle/>
+        <a:p>
+          <a:r>
+            <a:rPr lang="en-US" dirty="0" smtClean="0"/>
+            <a:t>Destin Location</a:t>
+          </a:r>
+          <a:endParaRPr lang="en-US" dirty="0"/>
+        </a:p>
+      </dgm:t>
+    </dgm:pt>
+    <dgm:pt modelId="{25D28E1B-4BE8-4411-9512-F558BFF2027C}" type="parTrans" cxnId="{7660CDF2-686D-4BB0-A4C1-937E4092E42C}">
+      <dgm:prSet/>
+      <dgm:spPr/>
+      <dgm:t>
+        <a:bodyPr/>
+        <a:lstStyle/>
+        <a:p>
+          <a:endParaRPr lang="en-US"/>
+        </a:p>
+      </dgm:t>
+    </dgm:pt>
+    <dgm:pt modelId="{C0F62E8F-4F66-45EA-907E-B920452A96FD}" type="sibTrans" cxnId="{7660CDF2-686D-4BB0-A4C1-937E4092E42C}">
+      <dgm:prSet/>
+      <dgm:spPr/>
+      <dgm:t>
+        <a:bodyPr/>
+        <a:lstStyle/>
+        <a:p>
+          <a:endParaRPr lang="en-US"/>
+        </a:p>
+      </dgm:t>
+    </dgm:pt>
+    <dgm:pt modelId="{7DAE016E-B7E3-4053-95E4-1DBDE70559DB}" type="pres">
+      <dgm:prSet presAssocID="{8AF5EB9F-3D83-4DE7-AC8D-B21F9583881A}" presName="Name0" presStyleCnt="0">
+        <dgm:presLayoutVars>
+          <dgm:dir/>
+          <dgm:animLvl val="lvl"/>
+          <dgm:resizeHandles val="exact"/>
+        </dgm:presLayoutVars>
+      </dgm:prSet>
+      <dgm:spPr/>
+    </dgm:pt>
+    <dgm:pt modelId="{DA2F71BD-D1DD-42C9-9803-91AFB6182EA1}" type="pres">
+      <dgm:prSet presAssocID="{0772301D-55F1-4577-A3CE-D1AD7C2EE7F0}" presName="composite" presStyleCnt="0"/>
+      <dgm:spPr/>
+    </dgm:pt>
+    <dgm:pt modelId="{1B336C93-36CC-43E4-9C3A-5E93776AC6D0}" type="pres">
+      <dgm:prSet presAssocID="{0772301D-55F1-4577-A3CE-D1AD7C2EE7F0}" presName="parTx" presStyleLbl="alignNode1" presStyleIdx="0" presStyleCnt="1" custLinFactNeighborY="-23002">
+        <dgm:presLayoutVars>
+          <dgm:chMax val="0"/>
+          <dgm:chPref val="0"/>
+          <dgm:bulletEnabled val="1"/>
+        </dgm:presLayoutVars>
+      </dgm:prSet>
+      <dgm:spPr/>
+      <dgm:t>
+        <a:bodyPr/>
+        <a:lstStyle/>
+        <a:p>
+          <a:endParaRPr lang="en-US"/>
+        </a:p>
+      </dgm:t>
+    </dgm:pt>
+    <dgm:pt modelId="{099DF8CE-112C-4F4F-92D8-FC50938CC942}" type="pres">
+      <dgm:prSet presAssocID="{0772301D-55F1-4577-A3CE-D1AD7C2EE7F0}" presName="desTx" presStyleLbl="alignAccFollowNode1" presStyleIdx="0" presStyleCnt="1">
+        <dgm:presLayoutVars>
+          <dgm:bulletEnabled val="1"/>
+        </dgm:presLayoutVars>
+      </dgm:prSet>
+      <dgm:spPr/>
+      <dgm:t>
+        <a:bodyPr/>
+        <a:lstStyle/>
+        <a:p>
+          <a:endParaRPr lang="en-US"/>
+        </a:p>
+      </dgm:t>
+    </dgm:pt>
+  </dgm:ptLst>
+  <dgm:cxnLst>
+    <dgm:cxn modelId="{7E2B537E-0E41-4A0A-B2F0-7EAAB39BB665}" type="presOf" srcId="{8AF5EB9F-3D83-4DE7-AC8D-B21F9583881A}" destId="{7DAE016E-B7E3-4053-95E4-1DBDE70559DB}" srcOrd="0" destOrd="0" presId="urn:microsoft.com/office/officeart/2005/8/layout/hList1"/>
+    <dgm:cxn modelId="{6FC3A3BF-1C88-4E5E-865C-3486458B6FFD}" type="presOf" srcId="{F1B37248-449A-4BA7-A89D-FFE0E279BD7B}" destId="{099DF8CE-112C-4F4F-92D8-FC50938CC942}" srcOrd="0" destOrd="1" presId="urn:microsoft.com/office/officeart/2005/8/layout/hList1"/>
+    <dgm:cxn modelId="{7B2FB42E-5065-4C78-8761-5629DF949B31}" srcId="{8AF5EB9F-3D83-4DE7-AC8D-B21F9583881A}" destId="{0772301D-55F1-4577-A3CE-D1AD7C2EE7F0}" srcOrd="0" destOrd="0" parTransId="{75B3A227-8DD7-4749-A878-EEE5F17DDECA}" sibTransId="{15A0BB1D-426B-49CA-91DC-4D9855216128}"/>
+    <dgm:cxn modelId="{7660CDF2-686D-4BB0-A4C1-937E4092E42C}" srcId="{0772301D-55F1-4577-A3CE-D1AD7C2EE7F0}" destId="{F1B37248-449A-4BA7-A89D-FFE0E279BD7B}" srcOrd="1" destOrd="0" parTransId="{25D28E1B-4BE8-4411-9512-F558BFF2027C}" sibTransId="{C0F62E8F-4F66-45EA-907E-B920452A96FD}"/>
+    <dgm:cxn modelId="{728E2814-5638-4947-8FE0-ED75B711E1A5}" srcId="{0772301D-55F1-4577-A3CE-D1AD7C2EE7F0}" destId="{CF5579E7-AF1A-4734-A978-E51698534917}" srcOrd="0" destOrd="0" parTransId="{1FD39445-AA37-446A-80F4-88B1C077CC9E}" sibTransId="{58BF1234-BDAE-44AC-8D23-A079135F8B3D}"/>
+    <dgm:cxn modelId="{3E2D2FD2-3DD2-44FD-966B-6B0302E72DB8}" type="presOf" srcId="{CF5579E7-AF1A-4734-A978-E51698534917}" destId="{099DF8CE-112C-4F4F-92D8-FC50938CC942}" srcOrd="0" destOrd="0" presId="urn:microsoft.com/office/officeart/2005/8/layout/hList1"/>
+    <dgm:cxn modelId="{14D6CBD4-49B1-485D-989F-FD657F5A39F3}" type="presOf" srcId="{0772301D-55F1-4577-A3CE-D1AD7C2EE7F0}" destId="{1B336C93-36CC-43E4-9C3A-5E93776AC6D0}" srcOrd="0" destOrd="0" presId="urn:microsoft.com/office/officeart/2005/8/layout/hList1"/>
+    <dgm:cxn modelId="{C4C15681-CBFF-4E07-9F16-3DD6F9BEC6BB}" type="presParOf" srcId="{7DAE016E-B7E3-4053-95E4-1DBDE70559DB}" destId="{DA2F71BD-D1DD-42C9-9803-91AFB6182EA1}" srcOrd="0" destOrd="0" presId="urn:microsoft.com/office/officeart/2005/8/layout/hList1"/>
+    <dgm:cxn modelId="{2E77E5A6-3EEB-4358-A80D-CDC21EDC6DA0}" type="presParOf" srcId="{DA2F71BD-D1DD-42C9-9803-91AFB6182EA1}" destId="{1B336C93-36CC-43E4-9C3A-5E93776AC6D0}" srcOrd="0" destOrd="0" presId="urn:microsoft.com/office/officeart/2005/8/layout/hList1"/>
+    <dgm:cxn modelId="{ED0C04BD-12D5-4F5F-9E24-3F50C490BA3C}" type="presParOf" srcId="{DA2F71BD-D1DD-42C9-9803-91AFB6182EA1}" destId="{099DF8CE-112C-4F4F-92D8-FC50938CC942}" srcOrd="1" destOrd="0" presId="urn:microsoft.com/office/officeart/2005/8/layout/hList1"/>
+  </dgm:cxnLst>
+  <dgm:bg/>
+  <dgm:whole/>
+</dgm:dataModel>
+</file>
+
+<file path=ppt/diagrams/data3.xml><?xml version="1.0" encoding="utf-8"?>
+<dgm:dataModel xmlns:dgm="http://schemas.openxmlformats.org/drawingml/2006/diagram" xmlns:a="http://schemas.openxmlformats.org/drawingml/2006/main">
+  <dgm:ptLst>
+    <dgm:pt modelId="{8AF5EB9F-3D83-4DE7-AC8D-B21F9583881A}" type="doc">
+      <dgm:prSet loTypeId="urn:microsoft.com/office/officeart/2005/8/layout/hList1" loCatId="list" qsTypeId="urn:microsoft.com/office/officeart/2005/8/quickstyle/simple1" qsCatId="simple" csTypeId="urn:microsoft.com/office/officeart/2005/8/colors/accent1_2" csCatId="accent1" phldr="1"/>
+      <dgm:spPr/>
+      <dgm:t>
+        <a:bodyPr/>
+        <a:lstStyle/>
+        <a:p>
+          <a:endParaRPr lang="en-US"/>
+        </a:p>
+      </dgm:t>
+    </dgm:pt>
+    <dgm:pt modelId="{0772301D-55F1-4577-A3CE-D1AD7C2EE7F0}">
+      <dgm:prSet phldrT="[Text]"/>
+      <dgm:spPr/>
+      <dgm:t>
+        <a:bodyPr/>
+        <a:lstStyle/>
+        <a:p>
+          <a:r>
+            <a:rPr lang="en-US" dirty="0" smtClean="0"/>
+            <a:t>Leg </a:t>
+          </a:r>
+          <a:endParaRPr lang="en-US" dirty="0"/>
+        </a:p>
+      </dgm:t>
+    </dgm:pt>
+    <dgm:pt modelId="{75B3A227-8DD7-4749-A878-EEE5F17DDECA}" type="parTrans" cxnId="{7B2FB42E-5065-4C78-8761-5629DF949B31}">
+      <dgm:prSet/>
+      <dgm:spPr/>
+      <dgm:t>
+        <a:bodyPr/>
+        <a:lstStyle/>
+        <a:p>
+          <a:endParaRPr lang="en-US"/>
+        </a:p>
+      </dgm:t>
+    </dgm:pt>
+    <dgm:pt modelId="{15A0BB1D-426B-49CA-91DC-4D9855216128}" type="sibTrans" cxnId="{7B2FB42E-5065-4C78-8761-5629DF949B31}">
+      <dgm:prSet/>
+      <dgm:spPr/>
+      <dgm:t>
+        <a:bodyPr/>
+        <a:lstStyle/>
+        <a:p>
+          <a:endParaRPr lang="en-US"/>
+        </a:p>
+      </dgm:t>
+    </dgm:pt>
+    <dgm:pt modelId="{CF5579E7-AF1A-4734-A978-E51698534917}">
+      <dgm:prSet/>
+      <dgm:spPr/>
+      <dgm:t>
+        <a:bodyPr/>
+        <a:lstStyle/>
+        <a:p>
+          <a:r>
+            <a:rPr lang="en-US" dirty="0" smtClean="0"/>
+            <a:t>Load Location</a:t>
+          </a:r>
+          <a:endParaRPr lang="en-US" dirty="0"/>
+        </a:p>
+      </dgm:t>
+    </dgm:pt>
+    <dgm:pt modelId="{1FD39445-AA37-446A-80F4-88B1C077CC9E}" type="parTrans" cxnId="{728E2814-5638-4947-8FE0-ED75B711E1A5}">
+      <dgm:prSet/>
+      <dgm:spPr/>
+      <dgm:t>
+        <a:bodyPr/>
+        <a:lstStyle/>
+        <a:p>
+          <a:endParaRPr lang="en-US"/>
+        </a:p>
+      </dgm:t>
+    </dgm:pt>
+    <dgm:pt modelId="{58BF1234-BDAE-44AC-8D23-A079135F8B3D}" type="sibTrans" cxnId="{728E2814-5638-4947-8FE0-ED75B711E1A5}">
+      <dgm:prSet/>
+      <dgm:spPr/>
+      <dgm:t>
+        <a:bodyPr/>
+        <a:lstStyle/>
+        <a:p>
+          <a:endParaRPr lang="en-US"/>
+        </a:p>
+      </dgm:t>
+    </dgm:pt>
+    <dgm:pt modelId="{17BDB14C-28A8-4A88-9E2B-B6F63F6AD358}">
+      <dgm:prSet/>
+      <dgm:spPr/>
+      <dgm:t>
+        <a:bodyPr/>
+        <a:lstStyle/>
+        <a:p>
+          <a:r>
+            <a:rPr lang="en-US" dirty="0" smtClean="0"/>
+            <a:t>Un-Load Location</a:t>
+          </a:r>
+          <a:endParaRPr lang="en-US" dirty="0"/>
+        </a:p>
+      </dgm:t>
+    </dgm:pt>
+    <dgm:pt modelId="{49BF4F1F-BF3A-40AE-AD7C-289F69C1B4B8}" type="parTrans" cxnId="{3A0F07DD-4ADE-46FE-91A8-BD25C3A8DF60}">
+      <dgm:prSet/>
+      <dgm:spPr/>
+      <dgm:t>
+        <a:bodyPr/>
+        <a:lstStyle/>
+        <a:p>
+          <a:endParaRPr lang="en-US"/>
+        </a:p>
+      </dgm:t>
+    </dgm:pt>
+    <dgm:pt modelId="{5D274D07-F84E-4D56-99C7-CD3EF1DEAC18}" type="sibTrans" cxnId="{3A0F07DD-4ADE-46FE-91A8-BD25C3A8DF60}">
+      <dgm:prSet/>
+      <dgm:spPr/>
+      <dgm:t>
+        <a:bodyPr/>
+        <a:lstStyle/>
+        <a:p>
+          <a:endParaRPr lang="en-US"/>
+        </a:p>
+      </dgm:t>
+    </dgm:pt>
+    <dgm:pt modelId="{7DAE016E-B7E3-4053-95E4-1DBDE70559DB}" type="pres">
+      <dgm:prSet presAssocID="{8AF5EB9F-3D83-4DE7-AC8D-B21F9583881A}" presName="Name0" presStyleCnt="0">
+        <dgm:presLayoutVars>
+          <dgm:dir/>
+          <dgm:animLvl val="lvl"/>
+          <dgm:resizeHandles val="exact"/>
+        </dgm:presLayoutVars>
+      </dgm:prSet>
+      <dgm:spPr/>
+    </dgm:pt>
+    <dgm:pt modelId="{DA2F71BD-D1DD-42C9-9803-91AFB6182EA1}" type="pres">
+      <dgm:prSet presAssocID="{0772301D-55F1-4577-A3CE-D1AD7C2EE7F0}" presName="composite" presStyleCnt="0"/>
+      <dgm:spPr/>
+    </dgm:pt>
+    <dgm:pt modelId="{1B336C93-36CC-43E4-9C3A-5E93776AC6D0}" type="pres">
+      <dgm:prSet presAssocID="{0772301D-55F1-4577-A3CE-D1AD7C2EE7F0}" presName="parTx" presStyleLbl="alignNode1" presStyleIdx="0" presStyleCnt="1" custLinFactNeighborY="-3341">
+        <dgm:presLayoutVars>
+          <dgm:chMax val="0"/>
+          <dgm:chPref val="0"/>
+          <dgm:bulletEnabled val="1"/>
+        </dgm:presLayoutVars>
+      </dgm:prSet>
+      <dgm:spPr/>
+      <dgm:t>
+        <a:bodyPr/>
+        <a:lstStyle/>
+        <a:p>
+          <a:endParaRPr lang="en-US"/>
+        </a:p>
+      </dgm:t>
+    </dgm:pt>
+    <dgm:pt modelId="{099DF8CE-112C-4F4F-92D8-FC50938CC942}" type="pres">
+      <dgm:prSet presAssocID="{0772301D-55F1-4577-A3CE-D1AD7C2EE7F0}" presName="desTx" presStyleLbl="alignAccFollowNode1" presStyleIdx="0" presStyleCnt="1">
+        <dgm:presLayoutVars>
+          <dgm:bulletEnabled val="1"/>
+        </dgm:presLayoutVars>
+      </dgm:prSet>
+      <dgm:spPr/>
+      <dgm:t>
+        <a:bodyPr/>
+        <a:lstStyle/>
+        <a:p>
+          <a:endParaRPr lang="en-US"/>
+        </a:p>
+      </dgm:t>
+    </dgm:pt>
+  </dgm:ptLst>
+  <dgm:cxnLst>
+    <dgm:cxn modelId="{34259266-601B-49D3-A902-0069366BBC5F}" type="presOf" srcId="{17BDB14C-28A8-4A88-9E2B-B6F63F6AD358}" destId="{099DF8CE-112C-4F4F-92D8-FC50938CC942}" srcOrd="0" destOrd="1" presId="urn:microsoft.com/office/officeart/2005/8/layout/hList1"/>
+    <dgm:cxn modelId="{7B2FB42E-5065-4C78-8761-5629DF949B31}" srcId="{8AF5EB9F-3D83-4DE7-AC8D-B21F9583881A}" destId="{0772301D-55F1-4577-A3CE-D1AD7C2EE7F0}" srcOrd="0" destOrd="0" parTransId="{75B3A227-8DD7-4749-A878-EEE5F17DDECA}" sibTransId="{15A0BB1D-426B-49CA-91DC-4D9855216128}"/>
+    <dgm:cxn modelId="{728E2814-5638-4947-8FE0-ED75B711E1A5}" srcId="{0772301D-55F1-4577-A3CE-D1AD7C2EE7F0}" destId="{CF5579E7-AF1A-4734-A978-E51698534917}" srcOrd="0" destOrd="0" parTransId="{1FD39445-AA37-446A-80F4-88B1C077CC9E}" sibTransId="{58BF1234-BDAE-44AC-8D23-A079135F8B3D}"/>
+    <dgm:cxn modelId="{3A0F07DD-4ADE-46FE-91A8-BD25C3A8DF60}" srcId="{0772301D-55F1-4577-A3CE-D1AD7C2EE7F0}" destId="{17BDB14C-28A8-4A88-9E2B-B6F63F6AD358}" srcOrd="1" destOrd="0" parTransId="{49BF4F1F-BF3A-40AE-AD7C-289F69C1B4B8}" sibTransId="{5D274D07-F84E-4D56-99C7-CD3EF1DEAC18}"/>
+    <dgm:cxn modelId="{656916D3-12DA-47FB-BF40-3D59B91E7AF1}" type="presOf" srcId="{8AF5EB9F-3D83-4DE7-AC8D-B21F9583881A}" destId="{7DAE016E-B7E3-4053-95E4-1DBDE70559DB}" srcOrd="0" destOrd="0" presId="urn:microsoft.com/office/officeart/2005/8/layout/hList1"/>
+    <dgm:cxn modelId="{E3F64EE6-F206-4661-A85D-60DBD7A0CEFF}" type="presOf" srcId="{0772301D-55F1-4577-A3CE-D1AD7C2EE7F0}" destId="{1B336C93-36CC-43E4-9C3A-5E93776AC6D0}" srcOrd="0" destOrd="0" presId="urn:microsoft.com/office/officeart/2005/8/layout/hList1"/>
+    <dgm:cxn modelId="{20B86086-A879-47CB-B103-8B54F2FC9671}" type="presOf" srcId="{CF5579E7-AF1A-4734-A978-E51698534917}" destId="{099DF8CE-112C-4F4F-92D8-FC50938CC942}" srcOrd="0" destOrd="0" presId="urn:microsoft.com/office/officeart/2005/8/layout/hList1"/>
+    <dgm:cxn modelId="{0C9F77B3-B559-4622-8DB4-6B1A7DFD4BF0}" type="presParOf" srcId="{7DAE016E-B7E3-4053-95E4-1DBDE70559DB}" destId="{DA2F71BD-D1DD-42C9-9803-91AFB6182EA1}" srcOrd="0" destOrd="0" presId="urn:microsoft.com/office/officeart/2005/8/layout/hList1"/>
+    <dgm:cxn modelId="{39516021-DDDA-4E7B-826C-A8A64D006BF9}" type="presParOf" srcId="{DA2F71BD-D1DD-42C9-9803-91AFB6182EA1}" destId="{1B336C93-36CC-43E4-9C3A-5E93776AC6D0}" srcOrd="0" destOrd="0" presId="urn:microsoft.com/office/officeart/2005/8/layout/hList1"/>
+    <dgm:cxn modelId="{419ED104-DE7E-4CC7-8FB2-9FA5DB3658F6}" type="presParOf" srcId="{DA2F71BD-D1DD-42C9-9803-91AFB6182EA1}" destId="{099DF8CE-112C-4F4F-92D8-FC50938CC942}" srcOrd="1" destOrd="0" presId="urn:microsoft.com/office/officeart/2005/8/layout/hList1"/>
+  </dgm:cxnLst>
+  <dgm:bg/>
+  <dgm:whole/>
+</dgm:dataModel>
+</file>
+
+<file path=ppt/diagrams/layout1.xml><?xml version="1.0" encoding="utf-8"?>
+<dgm:layoutDef xmlns:dgm="http://schemas.openxmlformats.org/drawingml/2006/diagram" xmlns:a="http://schemas.openxmlformats.org/drawingml/2006/main" uniqueId="urn:microsoft.com/office/officeart/2005/8/layout/hList1">
+  <dgm:title val=""/>
+  <dgm:desc val=""/>
+  <dgm:catLst>
+    <dgm:cat type="list" pri="5000"/>
+    <dgm:cat type="convert" pri="5000"/>
+  </dgm:catLst>
+  <dgm:sampData>
+    <dgm:dataModel>
+      <dgm:ptLst>
+        <dgm:pt modelId="0" type="doc"/>
+        <dgm:pt modelId="1">
+          <dgm:prSet phldr="1"/>
+        </dgm:pt>
+        <dgm:pt modelId="11">
+          <dgm:prSet phldr="1"/>
+        </dgm:pt>
+        <dgm:pt modelId="12">
+          <dgm:prSet phldr="1"/>
+        </dgm:pt>
+        <dgm:pt modelId="2">
+          <dgm:prSet phldr="1"/>
+        </dgm:pt>
+        <dgm:pt modelId="21">
+          <dgm:prSet phldr="1"/>
+        </dgm:pt>
+        <dgm:pt modelId="22">
+          <dgm:prSet phldr="1"/>
+        </dgm:pt>
+        <dgm:pt modelId="3">
+          <dgm:prSet phldr="1"/>
+        </dgm:pt>
+        <dgm:pt modelId="31">
+          <dgm:prSet phldr="1"/>
+        </dgm:pt>
+        <dgm:pt modelId="32">
+          <dgm:prSet phldr="1"/>
+        </dgm:pt>
+      </dgm:ptLst>
+      <dgm:cxnLst>
+        <dgm:cxn modelId="4" srcId="0" destId="1" srcOrd="0" destOrd="0"/>
+        <dgm:cxn modelId="5" srcId="0" destId="2" srcOrd="1" destOrd="0"/>
+        <dgm:cxn modelId="6" srcId="0" destId="3" srcOrd="2" destOrd="0"/>
+        <dgm:cxn modelId="13" srcId="1" destId="11" srcOrd="0" destOrd="0"/>
+        <dgm:cxn modelId="14" srcId="1" destId="12" srcOrd="1" destOrd="0"/>
+        <dgm:cxn modelId="23" srcId="2" destId="21" srcOrd="0" destOrd="0"/>
+        <dgm:cxn modelId="24" srcId="2" destId="22" srcOrd="1" destOrd="0"/>
+        <dgm:cxn modelId="33" srcId="3" destId="31" srcOrd="0" destOrd="0"/>
+        <dgm:cxn modelId="34" srcId="3" destId="32" srcOrd="1" destOrd="0"/>
+      </dgm:cxnLst>
+      <dgm:bg/>
+      <dgm:whole/>
+    </dgm:dataModel>
+  </dgm:sampData>
+  <dgm:styleData>
+    <dgm:dataModel>
+      <dgm:ptLst>
+        <dgm:pt modelId="0" type="doc"/>
+        <dgm:pt modelId="1">
+          <dgm:prSet phldr="1"/>
+        </dgm:pt>
+        <dgm:pt modelId="2">
+          <dgm:prSet phldr="1"/>
+        </dgm:pt>
+      </dgm:ptLst>
+      <dgm:cxnLst>
+        <dgm:cxn modelId="3" srcId="0" destId="1" srcOrd="0" destOrd="0"/>
+        <dgm:cxn modelId="4" srcId="0" destId="2" srcOrd="1" destOrd="0"/>
+      </dgm:cxnLst>
+      <dgm:bg/>
+      <dgm:whole/>
+    </dgm:dataModel>
+  </dgm:styleData>
+  <dgm:clrData>
+    <dgm:dataModel>
+      <dgm:ptLst>
+        <dgm:pt modelId="0" type="doc"/>
+        <dgm:pt modelId="1">
+          <dgm:prSet phldr="1"/>
+        </dgm:pt>
+        <dgm:pt modelId="2">
+          <dgm:prSet phldr="1"/>
+        </dgm:pt>
+        <dgm:pt modelId="3">
+          <dgm:prSet phldr="1"/>
+        </dgm:pt>
+        <dgm:pt modelId="4">
+          <dgm:prSet phldr="1"/>
+        </dgm:pt>
+      </dgm:ptLst>
+      <dgm:cxnLst>
+        <dgm:cxn modelId="5" srcId="0" destId="1" srcOrd="0" destOrd="0"/>
+        <dgm:cxn modelId="6" srcId="0" destId="2" srcOrd="1" destOrd="0"/>
+        <dgm:cxn modelId="7" srcId="0" destId="3" srcOrd="2" destOrd="0"/>
+        <dgm:cxn modelId="8" srcId="0" destId="4" srcOrd="3" destOrd="0"/>
+      </dgm:cxnLst>
+      <dgm:bg/>
+      <dgm:whole/>
+    </dgm:dataModel>
+  </dgm:clrData>
+  <dgm:layoutNode name="Name0">
+    <dgm:varLst>
+      <dgm:dir/>
+      <dgm:animLvl val="lvl"/>
+      <dgm:resizeHandles val="exact"/>
+    </dgm:varLst>
+    <dgm:choose name="Name1">
+      <dgm:if name="Name2" func="var" arg="dir" op="equ" val="norm">
+        <dgm:alg type="lin"/>
+      </dgm:if>
+      <dgm:else name="Name3">
+        <dgm:alg type="lin">
+          <dgm:param type="linDir" val="fromR"/>
+        </dgm:alg>
+      </dgm:else>
+    </dgm:choose>
+    <dgm:shape xmlns:r="http://schemas.openxmlformats.org/officeDocument/2006/relationships" r:blip="">
+      <dgm:adjLst/>
+    </dgm:shape>
+    <dgm:presOf/>
+    <dgm:constrLst>
+      <dgm:constr type="h" for="ch" forName="composite" refType="h"/>
+      <dgm:constr type="w" for="ch" forName="composite" refType="w"/>
+      <dgm:constr type="w" for="des" forName="parTx"/>
+      <dgm:constr type="h" for="des" forName="parTx" op="equ"/>
+      <dgm:constr type="w" for="des" forName="desTx"/>
+      <dgm:constr type="h" for="des" forName="desTx" op="equ"/>
+      <dgm:constr type="primFontSz" for="des" forName="parTx" val="65"/>
+      <dgm:constr type="secFontSz" for="des" forName="desTx" refType="primFontSz" refFor="des" refForName="parTx" op="equ"/>
+      <dgm:constr type="h" for="des" forName="parTx" refType="primFontSz" refFor="des" refForName="parTx" fact="0.8"/>
+      <dgm:constr type="h" for="des" forName="desTx" refType="primFontSz" refFor="des" refForName="parTx" fact="1.22"/>
+      <dgm:constr type="w" for="ch" forName="space" refType="w" refFor="ch" refForName="composite" op="equ" fact="0.14"/>
+    </dgm:constrLst>
+    <dgm:ruleLst>
+      <dgm:rule type="w" for="ch" forName="composite" val="0" fact="NaN" max="NaN"/>
+      <dgm:rule type="primFontSz" for="des" forName="parTx" val="5" fact="NaN" max="NaN"/>
+    </dgm:ruleLst>
+    <dgm:forEach name="Name4" axis="ch" ptType="node">
+      <dgm:layoutNode name="composite">
+        <dgm:alg type="composite"/>
+        <dgm:shape xmlns:r="http://schemas.openxmlformats.org/officeDocument/2006/relationships" r:blip="">
+          <dgm:adjLst/>
+        </dgm:shape>
+        <dgm:presOf/>
+        <dgm:constrLst>
+          <dgm:constr type="l" for="ch" forName="parTx"/>
+          <dgm:constr type="w" for="ch" forName="parTx" refType="w"/>
+          <dgm:constr type="t" for="ch" forName="parTx"/>
+          <dgm:constr type="l" for="ch" forName="desTx"/>
+          <dgm:constr type="w" for="ch" forName="desTx" refType="w" refFor="ch" refForName="parTx"/>
+          <dgm:constr type="t" for="ch" forName="desTx" refType="h" refFor="ch" refForName="parTx"/>
+        </dgm:constrLst>
+        <dgm:ruleLst>
+          <dgm:rule type="h" val="INF" fact="NaN" max="NaN"/>
+        </dgm:ruleLst>
+        <dgm:layoutNode name="parTx" styleLbl="alignNode1">
+          <dgm:varLst>
+            <dgm:chMax val="0"/>
+            <dgm:chPref val="0"/>
+            <dgm:bulletEnabled val="1"/>
+          </dgm:varLst>
+          <dgm:alg type="tx"/>
+          <dgm:shape xmlns:r="http://schemas.openxmlformats.org/officeDocument/2006/relationships" type="rect" r:blip="">
+            <dgm:adjLst/>
+          </dgm:shape>
+          <dgm:presOf axis="self" ptType="node"/>
+          <dgm:constrLst>
+            <dgm:constr type="h" refType="w" op="lte" fact="0.4"/>
+            <dgm:constr type="h"/>
+            <dgm:constr type="tMarg" refType="primFontSz" fact="0.32"/>
+            <dgm:constr type="bMarg" refType="primFontSz" fact="0.32"/>
+          </dgm:constrLst>
+          <dgm:ruleLst>
+            <dgm:rule type="h" val="INF" fact="NaN" max="NaN"/>
+          </dgm:ruleLst>
+        </dgm:layoutNode>
+        <dgm:layoutNode name="desTx" styleLbl="alignAccFollowNode1">
+          <dgm:varLst>
+            <dgm:bulletEnabled val="1"/>
+          </dgm:varLst>
+          <dgm:alg type="tx">
+            <dgm:param type="stBulletLvl" val="1"/>
+          </dgm:alg>
+          <dgm:shape xmlns:r="http://schemas.openxmlformats.org/officeDocument/2006/relationships" type="rect" r:blip="">
+            <dgm:adjLst/>
+          </dgm:shape>
+          <dgm:presOf axis="des" ptType="node"/>
+          <dgm:constrLst>
+            <dgm:constr type="secFontSz" val="65"/>
+            <dgm:constr type="primFontSz" refType="secFontSz"/>
+            <dgm:constr type="h"/>
+            <dgm:constr type="lMarg" refType="primFontSz" fact="0.42"/>
+            <dgm:constr type="tMarg" refType="primFontSz" fact="0.42"/>
+            <dgm:constr type="bMarg" refType="primFontSz" fact="0.63"/>
+          </dgm:constrLst>
+          <dgm:ruleLst>
+            <dgm:rule type="h" val="INF" fact="NaN" max="NaN"/>
+          </dgm:ruleLst>
+        </dgm:layoutNode>
+      </dgm:layoutNode>
+      <dgm:forEach name="Name5" axis="followSib" ptType="sibTrans" cnt="1">
+        <dgm:layoutNode name="space">
+          <dgm:alg type="sp"/>
+          <dgm:shape xmlns:r="http://schemas.openxmlformats.org/officeDocument/2006/relationships" r:blip="">
+            <dgm:adjLst/>
+          </dgm:shape>
+          <dgm:presOf/>
+          <dgm:constrLst/>
+          <dgm:ruleLst/>
+        </dgm:layoutNode>
+      </dgm:forEach>
+    </dgm:forEach>
+  </dgm:layoutNode>
+</dgm:layoutDef>
+</file>
+
+<file path=ppt/diagrams/layout2.xml><?xml version="1.0" encoding="utf-8"?>
+<dgm:layoutDef xmlns:dgm="http://schemas.openxmlformats.org/drawingml/2006/diagram" xmlns:a="http://schemas.openxmlformats.org/drawingml/2006/main" uniqueId="urn:microsoft.com/office/officeart/2005/8/layout/hList1">
+  <dgm:title val=""/>
+  <dgm:desc val=""/>
+  <dgm:catLst>
+    <dgm:cat type="list" pri="5000"/>
+    <dgm:cat type="convert" pri="5000"/>
+  </dgm:catLst>
+  <dgm:sampData>
+    <dgm:dataModel>
+      <dgm:ptLst>
+        <dgm:pt modelId="0" type="doc"/>
+        <dgm:pt modelId="1">
+          <dgm:prSet phldr="1"/>
+        </dgm:pt>
+        <dgm:pt modelId="11">
+          <dgm:prSet phldr="1"/>
+        </dgm:pt>
+        <dgm:pt modelId="12">
+          <dgm:prSet phldr="1"/>
+        </dgm:pt>
+        <dgm:pt modelId="2">
+          <dgm:prSet phldr="1"/>
+        </dgm:pt>
+        <dgm:pt modelId="21">
+          <dgm:prSet phldr="1"/>
+        </dgm:pt>
+        <dgm:pt modelId="22">
+          <dgm:prSet phldr="1"/>
+        </dgm:pt>
+        <dgm:pt modelId="3">
+          <dgm:prSet phldr="1"/>
+        </dgm:pt>
+        <dgm:pt modelId="31">
+          <dgm:prSet phldr="1"/>
+        </dgm:pt>
+        <dgm:pt modelId="32">
+          <dgm:prSet phldr="1"/>
+        </dgm:pt>
+      </dgm:ptLst>
+      <dgm:cxnLst>
+        <dgm:cxn modelId="4" srcId="0" destId="1" srcOrd="0" destOrd="0"/>
+        <dgm:cxn modelId="5" srcId="0" destId="2" srcOrd="1" destOrd="0"/>
+        <dgm:cxn modelId="6" srcId="0" destId="3" srcOrd="2" destOrd="0"/>
+        <dgm:cxn modelId="13" srcId="1" destId="11" srcOrd="0" destOrd="0"/>
+        <dgm:cxn modelId="14" srcId="1" destId="12" srcOrd="1" destOrd="0"/>
+        <dgm:cxn modelId="23" srcId="2" destId="21" srcOrd="0" destOrd="0"/>
+        <dgm:cxn modelId="24" srcId="2" destId="22" srcOrd="1" destOrd="0"/>
+        <dgm:cxn modelId="33" srcId="3" destId="31" srcOrd="0" destOrd="0"/>
+        <dgm:cxn modelId="34" srcId="3" destId="32" srcOrd="1" destOrd="0"/>
+      </dgm:cxnLst>
+      <dgm:bg/>
+      <dgm:whole/>
+    </dgm:dataModel>
+  </dgm:sampData>
+  <dgm:styleData>
+    <dgm:dataModel>
+      <dgm:ptLst>
+        <dgm:pt modelId="0" type="doc"/>
+        <dgm:pt modelId="1">
+          <dgm:prSet phldr="1"/>
+        </dgm:pt>
+        <dgm:pt modelId="2">
+          <dgm:prSet phldr="1"/>
+        </dgm:pt>
+      </dgm:ptLst>
+      <dgm:cxnLst>
+        <dgm:cxn modelId="3" srcId="0" destId="1" srcOrd="0" destOrd="0"/>
+        <dgm:cxn modelId="4" srcId="0" destId="2" srcOrd="1" destOrd="0"/>
+      </dgm:cxnLst>
+      <dgm:bg/>
+      <dgm:whole/>
+    </dgm:dataModel>
+  </dgm:styleData>
+  <dgm:clrData>
+    <dgm:dataModel>
+      <dgm:ptLst>
+        <dgm:pt modelId="0" type="doc"/>
+        <dgm:pt modelId="1">
+          <dgm:prSet phldr="1"/>
+        </dgm:pt>
+        <dgm:pt modelId="2">
+          <dgm:prSet phldr="1"/>
+        </dgm:pt>
+        <dgm:pt modelId="3">
+          <dgm:prSet phldr="1"/>
+        </dgm:pt>
+        <dgm:pt modelId="4">
+          <dgm:prSet phldr="1"/>
+        </dgm:pt>
+      </dgm:ptLst>
+      <dgm:cxnLst>
+        <dgm:cxn modelId="5" srcId="0" destId="1" srcOrd="0" destOrd="0"/>
+        <dgm:cxn modelId="6" srcId="0" destId="2" srcOrd="1" destOrd="0"/>
+        <dgm:cxn modelId="7" srcId="0" destId="3" srcOrd="2" destOrd="0"/>
+        <dgm:cxn modelId="8" srcId="0" destId="4" srcOrd="3" destOrd="0"/>
+      </dgm:cxnLst>
+      <dgm:bg/>
+      <dgm:whole/>
+    </dgm:dataModel>
+  </dgm:clrData>
+  <dgm:layoutNode name="Name0">
+    <dgm:varLst>
+      <dgm:dir/>
+      <dgm:animLvl val="lvl"/>
+      <dgm:resizeHandles val="exact"/>
+    </dgm:varLst>
+    <dgm:choose name="Name1">
+      <dgm:if name="Name2" func="var" arg="dir" op="equ" val="norm">
+        <dgm:alg type="lin"/>
+      </dgm:if>
+      <dgm:else name="Name3">
+        <dgm:alg type="lin">
+          <dgm:param type="linDir" val="fromR"/>
+        </dgm:alg>
+      </dgm:else>
+    </dgm:choose>
+    <dgm:shape xmlns:r="http://schemas.openxmlformats.org/officeDocument/2006/relationships" r:blip="">
+      <dgm:adjLst/>
+    </dgm:shape>
+    <dgm:presOf/>
+    <dgm:constrLst>
+      <dgm:constr type="h" for="ch" forName="composite" refType="h"/>
+      <dgm:constr type="w" for="ch" forName="composite" refType="w"/>
+      <dgm:constr type="w" for="des" forName="parTx"/>
+      <dgm:constr type="h" for="des" forName="parTx" op="equ"/>
+      <dgm:constr type="w" for="des" forName="desTx"/>
+      <dgm:constr type="h" for="des" forName="desTx" op="equ"/>
+      <dgm:constr type="primFontSz" for="des" forName="parTx" val="65"/>
+      <dgm:constr type="secFontSz" for="des" forName="desTx" refType="primFontSz" refFor="des" refForName="parTx" op="equ"/>
+      <dgm:constr type="h" for="des" forName="parTx" refType="primFontSz" refFor="des" refForName="parTx" fact="0.8"/>
+      <dgm:constr type="h" for="des" forName="desTx" refType="primFontSz" refFor="des" refForName="parTx" fact="1.22"/>
+      <dgm:constr type="w" for="ch" forName="space" refType="w" refFor="ch" refForName="composite" op="equ" fact="0.14"/>
+    </dgm:constrLst>
+    <dgm:ruleLst>
+      <dgm:rule type="w" for="ch" forName="composite" val="0" fact="NaN" max="NaN"/>
+      <dgm:rule type="primFontSz" for="des" forName="parTx" val="5" fact="NaN" max="NaN"/>
+    </dgm:ruleLst>
+    <dgm:forEach name="Name4" axis="ch" ptType="node">
+      <dgm:layoutNode name="composite">
+        <dgm:alg type="composite"/>
+        <dgm:shape xmlns:r="http://schemas.openxmlformats.org/officeDocument/2006/relationships" r:blip="">
+          <dgm:adjLst/>
+        </dgm:shape>
+        <dgm:presOf/>
+        <dgm:constrLst>
+          <dgm:constr type="l" for="ch" forName="parTx"/>
+          <dgm:constr type="w" for="ch" forName="parTx" refType="w"/>
+          <dgm:constr type="t" for="ch" forName="parTx"/>
+          <dgm:constr type="l" for="ch" forName="desTx"/>
+          <dgm:constr type="w" for="ch" forName="desTx" refType="w" refFor="ch" refForName="parTx"/>
+          <dgm:constr type="t" for="ch" forName="desTx" refType="h" refFor="ch" refForName="parTx"/>
+        </dgm:constrLst>
+        <dgm:ruleLst>
+          <dgm:rule type="h" val="INF" fact="NaN" max="NaN"/>
+        </dgm:ruleLst>
+        <dgm:layoutNode name="parTx" styleLbl="alignNode1">
+          <dgm:varLst>
+            <dgm:chMax val="0"/>
+            <dgm:chPref val="0"/>
+            <dgm:bulletEnabled val="1"/>
+          </dgm:varLst>
+          <dgm:alg type="tx"/>
+          <dgm:shape xmlns:r="http://schemas.openxmlformats.org/officeDocument/2006/relationships" type="rect" r:blip="">
+            <dgm:adjLst/>
+          </dgm:shape>
+          <dgm:presOf axis="self" ptType="node"/>
+          <dgm:constrLst>
+            <dgm:constr type="h" refType="w" op="lte" fact="0.4"/>
+            <dgm:constr type="h"/>
+            <dgm:constr type="tMarg" refType="primFontSz" fact="0.32"/>
+            <dgm:constr type="bMarg" refType="primFontSz" fact="0.32"/>
+          </dgm:constrLst>
+          <dgm:ruleLst>
+            <dgm:rule type="h" val="INF" fact="NaN" max="NaN"/>
+          </dgm:ruleLst>
+        </dgm:layoutNode>
+        <dgm:layoutNode name="desTx" styleLbl="alignAccFollowNode1">
+          <dgm:varLst>
+            <dgm:bulletEnabled val="1"/>
+          </dgm:varLst>
+          <dgm:alg type="tx">
+            <dgm:param type="stBulletLvl" val="1"/>
+          </dgm:alg>
+          <dgm:shape xmlns:r="http://schemas.openxmlformats.org/officeDocument/2006/relationships" type="rect" r:blip="">
+            <dgm:adjLst/>
+          </dgm:shape>
+          <dgm:presOf axis="des" ptType="node"/>
+          <dgm:constrLst>
+            <dgm:constr type="secFontSz" val="65"/>
+            <dgm:constr type="primFontSz" refType="secFontSz"/>
+            <dgm:constr type="h"/>
+            <dgm:constr type="lMarg" refType="primFontSz" fact="0.42"/>
+            <dgm:constr type="tMarg" refType="primFontSz" fact="0.42"/>
+            <dgm:constr type="bMarg" refType="primFontSz" fact="0.63"/>
+          </dgm:constrLst>
+          <dgm:ruleLst>
+            <dgm:rule type="h" val="INF" fact="NaN" max="NaN"/>
+          </dgm:ruleLst>
+        </dgm:layoutNode>
+      </dgm:layoutNode>
+      <dgm:forEach name="Name5" axis="followSib" ptType="sibTrans" cnt="1">
+        <dgm:layoutNode name="space">
+          <dgm:alg type="sp"/>
+          <dgm:shape xmlns:r="http://schemas.openxmlformats.org/officeDocument/2006/relationships" r:blip="">
+            <dgm:adjLst/>
+          </dgm:shape>
+          <dgm:presOf/>
+          <dgm:constrLst/>
+          <dgm:ruleLst/>
+        </dgm:layoutNode>
+      </dgm:forEach>
+    </dgm:forEach>
+  </dgm:layoutNode>
+</dgm:layoutDef>
+</file>
+
+<file path=ppt/diagrams/layout3.xml><?xml version="1.0" encoding="utf-8"?>
+<dgm:layoutDef xmlns:dgm="http://schemas.openxmlformats.org/drawingml/2006/diagram" xmlns:a="http://schemas.openxmlformats.org/drawingml/2006/main" uniqueId="urn:microsoft.com/office/officeart/2005/8/layout/hList1">
+  <dgm:title val=""/>
+  <dgm:desc val=""/>
+  <dgm:catLst>
+    <dgm:cat type="list" pri="5000"/>
+    <dgm:cat type="convert" pri="5000"/>
+  </dgm:catLst>
+  <dgm:sampData>
+    <dgm:dataModel>
+      <dgm:ptLst>
+        <dgm:pt modelId="0" type="doc"/>
+        <dgm:pt modelId="1">
+          <dgm:prSet phldr="1"/>
+        </dgm:pt>
+        <dgm:pt modelId="11">
+          <dgm:prSet phldr="1"/>
+        </dgm:pt>
+        <dgm:pt modelId="12">
+          <dgm:prSet phldr="1"/>
+        </dgm:pt>
+        <dgm:pt modelId="2">
+          <dgm:prSet phldr="1"/>
+        </dgm:pt>
+        <dgm:pt modelId="21">
+          <dgm:prSet phldr="1"/>
+        </dgm:pt>
+        <dgm:pt modelId="22">
+          <dgm:prSet phldr="1"/>
+        </dgm:pt>
+        <dgm:pt modelId="3">
+          <dgm:prSet phldr="1"/>
+        </dgm:pt>
+        <dgm:pt modelId="31">
+          <dgm:prSet phldr="1"/>
+        </dgm:pt>
+        <dgm:pt modelId="32">
+          <dgm:prSet phldr="1"/>
+        </dgm:pt>
+      </dgm:ptLst>
+      <dgm:cxnLst>
+        <dgm:cxn modelId="4" srcId="0" destId="1" srcOrd="0" destOrd="0"/>
+        <dgm:cxn modelId="5" srcId="0" destId="2" srcOrd="1" destOrd="0"/>
+        <dgm:cxn modelId="6" srcId="0" destId="3" srcOrd="2" destOrd="0"/>
+        <dgm:cxn modelId="13" srcId="1" destId="11" srcOrd="0" destOrd="0"/>
+        <dgm:cxn modelId="14" srcId="1" destId="12" srcOrd="1" destOrd="0"/>
+        <dgm:cxn modelId="23" srcId="2" destId="21" srcOrd="0" destOrd="0"/>
+        <dgm:cxn modelId="24" srcId="2" destId="22" srcOrd="1" destOrd="0"/>
+        <dgm:cxn modelId="33" srcId="3" destId="31" srcOrd="0" destOrd="0"/>
+        <dgm:cxn modelId="34" srcId="3" destId="32" srcOrd="1" destOrd="0"/>
+      </dgm:cxnLst>
+      <dgm:bg/>
+      <dgm:whole/>
+    </dgm:dataModel>
+  </dgm:sampData>
+  <dgm:styleData>
+    <dgm:dataModel>
+      <dgm:ptLst>
+        <dgm:pt modelId="0" type="doc"/>
+        <dgm:pt modelId="1">
+          <dgm:prSet phldr="1"/>
+        </dgm:pt>
+        <dgm:pt modelId="2">
+          <dgm:prSet phldr="1"/>
+        </dgm:pt>
+      </dgm:ptLst>
+      <dgm:cxnLst>
+        <dgm:cxn modelId="3" srcId="0" destId="1" srcOrd="0" destOrd="0"/>
+        <dgm:cxn modelId="4" srcId="0" destId="2" srcOrd="1" destOrd="0"/>
+      </dgm:cxnLst>
+      <dgm:bg/>
+      <dgm:whole/>
+    </dgm:dataModel>
+  </dgm:styleData>
+  <dgm:clrData>
+    <dgm:dataModel>
+      <dgm:ptLst>
+        <dgm:pt modelId="0" type="doc"/>
+        <dgm:pt modelId="1">
+          <dgm:prSet phldr="1"/>
+        </dgm:pt>
+        <dgm:pt modelId="2">
+          <dgm:prSet phldr="1"/>
+        </dgm:pt>
+        <dgm:pt modelId="3">
+          <dgm:prSet phldr="1"/>
+        </dgm:pt>
+        <dgm:pt modelId="4">
+          <dgm:prSet phldr="1"/>
+        </dgm:pt>
+      </dgm:ptLst>
+      <dgm:cxnLst>
+        <dgm:cxn modelId="5" srcId="0" destId="1" srcOrd="0" destOrd="0"/>
+        <dgm:cxn modelId="6" srcId="0" destId="2" srcOrd="1" destOrd="0"/>
+        <dgm:cxn modelId="7" srcId="0" destId="3" srcOrd="2" destOrd="0"/>
+        <dgm:cxn modelId="8" srcId="0" destId="4" srcOrd="3" destOrd="0"/>
+      </dgm:cxnLst>
+      <dgm:bg/>
+      <dgm:whole/>
+    </dgm:dataModel>
+  </dgm:clrData>
+  <dgm:layoutNode name="Name0">
+    <dgm:varLst>
+      <dgm:dir/>
+      <dgm:animLvl val="lvl"/>
+      <dgm:resizeHandles val="exact"/>
+    </dgm:varLst>
+    <dgm:choose name="Name1">
+      <dgm:if name="Name2" func="var" arg="dir" op="equ" val="norm">
+        <dgm:alg type="lin"/>
+      </dgm:if>
+      <dgm:else name="Name3">
+        <dgm:alg type="lin">
+          <dgm:param type="linDir" val="fromR"/>
+        </dgm:alg>
+      </dgm:else>
+    </dgm:choose>
+    <dgm:shape xmlns:r="http://schemas.openxmlformats.org/officeDocument/2006/relationships" r:blip="">
+      <dgm:adjLst/>
+    </dgm:shape>
+    <dgm:presOf/>
+    <dgm:constrLst>
+      <dgm:constr type="h" for="ch" forName="composite" refType="h"/>
+      <dgm:constr type="w" for="ch" forName="composite" refType="w"/>
+      <dgm:constr type="w" for="des" forName="parTx"/>
+      <dgm:constr type="h" for="des" forName="parTx" op="equ"/>
+      <dgm:constr type="w" for="des" forName="desTx"/>
+      <dgm:constr type="h" for="des" forName="desTx" op="equ"/>
+      <dgm:constr type="primFontSz" for="des" forName="parTx" val="65"/>
+      <dgm:constr type="secFontSz" for="des" forName="desTx" refType="primFontSz" refFor="des" refForName="parTx" op="equ"/>
+      <dgm:constr type="h" for="des" forName="parTx" refType="primFontSz" refFor="des" refForName="parTx" fact="0.8"/>
+      <dgm:constr type="h" for="des" forName="desTx" refType="primFontSz" refFor="des" refForName="parTx" fact="1.22"/>
+      <dgm:constr type="w" for="ch" forName="space" refType="w" refFor="ch" refForName="composite" op="equ" fact="0.14"/>
+    </dgm:constrLst>
+    <dgm:ruleLst>
+      <dgm:rule type="w" for="ch" forName="composite" val="0" fact="NaN" max="NaN"/>
+      <dgm:rule type="primFontSz" for="des" forName="parTx" val="5" fact="NaN" max="NaN"/>
+    </dgm:ruleLst>
+    <dgm:forEach name="Name4" axis="ch" ptType="node">
+      <dgm:layoutNode name="composite">
+        <dgm:alg type="composite"/>
+        <dgm:shape xmlns:r="http://schemas.openxmlformats.org/officeDocument/2006/relationships" r:blip="">
+          <dgm:adjLst/>
+        </dgm:shape>
+        <dgm:presOf/>
+        <dgm:constrLst>
+          <dgm:constr type="l" for="ch" forName="parTx"/>
+          <dgm:constr type="w" for="ch" forName="parTx" refType="w"/>
+          <dgm:constr type="t" for="ch" forName="parTx"/>
+          <dgm:constr type="l" for="ch" forName="desTx"/>
+          <dgm:constr type="w" for="ch" forName="desTx" refType="w" refFor="ch" refForName="parTx"/>
+          <dgm:constr type="t" for="ch" forName="desTx" refType="h" refFor="ch" refForName="parTx"/>
+        </dgm:constrLst>
+        <dgm:ruleLst>
+          <dgm:rule type="h" val="INF" fact="NaN" max="NaN"/>
+        </dgm:ruleLst>
+        <dgm:layoutNode name="parTx" styleLbl="alignNode1">
+          <dgm:varLst>
+            <dgm:chMax val="0"/>
+            <dgm:chPref val="0"/>
+            <dgm:bulletEnabled val="1"/>
+          </dgm:varLst>
+          <dgm:alg type="tx"/>
+          <dgm:shape xmlns:r="http://schemas.openxmlformats.org/officeDocument/2006/relationships" type="rect" r:blip="">
+            <dgm:adjLst/>
+          </dgm:shape>
+          <dgm:presOf axis="self" ptType="node"/>
+          <dgm:constrLst>
+            <dgm:constr type="h" refType="w" op="lte" fact="0.4"/>
+            <dgm:constr type="h"/>
+            <dgm:constr type="tMarg" refType="primFontSz" fact="0.32"/>
+            <dgm:constr type="bMarg" refType="primFontSz" fact="0.32"/>
+          </dgm:constrLst>
+          <dgm:ruleLst>
+            <dgm:rule type="h" val="INF" fact="NaN" max="NaN"/>
+          </dgm:ruleLst>
+        </dgm:layoutNode>
+        <dgm:layoutNode name="desTx" styleLbl="alignAccFollowNode1">
+          <dgm:varLst>
+            <dgm:bulletEnabled val="1"/>
+          </dgm:varLst>
+          <dgm:alg type="tx">
+            <dgm:param type="stBulletLvl" val="1"/>
+          </dgm:alg>
+          <dgm:shape xmlns:r="http://schemas.openxmlformats.org/officeDocument/2006/relationships" type="rect" r:blip="">
+            <dgm:adjLst/>
+          </dgm:shape>
+          <dgm:presOf axis="des" ptType="node"/>
+          <dgm:constrLst>
+            <dgm:constr type="secFontSz" val="65"/>
+            <dgm:constr type="primFontSz" refType="secFontSz"/>
+            <dgm:constr type="h"/>
+            <dgm:constr type="lMarg" refType="primFontSz" fact="0.42"/>
+            <dgm:constr type="tMarg" refType="primFontSz" fact="0.42"/>
+            <dgm:constr type="bMarg" refType="primFontSz" fact="0.63"/>
+          </dgm:constrLst>
+          <dgm:ruleLst>
+            <dgm:rule type="h" val="INF" fact="NaN" max="NaN"/>
+          </dgm:ruleLst>
+        </dgm:layoutNode>
+      </dgm:layoutNode>
+      <dgm:forEach name="Name5" axis="followSib" ptType="sibTrans" cnt="1">
+        <dgm:layoutNode name="space">
+          <dgm:alg type="sp"/>
+          <dgm:shape xmlns:r="http://schemas.openxmlformats.org/officeDocument/2006/relationships" r:blip="">
+            <dgm:adjLst/>
+          </dgm:shape>
+          <dgm:presOf/>
+          <dgm:constrLst/>
+          <dgm:ruleLst/>
+        </dgm:layoutNode>
+      </dgm:forEach>
+    </dgm:forEach>
+  </dgm:layoutNode>
+</dgm:layoutDef>
+</file>
+
+<file path=ppt/diagrams/quickStyle1.xml><?xml version="1.0" encoding="utf-8"?>
+<dgm:styleDef xmlns:dgm="http://schemas.openxmlformats.org/drawingml/2006/diagram" xmlns:a="http://schemas.openxmlformats.org/drawingml/2006/main" uniqueId="urn:microsoft.com/office/officeart/2005/8/quickstyle/simple1">
+  <dgm:title val=""/>
+  <dgm:desc val=""/>
+  <dgm:catLst>
+    <dgm:cat type="simple" pri="10100"/>
+  </dgm:catLst>
+  <dgm:scene3d>
+    <a:camera prst="orthographicFront"/>
+    <a:lightRig rig="threePt" dir="t"/>
+  </dgm:scene3d>
+  <dgm:styleLbl name="node0">
+    <dgm:scene3d>
+      <a:camera prst="orthographicFront"/>
+      <a:lightRig rig="threePt" dir="t"/>
+    </dgm:scene3d>
+    <dgm:sp3d/>
+    <dgm:txPr/>
+    <dgm:style>
+      <a:lnRef idx="2">
+        <a:scrgbClr r="0" g="0" b="0"/>
+      </a:lnRef>
+      <a:fillRef idx="1">
+        <a:scrgbClr r="0" g="0" b="0"/>
+      </a:fillRef>
+      <a:effectRef idx="0">
+        <a:scrgbClr r="0" g="0" b="0"/>
+      </a:effectRef>
+      <a:fontRef idx="minor">
+        <a:schemeClr val="lt1"/>
+      </a:fontRef>
+    </dgm:style>
+  </dgm:styleLbl>
+  <dgm:styleLbl name="lnNode1">
+    <dgm:scene3d>
+      <a:camera prst="orthographicFront"/>
+      <a:lightRig rig="threePt" dir="t"/>
+    </dgm:scene3d>
+    <dgm:sp3d/>
+    <dgm:txPr/>
+    <dgm:style>
+      <a:lnRef idx="2">
+        <a:scrgbClr r="0" g="0" b="0"/>
+      </a:lnRef>
+      <a:fillRef idx="1">
+        <a:scrgbClr r="0" g="0" b="0"/>
+      </a:fillRef>
+      <a:effectRef idx="0">
+        <a:scrgbClr r="0" g="0" b="0"/>
+      </a:effectRef>
+      <a:fontRef idx="minor">
+        <a:schemeClr val="lt1"/>
+      </a:fontRef>
+    </dgm:style>
+  </dgm:styleLbl>
+  <dgm:styleLbl name="vennNode1">
+    <dgm:scene3d>
+      <a:camera prst="orthographicFront"/>
+      <a:lightRig rig="threePt" dir="t"/>
+    </dgm:scene3d>
+    <dgm:sp3d/>
+    <dgm:txPr/>
+    <dgm:style>
+      <a:lnRef idx="2">
+        <a:scrgbClr r="0" g="0" b="0"/>
+      </a:lnRef>
+      <a:fillRef idx="1">
+        <a:scrgbClr r="0" g="0" b="0"/>
+      </a:fillRef>
+      <a:effectRef idx="0">
+        <a:scrgbClr r="0" g="0" b="0"/>
+      </a:effectRef>
+      <a:fontRef idx="minor">
+        <a:schemeClr val="tx1"/>
+      </a:fontRef>
+    </dgm:style>
+  </dgm:styleLbl>
+  <dgm:styleLbl name="alignNode1">
+    <dgm:scene3d>
+      <a:camera prst="orthographicFront"/>
+      <a:lightRig rig="threePt" dir="t"/>
+    </dgm:scene3d>
+    <dgm:sp3d/>
+    <dgm:txPr/>
+    <dgm:style>
+      <a:lnRef idx="2">
+        <a:scrgbClr r="0" g="0" b="0"/>
+      </a:lnRef>
+      <a:fillRef idx="1">
+        <a:scrgbClr r="0" g="0" b="0"/>
+      </a:fillRef>
+      <a:effectRef idx="0">
+        <a:scrgbClr r="0" g="0" b="0"/>
+      </a:effectRef>
+      <a:fontRef idx="minor">
+        <a:schemeClr val="lt1"/>
+      </a:fontRef>
+    </dgm:style>
+  </dgm:styleLbl>
+  <dgm:styleLbl name="node1">
+    <dgm:scene3d>
+      <a:camera prst="orthographicFront"/>
+      <a:lightRig rig="threePt" dir="t"/>
+    </dgm:scene3d>
+    <dgm:sp3d/>
+    <dgm:txPr/>
+    <dgm:style>
+      <a:lnRef idx="2">
+        <a:scrgbClr r="0" g="0" b="0"/>
+      </a:lnRef>
+      <a:fillRef idx="1">
+        <a:scrgbClr r="0" g="0" b="0"/>
+      </a:fillRef>
+      <a:effectRef idx="0">
+        <a:scrgbClr r="0" g="0" b="0"/>
+      </a:effectRef>
+      <a:fontRef idx="minor">
+        <a:schemeClr val="lt1"/>
+      </a:fontRef>
+    </dgm:style>
+  </dgm:styleLbl>
+  <dgm:styleLbl name="node2">
+    <dgm:scene3d>
+      <a:camera prst="orthographicFront"/>
+      <a:lightRig rig="threePt" dir="t"/>
+    </dgm:scene3d>
+    <dgm:sp3d/>
+    <dgm:txPr/>
+    <dgm:style>
+      <a:lnRef idx="2">
+        <a:scrgbClr r="0" g="0" b="0"/>
+      </a:lnRef>
+      <a:fillRef idx="1">
+        <a:scrgbClr r="0" g="0" b="0"/>
+      </a:fillRef>
+      <a:effectRef idx="0">
+        <a:scrgbClr r="0" g="0" b="0"/>
+      </a:effectRef>
+      <a:fontRef idx="minor">
+        <a:schemeClr val="lt1"/>
+      </a:fontRef>
+    </dgm:style>
+  </dgm:styleLbl>
+  <dgm:styleLbl name="node3">
+    <dgm:scene3d>
+      <a:camera prst="orthographicFront"/>
+      <a:lightRig rig="threePt" dir="t"/>
+    </dgm:scene3d>
+    <dgm:sp3d/>
+    <dgm:txPr/>
+    <dgm:style>
+      <a:lnRef idx="2">
+        <a:scrgbClr r="0" g="0" b="0"/>
+      </a:lnRef>
+      <a:fillRef idx="1">
+        <a:scrgbClr r="0" g="0" b="0"/>
+      </a:fillRef>
+      <a:effectRef idx="0">
+        <a:scrgbClr r="0" g="0" b="0"/>
+      </a:effectRef>
+      <a:fontRef idx="minor">
+        <a:schemeClr val="lt1"/>
+      </a:fontRef>
+    </dgm:style>
+  </dgm:styleLbl>
+  <dgm:styleLbl name="node4">
+    <dgm:scene3d>
+      <a:camera prst="orthographicFront"/>
+      <a:lightRig rig="threePt" dir="t"/>
+    </dgm:scene3d>
+    <dgm:sp3d/>
+    <dgm:txPr/>
+    <dgm:style>
+      <a:lnRef idx="2">
+        <a:scrgbClr r="0" g="0" b="0"/>
+      </a:lnRef>
+      <a:fillRef idx="1">
+        <a:scrgbClr r="0" g="0" b="0"/>
+      </a:fillRef>
+      <a:effectRef idx="0">
+        <a:scrgbClr r="0" g="0" b="0"/>
+      </a:effectRef>
+      <a:fontRef idx="minor">
+        <a:schemeClr val="lt1"/>
+      </a:fontRef>
+    </dgm:style>
+  </dgm:styleLbl>
+  <dgm:styleLbl name="fgImgPlace1">
+    <dgm:scene3d>
+      <a:camera prst="orthographicFront"/>
+      <a:lightRig rig="threePt" dir="t"/>
+    </dgm:scene3d>
+    <dgm:sp3d/>
+    <dgm:txPr/>
+    <dgm:style>
+      <a:lnRef idx="2">
+        <a:scrgbClr r="0" g="0" b="0"/>
+      </a:lnRef>
+      <a:fillRef idx="1">
+        <a:scrgbClr r="0" g="0" b="0"/>
+      </a:fillRef>
+      <a:effectRef idx="0">
+        <a:scrgbClr r="0" g="0" b="0"/>
+      </a:effectRef>
+      <a:fontRef idx="minor"/>
+    </dgm:style>
+  </dgm:styleLbl>
+  <dgm:styleLbl name="alignImgPlace1">
+    <dgm:scene3d>
+      <a:camera prst="orthographicFront"/>
+      <a:lightRig rig="threePt" dir="t"/>
+    </dgm:scene3d>
+    <dgm:sp3d/>
+    <dgm:txPr/>
+    <dgm:style>
+      <a:lnRef idx="2">
+        <a:scrgbClr r="0" g="0" b="0"/>
+      </a:lnRef>
+      <a:fillRef idx="1">
+        <a:scrgbClr r="0" g="0" b="0"/>
+      </a:fillRef>
+      <a:effectRef idx="0">
+        <a:scrgbClr r="0" g="0" b="0"/>
+      </a:effectRef>
+      <a:fontRef idx="minor"/>
+    </dgm:style>
+  </dgm:styleLbl>
+  <dgm:styleLbl name="bgImgPlace1">
+    <dgm:scene3d>
+      <a:camera prst="orthographicFront"/>
+      <a:lightRig rig="threePt" dir="t"/>
+    </dgm:scene3d>
+    <dgm:sp3d/>
+    <dgm:txPr/>
+    <dgm:style>
+      <a:lnRef idx="2">
+        <a:scrgbClr r="0" g="0" b="0"/>
+      </a:lnRef>
+      <a:fillRef idx="1">
+        <a:scrgbClr r="0" g="0" b="0"/>
+      </a:fillRef>
+      <a:effectRef idx="0">
+        <a:scrgbClr r="0" g="0" b="0"/>
+      </a:effectRef>
+      <a:fontRef idx="minor"/>
+    </dgm:style>
+  </dgm:styleLbl>
+  <dgm:styleLbl name="sibTrans2D1">
+    <dgm:scene3d>
+      <a:camera prst="orthographicFront"/>
+      <a:lightRig rig="threePt" dir="t"/>
+    </dgm:scene3d>
+    <dgm:sp3d/>
+    <dgm:txPr/>
+    <dgm:style>
+      <a:lnRef idx="0">
+        <a:scrgbClr r="0" g="0" b="0"/>
+      </a:lnRef>
+      <a:fillRef idx="1">
+        <a:scrgbClr r="0" g="0" b="0"/>
+      </a:fillRef>
+      <a:effectRef idx="0">
+        <a:scrgbClr r="0" g="0" b="0"/>
+      </a:effectRef>
+      <a:fontRef idx="minor">
+        <a:schemeClr val="lt1"/>
+      </a:fontRef>
+    </dgm:style>
+  </dgm:styleLbl>
+  <dgm:styleLbl name="fgSibTrans2D1">
+    <dgm:scene3d>
+      <a:camera prst="orthographicFront"/>
+      <a:lightRig rig="threePt" dir="t"/>
+    </dgm:scene3d>
+    <dgm:sp3d/>
+    <dgm:txPr/>
+    <dgm:style>
+      <a:lnRef idx="0">
+        <a:scrgbClr r="0" g="0" b="0"/>
+      </a:lnRef>
+      <a:fillRef idx="1">
+        <a:scrgbClr r="0" g="0" b="0"/>
+      </a:fillRef>
+      <a:effectRef idx="0">
+        <a:scrgbClr r="0" g="0" b="0"/>
+      </a:effectRef>
+      <a:fontRef idx="minor">
+        <a:schemeClr val="lt1"/>
+      </a:fontRef>
+    </dgm:style>
+  </dgm:styleLbl>
+  <dgm:styleLbl name="bgSibTrans2D1">
+    <dgm:scene3d>
+      <a:camera prst="orthographicFront"/>
+      <a:lightRig rig="threePt" dir="t"/>
+    </dgm:scene3d>
+    <dgm:sp3d/>
+    <dgm:txPr/>
+    <dgm:style>
+      <a:lnRef idx="0">
+        <a:scrgbClr r="0" g="0" b="0"/>
+      </a:lnRef>
+      <a:fillRef idx="1">
+        <a:scrgbClr r="0" g="0" b="0"/>
+      </a:fillRef>
+      <a:effectRef idx="0">
+        <a:scrgbClr r="0" g="0" b="0"/>
+      </a:effectRef>
+      <a:fontRef idx="minor">
+        <a:schemeClr val="lt1"/>
+      </a:fontRef>
+    </dgm:style>
+  </dgm:styleLbl>
+  <dgm:styleLbl name="sibTrans1D1">
+    <dgm:scene3d>
+      <a:camera prst="orthographicFront"/>
+      <a:lightRig rig="threePt" dir="t"/>
+    </dgm:scene3d>
+    <dgm:sp3d/>
+    <dgm:txPr/>
+    <dgm:style>
+      <a:lnRef idx="1">
+        <a:scrgbClr r="0" g="0" b="0"/>
+      </a:lnRef>
+      <a:fillRef idx="0">
+        <a:scrgbClr r="0" g="0" b="0"/>
+      </a:fillRef>
+      <a:effectRef idx="0">
+        <a:scrgbClr r="0" g="0" b="0"/>
+      </a:effectRef>
+      <a:fontRef idx="minor"/>
+    </dgm:style>
+  </dgm:styleLbl>
+  <dgm:styleLbl name="callout">
+    <dgm:scene3d>
+      <a:camera prst="orthographicFront"/>
+      <a:lightRig rig="threePt" dir="t"/>
+    </dgm:scene3d>
+    <dgm:sp3d/>
+    <dgm:txPr/>
+    <dgm:style>
+      <a:lnRef idx="2">
+        <a:scrgbClr r="0" g="0" b="0"/>
+      </a:lnRef>
+      <a:fillRef idx="1">
+        <a:scrgbClr r="0" g="0" b="0"/>
+      </a:fillRef>
+      <a:effectRef idx="0">
+        <a:scrgbClr r="0" g="0" b="0"/>
+      </a:effectRef>
+      <a:fontRef idx="minor"/>
+    </dgm:style>
+  </dgm:styleLbl>
+  <dgm:styleLbl name="asst0">
+    <dgm:scene3d>
+      <a:camera prst="orthographicFront"/>
+      <a:lightRig rig="threePt" dir="t"/>
+    </dgm:scene3d>
+    <dgm:sp3d/>
+    <dgm:txPr/>
+    <dgm:style>
+      <a:lnRef idx="2">
+        <a:scrgbClr r="0" g="0" b="0"/>
+      </a:lnRef>
+      <a:fillRef idx="1">
+        <a:scrgbClr r="0" g="0" b="0"/>
+      </a:fillRef>
+      <a:effectRef idx="0">
+        <a:scrgbClr r="0" g="0" b="0"/>
+      </a:effectRef>
+      <a:fontRef idx="minor">
+        <a:schemeClr val="lt1"/>
+      </a:fontRef>
+    </dgm:style>
+  </dgm:styleLbl>
+  <dgm:styleLbl name="asst1">
+    <dgm:scene3d>
+      <a:camera prst="orthographicFront"/>
+      <a:lightRig rig="threePt" dir="t"/>
+    </dgm:scene3d>
+    <dgm:sp3d/>
+    <dgm:txPr/>
+    <dgm:style>
+      <a:lnRef idx="2">
+        <a:scrgbClr r="0" g="0" b="0"/>
+      </a:lnRef>
+      <a:fillRef idx="1">
+        <a:scrgbClr r="0" g="0" b="0"/>
+      </a:fillRef>
+      <a:effectRef idx="0">
+        <a:scrgbClr r="0" g="0" b="0"/>
+      </a:effectRef>
+      <a:fontRef idx="minor">
+        <a:schemeClr val="lt1"/>
+      </a:fontRef>
+    </dgm:style>
+  </dgm:styleLbl>
+  <dgm:styleLbl name="asst2">
+    <dgm:scene3d>
+      <a:camera prst="orthographicFront"/>
+      <a:lightRig rig="threePt" dir="t"/>
+    </dgm:scene3d>
+    <dgm:sp3d/>
+    <dgm:txPr/>
+    <dgm:style>
+      <a:lnRef idx="2">
+        <a:scrgbClr r="0" g="0" b="0"/>
+      </a:lnRef>
+      <a:fillRef idx="1">
+        <a:scrgbClr r="0" g="0" b="0"/>
+      </a:fillRef>
+      <a:effectRef idx="0">
+        <a:scrgbClr r="0" g="0" b="0"/>
+      </a:effectRef>
+      <a:fontRef idx="minor">
+        <a:schemeClr val="lt1"/>
+      </a:fontRef>
+    </dgm:style>
+  </dgm:styleLbl>
+  <dgm:styleLbl name="asst3">
+    <dgm:scene3d>
+      <a:camera prst="orthographicFront"/>
+      <a:lightRig rig="threePt" dir="t"/>
+    </dgm:scene3d>
+    <dgm:sp3d/>
+    <dgm:txPr/>
+    <dgm:style>
+      <a:lnRef idx="2">
+        <a:scrgbClr r="0" g="0" b="0"/>
+      </a:lnRef>
+      <a:fillRef idx="1">
+        <a:scrgbClr r="0" g="0" b="0"/>
+      </a:fillRef>
+      <a:effectRef idx="0">
+        <a:scrgbClr r="0" g="0" b="0"/>
+      </a:effectRef>
+      <a:fontRef idx="minor">
+        <a:schemeClr val="lt1"/>
+      </a:fontRef>
+    </dgm:style>
+  </dgm:styleLbl>
+  <dgm:styleLbl name="asst4">
+    <dgm:scene3d>
+      <a:camera prst="orthographicFront"/>
+      <a:lightRig rig="threePt" dir="t"/>
+    </dgm:scene3d>
+    <dgm:sp3d/>
+    <dgm:txPr/>
+    <dgm:style>
+      <a:lnRef idx="2">
+        <a:scrgbClr r="0" g="0" b="0"/>
+      </a:lnRef>
+      <a:fillRef idx="1">
+        <a:scrgbClr r="0" g="0" b="0"/>
+      </a:fillRef>
+      <a:effectRef idx="0">
+        <a:scrgbClr r="0" g="0" b="0"/>
+      </a:effectRef>
+      <a:fontRef idx="minor">
+        <a:schemeClr val="lt1"/>
+      </a:fontRef>
+    </dgm:style>
+  </dgm:styleLbl>
+  <dgm:styleLbl name="parChTrans2D1">
+    <dgm:scene3d>
+      <a:camera prst="orthographicFront"/>
+      <a:lightRig rig="threePt" dir="t"/>
+    </dgm:scene3d>
+    <dgm:sp3d/>
+    <dgm:txPr/>
+    <dgm:style>
+      <a:lnRef idx="2">
+        <a:scrgbClr r="0" g="0" b="0"/>
+      </a:lnRef>
+      <a:fillRef idx="1">
+        <a:scrgbClr r="0" g="0" b="0"/>
+      </a:fillRef>
+      <a:effectRef idx="0">
+        <a:scrgbClr r="0" g="0" b="0"/>
+      </a:effectRef>
+      <a:fontRef idx="minor">
+        <a:schemeClr val="lt1"/>
+      </a:fontRef>
+    </dgm:style>
+  </dgm:styleLbl>
+  <dgm:styleLbl name="parChTrans2D2">
+    <dgm:scene3d>
+      <a:camera prst="orthographicFront"/>
+      <a:lightRig rig="threePt" dir="t"/>
+    </dgm:scene3d>
+    <dgm:sp3d/>
+    <dgm:txPr/>
+    <dgm:style>
+      <a:lnRef idx="2">
+        <a:scrgbClr r="0" g="0" b="0"/>
+      </a:lnRef>
+      <a:fillRef idx="1">
+        <a:scrgbClr r="0" g="0" b="0"/>
+      </a:fillRef>
+      <a:effectRef idx="0">
+        <a:scrgbClr r="0" g="0" b="0"/>
+      </a:effectRef>
+      <a:fontRef idx="minor">
+        <a:schemeClr val="lt1"/>
+      </a:fontRef>
+    </dgm:style>
+  </dgm:styleLbl>
+  <dgm:styleLbl name="parChTrans2D3">
+    <dgm:scene3d>
+      <a:camera prst="orthographicFront"/>
+      <a:lightRig rig="threePt" dir="t"/>
+    </dgm:scene3d>
+    <dgm:sp3d/>
+    <dgm:txPr/>
+    <dgm:style>
+      <a:lnRef idx="2">
+        <a:scrgbClr r="0" g="0" b="0"/>
+      </a:lnRef>
+      <a:fillRef idx="1">
+        <a:scrgbClr r="0" g="0" b="0"/>
+      </a:fillRef>
+      <a:effectRef idx="0">
+        <a:scrgbClr r="0" g="0" b="0"/>
+      </a:effectRef>
+      <a:fontRef idx="minor">
+        <a:schemeClr val="lt1"/>
+      </a:fontRef>
+    </dgm:style>
+  </dgm:styleLbl>
+  <dgm:styleLbl name="parChTrans2D4">
+    <dgm:scene3d>
+      <a:camera prst="orthographicFront"/>
+      <a:lightRig rig="threePt" dir="t"/>
+    </dgm:scene3d>
+    <dgm:sp3d/>
+    <dgm:txPr/>
+    <dgm:style>
+      <a:lnRef idx="2">
+        <a:scrgbClr r="0" g="0" b="0"/>
+      </a:lnRef>
+      <a:fillRef idx="1">
+        <a:scrgbClr r="0" g="0" b="0"/>
+      </a:fillRef>
+      <a:effectRef idx="0">
+        <a:scrgbClr r="0" g="0" b="0"/>
+      </a:effectRef>
+      <a:fontRef idx="minor">
+        <a:schemeClr val="lt1"/>
+      </a:fontRef>
+    </dgm:style>
+  </dgm:styleLbl>
+  <dgm:styleLbl name="parChTrans1D1">
+    <dgm:scene3d>
+      <a:camera prst="orthographicFront"/>
+      <a:lightRig rig="threePt" dir="t"/>
+    </dgm:scene3d>
+    <dgm:sp3d/>
+    <dgm:txPr/>
+    <dgm:style>
+      <a:lnRef idx="2">
+        <a:scrgbClr r="0" g="0" b="0"/>
+      </a:lnRef>
+      <a:fillRef idx="0">
+        <a:scrgbClr r="0" g="0" b="0"/>
+      </a:fillRef>
+      <a:effectRef idx="0">
+        <a:scrgbClr r="0" g="0" b="0"/>
+      </a:effectRef>
+      <a:fontRef idx="minor"/>
+    </dgm:style>
+  </dgm:styleLbl>
+  <dgm:styleLbl name="parChTrans1D2">
+    <dgm:scene3d>
+      <a:camera prst="orthographicFront"/>
+      <a:lightRig rig="threePt" dir="t"/>
+    </dgm:scene3d>
+    <dgm:sp3d/>
+    <dgm:txPr/>
+    <dgm:style>
+      <a:lnRef idx="2">
+        <a:scrgbClr r="0" g="0" b="0"/>
+      </a:lnRef>
+      <a:fillRef idx="0">
+        <a:scrgbClr r="0" g="0" b="0"/>
+      </a:fillRef>
+      <a:effectRef idx="0">
+        <a:scrgbClr r="0" g="0" b="0"/>
+      </a:effectRef>
+      <a:fontRef idx="minor"/>
+    </dgm:style>
+  </dgm:styleLbl>
+  <dgm:styleLbl name="parChTrans1D3">
+    <dgm:scene3d>
+      <a:camera prst="orthographicFront"/>
+      <a:lightRig rig="threePt" dir="t"/>
+    </dgm:scene3d>
+    <dgm:sp3d/>
+    <dgm:txPr/>
+    <dgm:style>
+      <a:lnRef idx="2">
+        <a:scrgbClr r="0" g="0" b="0"/>
+      </a:lnRef>
+      <a:fillRef idx="0">
+        <a:scrgbClr r="0" g="0" b="0"/>
+      </a:fillRef>
+      <a:effectRef idx="0">
+        <a:scrgbClr r="0" g="0" b="0"/>
+      </a:effectRef>
+      <a:fontRef idx="minor"/>
+    </dgm:style>
+  </dgm:styleLbl>
+  <dgm:styleLbl name="parChTrans1D4">
+    <dgm:scene3d>
+      <a:camera prst="orthographicFront"/>
+      <a:lightRig rig="threePt" dir="t"/>
+    </dgm:scene3d>
+    <dgm:sp3d/>
+    <dgm:txPr/>
+    <dgm:style>
+      <a:lnRef idx="2">
+        <a:scrgbClr r="0" g="0" b="0"/>
+      </a:lnRef>
+      <a:fillRef idx="0">
+        <a:scrgbClr r="0" g="0" b="0"/>
+      </a:fillRef>
+      <a:effectRef idx="0">
+        <a:scrgbClr r="0" g="0" b="0"/>
+      </a:effectRef>
+      <a:fontRef idx="minor"/>
+    </dgm:style>
+  </dgm:styleLbl>
+  <dgm:styleLbl name="fgAcc1">
+    <dgm:scene3d>
+      <a:camera prst="orthographicFront"/>
+      <a:lightRig rig="threePt" dir="t"/>
+    </dgm:scene3d>
+    <dgm:sp3d/>
+    <dgm:txPr/>
+    <dgm:style>
+      <a:lnRef idx="2">
+        <a:scrgbClr r="0" g="0" b="0"/>
+      </a:lnRef>
+      <a:fillRef idx="1">
+        <a:scrgbClr r="0" g="0" b="0"/>
+      </a:fillRef>
+      <a:effectRef idx="0">
+        <a:scrgbClr r="0" g="0" b="0"/>
+      </a:effectRef>
+      <a:fontRef idx="minor"/>
+    </dgm:style>
+  </dgm:styleLbl>
+  <dgm:styleLbl name="conFgAcc1">
+    <dgm:scene3d>
+      <a:camera prst="orthographicFront"/>
+      <a:lightRig rig="threePt" dir="t"/>
+    </dgm:scene3d>
+    <dgm:sp3d/>
+    <dgm:txPr/>
+    <dgm:style>
+      <a:lnRef idx="2">
+        <a:scrgbClr r="0" g="0" b="0"/>
+      </a:lnRef>
+      <a:fillRef idx="1">
+        <a:scrgbClr r="0" g="0" b="0"/>
+      </a:fillRef>
+      <a:effectRef idx="0">
+        <a:scrgbClr r="0" g="0" b="0"/>
+      </a:effectRef>
+      <a:fontRef idx="minor"/>
+    </dgm:style>
+  </dgm:styleLbl>
+  <dgm:styleLbl name="alignAcc1">
+    <dgm:scene3d>
+      <a:camera prst="orthographicFront"/>
+      <a:lightRig rig="threePt" dir="t"/>
+    </dgm:scene3d>
+    <dgm:sp3d/>
+    <dgm:txPr/>
+    <dgm:style>
+      <a:lnRef idx="2">
+        <a:scrgbClr r="0" g="0" b="0"/>
+      </a:lnRef>
+      <a:fillRef idx="1">
+        <a:scrgbClr r="0" g="0" b="0"/>
+      </a:fillRef>
+      <a:effectRef idx="0">
+        <a:scrgbClr r="0" g="0" b="0"/>
+      </a:effectRef>
+      <a:fontRef idx="minor"/>
+    </dgm:style>
+  </dgm:styleLbl>
+  <dgm:styleLbl name="trAlignAcc1">
+    <dgm:scene3d>
+      <a:camera prst="orthographicFront"/>
+      <a:lightRig rig="threePt" dir="t"/>
+    </dgm:scene3d>
+    <dgm:sp3d/>
+    <dgm:txPr/>
+    <dgm:style>
+      <a:lnRef idx="1">
+        <a:scrgbClr r="0" g="0" b="0"/>
+      </a:lnRef>
+      <a:fillRef idx="1">
+        <a:scrgbClr r="0" g="0" b="0"/>
+      </a:fillRef>
+      <a:effectRef idx="0">
+        <a:scrgbClr r="0" g="0" b="0"/>
+      </a:effectRef>
+      <a:fontRef idx="minor"/>
+    </dgm:style>
+  </dgm:styleLbl>
+  <dgm:styleLbl name="bgAcc1">
+    <dgm:scene3d>
+      <a:camera prst="orthographicFront"/>
+      <a:lightRig rig="threePt" dir="t"/>
+    </dgm:scene3d>
+    <dgm:sp3d/>
+    <dgm:txPr/>
+    <dgm:style>
+      <a:lnRef idx="2">
+        <a:scrgbClr r="0" g="0" b="0"/>
+      </a:lnRef>
+      <a:fillRef idx="1">
+        <a:scrgbClr r="0" g="0" b="0"/>
+      </a:fillRef>
+      <a:effectRef idx="0">
+        <a:scrgbClr r="0" g="0" b="0"/>
+      </a:effectRef>
+      <a:fontRef idx="minor"/>
+    </dgm:style>
+  </dgm:styleLbl>
+  <dgm:styleLbl name="solidFgAcc1">
+    <dgm:scene3d>
+      <a:camera prst="orthographicFront"/>
+      <a:lightRig rig="threePt" dir="t"/>
+    </dgm:scene3d>
+    <dgm:sp3d/>
+    <dgm:txPr/>
+    <dgm:style>
+      <a:lnRef idx="2">
+        <a:scrgbClr r="0" g="0" b="0"/>
+      </a:lnRef>
+      <a:fillRef idx="1">
+        <a:scrgbClr r="0" g="0" b="0"/>
+      </a:fillRef>
+      <a:effectRef idx="0">
+        <a:scrgbClr r="0" g="0" b="0"/>
+      </a:effectRef>
+      <a:fontRef idx="minor"/>
+    </dgm:style>
+  </dgm:styleLbl>
+  <dgm:styleLbl name="solidAlignAcc1">
+    <dgm:scene3d>
+      <a:camera prst="orthographicFront"/>
+      <a:lightRig rig="threePt" dir="t"/>
+    </dgm:scene3d>
+    <dgm:sp3d/>
+    <dgm:txPr/>
+    <dgm:style>
+      <a:lnRef idx="2">
+        <a:scrgbClr r="0" g="0" b="0"/>
+      </a:lnRef>
+      <a:fillRef idx="1">
+        <a:scrgbClr r="0" g="0" b="0"/>
+      </a:fillRef>
+      <a:effectRef idx="0">
+        <a:scrgbClr r="0" g="0" b="0"/>
+      </a:effectRef>
+      <a:fontRef idx="minor"/>
+    </dgm:style>
+  </dgm:styleLbl>
+  <dgm:styleLbl name="solidBgAcc1">
+    <dgm:scene3d>
+      <a:camera prst="orthographicFront"/>
+      <a:lightRig rig="threePt" dir="t"/>
+    </dgm:scene3d>
+    <dgm:sp3d/>
+    <dgm:txPr/>
+    <dgm:style>
+      <a:lnRef idx="2">
+        <a:scrgbClr r="0" g="0" b="0"/>
+      </a:lnRef>
+      <a:fillRef idx="1">
+        <a:scrgbClr r="0" g="0" b="0"/>
+      </a:fillRef>
+      <a:effectRef idx="0">
+        <a:scrgbClr r="0" g="0" b="0"/>
+      </a:effectRef>
+      <a:fontRef idx="minor"/>
+    </dgm:style>
+  </dgm:styleLbl>
+  <dgm:styleLbl name="fgAccFollowNode1">
+    <dgm:scene3d>
+      <a:camera prst="orthographicFront"/>
+      <a:lightRig rig="threePt" dir="t"/>
+    </dgm:scene3d>
+    <dgm:sp3d/>
+    <dgm:txPr/>
+    <dgm:style>
+      <a:lnRef idx="2">
+        <a:scrgbClr r="0" g="0" b="0"/>
+      </a:lnRef>
+      <a:fillRef idx="1">
+        <a:scrgbClr r="0" g="0" b="0"/>
+      </a:fillRef>
+      <a:effectRef idx="0">
+        <a:scrgbClr r="0" g="0" b="0"/>
+      </a:effectRef>
+      <a:fontRef idx="minor"/>
+    </dgm:style>
+  </dgm:styleLbl>
+  <dgm:styleLbl name="alignAccFollowNode1">
+    <dgm:scene3d>
+      <a:camera prst="orthographicFront"/>
+      <a:lightRig rig="threePt" dir="t"/>
+    </dgm:scene3d>
+    <dgm:sp3d/>
+    <dgm:txPr/>
+    <dgm:style>
+      <a:lnRef idx="2">
+        <a:scrgbClr r="0" g="0" b="0"/>
+      </a:lnRef>
+      <a:fillRef idx="1">
+        <a:scrgbClr r="0" g="0" b="0"/>
+      </a:fillRef>
+      <a:effectRef idx="0">
+        <a:scrgbClr r="0" g="0" b="0"/>
+      </a:effectRef>
+      <a:fontRef idx="minor"/>
+    </dgm:style>
+  </dgm:styleLbl>
+  <dgm:styleLbl name="bgAccFollowNode1">
+    <dgm:scene3d>
+      <a:camera prst="orthographicFront"/>
+      <a:lightRig rig="threePt" dir="t"/>
+    </dgm:scene3d>
+    <dgm:sp3d/>
+    <dgm:txPr/>
+    <dgm:style>
+      <a:lnRef idx="2">
+        <a:scrgbClr r="0" g="0" b="0"/>
+      </a:lnRef>
+      <a:fillRef idx="1">
+        <a:scrgbClr r="0" g="0" b="0"/>
+      </a:fillRef>
+      <a:effectRef idx="0">
+        <a:scrgbClr r="0" g="0" b="0"/>
+      </a:effectRef>
+      <a:fontRef idx="minor"/>
+    </dgm:style>
+  </dgm:styleLbl>
+  <dgm:styleLbl name="fgAcc0">
+    <dgm:scene3d>
+      <a:camera prst="orthographicFront"/>
+      <a:lightRig rig="threePt" dir="t"/>
+    </dgm:scene3d>
+    <dgm:sp3d/>
+    <dgm:txPr/>
+    <dgm:style>
+      <a:lnRef idx="2">
+        <a:scrgbClr r="0" g="0" b="0"/>
+      </a:lnRef>
+      <a:fillRef idx="1">
+        <a:scrgbClr r="0" g="0" b="0"/>
+      </a:fillRef>
+      <a:effectRef idx="0">
+        <a:scrgbClr r="0" g="0" b="0"/>
+      </a:effectRef>
+      <a:fontRef idx="minor"/>
+    </dgm:style>
+  </dgm:styleLbl>
+  <dgm:styleLbl name="fgAcc2">
+    <dgm:scene3d>
+      <a:camera prst="orthographicFront"/>
+      <a:lightRig rig="threePt" dir="t"/>
+    </dgm:scene3d>
+    <dgm:sp3d/>
+    <dgm:txPr/>
+    <dgm:style>
+      <a:lnRef idx="2">
+        <a:scrgbClr r="0" g="0" b="0"/>
+      </a:lnRef>
+      <a:fillRef idx="1">
+        <a:scrgbClr r="0" g="0" b="0"/>
+      </a:fillRef>
+      <a:effectRef idx="0">
+        <a:scrgbClr r="0" g="0" b="0"/>
+      </a:effectRef>
+      <a:fontRef idx="minor"/>
+    </dgm:style>
+  </dgm:styleLbl>
+  <dgm:styleLbl name="fgAcc3">
+    <dgm:scene3d>
+      <a:camera prst="orthographicFront"/>
+      <a:lightRig rig="threePt" dir="t"/>
+    </dgm:scene3d>
+    <dgm:sp3d/>
+    <dgm:txPr/>
+    <dgm:style>
+      <a:lnRef idx="2">
+        <a:scrgbClr r="0" g="0" b="0"/>
+      </a:lnRef>
+      <a:fillRef idx="1">
+        <a:scrgbClr r="0" g="0" b="0"/>
+      </a:fillRef>
+      <a:effectRef idx="0">
+        <a:scrgbClr r="0" g="0" b="0"/>
+      </a:effectRef>
+      <a:fontRef idx="minor"/>
+    </dgm:style>
+  </dgm:styleLbl>
+  <dgm:styleLbl name="fgAcc4">
+    <dgm:scene3d>
+      <a:camera prst="orthographicFront"/>
+      <a:lightRig rig="threePt" dir="t"/>
+    </dgm:scene3d>
+    <dgm:sp3d/>
+    <dgm:txPr/>
+    <dgm:style>
+      <a:lnRef idx="2">
+        <a:scrgbClr r="0" g="0" b="0"/>
+      </a:lnRef>
+      <a:fillRef idx="1">
+        <a:scrgbClr r="0" g="0" b="0"/>
+      </a:fillRef>
+      <a:effectRef idx="0">
+        <a:scrgbClr r="0" g="0" b="0"/>
+      </a:effectRef>
+      <a:fontRef idx="minor"/>
+    </dgm:style>
+  </dgm:styleLbl>
+  <dgm:styleLbl name="bgShp">
+    <dgm:scene3d>
+      <a:camera prst="orthographicFront"/>
+      <a:lightRig rig="threePt" dir="t"/>
+    </dgm:scene3d>
+    <dgm:sp3d/>
+    <dgm:txPr/>
+    <dgm:style>
+      <a:lnRef idx="0">
+        <a:scrgbClr r="0" g="0" b="0"/>
+      </a:lnRef>
+      <a:fillRef idx="1">
+        <a:scrgbClr r="0" g="0" b="0"/>
+      </a:fillRef>
+      <a:effectRef idx="0">
+        <a:scrgbClr r="0" g="0" b="0"/>
+      </a:effectRef>
+      <a:fontRef idx="minor"/>
+    </dgm:style>
+  </dgm:styleLbl>
+  <dgm:styleLbl name="dkBgShp">
+    <dgm:scene3d>
+      <a:camera prst="orthographicFront"/>
+      <a:lightRig rig="threePt" dir="t"/>
+    </dgm:scene3d>
+    <dgm:sp3d/>
+    <dgm:txPr/>
+    <dgm:style>
+      <a:lnRef idx="0">
+        <a:scrgbClr r="0" g="0" b="0"/>
+      </a:lnRef>
+      <a:fillRef idx="1">
+        <a:scrgbClr r="0" g="0" b="0"/>
+      </a:fillRef>
+      <a:effectRef idx="0">
+        <a:scrgbClr r="0" g="0" b="0"/>
+      </a:effectRef>
+      <a:fontRef idx="minor"/>
+    </dgm:style>
+  </dgm:styleLbl>
+  <dgm:styleLbl name="trBgShp">
+    <dgm:scene3d>
+      <a:camera prst="orthographicFront"/>
+      <a:lightRig rig="threePt" dir="t"/>
+    </dgm:scene3d>
+    <dgm:sp3d/>
+    <dgm:txPr/>
+    <dgm:style>
+      <a:lnRef idx="0">
+        <a:scrgbClr r="0" g="0" b="0"/>
+      </a:lnRef>
+      <a:fillRef idx="1">
+        <a:scrgbClr r="0" g="0" b="0"/>
+      </a:fillRef>
+      <a:effectRef idx="0">
+        <a:scrgbClr r="0" g="0" b="0"/>
+      </a:effectRef>
+      <a:fontRef idx="minor"/>
+    </dgm:style>
+  </dgm:styleLbl>
+  <dgm:styleLbl name="fgShp">
+    <dgm:scene3d>
+      <a:camera prst="orthographicFront"/>
+      <a:lightRig rig="threePt" dir="t"/>
+    </dgm:scene3d>
+    <dgm:sp3d/>
+    <dgm:txPr/>
+    <dgm:style>
+      <a:lnRef idx="2">
+        <a:scrgbClr r="0" g="0" b="0"/>
+      </a:lnRef>
+      <a:fillRef idx="1">
+        <a:scrgbClr r="0" g="0" b="0"/>
+      </a:fillRef>
+      <a:effectRef idx="0">
+        <a:scrgbClr r="0" g="0" b="0"/>
+      </a:effectRef>
+      <a:fontRef idx="minor"/>
+    </dgm:style>
+  </dgm:styleLbl>
+  <dgm:styleLbl name="revTx">
+    <dgm:scene3d>
+      <a:camera prst="orthographicFront"/>
+      <a:lightRig rig="threePt" dir="t"/>
+    </dgm:scene3d>
+    <dgm:sp3d/>
+    <dgm:txPr/>
+    <dgm:style>
+      <a:lnRef idx="0">
+        <a:scrgbClr r="0" g="0" b="0"/>
+      </a:lnRef>
+      <a:fillRef idx="0">
+        <a:scrgbClr r="0" g="0" b="0"/>
+      </a:fillRef>
+      <a:effectRef idx="0">
+        <a:scrgbClr r="0" g="0" b="0"/>
+      </a:effectRef>
+      <a:fontRef idx="minor"/>
+    </dgm:style>
+  </dgm:styleLbl>
+</dgm:styleDef>
+</file>
+
+<file path=ppt/diagrams/quickStyle2.xml><?xml version="1.0" encoding="utf-8"?>
+<dgm:styleDef xmlns:dgm="http://schemas.openxmlformats.org/drawingml/2006/diagram" xmlns:a="http://schemas.openxmlformats.org/drawingml/2006/main" uniqueId="urn:microsoft.com/office/officeart/2005/8/quickstyle/simple1">
+  <dgm:title val=""/>
+  <dgm:desc val=""/>
+  <dgm:catLst>
+    <dgm:cat type="simple" pri="10100"/>
+  </dgm:catLst>
+  <dgm:scene3d>
+    <a:camera prst="orthographicFront"/>
+    <a:lightRig rig="threePt" dir="t"/>
+  </dgm:scene3d>
+  <dgm:styleLbl name="node0">
+    <dgm:scene3d>
+      <a:camera prst="orthographicFront"/>
+      <a:lightRig rig="threePt" dir="t"/>
+    </dgm:scene3d>
+    <dgm:sp3d/>
+    <dgm:txPr/>
+    <dgm:style>
+      <a:lnRef idx="2">
+        <a:scrgbClr r="0" g="0" b="0"/>
+      </a:lnRef>
+      <a:fillRef idx="1">
+        <a:scrgbClr r="0" g="0" b="0"/>
+      </a:fillRef>
+      <a:effectRef idx="0">
+        <a:scrgbClr r="0" g="0" b="0"/>
+      </a:effectRef>
+      <a:fontRef idx="minor">
+        <a:schemeClr val="lt1"/>
+      </a:fontRef>
+    </dgm:style>
+  </dgm:styleLbl>
+  <dgm:styleLbl name="lnNode1">
+    <dgm:scene3d>
+      <a:camera prst="orthographicFront"/>
+      <a:lightRig rig="threePt" dir="t"/>
+    </dgm:scene3d>
+    <dgm:sp3d/>
+    <dgm:txPr/>
+    <dgm:style>
+      <a:lnRef idx="2">
+        <a:scrgbClr r="0" g="0" b="0"/>
+      </a:lnRef>
+      <a:fillRef idx="1">
+        <a:scrgbClr r="0" g="0" b="0"/>
+      </a:fillRef>
+      <a:effectRef idx="0">
+        <a:scrgbClr r="0" g="0" b="0"/>
+      </a:effectRef>
+      <a:fontRef idx="minor">
+        <a:schemeClr val="lt1"/>
+      </a:fontRef>
+    </dgm:style>
+  </dgm:styleLbl>
+  <dgm:styleLbl name="vennNode1">
+    <dgm:scene3d>
+      <a:camera prst="orthographicFront"/>
+      <a:lightRig rig="threePt" dir="t"/>
+    </dgm:scene3d>
+    <dgm:sp3d/>
+    <dgm:txPr/>
+    <dgm:style>
+      <a:lnRef idx="2">
+        <a:scrgbClr r="0" g="0" b="0"/>
+      </a:lnRef>
+      <a:fillRef idx="1">
+        <a:scrgbClr r="0" g="0" b="0"/>
+      </a:fillRef>
+      <a:effectRef idx="0">
+        <a:scrgbClr r="0" g="0" b="0"/>
+      </a:effectRef>
+      <a:fontRef idx="minor">
+        <a:schemeClr val="tx1"/>
+      </a:fontRef>
+    </dgm:style>
+  </dgm:styleLbl>
+  <dgm:styleLbl name="alignNode1">
+    <dgm:scene3d>
+      <a:camera prst="orthographicFront"/>
+      <a:lightRig rig="threePt" dir="t"/>
+    </dgm:scene3d>
+    <dgm:sp3d/>
+    <dgm:txPr/>
+    <dgm:style>
+      <a:lnRef idx="2">
+        <a:scrgbClr r="0" g="0" b="0"/>
+      </a:lnRef>
+      <a:fillRef idx="1">
+        <a:scrgbClr r="0" g="0" b="0"/>
+      </a:fillRef>
+      <a:effectRef idx="0">
+        <a:scrgbClr r="0" g="0" b="0"/>
+      </a:effectRef>
+      <a:fontRef idx="minor">
+        <a:schemeClr val="lt1"/>
+      </a:fontRef>
+    </dgm:style>
+  </dgm:styleLbl>
+  <dgm:styleLbl name="node1">
+    <dgm:scene3d>
+      <a:camera prst="orthographicFront"/>
+      <a:lightRig rig="threePt" dir="t"/>
+    </dgm:scene3d>
+    <dgm:sp3d/>
+    <dgm:txPr/>
+    <dgm:style>
+      <a:lnRef idx="2">
+        <a:scrgbClr r="0" g="0" b="0"/>
+      </a:lnRef>
+      <a:fillRef idx="1">
+        <a:scrgbClr r="0" g="0" b="0"/>
+      </a:fillRef>
+      <a:effectRef idx="0">
+        <a:scrgbClr r="0" g="0" b="0"/>
+      </a:effectRef>
+      <a:fontRef idx="minor">
+        <a:schemeClr val="lt1"/>
+      </a:fontRef>
+    </dgm:style>
+  </dgm:styleLbl>
+  <dgm:styleLbl name="node2">
+    <dgm:scene3d>
+      <a:camera prst="orthographicFront"/>
+      <a:lightRig rig="threePt" dir="t"/>
+    </dgm:scene3d>
+    <dgm:sp3d/>
+    <dgm:txPr/>
+    <dgm:style>
+      <a:lnRef idx="2">
+        <a:scrgbClr r="0" g="0" b="0"/>
+      </a:lnRef>
+      <a:fillRef idx="1">
+        <a:scrgbClr r="0" g="0" b="0"/>
+      </a:fillRef>
+      <a:effectRef idx="0">
+        <a:scrgbClr r="0" g="0" b="0"/>
+      </a:effectRef>
+      <a:fontRef idx="minor">
+        <a:schemeClr val="lt1"/>
+      </a:fontRef>
+    </dgm:style>
+  </dgm:styleLbl>
+  <dgm:styleLbl name="node3">
+    <dgm:scene3d>
+      <a:camera prst="orthographicFront"/>
+      <a:lightRig rig="threePt" dir="t"/>
+    </dgm:scene3d>
+    <dgm:sp3d/>
+    <dgm:txPr/>
+    <dgm:style>
+      <a:lnRef idx="2">
+        <a:scrgbClr r="0" g="0" b="0"/>
+      </a:lnRef>
+      <a:fillRef idx="1">
+        <a:scrgbClr r="0" g="0" b="0"/>
+      </a:fillRef>
+      <a:effectRef idx="0">
+        <a:scrgbClr r="0" g="0" b="0"/>
+      </a:effectRef>
+      <a:fontRef idx="minor">
+        <a:schemeClr val="lt1"/>
+      </a:fontRef>
+    </dgm:style>
+  </dgm:styleLbl>
+  <dgm:styleLbl name="node4">
+    <dgm:scene3d>
+      <a:camera prst="orthographicFront"/>
+      <a:lightRig rig="threePt" dir="t"/>
+    </dgm:scene3d>
+    <dgm:sp3d/>
+    <dgm:txPr/>
+    <dgm:style>
+      <a:lnRef idx="2">
+        <a:scrgbClr r="0" g="0" b="0"/>
+      </a:lnRef>
+      <a:fillRef idx="1">
+        <a:scrgbClr r="0" g="0" b="0"/>
+      </a:fillRef>
+      <a:effectRef idx="0">
+        <a:scrgbClr r="0" g="0" b="0"/>
+      </a:effectRef>
+      <a:fontRef idx="minor">
+        <a:schemeClr val="lt1"/>
+      </a:fontRef>
+    </dgm:style>
+  </dgm:styleLbl>
+  <dgm:styleLbl name="fgImgPlace1">
+    <dgm:scene3d>
+      <a:camera prst="orthographicFront"/>
+      <a:lightRig rig="threePt" dir="t"/>
+    </dgm:scene3d>
+    <dgm:sp3d/>
+    <dgm:txPr/>
+    <dgm:style>
+      <a:lnRef idx="2">
+        <a:scrgbClr r="0" g="0" b="0"/>
+      </a:lnRef>
+      <a:fillRef idx="1">
+        <a:scrgbClr r="0" g="0" b="0"/>
+      </a:fillRef>
+      <a:effectRef idx="0">
+        <a:scrgbClr r="0" g="0" b="0"/>
+      </a:effectRef>
+      <a:fontRef idx="minor"/>
+    </dgm:style>
+  </dgm:styleLbl>
+  <dgm:styleLbl name="alignImgPlace1">
+    <dgm:scene3d>
+      <a:camera prst="orthographicFront"/>
+      <a:lightRig rig="threePt" dir="t"/>
+    </dgm:scene3d>
+    <dgm:sp3d/>
+    <dgm:txPr/>
+    <dgm:style>
+      <a:lnRef idx="2">
+        <a:scrgbClr r="0" g="0" b="0"/>
+      </a:lnRef>
+      <a:fillRef idx="1">
+        <a:scrgbClr r="0" g="0" b="0"/>
+      </a:fillRef>
+      <a:effectRef idx="0">
+        <a:scrgbClr r="0" g="0" b="0"/>
+      </a:effectRef>
+      <a:fontRef idx="minor"/>
+    </dgm:style>
+  </dgm:styleLbl>
+  <dgm:styleLbl name="bgImgPlace1">
+    <dgm:scene3d>
+      <a:camera prst="orthographicFront"/>
+      <a:lightRig rig="threePt" dir="t"/>
+    </dgm:scene3d>
+    <dgm:sp3d/>
+    <dgm:txPr/>
+    <dgm:style>
+      <a:lnRef idx="2">
+        <a:scrgbClr r="0" g="0" b="0"/>
+      </a:lnRef>
+      <a:fillRef idx="1">
+        <a:scrgbClr r="0" g="0" b="0"/>
+      </a:fillRef>
+      <a:effectRef idx="0">
+        <a:scrgbClr r="0" g="0" b="0"/>
+      </a:effectRef>
+      <a:fontRef idx="minor"/>
+    </dgm:style>
+  </dgm:styleLbl>
+  <dgm:styleLbl name="sibTrans2D1">
+    <dgm:scene3d>
+      <a:camera prst="orthographicFront"/>
+      <a:lightRig rig="threePt" dir="t"/>
+    </dgm:scene3d>
+    <dgm:sp3d/>
+    <dgm:txPr/>
+    <dgm:style>
+      <a:lnRef idx="0">
+        <a:scrgbClr r="0" g="0" b="0"/>
+      </a:lnRef>
+      <a:fillRef idx="1">
+        <a:scrgbClr r="0" g="0" b="0"/>
+      </a:fillRef>
+      <a:effectRef idx="0">
+        <a:scrgbClr r="0" g="0" b="0"/>
+      </a:effectRef>
+      <a:fontRef idx="minor">
+        <a:schemeClr val="lt1"/>
+      </a:fontRef>
+    </dgm:style>
+  </dgm:styleLbl>
+  <dgm:styleLbl name="fgSibTrans2D1">
+    <dgm:scene3d>
+      <a:camera prst="orthographicFront"/>
+      <a:lightRig rig="threePt" dir="t"/>
+    </dgm:scene3d>
+    <dgm:sp3d/>
+    <dgm:txPr/>
+    <dgm:style>
+      <a:lnRef idx="0">
+        <a:scrgbClr r="0" g="0" b="0"/>
+      </a:lnRef>
+      <a:fillRef idx="1">
+        <a:scrgbClr r="0" g="0" b="0"/>
+      </a:fillRef>
+      <a:effectRef idx="0">
+        <a:scrgbClr r="0" g="0" b="0"/>
+      </a:effectRef>
+      <a:fontRef idx="minor">
+        <a:schemeClr val="lt1"/>
+      </a:fontRef>
+    </dgm:style>
+  </dgm:styleLbl>
+  <dgm:styleLbl name="bgSibTrans2D1">
+    <dgm:scene3d>
+      <a:camera prst="orthographicFront"/>
+      <a:lightRig rig="threePt" dir="t"/>
+    </dgm:scene3d>
+    <dgm:sp3d/>
+    <dgm:txPr/>
+    <dgm:style>
+      <a:lnRef idx="0">
+        <a:scrgbClr r="0" g="0" b="0"/>
+      </a:lnRef>
+      <a:fillRef idx="1">
+        <a:scrgbClr r="0" g="0" b="0"/>
+      </a:fillRef>
+      <a:effectRef idx="0">
+        <a:scrgbClr r="0" g="0" b="0"/>
+      </a:effectRef>
+      <a:fontRef idx="minor">
+        <a:schemeClr val="lt1"/>
+      </a:fontRef>
+    </dgm:style>
+  </dgm:styleLbl>
+  <dgm:styleLbl name="sibTrans1D1">
+    <dgm:scene3d>
+      <a:camera prst="orthographicFront"/>
+      <a:lightRig rig="threePt" dir="t"/>
+    </dgm:scene3d>
+    <dgm:sp3d/>
+    <dgm:txPr/>
+    <dgm:style>
+      <a:lnRef idx="1">
+        <a:scrgbClr r="0" g="0" b="0"/>
+      </a:lnRef>
+      <a:fillRef idx="0">
+        <a:scrgbClr r="0" g="0" b="0"/>
+      </a:fillRef>
+      <a:effectRef idx="0">
+        <a:scrgbClr r="0" g="0" b="0"/>
+      </a:effectRef>
+      <a:fontRef idx="minor"/>
+    </dgm:style>
+  </dgm:styleLbl>
+  <dgm:styleLbl name="callout">
+    <dgm:scene3d>
+      <a:camera prst="orthographicFront"/>
+      <a:lightRig rig="threePt" dir="t"/>
+    </dgm:scene3d>
+    <dgm:sp3d/>
+    <dgm:txPr/>
+    <dgm:style>
+      <a:lnRef idx="2">
+        <a:scrgbClr r="0" g="0" b="0"/>
+      </a:lnRef>
+      <a:fillRef idx="1">
+        <a:scrgbClr r="0" g="0" b="0"/>
+      </a:fillRef>
+      <a:effectRef idx="0">
+        <a:scrgbClr r="0" g="0" b="0"/>
+      </a:effectRef>
+      <a:fontRef idx="minor"/>
+    </dgm:style>
+  </dgm:styleLbl>
+  <dgm:styleLbl name="asst0">
+    <dgm:scene3d>
+      <a:camera prst="orthographicFront"/>
+      <a:lightRig rig="threePt" dir="t"/>
+    </dgm:scene3d>
+    <dgm:sp3d/>
+    <dgm:txPr/>
+    <dgm:style>
+      <a:lnRef idx="2">
+        <a:scrgbClr r="0" g="0" b="0"/>
+      </a:lnRef>
+      <a:fillRef idx="1">
+        <a:scrgbClr r="0" g="0" b="0"/>
+      </a:fillRef>
+      <a:effectRef idx="0">
+        <a:scrgbClr r="0" g="0" b="0"/>
+      </a:effectRef>
+      <a:fontRef idx="minor">
+        <a:schemeClr val="lt1"/>
+      </a:fontRef>
+    </dgm:style>
+  </dgm:styleLbl>
+  <dgm:styleLbl name="asst1">
+    <dgm:scene3d>
+      <a:camera prst="orthographicFront"/>
+      <a:lightRig rig="threePt" dir="t"/>
+    </dgm:scene3d>
+    <dgm:sp3d/>
+    <dgm:txPr/>
+    <dgm:style>
+      <a:lnRef idx="2">
+        <a:scrgbClr r="0" g="0" b="0"/>
+      </a:lnRef>
+      <a:fillRef idx="1">
+        <a:scrgbClr r="0" g="0" b="0"/>
+      </a:fillRef>
+      <a:effectRef idx="0">
+        <a:scrgbClr r="0" g="0" b="0"/>
+      </a:effectRef>
+      <a:fontRef idx="minor">
+        <a:schemeClr val="lt1"/>
+      </a:fontRef>
+    </dgm:style>
+  </dgm:styleLbl>
+  <dgm:styleLbl name="asst2">
+    <dgm:scene3d>
+      <a:camera prst="orthographicFront"/>
+      <a:lightRig rig="threePt" dir="t"/>
+    </dgm:scene3d>
+    <dgm:sp3d/>
+    <dgm:txPr/>
+    <dgm:style>
+      <a:lnRef idx="2">
+        <a:scrgbClr r="0" g="0" b="0"/>
+      </a:lnRef>
+      <a:fillRef idx="1">
+        <a:scrgbClr r="0" g="0" b="0"/>
+      </a:fillRef>
+      <a:effectRef idx="0">
+        <a:scrgbClr r="0" g="0" b="0"/>
+      </a:effectRef>
+      <a:fontRef idx="minor">
+        <a:schemeClr val="lt1"/>
+      </a:fontRef>
+    </dgm:style>
+  </dgm:styleLbl>
+  <dgm:styleLbl name="asst3">
+    <dgm:scene3d>
+      <a:camera prst="orthographicFront"/>
+      <a:lightRig rig="threePt" dir="t"/>
+    </dgm:scene3d>
+    <dgm:sp3d/>
+    <dgm:txPr/>
+    <dgm:style>
+      <a:lnRef idx="2">
+        <a:scrgbClr r="0" g="0" b="0"/>
+      </a:lnRef>
+      <a:fillRef idx="1">
+        <a:scrgbClr r="0" g="0" b="0"/>
+      </a:fillRef>
+      <a:effectRef idx="0">
+        <a:scrgbClr r="0" g="0" b="0"/>
+      </a:effectRef>
+      <a:fontRef idx="minor">
+        <a:schemeClr val="lt1"/>
+      </a:fontRef>
+    </dgm:style>
+  </dgm:styleLbl>
+  <dgm:styleLbl name="asst4">
+    <dgm:scene3d>
+      <a:camera prst="orthographicFront"/>
+      <a:lightRig rig="threePt" dir="t"/>
+    </dgm:scene3d>
+    <dgm:sp3d/>
+    <dgm:txPr/>
+    <dgm:style>
+      <a:lnRef idx="2">
+        <a:scrgbClr r="0" g="0" b="0"/>
+      </a:lnRef>
+      <a:fillRef idx="1">
+        <a:scrgbClr r="0" g="0" b="0"/>
+      </a:fillRef>
+      <a:effectRef idx="0">
+        <a:scrgbClr r="0" g="0" b="0"/>
+      </a:effectRef>
+      <a:fontRef idx="minor">
+        <a:schemeClr val="lt1"/>
+      </a:fontRef>
+    </dgm:style>
+  </dgm:styleLbl>
+  <dgm:styleLbl name="parChTrans2D1">
+    <dgm:scene3d>
+      <a:camera prst="orthographicFront"/>
+      <a:lightRig rig="threePt" dir="t"/>
+    </dgm:scene3d>
+    <dgm:sp3d/>
+    <dgm:txPr/>
+    <dgm:style>
+      <a:lnRef idx="2">
+        <a:scrgbClr r="0" g="0" b="0"/>
+      </a:lnRef>
+      <a:fillRef idx="1">
+        <a:scrgbClr r="0" g="0" b="0"/>
+      </a:fillRef>
+      <a:effectRef idx="0">
+        <a:scrgbClr r="0" g="0" b="0"/>
+      </a:effectRef>
+      <a:fontRef idx="minor">
+        <a:schemeClr val="lt1"/>
+      </a:fontRef>
+    </dgm:style>
+  </dgm:styleLbl>
+  <dgm:styleLbl name="parChTrans2D2">
+    <dgm:scene3d>
+      <a:camera prst="orthographicFront"/>
+      <a:lightRig rig="threePt" dir="t"/>
+    </dgm:scene3d>
+    <dgm:sp3d/>
+    <dgm:txPr/>
+    <dgm:style>
+      <a:lnRef idx="2">
+        <a:scrgbClr r="0" g="0" b="0"/>
+      </a:lnRef>
+      <a:fillRef idx="1">
+        <a:scrgbClr r="0" g="0" b="0"/>
+      </a:fillRef>
+      <a:effectRef idx="0">
+        <a:scrgbClr r="0" g="0" b="0"/>
+      </a:effectRef>
+      <a:fontRef idx="minor">
+        <a:schemeClr val="lt1"/>
+      </a:fontRef>
+    </dgm:style>
+  </dgm:styleLbl>
+  <dgm:styleLbl name="parChTrans2D3">
+    <dgm:scene3d>
+      <a:camera prst="orthographicFront"/>
+      <a:lightRig rig="threePt" dir="t"/>
+    </dgm:scene3d>
+    <dgm:sp3d/>
+    <dgm:txPr/>
+    <dgm:style>
+      <a:lnRef idx="2">
+        <a:scrgbClr r="0" g="0" b="0"/>
+      </a:lnRef>
+      <a:fillRef idx="1">
+        <a:scrgbClr r="0" g="0" b="0"/>
+      </a:fillRef>
+      <a:effectRef idx="0">
+        <a:scrgbClr r="0" g="0" b="0"/>
+      </a:effectRef>
+      <a:fontRef idx="minor">
+        <a:schemeClr val="lt1"/>
+      </a:fontRef>
+    </dgm:style>
+  </dgm:styleLbl>
+  <dgm:styleLbl name="parChTrans2D4">
+    <dgm:scene3d>
+      <a:camera prst="orthographicFront"/>
+      <a:lightRig rig="threePt" dir="t"/>
+    </dgm:scene3d>
+    <dgm:sp3d/>
+    <dgm:txPr/>
+    <dgm:style>
+      <a:lnRef idx="2">
+        <a:scrgbClr r="0" g="0" b="0"/>
+      </a:lnRef>
+      <a:fillRef idx="1">
+        <a:scrgbClr r="0" g="0" b="0"/>
+      </a:fillRef>
+      <a:effectRef idx="0">
+        <a:scrgbClr r="0" g="0" b="0"/>
+      </a:effectRef>
+      <a:fontRef idx="minor">
+        <a:schemeClr val="lt1"/>
+      </a:fontRef>
+    </dgm:style>
+  </dgm:styleLbl>
+  <dgm:styleLbl name="parChTrans1D1">
+    <dgm:scene3d>
+      <a:camera prst="orthographicFront"/>
+      <a:lightRig rig="threePt" dir="t"/>
+    </dgm:scene3d>
+    <dgm:sp3d/>
+    <dgm:txPr/>
+    <dgm:style>
+      <a:lnRef idx="2">
+        <a:scrgbClr r="0" g="0" b="0"/>
+      </a:lnRef>
+      <a:fillRef idx="0">
+        <a:scrgbClr r="0" g="0" b="0"/>
+      </a:fillRef>
+      <a:effectRef idx="0">
+        <a:scrgbClr r="0" g="0" b="0"/>
+      </a:effectRef>
+      <a:fontRef idx="minor"/>
+    </dgm:style>
+  </dgm:styleLbl>
+  <dgm:styleLbl name="parChTrans1D2">
+    <dgm:scene3d>
+      <a:camera prst="orthographicFront"/>
+      <a:lightRig rig="threePt" dir="t"/>
+    </dgm:scene3d>
+    <dgm:sp3d/>
+    <dgm:txPr/>
+    <dgm:style>
+      <a:lnRef idx="2">
+        <a:scrgbClr r="0" g="0" b="0"/>
+      </a:lnRef>
+      <a:fillRef idx="0">
+        <a:scrgbClr r="0" g="0" b="0"/>
+      </a:fillRef>
+      <a:effectRef idx="0">
+        <a:scrgbClr r="0" g="0" b="0"/>
+      </a:effectRef>
+      <a:fontRef idx="minor"/>
+    </dgm:style>
+  </dgm:styleLbl>
+  <dgm:styleLbl name="parChTrans1D3">
+    <dgm:scene3d>
+      <a:camera prst="orthographicFront"/>
+      <a:lightRig rig="threePt" dir="t"/>
+    </dgm:scene3d>
+    <dgm:sp3d/>
+    <dgm:txPr/>
+    <dgm:style>
+      <a:lnRef idx="2">
+        <a:scrgbClr r="0" g="0" b="0"/>
+      </a:lnRef>
+      <a:fillRef idx="0">
+        <a:scrgbClr r="0" g="0" b="0"/>
+      </a:fillRef>
+      <a:effectRef idx="0">
+        <a:scrgbClr r="0" g="0" b="0"/>
+      </a:effectRef>
+      <a:fontRef idx="minor"/>
+    </dgm:style>
+  </dgm:styleLbl>
+  <dgm:styleLbl name="parChTrans1D4">
+    <dgm:scene3d>
+      <a:camera prst="orthographicFront"/>
+      <a:lightRig rig="threePt" dir="t"/>
+    </dgm:scene3d>
+    <dgm:sp3d/>
+    <dgm:txPr/>
+    <dgm:style>
+      <a:lnRef idx="2">
+        <a:scrgbClr r="0" g="0" b="0"/>
+      </a:lnRef>
+      <a:fillRef idx="0">
+        <a:scrgbClr r="0" g="0" b="0"/>
+      </a:fillRef>
+      <a:effectRef idx="0">
+        <a:scrgbClr r="0" g="0" b="0"/>
+      </a:effectRef>
+      <a:fontRef idx="minor"/>
+    </dgm:style>
+  </dgm:styleLbl>
+  <dgm:styleLbl name="fgAcc1">
+    <dgm:scene3d>
+      <a:camera prst="orthographicFront"/>
+      <a:lightRig rig="threePt" dir="t"/>
+    </dgm:scene3d>
+    <dgm:sp3d/>
+    <dgm:txPr/>
+    <dgm:style>
+      <a:lnRef idx="2">
+        <a:scrgbClr r="0" g="0" b="0"/>
+      </a:lnRef>
+      <a:fillRef idx="1">
+        <a:scrgbClr r="0" g="0" b="0"/>
+      </a:fillRef>
+      <a:effectRef idx="0">
+        <a:scrgbClr r="0" g="0" b="0"/>
+      </a:effectRef>
+      <a:fontRef idx="minor"/>
+    </dgm:style>
+  </dgm:styleLbl>
+  <dgm:styleLbl name="conFgAcc1">
+    <dgm:scene3d>
+      <a:camera prst="orthographicFront"/>
+      <a:lightRig rig="threePt" dir="t"/>
+    </dgm:scene3d>
+    <dgm:sp3d/>
+    <dgm:txPr/>
+    <dgm:style>
+      <a:lnRef idx="2">
+        <a:scrgbClr r="0" g="0" b="0"/>
+      </a:lnRef>
+      <a:fillRef idx="1">
+        <a:scrgbClr r="0" g="0" b="0"/>
+      </a:fillRef>
+      <a:effectRef idx="0">
+        <a:scrgbClr r="0" g="0" b="0"/>
+      </a:effectRef>
+      <a:fontRef idx="minor"/>
+    </dgm:style>
+  </dgm:styleLbl>
+  <dgm:styleLbl name="alignAcc1">
+    <dgm:scene3d>
+      <a:camera prst="orthographicFront"/>
+      <a:lightRig rig="threePt" dir="t"/>
+    </dgm:scene3d>
+    <dgm:sp3d/>
+    <dgm:txPr/>
+    <dgm:style>
+      <a:lnRef idx="2">
+        <a:scrgbClr r="0" g="0" b="0"/>
+      </a:lnRef>
+      <a:fillRef idx="1">
+        <a:scrgbClr r="0" g="0" b="0"/>
+      </a:fillRef>
+      <a:effectRef idx="0">
+        <a:scrgbClr r="0" g="0" b="0"/>
+      </a:effectRef>
+      <a:fontRef idx="minor"/>
+    </dgm:style>
+  </dgm:styleLbl>
+  <dgm:styleLbl name="trAlignAcc1">
+    <dgm:scene3d>
+      <a:camera prst="orthographicFront"/>
+      <a:lightRig rig="threePt" dir="t"/>
+    </dgm:scene3d>
+    <dgm:sp3d/>
+    <dgm:txPr/>
+    <dgm:style>
+      <a:lnRef idx="1">
+        <a:scrgbClr r="0" g="0" b="0"/>
+      </a:lnRef>
+      <a:fillRef idx="1">
+        <a:scrgbClr r="0" g="0" b="0"/>
+      </a:fillRef>
+      <a:effectRef idx="0">
+        <a:scrgbClr r="0" g="0" b="0"/>
+      </a:effectRef>
+      <a:fontRef idx="minor"/>
+    </dgm:style>
+  </dgm:styleLbl>
+  <dgm:styleLbl name="bgAcc1">
+    <dgm:scene3d>
+      <a:camera prst="orthographicFront"/>
+      <a:lightRig rig="threePt" dir="t"/>
+    </dgm:scene3d>
+    <dgm:sp3d/>
+    <dgm:txPr/>
+    <dgm:style>
+      <a:lnRef idx="2">
+        <a:scrgbClr r="0" g="0" b="0"/>
+      </a:lnRef>
+      <a:fillRef idx="1">
+        <a:scrgbClr r="0" g="0" b="0"/>
+      </a:fillRef>
+      <a:effectRef idx="0">
+        <a:scrgbClr r="0" g="0" b="0"/>
+      </a:effectRef>
+      <a:fontRef idx="minor"/>
+    </dgm:style>
+  </dgm:styleLbl>
+  <dgm:styleLbl name="solidFgAcc1">
+    <dgm:scene3d>
+      <a:camera prst="orthographicFront"/>
+      <a:lightRig rig="threePt" dir="t"/>
+    </dgm:scene3d>
+    <dgm:sp3d/>
+    <dgm:txPr/>
+    <dgm:style>
+      <a:lnRef idx="2">
+        <a:scrgbClr r="0" g="0" b="0"/>
+      </a:lnRef>
+      <a:fillRef idx="1">
+        <a:scrgbClr r="0" g="0" b="0"/>
+      </a:fillRef>
+      <a:effectRef idx="0">
+        <a:scrgbClr r="0" g="0" b="0"/>
+      </a:effectRef>
+      <a:fontRef idx="minor"/>
+    </dgm:style>
+  </dgm:styleLbl>
+  <dgm:styleLbl name="solidAlignAcc1">
+    <dgm:scene3d>
+      <a:camera prst="orthographicFront"/>
+      <a:lightRig rig="threePt" dir="t"/>
+    </dgm:scene3d>
+    <dgm:sp3d/>
+    <dgm:txPr/>
+    <dgm:style>
+      <a:lnRef idx="2">
+        <a:scrgbClr r="0" g="0" b="0"/>
+      </a:lnRef>
+      <a:fillRef idx="1">
+        <a:scrgbClr r="0" g="0" b="0"/>
+      </a:fillRef>
+      <a:effectRef idx="0">
+        <a:scrgbClr r="0" g="0" b="0"/>
+      </a:effectRef>
+      <a:fontRef idx="minor"/>
+    </dgm:style>
+  </dgm:styleLbl>
+  <dgm:styleLbl name="solidBgAcc1">
+    <dgm:scene3d>
+      <a:camera prst="orthographicFront"/>
+      <a:lightRig rig="threePt" dir="t"/>
+    </dgm:scene3d>
+    <dgm:sp3d/>
+    <dgm:txPr/>
+    <dgm:style>
+      <a:lnRef idx="2">
+        <a:scrgbClr r="0" g="0" b="0"/>
+      </a:lnRef>
+      <a:fillRef idx="1">
+        <a:scrgbClr r="0" g="0" b="0"/>
+      </a:fillRef>
+      <a:effectRef idx="0">
+        <a:scrgbClr r="0" g="0" b="0"/>
+      </a:effectRef>
+      <a:fontRef idx="minor"/>
+    </dgm:style>
+  </dgm:styleLbl>
+  <dgm:styleLbl name="fgAccFollowNode1">
+    <dgm:scene3d>
+      <a:camera prst="orthographicFront"/>
+      <a:lightRig rig="threePt" dir="t"/>
+    </dgm:scene3d>
+    <dgm:sp3d/>
+    <dgm:txPr/>
+    <dgm:style>
+      <a:lnRef idx="2">
+        <a:scrgbClr r="0" g="0" b="0"/>
+      </a:lnRef>
+      <a:fillRef idx="1">
+        <a:scrgbClr r="0" g="0" b="0"/>
+      </a:fillRef>
+      <a:effectRef idx="0">
+        <a:scrgbClr r="0" g="0" b="0"/>
+      </a:effectRef>
+      <a:fontRef idx="minor"/>
+    </dgm:style>
+  </dgm:styleLbl>
+  <dgm:styleLbl name="alignAccFollowNode1">
+    <dgm:scene3d>
+      <a:camera prst="orthographicFront"/>
+      <a:lightRig rig="threePt" dir="t"/>
+    </dgm:scene3d>
+    <dgm:sp3d/>
+    <dgm:txPr/>
+    <dgm:style>
+      <a:lnRef idx="2">
+        <a:scrgbClr r="0" g="0" b="0"/>
+      </a:lnRef>
+      <a:fillRef idx="1">
+        <a:scrgbClr r="0" g="0" b="0"/>
+      </a:fillRef>
+      <a:effectRef idx="0">
+        <a:scrgbClr r="0" g="0" b="0"/>
+      </a:effectRef>
+      <a:fontRef idx="minor"/>
+    </dgm:style>
+  </dgm:styleLbl>
+  <dgm:styleLbl name="bgAccFollowNode1">
+    <dgm:scene3d>
+      <a:camera prst="orthographicFront"/>
+      <a:lightRig rig="threePt" dir="t"/>
+    </dgm:scene3d>
+    <dgm:sp3d/>
+    <dgm:txPr/>
+    <dgm:style>
+      <a:lnRef idx="2">
+        <a:scrgbClr r="0" g="0" b="0"/>
+      </a:lnRef>
+      <a:fillRef idx="1">
+        <a:scrgbClr r="0" g="0" b="0"/>
+      </a:fillRef>
+      <a:effectRef idx="0">
+        <a:scrgbClr r="0" g="0" b="0"/>
+      </a:effectRef>
+      <a:fontRef idx="minor"/>
+    </dgm:style>
+  </dgm:styleLbl>
+  <dgm:styleLbl name="fgAcc0">
+    <dgm:scene3d>
+      <a:camera prst="orthographicFront"/>
+      <a:lightRig rig="threePt" dir="t"/>
+    </dgm:scene3d>
+    <dgm:sp3d/>
+    <dgm:txPr/>
+    <dgm:style>
+      <a:lnRef idx="2">
+        <a:scrgbClr r="0" g="0" b="0"/>
+      </a:lnRef>
+      <a:fillRef idx="1">
+        <a:scrgbClr r="0" g="0" b="0"/>
+      </a:fillRef>
+      <a:effectRef idx="0">
+        <a:scrgbClr r="0" g="0" b="0"/>
+      </a:effectRef>
+      <a:fontRef idx="minor"/>
+    </dgm:style>
+  </dgm:styleLbl>
+  <dgm:styleLbl name="fgAcc2">
+    <dgm:scene3d>
+      <a:camera prst="orthographicFront"/>
+      <a:lightRig rig="threePt" dir="t"/>
+    </dgm:scene3d>
+    <dgm:sp3d/>
+    <dgm:txPr/>
+    <dgm:style>
+      <a:lnRef idx="2">
+        <a:scrgbClr r="0" g="0" b="0"/>
+      </a:lnRef>
+      <a:fillRef idx="1">
+        <a:scrgbClr r="0" g="0" b="0"/>
+      </a:fillRef>
+      <a:effectRef idx="0">
+        <a:scrgbClr r="0" g="0" b="0"/>
+      </a:effectRef>
+      <a:fontRef idx="minor"/>
+    </dgm:style>
+  </dgm:styleLbl>
+  <dgm:styleLbl name="fgAcc3">
+    <dgm:scene3d>
+      <a:camera prst="orthographicFront"/>
+      <a:lightRig rig="threePt" dir="t"/>
+    </dgm:scene3d>
+    <dgm:sp3d/>
+    <dgm:txPr/>
+    <dgm:style>
+      <a:lnRef idx="2">
+        <a:scrgbClr r="0" g="0" b="0"/>
+      </a:lnRef>
+      <a:fillRef idx="1">
+        <a:scrgbClr r="0" g="0" b="0"/>
+      </a:fillRef>
+      <a:effectRef idx="0">
+        <a:scrgbClr r="0" g="0" b="0"/>
+      </a:effectRef>
+      <a:fontRef idx="minor"/>
+    </dgm:style>
+  </dgm:styleLbl>
+  <dgm:styleLbl name="fgAcc4">
+    <dgm:scene3d>
+      <a:camera prst="orthographicFront"/>
+      <a:lightRig rig="threePt" dir="t"/>
+    </dgm:scene3d>
+    <dgm:sp3d/>
+    <dgm:txPr/>
+    <dgm:style>
+      <a:lnRef idx="2">
+        <a:scrgbClr r="0" g="0" b="0"/>
+      </a:lnRef>
+      <a:fillRef idx="1">
+        <a:scrgbClr r="0" g="0" b="0"/>
+      </a:fillRef>
+      <a:effectRef idx="0">
+        <a:scrgbClr r="0" g="0" b="0"/>
+      </a:effectRef>
+      <a:fontRef idx="minor"/>
+    </dgm:style>
+  </dgm:styleLbl>
+  <dgm:styleLbl name="bgShp">
+    <dgm:scene3d>
+      <a:camera prst="orthographicFront"/>
+      <a:lightRig rig="threePt" dir="t"/>
+    </dgm:scene3d>
+    <dgm:sp3d/>
+    <dgm:txPr/>
+    <dgm:style>
+      <a:lnRef idx="0">
+        <a:scrgbClr r="0" g="0" b="0"/>
+      </a:lnRef>
+      <a:fillRef idx="1">
+        <a:scrgbClr r="0" g="0" b="0"/>
+      </a:fillRef>
+      <a:effectRef idx="0">
+        <a:scrgbClr r="0" g="0" b="0"/>
+      </a:effectRef>
+      <a:fontRef idx="minor"/>
+    </dgm:style>
+  </dgm:styleLbl>
+  <dgm:styleLbl name="dkBgShp">
+    <dgm:scene3d>
+      <a:camera prst="orthographicFront"/>
+      <a:lightRig rig="threePt" dir="t"/>
+    </dgm:scene3d>
+    <dgm:sp3d/>
+    <dgm:txPr/>
+    <dgm:style>
+      <a:lnRef idx="0">
+        <a:scrgbClr r="0" g="0" b="0"/>
+      </a:lnRef>
+      <a:fillRef idx="1">
+        <a:scrgbClr r="0" g="0" b="0"/>
+      </a:fillRef>
+      <a:effectRef idx="0">
+        <a:scrgbClr r="0" g="0" b="0"/>
+      </a:effectRef>
+      <a:fontRef idx="minor"/>
+    </dgm:style>
+  </dgm:styleLbl>
+  <dgm:styleLbl name="trBgShp">
+    <dgm:scene3d>
+      <a:camera prst="orthographicFront"/>
+      <a:lightRig rig="threePt" dir="t"/>
+    </dgm:scene3d>
+    <dgm:sp3d/>
+    <dgm:txPr/>
+    <dgm:style>
+      <a:lnRef idx="0">
+        <a:scrgbClr r="0" g="0" b="0"/>
+      </a:lnRef>
+      <a:fillRef idx="1">
+        <a:scrgbClr r="0" g="0" b="0"/>
+      </a:fillRef>
+      <a:effectRef idx="0">
+        <a:scrgbClr r="0" g="0" b="0"/>
+      </a:effectRef>
+      <a:fontRef idx="minor"/>
+    </dgm:style>
+  </dgm:styleLbl>
+  <dgm:styleLbl name="fgShp">
+    <dgm:scene3d>
+      <a:camera prst="orthographicFront"/>
+      <a:lightRig rig="threePt" dir="t"/>
+    </dgm:scene3d>
+    <dgm:sp3d/>
+    <dgm:txPr/>
+    <dgm:style>
+      <a:lnRef idx="2">
+        <a:scrgbClr r="0" g="0" b="0"/>
+      </a:lnRef>
+      <a:fillRef idx="1">
+        <a:scrgbClr r="0" g="0" b="0"/>
+      </a:fillRef>
+      <a:effectRef idx="0">
+        <a:scrgbClr r="0" g="0" b="0"/>
+      </a:effectRef>
+      <a:fontRef idx="minor"/>
+    </dgm:style>
+  </dgm:styleLbl>
+  <dgm:styleLbl name="revTx">
+    <dgm:scene3d>
+      <a:camera prst="orthographicFront"/>
+      <a:lightRig rig="threePt" dir="t"/>
+    </dgm:scene3d>
+    <dgm:sp3d/>
+    <dgm:txPr/>
+    <dgm:style>
+      <a:lnRef idx="0">
+        <a:scrgbClr r="0" g="0" b="0"/>
+      </a:lnRef>
+      <a:fillRef idx="0">
+        <a:scrgbClr r="0" g="0" b="0"/>
+      </a:fillRef>
+      <a:effectRef idx="0">
+        <a:scrgbClr r="0" g="0" b="0"/>
+      </a:effectRef>
+      <a:fontRef idx="minor"/>
+    </dgm:style>
+  </dgm:styleLbl>
+</dgm:styleDef>
+</file>
+
+<file path=ppt/diagrams/quickStyle3.xml><?xml version="1.0" encoding="utf-8"?>
+<dgm:styleDef xmlns:dgm="http://schemas.openxmlformats.org/drawingml/2006/diagram" xmlns:a="http://schemas.openxmlformats.org/drawingml/2006/main" uniqueId="urn:microsoft.com/office/officeart/2005/8/quickstyle/simple1">
+  <dgm:title val=""/>
+  <dgm:desc val=""/>
+  <dgm:catLst>
+    <dgm:cat type="simple" pri="10100"/>
+  </dgm:catLst>
+  <dgm:scene3d>
+    <a:camera prst="orthographicFront"/>
+    <a:lightRig rig="threePt" dir="t"/>
+  </dgm:scene3d>
+  <dgm:styleLbl name="node0">
+    <dgm:scene3d>
+      <a:camera prst="orthographicFront"/>
+      <a:lightRig rig="threePt" dir="t"/>
+    </dgm:scene3d>
+    <dgm:sp3d/>
+    <dgm:txPr/>
+    <dgm:style>
+      <a:lnRef idx="2">
+        <a:scrgbClr r="0" g="0" b="0"/>
+      </a:lnRef>
+      <a:fillRef idx="1">
+        <a:scrgbClr r="0" g="0" b="0"/>
+      </a:fillRef>
+      <a:effectRef idx="0">
+        <a:scrgbClr r="0" g="0" b="0"/>
+      </a:effectRef>
+      <a:fontRef idx="minor">
+        <a:schemeClr val="lt1"/>
+      </a:fontRef>
+    </dgm:style>
+  </dgm:styleLbl>
+  <dgm:styleLbl name="lnNode1">
+    <dgm:scene3d>
+      <a:camera prst="orthographicFront"/>
+      <a:lightRig rig="threePt" dir="t"/>
+    </dgm:scene3d>
+    <dgm:sp3d/>
+    <dgm:txPr/>
+    <dgm:style>
+      <a:lnRef idx="2">
+        <a:scrgbClr r="0" g="0" b="0"/>
+      </a:lnRef>
+      <a:fillRef idx="1">
+        <a:scrgbClr r="0" g="0" b="0"/>
+      </a:fillRef>
+      <a:effectRef idx="0">
+        <a:scrgbClr r="0" g="0" b="0"/>
+      </a:effectRef>
+      <a:fontRef idx="minor">
+        <a:schemeClr val="lt1"/>
+      </a:fontRef>
+    </dgm:style>
+  </dgm:styleLbl>
+  <dgm:styleLbl name="vennNode1">
+    <dgm:scene3d>
+      <a:camera prst="orthographicFront"/>
+      <a:lightRig rig="threePt" dir="t"/>
+    </dgm:scene3d>
+    <dgm:sp3d/>
+    <dgm:txPr/>
+    <dgm:style>
+      <a:lnRef idx="2">
+        <a:scrgbClr r="0" g="0" b="0"/>
+      </a:lnRef>
+      <a:fillRef idx="1">
+        <a:scrgbClr r="0" g="0" b="0"/>
+      </a:fillRef>
+      <a:effectRef idx="0">
+        <a:scrgbClr r="0" g="0" b="0"/>
+      </a:effectRef>
+      <a:fontRef idx="minor">
+        <a:schemeClr val="tx1"/>
+      </a:fontRef>
+    </dgm:style>
+  </dgm:styleLbl>
+  <dgm:styleLbl name="alignNode1">
+    <dgm:scene3d>
+      <a:camera prst="orthographicFront"/>
+      <a:lightRig rig="threePt" dir="t"/>
+    </dgm:scene3d>
+    <dgm:sp3d/>
+    <dgm:txPr/>
+    <dgm:style>
+      <a:lnRef idx="2">
+        <a:scrgbClr r="0" g="0" b="0"/>
+      </a:lnRef>
+      <a:fillRef idx="1">
+        <a:scrgbClr r="0" g="0" b="0"/>
+      </a:fillRef>
+      <a:effectRef idx="0">
+        <a:scrgbClr r="0" g="0" b="0"/>
+      </a:effectRef>
+      <a:fontRef idx="minor">
+        <a:schemeClr val="lt1"/>
+      </a:fontRef>
+    </dgm:style>
+  </dgm:styleLbl>
+  <dgm:styleLbl name="node1">
+    <dgm:scene3d>
+      <a:camera prst="orthographicFront"/>
+      <a:lightRig rig="threePt" dir="t"/>
+    </dgm:scene3d>
+    <dgm:sp3d/>
+    <dgm:txPr/>
+    <dgm:style>
+      <a:lnRef idx="2">
+        <a:scrgbClr r="0" g="0" b="0"/>
+      </a:lnRef>
+      <a:fillRef idx="1">
+        <a:scrgbClr r="0" g="0" b="0"/>
+      </a:fillRef>
+      <a:effectRef idx="0">
+        <a:scrgbClr r="0" g="0" b="0"/>
+      </a:effectRef>
+      <a:fontRef idx="minor">
+        <a:schemeClr val="lt1"/>
+      </a:fontRef>
+    </dgm:style>
+  </dgm:styleLbl>
+  <dgm:styleLbl name="node2">
+    <dgm:scene3d>
+      <a:camera prst="orthographicFront"/>
+      <a:lightRig rig="threePt" dir="t"/>
+    </dgm:scene3d>
+    <dgm:sp3d/>
+    <dgm:txPr/>
+    <dgm:style>
+      <a:lnRef idx="2">
+        <a:scrgbClr r="0" g="0" b="0"/>
+      </a:lnRef>
+      <a:fillRef idx="1">
+        <a:scrgbClr r="0" g="0" b="0"/>
+      </a:fillRef>
+      <a:effectRef idx="0">
+        <a:scrgbClr r="0" g="0" b="0"/>
+      </a:effectRef>
+      <a:fontRef idx="minor">
+        <a:schemeClr val="lt1"/>
+      </a:fontRef>
+    </dgm:style>
+  </dgm:styleLbl>
+  <dgm:styleLbl name="node3">
+    <dgm:scene3d>
+      <a:camera prst="orthographicFront"/>
+      <a:lightRig rig="threePt" dir="t"/>
+    </dgm:scene3d>
+    <dgm:sp3d/>
+    <dgm:txPr/>
+    <dgm:style>
+      <a:lnRef idx="2">
+        <a:scrgbClr r="0" g="0" b="0"/>
+      </a:lnRef>
+      <a:fillRef idx="1">
+        <a:scrgbClr r="0" g="0" b="0"/>
+      </a:fillRef>
+      <a:effectRef idx="0">
+        <a:scrgbClr r="0" g="0" b="0"/>
+      </a:effectRef>
+      <a:fontRef idx="minor">
+        <a:schemeClr val="lt1"/>
+      </a:fontRef>
+    </dgm:style>
+  </dgm:styleLbl>
+  <dgm:styleLbl name="node4">
+    <dgm:scene3d>
+      <a:camera prst="orthographicFront"/>
+      <a:lightRig rig="threePt" dir="t"/>
+    </dgm:scene3d>
+    <dgm:sp3d/>
+    <dgm:txPr/>
+    <dgm:style>
+      <a:lnRef idx="2">
+        <a:scrgbClr r="0" g="0" b="0"/>
+      </a:lnRef>
+      <a:fillRef idx="1">
+        <a:scrgbClr r="0" g="0" b="0"/>
+      </a:fillRef>
+      <a:effectRef idx="0">
+        <a:scrgbClr r="0" g="0" b="0"/>
+      </a:effectRef>
+      <a:fontRef idx="minor">
+        <a:schemeClr val="lt1"/>
+      </a:fontRef>
+    </dgm:style>
+  </dgm:styleLbl>
+  <dgm:styleLbl name="fgImgPlace1">
+    <dgm:scene3d>
+      <a:camera prst="orthographicFront"/>
+      <a:lightRig rig="threePt" dir="t"/>
+    </dgm:scene3d>
+    <dgm:sp3d/>
+    <dgm:txPr/>
+    <dgm:style>
+      <a:lnRef idx="2">
+        <a:scrgbClr r="0" g="0" b="0"/>
+      </a:lnRef>
+      <a:fillRef idx="1">
+        <a:scrgbClr r="0" g="0" b="0"/>
+      </a:fillRef>
+      <a:effectRef idx="0">
+        <a:scrgbClr r="0" g="0" b="0"/>
+      </a:effectRef>
+      <a:fontRef idx="minor"/>
+    </dgm:style>
+  </dgm:styleLbl>
+  <dgm:styleLbl name="alignImgPlace1">
+    <dgm:scene3d>
+      <a:camera prst="orthographicFront"/>
+      <a:lightRig rig="threePt" dir="t"/>
+    </dgm:scene3d>
+    <dgm:sp3d/>
+    <dgm:txPr/>
+    <dgm:style>
+      <a:lnRef idx="2">
+        <a:scrgbClr r="0" g="0" b="0"/>
+      </a:lnRef>
+      <a:fillRef idx="1">
+        <a:scrgbClr r="0" g="0" b="0"/>
+      </a:fillRef>
+      <a:effectRef idx="0">
+        <a:scrgbClr r="0" g="0" b="0"/>
+      </a:effectRef>
+      <a:fontRef idx="minor"/>
+    </dgm:style>
+  </dgm:styleLbl>
+  <dgm:styleLbl name="bgImgPlace1">
+    <dgm:scene3d>
+      <a:camera prst="orthographicFront"/>
+      <a:lightRig rig="threePt" dir="t"/>
+    </dgm:scene3d>
+    <dgm:sp3d/>
+    <dgm:txPr/>
+    <dgm:style>
+      <a:lnRef idx="2">
+        <a:scrgbClr r="0" g="0" b="0"/>
+      </a:lnRef>
+      <a:fillRef idx="1">
+        <a:scrgbClr r="0" g="0" b="0"/>
+      </a:fillRef>
+      <a:effectRef idx="0">
+        <a:scrgbClr r="0" g="0" b="0"/>
+      </a:effectRef>
+      <a:fontRef idx="minor"/>
+    </dgm:style>
+  </dgm:styleLbl>
+  <dgm:styleLbl name="sibTrans2D1">
+    <dgm:scene3d>
+      <a:camera prst="orthographicFront"/>
+      <a:lightRig rig="threePt" dir="t"/>
+    </dgm:scene3d>
+    <dgm:sp3d/>
+    <dgm:txPr/>
+    <dgm:style>
+      <a:lnRef idx="0">
+        <a:scrgbClr r="0" g="0" b="0"/>
+      </a:lnRef>
+      <a:fillRef idx="1">
+        <a:scrgbClr r="0" g="0" b="0"/>
+      </a:fillRef>
+      <a:effectRef idx="0">
+        <a:scrgbClr r="0" g="0" b="0"/>
+      </a:effectRef>
+      <a:fontRef idx="minor">
+        <a:schemeClr val="lt1"/>
+      </a:fontRef>
+    </dgm:style>
+  </dgm:styleLbl>
+  <dgm:styleLbl name="fgSibTrans2D1">
+    <dgm:scene3d>
+      <a:camera prst="orthographicFront"/>
+      <a:lightRig rig="threePt" dir="t"/>
+    </dgm:scene3d>
+    <dgm:sp3d/>
+    <dgm:txPr/>
+    <dgm:style>
+      <a:lnRef idx="0">
+        <a:scrgbClr r="0" g="0" b="0"/>
+      </a:lnRef>
+      <a:fillRef idx="1">
+        <a:scrgbClr r="0" g="0" b="0"/>
+      </a:fillRef>
+      <a:effectRef idx="0">
+        <a:scrgbClr r="0" g="0" b="0"/>
+      </a:effectRef>
+      <a:fontRef idx="minor">
+        <a:schemeClr val="lt1"/>
+      </a:fontRef>
+    </dgm:style>
+  </dgm:styleLbl>
+  <dgm:styleLbl name="bgSibTrans2D1">
+    <dgm:scene3d>
+      <a:camera prst="orthographicFront"/>
+      <a:lightRig rig="threePt" dir="t"/>
+    </dgm:scene3d>
+    <dgm:sp3d/>
+    <dgm:txPr/>
+    <dgm:style>
+      <a:lnRef idx="0">
+        <a:scrgbClr r="0" g="0" b="0"/>
+      </a:lnRef>
+      <a:fillRef idx="1">
+        <a:scrgbClr r="0" g="0" b="0"/>
+      </a:fillRef>
+      <a:effectRef idx="0">
+        <a:scrgbClr r="0" g="0" b="0"/>
+      </a:effectRef>
+      <a:fontRef idx="minor">
+        <a:schemeClr val="lt1"/>
+      </a:fontRef>
+    </dgm:style>
+  </dgm:styleLbl>
+  <dgm:styleLbl name="sibTrans1D1">
+    <dgm:scene3d>
+      <a:camera prst="orthographicFront"/>
+      <a:lightRig rig="threePt" dir="t"/>
+    </dgm:scene3d>
+    <dgm:sp3d/>
+    <dgm:txPr/>
+    <dgm:style>
+      <a:lnRef idx="1">
+        <a:scrgbClr r="0" g="0" b="0"/>
+      </a:lnRef>
+      <a:fillRef idx="0">
+        <a:scrgbClr r="0" g="0" b="0"/>
+      </a:fillRef>
+      <a:effectRef idx="0">
+        <a:scrgbClr r="0" g="0" b="0"/>
+      </a:effectRef>
+      <a:fontRef idx="minor"/>
+    </dgm:style>
+  </dgm:styleLbl>
+  <dgm:styleLbl name="callout">
+    <dgm:scene3d>
+      <a:camera prst="orthographicFront"/>
+      <a:lightRig rig="threePt" dir="t"/>
+    </dgm:scene3d>
+    <dgm:sp3d/>
+    <dgm:txPr/>
+    <dgm:style>
+      <a:lnRef idx="2">
+        <a:scrgbClr r="0" g="0" b="0"/>
+      </a:lnRef>
+      <a:fillRef idx="1">
+        <a:scrgbClr r="0" g="0" b="0"/>
+      </a:fillRef>
+      <a:effectRef idx="0">
+        <a:scrgbClr r="0" g="0" b="0"/>
+      </a:effectRef>
+      <a:fontRef idx="minor"/>
+    </dgm:style>
+  </dgm:styleLbl>
+  <dgm:styleLbl name="asst0">
+    <dgm:scene3d>
+      <a:camera prst="orthographicFront"/>
+      <a:lightRig rig="threePt" dir="t"/>
+    </dgm:scene3d>
+    <dgm:sp3d/>
+    <dgm:txPr/>
+    <dgm:style>
+      <a:lnRef idx="2">
+        <a:scrgbClr r="0" g="0" b="0"/>
+      </a:lnRef>
+      <a:fillRef idx="1">
+        <a:scrgbClr r="0" g="0" b="0"/>
+      </a:fillRef>
+      <a:effectRef idx="0">
+        <a:scrgbClr r="0" g="0" b="0"/>
+      </a:effectRef>
+      <a:fontRef idx="minor">
+        <a:schemeClr val="lt1"/>
+      </a:fontRef>
+    </dgm:style>
+  </dgm:styleLbl>
+  <dgm:styleLbl name="asst1">
+    <dgm:scene3d>
+      <a:camera prst="orthographicFront"/>
+      <a:lightRig rig="threePt" dir="t"/>
+    </dgm:scene3d>
+    <dgm:sp3d/>
+    <dgm:txPr/>
+    <dgm:style>
+      <a:lnRef idx="2">
+        <a:scrgbClr r="0" g="0" b="0"/>
+      </a:lnRef>
+      <a:fillRef idx="1">
+        <a:scrgbClr r="0" g="0" b="0"/>
+      </a:fillRef>
+      <a:effectRef idx="0">
+        <a:scrgbClr r="0" g="0" b="0"/>
+      </a:effectRef>
+      <a:fontRef idx="minor">
+        <a:schemeClr val="lt1"/>
+      </a:fontRef>
+    </dgm:style>
+  </dgm:styleLbl>
+  <dgm:styleLbl name="asst2">
+    <dgm:scene3d>
+      <a:camera prst="orthographicFront"/>
+      <a:lightRig rig="threePt" dir="t"/>
+    </dgm:scene3d>
+    <dgm:sp3d/>
+    <dgm:txPr/>
+    <dgm:style>
+      <a:lnRef idx="2">
+        <a:scrgbClr r="0" g="0" b="0"/>
+      </a:lnRef>
+      <a:fillRef idx="1">
+        <a:scrgbClr r="0" g="0" b="0"/>
+      </a:fillRef>
+      <a:effectRef idx="0">
+        <a:scrgbClr r="0" g="0" b="0"/>
+      </a:effectRef>
+      <a:fontRef idx="minor">
+        <a:schemeClr val="lt1"/>
+      </a:fontRef>
+    </dgm:style>
+  </dgm:styleLbl>
+  <dgm:styleLbl name="asst3">
+    <dgm:scene3d>
+      <a:camera prst="orthographicFront"/>
+      <a:lightRig rig="threePt" dir="t"/>
+    </dgm:scene3d>
+    <dgm:sp3d/>
+    <dgm:txPr/>
+    <dgm:style>
+      <a:lnRef idx="2">
+        <a:scrgbClr r="0" g="0" b="0"/>
+      </a:lnRef>
+      <a:fillRef idx="1">
+        <a:scrgbClr r="0" g="0" b="0"/>
+      </a:fillRef>
+      <a:effectRef idx="0">
+        <a:scrgbClr r="0" g="0" b="0"/>
+      </a:effectRef>
+      <a:fontRef idx="minor">
+        <a:schemeClr val="lt1"/>
+      </a:fontRef>
+    </dgm:style>
+  </dgm:styleLbl>
+  <dgm:styleLbl name="asst4">
+    <dgm:scene3d>
+      <a:camera prst="orthographicFront"/>
+      <a:lightRig rig="threePt" dir="t"/>
+    </dgm:scene3d>
+    <dgm:sp3d/>
+    <dgm:txPr/>
+    <dgm:style>
+      <a:lnRef idx="2">
+        <a:scrgbClr r="0" g="0" b="0"/>
+      </a:lnRef>
+      <a:fillRef idx="1">
+        <a:scrgbClr r="0" g="0" b="0"/>
+      </a:fillRef>
+      <a:effectRef idx="0">
+        <a:scrgbClr r="0" g="0" b="0"/>
+      </a:effectRef>
+      <a:fontRef idx="minor">
+        <a:schemeClr val="lt1"/>
+      </a:fontRef>
+    </dgm:style>
+  </dgm:styleLbl>
+  <dgm:styleLbl name="parChTrans2D1">
+    <dgm:scene3d>
+      <a:camera prst="orthographicFront"/>
+      <a:lightRig rig="threePt" dir="t"/>
+    </dgm:scene3d>
+    <dgm:sp3d/>
+    <dgm:txPr/>
+    <dgm:style>
+      <a:lnRef idx="2">
+        <a:scrgbClr r="0" g="0" b="0"/>
+      </a:lnRef>
+      <a:fillRef idx="1">
+        <a:scrgbClr r="0" g="0" b="0"/>
+      </a:fillRef>
+      <a:effectRef idx="0">
+        <a:scrgbClr r="0" g="0" b="0"/>
+      </a:effectRef>
+      <a:fontRef idx="minor">
+        <a:schemeClr val="lt1"/>
+      </a:fontRef>
+    </dgm:style>
+  </dgm:styleLbl>
+  <dgm:styleLbl name="parChTrans2D2">
+    <dgm:scene3d>
+      <a:camera prst="orthographicFront"/>
+      <a:lightRig rig="threePt" dir="t"/>
+    </dgm:scene3d>
+    <dgm:sp3d/>
+    <dgm:txPr/>
+    <dgm:style>
+      <a:lnRef idx="2">
+        <a:scrgbClr r="0" g="0" b="0"/>
+      </a:lnRef>
+      <a:fillRef idx="1">
+        <a:scrgbClr r="0" g="0" b="0"/>
+      </a:fillRef>
+      <a:effectRef idx="0">
+        <a:scrgbClr r="0" g="0" b="0"/>
+      </a:effectRef>
+      <a:fontRef idx="minor">
+        <a:schemeClr val="lt1"/>
+      </a:fontRef>
+    </dgm:style>
+  </dgm:styleLbl>
+  <dgm:styleLbl name="parChTrans2D3">
+    <dgm:scene3d>
+      <a:camera prst="orthographicFront"/>
+      <a:lightRig rig="threePt" dir="t"/>
+    </dgm:scene3d>
+    <dgm:sp3d/>
+    <dgm:txPr/>
+    <dgm:style>
+      <a:lnRef idx="2">
+        <a:scrgbClr r="0" g="0" b="0"/>
+      </a:lnRef>
+      <a:fillRef idx="1">
+        <a:scrgbClr r="0" g="0" b="0"/>
+      </a:fillRef>
+      <a:effectRef idx="0">
+        <a:scrgbClr r="0" g="0" b="0"/>
+      </a:effectRef>
+      <a:fontRef idx="minor">
+        <a:schemeClr val="lt1"/>
+      </a:fontRef>
+    </dgm:style>
+  </dgm:styleLbl>
+  <dgm:styleLbl name="parChTrans2D4">
+    <dgm:scene3d>
+      <a:camera prst="orthographicFront"/>
+      <a:lightRig rig="threePt" dir="t"/>
+    </dgm:scene3d>
+    <dgm:sp3d/>
+    <dgm:txPr/>
+    <dgm:style>
+      <a:lnRef idx="2">
+        <a:scrgbClr r="0" g="0" b="0"/>
+      </a:lnRef>
+      <a:fillRef idx="1">
+        <a:scrgbClr r="0" g="0" b="0"/>
+      </a:fillRef>
+      <a:effectRef idx="0">
+        <a:scrgbClr r="0" g="0" b="0"/>
+      </a:effectRef>
+      <a:fontRef idx="minor">
+        <a:schemeClr val="lt1"/>
+      </a:fontRef>
+    </dgm:style>
+  </dgm:styleLbl>
+  <dgm:styleLbl name="parChTrans1D1">
+    <dgm:scene3d>
+      <a:camera prst="orthographicFront"/>
+      <a:lightRig rig="threePt" dir="t"/>
+    </dgm:scene3d>
+    <dgm:sp3d/>
+    <dgm:txPr/>
+    <dgm:style>
+      <a:lnRef idx="2">
+        <a:scrgbClr r="0" g="0" b="0"/>
+      </a:lnRef>
+      <a:fillRef idx="0">
+        <a:scrgbClr r="0" g="0" b="0"/>
+      </a:fillRef>
+      <a:effectRef idx="0">
+        <a:scrgbClr r="0" g="0" b="0"/>
+      </a:effectRef>
+      <a:fontRef idx="minor"/>
+    </dgm:style>
+  </dgm:styleLbl>
+  <dgm:styleLbl name="parChTrans1D2">
+    <dgm:scene3d>
+      <a:camera prst="orthographicFront"/>
+      <a:lightRig rig="threePt" dir="t"/>
+    </dgm:scene3d>
+    <dgm:sp3d/>
+    <dgm:txPr/>
+    <dgm:style>
+      <a:lnRef idx="2">
+        <a:scrgbClr r="0" g="0" b="0"/>
+      </a:lnRef>
+      <a:fillRef idx="0">
+        <a:scrgbClr r="0" g="0" b="0"/>
+      </a:fillRef>
+      <a:effectRef idx="0">
+        <a:scrgbClr r="0" g="0" b="0"/>
+      </a:effectRef>
+      <a:fontRef idx="minor"/>
+    </dgm:style>
+  </dgm:styleLbl>
+  <dgm:styleLbl name="parChTrans1D3">
+    <dgm:scene3d>
+      <a:camera prst="orthographicFront"/>
+      <a:lightRig rig="threePt" dir="t"/>
+    </dgm:scene3d>
+    <dgm:sp3d/>
+    <dgm:txPr/>
+    <dgm:style>
+      <a:lnRef idx="2">
+        <a:scrgbClr r="0" g="0" b="0"/>
+      </a:lnRef>
+      <a:fillRef idx="0">
+        <a:scrgbClr r="0" g="0" b="0"/>
+      </a:fillRef>
+      <a:effectRef idx="0">
+        <a:scrgbClr r="0" g="0" b="0"/>
+      </a:effectRef>
+      <a:fontRef idx="minor"/>
+    </dgm:style>
+  </dgm:styleLbl>
+  <dgm:styleLbl name="parChTrans1D4">
+    <dgm:scene3d>
+      <a:camera prst="orthographicFront"/>
+      <a:lightRig rig="threePt" dir="t"/>
+    </dgm:scene3d>
+    <dgm:sp3d/>
+    <dgm:txPr/>
+    <dgm:style>
+      <a:lnRef idx="2">
+        <a:scrgbClr r="0" g="0" b="0"/>
+      </a:lnRef>
+      <a:fillRef idx="0">
+        <a:scrgbClr r="0" g="0" b="0"/>
+      </a:fillRef>
+      <a:effectRef idx="0">
+        <a:scrgbClr r="0" g="0" b="0"/>
+      </a:effectRef>
+      <a:fontRef idx="minor"/>
+    </dgm:style>
+  </dgm:styleLbl>
+  <dgm:styleLbl name="fgAcc1">
+    <dgm:scene3d>
+      <a:camera prst="orthographicFront"/>
+      <a:lightRig rig="threePt" dir="t"/>
+    </dgm:scene3d>
+    <dgm:sp3d/>
+    <dgm:txPr/>
+    <dgm:style>
+      <a:lnRef idx="2">
+        <a:scrgbClr r="0" g="0" b="0"/>
+      </a:lnRef>
+      <a:fillRef idx="1">
+        <a:scrgbClr r="0" g="0" b="0"/>
+      </a:fillRef>
+      <a:effectRef idx="0">
+        <a:scrgbClr r="0" g="0" b="0"/>
+      </a:effectRef>
+      <a:fontRef idx="minor"/>
+    </dgm:style>
+  </dgm:styleLbl>
+  <dgm:styleLbl name="conFgAcc1">
+    <dgm:scene3d>
+      <a:camera prst="orthographicFront"/>
+      <a:lightRig rig="threePt" dir="t"/>
+    </dgm:scene3d>
+    <dgm:sp3d/>
+    <dgm:txPr/>
+    <dgm:style>
+      <a:lnRef idx="2">
+        <a:scrgbClr r="0" g="0" b="0"/>
+      </a:lnRef>
+      <a:fillRef idx="1">
+        <a:scrgbClr r="0" g="0" b="0"/>
+      </a:fillRef>
+      <a:effectRef idx="0">
+        <a:scrgbClr r="0" g="0" b="0"/>
+      </a:effectRef>
+      <a:fontRef idx="minor"/>
+    </dgm:style>
+  </dgm:styleLbl>
+  <dgm:styleLbl name="alignAcc1">
+    <dgm:scene3d>
+      <a:camera prst="orthographicFront"/>
+      <a:lightRig rig="threePt" dir="t"/>
+    </dgm:scene3d>
+    <dgm:sp3d/>
+    <dgm:txPr/>
+    <dgm:style>
+      <a:lnRef idx="2">
+        <a:scrgbClr r="0" g="0" b="0"/>
+      </a:lnRef>
+      <a:fillRef idx="1">
+        <a:scrgbClr r="0" g="0" b="0"/>
+      </a:fillRef>
+      <a:effectRef idx="0">
+        <a:scrgbClr r="0" g="0" b="0"/>
+      </a:effectRef>
+      <a:fontRef idx="minor"/>
+    </dgm:style>
+  </dgm:styleLbl>
+  <dgm:styleLbl name="trAlignAcc1">
+    <dgm:scene3d>
+      <a:camera prst="orthographicFront"/>
+      <a:lightRig rig="threePt" dir="t"/>
+    </dgm:scene3d>
+    <dgm:sp3d/>
+    <dgm:txPr/>
+    <dgm:style>
+      <a:lnRef idx="1">
+        <a:scrgbClr r="0" g="0" b="0"/>
+      </a:lnRef>
+      <a:fillRef idx="1">
+        <a:scrgbClr r="0" g="0" b="0"/>
+      </a:fillRef>
+      <a:effectRef idx="0">
+        <a:scrgbClr r="0" g="0" b="0"/>
+      </a:effectRef>
+      <a:fontRef idx="minor"/>
+    </dgm:style>
+  </dgm:styleLbl>
+  <dgm:styleLbl name="bgAcc1">
+    <dgm:scene3d>
+      <a:camera prst="orthographicFront"/>
+      <a:lightRig rig="threePt" dir="t"/>
+    </dgm:scene3d>
+    <dgm:sp3d/>
+    <dgm:txPr/>
+    <dgm:style>
+      <a:lnRef idx="2">
+        <a:scrgbClr r="0" g="0" b="0"/>
+      </a:lnRef>
+      <a:fillRef idx="1">
+        <a:scrgbClr r="0" g="0" b="0"/>
+      </a:fillRef>
+      <a:effectRef idx="0">
+        <a:scrgbClr r="0" g="0" b="0"/>
+      </a:effectRef>
+      <a:fontRef idx="minor"/>
+    </dgm:style>
+  </dgm:styleLbl>
+  <dgm:styleLbl name="solidFgAcc1">
+    <dgm:scene3d>
+      <a:camera prst="orthographicFront"/>
+      <a:lightRig rig="threePt" dir="t"/>
+    </dgm:scene3d>
+    <dgm:sp3d/>
+    <dgm:txPr/>
+    <dgm:style>
+      <a:lnRef idx="2">
+        <a:scrgbClr r="0" g="0" b="0"/>
+      </a:lnRef>
+      <a:fillRef idx="1">
+        <a:scrgbClr r="0" g="0" b="0"/>
+      </a:fillRef>
+      <a:effectRef idx="0">
+        <a:scrgbClr r="0" g="0" b="0"/>
+      </a:effectRef>
+      <a:fontRef idx="minor"/>
+    </dgm:style>
+  </dgm:styleLbl>
+  <dgm:styleLbl name="solidAlignAcc1">
+    <dgm:scene3d>
+      <a:camera prst="orthographicFront"/>
+      <a:lightRig rig="threePt" dir="t"/>
+    </dgm:scene3d>
+    <dgm:sp3d/>
+    <dgm:txPr/>
+    <dgm:style>
+      <a:lnRef idx="2">
+        <a:scrgbClr r="0" g="0" b="0"/>
+      </a:lnRef>
+      <a:fillRef idx="1">
+        <a:scrgbClr r="0" g="0" b="0"/>
+      </a:fillRef>
+      <a:effectRef idx="0">
+        <a:scrgbClr r="0" g="0" b="0"/>
+      </a:effectRef>
+      <a:fontRef idx="minor"/>
+    </dgm:style>
+  </dgm:styleLbl>
+  <dgm:styleLbl name="solidBgAcc1">
+    <dgm:scene3d>
+      <a:camera prst="orthographicFront"/>
+      <a:lightRig rig="threePt" dir="t"/>
+    </dgm:scene3d>
+    <dgm:sp3d/>
+    <dgm:txPr/>
+    <dgm:style>
+      <a:lnRef idx="2">
+        <a:scrgbClr r="0" g="0" b="0"/>
+      </a:lnRef>
+      <a:fillRef idx="1">
+        <a:scrgbClr r="0" g="0" b="0"/>
+      </a:fillRef>
+      <a:effectRef idx="0">
+        <a:scrgbClr r="0" g="0" b="0"/>
+      </a:effectRef>
+      <a:fontRef idx="minor"/>
+    </dgm:style>
+  </dgm:styleLbl>
+  <dgm:styleLbl name="fgAccFollowNode1">
+    <dgm:scene3d>
+      <a:camera prst="orthographicFront"/>
+      <a:lightRig rig="threePt" dir="t"/>
+    </dgm:scene3d>
+    <dgm:sp3d/>
+    <dgm:txPr/>
+    <dgm:style>
+      <a:lnRef idx="2">
+        <a:scrgbClr r="0" g="0" b="0"/>
+      </a:lnRef>
+      <a:fillRef idx="1">
+        <a:scrgbClr r="0" g="0" b="0"/>
+      </a:fillRef>
+      <a:effectRef idx="0">
+        <a:scrgbClr r="0" g="0" b="0"/>
+      </a:effectRef>
+      <a:fontRef idx="minor"/>
+    </dgm:style>
+  </dgm:styleLbl>
+  <dgm:styleLbl name="alignAccFollowNode1">
+    <dgm:scene3d>
+      <a:camera prst="orthographicFront"/>
+      <a:lightRig rig="threePt" dir="t"/>
+    </dgm:scene3d>
+    <dgm:sp3d/>
+    <dgm:txPr/>
+    <dgm:style>
+      <a:lnRef idx="2">
+        <a:scrgbClr r="0" g="0" b="0"/>
+      </a:lnRef>
+      <a:fillRef idx="1">
+        <a:scrgbClr r="0" g="0" b="0"/>
+      </a:fillRef>
+      <a:effectRef idx="0">
+        <a:scrgbClr r="0" g="0" b="0"/>
+      </a:effectRef>
+      <a:fontRef idx="minor"/>
+    </dgm:style>
+  </dgm:styleLbl>
+  <dgm:styleLbl name="bgAccFollowNode1">
+    <dgm:scene3d>
+      <a:camera prst="orthographicFront"/>
+      <a:lightRig rig="threePt" dir="t"/>
+    </dgm:scene3d>
+    <dgm:sp3d/>
+    <dgm:txPr/>
+    <dgm:style>
+      <a:lnRef idx="2">
+        <a:scrgbClr r="0" g="0" b="0"/>
+      </a:lnRef>
+      <a:fillRef idx="1">
+        <a:scrgbClr r="0" g="0" b="0"/>
+      </a:fillRef>
+      <a:effectRef idx="0">
+        <a:scrgbClr r="0" g="0" b="0"/>
+      </a:effectRef>
+      <a:fontRef idx="minor"/>
+    </dgm:style>
+  </dgm:styleLbl>
+  <dgm:styleLbl name="fgAcc0">
+    <dgm:scene3d>
+      <a:camera prst="orthographicFront"/>
+      <a:lightRig rig="threePt" dir="t"/>
+    </dgm:scene3d>
+    <dgm:sp3d/>
+    <dgm:txPr/>
+    <dgm:style>
+      <a:lnRef idx="2">
+        <a:scrgbClr r="0" g="0" b="0"/>
+      </a:lnRef>
+      <a:fillRef idx="1">
+        <a:scrgbClr r="0" g="0" b="0"/>
+      </a:fillRef>
+      <a:effectRef idx="0">
+        <a:scrgbClr r="0" g="0" b="0"/>
+      </a:effectRef>
+      <a:fontRef idx="minor"/>
+    </dgm:style>
+  </dgm:styleLbl>
+  <dgm:styleLbl name="fgAcc2">
+    <dgm:scene3d>
+      <a:camera prst="orthographicFront"/>
+      <a:lightRig rig="threePt" dir="t"/>
+    </dgm:scene3d>
+    <dgm:sp3d/>
+    <dgm:txPr/>
+    <dgm:style>
+      <a:lnRef idx="2">
+        <a:scrgbClr r="0" g="0" b="0"/>
+      </a:lnRef>
+      <a:fillRef idx="1">
+        <a:scrgbClr r="0" g="0" b="0"/>
+      </a:fillRef>
+      <a:effectRef idx="0">
+        <a:scrgbClr r="0" g="0" b="0"/>
+      </a:effectRef>
+      <a:fontRef idx="minor"/>
+    </dgm:style>
+  </dgm:styleLbl>
+  <dgm:styleLbl name="fgAcc3">
+    <dgm:scene3d>
+      <a:camera prst="orthographicFront"/>
+      <a:lightRig rig="threePt" dir="t"/>
+    </dgm:scene3d>
+    <dgm:sp3d/>
+    <dgm:txPr/>
+    <dgm:style>
+      <a:lnRef idx="2">
+        <a:scrgbClr r="0" g="0" b="0"/>
+      </a:lnRef>
+      <a:fillRef idx="1">
+        <a:scrgbClr r="0" g="0" b="0"/>
+      </a:fillRef>
+      <a:effectRef idx="0">
+        <a:scrgbClr r="0" g="0" b="0"/>
+      </a:effectRef>
+      <a:fontRef idx="minor"/>
+    </dgm:style>
+  </dgm:styleLbl>
+  <dgm:styleLbl name="fgAcc4">
+    <dgm:scene3d>
+      <a:camera prst="orthographicFront"/>
+      <a:lightRig rig="threePt" dir="t"/>
+    </dgm:scene3d>
+    <dgm:sp3d/>
+    <dgm:txPr/>
+    <dgm:style>
+      <a:lnRef idx="2">
+        <a:scrgbClr r="0" g="0" b="0"/>
+      </a:lnRef>
+      <a:fillRef idx="1">
+        <a:scrgbClr r="0" g="0" b="0"/>
+      </a:fillRef>
+      <a:effectRef idx="0">
+        <a:scrgbClr r="0" g="0" b="0"/>
+      </a:effectRef>
+      <a:fontRef idx="minor"/>
+    </dgm:style>
+  </dgm:styleLbl>
+  <dgm:styleLbl name="bgShp">
+    <dgm:scene3d>
+      <a:camera prst="orthographicFront"/>
+      <a:lightRig rig="threePt" dir="t"/>
+    </dgm:scene3d>
+    <dgm:sp3d/>
+    <dgm:txPr/>
+    <dgm:style>
+      <a:lnRef idx="0">
+        <a:scrgbClr r="0" g="0" b="0"/>
+      </a:lnRef>
+      <a:fillRef idx="1">
+        <a:scrgbClr r="0" g="0" b="0"/>
+      </a:fillRef>
+      <a:effectRef idx="0">
+        <a:scrgbClr r="0" g="0" b="0"/>
+      </a:effectRef>
+      <a:fontRef idx="minor"/>
+    </dgm:style>
+  </dgm:styleLbl>
+  <dgm:styleLbl name="dkBgShp">
+    <dgm:scene3d>
+      <a:camera prst="orthographicFront"/>
+      <a:lightRig rig="threePt" dir="t"/>
+    </dgm:scene3d>
+    <dgm:sp3d/>
+    <dgm:txPr/>
+    <dgm:style>
+      <a:lnRef idx="0">
+        <a:scrgbClr r="0" g="0" b="0"/>
+      </a:lnRef>
+      <a:fillRef idx="1">
+        <a:scrgbClr r="0" g="0" b="0"/>
+      </a:fillRef>
+      <a:effectRef idx="0">
+        <a:scrgbClr r="0" g="0" b="0"/>
+      </a:effectRef>
+      <a:fontRef idx="minor"/>
+    </dgm:style>
+  </dgm:styleLbl>
+  <dgm:styleLbl name="trBgShp">
+    <dgm:scene3d>
+      <a:camera prst="orthographicFront"/>
+      <a:lightRig rig="threePt" dir="t"/>
+    </dgm:scene3d>
+    <dgm:sp3d/>
+    <dgm:txPr/>
+    <dgm:style>
+      <a:lnRef idx="0">
+        <a:scrgbClr r="0" g="0" b="0"/>
+      </a:lnRef>
+      <a:fillRef idx="1">
+        <a:scrgbClr r="0" g="0" b="0"/>
+      </a:fillRef>
+      <a:effectRef idx="0">
+        <a:scrgbClr r="0" g="0" b="0"/>
+      </a:effectRef>
+      <a:fontRef idx="minor"/>
+    </dgm:style>
+  </dgm:styleLbl>
+  <dgm:styleLbl name="fgShp">
+    <dgm:scene3d>
+      <a:camera prst="orthographicFront"/>
+      <a:lightRig rig="threePt" dir="t"/>
+    </dgm:scene3d>
+    <dgm:sp3d/>
+    <dgm:txPr/>
+    <dgm:style>
+      <a:lnRef idx="2">
+        <a:scrgbClr r="0" g="0" b="0"/>
+      </a:lnRef>
+      <a:fillRef idx="1">
+        <a:scrgbClr r="0" g="0" b="0"/>
+      </a:fillRef>
+      <a:effectRef idx="0">
+        <a:scrgbClr r="0" g="0" b="0"/>
+      </a:effectRef>
+      <a:fontRef idx="minor"/>
+    </dgm:style>
+  </dgm:styleLbl>
+  <dgm:styleLbl name="revTx">
+    <dgm:scene3d>
+      <a:camera prst="orthographicFront"/>
+      <a:lightRig rig="threePt" dir="t"/>
+    </dgm:scene3d>
+    <dgm:sp3d/>
+    <dgm:txPr/>
+    <dgm:style>
+      <a:lnRef idx="0">
+        <a:scrgbClr r="0" g="0" b="0"/>
+      </a:lnRef>
+      <a:fillRef idx="0">
+        <a:scrgbClr r="0" g="0" b="0"/>
+      </a:fillRef>
+      <a:effectRef idx="0">
+        <a:scrgbClr r="0" g="0" b="0"/>
+      </a:effectRef>
+      <a:fontRef idx="minor"/>
+    </dgm:style>
+  </dgm:styleLbl>
+</dgm:styleDef>
+</file>
+
 <file path=ppt/notesMasters/notesMaster1.xml><?xml version="1.0" encoding="utf-8"?>
 <p:notesMaster xmlns:a="http://schemas.openxmlformats.org/drawingml/2006/main" xmlns:r="http://schemas.openxmlformats.org/officeDocument/2006/relationships" xmlns:p="http://schemas.openxmlformats.org/presentationml/2006/main">
   <p:cSld>
@@ -224,7 +6744,7 @@
             <a:fld id="{A4B025BB-2E79-40D8-8C4B-B985B2186BF8}" type="datetimeFigureOut">
               <a:rPr lang="en-US" smtClean="0"/>
               <a:pPr/>
-              <a:t>4/23/2009</a:t>
+              <a:t>4/24/2009</a:t>
             </a:fld>
             <a:endParaRPr lang="en-US" dirty="0"/>
           </a:p>
@@ -5551,6 +12071,416 @@
 </p:notes>
 </file>
 
+<file path=ppt/notesSlides/notesSlide31.xml><?xml version="1.0" encoding="utf-8"?>
+<p:notes xmlns:a="http://schemas.openxmlformats.org/drawingml/2006/main" xmlns:r="http://schemas.openxmlformats.org/officeDocument/2006/relationships" xmlns:p="http://schemas.openxmlformats.org/presentationml/2006/main">
+  <p:cSld>
+    <p:spTree>
+      <p:nvGrpSpPr>
+        <p:cNvPr id="1" name=""/>
+        <p:cNvGrpSpPr/>
+        <p:nvPr/>
+      </p:nvGrpSpPr>
+      <p:grpSpPr>
+        <a:xfrm>
+          <a:off x="0" y="0"/>
+          <a:ext cx="0" cy="0"/>
+          <a:chOff x="0" y="0"/>
+          <a:chExt cx="0" cy="0"/>
+        </a:xfrm>
+      </p:grpSpPr>
+      <p:sp>
+        <p:nvSpPr>
+          <p:cNvPr id="2" name="Slide Image Placeholder 1"/>
+          <p:cNvSpPr>
+            <a:spLocks noGrp="1" noRot="1" noChangeAspect="1"/>
+          </p:cNvSpPr>
+          <p:nvPr>
+            <p:ph type="sldImg"/>
+          </p:nvPr>
+        </p:nvSpPr>
+        <p:spPr/>
+      </p:sp>
+      <p:sp>
+        <p:nvSpPr>
+          <p:cNvPr id="3" name="Notes Placeholder 2"/>
+          <p:cNvSpPr>
+            <a:spLocks noGrp="1"/>
+          </p:cNvSpPr>
+          <p:nvPr>
+            <p:ph type="body" idx="1"/>
+          </p:nvPr>
+        </p:nvSpPr>
+        <p:spPr/>
+        <p:txBody>
+          <a:bodyPr>
+            <a:normAutofit/>
+          </a:bodyPr>
+          <a:lstStyle/>
+          <a:p>
+            <a:endParaRPr lang="en-US" dirty="0"/>
+          </a:p>
+        </p:txBody>
+      </p:sp>
+      <p:sp>
+        <p:nvSpPr>
+          <p:cNvPr id="4" name="Slide Number Placeholder 3"/>
+          <p:cNvSpPr>
+            <a:spLocks noGrp="1"/>
+          </p:cNvSpPr>
+          <p:nvPr>
+            <p:ph type="sldNum" sz="quarter" idx="10"/>
+          </p:nvPr>
+        </p:nvSpPr>
+        <p:spPr/>
+        <p:txBody>
+          <a:bodyPr/>
+          <a:lstStyle/>
+          <a:p>
+            <a:fld id="{5D5B2715-B0E0-4A76-9B24-AC64393DF8BD}" type="slidenum">
+              <a:rPr lang="en-US" smtClean="0"/>
+              <a:pPr/>
+              <a:t>32</a:t>
+            </a:fld>
+            <a:endParaRPr lang="en-US" dirty="0"/>
+          </a:p>
+        </p:txBody>
+      </p:sp>
+    </p:spTree>
+  </p:cSld>
+  <p:clrMapOvr>
+    <a:masterClrMapping/>
+  </p:clrMapOvr>
+</p:notes>
+</file>
+
+<file path=ppt/notesSlides/notesSlide32.xml><?xml version="1.0" encoding="utf-8"?>
+<p:notes xmlns:a="http://schemas.openxmlformats.org/drawingml/2006/main" xmlns:r="http://schemas.openxmlformats.org/officeDocument/2006/relationships" xmlns:p="http://schemas.openxmlformats.org/presentationml/2006/main">
+  <p:cSld>
+    <p:spTree>
+      <p:nvGrpSpPr>
+        <p:cNvPr id="1" name=""/>
+        <p:cNvGrpSpPr/>
+        <p:nvPr/>
+      </p:nvGrpSpPr>
+      <p:grpSpPr>
+        <a:xfrm>
+          <a:off x="0" y="0"/>
+          <a:ext cx="0" cy="0"/>
+          <a:chOff x="0" y="0"/>
+          <a:chExt cx="0" cy="0"/>
+        </a:xfrm>
+      </p:grpSpPr>
+      <p:sp>
+        <p:nvSpPr>
+          <p:cNvPr id="2" name="Slide Image Placeholder 1"/>
+          <p:cNvSpPr>
+            <a:spLocks noGrp="1" noRot="1" noChangeAspect="1"/>
+          </p:cNvSpPr>
+          <p:nvPr>
+            <p:ph type="sldImg"/>
+          </p:nvPr>
+        </p:nvSpPr>
+        <p:spPr/>
+      </p:sp>
+      <p:sp>
+        <p:nvSpPr>
+          <p:cNvPr id="3" name="Notes Placeholder 2"/>
+          <p:cNvSpPr>
+            <a:spLocks noGrp="1"/>
+          </p:cNvSpPr>
+          <p:nvPr>
+            <p:ph type="body" idx="1"/>
+          </p:nvPr>
+        </p:nvSpPr>
+        <p:spPr/>
+        <p:txBody>
+          <a:bodyPr>
+            <a:normAutofit/>
+          </a:bodyPr>
+          <a:lstStyle/>
+          <a:p>
+            <a:endParaRPr lang="en-US" dirty="0"/>
+          </a:p>
+        </p:txBody>
+      </p:sp>
+      <p:sp>
+        <p:nvSpPr>
+          <p:cNvPr id="4" name="Slide Number Placeholder 3"/>
+          <p:cNvSpPr>
+            <a:spLocks noGrp="1"/>
+          </p:cNvSpPr>
+          <p:nvPr>
+            <p:ph type="sldNum" sz="quarter" idx="10"/>
+          </p:nvPr>
+        </p:nvSpPr>
+        <p:spPr/>
+        <p:txBody>
+          <a:bodyPr/>
+          <a:lstStyle/>
+          <a:p>
+            <a:fld id="{5D5B2715-B0E0-4A76-9B24-AC64393DF8BD}" type="slidenum">
+              <a:rPr lang="en-US" smtClean="0"/>
+              <a:pPr/>
+              <a:t>33</a:t>
+            </a:fld>
+            <a:endParaRPr lang="en-US" dirty="0"/>
+          </a:p>
+        </p:txBody>
+      </p:sp>
+    </p:spTree>
+  </p:cSld>
+  <p:clrMapOvr>
+    <a:masterClrMapping/>
+  </p:clrMapOvr>
+</p:notes>
+</file>
+
+<file path=ppt/notesSlides/notesSlide33.xml><?xml version="1.0" encoding="utf-8"?>
+<p:notes xmlns:a="http://schemas.openxmlformats.org/drawingml/2006/main" xmlns:r="http://schemas.openxmlformats.org/officeDocument/2006/relationships" xmlns:p="http://schemas.openxmlformats.org/presentationml/2006/main">
+  <p:cSld>
+    <p:spTree>
+      <p:nvGrpSpPr>
+        <p:cNvPr id="1" name=""/>
+        <p:cNvGrpSpPr/>
+        <p:nvPr/>
+      </p:nvGrpSpPr>
+      <p:grpSpPr>
+        <a:xfrm>
+          <a:off x="0" y="0"/>
+          <a:ext cx="0" cy="0"/>
+          <a:chOff x="0" y="0"/>
+          <a:chExt cx="0" cy="0"/>
+        </a:xfrm>
+      </p:grpSpPr>
+      <p:sp>
+        <p:nvSpPr>
+          <p:cNvPr id="2" name="Slide Image Placeholder 1"/>
+          <p:cNvSpPr>
+            <a:spLocks noGrp="1" noRot="1" noChangeAspect="1"/>
+          </p:cNvSpPr>
+          <p:nvPr>
+            <p:ph type="sldImg"/>
+          </p:nvPr>
+        </p:nvSpPr>
+        <p:spPr/>
+      </p:sp>
+      <p:sp>
+        <p:nvSpPr>
+          <p:cNvPr id="3" name="Notes Placeholder 2"/>
+          <p:cNvSpPr>
+            <a:spLocks noGrp="1"/>
+          </p:cNvSpPr>
+          <p:nvPr>
+            <p:ph type="body" idx="1"/>
+          </p:nvPr>
+        </p:nvSpPr>
+        <p:spPr/>
+        <p:txBody>
+          <a:bodyPr>
+            <a:normAutofit/>
+          </a:bodyPr>
+          <a:lstStyle/>
+          <a:p>
+            <a:endParaRPr lang="en-US" dirty="0"/>
+          </a:p>
+        </p:txBody>
+      </p:sp>
+      <p:sp>
+        <p:nvSpPr>
+          <p:cNvPr id="4" name="Slide Number Placeholder 3"/>
+          <p:cNvSpPr>
+            <a:spLocks noGrp="1"/>
+          </p:cNvSpPr>
+          <p:nvPr>
+            <p:ph type="sldNum" sz="quarter" idx="10"/>
+          </p:nvPr>
+        </p:nvSpPr>
+        <p:spPr/>
+        <p:txBody>
+          <a:bodyPr/>
+          <a:lstStyle/>
+          <a:p>
+            <a:fld id="{5D5B2715-B0E0-4A76-9B24-AC64393DF8BD}" type="slidenum">
+              <a:rPr lang="en-US" smtClean="0"/>
+              <a:pPr/>
+              <a:t>34</a:t>
+            </a:fld>
+            <a:endParaRPr lang="en-US" dirty="0"/>
+          </a:p>
+        </p:txBody>
+      </p:sp>
+    </p:spTree>
+  </p:cSld>
+  <p:clrMapOvr>
+    <a:masterClrMapping/>
+  </p:clrMapOvr>
+</p:notes>
+</file>
+
+<file path=ppt/notesSlides/notesSlide34.xml><?xml version="1.0" encoding="utf-8"?>
+<p:notes xmlns:a="http://schemas.openxmlformats.org/drawingml/2006/main" xmlns:r="http://schemas.openxmlformats.org/officeDocument/2006/relationships" xmlns:p="http://schemas.openxmlformats.org/presentationml/2006/main">
+  <p:cSld>
+    <p:spTree>
+      <p:nvGrpSpPr>
+        <p:cNvPr id="1" name=""/>
+        <p:cNvGrpSpPr/>
+        <p:nvPr/>
+      </p:nvGrpSpPr>
+      <p:grpSpPr>
+        <a:xfrm>
+          <a:off x="0" y="0"/>
+          <a:ext cx="0" cy="0"/>
+          <a:chOff x="0" y="0"/>
+          <a:chExt cx="0" cy="0"/>
+        </a:xfrm>
+      </p:grpSpPr>
+      <p:sp>
+        <p:nvSpPr>
+          <p:cNvPr id="2" name="Slide Image Placeholder 1"/>
+          <p:cNvSpPr>
+            <a:spLocks noGrp="1" noRot="1" noChangeAspect="1"/>
+          </p:cNvSpPr>
+          <p:nvPr>
+            <p:ph type="sldImg"/>
+          </p:nvPr>
+        </p:nvSpPr>
+        <p:spPr/>
+      </p:sp>
+      <p:sp>
+        <p:nvSpPr>
+          <p:cNvPr id="3" name="Notes Placeholder 2"/>
+          <p:cNvSpPr>
+            <a:spLocks noGrp="1"/>
+          </p:cNvSpPr>
+          <p:nvPr>
+            <p:ph type="body" idx="1"/>
+          </p:nvPr>
+        </p:nvSpPr>
+        <p:spPr/>
+        <p:txBody>
+          <a:bodyPr>
+            <a:normAutofit/>
+          </a:bodyPr>
+          <a:lstStyle/>
+          <a:p>
+            <a:endParaRPr lang="en-US" dirty="0"/>
+          </a:p>
+        </p:txBody>
+      </p:sp>
+      <p:sp>
+        <p:nvSpPr>
+          <p:cNvPr id="4" name="Slide Number Placeholder 3"/>
+          <p:cNvSpPr>
+            <a:spLocks noGrp="1"/>
+          </p:cNvSpPr>
+          <p:nvPr>
+            <p:ph type="sldNum" sz="quarter" idx="10"/>
+          </p:nvPr>
+        </p:nvSpPr>
+        <p:spPr/>
+        <p:txBody>
+          <a:bodyPr/>
+          <a:lstStyle/>
+          <a:p>
+            <a:fld id="{5D5B2715-B0E0-4A76-9B24-AC64393DF8BD}" type="slidenum">
+              <a:rPr lang="en-US" smtClean="0"/>
+              <a:pPr/>
+              <a:t>35</a:t>
+            </a:fld>
+            <a:endParaRPr lang="en-US" dirty="0"/>
+          </a:p>
+        </p:txBody>
+      </p:sp>
+    </p:spTree>
+  </p:cSld>
+  <p:clrMapOvr>
+    <a:masterClrMapping/>
+  </p:clrMapOvr>
+</p:notes>
+</file>
+
+<file path=ppt/notesSlides/notesSlide35.xml><?xml version="1.0" encoding="utf-8"?>
+<p:notes xmlns:a="http://schemas.openxmlformats.org/drawingml/2006/main" xmlns:r="http://schemas.openxmlformats.org/officeDocument/2006/relationships" xmlns:p="http://schemas.openxmlformats.org/presentationml/2006/main">
+  <p:cSld>
+    <p:spTree>
+      <p:nvGrpSpPr>
+        <p:cNvPr id="1" name=""/>
+        <p:cNvGrpSpPr/>
+        <p:nvPr/>
+      </p:nvGrpSpPr>
+      <p:grpSpPr>
+        <a:xfrm>
+          <a:off x="0" y="0"/>
+          <a:ext cx="0" cy="0"/>
+          <a:chOff x="0" y="0"/>
+          <a:chExt cx="0" cy="0"/>
+        </a:xfrm>
+      </p:grpSpPr>
+      <p:sp>
+        <p:nvSpPr>
+          <p:cNvPr id="2" name="Slide Image Placeholder 1"/>
+          <p:cNvSpPr>
+            <a:spLocks noGrp="1" noRot="1" noChangeAspect="1"/>
+          </p:cNvSpPr>
+          <p:nvPr>
+            <p:ph type="sldImg"/>
+          </p:nvPr>
+        </p:nvSpPr>
+        <p:spPr/>
+      </p:sp>
+      <p:sp>
+        <p:nvSpPr>
+          <p:cNvPr id="3" name="Notes Placeholder 2"/>
+          <p:cNvSpPr>
+            <a:spLocks noGrp="1"/>
+          </p:cNvSpPr>
+          <p:nvPr>
+            <p:ph type="body" idx="1"/>
+          </p:nvPr>
+        </p:nvSpPr>
+        <p:spPr/>
+        <p:txBody>
+          <a:bodyPr>
+            <a:normAutofit/>
+          </a:bodyPr>
+          <a:lstStyle/>
+          <a:p>
+            <a:endParaRPr lang="en-US" dirty="0"/>
+          </a:p>
+        </p:txBody>
+      </p:sp>
+      <p:sp>
+        <p:nvSpPr>
+          <p:cNvPr id="4" name="Slide Number Placeholder 3"/>
+          <p:cNvSpPr>
+            <a:spLocks noGrp="1"/>
+          </p:cNvSpPr>
+          <p:nvPr>
+            <p:ph type="sldNum" sz="quarter" idx="10"/>
+          </p:nvPr>
+        </p:nvSpPr>
+        <p:spPr/>
+        <p:txBody>
+          <a:bodyPr/>
+          <a:lstStyle/>
+          <a:p>
+            <a:fld id="{5D5B2715-B0E0-4A76-9B24-AC64393DF8BD}" type="slidenum">
+              <a:rPr lang="en-US" smtClean="0"/>
+              <a:pPr/>
+              <a:t>36</a:t>
+            </a:fld>
+            <a:endParaRPr lang="en-US" dirty="0"/>
+          </a:p>
+        </p:txBody>
+      </p:sp>
+    </p:spTree>
+  </p:cSld>
+  <p:clrMapOvr>
+    <a:masterClrMapping/>
+  </p:clrMapOvr>
+</p:notes>
+</file>
+
 <file path=ppt/notesSlides/notesSlide4.xml><?xml version="1.0" encoding="utf-8"?>
 <p:notes xmlns:a="http://schemas.openxmlformats.org/drawingml/2006/main" xmlns:r="http://schemas.openxmlformats.org/officeDocument/2006/relationships" xmlns:p="http://schemas.openxmlformats.org/presentationml/2006/main">
   <p:cSld>
@@ -6431,7 +13361,7 @@
             <a:fld id="{692DA68B-07B5-4D40-903F-69FBB0125CEF}" type="datetimeFigureOut">
               <a:rPr lang="en-US" smtClean="0"/>
               <a:pPr/>
-              <a:t>4/23/2009</a:t>
+              <a:t>4/24/2009</a:t>
             </a:fld>
             <a:endParaRPr lang="en-US" dirty="0"/>
           </a:p>
@@ -6598,7 +13528,7 @@
             <a:fld id="{692DA68B-07B5-4D40-903F-69FBB0125CEF}" type="datetimeFigureOut">
               <a:rPr lang="en-US" smtClean="0"/>
               <a:pPr/>
-              <a:t>4/23/2009</a:t>
+              <a:t>4/24/2009</a:t>
             </a:fld>
             <a:endParaRPr lang="en-US" dirty="0"/>
           </a:p>
@@ -6775,7 +13705,7 @@
             <a:fld id="{692DA68B-07B5-4D40-903F-69FBB0125CEF}" type="datetimeFigureOut">
               <a:rPr lang="en-US" smtClean="0"/>
               <a:pPr/>
-              <a:t>4/23/2009</a:t>
+              <a:t>4/24/2009</a:t>
             </a:fld>
             <a:endParaRPr lang="en-US" dirty="0"/>
           </a:p>
@@ -6942,7 +13872,7 @@
             <a:fld id="{692DA68B-07B5-4D40-903F-69FBB0125CEF}" type="datetimeFigureOut">
               <a:rPr lang="en-US" smtClean="0"/>
               <a:pPr/>
-              <a:t>4/23/2009</a:t>
+              <a:t>4/24/2009</a:t>
             </a:fld>
             <a:endParaRPr lang="en-US" dirty="0"/>
           </a:p>
@@ -7185,7 +14115,7 @@
             <a:fld id="{692DA68B-07B5-4D40-903F-69FBB0125CEF}" type="datetimeFigureOut">
               <a:rPr lang="en-US" smtClean="0"/>
               <a:pPr/>
-              <a:t>4/23/2009</a:t>
+              <a:t>4/24/2009</a:t>
             </a:fld>
             <a:endParaRPr lang="en-US" dirty="0"/>
           </a:p>
@@ -7470,7 +14400,7 @@
             <a:fld id="{692DA68B-07B5-4D40-903F-69FBB0125CEF}" type="datetimeFigureOut">
               <a:rPr lang="en-US" smtClean="0"/>
               <a:pPr/>
-              <a:t>4/23/2009</a:t>
+              <a:t>4/24/2009</a:t>
             </a:fld>
             <a:endParaRPr lang="en-US" dirty="0"/>
           </a:p>
@@ -7889,7 +14819,7 @@
             <a:fld id="{692DA68B-07B5-4D40-903F-69FBB0125CEF}" type="datetimeFigureOut">
               <a:rPr lang="en-US" smtClean="0"/>
               <a:pPr/>
-              <a:t>4/23/2009</a:t>
+              <a:t>4/24/2009</a:t>
             </a:fld>
             <a:endParaRPr lang="en-US" dirty="0"/>
           </a:p>
@@ -8004,7 +14934,7 @@
             <a:fld id="{692DA68B-07B5-4D40-903F-69FBB0125CEF}" type="datetimeFigureOut">
               <a:rPr lang="en-US" smtClean="0"/>
               <a:pPr/>
-              <a:t>4/23/2009</a:t>
+              <a:t>4/24/2009</a:t>
             </a:fld>
             <a:endParaRPr lang="en-US" dirty="0"/>
           </a:p>
@@ -8096,7 +15026,7 @@
             <a:fld id="{692DA68B-07B5-4D40-903F-69FBB0125CEF}" type="datetimeFigureOut">
               <a:rPr lang="en-US" smtClean="0"/>
               <a:pPr/>
-              <a:t>4/23/2009</a:t>
+              <a:t>4/24/2009</a:t>
             </a:fld>
             <a:endParaRPr lang="en-US" dirty="0"/>
           </a:p>
@@ -8370,7 +15300,7 @@
             <a:fld id="{692DA68B-07B5-4D40-903F-69FBB0125CEF}" type="datetimeFigureOut">
               <a:rPr lang="en-US" smtClean="0"/>
               <a:pPr/>
-              <a:t>4/23/2009</a:t>
+              <a:t>4/24/2009</a:t>
             </a:fld>
             <a:endParaRPr lang="en-US" dirty="0"/>
           </a:p>
@@ -8620,7 +15550,7 @@
             <a:fld id="{692DA68B-07B5-4D40-903F-69FBB0125CEF}" type="datetimeFigureOut">
               <a:rPr lang="en-US" smtClean="0"/>
               <a:pPr/>
-              <a:t>4/23/2009</a:t>
+              <a:t>4/24/2009</a:t>
             </a:fld>
             <a:endParaRPr lang="en-US" dirty="0"/>
           </a:p>
@@ -8830,7 +15760,7 @@
             <a:fld id="{692DA68B-07B5-4D40-903F-69FBB0125CEF}" type="datetimeFigureOut">
               <a:rPr lang="en-US" smtClean="0"/>
               <a:pPr/>
-              <a:t>4/23/2009</a:t>
+              <a:t>4/24/2009</a:t>
             </a:fld>
             <a:endParaRPr lang="en-US" dirty="0"/>
           </a:p>
@@ -9261,6 +16191,39 @@
             <a:r>
               <a:rPr lang="en-US" dirty="0" smtClean="0"/>
               <a:t>Artur Trosin</a:t>
+            </a:r>
+            <a:endParaRPr lang="en-US" dirty="0"/>
+          </a:p>
+        </p:txBody>
+      </p:sp>
+      <p:sp>
+        <p:nvSpPr>
+          <p:cNvPr id="4" name="Rectangle 3"/>
+          <p:cNvSpPr/>
+          <p:nvPr/>
+        </p:nvSpPr>
+        <p:spPr>
+          <a:xfrm>
+            <a:off x="228600" y="6096000"/>
+            <a:ext cx="5133970" cy="369332"/>
+          </a:xfrm>
+          <a:prstGeom prst="rect">
+            <a:avLst/>
+          </a:prstGeom>
+        </p:spPr>
+        <p:txBody>
+          <a:bodyPr wrap="none">
+            <a:spAutoFit/>
+          </a:bodyPr>
+          <a:lstStyle/>
+          <a:p>
+            <a:r>
+              <a:rPr lang="en-US" b="1" dirty="0" smtClean="0"/>
+              <a:t>Presentation for: Software </a:t>
+            </a:r>
+            <a:r>
+              <a:rPr lang="en-US" b="1" dirty="0" smtClean="0"/>
+              <a:t>as Craft 2009, 14-16 May</a:t>
             </a:r>
             <a:endParaRPr lang="en-US" dirty="0"/>
           </a:p>
@@ -17812,9 +24775,183 @@
           <a:chExt cx="0" cy="0"/>
         </a:xfrm>
       </p:grpSpPr>
-      <p:sp>
-        <p:nvSpPr>
-          <p:cNvPr id="2" name="Заголовок 1"/>
+      <p:pic>
+        <p:nvPicPr>
+          <p:cNvPr id="1026" name="Picture 2"/>
+          <p:cNvPicPr>
+            <a:picLocks noChangeAspect="1" noChangeArrowheads="1"/>
+          </p:cNvPicPr>
+          <p:nvPr/>
+        </p:nvPicPr>
+        <p:blipFill>
+          <a:blip r:embed="rId3"/>
+          <a:srcRect/>
+          <a:stretch>
+            <a:fillRect/>
+          </a:stretch>
+        </p:blipFill>
+        <p:spPr bwMode="auto">
+          <a:xfrm>
+            <a:off x="685800" y="228600"/>
+            <a:ext cx="8077200" cy="6096000"/>
+          </a:xfrm>
+          <a:prstGeom prst="rect">
+            <a:avLst/>
+          </a:prstGeom>
+          <a:noFill/>
+          <a:ln w="9525">
+            <a:noFill/>
+            <a:miter lim="800000"/>
+            <a:headEnd/>
+            <a:tailEnd/>
+          </a:ln>
+          <a:effectLst/>
+        </p:spPr>
+      </p:pic>
+    </p:spTree>
+  </p:cSld>
+  <p:clrMapOvr>
+    <a:masterClrMapping/>
+  </p:clrMapOvr>
+</p:sld>
+</file>
+
+<file path=ppt/slides/slide33.xml><?xml version="1.0" encoding="utf-8"?>
+<p:sld xmlns:a="http://schemas.openxmlformats.org/drawingml/2006/main" xmlns:r="http://schemas.openxmlformats.org/officeDocument/2006/relationships" xmlns:p="http://schemas.openxmlformats.org/presentationml/2006/main">
+  <p:cSld>
+    <p:spTree>
+      <p:nvGrpSpPr>
+        <p:cNvPr id="1" name=""/>
+        <p:cNvGrpSpPr/>
+        <p:nvPr/>
+      </p:nvGrpSpPr>
+      <p:grpSpPr>
+        <a:xfrm>
+          <a:off x="0" y="0"/>
+          <a:ext cx="0" cy="0"/>
+          <a:chOff x="0" y="0"/>
+          <a:chExt cx="0" cy="0"/>
+        </a:xfrm>
+      </p:grpSpPr>
+      <p:pic>
+        <p:nvPicPr>
+          <p:cNvPr id="2050" name="Picture 2"/>
+          <p:cNvPicPr>
+            <a:picLocks noChangeAspect="1" noChangeArrowheads="1"/>
+          </p:cNvPicPr>
+          <p:nvPr/>
+        </p:nvPicPr>
+        <p:blipFill>
+          <a:blip r:embed="rId3"/>
+          <a:srcRect/>
+          <a:stretch>
+            <a:fillRect/>
+          </a:stretch>
+        </p:blipFill>
+        <p:spPr bwMode="auto">
+          <a:xfrm>
+            <a:off x="457200" y="304800"/>
+            <a:ext cx="8382000" cy="6400800"/>
+          </a:xfrm>
+          <a:prstGeom prst="rect">
+            <a:avLst/>
+          </a:prstGeom>
+          <a:noFill/>
+          <a:ln w="9525">
+            <a:noFill/>
+            <a:miter lim="800000"/>
+            <a:headEnd/>
+            <a:tailEnd/>
+          </a:ln>
+          <a:effectLst/>
+        </p:spPr>
+      </p:pic>
+    </p:spTree>
+  </p:cSld>
+  <p:clrMapOvr>
+    <a:masterClrMapping/>
+  </p:clrMapOvr>
+</p:sld>
+</file>
+
+<file path=ppt/slides/slide34.xml><?xml version="1.0" encoding="utf-8"?>
+<p:sld xmlns:a="http://schemas.openxmlformats.org/drawingml/2006/main" xmlns:r="http://schemas.openxmlformats.org/officeDocument/2006/relationships" xmlns:p="http://schemas.openxmlformats.org/presentationml/2006/main">
+  <p:cSld>
+    <p:spTree>
+      <p:nvGrpSpPr>
+        <p:cNvPr id="1" name=""/>
+        <p:cNvGrpSpPr/>
+        <p:nvPr/>
+      </p:nvGrpSpPr>
+      <p:grpSpPr>
+        <a:xfrm>
+          <a:off x="0" y="0"/>
+          <a:ext cx="0" cy="0"/>
+          <a:chOff x="0" y="0"/>
+          <a:chExt cx="0" cy="0"/>
+        </a:xfrm>
+      </p:grpSpPr>
+      <p:pic>
+        <p:nvPicPr>
+          <p:cNvPr id="3074" name="Picture 2"/>
+          <p:cNvPicPr>
+            <a:picLocks noChangeAspect="1" noChangeArrowheads="1"/>
+          </p:cNvPicPr>
+          <p:nvPr/>
+        </p:nvPicPr>
+        <p:blipFill>
+          <a:blip r:embed="rId3"/>
+          <a:srcRect/>
+          <a:stretch>
+            <a:fillRect/>
+          </a:stretch>
+        </p:blipFill>
+        <p:spPr bwMode="auto">
+          <a:xfrm>
+            <a:off x="457200" y="457200"/>
+            <a:ext cx="8229600" cy="6019800"/>
+          </a:xfrm>
+          <a:prstGeom prst="rect">
+            <a:avLst/>
+          </a:prstGeom>
+          <a:noFill/>
+          <a:ln w="9525">
+            <a:noFill/>
+            <a:miter lim="800000"/>
+            <a:headEnd/>
+            <a:tailEnd/>
+          </a:ln>
+          <a:effectLst/>
+        </p:spPr>
+      </p:pic>
+    </p:spTree>
+  </p:cSld>
+  <p:clrMapOvr>
+    <a:masterClrMapping/>
+  </p:clrMapOvr>
+</p:sld>
+</file>
+
+<file path=ppt/slides/slide35.xml><?xml version="1.0" encoding="utf-8"?>
+<p:sld xmlns:a="http://schemas.openxmlformats.org/drawingml/2006/main" xmlns:r="http://schemas.openxmlformats.org/officeDocument/2006/relationships" xmlns:p="http://schemas.openxmlformats.org/presentationml/2006/main">
+  <p:cSld>
+    <p:spTree>
+      <p:nvGrpSpPr>
+        <p:cNvPr id="1" name=""/>
+        <p:cNvGrpSpPr/>
+        <p:nvPr/>
+      </p:nvGrpSpPr>
+      <p:grpSpPr>
+        <a:xfrm>
+          <a:off x="0" y="0"/>
+          <a:ext cx="0" cy="0"/>
+          <a:chOff x="0" y="0"/>
+          <a:chExt cx="0" cy="0"/>
+        </a:xfrm>
+      </p:grpSpPr>
+      <p:sp>
+        <p:nvSpPr>
+          <p:cNvPr id="2" name="Title 1"/>
           <p:cNvSpPr>
             <a:spLocks noGrp="1"/>
           </p:cNvSpPr>
@@ -17827,13 +24964,304 @@
           <a:bodyPr/>
           <a:lstStyle/>
           <a:p>
+            <a:r>
+              <a:rPr lang="en-US" dirty="0" smtClean="0"/>
+              <a:t>Collecting Basic requirements</a:t>
+            </a:r>
+            <a:endParaRPr lang="en-US" dirty="0"/>
+          </a:p>
+        </p:txBody>
+      </p:sp>
+      <p:pic>
+        <p:nvPicPr>
+          <p:cNvPr id="4098" name="Picture 2"/>
+          <p:cNvPicPr>
+            <a:picLocks noChangeAspect="1" noChangeArrowheads="1"/>
+          </p:cNvPicPr>
+          <p:nvPr/>
+        </p:nvPicPr>
+        <p:blipFill>
+          <a:blip r:embed="rId3"/>
+          <a:srcRect/>
+          <a:stretch>
+            <a:fillRect/>
+          </a:stretch>
+        </p:blipFill>
+        <p:spPr bwMode="auto">
+          <a:xfrm>
+            <a:off x="6286500" y="3524250"/>
+            <a:ext cx="2857500" cy="3333750"/>
+          </a:xfrm>
+          <a:prstGeom prst="rect">
+            <a:avLst/>
+          </a:prstGeom>
+          <a:noFill/>
+          <a:ln w="9525">
+            <a:noFill/>
+            <a:miter lim="800000"/>
+            <a:headEnd/>
+            <a:tailEnd/>
+          </a:ln>
+          <a:effectLst/>
+        </p:spPr>
+      </p:pic>
+      <p:sp>
+        <p:nvSpPr>
+          <p:cNvPr id="6" name="Content Placeholder 2"/>
+          <p:cNvSpPr>
+            <a:spLocks noGrp="1"/>
+          </p:cNvSpPr>
+          <p:nvPr>
+            <p:ph idx="1"/>
+          </p:nvPr>
+        </p:nvSpPr>
+        <p:spPr>
+          <a:xfrm>
+            <a:off x="457200" y="1600200"/>
+            <a:ext cx="8229600" cy="4525963"/>
+          </a:xfrm>
+        </p:spPr>
+        <p:txBody>
+          <a:bodyPr/>
+          <a:lstStyle/>
+          <a:p>
+            <a:r>
+              <a:rPr lang="en-US" dirty="0" smtClean="0"/>
+              <a:t>Book </a:t>
+            </a:r>
+            <a:r>
+              <a:rPr lang="en-US" dirty="0" smtClean="0"/>
+              <a:t>cargo in </a:t>
+            </a:r>
+            <a:r>
+              <a:rPr lang="en-US" dirty="0" smtClean="0"/>
+              <a:t>advance</a:t>
+            </a:r>
+          </a:p>
+          <a:p>
+            <a:r>
+              <a:rPr lang="en-US" dirty="0" smtClean="0"/>
+              <a:t>Track key handling of customer cargo</a:t>
+            </a:r>
+          </a:p>
+          <a:p>
+            <a:endParaRPr lang="en-US" dirty="0"/>
+          </a:p>
+        </p:txBody>
+      </p:sp>
+    </p:spTree>
+  </p:cSld>
+  <p:clrMapOvr>
+    <a:masterClrMapping/>
+  </p:clrMapOvr>
+</p:sld>
+</file>
+
+<file path=ppt/slides/slide36.xml><?xml version="1.0" encoding="utf-8"?>
+<p:sld xmlns:a="http://schemas.openxmlformats.org/drawingml/2006/main" xmlns:r="http://schemas.openxmlformats.org/officeDocument/2006/relationships" xmlns:p="http://schemas.openxmlformats.org/presentationml/2006/main">
+  <p:cSld>
+    <p:spTree>
+      <p:nvGrpSpPr>
+        <p:cNvPr id="1" name=""/>
+        <p:cNvGrpSpPr/>
+        <p:nvPr/>
+      </p:nvGrpSpPr>
+      <p:grpSpPr>
+        <a:xfrm>
+          <a:off x="0" y="0"/>
+          <a:ext cx="0" cy="0"/>
+          <a:chOff x="0" y="0"/>
+          <a:chExt cx="0" cy="0"/>
+        </a:xfrm>
+      </p:grpSpPr>
+      <p:graphicFrame>
+        <p:nvGraphicFramePr>
+          <p:cNvPr id="5" name="Diagram 4"/>
+          <p:cNvGraphicFramePr/>
+          <p:nvPr/>
+        </p:nvGraphicFramePr>
+        <p:xfrm>
+          <a:off x="2220117" y="1587852"/>
+          <a:ext cx="1676400" cy="965200"/>
+        </p:xfrm>
+        <a:graphic>
+          <a:graphicData uri="http://schemas.openxmlformats.org/drawingml/2006/diagram">
+            <dgm:relIds xmlns:dgm="http://schemas.openxmlformats.org/drawingml/2006/diagram" xmlns:r="http://schemas.openxmlformats.org/officeDocument/2006/relationships" r:dm="rId3" r:lo="rId4" r:qs="rId5" r:cs="rId6"/>
+          </a:graphicData>
+        </a:graphic>
+      </p:graphicFrame>
+      <p:graphicFrame>
+        <p:nvGraphicFramePr>
+          <p:cNvPr id="9" name="Diagram 8"/>
+          <p:cNvGraphicFramePr/>
+          <p:nvPr/>
+        </p:nvGraphicFramePr>
+        <p:xfrm>
+          <a:off x="4734717" y="1587852"/>
+          <a:ext cx="1676400" cy="965200"/>
+        </p:xfrm>
+        <a:graphic>
+          <a:graphicData uri="http://schemas.openxmlformats.org/drawingml/2006/diagram">
+            <dgm:relIds xmlns:dgm="http://schemas.openxmlformats.org/drawingml/2006/diagram" xmlns:r="http://schemas.openxmlformats.org/officeDocument/2006/relationships" r:dm="rId7" r:lo="rId8" r:qs="rId9" r:cs="rId10"/>
+          </a:graphicData>
+        </a:graphic>
+      </p:graphicFrame>
+      <p:cxnSp>
+        <p:nvCxnSpPr>
+          <p:cNvPr id="13" name="Straight Connector 12"/>
+          <p:cNvCxnSpPr/>
+          <p:nvPr/>
+        </p:nvCxnSpPr>
+        <p:spPr>
+          <a:xfrm>
+            <a:off x="3896517" y="1968852"/>
+            <a:ext cx="838200" cy="1588"/>
+          </a:xfrm>
+          <a:prstGeom prst="line">
+            <a:avLst/>
+          </a:prstGeom>
+        </p:spPr>
+        <p:style>
+          <a:lnRef idx="1">
+            <a:schemeClr val="accent1"/>
+          </a:lnRef>
+          <a:fillRef idx="0">
+            <a:schemeClr val="accent1"/>
+          </a:fillRef>
+          <a:effectRef idx="0">
+            <a:schemeClr val="accent1"/>
+          </a:effectRef>
+          <a:fontRef idx="minor">
+            <a:schemeClr val="tx1"/>
+          </a:fontRef>
+        </p:style>
+      </p:cxnSp>
+      <p:graphicFrame>
+        <p:nvGraphicFramePr>
+          <p:cNvPr id="16" name="Diagram 15"/>
+          <p:cNvGraphicFramePr/>
+          <p:nvPr/>
+        </p:nvGraphicFramePr>
+        <p:xfrm>
+          <a:off x="4876800" y="3733800"/>
+          <a:ext cx="1676400" cy="1193800"/>
+        </p:xfrm>
+        <a:graphic>
+          <a:graphicData uri="http://schemas.openxmlformats.org/drawingml/2006/diagram">
+            <dgm:relIds xmlns:dgm="http://schemas.openxmlformats.org/drawingml/2006/diagram" xmlns:r="http://schemas.openxmlformats.org/officeDocument/2006/relationships" r:dm="rId11" r:lo="rId12" r:qs="rId13" r:cs="rId14"/>
+          </a:graphicData>
+        </a:graphic>
+      </p:graphicFrame>
+      <p:cxnSp>
+        <p:nvCxnSpPr>
+          <p:cNvPr id="27" name="Elbow Connector 26"/>
+          <p:cNvCxnSpPr/>
+          <p:nvPr/>
+        </p:nvCxnSpPr>
+        <p:spPr>
+          <a:xfrm>
+            <a:off x="2743200" y="2438400"/>
+            <a:ext cx="2133600" cy="1752600"/>
+          </a:xfrm>
+          <a:prstGeom prst="bentConnector3">
+            <a:avLst>
+              <a:gd name="adj1" fmla="val 193"/>
+            </a:avLst>
+          </a:prstGeom>
+        </p:spPr>
+        <p:style>
+          <a:lnRef idx="1">
+            <a:schemeClr val="accent1"/>
+          </a:lnRef>
+          <a:fillRef idx="0">
+            <a:schemeClr val="accent1"/>
+          </a:fillRef>
+          <a:effectRef idx="0">
+            <a:schemeClr val="accent1"/>
+          </a:effectRef>
+          <a:fontRef idx="minor">
+            <a:schemeClr val="tx1"/>
+          </a:fontRef>
+        </p:style>
+      </p:cxnSp>
+      <p:sp>
+        <p:nvSpPr>
+          <p:cNvPr id="29" name="TextBox 28"/>
+          <p:cNvSpPr txBox="1"/>
+          <p:nvPr/>
+        </p:nvSpPr>
+        <p:spPr>
+          <a:xfrm>
+            <a:off x="3048000" y="3657600"/>
+            <a:ext cx="990600" cy="369332"/>
+          </a:xfrm>
+          <a:prstGeom prst="rect">
+            <a:avLst/>
+          </a:prstGeom>
+          <a:noFill/>
+        </p:spPr>
+        <p:txBody>
+          <a:bodyPr wrap="square" rtlCol="0">
+            <a:spAutoFit/>
+          </a:bodyPr>
+          <a:lstStyle/>
+          <a:p>
+            <a:pPr lvl="0"/>
+            <a:r>
+              <a:rPr lang="en-US" dirty="0" smtClean="0"/>
+              <a:t>Itinerary</a:t>
+            </a:r>
+            <a:endParaRPr lang="en-US" dirty="0"/>
+          </a:p>
+        </p:txBody>
+      </p:sp>
+    </p:spTree>
+  </p:cSld>
+  <p:clrMapOvr>
+    <a:masterClrMapping/>
+  </p:clrMapOvr>
+</p:sld>
+</file>
+
+<file path=ppt/slides/slide37.xml><?xml version="1.0" encoding="utf-8"?>
+<p:sld xmlns:a="http://schemas.openxmlformats.org/drawingml/2006/main" xmlns:r="http://schemas.openxmlformats.org/officeDocument/2006/relationships" xmlns:p="http://schemas.openxmlformats.org/presentationml/2006/main">
+  <p:cSld>
+    <p:spTree>
+      <p:nvGrpSpPr>
+        <p:cNvPr id="1" name=""/>
+        <p:cNvGrpSpPr/>
+        <p:nvPr/>
+      </p:nvGrpSpPr>
+      <p:grpSpPr>
+        <a:xfrm>
+          <a:off x="0" y="0"/>
+          <a:ext cx="0" cy="0"/>
+          <a:chOff x="0" y="0"/>
+          <a:chExt cx="0" cy="0"/>
+        </a:xfrm>
+      </p:grpSpPr>
+      <p:sp>
+        <p:nvSpPr>
+          <p:cNvPr id="2" name="Title 1"/>
+          <p:cNvSpPr>
+            <a:spLocks noGrp="1"/>
+          </p:cNvSpPr>
+          <p:nvPr>
+            <p:ph type="title"/>
+          </p:nvPr>
+        </p:nvSpPr>
+        <p:spPr/>
+        <p:txBody>
+          <a:bodyPr/>
+          <a:lstStyle/>
+          <a:p>
             <a:endParaRPr lang="en-US"/>
           </a:p>
         </p:txBody>
       </p:sp>
       <p:sp>
         <p:nvSpPr>
-          <p:cNvPr id="3" name="Содержимое 2"/>
+          <p:cNvPr id="3" name="Content Placeholder 2"/>
           <p:cNvSpPr>
             <a:spLocks noGrp="1"/>
           </p:cNvSpPr>
